--- a/presentation/heat.pptx
+++ b/presentation/heat.pptx
@@ -4653,14 +4653,14 @@
           <p:nvPr>
             <p:extLst>
               <p:ext uri="{D42A27DB-BD31-4B8C-83A1-F6EECF244321}">
-                <p14:modId xmlns:p14="http://schemas.microsoft.com/office/powerpoint/2010/main" val="1422645994"/>
+                <p14:modId xmlns:p14="http://schemas.microsoft.com/office/powerpoint/2010/main" val="4095726310"/>
               </p:ext>
             </p:extLst>
           </p:nvPr>
         </p:nvGraphicFramePr>
         <p:xfrm>
-          <a:off x="3186675" y="1818322"/>
-          <a:ext cx="5818650" cy="4365944"/>
+          <a:off x="2463800" y="1690688"/>
+          <a:ext cx="9118599" cy="4817613"/>
         </p:xfrm>
         <a:graphic>
           <a:graphicData uri="http://schemas.openxmlformats.org/drawingml/2006/table">
@@ -4669,21 +4669,21 @@
                 <a:tableStyleId>{5940675A-B579-460E-94D1-54222C63F5DA}</a:tableStyleId>
               </a:tblPr>
               <a:tblGrid>
-                <a:gridCol w="1939550">
+                <a:gridCol w="1511300">
                   <a:extLst>
                     <a:ext uri="{9D8B030D-6E8A-4147-A177-3AD203B41FA5}">
                       <a16:colId xmlns:a16="http://schemas.microsoft.com/office/drawing/2014/main" val="1997298528"/>
                     </a:ext>
                   </a:extLst>
                 </a:gridCol>
-                <a:gridCol w="1939550">
+                <a:gridCol w="3251200">
                   <a:extLst>
                     <a:ext uri="{9D8B030D-6E8A-4147-A177-3AD203B41FA5}">
                       <a16:colId xmlns:a16="http://schemas.microsoft.com/office/drawing/2014/main" val="2606793907"/>
                     </a:ext>
                   </a:extLst>
                 </a:gridCol>
-                <a:gridCol w="1939550">
+                <a:gridCol w="4356099">
                   <a:extLst>
                     <a:ext uri="{9D8B030D-6E8A-4147-A177-3AD203B41FA5}">
                       <a16:colId xmlns:a16="http://schemas.microsoft.com/office/drawing/2014/main" val="3193260059"/>
@@ -4691,14 +4691,14 @@
                   </a:extLst>
                 </a:gridCol>
               </a:tblGrid>
-              <a:tr h="202388">
+              <a:tr h="239527">
                 <a:tc>
                   <a:txBody>
                     <a:bodyPr/>
                     <a:lstStyle/>
                     <a:p>
                       <a:r>
-                        <a:rPr lang="de-DE" sz="1000">
+                        <a:rPr lang="de-DE" sz="1600">
                           <a:solidFill>
                             <a:schemeClr val="tx1">
                               <a:lumMod val="50000"/>
@@ -4718,7 +4718,7 @@
                     <a:lstStyle/>
                     <a:p>
                       <a:r>
-                        <a:rPr lang="de-DE" sz="1000">
+                        <a:rPr lang="de-DE" sz="1600">
                           <a:solidFill>
                             <a:schemeClr val="tx1">
                               <a:lumMod val="50000"/>
@@ -4738,7 +4738,7 @@
                     <a:lstStyle/>
                     <a:p>
                       <a:r>
-                        <a:rPr lang="de-DE" sz="1000">
+                        <a:rPr lang="de-DE" sz="1600">
                           <a:solidFill>
                             <a:schemeClr val="tx1">
                               <a:lumMod val="50000"/>
@@ -4758,14 +4758,14 @@
                   </a:ext>
                 </a:extLst>
               </a:tr>
-              <a:tr h="202388">
+              <a:tr h="239527">
                 <a:tc>
                   <a:txBody>
                     <a:bodyPr/>
                     <a:lstStyle/>
                     <a:p>
                       <a:r>
-                        <a:rPr lang="de-DE" sz="1000">
+                        <a:rPr lang="de-DE" sz="1600">
                           <a:solidFill>
                             <a:schemeClr val="tx1">
                               <a:lumMod val="50000"/>
@@ -4785,7 +4785,7 @@
                     <a:lstStyle/>
                     <a:p>
                       <a:r>
-                        <a:rPr lang="de-DE" sz="1000">
+                        <a:rPr lang="de-DE" sz="1600">
                           <a:solidFill>
                             <a:schemeClr val="tx1">
                               <a:lumMod val="50000"/>
@@ -4805,7 +4805,7 @@
                     <a:lstStyle/>
                     <a:p>
                       <a:r>
-                        <a:rPr lang="de-DE" sz="1000">
+                        <a:rPr lang="de-DE" sz="1600">
                           <a:solidFill>
                             <a:schemeClr val="tx1">
                               <a:lumMod val="50000"/>
@@ -4825,14 +4825,14 @@
                   </a:ext>
                 </a:extLst>
               </a:tr>
-              <a:tr h="354179">
+              <a:tr h="2072058">
                 <a:tc>
                   <a:txBody>
                     <a:bodyPr/>
                     <a:lstStyle/>
                     <a:p>
                       <a:r>
-                        <a:rPr lang="de-DE" sz="1000">
+                        <a:rPr lang="de-DE" sz="1600" dirty="0" err="1">
                           <a:solidFill>
                             <a:schemeClr val="tx1">
                               <a:lumMod val="50000"/>
@@ -4840,8 +4840,38 @@
                             </a:schemeClr>
                           </a:solidFill>
                         </a:rPr>
-                        <a:t>heat absorption</a:t>
+                        <a:t>heat</a:t>
                       </a:r>
+                      <a:r>
+                        <a:rPr lang="de-DE" sz="1600" dirty="0">
+                          <a:solidFill>
+                            <a:schemeClr val="tx1">
+                              <a:lumMod val="50000"/>
+                              <a:lumOff val="50000"/>
+                            </a:schemeClr>
+                          </a:solidFill>
+                        </a:rPr>
+                        <a:t> </a:t>
+                      </a:r>
+                      <a:r>
+                        <a:rPr lang="de-DE" sz="1600" dirty="0" err="1">
+                          <a:solidFill>
+                            <a:schemeClr val="tx1">
+                              <a:lumMod val="50000"/>
+                              <a:lumOff val="50000"/>
+                            </a:schemeClr>
+                          </a:solidFill>
+                        </a:rPr>
+                        <a:t>absorption</a:t>
+                      </a:r>
+                      <a:endParaRPr lang="de-DE" sz="1600" dirty="0">
+                        <a:solidFill>
+                          <a:schemeClr val="tx1">
+                            <a:lumMod val="50000"/>
+                            <a:lumOff val="50000"/>
+                          </a:schemeClr>
+                        </a:solidFill>
+                      </a:endParaRPr>
                     </a:p>
                   </a:txBody>
                   <a:tcPr marL="50597" marR="50597" marT="25298" marB="25298" anchor="ctr"/>
@@ -4852,7 +4882,7 @@
                     <a:lstStyle/>
                     <a:p>
                       <a:r>
-                        <a:rPr lang="de-DE" sz="1000">
+                        <a:rPr lang="de-DE" sz="1600" dirty="0" err="1">
                           <a:solidFill>
                             <a:schemeClr val="tx1">
                               <a:lumMod val="50000"/>
@@ -4860,8 +4890,364 @@
                             </a:schemeClr>
                           </a:solidFill>
                         </a:rPr>
-                        <a:t>air that is blown over the heat exchanger by a fan</a:t>
+                        <a:t>air</a:t>
                       </a:r>
+                      <a:r>
+                        <a:rPr lang="de-DE" sz="1600" dirty="0">
+                          <a:solidFill>
+                            <a:schemeClr val="tx1">
+                              <a:lumMod val="50000"/>
+                              <a:lumOff val="50000"/>
+                            </a:schemeClr>
+                          </a:solidFill>
+                        </a:rPr>
+                        <a:t> </a:t>
+                      </a:r>
+                      <a:r>
+                        <a:rPr lang="de-DE" sz="1600" dirty="0" err="1">
+                          <a:solidFill>
+                            <a:schemeClr val="tx1">
+                              <a:lumMod val="50000"/>
+                              <a:lumOff val="50000"/>
+                            </a:schemeClr>
+                          </a:solidFill>
+                        </a:rPr>
+                        <a:t>that</a:t>
+                      </a:r>
+                      <a:r>
+                        <a:rPr lang="de-DE" sz="1600" dirty="0">
+                          <a:solidFill>
+                            <a:schemeClr val="tx1">
+                              <a:lumMod val="50000"/>
+                              <a:lumOff val="50000"/>
+                            </a:schemeClr>
+                          </a:solidFill>
+                        </a:rPr>
+                        <a:t> </a:t>
+                      </a:r>
+                      <a:r>
+                        <a:rPr lang="de-DE" sz="1600" dirty="0" err="1">
+                          <a:solidFill>
+                            <a:schemeClr val="tx1">
+                              <a:lumMod val="50000"/>
+                              <a:lumOff val="50000"/>
+                            </a:schemeClr>
+                          </a:solidFill>
+                        </a:rPr>
+                        <a:t>is</a:t>
+                      </a:r>
+                      <a:r>
+                        <a:rPr lang="de-DE" sz="1600" dirty="0">
+                          <a:solidFill>
+                            <a:schemeClr val="tx1">
+                              <a:lumMod val="50000"/>
+                              <a:lumOff val="50000"/>
+                            </a:schemeClr>
+                          </a:solidFill>
+                        </a:rPr>
+                        <a:t> </a:t>
+                      </a:r>
+                      <a:r>
+                        <a:rPr lang="de-DE" sz="1600" dirty="0" err="1">
+                          <a:solidFill>
+                            <a:schemeClr val="tx1">
+                              <a:lumMod val="50000"/>
+                              <a:lumOff val="50000"/>
+                            </a:schemeClr>
+                          </a:solidFill>
+                        </a:rPr>
+                        <a:t>blown</a:t>
+                      </a:r>
+                      <a:r>
+                        <a:rPr lang="de-DE" sz="1600" dirty="0">
+                          <a:solidFill>
+                            <a:schemeClr val="tx1">
+                              <a:lumMod val="50000"/>
+                              <a:lumOff val="50000"/>
+                            </a:schemeClr>
+                          </a:solidFill>
+                        </a:rPr>
+                        <a:t> </a:t>
+                      </a:r>
+                      <a:r>
+                        <a:rPr lang="de-DE" sz="1600" dirty="0" err="1">
+                          <a:solidFill>
+                            <a:schemeClr val="tx1">
+                              <a:lumMod val="50000"/>
+                              <a:lumOff val="50000"/>
+                            </a:schemeClr>
+                          </a:solidFill>
+                        </a:rPr>
+                        <a:t>over</a:t>
+                      </a:r>
+                      <a:r>
+                        <a:rPr lang="de-DE" sz="1600" dirty="0">
+                          <a:solidFill>
+                            <a:schemeClr val="tx1">
+                              <a:lumMod val="50000"/>
+                              <a:lumOff val="50000"/>
+                            </a:schemeClr>
+                          </a:solidFill>
+                        </a:rPr>
+                        <a:t> </a:t>
+                      </a:r>
+                      <a:r>
+                        <a:rPr lang="de-DE" sz="1600" dirty="0" err="1">
+                          <a:solidFill>
+                            <a:schemeClr val="tx1">
+                              <a:lumMod val="50000"/>
+                              <a:lumOff val="50000"/>
+                            </a:schemeClr>
+                          </a:solidFill>
+                        </a:rPr>
+                        <a:t>the</a:t>
+                      </a:r>
+                      <a:r>
+                        <a:rPr lang="de-DE" sz="1600" dirty="0">
+                          <a:solidFill>
+                            <a:schemeClr val="tx1">
+                              <a:lumMod val="50000"/>
+                              <a:lumOff val="50000"/>
+                            </a:schemeClr>
+                          </a:solidFill>
+                        </a:rPr>
+                        <a:t> </a:t>
+                      </a:r>
+                      <a:r>
+                        <a:rPr lang="de-DE" sz="1600" dirty="0" err="1">
+                          <a:solidFill>
+                            <a:schemeClr val="tx1">
+                              <a:lumMod val="50000"/>
+                              <a:lumOff val="50000"/>
+                            </a:schemeClr>
+                          </a:solidFill>
+                        </a:rPr>
+                        <a:t>heat</a:t>
+                      </a:r>
+                      <a:r>
+                        <a:rPr lang="de-DE" sz="1600" dirty="0">
+                          <a:solidFill>
+                            <a:schemeClr val="tx1">
+                              <a:lumMod val="50000"/>
+                              <a:lumOff val="50000"/>
+                            </a:schemeClr>
+                          </a:solidFill>
+                        </a:rPr>
+                        <a:t> </a:t>
+                      </a:r>
+                      <a:r>
+                        <a:rPr lang="de-DE" sz="1600" dirty="0" err="1">
+                          <a:solidFill>
+                            <a:schemeClr val="tx1">
+                              <a:lumMod val="50000"/>
+                              <a:lumOff val="50000"/>
+                            </a:schemeClr>
+                          </a:solidFill>
+                        </a:rPr>
+                        <a:t>exchanger</a:t>
+                      </a:r>
+                      <a:r>
+                        <a:rPr lang="de-DE" sz="1600" dirty="0">
+                          <a:solidFill>
+                            <a:schemeClr val="tx1">
+                              <a:lumMod val="50000"/>
+                              <a:lumOff val="50000"/>
+                            </a:schemeClr>
+                          </a:solidFill>
+                        </a:rPr>
+                        <a:t> </a:t>
+                      </a:r>
+                      <a:r>
+                        <a:rPr lang="de-DE" sz="1600" dirty="0" err="1">
+                          <a:solidFill>
+                            <a:schemeClr val="tx1">
+                              <a:lumMod val="50000"/>
+                              <a:lumOff val="50000"/>
+                            </a:schemeClr>
+                          </a:solidFill>
+                        </a:rPr>
+                        <a:t>by</a:t>
+                      </a:r>
+                      <a:r>
+                        <a:rPr lang="de-DE" sz="1600" dirty="0">
+                          <a:solidFill>
+                            <a:schemeClr val="tx1">
+                              <a:lumMod val="50000"/>
+                              <a:lumOff val="50000"/>
+                            </a:schemeClr>
+                          </a:solidFill>
+                        </a:rPr>
+                        <a:t> a fan</a:t>
+                      </a:r>
+                    </a:p>
+                    <a:p>
+                      <a:pPr marL="0" marR="0" lvl="0" indent="0" algn="l" defTabSz="914400" rtl="0" eaLnBrk="1" fontAlgn="auto" latinLnBrk="0" hangingPunct="1">
+                        <a:lnSpc>
+                          <a:spcPct val="100000"/>
+                        </a:lnSpc>
+                        <a:spcBef>
+                          <a:spcPts val="0"/>
+                        </a:spcBef>
+                        <a:spcAft>
+                          <a:spcPts val="0"/>
+                        </a:spcAft>
+                        <a:buClrTx/>
+                        <a:buSzTx/>
+                        <a:buFontTx/>
+                        <a:buNone/>
+                        <a:tabLst/>
+                        <a:defRPr/>
+                      </a:pPr>
+                      <a:r>
+                        <a:rPr lang="de-DE" sz="1600" dirty="0">
+                          <a:solidFill>
+                            <a:schemeClr val="tx1">
+                              <a:lumMod val="50000"/>
+                              <a:lumOff val="50000"/>
+                            </a:schemeClr>
+                          </a:solidFill>
+                        </a:rPr>
+                        <a:t>→ </a:t>
+                      </a:r>
+                      <a:r>
+                        <a:rPr lang="de-DE" sz="1600" dirty="0" err="1">
+                          <a:solidFill>
+                            <a:schemeClr val="tx1">
+                              <a:lumMod val="50000"/>
+                              <a:lumOff val="50000"/>
+                            </a:schemeClr>
+                          </a:solidFill>
+                        </a:rPr>
+                        <a:t>usually</a:t>
+                      </a:r>
+                      <a:r>
+                        <a:rPr lang="de-DE" sz="1600" dirty="0">
+                          <a:solidFill>
+                            <a:schemeClr val="tx1">
+                              <a:lumMod val="50000"/>
+                              <a:lumOff val="50000"/>
+                            </a:schemeClr>
+                          </a:solidFill>
+                        </a:rPr>
+                        <a:t> </a:t>
+                      </a:r>
+                      <a:r>
+                        <a:rPr lang="de-DE" sz="1600" dirty="0" err="1">
+                          <a:solidFill>
+                            <a:schemeClr val="tx1">
+                              <a:lumMod val="50000"/>
+                              <a:lumOff val="50000"/>
+                            </a:schemeClr>
+                          </a:solidFill>
+                        </a:rPr>
+                        <a:t>comprise</a:t>
+                      </a:r>
+                      <a:r>
+                        <a:rPr lang="de-DE" sz="1600" dirty="0">
+                          <a:solidFill>
+                            <a:schemeClr val="tx1">
+                              <a:lumMod val="50000"/>
+                              <a:lumOff val="50000"/>
+                            </a:schemeClr>
+                          </a:solidFill>
+                        </a:rPr>
+                        <a:t> a </a:t>
+                      </a:r>
+                      <a:r>
+                        <a:rPr lang="de-DE" sz="1600" dirty="0" err="1">
+                          <a:solidFill>
+                            <a:schemeClr val="tx1">
+                              <a:lumMod val="50000"/>
+                              <a:lumOff val="50000"/>
+                            </a:schemeClr>
+                          </a:solidFill>
+                        </a:rPr>
+                        <a:t>single</a:t>
+                      </a:r>
+                      <a:r>
+                        <a:rPr lang="de-DE" sz="1600" dirty="0">
+                          <a:solidFill>
+                            <a:schemeClr val="tx1">
+                              <a:lumMod val="50000"/>
+                              <a:lumOff val="50000"/>
+                            </a:schemeClr>
+                          </a:solidFill>
+                        </a:rPr>
+                        <a:t>, </a:t>
+                      </a:r>
+                      <a:r>
+                        <a:rPr lang="de-DE" sz="1600" dirty="0" err="1">
+                          <a:solidFill>
+                            <a:schemeClr val="tx1">
+                              <a:lumMod val="50000"/>
+                              <a:lumOff val="50000"/>
+                            </a:schemeClr>
+                          </a:solidFill>
+                        </a:rPr>
+                        <a:t>self-contained</a:t>
+                      </a:r>
+                      <a:r>
+                        <a:rPr lang="de-DE" sz="1600" dirty="0">
+                          <a:solidFill>
+                            <a:schemeClr val="tx1">
+                              <a:lumMod val="50000"/>
+                              <a:lumOff val="50000"/>
+                            </a:schemeClr>
+                          </a:solidFill>
+                        </a:rPr>
+                        <a:t> </a:t>
+                      </a:r>
+                      <a:r>
+                        <a:rPr lang="de-DE" sz="1600" dirty="0" err="1">
+                          <a:solidFill>
+                            <a:schemeClr val="tx1">
+                              <a:lumMod val="50000"/>
+                              <a:lumOff val="50000"/>
+                            </a:schemeClr>
+                          </a:solidFill>
+                        </a:rPr>
+                        <a:t>outdoor</a:t>
+                      </a:r>
+                      <a:r>
+                        <a:rPr lang="de-DE" sz="1600" dirty="0">
+                          <a:solidFill>
+                            <a:schemeClr val="tx1">
+                              <a:lumMod val="50000"/>
+                              <a:lumOff val="50000"/>
+                            </a:schemeClr>
+                          </a:solidFill>
+                        </a:rPr>
+                        <a:t> </a:t>
+                      </a:r>
+                      <a:r>
+                        <a:rPr lang="de-DE" sz="1600" dirty="0" err="1">
+                          <a:solidFill>
+                            <a:schemeClr val="tx1">
+                              <a:lumMod val="50000"/>
+                              <a:lumOff val="50000"/>
+                            </a:schemeClr>
+                          </a:solidFill>
+                        </a:rPr>
+                        <a:t>unit</a:t>
+                      </a:r>
+                      <a:endParaRPr lang="de-DE" sz="1600" dirty="0">
+                        <a:solidFill>
+                          <a:schemeClr val="tx1">
+                            <a:lumMod val="50000"/>
+                            <a:lumOff val="50000"/>
+                          </a:schemeClr>
+                        </a:solidFill>
+                      </a:endParaRPr>
+                    </a:p>
+                    <a:p>
+                      <a:endParaRPr lang="de-DE" sz="1600" dirty="0">
+                        <a:solidFill>
+                          <a:schemeClr val="tx1">
+                            <a:lumMod val="50000"/>
+                            <a:lumOff val="50000"/>
+                          </a:schemeClr>
+                        </a:solidFill>
+                      </a:endParaRPr>
                     </a:p>
                   </a:txBody>
                   <a:tcPr marL="50597" marR="50597" marT="25298" marB="25298" anchor="ctr"/>
@@ -4871,7 +5257,1289 @@
                     <a:bodyPr/>
                     <a:lstStyle/>
                     <a:p>
-                      <a:endParaRPr lang="de-DE" sz="1000">
+                      <a:pPr marL="0" marR="0" lvl="0" indent="0" algn="l" defTabSz="914400" rtl="0" eaLnBrk="1" fontAlgn="auto" latinLnBrk="0" hangingPunct="1">
+                        <a:lnSpc>
+                          <a:spcPct val="100000"/>
+                        </a:lnSpc>
+                        <a:spcBef>
+                          <a:spcPts val="0"/>
+                        </a:spcBef>
+                        <a:spcAft>
+                          <a:spcPts val="0"/>
+                        </a:spcAft>
+                        <a:buClrTx/>
+                        <a:buSzTx/>
+                        <a:buFontTx/>
+                        <a:buNone/>
+                        <a:tabLst/>
+                        <a:defRPr/>
+                      </a:pPr>
+                      <a:r>
+                        <a:rPr lang="de-DE" sz="1600" dirty="0" err="1">
+                          <a:solidFill>
+                            <a:schemeClr val="tx1">
+                              <a:lumMod val="50000"/>
+                              <a:lumOff val="50000"/>
+                            </a:schemeClr>
+                          </a:solidFill>
+                        </a:rPr>
+                        <a:t>by</a:t>
+                      </a:r>
+                      <a:r>
+                        <a:rPr lang="de-DE" sz="1600" dirty="0">
+                          <a:solidFill>
+                            <a:schemeClr val="tx1">
+                              <a:lumMod val="50000"/>
+                              <a:lumOff val="50000"/>
+                            </a:schemeClr>
+                          </a:solidFill>
+                        </a:rPr>
+                        <a:t> </a:t>
+                      </a:r>
+                      <a:r>
+                        <a:rPr lang="de-DE" sz="1600" dirty="0" err="1">
+                          <a:solidFill>
+                            <a:schemeClr val="tx1">
+                              <a:lumMod val="50000"/>
+                              <a:lumOff val="50000"/>
+                            </a:schemeClr>
+                          </a:solidFill>
+                        </a:rPr>
+                        <a:t>refrigerant</a:t>
+                      </a:r>
+                      <a:r>
+                        <a:rPr lang="de-DE" sz="1600" dirty="0">
+                          <a:solidFill>
+                            <a:schemeClr val="tx1">
+                              <a:lumMod val="50000"/>
+                              <a:lumOff val="50000"/>
+                            </a:schemeClr>
+                          </a:solidFill>
+                        </a:rPr>
+                        <a:t> </a:t>
+                      </a:r>
+                      <a:r>
+                        <a:rPr lang="de-DE" sz="1600" dirty="0" err="1">
+                          <a:solidFill>
+                            <a:schemeClr val="tx1">
+                              <a:lumMod val="50000"/>
+                              <a:lumOff val="50000"/>
+                            </a:schemeClr>
+                          </a:solidFill>
+                        </a:rPr>
+                        <a:t>running</a:t>
+                      </a:r>
+                      <a:r>
+                        <a:rPr lang="de-DE" sz="1600" dirty="0">
+                          <a:solidFill>
+                            <a:schemeClr val="tx1">
+                              <a:lumMod val="50000"/>
+                              <a:lumOff val="50000"/>
+                            </a:schemeClr>
+                          </a:solidFill>
+                        </a:rPr>
+                        <a:t> </a:t>
+                      </a:r>
+                      <a:r>
+                        <a:rPr lang="de-DE" sz="1600" dirty="0" err="1">
+                          <a:solidFill>
+                            <a:schemeClr val="tx1">
+                              <a:lumMod val="50000"/>
+                              <a:lumOff val="50000"/>
+                            </a:schemeClr>
+                          </a:solidFill>
+                        </a:rPr>
+                        <a:t>through</a:t>
+                      </a:r>
+                      <a:r>
+                        <a:rPr lang="de-DE" sz="1600" dirty="0">
+                          <a:solidFill>
+                            <a:schemeClr val="tx1">
+                              <a:lumMod val="50000"/>
+                              <a:lumOff val="50000"/>
+                            </a:schemeClr>
+                          </a:solidFill>
+                        </a:rPr>
+                        <a:t> a </a:t>
+                      </a:r>
+                      <a:r>
+                        <a:rPr lang="de-DE" sz="1600" dirty="0" err="1">
+                          <a:solidFill>
+                            <a:schemeClr val="tx1">
+                              <a:lumMod val="50000"/>
+                              <a:lumOff val="50000"/>
+                            </a:schemeClr>
+                          </a:solidFill>
+                        </a:rPr>
+                        <a:t>series</a:t>
+                      </a:r>
+                      <a:r>
+                        <a:rPr lang="de-DE" sz="1600" dirty="0">
+                          <a:solidFill>
+                            <a:schemeClr val="tx1">
+                              <a:lumMod val="50000"/>
+                              <a:lumOff val="50000"/>
+                            </a:schemeClr>
+                          </a:solidFill>
+                        </a:rPr>
+                        <a:t> </a:t>
+                      </a:r>
+                      <a:r>
+                        <a:rPr lang="de-DE" sz="1600" dirty="0" err="1">
+                          <a:solidFill>
+                            <a:schemeClr val="tx1">
+                              <a:lumMod val="50000"/>
+                              <a:lumOff val="50000"/>
+                            </a:schemeClr>
+                          </a:solidFill>
+                        </a:rPr>
+                        <a:t>of</a:t>
+                      </a:r>
+                      <a:r>
+                        <a:rPr lang="de-DE" sz="1600" dirty="0">
+                          <a:solidFill>
+                            <a:schemeClr val="tx1">
+                              <a:lumMod val="50000"/>
+                              <a:lumOff val="50000"/>
+                            </a:schemeClr>
+                          </a:solidFill>
+                        </a:rPr>
+                        <a:t> </a:t>
+                      </a:r>
+                      <a:r>
+                        <a:rPr lang="de-DE" sz="1600" dirty="0" err="1">
+                          <a:solidFill>
+                            <a:schemeClr val="tx1">
+                              <a:lumMod val="50000"/>
+                              <a:lumOff val="50000"/>
+                            </a:schemeClr>
+                          </a:solidFill>
+                        </a:rPr>
+                        <a:t>buried</a:t>
+                      </a:r>
+                      <a:r>
+                        <a:rPr lang="de-DE" sz="1600" dirty="0">
+                          <a:solidFill>
+                            <a:schemeClr val="tx1">
+                              <a:lumMod val="50000"/>
+                              <a:lumOff val="50000"/>
+                            </a:schemeClr>
+                          </a:solidFill>
+                        </a:rPr>
+                        <a:t> </a:t>
+                      </a:r>
+                      <a:r>
+                        <a:rPr lang="de-DE" sz="1600" dirty="0" err="1">
+                          <a:solidFill>
+                            <a:schemeClr val="tx1">
+                              <a:lumMod val="50000"/>
+                              <a:lumOff val="50000"/>
+                            </a:schemeClr>
+                          </a:solidFill>
+                        </a:rPr>
+                        <a:t>pipes</a:t>
+                      </a:r>
+                      <a:endParaRPr lang="de-DE" sz="1600" dirty="0">
+                        <a:solidFill>
+                          <a:schemeClr val="tx1">
+                            <a:lumMod val="50000"/>
+                            <a:lumOff val="50000"/>
+                          </a:schemeClr>
+                        </a:solidFill>
+                      </a:endParaRPr>
+                    </a:p>
+                    <a:p>
+                      <a:pPr marL="0" marR="0" lvl="0" indent="0" algn="l" defTabSz="914400" rtl="0" eaLnBrk="1" fontAlgn="auto" latinLnBrk="0" hangingPunct="1">
+                        <a:lnSpc>
+                          <a:spcPct val="100000"/>
+                        </a:lnSpc>
+                        <a:spcBef>
+                          <a:spcPts val="0"/>
+                        </a:spcBef>
+                        <a:spcAft>
+                          <a:spcPts val="0"/>
+                        </a:spcAft>
+                        <a:buClrTx/>
+                        <a:buSzTx/>
+                        <a:buFontTx/>
+                        <a:buNone/>
+                        <a:tabLst/>
+                        <a:defRPr/>
+                      </a:pPr>
+                      <a:r>
+                        <a:rPr lang="de-DE" sz="1600" dirty="0">
+                          <a:solidFill>
+                            <a:schemeClr val="tx1">
+                              <a:lumMod val="50000"/>
+                              <a:lumOff val="50000"/>
+                            </a:schemeClr>
+                          </a:solidFill>
+                        </a:rPr>
+                        <a:t>→ </a:t>
+                      </a:r>
+                      <a:r>
+                        <a:rPr lang="de-DE" sz="1600" dirty="0" err="1">
+                          <a:solidFill>
+                            <a:schemeClr val="tx1">
+                              <a:lumMod val="50000"/>
+                              <a:lumOff val="50000"/>
+                            </a:schemeClr>
+                          </a:solidFill>
+                        </a:rPr>
+                        <a:t>can</a:t>
+                      </a:r>
+                      <a:r>
+                        <a:rPr lang="de-DE" sz="1600" dirty="0">
+                          <a:solidFill>
+                            <a:schemeClr val="tx1">
+                              <a:lumMod val="50000"/>
+                              <a:lumOff val="50000"/>
+                            </a:schemeClr>
+                          </a:solidFill>
+                        </a:rPr>
+                        <a:t> </a:t>
+                      </a:r>
+                      <a:r>
+                        <a:rPr lang="de-DE" sz="1600" dirty="0" err="1">
+                          <a:solidFill>
+                            <a:schemeClr val="tx1">
+                              <a:lumMod val="50000"/>
+                              <a:lumOff val="50000"/>
+                            </a:schemeClr>
+                          </a:solidFill>
+                        </a:rPr>
+                        <a:t>be</a:t>
+                      </a:r>
+                      <a:r>
+                        <a:rPr lang="de-DE" sz="1600" dirty="0">
+                          <a:solidFill>
+                            <a:schemeClr val="tx1">
+                              <a:lumMod val="50000"/>
+                              <a:lumOff val="50000"/>
+                            </a:schemeClr>
+                          </a:solidFill>
+                        </a:rPr>
+                        <a:t> </a:t>
+                      </a:r>
+                      <a:r>
+                        <a:rPr lang="de-DE" sz="1600" dirty="0" err="1">
+                          <a:solidFill>
+                            <a:schemeClr val="tx1">
+                              <a:lumMod val="50000"/>
+                              <a:lumOff val="50000"/>
+                            </a:schemeClr>
+                          </a:solidFill>
+                        </a:rPr>
+                        <a:t>laid</a:t>
+                      </a:r>
+                      <a:r>
+                        <a:rPr lang="de-DE" sz="1600" dirty="0">
+                          <a:solidFill>
+                            <a:schemeClr val="tx1">
+                              <a:lumMod val="50000"/>
+                              <a:lumOff val="50000"/>
+                            </a:schemeClr>
+                          </a:solidFill>
+                        </a:rPr>
+                        <a:t> </a:t>
+                      </a:r>
+                      <a:r>
+                        <a:rPr lang="de-DE" sz="1600" dirty="0" err="1">
+                          <a:solidFill>
+                            <a:schemeClr val="tx1">
+                              <a:lumMod val="50000"/>
+                              <a:lumOff val="50000"/>
+                            </a:schemeClr>
+                          </a:solidFill>
+                        </a:rPr>
+                        <a:t>horizontally</a:t>
+                      </a:r>
+                      <a:r>
+                        <a:rPr lang="de-DE" sz="1600" dirty="0">
+                          <a:solidFill>
+                            <a:schemeClr val="tx1">
+                              <a:lumMod val="50000"/>
+                              <a:lumOff val="50000"/>
+                            </a:schemeClr>
+                          </a:solidFill>
+                        </a:rPr>
+                        <a:t> and </a:t>
+                      </a:r>
+                      <a:r>
+                        <a:rPr lang="de-DE" sz="1600" dirty="0" err="1">
+                          <a:solidFill>
+                            <a:schemeClr val="tx1">
+                              <a:lumMod val="50000"/>
+                              <a:lumOff val="50000"/>
+                            </a:schemeClr>
+                          </a:solidFill>
+                        </a:rPr>
+                        <a:t>buried</a:t>
+                      </a:r>
+                      <a:r>
+                        <a:rPr lang="de-DE" sz="1600" dirty="0">
+                          <a:solidFill>
+                            <a:schemeClr val="tx1">
+                              <a:lumMod val="50000"/>
+                              <a:lumOff val="50000"/>
+                            </a:schemeClr>
+                          </a:solidFill>
+                        </a:rPr>
+                        <a:t> in </a:t>
+                      </a:r>
+                      <a:r>
+                        <a:rPr lang="de-DE" sz="1600" dirty="0" err="1">
+                          <a:solidFill>
+                            <a:schemeClr val="tx1">
+                              <a:lumMod val="50000"/>
+                              <a:lumOff val="50000"/>
+                            </a:schemeClr>
+                          </a:solidFill>
+                        </a:rPr>
+                        <a:t>trenches</a:t>
+                      </a:r>
+                      <a:r>
+                        <a:rPr lang="de-DE" sz="1600" dirty="0">
+                          <a:solidFill>
+                            <a:schemeClr val="tx1">
+                              <a:lumMod val="50000"/>
+                              <a:lumOff val="50000"/>
+                            </a:schemeClr>
+                          </a:solidFill>
+                        </a:rPr>
+                        <a:t> just </a:t>
+                      </a:r>
+                      <a:r>
+                        <a:rPr lang="de-DE" sz="1600" dirty="0" err="1">
+                          <a:solidFill>
+                            <a:schemeClr val="tx1">
+                              <a:lumMod val="50000"/>
+                              <a:lumOff val="50000"/>
+                            </a:schemeClr>
+                          </a:solidFill>
+                        </a:rPr>
+                        <a:t>over</a:t>
+                      </a:r>
+                      <a:r>
+                        <a:rPr lang="de-DE" sz="1600" dirty="0">
+                          <a:solidFill>
+                            <a:schemeClr val="tx1">
+                              <a:lumMod val="50000"/>
+                              <a:lumOff val="50000"/>
+                            </a:schemeClr>
+                          </a:solidFill>
+                        </a:rPr>
+                        <a:t> a </a:t>
+                      </a:r>
+                      <a:r>
+                        <a:rPr lang="de-DE" sz="1600" dirty="0" err="1">
+                          <a:solidFill>
+                            <a:schemeClr val="tx1">
+                              <a:lumMod val="50000"/>
+                              <a:lumOff val="50000"/>
+                            </a:schemeClr>
+                          </a:solidFill>
+                        </a:rPr>
+                        <a:t>metre</a:t>
+                      </a:r>
+                      <a:r>
+                        <a:rPr lang="de-DE" sz="1600" dirty="0">
+                          <a:solidFill>
+                            <a:schemeClr val="tx1">
+                              <a:lumMod val="50000"/>
+                              <a:lumOff val="50000"/>
+                            </a:schemeClr>
+                          </a:solidFill>
+                        </a:rPr>
+                        <a:t> </a:t>
+                      </a:r>
+                      <a:r>
+                        <a:rPr lang="de-DE" sz="1600" dirty="0" err="1">
+                          <a:solidFill>
+                            <a:schemeClr val="tx1">
+                              <a:lumMod val="50000"/>
+                              <a:lumOff val="50000"/>
+                            </a:schemeClr>
+                          </a:solidFill>
+                        </a:rPr>
+                        <a:t>deep</a:t>
+                      </a:r>
+                      <a:endParaRPr lang="de-DE" sz="1600" dirty="0">
+                        <a:solidFill>
+                          <a:schemeClr val="tx1">
+                            <a:lumMod val="50000"/>
+                            <a:lumOff val="50000"/>
+                          </a:schemeClr>
+                        </a:solidFill>
+                      </a:endParaRPr>
+                    </a:p>
+                    <a:p>
+                      <a:pPr marL="0" marR="0" lvl="0" indent="0" algn="l" defTabSz="914400" rtl="0" eaLnBrk="1" fontAlgn="auto" latinLnBrk="0" hangingPunct="1">
+                        <a:lnSpc>
+                          <a:spcPct val="100000"/>
+                        </a:lnSpc>
+                        <a:spcBef>
+                          <a:spcPts val="0"/>
+                        </a:spcBef>
+                        <a:spcAft>
+                          <a:spcPts val="0"/>
+                        </a:spcAft>
+                        <a:buClrTx/>
+                        <a:buSzTx/>
+                        <a:buFontTx/>
+                        <a:buNone/>
+                        <a:tabLst/>
+                        <a:defRPr/>
+                      </a:pPr>
+                      <a:r>
+                        <a:rPr lang="de-DE" sz="1600" dirty="0">
+                          <a:solidFill>
+                            <a:schemeClr val="tx1">
+                              <a:lumMod val="50000"/>
+                              <a:lumOff val="50000"/>
+                            </a:schemeClr>
+                          </a:solidFill>
+                        </a:rPr>
+                        <a:t>→ </a:t>
+                      </a:r>
+                      <a:r>
+                        <a:rPr lang="de-DE" sz="1600" dirty="0" err="1">
+                          <a:solidFill>
+                            <a:schemeClr val="tx1">
+                              <a:lumMod val="50000"/>
+                              <a:lumOff val="50000"/>
+                            </a:schemeClr>
+                          </a:solidFill>
+                        </a:rPr>
+                        <a:t>can</a:t>
+                      </a:r>
+                      <a:r>
+                        <a:rPr lang="de-DE" sz="1600" dirty="0">
+                          <a:solidFill>
+                            <a:schemeClr val="tx1">
+                              <a:lumMod val="50000"/>
+                              <a:lumOff val="50000"/>
+                            </a:schemeClr>
+                          </a:solidFill>
+                        </a:rPr>
+                        <a:t> also </a:t>
+                      </a:r>
+                      <a:r>
+                        <a:rPr lang="de-DE" sz="1600" dirty="0" err="1">
+                          <a:solidFill>
+                            <a:schemeClr val="tx1">
+                              <a:lumMod val="50000"/>
+                              <a:lumOff val="50000"/>
+                            </a:schemeClr>
+                          </a:solidFill>
+                        </a:rPr>
+                        <a:t>be</a:t>
+                      </a:r>
+                      <a:r>
+                        <a:rPr lang="de-DE" sz="1600" dirty="0">
+                          <a:solidFill>
+                            <a:schemeClr val="tx1">
+                              <a:lumMod val="50000"/>
+                              <a:lumOff val="50000"/>
+                            </a:schemeClr>
+                          </a:solidFill>
+                        </a:rPr>
+                        <a:t> </a:t>
+                      </a:r>
+                      <a:r>
+                        <a:rPr lang="de-DE" sz="1600" dirty="0" err="1">
+                          <a:solidFill>
+                            <a:schemeClr val="tx1">
+                              <a:lumMod val="50000"/>
+                              <a:lumOff val="50000"/>
+                            </a:schemeClr>
+                          </a:solidFill>
+                        </a:rPr>
+                        <a:t>laid</a:t>
+                      </a:r>
+                      <a:r>
+                        <a:rPr lang="de-DE" sz="1600" dirty="0">
+                          <a:solidFill>
+                            <a:schemeClr val="tx1">
+                              <a:lumMod val="50000"/>
+                              <a:lumOff val="50000"/>
+                            </a:schemeClr>
+                          </a:solidFill>
+                        </a:rPr>
+                        <a:t> </a:t>
+                      </a:r>
+                      <a:r>
+                        <a:rPr lang="de-DE" sz="1600" dirty="0" err="1">
+                          <a:solidFill>
+                            <a:schemeClr val="tx1">
+                              <a:lumMod val="50000"/>
+                              <a:lumOff val="50000"/>
+                            </a:schemeClr>
+                          </a:solidFill>
+                        </a:rPr>
+                        <a:t>vertically</a:t>
+                      </a:r>
+                      <a:r>
+                        <a:rPr lang="de-DE" sz="1600" dirty="0">
+                          <a:solidFill>
+                            <a:schemeClr val="tx1">
+                              <a:lumMod val="50000"/>
+                              <a:lumOff val="50000"/>
+                            </a:schemeClr>
+                          </a:solidFill>
+                        </a:rPr>
+                        <a:t> in </a:t>
+                      </a:r>
+                      <a:r>
+                        <a:rPr lang="de-DE" sz="1600" dirty="0" err="1">
+                          <a:solidFill>
+                            <a:schemeClr val="tx1">
+                              <a:lumMod val="50000"/>
+                              <a:lumOff val="50000"/>
+                            </a:schemeClr>
+                          </a:solidFill>
+                        </a:rPr>
+                        <a:t>boreholes</a:t>
+                      </a:r>
+                      <a:endParaRPr lang="de-DE" sz="1600" dirty="0">
+                        <a:solidFill>
+                          <a:schemeClr val="tx1">
+                            <a:lumMod val="50000"/>
+                            <a:lumOff val="50000"/>
+                          </a:schemeClr>
+                        </a:solidFill>
+                      </a:endParaRPr>
+                    </a:p>
+                    <a:p>
+                      <a:pPr marL="0" marR="0" lvl="0" indent="0" algn="l" defTabSz="914400" rtl="0" eaLnBrk="1" fontAlgn="auto" latinLnBrk="0" hangingPunct="1">
+                        <a:lnSpc>
+                          <a:spcPct val="100000"/>
+                        </a:lnSpc>
+                        <a:spcBef>
+                          <a:spcPts val="0"/>
+                        </a:spcBef>
+                        <a:spcAft>
+                          <a:spcPts val="0"/>
+                        </a:spcAft>
+                        <a:buClrTx/>
+                        <a:buSzTx/>
+                        <a:buFontTx/>
+                        <a:buNone/>
+                        <a:tabLst/>
+                        <a:defRPr/>
+                      </a:pPr>
+                      <a:r>
+                        <a:rPr lang="de-DE" sz="1600" dirty="0">
+                          <a:solidFill>
+                            <a:schemeClr val="tx1">
+                              <a:lumMod val="50000"/>
+                              <a:lumOff val="50000"/>
+                            </a:schemeClr>
+                          </a:solidFill>
+                        </a:rPr>
+                        <a:t>a </a:t>
+                      </a:r>
+                      <a:r>
+                        <a:rPr lang="de-DE" sz="1600" dirty="0" err="1">
+                          <a:solidFill>
+                            <a:schemeClr val="tx1">
+                              <a:lumMod val="50000"/>
+                              <a:lumOff val="50000"/>
+                            </a:schemeClr>
+                          </a:solidFill>
+                        </a:rPr>
+                        <a:t>single</a:t>
+                      </a:r>
+                      <a:r>
+                        <a:rPr lang="de-DE" sz="1600" dirty="0">
+                          <a:solidFill>
+                            <a:schemeClr val="tx1">
+                              <a:lumMod val="50000"/>
+                              <a:lumOff val="50000"/>
+                            </a:schemeClr>
+                          </a:solidFill>
+                        </a:rPr>
+                        <a:t> </a:t>
+                      </a:r>
+                      <a:r>
+                        <a:rPr lang="de-DE" sz="1600" dirty="0" err="1">
+                          <a:solidFill>
+                            <a:schemeClr val="tx1">
+                              <a:lumMod val="50000"/>
+                              <a:lumOff val="50000"/>
+                            </a:schemeClr>
+                          </a:solidFill>
+                        </a:rPr>
+                        <a:t>pipe</a:t>
+                      </a:r>
+                      <a:r>
+                        <a:rPr lang="de-DE" sz="1600" dirty="0">
+                          <a:solidFill>
+                            <a:schemeClr val="tx1">
+                              <a:lumMod val="50000"/>
+                              <a:lumOff val="50000"/>
+                            </a:schemeClr>
+                          </a:solidFill>
+                        </a:rPr>
+                        <a:t> loop </a:t>
+                      </a:r>
+                      <a:r>
+                        <a:rPr lang="de-DE" sz="1600" dirty="0" err="1">
+                          <a:solidFill>
+                            <a:schemeClr val="tx1">
+                              <a:lumMod val="50000"/>
+                              <a:lumOff val="50000"/>
+                            </a:schemeClr>
+                          </a:solidFill>
+                        </a:rPr>
+                        <a:t>might</a:t>
+                      </a:r>
+                      <a:r>
+                        <a:rPr lang="de-DE" sz="1600" dirty="0">
+                          <a:solidFill>
+                            <a:schemeClr val="tx1">
+                              <a:lumMod val="50000"/>
+                              <a:lumOff val="50000"/>
+                            </a:schemeClr>
+                          </a:solidFill>
+                        </a:rPr>
+                        <a:t> </a:t>
+                      </a:r>
+                      <a:r>
+                        <a:rPr lang="de-DE" sz="1600" dirty="0" err="1">
+                          <a:solidFill>
+                            <a:schemeClr val="tx1">
+                              <a:lumMod val="50000"/>
+                              <a:lumOff val="50000"/>
+                            </a:schemeClr>
+                          </a:solidFill>
+                        </a:rPr>
+                        <a:t>need</a:t>
+                      </a:r>
+                      <a:r>
+                        <a:rPr lang="de-DE" sz="1600" dirty="0">
+                          <a:solidFill>
+                            <a:schemeClr val="tx1">
+                              <a:lumMod val="50000"/>
+                              <a:lumOff val="50000"/>
+                            </a:schemeClr>
+                          </a:solidFill>
+                        </a:rPr>
+                        <a:t> </a:t>
+                      </a:r>
+                      <a:r>
+                        <a:rPr lang="de-DE" sz="1600" dirty="0" err="1">
+                          <a:solidFill>
+                            <a:schemeClr val="tx1">
+                              <a:lumMod val="50000"/>
+                              <a:lumOff val="50000"/>
+                            </a:schemeClr>
+                          </a:solidFill>
+                        </a:rPr>
+                        <a:t>around</a:t>
+                      </a:r>
+                      <a:r>
+                        <a:rPr lang="de-DE" sz="1600" dirty="0">
+                          <a:solidFill>
+                            <a:schemeClr val="tx1">
+                              <a:lumMod val="50000"/>
+                              <a:lumOff val="50000"/>
+                            </a:schemeClr>
+                          </a:solidFill>
+                        </a:rPr>
+                        <a:t> 600 m^2, larger </a:t>
+                      </a:r>
+                      <a:r>
+                        <a:rPr lang="de-DE" sz="1600" dirty="0" err="1">
+                          <a:solidFill>
+                            <a:schemeClr val="tx1">
+                              <a:lumMod val="50000"/>
+                              <a:lumOff val="50000"/>
+                            </a:schemeClr>
+                          </a:solidFill>
+                        </a:rPr>
+                        <a:t>buildings</a:t>
+                      </a:r>
+                      <a:r>
+                        <a:rPr lang="de-DE" sz="1600" dirty="0">
+                          <a:solidFill>
+                            <a:schemeClr val="tx1">
+                              <a:lumMod val="50000"/>
+                              <a:lumOff val="50000"/>
+                            </a:schemeClr>
+                          </a:solidFill>
+                        </a:rPr>
+                        <a:t> </a:t>
+                      </a:r>
+                      <a:r>
+                        <a:rPr lang="de-DE" sz="1600" dirty="0" err="1">
+                          <a:solidFill>
+                            <a:schemeClr val="tx1">
+                              <a:lumMod val="50000"/>
+                              <a:lumOff val="50000"/>
+                            </a:schemeClr>
+                          </a:solidFill>
+                        </a:rPr>
+                        <a:t>may</a:t>
+                      </a:r>
+                      <a:r>
+                        <a:rPr lang="de-DE" sz="1600" dirty="0">
+                          <a:solidFill>
+                            <a:schemeClr val="tx1">
+                              <a:lumMod val="50000"/>
+                              <a:lumOff val="50000"/>
+                            </a:schemeClr>
+                          </a:solidFill>
+                        </a:rPr>
+                        <a:t> </a:t>
+                      </a:r>
+                      <a:r>
+                        <a:rPr lang="de-DE" sz="1600" dirty="0" err="1">
+                          <a:solidFill>
+                            <a:schemeClr val="tx1">
+                              <a:lumMod val="50000"/>
+                              <a:lumOff val="50000"/>
+                            </a:schemeClr>
+                          </a:solidFill>
+                        </a:rPr>
+                        <a:t>require</a:t>
+                      </a:r>
+                      <a:r>
+                        <a:rPr lang="de-DE" sz="1600" dirty="0">
+                          <a:solidFill>
+                            <a:schemeClr val="tx1">
+                              <a:lumMod val="50000"/>
+                              <a:lumOff val="50000"/>
+                            </a:schemeClr>
+                          </a:solidFill>
+                        </a:rPr>
+                        <a:t> a </a:t>
+                      </a:r>
+                      <a:r>
+                        <a:rPr lang="de-DE" sz="1600" dirty="0" err="1">
+                          <a:solidFill>
+                            <a:schemeClr val="tx1">
+                              <a:lumMod val="50000"/>
+                              <a:lumOff val="50000"/>
+                            </a:schemeClr>
+                          </a:solidFill>
+                        </a:rPr>
+                        <a:t>second</a:t>
+                      </a:r>
+                      <a:r>
+                        <a:rPr lang="de-DE" sz="1600" dirty="0">
+                          <a:solidFill>
+                            <a:schemeClr val="tx1">
+                              <a:lumMod val="50000"/>
+                              <a:lumOff val="50000"/>
+                            </a:schemeClr>
+                          </a:solidFill>
+                        </a:rPr>
+                        <a:t> loop</a:t>
+                      </a:r>
+                    </a:p>
+                    <a:p>
+                      <a:pPr marL="0" marR="0" lvl="0" indent="0" algn="l" defTabSz="914400" rtl="0" eaLnBrk="1" fontAlgn="auto" latinLnBrk="0" hangingPunct="1">
+                        <a:lnSpc>
+                          <a:spcPct val="100000"/>
+                        </a:lnSpc>
+                        <a:spcBef>
+                          <a:spcPts val="0"/>
+                        </a:spcBef>
+                        <a:spcAft>
+                          <a:spcPts val="0"/>
+                        </a:spcAft>
+                        <a:buClrTx/>
+                        <a:buSzTx/>
+                        <a:buFontTx/>
+                        <a:buNone/>
+                        <a:tabLst/>
+                        <a:defRPr/>
+                      </a:pPr>
+                      <a:r>
+                        <a:rPr lang="de-DE" sz="1600" dirty="0">
+                          <a:solidFill>
+                            <a:schemeClr val="tx1">
+                              <a:lumMod val="50000"/>
+                              <a:lumOff val="50000"/>
+                            </a:schemeClr>
+                          </a:solidFill>
+                        </a:rPr>
+                        <a:t>a </a:t>
+                      </a:r>
+                      <a:r>
+                        <a:rPr lang="de-DE" sz="1600" dirty="0" err="1">
+                          <a:solidFill>
+                            <a:schemeClr val="tx1">
+                              <a:lumMod val="50000"/>
+                              <a:lumOff val="50000"/>
+                            </a:schemeClr>
+                          </a:solidFill>
+                        </a:rPr>
+                        <a:t>single</a:t>
+                      </a:r>
+                      <a:r>
+                        <a:rPr lang="de-DE" sz="1600" dirty="0">
+                          <a:solidFill>
+                            <a:schemeClr val="tx1">
+                              <a:lumMod val="50000"/>
+                              <a:lumOff val="50000"/>
+                            </a:schemeClr>
+                          </a:solidFill>
+                        </a:rPr>
+                        <a:t> </a:t>
+                      </a:r>
+                      <a:r>
+                        <a:rPr lang="de-DE" sz="1600" dirty="0" err="1">
+                          <a:solidFill>
+                            <a:schemeClr val="tx1">
+                              <a:lumMod val="50000"/>
+                              <a:lumOff val="50000"/>
+                            </a:schemeClr>
+                          </a:solidFill>
+                        </a:rPr>
+                        <a:t>pipe</a:t>
+                      </a:r>
+                      <a:r>
+                        <a:rPr lang="de-DE" sz="1600" dirty="0">
+                          <a:solidFill>
+                            <a:schemeClr val="tx1">
+                              <a:lumMod val="50000"/>
+                              <a:lumOff val="50000"/>
+                            </a:schemeClr>
+                          </a:solidFill>
+                        </a:rPr>
+                        <a:t> loop </a:t>
+                      </a:r>
+                      <a:r>
+                        <a:rPr lang="de-DE" sz="1600" dirty="0" err="1">
+                          <a:solidFill>
+                            <a:schemeClr val="tx1">
+                              <a:lumMod val="50000"/>
+                              <a:lumOff val="50000"/>
+                            </a:schemeClr>
+                          </a:solidFill>
+                        </a:rPr>
+                        <a:t>might</a:t>
+                      </a:r>
+                      <a:r>
+                        <a:rPr lang="de-DE" sz="1600" dirty="0">
+                          <a:solidFill>
+                            <a:schemeClr val="tx1">
+                              <a:lumMod val="50000"/>
+                              <a:lumOff val="50000"/>
+                            </a:schemeClr>
+                          </a:solidFill>
+                        </a:rPr>
+                        <a:t> </a:t>
+                      </a:r>
+                      <a:r>
+                        <a:rPr lang="de-DE" sz="1600" dirty="0" err="1">
+                          <a:solidFill>
+                            <a:schemeClr val="tx1">
+                              <a:lumMod val="50000"/>
+                              <a:lumOff val="50000"/>
+                            </a:schemeClr>
+                          </a:solidFill>
+                        </a:rPr>
+                        <a:t>need</a:t>
+                      </a:r>
+                      <a:r>
+                        <a:rPr lang="de-DE" sz="1600" dirty="0">
+                          <a:solidFill>
+                            <a:schemeClr val="tx1">
+                              <a:lumMod val="50000"/>
+                              <a:lumOff val="50000"/>
+                            </a:schemeClr>
+                          </a:solidFill>
+                        </a:rPr>
+                        <a:t> </a:t>
+                      </a:r>
+                      <a:r>
+                        <a:rPr lang="de-DE" sz="1600" dirty="0" err="1">
+                          <a:solidFill>
+                            <a:schemeClr val="tx1">
+                              <a:lumMod val="50000"/>
+                              <a:lumOff val="50000"/>
+                            </a:schemeClr>
+                          </a:solidFill>
+                        </a:rPr>
+                        <a:t>around</a:t>
+                      </a:r>
+                      <a:r>
+                        <a:rPr lang="de-DE" sz="1600" dirty="0">
+                          <a:solidFill>
+                            <a:schemeClr val="tx1">
+                              <a:lumMod val="50000"/>
+                              <a:lumOff val="50000"/>
+                            </a:schemeClr>
+                          </a:solidFill>
+                        </a:rPr>
+                        <a:t> 600 m^2, larger </a:t>
+                      </a:r>
+                      <a:r>
+                        <a:rPr lang="de-DE" sz="1600" dirty="0" err="1">
+                          <a:solidFill>
+                            <a:schemeClr val="tx1">
+                              <a:lumMod val="50000"/>
+                              <a:lumOff val="50000"/>
+                            </a:schemeClr>
+                          </a:solidFill>
+                        </a:rPr>
+                        <a:t>buildings</a:t>
+                      </a:r>
+                      <a:r>
+                        <a:rPr lang="de-DE" sz="1600" dirty="0">
+                          <a:solidFill>
+                            <a:schemeClr val="tx1">
+                              <a:lumMod val="50000"/>
+                              <a:lumOff val="50000"/>
+                            </a:schemeClr>
+                          </a:solidFill>
+                        </a:rPr>
+                        <a:t> </a:t>
+                      </a:r>
+                      <a:r>
+                        <a:rPr lang="de-DE" sz="1600" dirty="0" err="1">
+                          <a:solidFill>
+                            <a:schemeClr val="tx1">
+                              <a:lumMod val="50000"/>
+                              <a:lumOff val="50000"/>
+                            </a:schemeClr>
+                          </a:solidFill>
+                        </a:rPr>
+                        <a:t>may</a:t>
+                      </a:r>
+                      <a:r>
+                        <a:rPr lang="de-DE" sz="1600" dirty="0">
+                          <a:solidFill>
+                            <a:schemeClr val="tx1">
+                              <a:lumMod val="50000"/>
+                              <a:lumOff val="50000"/>
+                            </a:schemeClr>
+                          </a:solidFill>
+                        </a:rPr>
+                        <a:t> </a:t>
+                      </a:r>
+                      <a:r>
+                        <a:rPr lang="de-DE" sz="1600" dirty="0" err="1">
+                          <a:solidFill>
+                            <a:schemeClr val="tx1">
+                              <a:lumMod val="50000"/>
+                              <a:lumOff val="50000"/>
+                            </a:schemeClr>
+                          </a:solidFill>
+                        </a:rPr>
+                        <a:t>require</a:t>
+                      </a:r>
+                      <a:r>
+                        <a:rPr lang="de-DE" sz="1600" dirty="0">
+                          <a:solidFill>
+                            <a:schemeClr val="tx1">
+                              <a:lumMod val="50000"/>
+                              <a:lumOff val="50000"/>
+                            </a:schemeClr>
+                          </a:solidFill>
+                        </a:rPr>
+                        <a:t> a </a:t>
+                      </a:r>
+                      <a:r>
+                        <a:rPr lang="de-DE" sz="1600" dirty="0" err="1">
+                          <a:solidFill>
+                            <a:schemeClr val="tx1">
+                              <a:lumMod val="50000"/>
+                              <a:lumOff val="50000"/>
+                            </a:schemeClr>
+                          </a:solidFill>
+                        </a:rPr>
+                        <a:t>second</a:t>
+                      </a:r>
+                      <a:r>
+                        <a:rPr lang="de-DE" sz="1600" dirty="0">
+                          <a:solidFill>
+                            <a:schemeClr val="tx1">
+                              <a:lumMod val="50000"/>
+                              <a:lumOff val="50000"/>
+                            </a:schemeClr>
+                          </a:solidFill>
+                        </a:rPr>
+                        <a:t> loop</a:t>
+                      </a:r>
+                    </a:p>
+                    <a:p>
+                      <a:pPr marL="0" marR="0" lvl="0" indent="0" algn="l" defTabSz="914400" rtl="0" eaLnBrk="1" fontAlgn="auto" latinLnBrk="0" hangingPunct="1">
+                        <a:lnSpc>
+                          <a:spcPct val="100000"/>
+                        </a:lnSpc>
+                        <a:spcBef>
+                          <a:spcPts val="0"/>
+                        </a:spcBef>
+                        <a:spcAft>
+                          <a:spcPts val="0"/>
+                        </a:spcAft>
+                        <a:buClrTx/>
+                        <a:buSzTx/>
+                        <a:buFontTx/>
+                        <a:buNone/>
+                        <a:tabLst/>
+                        <a:defRPr/>
+                      </a:pPr>
+                      <a:r>
+                        <a:rPr lang="de-DE" sz="1600" dirty="0">
+                          <a:solidFill>
+                            <a:schemeClr val="tx1">
+                              <a:lumMod val="50000"/>
+                              <a:lumOff val="50000"/>
+                            </a:schemeClr>
+                          </a:solidFill>
+                        </a:rPr>
+                        <a:t>(/ open loop </a:t>
+                      </a:r>
+                      <a:r>
+                        <a:rPr lang="de-DE" sz="1600" dirty="0" err="1">
+                          <a:solidFill>
+                            <a:schemeClr val="tx1">
+                              <a:lumMod val="50000"/>
+                              <a:lumOff val="50000"/>
+                            </a:schemeClr>
+                          </a:solidFill>
+                        </a:rPr>
+                        <a:t>system</a:t>
+                      </a:r>
+                      <a:r>
+                        <a:rPr lang="de-DE" sz="1600" dirty="0">
+                          <a:solidFill>
+                            <a:schemeClr val="tx1">
+                              <a:lumMod val="50000"/>
+                              <a:lumOff val="50000"/>
+                            </a:schemeClr>
+                          </a:solidFill>
+                        </a:rPr>
+                        <a:t> </a:t>
+                      </a:r>
+                      <a:r>
+                        <a:rPr lang="de-DE" sz="1600" dirty="0" err="1">
+                          <a:solidFill>
+                            <a:schemeClr val="tx1">
+                              <a:lumMod val="50000"/>
+                              <a:lumOff val="50000"/>
+                            </a:schemeClr>
+                          </a:solidFill>
+                        </a:rPr>
+                        <a:t>that</a:t>
+                      </a:r>
+                      <a:r>
+                        <a:rPr lang="de-DE" sz="1600" dirty="0">
+                          <a:solidFill>
+                            <a:schemeClr val="tx1">
+                              <a:lumMod val="50000"/>
+                              <a:lumOff val="50000"/>
+                            </a:schemeClr>
+                          </a:solidFill>
+                        </a:rPr>
+                        <a:t> </a:t>
+                      </a:r>
+                      <a:r>
+                        <a:rPr lang="de-DE" sz="1600" dirty="0" err="1">
+                          <a:solidFill>
+                            <a:schemeClr val="tx1">
+                              <a:lumMod val="50000"/>
+                              <a:lumOff val="50000"/>
+                            </a:schemeClr>
+                          </a:solidFill>
+                        </a:rPr>
+                        <a:t>directly</a:t>
+                      </a:r>
+                      <a:r>
+                        <a:rPr lang="de-DE" sz="1600" dirty="0">
+                          <a:solidFill>
+                            <a:schemeClr val="tx1">
+                              <a:lumMod val="50000"/>
+                              <a:lumOff val="50000"/>
+                            </a:schemeClr>
+                          </a:solidFill>
+                        </a:rPr>
+                        <a:t> </a:t>
+                      </a:r>
+                      <a:r>
+                        <a:rPr lang="de-DE" sz="1600" dirty="0" err="1">
+                          <a:solidFill>
+                            <a:schemeClr val="tx1">
+                              <a:lumMod val="50000"/>
+                              <a:lumOff val="50000"/>
+                            </a:schemeClr>
+                          </a:solidFill>
+                        </a:rPr>
+                        <a:t>extracts</a:t>
+                      </a:r>
+                      <a:r>
+                        <a:rPr lang="de-DE" sz="1600" dirty="0">
+                          <a:solidFill>
+                            <a:schemeClr val="tx1">
+                              <a:lumMod val="50000"/>
+                              <a:lumOff val="50000"/>
+                            </a:schemeClr>
+                          </a:solidFill>
+                        </a:rPr>
+                        <a:t> </a:t>
+                      </a:r>
+                      <a:r>
+                        <a:rPr lang="de-DE" sz="1600" dirty="0" err="1">
+                          <a:solidFill>
+                            <a:schemeClr val="tx1">
+                              <a:lumMod val="50000"/>
+                              <a:lumOff val="50000"/>
+                            </a:schemeClr>
+                          </a:solidFill>
+                        </a:rPr>
+                        <a:t>heat</a:t>
+                      </a:r>
+                      <a:r>
+                        <a:rPr lang="de-DE" sz="1600" dirty="0">
+                          <a:solidFill>
+                            <a:schemeClr val="tx1">
+                              <a:lumMod val="50000"/>
+                              <a:lumOff val="50000"/>
+                            </a:schemeClr>
+                          </a:solidFill>
+                        </a:rPr>
+                        <a:t> </a:t>
+                      </a:r>
+                      <a:r>
+                        <a:rPr lang="de-DE" sz="1600" dirty="0" err="1">
+                          <a:solidFill>
+                            <a:schemeClr val="tx1">
+                              <a:lumMod val="50000"/>
+                              <a:lumOff val="50000"/>
+                            </a:schemeClr>
+                          </a:solidFill>
+                        </a:rPr>
+                        <a:t>from</a:t>
+                      </a:r>
+                      <a:r>
+                        <a:rPr lang="de-DE" sz="1600" dirty="0">
+                          <a:solidFill>
+                            <a:schemeClr val="tx1">
+                              <a:lumMod val="50000"/>
+                              <a:lumOff val="50000"/>
+                            </a:schemeClr>
+                          </a:solidFill>
+                        </a:rPr>
+                        <a:t> a </a:t>
+                      </a:r>
+                      <a:r>
+                        <a:rPr lang="de-DE" sz="1600" dirty="0" err="1">
+                          <a:solidFill>
+                            <a:schemeClr val="tx1">
+                              <a:lumMod val="50000"/>
+                              <a:lumOff val="50000"/>
+                            </a:schemeClr>
+                          </a:solidFill>
+                        </a:rPr>
+                        <a:t>pond</a:t>
+                      </a:r>
+                      <a:r>
+                        <a:rPr lang="de-DE" sz="1600" dirty="0">
+                          <a:solidFill>
+                            <a:schemeClr val="tx1">
+                              <a:lumMod val="50000"/>
+                              <a:lumOff val="50000"/>
+                            </a:schemeClr>
+                          </a:solidFill>
+                        </a:rPr>
+                        <a:t> </a:t>
+                      </a:r>
+                      <a:r>
+                        <a:rPr lang="de-DE" sz="1600" dirty="0" err="1">
+                          <a:solidFill>
+                            <a:schemeClr val="tx1">
+                              <a:lumMod val="50000"/>
+                              <a:lumOff val="50000"/>
+                            </a:schemeClr>
+                          </a:solidFill>
+                        </a:rPr>
+                        <a:t>or</a:t>
+                      </a:r>
+                      <a:r>
+                        <a:rPr lang="de-DE" sz="1600" dirty="0">
+                          <a:solidFill>
+                            <a:schemeClr val="tx1">
+                              <a:lumMod val="50000"/>
+                              <a:lumOff val="50000"/>
+                            </a:schemeClr>
+                          </a:solidFill>
+                        </a:rPr>
+                        <a:t> </a:t>
+                      </a:r>
+                      <a:r>
+                        <a:rPr lang="de-DE" sz="1600" dirty="0" err="1">
+                          <a:solidFill>
+                            <a:schemeClr val="tx1">
+                              <a:lumMod val="50000"/>
+                              <a:lumOff val="50000"/>
+                            </a:schemeClr>
+                          </a:solidFill>
+                        </a:rPr>
+                        <a:t>other</a:t>
+                      </a:r>
+                      <a:r>
+                        <a:rPr lang="de-DE" sz="1600" dirty="0">
+                          <a:solidFill>
+                            <a:schemeClr val="tx1">
+                              <a:lumMod val="50000"/>
+                              <a:lumOff val="50000"/>
+                            </a:schemeClr>
+                          </a:solidFill>
+                        </a:rPr>
+                        <a:t> source </a:t>
+                      </a:r>
+                      <a:r>
+                        <a:rPr lang="de-DE" sz="1600" dirty="0" err="1">
+                          <a:solidFill>
+                            <a:schemeClr val="tx1">
+                              <a:lumMod val="50000"/>
+                              <a:lumOff val="50000"/>
+                            </a:schemeClr>
+                          </a:solidFill>
+                        </a:rPr>
+                        <a:t>of</a:t>
+                      </a:r>
+                      <a:r>
+                        <a:rPr lang="de-DE" sz="1600" dirty="0">
+                          <a:solidFill>
+                            <a:schemeClr val="tx1">
+                              <a:lumMod val="50000"/>
+                              <a:lumOff val="50000"/>
+                            </a:schemeClr>
+                          </a:solidFill>
+                        </a:rPr>
+                        <a:t> </a:t>
+                      </a:r>
+                      <a:r>
+                        <a:rPr lang="de-DE" sz="1600" dirty="0" err="1">
+                          <a:solidFill>
+                            <a:schemeClr val="tx1">
+                              <a:lumMod val="50000"/>
+                              <a:lumOff val="50000"/>
+                            </a:schemeClr>
+                          </a:solidFill>
+                        </a:rPr>
+                        <a:t>water</a:t>
+                      </a:r>
+                      <a:r>
+                        <a:rPr lang="de-DE" sz="1600" dirty="0">
+                          <a:solidFill>
+                            <a:schemeClr val="tx1">
+                              <a:lumMod val="50000"/>
+                              <a:lumOff val="50000"/>
+                            </a:schemeClr>
+                          </a:solidFill>
+                        </a:rPr>
+                        <a:t>)</a:t>
+                      </a:r>
+                    </a:p>
+                    <a:p>
+                      <a:endParaRPr lang="de-DE" sz="1600" dirty="0">
                         <a:solidFill>
                           <a:schemeClr val="tx1">
                             <a:lumMod val="50000"/>
@@ -4889,322 +6557,14 @@
                   </a:ext>
                 </a:extLst>
               </a:tr>
-              <a:tr h="354179">
+              <a:tr h="239527">
                 <a:tc>
                   <a:txBody>
                     <a:bodyPr/>
                     <a:lstStyle/>
                     <a:p>
                       <a:r>
-                        <a:rPr lang="de-DE" sz="1000">
-                          <a:solidFill>
-                            <a:schemeClr val="tx1">
-                              <a:lumMod val="50000"/>
-                              <a:lumOff val="50000"/>
-                            </a:schemeClr>
-                          </a:solidFill>
-                        </a:rPr>
-                        <a:t>→ usually comprise a single, self-contained outdoor unit</a:t>
-                      </a:r>
-                    </a:p>
-                  </a:txBody>
-                  <a:tcPr marL="50597" marR="50597" marT="25298" marB="25298" anchor="ctr"/>
-                </a:tc>
-                <a:tc>
-                  <a:txBody>
-                    <a:bodyPr/>
-                    <a:lstStyle/>
-                    <a:p>
-                      <a:r>
-                        <a:rPr lang="de-DE" sz="1000">
-                          <a:solidFill>
-                            <a:schemeClr val="tx1">
-                              <a:lumMod val="50000"/>
-                              <a:lumOff val="50000"/>
-                            </a:schemeClr>
-                          </a:solidFill>
-                        </a:rPr>
-                        <a:t>by refrigerant running through a series of buried pipes</a:t>
-                      </a:r>
-                    </a:p>
-                  </a:txBody>
-                  <a:tcPr marL="50597" marR="50597" marT="25298" marB="25298" anchor="ctr"/>
-                </a:tc>
-                <a:tc>
-                  <a:txBody>
-                    <a:bodyPr/>
-                    <a:lstStyle/>
-                    <a:p>
-                      <a:endParaRPr lang="de-DE" sz="1000">
-                        <a:solidFill>
-                          <a:schemeClr val="tx1">
-                            <a:lumMod val="50000"/>
-                            <a:lumOff val="50000"/>
-                          </a:schemeClr>
-                        </a:solidFill>
-                      </a:endParaRPr>
-                    </a:p>
-                  </a:txBody>
-                  <a:tcPr marL="50597" marR="50597" marT="25298" marB="25298" anchor="ctr"/>
-                </a:tc>
-                <a:extLst>
-                  <a:ext uri="{0D108BD9-81ED-4DB2-BD59-A6C34878D82A}">
-                    <a16:rowId xmlns:a16="http://schemas.microsoft.com/office/drawing/2014/main" val="2809833343"/>
-                  </a:ext>
-                </a:extLst>
-              </a:tr>
-              <a:tr h="505969">
-                <a:tc>
-                  <a:txBody>
-                    <a:bodyPr/>
-                    <a:lstStyle/>
-                    <a:p>
-                      <a:r>
-                        <a:rPr lang="de-DE" sz="1000">
-                          <a:solidFill>
-                            <a:schemeClr val="tx1">
-                              <a:lumMod val="50000"/>
-                              <a:lumOff val="50000"/>
-                            </a:schemeClr>
-                          </a:solidFill>
-                        </a:rPr>
-                        <a:t>→ can be laid horizontally and buried in trenches just over a metre deep</a:t>
-                      </a:r>
-                    </a:p>
-                  </a:txBody>
-                  <a:tcPr marL="50597" marR="50597" marT="25298" marB="25298" anchor="ctr"/>
-                </a:tc>
-                <a:tc>
-                  <a:txBody>
-                    <a:bodyPr/>
-                    <a:lstStyle/>
-                    <a:p>
-                      <a:endParaRPr lang="de-DE" sz="1000">
-                        <a:solidFill>
-                          <a:schemeClr val="tx1">
-                            <a:lumMod val="50000"/>
-                            <a:lumOff val="50000"/>
-                          </a:schemeClr>
-                        </a:solidFill>
-                      </a:endParaRPr>
-                    </a:p>
-                  </a:txBody>
-                  <a:tcPr marL="50597" marR="50597" marT="25298" marB="25298" anchor="ctr"/>
-                </a:tc>
-                <a:tc>
-                  <a:txBody>
-                    <a:bodyPr/>
-                    <a:lstStyle/>
-                    <a:p>
-                      <a:endParaRPr lang="de-DE" sz="1000">
-                        <a:solidFill>
-                          <a:schemeClr val="tx1">
-                            <a:lumMod val="50000"/>
-                            <a:lumOff val="50000"/>
-                          </a:schemeClr>
-                        </a:solidFill>
-                      </a:endParaRPr>
-                    </a:p>
-                  </a:txBody>
-                  <a:tcPr marL="50597" marR="50597" marT="25298" marB="25298" anchor="ctr"/>
-                </a:tc>
-                <a:extLst>
-                  <a:ext uri="{0D108BD9-81ED-4DB2-BD59-A6C34878D82A}">
-                    <a16:rowId xmlns:a16="http://schemas.microsoft.com/office/drawing/2014/main" val="1444347454"/>
-                  </a:ext>
-                </a:extLst>
-              </a:tr>
-              <a:tr h="354179">
-                <a:tc>
-                  <a:txBody>
-                    <a:bodyPr/>
-                    <a:lstStyle/>
-                    <a:p>
-                      <a:r>
-                        <a:rPr lang="de-DE" sz="1000">
-                          <a:solidFill>
-                            <a:schemeClr val="tx1">
-                              <a:lumMod val="50000"/>
-                              <a:lumOff val="50000"/>
-                            </a:schemeClr>
-                          </a:solidFill>
-                        </a:rPr>
-                        <a:t>→ can also be laid vertically in boreholes</a:t>
-                      </a:r>
-                    </a:p>
-                  </a:txBody>
-                  <a:tcPr marL="50597" marR="50597" marT="25298" marB="25298" anchor="ctr"/>
-                </a:tc>
-                <a:tc>
-                  <a:txBody>
-                    <a:bodyPr/>
-                    <a:lstStyle/>
-                    <a:p>
-                      <a:endParaRPr lang="de-DE" sz="1000">
-                        <a:solidFill>
-                          <a:schemeClr val="tx1">
-                            <a:lumMod val="50000"/>
-                            <a:lumOff val="50000"/>
-                          </a:schemeClr>
-                        </a:solidFill>
-                      </a:endParaRPr>
-                    </a:p>
-                  </a:txBody>
-                  <a:tcPr marL="50597" marR="50597" marT="25298" marB="25298" anchor="ctr"/>
-                </a:tc>
-                <a:tc>
-                  <a:txBody>
-                    <a:bodyPr/>
-                    <a:lstStyle/>
-                    <a:p>
-                      <a:endParaRPr lang="de-DE" sz="1000">
-                        <a:solidFill>
-                          <a:schemeClr val="tx1">
-                            <a:lumMod val="50000"/>
-                            <a:lumOff val="50000"/>
-                          </a:schemeClr>
-                        </a:solidFill>
-                      </a:endParaRPr>
-                    </a:p>
-                  </a:txBody>
-                  <a:tcPr marL="50597" marR="50597" marT="25298" marB="25298" anchor="ctr"/>
-                </a:tc>
-                <a:extLst>
-                  <a:ext uri="{0D108BD9-81ED-4DB2-BD59-A6C34878D82A}">
-                    <a16:rowId xmlns:a16="http://schemas.microsoft.com/office/drawing/2014/main" val="4116781670"/>
-                  </a:ext>
-                </a:extLst>
-              </a:tr>
-              <a:tr h="505969">
-                <a:tc>
-                  <a:txBody>
-                    <a:bodyPr/>
-                    <a:lstStyle/>
-                    <a:p>
-                      <a:r>
-                        <a:rPr lang="de-DE" sz="1000">
-                          <a:solidFill>
-                            <a:schemeClr val="tx1">
-                              <a:lumMod val="50000"/>
-                              <a:lumOff val="50000"/>
-                            </a:schemeClr>
-                          </a:solidFill>
-                        </a:rPr>
-                        <a:t>a single pipe loop might need around 600 m^2, larger buildings may require a second loop</a:t>
-                      </a:r>
-                    </a:p>
-                  </a:txBody>
-                  <a:tcPr marL="50597" marR="50597" marT="25298" marB="25298" anchor="ctr"/>
-                </a:tc>
-                <a:tc>
-                  <a:txBody>
-                    <a:bodyPr/>
-                    <a:lstStyle/>
-                    <a:p>
-                      <a:endParaRPr lang="de-DE" sz="1000">
-                        <a:solidFill>
-                          <a:schemeClr val="tx1">
-                            <a:lumMod val="50000"/>
-                            <a:lumOff val="50000"/>
-                          </a:schemeClr>
-                        </a:solidFill>
-                      </a:endParaRPr>
-                    </a:p>
-                  </a:txBody>
-                  <a:tcPr marL="50597" marR="50597" marT="25298" marB="25298" anchor="ctr"/>
-                </a:tc>
-                <a:tc>
-                  <a:txBody>
-                    <a:bodyPr/>
-                    <a:lstStyle/>
-                    <a:p>
-                      <a:endParaRPr lang="de-DE" sz="1000">
-                        <a:solidFill>
-                          <a:schemeClr val="tx1">
-                            <a:lumMod val="50000"/>
-                            <a:lumOff val="50000"/>
-                          </a:schemeClr>
-                        </a:solidFill>
-                      </a:endParaRPr>
-                    </a:p>
-                  </a:txBody>
-                  <a:tcPr marL="50597" marR="50597" marT="25298" marB="25298" anchor="ctr"/>
-                </a:tc>
-                <a:extLst>
-                  <a:ext uri="{0D108BD9-81ED-4DB2-BD59-A6C34878D82A}">
-                    <a16:rowId xmlns:a16="http://schemas.microsoft.com/office/drawing/2014/main" val="1784049007"/>
-                  </a:ext>
-                </a:extLst>
-              </a:tr>
-              <a:tr h="505969">
-                <a:tc>
-                  <a:txBody>
-                    <a:bodyPr/>
-                    <a:lstStyle/>
-                    <a:p>
-                      <a:r>
-                        <a:rPr lang="de-DE" sz="1000">
-                          <a:solidFill>
-                            <a:schemeClr val="tx1">
-                              <a:lumMod val="50000"/>
-                              <a:lumOff val="50000"/>
-                            </a:schemeClr>
-                          </a:solidFill>
-                        </a:rPr>
-                        <a:t>(/ open loop system that directly extracts heat from a pond or other source of water)</a:t>
-                      </a:r>
-                    </a:p>
-                  </a:txBody>
-                  <a:tcPr marL="50597" marR="50597" marT="25298" marB="25298" anchor="ctr"/>
-                </a:tc>
-                <a:tc>
-                  <a:txBody>
-                    <a:bodyPr/>
-                    <a:lstStyle/>
-                    <a:p>
-                      <a:endParaRPr lang="de-DE" sz="1000">
-                        <a:solidFill>
-                          <a:schemeClr val="tx1">
-                            <a:lumMod val="50000"/>
-                            <a:lumOff val="50000"/>
-                          </a:schemeClr>
-                        </a:solidFill>
-                      </a:endParaRPr>
-                    </a:p>
-                  </a:txBody>
-                  <a:tcPr marL="50597" marR="50597" marT="25298" marB="25298" anchor="ctr"/>
-                </a:tc>
-                <a:tc>
-                  <a:txBody>
-                    <a:bodyPr/>
-                    <a:lstStyle/>
-                    <a:p>
-                      <a:endParaRPr lang="de-DE" sz="1000">
-                        <a:solidFill>
-                          <a:schemeClr val="tx1">
-                            <a:lumMod val="50000"/>
-                            <a:lumOff val="50000"/>
-                          </a:schemeClr>
-                        </a:solidFill>
-                      </a:endParaRPr>
-                    </a:p>
-                  </a:txBody>
-                  <a:tcPr marL="50597" marR="50597" marT="25298" marB="25298" anchor="ctr"/>
-                </a:tc>
-                <a:extLst>
-                  <a:ext uri="{0D108BD9-81ED-4DB2-BD59-A6C34878D82A}">
-                    <a16:rowId xmlns:a16="http://schemas.microsoft.com/office/drawing/2014/main" val="2081135123"/>
-                  </a:ext>
-                </a:extLst>
-              </a:tr>
-              <a:tr h="202388">
-                <a:tc>
-                  <a:txBody>
-                    <a:bodyPr/>
-                    <a:lstStyle/>
-                    <a:p>
-                      <a:r>
-                        <a:rPr lang="de-DE" sz="1000">
+                        <a:rPr lang="de-DE" sz="1600">
                           <a:solidFill>
                             <a:schemeClr val="tx1">
                               <a:lumMod val="50000"/>
@@ -5224,7 +6584,7 @@
                     <a:lstStyle/>
                     <a:p>
                       <a:r>
-                        <a:rPr lang="de-DE" sz="1000">
+                        <a:rPr lang="de-DE" sz="1600">
                           <a:solidFill>
                             <a:schemeClr val="tx1">
                               <a:lumMod val="50000"/>
@@ -5244,7 +6604,7 @@
                     <a:lstStyle/>
                     <a:p>
                       <a:r>
-                        <a:rPr lang="de-DE" sz="1000">
+                        <a:rPr lang="de-DE" sz="1600" dirty="0">
                           <a:solidFill>
                             <a:schemeClr val="tx1">
                               <a:lumMod val="50000"/>
@@ -5264,14 +6624,14 @@
                   </a:ext>
                 </a:extLst>
               </a:tr>
-              <a:tr h="202388">
+              <a:tr h="239527">
                 <a:tc>
                   <a:txBody>
                     <a:bodyPr/>
                     <a:lstStyle/>
                     <a:p>
                       <a:r>
-                        <a:rPr lang="de-DE" sz="1000">
+                        <a:rPr lang="de-DE" sz="1600">
                           <a:solidFill>
                             <a:schemeClr val="tx1">
                               <a:lumMod val="50000"/>
@@ -5291,7 +6651,7 @@
                     <a:lstStyle/>
                     <a:p>
                       <a:r>
-                        <a:rPr lang="de-DE" sz="1000">
+                        <a:rPr lang="de-DE" sz="1600">
                           <a:solidFill>
                             <a:schemeClr val="tx1">
                               <a:lumMod val="50000"/>
@@ -5311,7 +6671,7 @@
                     <a:lstStyle/>
                     <a:p>
                       <a:r>
-                        <a:rPr lang="de-DE" sz="1000">
+                        <a:rPr lang="de-DE" sz="1600" dirty="0" err="1">
                           <a:solidFill>
                             <a:schemeClr val="tx1">
                               <a:lumMod val="50000"/>
@@ -5319,8 +6679,104 @@
                             </a:schemeClr>
                           </a:solidFill>
                         </a:rPr>
-                        <a:t>relatively stable around the year</a:t>
+                        <a:t>relatively</a:t>
                       </a:r>
+                      <a:r>
+                        <a:rPr lang="de-DE" sz="1600" dirty="0">
+                          <a:solidFill>
+                            <a:schemeClr val="tx1">
+                              <a:lumMod val="50000"/>
+                              <a:lumOff val="50000"/>
+                            </a:schemeClr>
+                          </a:solidFill>
+                        </a:rPr>
+                        <a:t> </a:t>
+                      </a:r>
+                      <a:r>
+                        <a:rPr lang="de-DE" sz="1600" dirty="0" err="1">
+                          <a:solidFill>
+                            <a:schemeClr val="tx1">
+                              <a:lumMod val="50000"/>
+                              <a:lumOff val="50000"/>
+                            </a:schemeClr>
+                          </a:solidFill>
+                        </a:rPr>
+                        <a:t>stable</a:t>
+                      </a:r>
+                      <a:r>
+                        <a:rPr lang="de-DE" sz="1600" dirty="0">
+                          <a:solidFill>
+                            <a:schemeClr val="tx1">
+                              <a:lumMod val="50000"/>
+                              <a:lumOff val="50000"/>
+                            </a:schemeClr>
+                          </a:solidFill>
+                        </a:rPr>
+                        <a:t> </a:t>
+                      </a:r>
+                      <a:r>
+                        <a:rPr lang="de-DE" sz="1600" dirty="0" err="1">
+                          <a:solidFill>
+                            <a:schemeClr val="tx1">
+                              <a:lumMod val="50000"/>
+                              <a:lumOff val="50000"/>
+                            </a:schemeClr>
+                          </a:solidFill>
+                        </a:rPr>
+                        <a:t>around</a:t>
+                      </a:r>
+                      <a:r>
+                        <a:rPr lang="de-DE" sz="1600" dirty="0">
+                          <a:solidFill>
+                            <a:schemeClr val="tx1">
+                              <a:lumMod val="50000"/>
+                              <a:lumOff val="50000"/>
+                            </a:schemeClr>
+                          </a:solidFill>
+                        </a:rPr>
+                        <a:t> </a:t>
+                      </a:r>
+                      <a:r>
+                        <a:rPr lang="de-DE" sz="1600" dirty="0" err="1">
+                          <a:solidFill>
+                            <a:schemeClr val="tx1">
+                              <a:lumMod val="50000"/>
+                              <a:lumOff val="50000"/>
+                            </a:schemeClr>
+                          </a:solidFill>
+                        </a:rPr>
+                        <a:t>the</a:t>
+                      </a:r>
+                      <a:r>
+                        <a:rPr lang="de-DE" sz="1600" dirty="0">
+                          <a:solidFill>
+                            <a:schemeClr val="tx1">
+                              <a:lumMod val="50000"/>
+                              <a:lumOff val="50000"/>
+                            </a:schemeClr>
+                          </a:solidFill>
+                        </a:rPr>
+                        <a:t> </a:t>
+                      </a:r>
+                      <a:r>
+                        <a:rPr lang="de-DE" sz="1600" dirty="0" err="1">
+                          <a:solidFill>
+                            <a:schemeClr val="tx1">
+                              <a:lumMod val="50000"/>
+                              <a:lumOff val="50000"/>
+                            </a:schemeClr>
+                          </a:solidFill>
+                        </a:rPr>
+                        <a:t>year</a:t>
+                      </a:r>
+                      <a:endParaRPr lang="de-DE" sz="1600" dirty="0">
+                        <a:solidFill>
+                          <a:schemeClr val="tx1">
+                            <a:lumMod val="50000"/>
+                            <a:lumOff val="50000"/>
+                          </a:schemeClr>
+                        </a:solidFill>
+                      </a:endParaRPr>
                     </a:p>
                   </a:txBody>
                   <a:tcPr marL="50597" marR="50597" marT="25298" marB="25298" anchor="ctr"/>
@@ -5331,14 +6787,14 @@
                   </a:ext>
                 </a:extLst>
               </a:tr>
-              <a:tr h="354179">
+              <a:tr h="419353">
                 <a:tc>
                   <a:txBody>
                     <a:bodyPr/>
                     <a:lstStyle/>
                     <a:p>
                       <a:r>
-                        <a:rPr lang="de-DE" sz="1000">
+                        <a:rPr lang="de-DE" sz="1600">
                           <a:solidFill>
                             <a:schemeClr val="tx1">
                               <a:lumMod val="50000"/>
@@ -5358,7 +6814,7 @@
                     <a:lstStyle/>
                     <a:p>
                       <a:r>
-                        <a:rPr lang="de-DE" sz="1000">
+                        <a:rPr lang="de-DE" sz="1600">
                           <a:solidFill>
                             <a:schemeClr val="tx1">
                               <a:lumMod val="50000"/>
@@ -5378,7 +6834,7 @@
                     <a:lstStyle/>
                     <a:p>
                       <a:r>
-                        <a:rPr lang="de-DE" sz="1000">
+                        <a:rPr lang="de-DE" sz="1600" dirty="0" err="1">
                           <a:solidFill>
                             <a:schemeClr val="tx1">
                               <a:lumMod val="50000"/>
@@ -5386,59 +6842,75 @@
                             </a:schemeClr>
                           </a:solidFill>
                         </a:rPr>
-                        <a:t>generally higher, especially in winter</a:t>
+                        <a:t>generally</a:t>
                       </a:r>
-                    </a:p>
-                  </a:txBody>
-                  <a:tcPr marL="50597" marR="50597" marT="25298" marB="25298" anchor="ctr"/>
-                </a:tc>
-                <a:extLst>
-                  <a:ext uri="{0D108BD9-81ED-4DB2-BD59-A6C34878D82A}">
-                    <a16:rowId xmlns:a16="http://schemas.microsoft.com/office/drawing/2014/main" val="158859923"/>
-                  </a:ext>
-                </a:extLst>
-              </a:tr>
-              <a:tr h="202388">
-                <a:tc>
-                  <a:txBody>
-                    <a:bodyPr/>
-                    <a:lstStyle/>
-                    <a:p>
-                      <a:endParaRPr lang="de-DE" sz="1000">
-                        <a:solidFill>
-                          <a:schemeClr val="tx1">
-                            <a:lumMod val="50000"/>
-                            <a:lumOff val="50000"/>
-                          </a:schemeClr>
-                        </a:solidFill>
-                      </a:endParaRPr>
-                    </a:p>
-                  </a:txBody>
-                  <a:tcPr marL="50597" marR="50597" marT="25298" marB="25298" anchor="ctr"/>
-                </a:tc>
-                <a:tc>
-                  <a:txBody>
-                    <a:bodyPr/>
-                    <a:lstStyle/>
-                    <a:p>
-                      <a:endParaRPr lang="de-DE" sz="1000">
-                        <a:solidFill>
-                          <a:schemeClr val="tx1">
-                            <a:lumMod val="50000"/>
-                            <a:lumOff val="50000"/>
-                          </a:schemeClr>
-                        </a:solidFill>
-                      </a:endParaRPr>
-                    </a:p>
-                  </a:txBody>
-                  <a:tcPr marL="50597" marR="50597" marT="25298" marB="25298" anchor="ctr"/>
-                </a:tc>
-                <a:tc>
-                  <a:txBody>
-                    <a:bodyPr/>
-                    <a:lstStyle/>
-                    <a:p>
-                      <a:endParaRPr lang="de-DE" sz="1000">
+                      <a:r>
+                        <a:rPr lang="de-DE" sz="1600" dirty="0">
+                          <a:solidFill>
+                            <a:schemeClr val="tx1">
+                              <a:lumMod val="50000"/>
+                              <a:lumOff val="50000"/>
+                            </a:schemeClr>
+                          </a:solidFill>
+                        </a:rPr>
+                        <a:t> </a:t>
+                      </a:r>
+                      <a:r>
+                        <a:rPr lang="de-DE" sz="1600" dirty="0" err="1">
+                          <a:solidFill>
+                            <a:schemeClr val="tx1">
+                              <a:lumMod val="50000"/>
+                              <a:lumOff val="50000"/>
+                            </a:schemeClr>
+                          </a:solidFill>
+                        </a:rPr>
+                        <a:t>higher</a:t>
+                      </a:r>
+                      <a:r>
+                        <a:rPr lang="de-DE" sz="1600" dirty="0">
+                          <a:solidFill>
+                            <a:schemeClr val="tx1">
+                              <a:lumMod val="50000"/>
+                              <a:lumOff val="50000"/>
+                            </a:schemeClr>
+                          </a:solidFill>
+                        </a:rPr>
+                        <a:t>, </a:t>
+                      </a:r>
+                      <a:r>
+                        <a:rPr lang="de-DE" sz="1600" dirty="0" err="1">
+                          <a:solidFill>
+                            <a:schemeClr val="tx1">
+                              <a:lumMod val="50000"/>
+                              <a:lumOff val="50000"/>
+                            </a:schemeClr>
+                          </a:solidFill>
+                        </a:rPr>
+                        <a:t>especially</a:t>
+                      </a:r>
+                      <a:r>
+                        <a:rPr lang="de-DE" sz="1600" dirty="0">
+                          <a:solidFill>
+                            <a:schemeClr val="tx1">
+                              <a:lumMod val="50000"/>
+                              <a:lumOff val="50000"/>
+                            </a:schemeClr>
+                          </a:solidFill>
+                        </a:rPr>
+                        <a:t> in </a:t>
+                      </a:r>
+                      <a:r>
+                        <a:rPr lang="de-DE" sz="1600" dirty="0" err="1">
+                          <a:solidFill>
+                            <a:schemeClr val="tx1">
+                              <a:lumMod val="50000"/>
+                              <a:lumOff val="50000"/>
+                            </a:schemeClr>
+                          </a:solidFill>
+                        </a:rPr>
+                        <a:t>winter</a:t>
+                      </a:r>
+                      <a:endParaRPr lang="de-DE" sz="1600" dirty="0">
                         <a:solidFill>
                           <a:schemeClr val="tx1">
                             <a:lumMod val="50000"/>
@@ -5452,123 +6924,7 @@
                 </a:tc>
                 <a:extLst>
                   <a:ext uri="{0D108BD9-81ED-4DB2-BD59-A6C34878D82A}">
-                    <a16:rowId xmlns:a16="http://schemas.microsoft.com/office/drawing/2014/main" val="3503766844"/>
-                  </a:ext>
-                </a:extLst>
-              </a:tr>
-              <a:tr h="202388">
-                <a:tc>
-                  <a:txBody>
-                    <a:bodyPr/>
-                    <a:lstStyle/>
-                    <a:p>
-                      <a:endParaRPr lang="de-DE" sz="1000">
-                        <a:solidFill>
-                          <a:schemeClr val="tx1">
-                            <a:lumMod val="50000"/>
-                            <a:lumOff val="50000"/>
-                          </a:schemeClr>
-                        </a:solidFill>
-                      </a:endParaRPr>
-                    </a:p>
-                  </a:txBody>
-                  <a:tcPr marL="50597" marR="50597" marT="25298" marB="25298" anchor="ctr"/>
-                </a:tc>
-                <a:tc>
-                  <a:txBody>
-                    <a:bodyPr/>
-                    <a:lstStyle/>
-                    <a:p>
-                      <a:endParaRPr lang="de-DE" sz="1000">
-                        <a:solidFill>
-                          <a:schemeClr val="tx1">
-                            <a:lumMod val="50000"/>
-                            <a:lumOff val="50000"/>
-                          </a:schemeClr>
-                        </a:solidFill>
-                      </a:endParaRPr>
-                    </a:p>
-                  </a:txBody>
-                  <a:tcPr marL="50597" marR="50597" marT="25298" marB="25298" anchor="ctr"/>
-                </a:tc>
-                <a:tc>
-                  <a:txBody>
-                    <a:bodyPr/>
-                    <a:lstStyle/>
-                    <a:p>
-                      <a:endParaRPr lang="de-DE" sz="1000">
-                        <a:solidFill>
-                          <a:schemeClr val="tx1">
-                            <a:lumMod val="50000"/>
-                            <a:lumOff val="50000"/>
-                          </a:schemeClr>
-                        </a:solidFill>
-                      </a:endParaRPr>
-                    </a:p>
-                  </a:txBody>
-                  <a:tcPr marL="50597" marR="50597" marT="25298" marB="25298" anchor="ctr"/>
-                </a:tc>
-                <a:extLst>
-                  <a:ext uri="{0D108BD9-81ED-4DB2-BD59-A6C34878D82A}">
-                    <a16:rowId xmlns:a16="http://schemas.microsoft.com/office/drawing/2014/main" val="3835188853"/>
-                  </a:ext>
-                </a:extLst>
-              </a:tr>
-              <a:tr h="202388">
-                <a:tc>
-                  <a:txBody>
-                    <a:bodyPr/>
-                    <a:lstStyle/>
-                    <a:p>
-                      <a:endParaRPr lang="de-DE" sz="1000">
-                        <a:solidFill>
-                          <a:schemeClr val="tx1">
-                            <a:lumMod val="50000"/>
-                            <a:lumOff val="50000"/>
-                          </a:schemeClr>
-                        </a:solidFill>
-                      </a:endParaRPr>
-                    </a:p>
-                  </a:txBody>
-                  <a:tcPr marL="50597" marR="50597" marT="25298" marB="25298" anchor="ctr"/>
-                </a:tc>
-                <a:tc>
-                  <a:txBody>
-                    <a:bodyPr/>
-                    <a:lstStyle/>
-                    <a:p>
-                      <a:endParaRPr lang="de-DE" sz="1000">
-                        <a:solidFill>
-                          <a:schemeClr val="tx1">
-                            <a:lumMod val="50000"/>
-                            <a:lumOff val="50000"/>
-                          </a:schemeClr>
-                        </a:solidFill>
-                      </a:endParaRPr>
-                    </a:p>
-                  </a:txBody>
-                  <a:tcPr marL="50597" marR="50597" marT="25298" marB="25298" anchor="ctr"/>
-                </a:tc>
-                <a:tc>
-                  <a:txBody>
-                    <a:bodyPr/>
-                    <a:lstStyle/>
-                    <a:p>
-                      <a:endParaRPr lang="de-DE" sz="1000" dirty="0">
-                        <a:solidFill>
-                          <a:schemeClr val="tx1">
-                            <a:lumMod val="50000"/>
-                            <a:lumOff val="50000"/>
-                          </a:schemeClr>
-                        </a:solidFill>
-                      </a:endParaRPr>
-                    </a:p>
-                  </a:txBody>
-                  <a:tcPr marL="50597" marR="50597" marT="25298" marB="25298" anchor="ctr"/>
-                </a:tc>
-                <a:extLst>
-                  <a:ext uri="{0D108BD9-81ED-4DB2-BD59-A6C34878D82A}">
-                    <a16:rowId xmlns:a16="http://schemas.microsoft.com/office/drawing/2014/main" val="2324735977"/>
+                    <a16:rowId xmlns:a16="http://schemas.microsoft.com/office/drawing/2014/main" val="158859923"/>
                   </a:ext>
                 </a:extLst>
               </a:tr>

--- a/presentation/heat.pptx
+++ b/presentation/heat.pptx
@@ -11036,6 +11036,151 @@
               <a:t>. </a:t>
             </a:r>
           </a:p>
+          <a:p>
+            <a:r>
+              <a:rPr lang="de-DE" dirty="0">
+                <a:solidFill>
+                  <a:schemeClr val="tx1">
+                    <a:lumMod val="50000"/>
+                    <a:lumOff val="50000"/>
+                  </a:schemeClr>
+                </a:solidFill>
+              </a:rPr>
+              <a:t>Suggestion: Maybe find </a:t>
+            </a:r>
+            <a:r>
+              <a:rPr lang="de-DE" dirty="0" err="1">
+                <a:solidFill>
+                  <a:schemeClr val="tx1">
+                    <a:lumMod val="50000"/>
+                    <a:lumOff val="50000"/>
+                  </a:schemeClr>
+                </a:solidFill>
+              </a:rPr>
+              <a:t>data</a:t>
+            </a:r>
+            <a:r>
+              <a:rPr lang="de-DE" dirty="0">
+                <a:solidFill>
+                  <a:schemeClr val="tx1">
+                    <a:lumMod val="50000"/>
+                    <a:lumOff val="50000"/>
+                  </a:schemeClr>
+                </a:solidFill>
+              </a:rPr>
+              <a:t> </a:t>
+            </a:r>
+            <a:r>
+              <a:rPr lang="de-DE" dirty="0" err="1">
+                <a:solidFill>
+                  <a:schemeClr val="tx1">
+                    <a:lumMod val="50000"/>
+                    <a:lumOff val="50000"/>
+                  </a:schemeClr>
+                </a:solidFill>
+              </a:rPr>
+              <a:t>for</a:t>
+            </a:r>
+            <a:r>
+              <a:rPr lang="de-DE" dirty="0">
+                <a:solidFill>
+                  <a:schemeClr val="tx1">
+                    <a:lumMod val="50000"/>
+                    <a:lumOff val="50000"/>
+                  </a:schemeClr>
+                </a:solidFill>
+              </a:rPr>
+              <a:t> </a:t>
+            </a:r>
+            <a:r>
+              <a:rPr lang="de-DE" dirty="0" err="1">
+                <a:solidFill>
+                  <a:schemeClr val="tx1">
+                    <a:lumMod val="50000"/>
+                    <a:lumOff val="50000"/>
+                  </a:schemeClr>
+                </a:solidFill>
+              </a:rPr>
+              <a:t>cold</a:t>
+            </a:r>
+            <a:r>
+              <a:rPr lang="de-DE" dirty="0">
+                <a:solidFill>
+                  <a:schemeClr val="tx1">
+                    <a:lumMod val="50000"/>
+                    <a:lumOff val="50000"/>
+                  </a:schemeClr>
+                </a:solidFill>
+              </a:rPr>
+              <a:t> and warm </a:t>
+            </a:r>
+            <a:r>
+              <a:rPr lang="de-DE" dirty="0" err="1">
+                <a:solidFill>
+                  <a:schemeClr val="tx1">
+                    <a:lumMod val="50000"/>
+                    <a:lumOff val="50000"/>
+                  </a:schemeClr>
+                </a:solidFill>
+              </a:rPr>
+              <a:t>winter</a:t>
+            </a:r>
+            <a:r>
+              <a:rPr lang="de-DE" dirty="0">
+                <a:solidFill>
+                  <a:schemeClr val="tx1">
+                    <a:lumMod val="50000"/>
+                    <a:lumOff val="50000"/>
+                  </a:schemeClr>
+                </a:solidFill>
+              </a:rPr>
+              <a:t> / </a:t>
+            </a:r>
+            <a:r>
+              <a:rPr lang="de-DE" dirty="0" err="1">
+                <a:solidFill>
+                  <a:schemeClr val="tx1">
+                    <a:lumMod val="50000"/>
+                    <a:lumOff val="50000"/>
+                  </a:schemeClr>
+                </a:solidFill>
+              </a:rPr>
+              <a:t>heating</a:t>
+            </a:r>
+            <a:r>
+              <a:rPr lang="de-DE" dirty="0">
+                <a:solidFill>
+                  <a:schemeClr val="tx1">
+                    <a:lumMod val="50000"/>
+                    <a:lumOff val="50000"/>
+                  </a:schemeClr>
+                </a:solidFill>
+              </a:rPr>
+              <a:t> </a:t>
+            </a:r>
+            <a:r>
+              <a:rPr lang="de-DE" dirty="0" err="1">
+                <a:solidFill>
+                  <a:schemeClr val="tx1">
+                    <a:lumMod val="50000"/>
+                    <a:lumOff val="50000"/>
+                  </a:schemeClr>
+                </a:solidFill>
+              </a:rPr>
+              <a:t>period</a:t>
+            </a:r>
+            <a:r>
+              <a:rPr lang="de-DE" dirty="0">
+                <a:solidFill>
+                  <a:schemeClr val="tx1">
+                    <a:lumMod val="50000"/>
+                    <a:lumOff val="50000"/>
+                  </a:schemeClr>
+                </a:solidFill>
+              </a:rPr>
+              <a:t>?</a:t>
+            </a:r>
+          </a:p>
         </p:txBody>
       </p:sp>
     </p:spTree>
@@ -20678,6 +20823,9 @@
           <a:bodyPr/>
           <a:lstStyle/>
           <a:p>
+            <a:pPr marL="0" indent="0">
+              <a:buNone/>
+            </a:pPr>
             <a:r>
               <a:rPr lang="de-DE" dirty="0" err="1"/>
               <a:t>Based</a:t>
@@ -20742,6 +20890,351 @@
               <a:rPr lang="de-DE" dirty="0"/>
               <a:t>:</a:t>
             </a:r>
+          </a:p>
+          <a:p>
+            <a:pPr marL="0" indent="0">
+              <a:buNone/>
+            </a:pPr>
+            <a:r>
+              <a:rPr lang="de-DE" dirty="0" err="1">
+                <a:solidFill>
+                  <a:schemeClr val="tx1">
+                    <a:lumMod val="50000"/>
+                    <a:lumOff val="50000"/>
+                  </a:schemeClr>
+                </a:solidFill>
+              </a:rPr>
+              <a:t>My</a:t>
+            </a:r>
+            <a:r>
+              <a:rPr lang="de-DE" dirty="0">
+                <a:solidFill>
+                  <a:schemeClr val="tx1">
+                    <a:lumMod val="50000"/>
+                    <a:lumOff val="50000"/>
+                  </a:schemeClr>
+                </a:solidFill>
+              </a:rPr>
+              <a:t> </a:t>
+            </a:r>
+            <a:r>
+              <a:rPr lang="de-DE" dirty="0" err="1">
+                <a:solidFill>
+                  <a:schemeClr val="tx1">
+                    <a:lumMod val="50000"/>
+                    <a:lumOff val="50000"/>
+                  </a:schemeClr>
+                </a:solidFill>
+              </a:rPr>
+              <a:t>suggestion</a:t>
+            </a:r>
+            <a:r>
+              <a:rPr lang="de-DE" dirty="0">
+                <a:solidFill>
+                  <a:schemeClr val="tx1">
+                    <a:lumMod val="50000"/>
+                    <a:lumOff val="50000"/>
+                  </a:schemeClr>
+                </a:solidFill>
+              </a:rPr>
+              <a:t>: </a:t>
+            </a:r>
+          </a:p>
+          <a:p>
+            <a:pPr>
+              <a:buFont typeface="Arial" panose="020B0604020202020204" pitchFamily="34" charset="0"/>
+              <a:buChar char="•"/>
+            </a:pPr>
+            <a:r>
+              <a:rPr lang="de-DE" dirty="0">
+                <a:solidFill>
+                  <a:schemeClr val="tx1">
+                    <a:lumMod val="50000"/>
+                    <a:lumOff val="50000"/>
+                  </a:schemeClr>
+                </a:solidFill>
+              </a:rPr>
+              <a:t>25% </a:t>
+            </a:r>
+            <a:r>
+              <a:rPr lang="de-DE" dirty="0" err="1">
+                <a:solidFill>
+                  <a:schemeClr val="tx1">
+                    <a:lumMod val="50000"/>
+                    <a:lumOff val="50000"/>
+                  </a:schemeClr>
+                </a:solidFill>
+              </a:rPr>
+              <a:t>before</a:t>
+            </a:r>
+            <a:r>
+              <a:rPr lang="de-DE" dirty="0">
+                <a:solidFill>
+                  <a:schemeClr val="tx1">
+                    <a:lumMod val="50000"/>
+                    <a:lumOff val="50000"/>
+                  </a:schemeClr>
+                </a:solidFill>
+              </a:rPr>
+              <a:t> 1946 (Dena)→ Tabula </a:t>
+            </a:r>
+            <a:r>
+              <a:rPr lang="de-DE" dirty="0" err="1">
+                <a:solidFill>
+                  <a:schemeClr val="tx1">
+                    <a:lumMod val="50000"/>
+                    <a:lumOff val="50000"/>
+                  </a:schemeClr>
+                </a:solidFill>
+              </a:rPr>
+              <a:t>data</a:t>
+            </a:r>
+            <a:r>
+              <a:rPr lang="de-DE" dirty="0">
+                <a:solidFill>
+                  <a:schemeClr val="tx1">
+                    <a:lumMod val="50000"/>
+                    <a:lumOff val="50000"/>
+                  </a:schemeClr>
+                </a:solidFill>
+              </a:rPr>
+              <a:t> </a:t>
+            </a:r>
+            <a:r>
+              <a:rPr lang="de-DE" dirty="0" err="1">
+                <a:solidFill>
+                  <a:schemeClr val="tx1">
+                    <a:lumMod val="50000"/>
+                    <a:lumOff val="50000"/>
+                  </a:schemeClr>
+                </a:solidFill>
+              </a:rPr>
+              <a:t>for</a:t>
+            </a:r>
+            <a:r>
+              <a:rPr lang="de-DE" dirty="0">
+                <a:solidFill>
+                  <a:schemeClr val="tx1">
+                    <a:lumMod val="50000"/>
+                    <a:lumOff val="50000"/>
+                  </a:schemeClr>
+                </a:solidFill>
+              </a:rPr>
+              <a:t> 1919 - 1948</a:t>
+            </a:r>
+          </a:p>
+          <a:p>
+            <a:pPr>
+              <a:buFont typeface="Arial" panose="020B0604020202020204" pitchFamily="34" charset="0"/>
+              <a:buChar char="•"/>
+            </a:pPr>
+            <a:r>
+              <a:rPr lang="de-DE" dirty="0">
+                <a:solidFill>
+                  <a:schemeClr val="tx1">
+                    <a:lumMod val="50000"/>
+                    <a:lumOff val="50000"/>
+                  </a:schemeClr>
+                </a:solidFill>
+              </a:rPr>
+              <a:t>35% </a:t>
+            </a:r>
+            <a:r>
+              <a:rPr lang="de-DE" dirty="0" err="1">
+                <a:solidFill>
+                  <a:schemeClr val="tx1">
+                    <a:lumMod val="50000"/>
+                    <a:lumOff val="50000"/>
+                  </a:schemeClr>
+                </a:solidFill>
+              </a:rPr>
+              <a:t>before</a:t>
+            </a:r>
+            <a:r>
+              <a:rPr lang="de-DE" dirty="0">
+                <a:solidFill>
+                  <a:schemeClr val="tx1">
+                    <a:lumMod val="50000"/>
+                    <a:lumOff val="50000"/>
+                  </a:schemeClr>
+                </a:solidFill>
+              </a:rPr>
+              <a:t> 1977 (Dena)→ Tabula </a:t>
+            </a:r>
+            <a:r>
+              <a:rPr lang="de-DE" dirty="0" err="1">
+                <a:solidFill>
+                  <a:schemeClr val="tx1">
+                    <a:lumMod val="50000"/>
+                    <a:lumOff val="50000"/>
+                  </a:schemeClr>
+                </a:solidFill>
+              </a:rPr>
+              <a:t>data</a:t>
+            </a:r>
+            <a:r>
+              <a:rPr lang="de-DE" dirty="0">
+                <a:solidFill>
+                  <a:schemeClr val="tx1">
+                    <a:lumMod val="50000"/>
+                    <a:lumOff val="50000"/>
+                  </a:schemeClr>
+                </a:solidFill>
+              </a:rPr>
+              <a:t> </a:t>
+            </a:r>
+            <a:r>
+              <a:rPr lang="de-DE" dirty="0" err="1">
+                <a:solidFill>
+                  <a:schemeClr val="tx1">
+                    <a:lumMod val="50000"/>
+                    <a:lumOff val="50000"/>
+                  </a:schemeClr>
+                </a:solidFill>
+              </a:rPr>
+              <a:t>for</a:t>
+            </a:r>
+            <a:r>
+              <a:rPr lang="de-DE" dirty="0">
+                <a:solidFill>
+                  <a:schemeClr val="tx1">
+                    <a:lumMod val="50000"/>
+                    <a:lumOff val="50000"/>
+                  </a:schemeClr>
+                </a:solidFill>
+              </a:rPr>
+              <a:t> 1958 - 1968</a:t>
+            </a:r>
+          </a:p>
+          <a:p>
+            <a:pPr>
+              <a:buFont typeface="Arial" panose="020B0604020202020204" pitchFamily="34" charset="0"/>
+              <a:buChar char="•"/>
+            </a:pPr>
+            <a:r>
+              <a:rPr lang="de-DE" dirty="0">
+                <a:solidFill>
+                  <a:schemeClr val="tx1">
+                    <a:lumMod val="50000"/>
+                    <a:lumOff val="50000"/>
+                  </a:schemeClr>
+                </a:solidFill>
+              </a:rPr>
+              <a:t>and </a:t>
+            </a:r>
+            <a:r>
+              <a:rPr lang="de-DE" dirty="0" err="1">
+                <a:solidFill>
+                  <a:schemeClr val="tx1">
+                    <a:lumMod val="50000"/>
+                    <a:lumOff val="50000"/>
+                  </a:schemeClr>
+                </a:solidFill>
+              </a:rPr>
+              <a:t>of</a:t>
+            </a:r>
+            <a:r>
+              <a:rPr lang="de-DE" dirty="0">
+                <a:solidFill>
+                  <a:schemeClr val="tx1">
+                    <a:lumMod val="50000"/>
+                    <a:lumOff val="50000"/>
+                  </a:schemeClr>
+                </a:solidFill>
+              </a:rPr>
+              <a:t> </a:t>
+            </a:r>
+            <a:r>
+              <a:rPr lang="de-DE" dirty="0" err="1">
+                <a:solidFill>
+                  <a:schemeClr val="tx1">
+                    <a:lumMod val="50000"/>
+                    <a:lumOff val="50000"/>
+                  </a:schemeClr>
+                </a:solidFill>
+              </a:rPr>
+              <a:t>course</a:t>
+            </a:r>
+            <a:r>
+              <a:rPr lang="de-DE" dirty="0">
+                <a:solidFill>
+                  <a:schemeClr val="tx1">
+                    <a:lumMod val="50000"/>
+                    <a:lumOff val="50000"/>
+                  </a:schemeClr>
+                </a:solidFill>
+              </a:rPr>
+              <a:t> a modern </a:t>
+            </a:r>
+            <a:r>
+              <a:rPr lang="de-DE" dirty="0" err="1">
+                <a:solidFill>
+                  <a:schemeClr val="tx1">
+                    <a:lumMod val="50000"/>
+                    <a:lumOff val="50000"/>
+                  </a:schemeClr>
+                </a:solidFill>
+              </a:rPr>
+              <a:t>one</a:t>
+            </a:r>
+            <a:r>
+              <a:rPr lang="de-DE" dirty="0">
+                <a:solidFill>
+                  <a:schemeClr val="tx1">
+                    <a:lumMod val="50000"/>
+                    <a:lumOff val="50000"/>
+                  </a:schemeClr>
+                </a:solidFill>
+              </a:rPr>
+              <a:t> → Tabula </a:t>
+            </a:r>
+            <a:r>
+              <a:rPr lang="de-DE" dirty="0" err="1">
+                <a:solidFill>
+                  <a:schemeClr val="tx1">
+                    <a:lumMod val="50000"/>
+                    <a:lumOff val="50000"/>
+                  </a:schemeClr>
+                </a:solidFill>
+              </a:rPr>
+              <a:t>data</a:t>
+            </a:r>
+            <a:r>
+              <a:rPr lang="de-DE" dirty="0">
+                <a:solidFill>
+                  <a:schemeClr val="tx1">
+                    <a:lumMod val="50000"/>
+                    <a:lumOff val="50000"/>
+                  </a:schemeClr>
+                </a:solidFill>
+              </a:rPr>
+              <a:t> </a:t>
+            </a:r>
+            <a:r>
+              <a:rPr lang="de-DE" dirty="0" err="1">
+                <a:solidFill>
+                  <a:schemeClr val="tx1">
+                    <a:lumMod val="50000"/>
+                    <a:lumOff val="50000"/>
+                  </a:schemeClr>
+                </a:solidFill>
+              </a:rPr>
+              <a:t>for</a:t>
+            </a:r>
+            <a:r>
+              <a:rPr lang="de-DE" dirty="0">
+                <a:solidFill>
+                  <a:schemeClr val="tx1">
+                    <a:lumMod val="50000"/>
+                    <a:lumOff val="50000"/>
+                  </a:schemeClr>
+                </a:solidFill>
+              </a:rPr>
+              <a:t> 2016</a:t>
+            </a:r>
+          </a:p>
+          <a:p>
+            <a:endParaRPr lang="de-DE" dirty="0"/>
           </a:p>
         </p:txBody>
       </p:sp>

--- a/presentation/heat.pptx
+++ b/presentation/heat.pptx
@@ -5,7 +5,7 @@
     <p:sldMasterId id="2147483648" r:id="rId1"/>
   </p:sldMasterIdLst>
   <p:notesMasterIdLst>
-    <p:notesMasterId r:id="rId27"/>
+    <p:notesMasterId r:id="rId28"/>
   </p:notesMasterIdLst>
   <p:sldIdLst>
     <p:sldId id="256" r:id="rId2"/>
@@ -26,13 +26,14 @@
     <p:sldId id="260" r:id="rId17"/>
     <p:sldId id="261" r:id="rId18"/>
     <p:sldId id="262" r:id="rId19"/>
-    <p:sldId id="266" r:id="rId20"/>
-    <p:sldId id="267" r:id="rId21"/>
-    <p:sldId id="268" r:id="rId22"/>
-    <p:sldId id="263" r:id="rId23"/>
-    <p:sldId id="264" r:id="rId24"/>
-    <p:sldId id="269" r:id="rId25"/>
-    <p:sldId id="265" r:id="rId26"/>
+    <p:sldId id="281" r:id="rId20"/>
+    <p:sldId id="266" r:id="rId21"/>
+    <p:sldId id="267" r:id="rId22"/>
+    <p:sldId id="268" r:id="rId23"/>
+    <p:sldId id="263" r:id="rId24"/>
+    <p:sldId id="264" r:id="rId25"/>
+    <p:sldId id="269" r:id="rId26"/>
+    <p:sldId id="265" r:id="rId27"/>
   </p:sldIdLst>
   <p:sldSz cx="12192000" cy="6858000"/>
   <p:notesSz cx="6858000" cy="9144000"/>
@@ -221,7 +222,7 @@
           <a:p>
             <a:fld id="{286B95F3-0557-304F-A425-74B74408DC2F}" type="datetimeFigureOut">
               <a:rPr lang="de-DE" smtClean="0"/>
-              <a:t>19.06.25</a:t>
+              <a:t>21.06.2025</a:t>
             </a:fld>
             <a:endParaRPr lang="de-DE"/>
           </a:p>
@@ -379,7 +380,7 @@
           <a:p>
             <a:fld id="{B19B2BFA-58D9-ED43-8040-25821433DD5C}" type="slidenum">
               <a:rPr lang="de-DE" smtClean="0"/>
-              <a:t>‹Nr.›</a:t>
+              <a:t>‹#›</a:t>
             </a:fld>
             <a:endParaRPr lang="de-DE"/>
           </a:p>
@@ -1238,7 +1239,7 @@
           <a:p>
             <a:fld id="{04AD105E-1681-4427-A2A6-BE19936FDE9F}" type="datetimeFigureOut">
               <a:rPr lang="de-DE" smtClean="0"/>
-              <a:t>19.06.25</a:t>
+              <a:t>21.06.2025</a:t>
             </a:fld>
             <a:endParaRPr lang="de-DE"/>
           </a:p>
@@ -1292,7 +1293,7 @@
           <a:p>
             <a:fld id="{F2D7D816-B1EE-490B-A103-4A569B3CE5B5}" type="slidenum">
               <a:rPr lang="de-DE" smtClean="0"/>
-              <a:t>‹Nr.›</a:t>
+              <a:t>‹#›</a:t>
             </a:fld>
             <a:endParaRPr lang="de-DE"/>
           </a:p>
@@ -1436,7 +1437,7 @@
           <a:p>
             <a:fld id="{04AD105E-1681-4427-A2A6-BE19936FDE9F}" type="datetimeFigureOut">
               <a:rPr lang="de-DE" smtClean="0"/>
-              <a:t>19.06.25</a:t>
+              <a:t>21.06.2025</a:t>
             </a:fld>
             <a:endParaRPr lang="de-DE"/>
           </a:p>
@@ -1490,7 +1491,7 @@
           <a:p>
             <a:fld id="{F2D7D816-B1EE-490B-A103-4A569B3CE5B5}" type="slidenum">
               <a:rPr lang="de-DE" smtClean="0"/>
-              <a:t>‹Nr.›</a:t>
+              <a:t>‹#›</a:t>
             </a:fld>
             <a:endParaRPr lang="de-DE"/>
           </a:p>
@@ -1644,7 +1645,7 @@
           <a:p>
             <a:fld id="{04AD105E-1681-4427-A2A6-BE19936FDE9F}" type="datetimeFigureOut">
               <a:rPr lang="de-DE" smtClean="0"/>
-              <a:t>19.06.25</a:t>
+              <a:t>21.06.2025</a:t>
             </a:fld>
             <a:endParaRPr lang="de-DE"/>
           </a:p>
@@ -1698,7 +1699,7 @@
           <a:p>
             <a:fld id="{F2D7D816-B1EE-490B-A103-4A569B3CE5B5}" type="slidenum">
               <a:rPr lang="de-DE" smtClean="0"/>
-              <a:t>‹Nr.›</a:t>
+              <a:t>‹#›</a:t>
             </a:fld>
             <a:endParaRPr lang="de-DE"/>
           </a:p>
@@ -1842,7 +1843,7 @@
           <a:p>
             <a:fld id="{04AD105E-1681-4427-A2A6-BE19936FDE9F}" type="datetimeFigureOut">
               <a:rPr lang="de-DE" smtClean="0"/>
-              <a:t>19.06.25</a:t>
+              <a:t>21.06.2025</a:t>
             </a:fld>
             <a:endParaRPr lang="de-DE"/>
           </a:p>
@@ -1896,7 +1897,7 @@
           <a:p>
             <a:fld id="{F2D7D816-B1EE-490B-A103-4A569B3CE5B5}" type="slidenum">
               <a:rPr lang="de-DE" smtClean="0"/>
-              <a:t>‹Nr.›</a:t>
+              <a:t>‹#›</a:t>
             </a:fld>
             <a:endParaRPr lang="de-DE"/>
           </a:p>
@@ -2117,7 +2118,7 @@
           <a:p>
             <a:fld id="{04AD105E-1681-4427-A2A6-BE19936FDE9F}" type="datetimeFigureOut">
               <a:rPr lang="de-DE" smtClean="0"/>
-              <a:t>19.06.25</a:t>
+              <a:t>21.06.2025</a:t>
             </a:fld>
             <a:endParaRPr lang="de-DE"/>
           </a:p>
@@ -2171,7 +2172,7 @@
           <a:p>
             <a:fld id="{F2D7D816-B1EE-490B-A103-4A569B3CE5B5}" type="slidenum">
               <a:rPr lang="de-DE" smtClean="0"/>
-              <a:t>‹Nr.›</a:t>
+              <a:t>‹#›</a:t>
             </a:fld>
             <a:endParaRPr lang="de-DE"/>
           </a:p>
@@ -2382,7 +2383,7 @@
           <a:p>
             <a:fld id="{04AD105E-1681-4427-A2A6-BE19936FDE9F}" type="datetimeFigureOut">
               <a:rPr lang="de-DE" smtClean="0"/>
-              <a:t>19.06.25</a:t>
+              <a:t>21.06.2025</a:t>
             </a:fld>
             <a:endParaRPr lang="de-DE"/>
           </a:p>
@@ -2436,7 +2437,7 @@
           <a:p>
             <a:fld id="{F2D7D816-B1EE-490B-A103-4A569B3CE5B5}" type="slidenum">
               <a:rPr lang="de-DE" smtClean="0"/>
-              <a:t>‹Nr.›</a:t>
+              <a:t>‹#›</a:t>
             </a:fld>
             <a:endParaRPr lang="de-DE"/>
           </a:p>
@@ -2794,7 +2795,7 @@
           <a:p>
             <a:fld id="{04AD105E-1681-4427-A2A6-BE19936FDE9F}" type="datetimeFigureOut">
               <a:rPr lang="de-DE" smtClean="0"/>
-              <a:t>19.06.25</a:t>
+              <a:t>21.06.2025</a:t>
             </a:fld>
             <a:endParaRPr lang="de-DE"/>
           </a:p>
@@ -2848,7 +2849,7 @@
           <a:p>
             <a:fld id="{F2D7D816-B1EE-490B-A103-4A569B3CE5B5}" type="slidenum">
               <a:rPr lang="de-DE" smtClean="0"/>
-              <a:t>‹Nr.›</a:t>
+              <a:t>‹#›</a:t>
             </a:fld>
             <a:endParaRPr lang="de-DE"/>
           </a:p>
@@ -2935,7 +2936,7 @@
           <a:p>
             <a:fld id="{04AD105E-1681-4427-A2A6-BE19936FDE9F}" type="datetimeFigureOut">
               <a:rPr lang="de-DE" smtClean="0"/>
-              <a:t>19.06.25</a:t>
+              <a:t>21.06.2025</a:t>
             </a:fld>
             <a:endParaRPr lang="de-DE"/>
           </a:p>
@@ -2989,7 +2990,7 @@
           <a:p>
             <a:fld id="{F2D7D816-B1EE-490B-A103-4A569B3CE5B5}" type="slidenum">
               <a:rPr lang="de-DE" smtClean="0"/>
-              <a:t>‹Nr.›</a:t>
+              <a:t>‹#›</a:t>
             </a:fld>
             <a:endParaRPr lang="de-DE"/>
           </a:p>
@@ -3048,7 +3049,7 @@
           <a:p>
             <a:fld id="{04AD105E-1681-4427-A2A6-BE19936FDE9F}" type="datetimeFigureOut">
               <a:rPr lang="de-DE" smtClean="0"/>
-              <a:t>19.06.25</a:t>
+              <a:t>21.06.2025</a:t>
             </a:fld>
             <a:endParaRPr lang="de-DE"/>
           </a:p>
@@ -3102,7 +3103,7 @@
           <a:p>
             <a:fld id="{F2D7D816-B1EE-490B-A103-4A569B3CE5B5}" type="slidenum">
               <a:rPr lang="de-DE" smtClean="0"/>
-              <a:t>‹Nr.›</a:t>
+              <a:t>‹#›</a:t>
             </a:fld>
             <a:endParaRPr lang="de-DE"/>
           </a:p>
@@ -3359,7 +3360,7 @@
           <a:p>
             <a:fld id="{04AD105E-1681-4427-A2A6-BE19936FDE9F}" type="datetimeFigureOut">
               <a:rPr lang="de-DE" smtClean="0"/>
-              <a:t>19.06.25</a:t>
+              <a:t>21.06.2025</a:t>
             </a:fld>
             <a:endParaRPr lang="de-DE"/>
           </a:p>
@@ -3413,7 +3414,7 @@
           <a:p>
             <a:fld id="{F2D7D816-B1EE-490B-A103-4A569B3CE5B5}" type="slidenum">
               <a:rPr lang="de-DE" smtClean="0"/>
-              <a:t>‹Nr.›</a:t>
+              <a:t>‹#›</a:t>
             </a:fld>
             <a:endParaRPr lang="de-DE"/>
           </a:p>
@@ -3647,7 +3648,7 @@
           <a:p>
             <a:fld id="{04AD105E-1681-4427-A2A6-BE19936FDE9F}" type="datetimeFigureOut">
               <a:rPr lang="de-DE" smtClean="0"/>
-              <a:t>19.06.25</a:t>
+              <a:t>21.06.2025</a:t>
             </a:fld>
             <a:endParaRPr lang="de-DE"/>
           </a:p>
@@ -3701,7 +3702,7 @@
           <a:p>
             <a:fld id="{F2D7D816-B1EE-490B-A103-4A569B3CE5B5}" type="slidenum">
               <a:rPr lang="de-DE" smtClean="0"/>
-              <a:t>‹Nr.›</a:t>
+              <a:t>‹#›</a:t>
             </a:fld>
             <a:endParaRPr lang="de-DE"/>
           </a:p>
@@ -3888,7 +3889,7 @@
           <a:p>
             <a:fld id="{04AD105E-1681-4427-A2A6-BE19936FDE9F}" type="datetimeFigureOut">
               <a:rPr lang="de-DE" smtClean="0"/>
-              <a:t>19.06.25</a:t>
+              <a:t>21.06.2025</a:t>
             </a:fld>
             <a:endParaRPr lang="de-DE"/>
           </a:p>
@@ -3978,7 +3979,7 @@
           <a:p>
             <a:fld id="{F2D7D816-B1EE-490B-A103-4A569B3CE5B5}" type="slidenum">
               <a:rPr lang="de-DE" smtClean="0"/>
-              <a:t>‹Nr.›</a:t>
+              <a:t>‹#›</a:t>
             </a:fld>
             <a:endParaRPr lang="de-DE"/>
           </a:p>
@@ -11750,7 +11751,7 @@
           <p:cNvPr id="2" name="Titel 1">
             <a:extLst>
               <a:ext uri="{FF2B5EF4-FFF2-40B4-BE49-F238E27FC236}">
-                <a16:creationId xmlns:a16="http://schemas.microsoft.com/office/drawing/2014/main" id="{3CF21DF8-C972-CE41-240B-79F10EC03D3A}"/>
+                <a16:creationId xmlns:a16="http://schemas.microsoft.com/office/drawing/2014/main" id="{2B6204BF-A39F-9F67-5574-5EB00A3EC4AA}"/>
               </a:ext>
             </a:extLst>
           </p:cNvPr>
@@ -11766,7 +11767,22 @@
           <a:bodyPr/>
           <a:lstStyle/>
           <a:p>
-            <a:endParaRPr lang="de-DE"/>
+            <a:r>
+              <a:rPr lang="de-DE" dirty="0" err="1"/>
+              <a:t>Comparisons</a:t>
+            </a:r>
+            <a:r>
+              <a:rPr lang="de-DE" dirty="0"/>
+              <a:t> </a:t>
+            </a:r>
+            <a:r>
+              <a:rPr lang="de-DE" dirty="0" err="1"/>
+              <a:t>between</a:t>
+            </a:r>
+            <a:r>
+              <a:rPr lang="de-DE" dirty="0"/>
+              <a:t> Scenarios</a:t>
+            </a:r>
           </a:p>
         </p:txBody>
       </p:sp>
@@ -11775,7 +11791,7 @@
           <p:cNvPr id="3" name="Inhaltsplatzhalter 2">
             <a:extLst>
               <a:ext uri="{FF2B5EF4-FFF2-40B4-BE49-F238E27FC236}">
-                <a16:creationId xmlns:a16="http://schemas.microsoft.com/office/drawing/2014/main" id="{D2DB145A-C9D4-66BE-6727-756FD3CFF969}"/>
+                <a16:creationId xmlns:a16="http://schemas.microsoft.com/office/drawing/2014/main" id="{6603635D-F04A-01DD-14F5-A66936E3D38C}"/>
               </a:ext>
             </a:extLst>
           </p:cNvPr>
@@ -11788,17 +11804,2044 @@
         </p:nvSpPr>
         <p:spPr/>
         <p:txBody>
-          <a:bodyPr/>
+          <a:bodyPr>
+            <a:normAutofit/>
+          </a:bodyPr>
           <a:lstStyle/>
           <a:p>
-            <a:endParaRPr lang="de-DE"/>
+            <a:r>
+              <a:rPr lang="de-DE" dirty="0"/>
+              <a:t>25% </a:t>
+            </a:r>
+            <a:r>
+              <a:rPr lang="de-DE" dirty="0" err="1"/>
+              <a:t>before</a:t>
+            </a:r>
+            <a:r>
+              <a:rPr lang="de-DE" dirty="0"/>
+              <a:t> 1946 (Dena)→ Tabula </a:t>
+            </a:r>
+            <a:r>
+              <a:rPr lang="de-DE" dirty="0" err="1"/>
+              <a:t>data</a:t>
+            </a:r>
+            <a:r>
+              <a:rPr lang="de-DE" dirty="0"/>
+              <a:t> </a:t>
+            </a:r>
+            <a:r>
+              <a:rPr lang="de-DE" dirty="0" err="1"/>
+              <a:t>for</a:t>
+            </a:r>
+            <a:r>
+              <a:rPr lang="de-DE" dirty="0"/>
+              <a:t> 1919 – 1948 (</a:t>
+            </a:r>
+            <a:r>
+              <a:rPr lang="de-DE" dirty="0">
+                <a:hlinkClick r:id="rId2"/>
+              </a:rPr>
+              <a:t>https://webtool.building-typology.eu/?c=de#bd</a:t>
+            </a:r>
+            <a:r>
+              <a:rPr lang="de-DE" dirty="0"/>
+              <a:t>)</a:t>
+            </a:r>
+          </a:p>
+          <a:p>
+            <a:endParaRPr lang="de-DE" dirty="0"/>
+          </a:p>
+          <a:p>
+            <a:endParaRPr lang="de-DE" dirty="0">
+              <a:hlinkClick r:id=""/>
+            </a:endParaRPr>
+          </a:p>
+          <a:p>
+            <a:endParaRPr lang="de-DE" dirty="0">
+              <a:hlinkClick r:id=""/>
+            </a:endParaRPr>
+          </a:p>
+          <a:p>
+            <a:endParaRPr lang="de-DE" dirty="0">
+              <a:hlinkClick r:id=""/>
+            </a:endParaRPr>
+          </a:p>
+          <a:p>
+            <a:endParaRPr lang="de-DE" dirty="0">
+              <a:hlinkClick r:id=""/>
+            </a:endParaRPr>
+          </a:p>
+          <a:p>
+            <a:endParaRPr lang="de-DE" dirty="0">
+              <a:hlinkClick r:id=""/>
+            </a:endParaRPr>
+          </a:p>
+          <a:p>
+            <a:endParaRPr lang="de-DE" dirty="0">
+              <a:hlinkClick r:id=""/>
+            </a:endParaRPr>
+          </a:p>
+          <a:p>
+            <a:endParaRPr lang="de-DE" dirty="0"/>
+          </a:p>
+          <a:p>
+            <a:endParaRPr lang="de-DE" dirty="0"/>
           </a:p>
         </p:txBody>
       </p:sp>
+      <p:graphicFrame>
+        <p:nvGraphicFramePr>
+          <p:cNvPr id="4" name="Content Placeholder 3">
+            <a:extLst>
+              <a:ext uri="{FF2B5EF4-FFF2-40B4-BE49-F238E27FC236}">
+                <a16:creationId xmlns:a16="http://schemas.microsoft.com/office/drawing/2014/main" id="{A927E123-AA9B-14AD-36BE-A8BE3DB035FC}"/>
+              </a:ext>
+            </a:extLst>
+          </p:cNvPr>
+          <p:cNvGraphicFramePr>
+            <a:graphicFrameLocks/>
+          </p:cNvGraphicFramePr>
+          <p:nvPr>
+            <p:extLst>
+              <p:ext uri="{D42A27DB-BD31-4B8C-83A1-F6EECF244321}">
+                <p14:modId xmlns:p14="http://schemas.microsoft.com/office/powerpoint/2010/main" val="3455838941"/>
+              </p:ext>
+            </p:extLst>
+          </p:nvPr>
+        </p:nvGraphicFramePr>
+        <p:xfrm>
+          <a:off x="166991" y="2817984"/>
+          <a:ext cx="4901119" cy="3624036"/>
+        </p:xfrm>
+        <a:graphic>
+          <a:graphicData uri="http://schemas.openxmlformats.org/drawingml/2006/table">
+            <a:tbl>
+              <a:tblPr/>
+              <a:tblGrid>
+                <a:gridCol w="603320">
+                  <a:extLst>
+                    <a:ext uri="{9D8B030D-6E8A-4147-A177-3AD203B41FA5}">
+                      <a16:colId xmlns:a16="http://schemas.microsoft.com/office/drawing/2014/main" val="533957170"/>
+                    </a:ext>
+                  </a:extLst>
+                </a:gridCol>
+                <a:gridCol w="1847241">
+                  <a:extLst>
+                    <a:ext uri="{9D8B030D-6E8A-4147-A177-3AD203B41FA5}">
+                      <a16:colId xmlns:a16="http://schemas.microsoft.com/office/drawing/2014/main" val="1697000662"/>
+                    </a:ext>
+                  </a:extLst>
+                </a:gridCol>
+                <a:gridCol w="1225279">
+                  <a:extLst>
+                    <a:ext uri="{9D8B030D-6E8A-4147-A177-3AD203B41FA5}">
+                      <a16:colId xmlns:a16="http://schemas.microsoft.com/office/drawing/2014/main" val="2151934338"/>
+                    </a:ext>
+                  </a:extLst>
+                </a:gridCol>
+                <a:gridCol w="1225279">
+                  <a:extLst>
+                    <a:ext uri="{9D8B030D-6E8A-4147-A177-3AD203B41FA5}">
+                      <a16:colId xmlns:a16="http://schemas.microsoft.com/office/drawing/2014/main" val="2951295620"/>
+                    </a:ext>
+                  </a:extLst>
+                </a:gridCol>
+              </a:tblGrid>
+              <a:tr h="278815">
+                <a:tc gridSpan="2">
+                  <a:txBody>
+                    <a:bodyPr/>
+                    <a:lstStyle/>
+                    <a:p>
+                      <a:r>
+                        <a:rPr lang="de-DE" sz="1100"/>
+                        <a:t> </a:t>
+                      </a:r>
+                    </a:p>
+                  </a:txBody>
+                  <a:tcPr marL="2003" marR="2003" marT="2003" marB="2003" anchor="ctr">
+                    <a:lnL>
+                      <a:noFill/>
+                    </a:lnL>
+                    <a:lnR>
+                      <a:noFill/>
+                    </a:lnR>
+                    <a:lnT>
+                      <a:noFill/>
+                    </a:lnT>
+                    <a:lnB>
+                      <a:noFill/>
+                    </a:lnB>
+                    <a:noFill/>
+                  </a:tcPr>
+                </a:tc>
+                <a:tc hMerge="1">
+                  <a:txBody>
+                    <a:bodyPr/>
+                    <a:lstStyle/>
+                    <a:p>
+                      <a:endParaRPr lang="de-DE"/>
+                    </a:p>
+                  </a:txBody>
+                  <a:tcPr/>
+                </a:tc>
+                <a:tc>
+                  <a:txBody>
+                    <a:bodyPr/>
+                    <a:lstStyle/>
+                    <a:p>
+                      <a:pPr algn="ctr"/>
+                      <a:r>
+                        <a:rPr lang="de-DE" sz="1100"/>
+                        <a:t>Existing state</a:t>
+                      </a:r>
+                    </a:p>
+                  </a:txBody>
+                  <a:tcPr marL="2003" marR="2003" marT="2003" marB="2003" anchor="ctr">
+                    <a:lnL>
+                      <a:noFill/>
+                    </a:lnL>
+                    <a:lnR>
+                      <a:noFill/>
+                    </a:lnR>
+                    <a:lnT>
+                      <a:noFill/>
+                    </a:lnT>
+                    <a:lnB>
+                      <a:noFill/>
+                    </a:lnB>
+                    <a:noFill/>
+                  </a:tcPr>
+                </a:tc>
+                <a:tc>
+                  <a:txBody>
+                    <a:bodyPr/>
+                    <a:lstStyle/>
+                    <a:p>
+                      <a:pPr algn="ctr"/>
+                      <a:r>
+                        <a:rPr lang="de-DE" sz="1100"/>
+                        <a:t>Usual Refurbishment</a:t>
+                      </a:r>
+                    </a:p>
+                  </a:txBody>
+                  <a:tcPr marL="2003" marR="2003" marT="2003" marB="2003" anchor="ctr">
+                    <a:lnL>
+                      <a:noFill/>
+                    </a:lnL>
+                    <a:lnR>
+                      <a:noFill/>
+                    </a:lnR>
+                    <a:lnT>
+                      <a:noFill/>
+                    </a:lnT>
+                    <a:lnB>
+                      <a:noFill/>
+                    </a:lnB>
+                    <a:noFill/>
+                  </a:tcPr>
+                </a:tc>
+                <a:extLst>
+                  <a:ext uri="{0D108BD9-81ED-4DB2-BD59-A6C34878D82A}">
+                    <a16:rowId xmlns:a16="http://schemas.microsoft.com/office/drawing/2014/main" val="1559117082"/>
+                  </a:ext>
+                </a:extLst>
+              </a:tr>
+              <a:tr h="143842">
+                <a:tc rowSpan="4">
+                  <a:txBody>
+                    <a:bodyPr/>
+                    <a:lstStyle/>
+                    <a:p>
+                      <a:pPr algn="ctr"/>
+                      <a:r>
+                        <a:rPr lang="de-DE" sz="1100" dirty="0"/>
+                        <a:t>Roof 1</a:t>
+                      </a:r>
+                    </a:p>
+                  </a:txBody>
+                  <a:tcPr marL="2003" marR="2003" marT="2003" marB="2003" anchor="ctr">
+                    <a:lnL>
+                      <a:noFill/>
+                    </a:lnL>
+                    <a:lnR>
+                      <a:noFill/>
+                    </a:lnR>
+                    <a:lnT>
+                      <a:noFill/>
+                    </a:lnT>
+                    <a:lnB>
+                      <a:noFill/>
+                    </a:lnB>
+                    <a:noFill/>
+                  </a:tcPr>
+                </a:tc>
+                <a:tc>
+                  <a:txBody>
+                    <a:bodyPr/>
+                    <a:lstStyle/>
+                    <a:p>
+                      <a:pPr algn="ctr"/>
+                      <a:r>
+                        <a:rPr lang="de-DE" sz="1100"/>
+                        <a:t>surface area</a:t>
+                      </a:r>
+                    </a:p>
+                  </a:txBody>
+                  <a:tcPr marL="2003" marR="2003" marT="2003" marB="2003" anchor="ctr">
+                    <a:lnL>
+                      <a:noFill/>
+                    </a:lnL>
+                    <a:lnR>
+                      <a:noFill/>
+                    </a:lnR>
+                    <a:lnT>
+                      <a:noFill/>
+                    </a:lnT>
+                    <a:lnB>
+                      <a:noFill/>
+                    </a:lnB>
+                    <a:noFill/>
+                  </a:tcPr>
+                </a:tc>
+                <a:tc>
+                  <a:txBody>
+                    <a:bodyPr/>
+                    <a:lstStyle/>
+                    <a:p>
+                      <a:pPr algn="ctr"/>
+                      <a:r>
+                        <a:rPr lang="de-DE" sz="1100"/>
+                        <a:t>214.0m</a:t>
+                      </a:r>
+                      <a:r>
+                        <a:rPr lang="de-DE" sz="1100" baseline="30000"/>
+                        <a:t>2</a:t>
+                      </a:r>
+                      <a:endParaRPr lang="de-DE" sz="1100"/>
+                    </a:p>
+                  </a:txBody>
+                  <a:tcPr marL="2003" marR="2003" marT="2003" marB="2003">
+                    <a:lnL>
+                      <a:noFill/>
+                    </a:lnL>
+                    <a:lnR>
+                      <a:noFill/>
+                    </a:lnR>
+                    <a:lnT>
+                      <a:noFill/>
+                    </a:lnT>
+                    <a:lnB>
+                      <a:noFill/>
+                    </a:lnB>
+                    <a:noFill/>
+                  </a:tcPr>
+                </a:tc>
+                <a:tc>
+                  <a:txBody>
+                    <a:bodyPr/>
+                    <a:lstStyle/>
+                    <a:p>
+                      <a:pPr algn="ctr"/>
+                      <a:r>
+                        <a:rPr lang="de-DE" sz="1100"/>
+                        <a:t>214.0 m</a:t>
+                      </a:r>
+                      <a:r>
+                        <a:rPr lang="de-DE" sz="1100" baseline="30000"/>
+                        <a:t>2</a:t>
+                      </a:r>
+                      <a:endParaRPr lang="de-DE" sz="1100"/>
+                    </a:p>
+                  </a:txBody>
+                  <a:tcPr marL="2003" marR="2003" marT="2003" marB="2003">
+                    <a:lnL>
+                      <a:noFill/>
+                    </a:lnL>
+                    <a:lnR>
+                      <a:noFill/>
+                    </a:lnR>
+                    <a:lnT>
+                      <a:noFill/>
+                    </a:lnT>
+                    <a:lnB>
+                      <a:noFill/>
+                    </a:lnB>
+                    <a:noFill/>
+                  </a:tcPr>
+                </a:tc>
+                <a:extLst>
+                  <a:ext uri="{0D108BD9-81ED-4DB2-BD59-A6C34878D82A}">
+                    <a16:rowId xmlns:a16="http://schemas.microsoft.com/office/drawing/2014/main" val="1739913806"/>
+                  </a:ext>
+                </a:extLst>
+              </a:tr>
+              <a:tr h="207718">
+                <a:tc vMerge="1">
+                  <a:txBody>
+                    <a:bodyPr/>
+                    <a:lstStyle/>
+                    <a:p>
+                      <a:endParaRPr lang="de-DE"/>
+                    </a:p>
+                  </a:txBody>
+                  <a:tcPr/>
+                </a:tc>
+                <a:tc>
+                  <a:txBody>
+                    <a:bodyPr/>
+                    <a:lstStyle/>
+                    <a:p>
+                      <a:pPr algn="ctr"/>
+                      <a:endParaRPr lang="en-US" sz="1100" dirty="0"/>
+                    </a:p>
+                  </a:txBody>
+                  <a:tcPr marL="2003" marR="2003" marT="2003" marB="2003" anchor="ctr">
+                    <a:lnL>
+                      <a:noFill/>
+                    </a:lnL>
+                    <a:lnR>
+                      <a:noFill/>
+                    </a:lnR>
+                    <a:lnT>
+                      <a:noFill/>
+                    </a:lnT>
+                    <a:lnB>
+                      <a:noFill/>
+                    </a:lnB>
+                    <a:noFill/>
+                  </a:tcPr>
+                </a:tc>
+                <a:tc>
+                  <a:txBody>
+                    <a:bodyPr/>
+                    <a:lstStyle/>
+                    <a:p>
+                      <a:pPr algn="ctr"/>
+                      <a:endParaRPr lang="de-DE" sz="1100" dirty="0"/>
+                    </a:p>
+                  </a:txBody>
+                  <a:tcPr marL="2003" marR="2003" marT="2003" marB="2003">
+                    <a:lnL>
+                      <a:noFill/>
+                    </a:lnL>
+                    <a:lnR>
+                      <a:noFill/>
+                    </a:lnR>
+                    <a:lnT>
+                      <a:noFill/>
+                    </a:lnT>
+                    <a:lnB>
+                      <a:noFill/>
+                    </a:lnB>
+                    <a:noFill/>
+                  </a:tcPr>
+                </a:tc>
+                <a:tc>
+                  <a:txBody>
+                    <a:bodyPr/>
+                    <a:lstStyle/>
+                    <a:p>
+                      <a:pPr algn="ctr"/>
+                      <a:endParaRPr lang="de-DE" sz="1100" dirty="0"/>
+                    </a:p>
+                  </a:txBody>
+                  <a:tcPr marL="2003" marR="2003" marT="2003" marB="2003">
+                    <a:lnL>
+                      <a:noFill/>
+                    </a:lnL>
+                    <a:lnR>
+                      <a:noFill/>
+                    </a:lnR>
+                    <a:lnT>
+                      <a:noFill/>
+                    </a:lnT>
+                    <a:lnB>
+                      <a:noFill/>
+                    </a:lnB>
+                    <a:noFill/>
+                  </a:tcPr>
+                </a:tc>
+                <a:extLst>
+                  <a:ext uri="{0D108BD9-81ED-4DB2-BD59-A6C34878D82A}">
+                    <a16:rowId xmlns:a16="http://schemas.microsoft.com/office/drawing/2014/main" val="2579081682"/>
+                  </a:ext>
+                </a:extLst>
+              </a:tr>
+              <a:tr h="143842">
+                <a:tc vMerge="1">
+                  <a:txBody>
+                    <a:bodyPr/>
+                    <a:lstStyle/>
+                    <a:p>
+                      <a:endParaRPr lang="de-DE"/>
+                    </a:p>
+                  </a:txBody>
+                  <a:tcPr/>
+                </a:tc>
+                <a:tc>
+                  <a:txBody>
+                    <a:bodyPr/>
+                    <a:lstStyle/>
+                    <a:p>
+                      <a:pPr algn="ctr"/>
+                      <a:r>
+                        <a:rPr lang="de-DE" sz="1100"/>
+                        <a:t>picture</a:t>
+                      </a:r>
+                    </a:p>
+                  </a:txBody>
+                  <a:tcPr marL="2003" marR="2003" marT="2003" marB="2003" anchor="ctr">
+                    <a:lnL>
+                      <a:noFill/>
+                    </a:lnL>
+                    <a:lnR>
+                      <a:noFill/>
+                    </a:lnR>
+                    <a:lnT>
+                      <a:noFill/>
+                    </a:lnT>
+                    <a:lnB>
+                      <a:noFill/>
+                    </a:lnB>
+                    <a:noFill/>
+                  </a:tcPr>
+                </a:tc>
+                <a:tc>
+                  <a:txBody>
+                    <a:bodyPr/>
+                    <a:lstStyle/>
+                    <a:p>
+                      <a:pPr algn="ctr"/>
+                      <a:endParaRPr lang="de-DE" sz="1100"/>
+                    </a:p>
+                  </a:txBody>
+                  <a:tcPr marL="2003" marR="2003" marT="2003" marB="2003">
+                    <a:lnL>
+                      <a:noFill/>
+                    </a:lnL>
+                    <a:lnR>
+                      <a:noFill/>
+                    </a:lnR>
+                    <a:lnT>
+                      <a:noFill/>
+                    </a:lnT>
+                    <a:lnB>
+                      <a:noFill/>
+                    </a:lnB>
+                    <a:noFill/>
+                  </a:tcPr>
+                </a:tc>
+                <a:tc>
+                  <a:txBody>
+                    <a:bodyPr/>
+                    <a:lstStyle/>
+                    <a:p>
+                      <a:pPr algn="ctr"/>
+                      <a:endParaRPr lang="de-DE" sz="1100"/>
+                    </a:p>
+                  </a:txBody>
+                  <a:tcPr marL="2003" marR="2003" marT="2003" marB="2003">
+                    <a:lnL>
+                      <a:noFill/>
+                    </a:lnL>
+                    <a:lnR>
+                      <a:noFill/>
+                    </a:lnR>
+                    <a:lnT>
+                      <a:noFill/>
+                    </a:lnT>
+                    <a:lnB>
+                      <a:noFill/>
+                    </a:lnB>
+                    <a:noFill/>
+                  </a:tcPr>
+                </a:tc>
+                <a:extLst>
+                  <a:ext uri="{0D108BD9-81ED-4DB2-BD59-A6C34878D82A}">
+                    <a16:rowId xmlns:a16="http://schemas.microsoft.com/office/drawing/2014/main" val="2520153653"/>
+                  </a:ext>
+                </a:extLst>
+              </a:tr>
+              <a:tr h="143842">
+                <a:tc vMerge="1">
+                  <a:txBody>
+                    <a:bodyPr/>
+                    <a:lstStyle/>
+                    <a:p>
+                      <a:endParaRPr lang="de-DE"/>
+                    </a:p>
+                  </a:txBody>
+                  <a:tcPr/>
+                </a:tc>
+                <a:tc>
+                  <a:txBody>
+                    <a:bodyPr/>
+                    <a:lstStyle/>
+                    <a:p>
+                      <a:pPr algn="ctr"/>
+                      <a:r>
+                        <a:rPr lang="de-DE" sz="1100"/>
+                        <a:t>U-value</a:t>
+                      </a:r>
+                    </a:p>
+                  </a:txBody>
+                  <a:tcPr marL="2003" marR="2003" marT="2003" marB="2003" anchor="ctr">
+                    <a:lnL>
+                      <a:noFill/>
+                    </a:lnL>
+                    <a:lnR>
+                      <a:noFill/>
+                    </a:lnR>
+                    <a:lnT>
+                      <a:noFill/>
+                    </a:lnT>
+                    <a:lnB>
+                      <a:noFill/>
+                    </a:lnB>
+                    <a:noFill/>
+                  </a:tcPr>
+                </a:tc>
+                <a:tc>
+                  <a:txBody>
+                    <a:bodyPr/>
+                    <a:lstStyle/>
+                    <a:p>
+                      <a:pPr algn="ctr">
+                        <a:buNone/>
+                      </a:pPr>
+                      <a:r>
+                        <a:rPr lang="de-DE" sz="1100"/>
+                        <a:t>1.40 W/(m</a:t>
+                      </a:r>
+                      <a:r>
+                        <a:rPr lang="de-DE" sz="1100" baseline="30000"/>
+                        <a:t>2</a:t>
+                      </a:r>
+                      <a:r>
+                        <a:rPr lang="de-DE" sz="1100"/>
+                        <a:t>K)</a:t>
+                      </a:r>
+                    </a:p>
+                  </a:txBody>
+                  <a:tcPr marL="2003" marR="2003" marT="2003" marB="2003" anchor="ctr">
+                    <a:lnL>
+                      <a:noFill/>
+                    </a:lnL>
+                    <a:lnR>
+                      <a:noFill/>
+                    </a:lnR>
+                    <a:lnT>
+                      <a:noFill/>
+                    </a:lnT>
+                    <a:lnB>
+                      <a:noFill/>
+                    </a:lnB>
+                    <a:noFill/>
+                  </a:tcPr>
+                </a:tc>
+                <a:tc>
+                  <a:txBody>
+                    <a:bodyPr/>
+                    <a:lstStyle/>
+                    <a:p>
+                      <a:pPr algn="ctr">
+                        <a:buNone/>
+                      </a:pPr>
+                      <a:r>
+                        <a:rPr lang="de-DE" sz="1100"/>
+                        <a:t>0.41 W/(m</a:t>
+                      </a:r>
+                      <a:r>
+                        <a:rPr lang="de-DE" sz="1100" baseline="30000"/>
+                        <a:t>2</a:t>
+                      </a:r>
+                      <a:r>
+                        <a:rPr lang="de-DE" sz="1100"/>
+                        <a:t>K)</a:t>
+                      </a:r>
+                    </a:p>
+                  </a:txBody>
+                  <a:tcPr marL="2003" marR="2003" marT="2003" marB="2003" anchor="ctr">
+                    <a:lnL>
+                      <a:noFill/>
+                    </a:lnL>
+                    <a:lnR>
+                      <a:noFill/>
+                    </a:lnR>
+                    <a:lnT>
+                      <a:noFill/>
+                    </a:lnT>
+                    <a:lnB>
+                      <a:noFill/>
+                    </a:lnB>
+                    <a:noFill/>
+                  </a:tcPr>
+                </a:tc>
+                <a:extLst>
+                  <a:ext uri="{0D108BD9-81ED-4DB2-BD59-A6C34878D82A}">
+                    <a16:rowId xmlns:a16="http://schemas.microsoft.com/office/drawing/2014/main" val="27739838"/>
+                  </a:ext>
+                </a:extLst>
+              </a:tr>
+              <a:tr h="345001">
+                <a:tc rowSpan="4">
+                  <a:txBody>
+                    <a:bodyPr/>
+                    <a:lstStyle/>
+                    <a:p>
+                      <a:pPr algn="ctr"/>
+                      <a:r>
+                        <a:rPr lang="de-DE" sz="1100"/>
+                        <a:t>Wall 1</a:t>
+                      </a:r>
+                    </a:p>
+                  </a:txBody>
+                  <a:tcPr marL="2003" marR="2003" marT="2003" marB="2003" anchor="ctr">
+                    <a:lnL>
+                      <a:noFill/>
+                    </a:lnL>
+                    <a:lnR>
+                      <a:noFill/>
+                    </a:lnR>
+                    <a:lnT>
+                      <a:noFill/>
+                    </a:lnT>
+                    <a:lnB>
+                      <a:noFill/>
+                    </a:lnB>
+                    <a:noFill/>
+                  </a:tcPr>
+                </a:tc>
+                <a:tc>
+                  <a:txBody>
+                    <a:bodyPr/>
+                    <a:lstStyle/>
+                    <a:p>
+                      <a:pPr algn="ctr"/>
+                      <a:r>
+                        <a:rPr lang="de-DE" sz="1100" dirty="0" err="1"/>
+                        <a:t>surface</a:t>
+                      </a:r>
+                      <a:r>
+                        <a:rPr lang="de-DE" sz="1100" dirty="0"/>
+                        <a:t> </a:t>
+                      </a:r>
+                      <a:r>
+                        <a:rPr lang="de-DE" sz="1100" dirty="0" err="1"/>
+                        <a:t>area</a:t>
+                      </a:r>
+                      <a:endParaRPr lang="de-DE" sz="1100" dirty="0"/>
+                    </a:p>
+                  </a:txBody>
+                  <a:tcPr marL="2003" marR="2003" marT="2003" marB="2003" anchor="ctr">
+                    <a:lnL>
+                      <a:noFill/>
+                    </a:lnL>
+                    <a:lnR>
+                      <a:noFill/>
+                    </a:lnR>
+                    <a:lnT>
+                      <a:noFill/>
+                    </a:lnT>
+                    <a:lnB>
+                      <a:noFill/>
+                    </a:lnB>
+                    <a:noFill/>
+                  </a:tcPr>
+                </a:tc>
+                <a:tc>
+                  <a:txBody>
+                    <a:bodyPr/>
+                    <a:lstStyle/>
+                    <a:p>
+                      <a:pPr algn="ctr"/>
+                      <a:r>
+                        <a:rPr lang="de-DE" sz="1100"/>
+                        <a:t>235.3m</a:t>
+                      </a:r>
+                      <a:r>
+                        <a:rPr lang="de-DE" sz="1100" baseline="30000"/>
+                        <a:t>2</a:t>
+                      </a:r>
+                      <a:endParaRPr lang="de-DE" sz="1100"/>
+                    </a:p>
+                  </a:txBody>
+                  <a:tcPr marL="2003" marR="2003" marT="2003" marB="2003">
+                    <a:lnL>
+                      <a:noFill/>
+                    </a:lnL>
+                    <a:lnR>
+                      <a:noFill/>
+                    </a:lnR>
+                    <a:lnT>
+                      <a:noFill/>
+                    </a:lnT>
+                    <a:lnB>
+                      <a:noFill/>
+                    </a:lnB>
+                    <a:noFill/>
+                  </a:tcPr>
+                </a:tc>
+                <a:tc>
+                  <a:txBody>
+                    <a:bodyPr/>
+                    <a:lstStyle/>
+                    <a:p>
+                      <a:pPr algn="ctr"/>
+                      <a:r>
+                        <a:rPr lang="de-DE" sz="1100"/>
+                        <a:t>235.3 m</a:t>
+                      </a:r>
+                      <a:r>
+                        <a:rPr lang="de-DE" sz="1100" baseline="30000"/>
+                        <a:t>2</a:t>
+                      </a:r>
+                      <a:endParaRPr lang="de-DE" sz="1100"/>
+                    </a:p>
+                  </a:txBody>
+                  <a:tcPr marL="2003" marR="2003" marT="2003" marB="2003">
+                    <a:lnL>
+                      <a:noFill/>
+                    </a:lnL>
+                    <a:lnR>
+                      <a:noFill/>
+                    </a:lnR>
+                    <a:lnT>
+                      <a:noFill/>
+                    </a:lnT>
+                    <a:lnB>
+                      <a:noFill/>
+                    </a:lnB>
+                    <a:noFill/>
+                  </a:tcPr>
+                </a:tc>
+                <a:extLst>
+                  <a:ext uri="{0D108BD9-81ED-4DB2-BD59-A6C34878D82A}">
+                    <a16:rowId xmlns:a16="http://schemas.microsoft.com/office/drawing/2014/main" val="2459924008"/>
+                  </a:ext>
+                </a:extLst>
+              </a:tr>
+              <a:tr h="269946">
+                <a:tc vMerge="1">
+                  <a:txBody>
+                    <a:bodyPr/>
+                    <a:lstStyle/>
+                    <a:p>
+                      <a:endParaRPr lang="de-DE"/>
+                    </a:p>
+                  </a:txBody>
+                  <a:tcPr/>
+                </a:tc>
+                <a:tc>
+                  <a:txBody>
+                    <a:bodyPr/>
+                    <a:lstStyle/>
+                    <a:p>
+                      <a:pPr algn="ctr"/>
+                      <a:endParaRPr lang="en-US" sz="1100" dirty="0"/>
+                    </a:p>
+                  </a:txBody>
+                  <a:tcPr marL="2003" marR="2003" marT="2003" marB="2003" anchor="ctr">
+                    <a:lnL>
+                      <a:noFill/>
+                    </a:lnL>
+                    <a:lnR>
+                      <a:noFill/>
+                    </a:lnR>
+                    <a:lnT>
+                      <a:noFill/>
+                    </a:lnT>
+                    <a:lnB>
+                      <a:noFill/>
+                    </a:lnB>
+                    <a:noFill/>
+                  </a:tcPr>
+                </a:tc>
+                <a:tc>
+                  <a:txBody>
+                    <a:bodyPr/>
+                    <a:lstStyle/>
+                    <a:p>
+                      <a:pPr algn="ctr"/>
+                      <a:endParaRPr lang="de-DE" sz="1100" dirty="0"/>
+                    </a:p>
+                  </a:txBody>
+                  <a:tcPr marL="2003" marR="2003" marT="2003" marB="2003">
+                    <a:lnL>
+                      <a:noFill/>
+                    </a:lnL>
+                    <a:lnR>
+                      <a:noFill/>
+                    </a:lnR>
+                    <a:lnT>
+                      <a:noFill/>
+                    </a:lnT>
+                    <a:lnB>
+                      <a:noFill/>
+                    </a:lnB>
+                    <a:noFill/>
+                  </a:tcPr>
+                </a:tc>
+                <a:tc>
+                  <a:txBody>
+                    <a:bodyPr/>
+                    <a:lstStyle/>
+                    <a:p>
+                      <a:pPr algn="ctr"/>
+                      <a:endParaRPr lang="de-DE" sz="1100" dirty="0"/>
+                    </a:p>
+                  </a:txBody>
+                  <a:tcPr marL="2003" marR="2003" marT="2003" marB="2003">
+                    <a:lnL>
+                      <a:noFill/>
+                    </a:lnL>
+                    <a:lnR>
+                      <a:noFill/>
+                    </a:lnR>
+                    <a:lnT>
+                      <a:noFill/>
+                    </a:lnT>
+                    <a:lnB>
+                      <a:noFill/>
+                    </a:lnB>
+                    <a:noFill/>
+                  </a:tcPr>
+                </a:tc>
+                <a:extLst>
+                  <a:ext uri="{0D108BD9-81ED-4DB2-BD59-A6C34878D82A}">
+                    <a16:rowId xmlns:a16="http://schemas.microsoft.com/office/drawing/2014/main" val="175086480"/>
+                  </a:ext>
+                </a:extLst>
+              </a:tr>
+              <a:tr h="143842">
+                <a:tc vMerge="1">
+                  <a:txBody>
+                    <a:bodyPr/>
+                    <a:lstStyle/>
+                    <a:p>
+                      <a:endParaRPr lang="de-DE"/>
+                    </a:p>
+                  </a:txBody>
+                  <a:tcPr/>
+                </a:tc>
+                <a:tc>
+                  <a:txBody>
+                    <a:bodyPr/>
+                    <a:lstStyle/>
+                    <a:p>
+                      <a:pPr algn="ctr"/>
+                      <a:r>
+                        <a:rPr lang="de-DE" sz="1100"/>
+                        <a:t>picture</a:t>
+                      </a:r>
+                    </a:p>
+                  </a:txBody>
+                  <a:tcPr marL="2003" marR="2003" marT="2003" marB="2003" anchor="ctr">
+                    <a:lnL>
+                      <a:noFill/>
+                    </a:lnL>
+                    <a:lnR>
+                      <a:noFill/>
+                    </a:lnR>
+                    <a:lnT>
+                      <a:noFill/>
+                    </a:lnT>
+                    <a:lnB>
+                      <a:noFill/>
+                    </a:lnB>
+                    <a:noFill/>
+                  </a:tcPr>
+                </a:tc>
+                <a:tc>
+                  <a:txBody>
+                    <a:bodyPr/>
+                    <a:lstStyle/>
+                    <a:p>
+                      <a:pPr algn="ctr"/>
+                      <a:endParaRPr lang="de-DE" sz="1100"/>
+                    </a:p>
+                  </a:txBody>
+                  <a:tcPr marL="2003" marR="2003" marT="2003" marB="2003">
+                    <a:lnL>
+                      <a:noFill/>
+                    </a:lnL>
+                    <a:lnR>
+                      <a:noFill/>
+                    </a:lnR>
+                    <a:lnT>
+                      <a:noFill/>
+                    </a:lnT>
+                    <a:lnB>
+                      <a:noFill/>
+                    </a:lnB>
+                    <a:noFill/>
+                  </a:tcPr>
+                </a:tc>
+                <a:tc>
+                  <a:txBody>
+                    <a:bodyPr/>
+                    <a:lstStyle/>
+                    <a:p>
+                      <a:pPr algn="ctr"/>
+                      <a:endParaRPr lang="de-DE" sz="1100"/>
+                    </a:p>
+                  </a:txBody>
+                  <a:tcPr marL="2003" marR="2003" marT="2003" marB="2003">
+                    <a:lnL>
+                      <a:noFill/>
+                    </a:lnL>
+                    <a:lnR>
+                      <a:noFill/>
+                    </a:lnR>
+                    <a:lnT>
+                      <a:noFill/>
+                    </a:lnT>
+                    <a:lnB>
+                      <a:noFill/>
+                    </a:lnB>
+                    <a:noFill/>
+                  </a:tcPr>
+                </a:tc>
+                <a:extLst>
+                  <a:ext uri="{0D108BD9-81ED-4DB2-BD59-A6C34878D82A}">
+                    <a16:rowId xmlns:a16="http://schemas.microsoft.com/office/drawing/2014/main" val="3422927936"/>
+                  </a:ext>
+                </a:extLst>
+              </a:tr>
+              <a:tr h="143842">
+                <a:tc vMerge="1">
+                  <a:txBody>
+                    <a:bodyPr/>
+                    <a:lstStyle/>
+                    <a:p>
+                      <a:endParaRPr lang="de-DE"/>
+                    </a:p>
+                  </a:txBody>
+                  <a:tcPr/>
+                </a:tc>
+                <a:tc>
+                  <a:txBody>
+                    <a:bodyPr/>
+                    <a:lstStyle/>
+                    <a:p>
+                      <a:pPr algn="ctr"/>
+                      <a:r>
+                        <a:rPr lang="de-DE" sz="1100"/>
+                        <a:t>U-value</a:t>
+                      </a:r>
+                    </a:p>
+                  </a:txBody>
+                  <a:tcPr marL="2003" marR="2003" marT="2003" marB="2003" anchor="ctr">
+                    <a:lnL>
+                      <a:noFill/>
+                    </a:lnL>
+                    <a:lnR>
+                      <a:noFill/>
+                    </a:lnR>
+                    <a:lnT>
+                      <a:noFill/>
+                    </a:lnT>
+                    <a:lnB>
+                      <a:noFill/>
+                    </a:lnB>
+                    <a:noFill/>
+                  </a:tcPr>
+                </a:tc>
+                <a:tc>
+                  <a:txBody>
+                    <a:bodyPr/>
+                    <a:lstStyle/>
+                    <a:p>
+                      <a:pPr algn="ctr">
+                        <a:buNone/>
+                      </a:pPr>
+                      <a:r>
+                        <a:rPr lang="de-DE" sz="1100"/>
+                        <a:t>1.70 W/(m</a:t>
+                      </a:r>
+                      <a:r>
+                        <a:rPr lang="de-DE" sz="1100" baseline="30000"/>
+                        <a:t>2</a:t>
+                      </a:r>
+                      <a:r>
+                        <a:rPr lang="de-DE" sz="1100"/>
+                        <a:t>K)</a:t>
+                      </a:r>
+                    </a:p>
+                  </a:txBody>
+                  <a:tcPr marL="2003" marR="2003" marT="2003" marB="2003" anchor="ctr">
+                    <a:lnL>
+                      <a:noFill/>
+                    </a:lnL>
+                    <a:lnR>
+                      <a:noFill/>
+                    </a:lnR>
+                    <a:lnT>
+                      <a:noFill/>
+                    </a:lnT>
+                    <a:lnB>
+                      <a:noFill/>
+                    </a:lnB>
+                    <a:noFill/>
+                  </a:tcPr>
+                </a:tc>
+                <a:tc>
+                  <a:txBody>
+                    <a:bodyPr/>
+                    <a:lstStyle/>
+                    <a:p>
+                      <a:pPr algn="ctr">
+                        <a:buNone/>
+                      </a:pPr>
+                      <a:r>
+                        <a:rPr lang="de-DE" sz="1100"/>
+                        <a:t>0.25 W/(m</a:t>
+                      </a:r>
+                      <a:r>
+                        <a:rPr lang="de-DE" sz="1100" baseline="30000"/>
+                        <a:t>2</a:t>
+                      </a:r>
+                      <a:r>
+                        <a:rPr lang="de-DE" sz="1100"/>
+                        <a:t>K)</a:t>
+                      </a:r>
+                    </a:p>
+                  </a:txBody>
+                  <a:tcPr marL="2003" marR="2003" marT="2003" marB="2003" anchor="ctr">
+                    <a:lnL>
+                      <a:noFill/>
+                    </a:lnL>
+                    <a:lnR>
+                      <a:noFill/>
+                    </a:lnR>
+                    <a:lnT>
+                      <a:noFill/>
+                    </a:lnT>
+                    <a:lnB>
+                      <a:noFill/>
+                    </a:lnB>
+                    <a:noFill/>
+                  </a:tcPr>
+                </a:tc>
+                <a:extLst>
+                  <a:ext uri="{0D108BD9-81ED-4DB2-BD59-A6C34878D82A}">
+                    <a16:rowId xmlns:a16="http://schemas.microsoft.com/office/drawing/2014/main" val="255475145"/>
+                  </a:ext>
+                </a:extLst>
+              </a:tr>
+              <a:tr h="146126">
+                <a:tc rowSpan="4">
+                  <a:txBody>
+                    <a:bodyPr/>
+                    <a:lstStyle/>
+                    <a:p>
+                      <a:pPr algn="ctr"/>
+                      <a:r>
+                        <a:rPr lang="de-DE" sz="1100"/>
+                        <a:t>Floor 1</a:t>
+                      </a:r>
+                    </a:p>
+                  </a:txBody>
+                  <a:tcPr marL="2003" marR="2003" marT="2003" marB="2003" anchor="ctr">
+                    <a:lnL>
+                      <a:noFill/>
+                    </a:lnL>
+                    <a:lnR>
+                      <a:noFill/>
+                    </a:lnR>
+                    <a:lnT>
+                      <a:noFill/>
+                    </a:lnT>
+                    <a:lnB>
+                      <a:noFill/>
+                    </a:lnB>
+                    <a:noFill/>
+                  </a:tcPr>
+                </a:tc>
+                <a:tc>
+                  <a:txBody>
+                    <a:bodyPr/>
+                    <a:lstStyle/>
+                    <a:p>
+                      <a:pPr algn="ctr"/>
+                      <a:r>
+                        <a:rPr lang="de-DE" sz="1100"/>
+                        <a:t>surface area</a:t>
+                      </a:r>
+                    </a:p>
+                  </a:txBody>
+                  <a:tcPr marL="2003" marR="2003" marT="2003" marB="2003" anchor="ctr">
+                    <a:lnL>
+                      <a:noFill/>
+                    </a:lnL>
+                    <a:lnR>
+                      <a:noFill/>
+                    </a:lnR>
+                    <a:lnT>
+                      <a:noFill/>
+                    </a:lnT>
+                    <a:lnB>
+                      <a:noFill/>
+                    </a:lnB>
+                    <a:noFill/>
+                  </a:tcPr>
+                </a:tc>
+                <a:tc>
+                  <a:txBody>
+                    <a:bodyPr/>
+                    <a:lstStyle/>
+                    <a:p>
+                      <a:pPr algn="ctr"/>
+                      <a:r>
+                        <a:rPr lang="de-DE" sz="1100"/>
+                        <a:t>144.9m</a:t>
+                      </a:r>
+                      <a:r>
+                        <a:rPr lang="de-DE" sz="1100" baseline="30000"/>
+                        <a:t>2</a:t>
+                      </a:r>
+                      <a:endParaRPr lang="de-DE" sz="1100"/>
+                    </a:p>
+                  </a:txBody>
+                  <a:tcPr marL="2003" marR="2003" marT="2003" marB="2003">
+                    <a:lnL>
+                      <a:noFill/>
+                    </a:lnL>
+                    <a:lnR>
+                      <a:noFill/>
+                    </a:lnR>
+                    <a:lnT>
+                      <a:noFill/>
+                    </a:lnT>
+                    <a:lnB>
+                      <a:noFill/>
+                    </a:lnB>
+                    <a:noFill/>
+                  </a:tcPr>
+                </a:tc>
+                <a:tc>
+                  <a:txBody>
+                    <a:bodyPr/>
+                    <a:lstStyle/>
+                    <a:p>
+                      <a:pPr algn="ctr"/>
+                      <a:r>
+                        <a:rPr lang="de-DE" sz="1100"/>
+                        <a:t>144.9 m</a:t>
+                      </a:r>
+                      <a:r>
+                        <a:rPr lang="de-DE" sz="1100" baseline="30000"/>
+                        <a:t>2</a:t>
+                      </a:r>
+                      <a:endParaRPr lang="de-DE" sz="1100"/>
+                    </a:p>
+                  </a:txBody>
+                  <a:tcPr marL="2003" marR="2003" marT="2003" marB="2003">
+                    <a:lnL>
+                      <a:noFill/>
+                    </a:lnL>
+                    <a:lnR>
+                      <a:noFill/>
+                    </a:lnR>
+                    <a:lnT>
+                      <a:noFill/>
+                    </a:lnT>
+                    <a:lnB>
+                      <a:noFill/>
+                    </a:lnB>
+                    <a:noFill/>
+                  </a:tcPr>
+                </a:tc>
+                <a:extLst>
+                  <a:ext uri="{0D108BD9-81ED-4DB2-BD59-A6C34878D82A}">
+                    <a16:rowId xmlns:a16="http://schemas.microsoft.com/office/drawing/2014/main" val="283437127"/>
+                  </a:ext>
+                </a:extLst>
+              </a:tr>
+              <a:tr h="265695">
+                <a:tc vMerge="1">
+                  <a:txBody>
+                    <a:bodyPr/>
+                    <a:lstStyle/>
+                    <a:p>
+                      <a:endParaRPr lang="de-DE"/>
+                    </a:p>
+                  </a:txBody>
+                  <a:tcPr/>
+                </a:tc>
+                <a:tc>
+                  <a:txBody>
+                    <a:bodyPr/>
+                    <a:lstStyle/>
+                    <a:p>
+                      <a:pPr algn="ctr"/>
+                      <a:endParaRPr lang="en-US" sz="1100" dirty="0"/>
+                    </a:p>
+                  </a:txBody>
+                  <a:tcPr marL="2003" marR="2003" marT="2003" marB="2003" anchor="ctr">
+                    <a:lnL>
+                      <a:noFill/>
+                    </a:lnL>
+                    <a:lnR>
+                      <a:noFill/>
+                    </a:lnR>
+                    <a:lnT>
+                      <a:noFill/>
+                    </a:lnT>
+                    <a:lnB>
+                      <a:noFill/>
+                    </a:lnB>
+                    <a:noFill/>
+                  </a:tcPr>
+                </a:tc>
+                <a:tc>
+                  <a:txBody>
+                    <a:bodyPr/>
+                    <a:lstStyle/>
+                    <a:p>
+                      <a:pPr algn="ctr"/>
+                      <a:endParaRPr lang="de-DE" sz="1100" dirty="0"/>
+                    </a:p>
+                  </a:txBody>
+                  <a:tcPr marL="2003" marR="2003" marT="2003" marB="2003">
+                    <a:lnL>
+                      <a:noFill/>
+                    </a:lnL>
+                    <a:lnR>
+                      <a:noFill/>
+                    </a:lnR>
+                    <a:lnT>
+                      <a:noFill/>
+                    </a:lnT>
+                    <a:lnB>
+                      <a:noFill/>
+                    </a:lnB>
+                    <a:noFill/>
+                  </a:tcPr>
+                </a:tc>
+                <a:tc>
+                  <a:txBody>
+                    <a:bodyPr/>
+                    <a:lstStyle/>
+                    <a:p>
+                      <a:pPr algn="ctr"/>
+                      <a:endParaRPr lang="de-DE" sz="1100" dirty="0"/>
+                    </a:p>
+                  </a:txBody>
+                  <a:tcPr marL="2003" marR="2003" marT="2003" marB="2003">
+                    <a:lnL>
+                      <a:noFill/>
+                    </a:lnL>
+                    <a:lnR>
+                      <a:noFill/>
+                    </a:lnR>
+                    <a:lnT>
+                      <a:noFill/>
+                    </a:lnT>
+                    <a:lnB>
+                      <a:noFill/>
+                    </a:lnB>
+                    <a:noFill/>
+                  </a:tcPr>
+                </a:tc>
+                <a:extLst>
+                  <a:ext uri="{0D108BD9-81ED-4DB2-BD59-A6C34878D82A}">
+                    <a16:rowId xmlns:a16="http://schemas.microsoft.com/office/drawing/2014/main" val="701907204"/>
+                  </a:ext>
+                </a:extLst>
+              </a:tr>
+              <a:tr h="143842">
+                <a:tc vMerge="1">
+                  <a:txBody>
+                    <a:bodyPr/>
+                    <a:lstStyle/>
+                    <a:p>
+                      <a:endParaRPr lang="de-DE"/>
+                    </a:p>
+                  </a:txBody>
+                  <a:tcPr/>
+                </a:tc>
+                <a:tc>
+                  <a:txBody>
+                    <a:bodyPr/>
+                    <a:lstStyle/>
+                    <a:p>
+                      <a:pPr algn="ctr"/>
+                      <a:r>
+                        <a:rPr lang="de-DE" sz="1100"/>
+                        <a:t>picture</a:t>
+                      </a:r>
+                    </a:p>
+                  </a:txBody>
+                  <a:tcPr marL="2003" marR="2003" marT="2003" marB="2003" anchor="ctr">
+                    <a:lnL>
+                      <a:noFill/>
+                    </a:lnL>
+                    <a:lnR>
+                      <a:noFill/>
+                    </a:lnR>
+                    <a:lnT>
+                      <a:noFill/>
+                    </a:lnT>
+                    <a:lnB>
+                      <a:noFill/>
+                    </a:lnB>
+                    <a:noFill/>
+                  </a:tcPr>
+                </a:tc>
+                <a:tc>
+                  <a:txBody>
+                    <a:bodyPr/>
+                    <a:lstStyle/>
+                    <a:p>
+                      <a:pPr algn="ctr"/>
+                      <a:endParaRPr lang="de-DE" sz="1100"/>
+                    </a:p>
+                  </a:txBody>
+                  <a:tcPr marL="2003" marR="2003" marT="2003" marB="2003">
+                    <a:lnL>
+                      <a:noFill/>
+                    </a:lnL>
+                    <a:lnR>
+                      <a:noFill/>
+                    </a:lnR>
+                    <a:lnT>
+                      <a:noFill/>
+                    </a:lnT>
+                    <a:lnB>
+                      <a:noFill/>
+                    </a:lnB>
+                    <a:noFill/>
+                  </a:tcPr>
+                </a:tc>
+                <a:tc>
+                  <a:txBody>
+                    <a:bodyPr/>
+                    <a:lstStyle/>
+                    <a:p>
+                      <a:pPr algn="ctr"/>
+                      <a:endParaRPr lang="de-DE" sz="1100"/>
+                    </a:p>
+                  </a:txBody>
+                  <a:tcPr marL="2003" marR="2003" marT="2003" marB="2003">
+                    <a:lnL>
+                      <a:noFill/>
+                    </a:lnL>
+                    <a:lnR>
+                      <a:noFill/>
+                    </a:lnR>
+                    <a:lnT>
+                      <a:noFill/>
+                    </a:lnT>
+                    <a:lnB>
+                      <a:noFill/>
+                    </a:lnB>
+                    <a:noFill/>
+                  </a:tcPr>
+                </a:tc>
+                <a:extLst>
+                  <a:ext uri="{0D108BD9-81ED-4DB2-BD59-A6C34878D82A}">
+                    <a16:rowId xmlns:a16="http://schemas.microsoft.com/office/drawing/2014/main" val="3950332576"/>
+                  </a:ext>
+                </a:extLst>
+              </a:tr>
+              <a:tr h="143842">
+                <a:tc vMerge="1">
+                  <a:txBody>
+                    <a:bodyPr/>
+                    <a:lstStyle/>
+                    <a:p>
+                      <a:endParaRPr lang="de-DE"/>
+                    </a:p>
+                  </a:txBody>
+                  <a:tcPr/>
+                </a:tc>
+                <a:tc>
+                  <a:txBody>
+                    <a:bodyPr/>
+                    <a:lstStyle/>
+                    <a:p>
+                      <a:pPr algn="ctr"/>
+                      <a:r>
+                        <a:rPr lang="de-DE" sz="1100"/>
+                        <a:t>U-value</a:t>
+                      </a:r>
+                    </a:p>
+                  </a:txBody>
+                  <a:tcPr marL="2003" marR="2003" marT="2003" marB="2003" anchor="ctr">
+                    <a:lnL>
+                      <a:noFill/>
+                    </a:lnL>
+                    <a:lnR>
+                      <a:noFill/>
+                    </a:lnR>
+                    <a:lnT>
+                      <a:noFill/>
+                    </a:lnT>
+                    <a:lnB>
+                      <a:noFill/>
+                    </a:lnB>
+                    <a:noFill/>
+                  </a:tcPr>
+                </a:tc>
+                <a:tc>
+                  <a:txBody>
+                    <a:bodyPr/>
+                    <a:lstStyle/>
+                    <a:p>
+                      <a:pPr algn="ctr">
+                        <a:buNone/>
+                      </a:pPr>
+                      <a:r>
+                        <a:rPr lang="de-DE" sz="1100"/>
+                        <a:t>0.77 W/(m</a:t>
+                      </a:r>
+                      <a:r>
+                        <a:rPr lang="de-DE" sz="1100" baseline="30000"/>
+                        <a:t>2</a:t>
+                      </a:r>
+                      <a:r>
+                        <a:rPr lang="de-DE" sz="1100"/>
+                        <a:t>K)</a:t>
+                      </a:r>
+                    </a:p>
+                  </a:txBody>
+                  <a:tcPr marL="2003" marR="2003" marT="2003" marB="2003" anchor="ctr">
+                    <a:lnL>
+                      <a:noFill/>
+                    </a:lnL>
+                    <a:lnR>
+                      <a:noFill/>
+                    </a:lnR>
+                    <a:lnT>
+                      <a:noFill/>
+                    </a:lnT>
+                    <a:lnB>
+                      <a:noFill/>
+                    </a:lnB>
+                    <a:noFill/>
+                  </a:tcPr>
+                </a:tc>
+                <a:tc>
+                  <a:txBody>
+                    <a:bodyPr/>
+                    <a:lstStyle/>
+                    <a:p>
+                      <a:pPr algn="ctr">
+                        <a:buNone/>
+                      </a:pPr>
+                      <a:r>
+                        <a:rPr lang="de-DE" sz="1100"/>
+                        <a:t>0.28 W/(m</a:t>
+                      </a:r>
+                      <a:r>
+                        <a:rPr lang="de-DE" sz="1100" baseline="30000"/>
+                        <a:t>2</a:t>
+                      </a:r>
+                      <a:r>
+                        <a:rPr lang="de-DE" sz="1100"/>
+                        <a:t>K)</a:t>
+                      </a:r>
+                    </a:p>
+                  </a:txBody>
+                  <a:tcPr marL="2003" marR="2003" marT="2003" marB="2003" anchor="ctr">
+                    <a:lnL>
+                      <a:noFill/>
+                    </a:lnL>
+                    <a:lnR>
+                      <a:noFill/>
+                    </a:lnR>
+                    <a:lnT>
+                      <a:noFill/>
+                    </a:lnT>
+                    <a:lnB>
+                      <a:noFill/>
+                    </a:lnB>
+                    <a:noFill/>
+                  </a:tcPr>
+                </a:tc>
+                <a:extLst>
+                  <a:ext uri="{0D108BD9-81ED-4DB2-BD59-A6C34878D82A}">
+                    <a16:rowId xmlns:a16="http://schemas.microsoft.com/office/drawing/2014/main" val="3467682781"/>
+                  </a:ext>
+                </a:extLst>
+              </a:tr>
+              <a:tr h="140709">
+                <a:tc rowSpan="4">
+                  <a:txBody>
+                    <a:bodyPr/>
+                    <a:lstStyle/>
+                    <a:p>
+                      <a:pPr algn="ctr"/>
+                      <a:r>
+                        <a:rPr lang="de-DE" sz="1100"/>
+                        <a:t>Window 1</a:t>
+                      </a:r>
+                    </a:p>
+                  </a:txBody>
+                  <a:tcPr marL="2003" marR="2003" marT="2003" marB="2003" anchor="ctr">
+                    <a:lnL>
+                      <a:noFill/>
+                    </a:lnL>
+                    <a:lnR>
+                      <a:noFill/>
+                    </a:lnR>
+                    <a:lnT>
+                      <a:noFill/>
+                    </a:lnT>
+                    <a:lnB>
+                      <a:noFill/>
+                    </a:lnB>
+                    <a:noFill/>
+                  </a:tcPr>
+                </a:tc>
+                <a:tc>
+                  <a:txBody>
+                    <a:bodyPr/>
+                    <a:lstStyle/>
+                    <a:p>
+                      <a:pPr algn="ctr"/>
+                      <a:r>
+                        <a:rPr lang="de-DE" sz="1100"/>
+                        <a:t>surface area</a:t>
+                      </a:r>
+                    </a:p>
+                  </a:txBody>
+                  <a:tcPr marL="2003" marR="2003" marT="2003" marB="2003" anchor="ctr">
+                    <a:lnL>
+                      <a:noFill/>
+                    </a:lnL>
+                    <a:lnR>
+                      <a:noFill/>
+                    </a:lnR>
+                    <a:lnT>
+                      <a:noFill/>
+                    </a:lnT>
+                    <a:lnB>
+                      <a:noFill/>
+                    </a:lnB>
+                    <a:noFill/>
+                  </a:tcPr>
+                </a:tc>
+                <a:tc>
+                  <a:txBody>
+                    <a:bodyPr/>
+                    <a:lstStyle/>
+                    <a:p>
+                      <a:pPr algn="ctr"/>
+                      <a:r>
+                        <a:rPr lang="de-DE" sz="1100"/>
+                        <a:t>52.4m</a:t>
+                      </a:r>
+                      <a:r>
+                        <a:rPr lang="de-DE" sz="1100" baseline="30000"/>
+                        <a:t>2</a:t>
+                      </a:r>
+                      <a:endParaRPr lang="de-DE" sz="1100"/>
+                    </a:p>
+                  </a:txBody>
+                  <a:tcPr marL="2003" marR="2003" marT="2003" marB="2003">
+                    <a:lnL>
+                      <a:noFill/>
+                    </a:lnL>
+                    <a:lnR>
+                      <a:noFill/>
+                    </a:lnR>
+                    <a:lnT>
+                      <a:noFill/>
+                    </a:lnT>
+                    <a:lnB>
+                      <a:noFill/>
+                    </a:lnB>
+                    <a:noFill/>
+                  </a:tcPr>
+                </a:tc>
+                <a:tc>
+                  <a:txBody>
+                    <a:bodyPr/>
+                    <a:lstStyle/>
+                    <a:p>
+                      <a:pPr algn="ctr"/>
+                      <a:r>
+                        <a:rPr lang="de-DE" sz="1100"/>
+                        <a:t>52.4 m</a:t>
+                      </a:r>
+                      <a:r>
+                        <a:rPr lang="de-DE" sz="1100" baseline="30000"/>
+                        <a:t>2</a:t>
+                      </a:r>
+                      <a:endParaRPr lang="de-DE" sz="1100"/>
+                    </a:p>
+                  </a:txBody>
+                  <a:tcPr marL="2003" marR="2003" marT="2003" marB="2003">
+                    <a:lnL>
+                      <a:noFill/>
+                    </a:lnL>
+                    <a:lnR>
+                      <a:noFill/>
+                    </a:lnR>
+                    <a:lnT>
+                      <a:noFill/>
+                    </a:lnT>
+                    <a:lnB>
+                      <a:noFill/>
+                    </a:lnB>
+                    <a:noFill/>
+                  </a:tcPr>
+                </a:tc>
+                <a:extLst>
+                  <a:ext uri="{0D108BD9-81ED-4DB2-BD59-A6C34878D82A}">
+                    <a16:rowId xmlns:a16="http://schemas.microsoft.com/office/drawing/2014/main" val="2767907182"/>
+                  </a:ext>
+                </a:extLst>
+              </a:tr>
+              <a:tr h="302388">
+                <a:tc vMerge="1">
+                  <a:txBody>
+                    <a:bodyPr/>
+                    <a:lstStyle/>
+                    <a:p>
+                      <a:endParaRPr lang="de-DE"/>
+                    </a:p>
+                  </a:txBody>
+                  <a:tcPr/>
+                </a:tc>
+                <a:tc>
+                  <a:txBody>
+                    <a:bodyPr/>
+                    <a:lstStyle/>
+                    <a:p>
+                      <a:pPr algn="ctr"/>
+                      <a:endParaRPr lang="en-US" sz="1100" dirty="0"/>
+                    </a:p>
+                  </a:txBody>
+                  <a:tcPr marL="2003" marR="2003" marT="2003" marB="2003" anchor="ctr">
+                    <a:lnL>
+                      <a:noFill/>
+                    </a:lnL>
+                    <a:lnR>
+                      <a:noFill/>
+                    </a:lnR>
+                    <a:lnT>
+                      <a:noFill/>
+                    </a:lnT>
+                    <a:lnB>
+                      <a:noFill/>
+                    </a:lnB>
+                    <a:noFill/>
+                  </a:tcPr>
+                </a:tc>
+                <a:tc>
+                  <a:txBody>
+                    <a:bodyPr/>
+                    <a:lstStyle/>
+                    <a:p>
+                      <a:pPr algn="ctr"/>
+                      <a:endParaRPr lang="de-DE" sz="1100" dirty="0"/>
+                    </a:p>
+                  </a:txBody>
+                  <a:tcPr marL="2003" marR="2003" marT="2003" marB="2003">
+                    <a:lnL>
+                      <a:noFill/>
+                    </a:lnL>
+                    <a:lnR>
+                      <a:noFill/>
+                    </a:lnR>
+                    <a:lnT>
+                      <a:noFill/>
+                    </a:lnT>
+                    <a:lnB>
+                      <a:noFill/>
+                    </a:lnB>
+                    <a:noFill/>
+                  </a:tcPr>
+                </a:tc>
+                <a:tc>
+                  <a:txBody>
+                    <a:bodyPr/>
+                    <a:lstStyle/>
+                    <a:p>
+                      <a:pPr algn="ctr"/>
+                      <a:endParaRPr lang="de-DE" sz="1100" dirty="0"/>
+                    </a:p>
+                  </a:txBody>
+                  <a:tcPr marL="2003" marR="2003" marT="2003" marB="2003">
+                    <a:lnL>
+                      <a:noFill/>
+                    </a:lnL>
+                    <a:lnR>
+                      <a:noFill/>
+                    </a:lnR>
+                    <a:lnT>
+                      <a:noFill/>
+                    </a:lnT>
+                    <a:lnB>
+                      <a:noFill/>
+                    </a:lnB>
+                    <a:noFill/>
+                  </a:tcPr>
+                </a:tc>
+                <a:extLst>
+                  <a:ext uri="{0D108BD9-81ED-4DB2-BD59-A6C34878D82A}">
+                    <a16:rowId xmlns:a16="http://schemas.microsoft.com/office/drawing/2014/main" val="2599787355"/>
+                  </a:ext>
+                </a:extLst>
+              </a:tr>
+              <a:tr h="143842">
+                <a:tc vMerge="1">
+                  <a:txBody>
+                    <a:bodyPr/>
+                    <a:lstStyle/>
+                    <a:p>
+                      <a:endParaRPr lang="de-DE"/>
+                    </a:p>
+                  </a:txBody>
+                  <a:tcPr/>
+                </a:tc>
+                <a:tc>
+                  <a:txBody>
+                    <a:bodyPr/>
+                    <a:lstStyle/>
+                    <a:p>
+                      <a:pPr algn="ctr"/>
+                      <a:r>
+                        <a:rPr lang="de-DE" sz="1100"/>
+                        <a:t>picture</a:t>
+                      </a:r>
+                    </a:p>
+                  </a:txBody>
+                  <a:tcPr marL="2003" marR="2003" marT="2003" marB="2003" anchor="ctr">
+                    <a:lnL>
+                      <a:noFill/>
+                    </a:lnL>
+                    <a:lnR>
+                      <a:noFill/>
+                    </a:lnR>
+                    <a:lnT>
+                      <a:noFill/>
+                    </a:lnT>
+                    <a:lnB>
+                      <a:noFill/>
+                    </a:lnB>
+                    <a:noFill/>
+                  </a:tcPr>
+                </a:tc>
+                <a:tc>
+                  <a:txBody>
+                    <a:bodyPr/>
+                    <a:lstStyle/>
+                    <a:p>
+                      <a:pPr algn="ctr"/>
+                      <a:endParaRPr lang="de-DE" sz="1100"/>
+                    </a:p>
+                  </a:txBody>
+                  <a:tcPr marL="2003" marR="2003" marT="2003" marB="2003">
+                    <a:lnL>
+                      <a:noFill/>
+                    </a:lnL>
+                    <a:lnR>
+                      <a:noFill/>
+                    </a:lnR>
+                    <a:lnT>
+                      <a:noFill/>
+                    </a:lnT>
+                    <a:lnB>
+                      <a:noFill/>
+                    </a:lnB>
+                    <a:noFill/>
+                  </a:tcPr>
+                </a:tc>
+                <a:tc>
+                  <a:txBody>
+                    <a:bodyPr/>
+                    <a:lstStyle/>
+                    <a:p>
+                      <a:pPr algn="ctr"/>
+                      <a:endParaRPr lang="de-DE" sz="1100"/>
+                    </a:p>
+                  </a:txBody>
+                  <a:tcPr marL="2003" marR="2003" marT="2003" marB="2003">
+                    <a:lnL>
+                      <a:noFill/>
+                    </a:lnL>
+                    <a:lnR>
+                      <a:noFill/>
+                    </a:lnR>
+                    <a:lnT>
+                      <a:noFill/>
+                    </a:lnT>
+                    <a:lnB>
+                      <a:noFill/>
+                    </a:lnB>
+                    <a:noFill/>
+                  </a:tcPr>
+                </a:tc>
+                <a:extLst>
+                  <a:ext uri="{0D108BD9-81ED-4DB2-BD59-A6C34878D82A}">
+                    <a16:rowId xmlns:a16="http://schemas.microsoft.com/office/drawing/2014/main" val="2369459430"/>
+                  </a:ext>
+                </a:extLst>
+              </a:tr>
+              <a:tr h="177542">
+                <a:tc vMerge="1">
+                  <a:txBody>
+                    <a:bodyPr/>
+                    <a:lstStyle/>
+                    <a:p>
+                      <a:endParaRPr lang="de-DE"/>
+                    </a:p>
+                  </a:txBody>
+                  <a:tcPr/>
+                </a:tc>
+                <a:tc>
+                  <a:txBody>
+                    <a:bodyPr/>
+                    <a:lstStyle/>
+                    <a:p>
+                      <a:pPr algn="ctr"/>
+                      <a:r>
+                        <a:rPr lang="de-DE" sz="1100"/>
+                        <a:t>U-value</a:t>
+                      </a:r>
+                    </a:p>
+                  </a:txBody>
+                  <a:tcPr marL="2003" marR="2003" marT="2003" marB="2003" anchor="ctr">
+                    <a:lnL>
+                      <a:noFill/>
+                    </a:lnL>
+                    <a:lnR>
+                      <a:noFill/>
+                    </a:lnR>
+                    <a:lnT>
+                      <a:noFill/>
+                    </a:lnT>
+                    <a:lnB>
+                      <a:noFill/>
+                    </a:lnB>
+                    <a:noFill/>
+                  </a:tcPr>
+                </a:tc>
+                <a:tc>
+                  <a:txBody>
+                    <a:bodyPr/>
+                    <a:lstStyle/>
+                    <a:p>
+                      <a:pPr algn="ctr">
+                        <a:buNone/>
+                      </a:pPr>
+                      <a:r>
+                        <a:rPr lang="de-DE" sz="1100"/>
+                        <a:t>2.80 W/(m</a:t>
+                      </a:r>
+                      <a:r>
+                        <a:rPr lang="de-DE" sz="1100" baseline="30000"/>
+                        <a:t>2</a:t>
+                      </a:r>
+                      <a:r>
+                        <a:rPr lang="de-DE" sz="1100"/>
+                        <a:t>K)</a:t>
+                      </a:r>
+                    </a:p>
+                  </a:txBody>
+                  <a:tcPr marL="2003" marR="2003" marT="2003" marB="2003" anchor="ctr">
+                    <a:lnL>
+                      <a:noFill/>
+                    </a:lnL>
+                    <a:lnR>
+                      <a:noFill/>
+                    </a:lnR>
+                    <a:lnT>
+                      <a:noFill/>
+                    </a:lnT>
+                    <a:lnB>
+                      <a:noFill/>
+                    </a:lnB>
+                    <a:noFill/>
+                  </a:tcPr>
+                </a:tc>
+                <a:tc>
+                  <a:txBody>
+                    <a:bodyPr/>
+                    <a:lstStyle/>
+                    <a:p>
+                      <a:pPr algn="ctr">
+                        <a:buNone/>
+                      </a:pPr>
+                      <a:r>
+                        <a:rPr lang="de-DE" sz="1100" dirty="0"/>
+                        <a:t>1.30 W/(m</a:t>
+                      </a:r>
+                      <a:r>
+                        <a:rPr lang="de-DE" sz="1100" baseline="30000" dirty="0"/>
+                        <a:t>2</a:t>
+                      </a:r>
+                      <a:r>
+                        <a:rPr lang="de-DE" sz="1100" dirty="0"/>
+                        <a:t>K)</a:t>
+                      </a:r>
+                    </a:p>
+                  </a:txBody>
+                  <a:tcPr marL="2003" marR="2003" marT="2003" marB="2003" anchor="ctr">
+                    <a:lnL>
+                      <a:noFill/>
+                    </a:lnL>
+                    <a:lnR>
+                      <a:noFill/>
+                    </a:lnR>
+                    <a:lnT>
+                      <a:noFill/>
+                    </a:lnT>
+                    <a:lnB>
+                      <a:noFill/>
+                    </a:lnB>
+                    <a:noFill/>
+                  </a:tcPr>
+                </a:tc>
+                <a:extLst>
+                  <a:ext uri="{0D108BD9-81ED-4DB2-BD59-A6C34878D82A}">
+                    <a16:rowId xmlns:a16="http://schemas.microsoft.com/office/drawing/2014/main" val="3612338842"/>
+                  </a:ext>
+                </a:extLst>
+              </a:tr>
+            </a:tbl>
+          </a:graphicData>
+        </a:graphic>
+      </p:graphicFrame>
+      <p:pic>
+        <p:nvPicPr>
+          <p:cNvPr id="6" name="Picture 5">
+            <a:extLst>
+              <a:ext uri="{FF2B5EF4-FFF2-40B4-BE49-F238E27FC236}">
+                <a16:creationId xmlns:a16="http://schemas.microsoft.com/office/drawing/2014/main" id="{65F594CA-2575-85CC-111D-DC00600FEFD9}"/>
+              </a:ext>
+            </a:extLst>
+          </p:cNvPr>
+          <p:cNvPicPr>
+            <a:picLocks noChangeAspect="1"/>
+          </p:cNvPicPr>
+          <p:nvPr/>
+        </p:nvPicPr>
+        <p:blipFill>
+          <a:blip r:embed="rId3"/>
+          <a:stretch>
+            <a:fillRect/>
+          </a:stretch>
+        </p:blipFill>
+        <p:spPr>
+          <a:xfrm>
+            <a:off x="4725908" y="2751815"/>
+            <a:ext cx="7466091" cy="3690205"/>
+          </a:xfrm>
+          <a:prstGeom prst="rect">
+            <a:avLst/>
+          </a:prstGeom>
+        </p:spPr>
+      </p:pic>
     </p:spTree>
     <p:extLst>
       <p:ext uri="{BB962C8B-B14F-4D97-AF65-F5344CB8AC3E}">
-        <p14:creationId xmlns:p14="http://schemas.microsoft.com/office/powerpoint/2010/main" val="321713422"/>
+        <p14:creationId xmlns:p14="http://schemas.microsoft.com/office/powerpoint/2010/main" val="2766896664"/>
       </p:ext>
     </p:extLst>
   </p:cSld>
@@ -13358,6 +15401,86 @@
           <p:cNvPr id="2" name="Titel 1">
             <a:extLst>
               <a:ext uri="{FF2B5EF4-FFF2-40B4-BE49-F238E27FC236}">
+                <a16:creationId xmlns:a16="http://schemas.microsoft.com/office/drawing/2014/main" id="{3CF21DF8-C972-CE41-240B-79F10EC03D3A}"/>
+              </a:ext>
+            </a:extLst>
+          </p:cNvPr>
+          <p:cNvSpPr>
+            <a:spLocks noGrp="1"/>
+          </p:cNvSpPr>
+          <p:nvPr>
+            <p:ph type="title"/>
+          </p:nvPr>
+        </p:nvSpPr>
+        <p:spPr/>
+        <p:txBody>
+          <a:bodyPr/>
+          <a:lstStyle/>
+          <a:p>
+            <a:endParaRPr lang="de-DE"/>
+          </a:p>
+        </p:txBody>
+      </p:sp>
+      <p:sp>
+        <p:nvSpPr>
+          <p:cNvPr id="3" name="Inhaltsplatzhalter 2">
+            <a:extLst>
+              <a:ext uri="{FF2B5EF4-FFF2-40B4-BE49-F238E27FC236}">
+                <a16:creationId xmlns:a16="http://schemas.microsoft.com/office/drawing/2014/main" id="{D2DB145A-C9D4-66BE-6727-756FD3CFF969}"/>
+              </a:ext>
+            </a:extLst>
+          </p:cNvPr>
+          <p:cNvSpPr>
+            <a:spLocks noGrp="1"/>
+          </p:cNvSpPr>
+          <p:nvPr>
+            <p:ph idx="1"/>
+          </p:nvPr>
+        </p:nvSpPr>
+        <p:spPr/>
+        <p:txBody>
+          <a:bodyPr/>
+          <a:lstStyle/>
+          <a:p>
+            <a:endParaRPr lang="de-DE"/>
+          </a:p>
+        </p:txBody>
+      </p:sp>
+    </p:spTree>
+    <p:extLst>
+      <p:ext uri="{BB962C8B-B14F-4D97-AF65-F5344CB8AC3E}">
+        <p14:creationId xmlns:p14="http://schemas.microsoft.com/office/powerpoint/2010/main" val="321713422"/>
+      </p:ext>
+    </p:extLst>
+  </p:cSld>
+  <p:clrMapOvr>
+    <a:masterClrMapping/>
+  </p:clrMapOvr>
+</p:sld>
+</file>
+
+<file path=ppt/slides/slide21.xml><?xml version="1.0" encoding="utf-8"?>
+<p:sld xmlns:a="http://schemas.openxmlformats.org/drawingml/2006/main" xmlns:r="http://schemas.openxmlformats.org/officeDocument/2006/relationships" xmlns:p="http://schemas.openxmlformats.org/presentationml/2006/main">
+  <p:cSld>
+    <p:spTree>
+      <p:nvGrpSpPr>
+        <p:cNvPr id="1" name=""/>
+        <p:cNvGrpSpPr/>
+        <p:nvPr/>
+      </p:nvGrpSpPr>
+      <p:grpSpPr>
+        <a:xfrm>
+          <a:off x="0" y="0"/>
+          <a:ext cx="0" cy="0"/>
+          <a:chOff x="0" y="0"/>
+          <a:chExt cx="0" cy="0"/>
+        </a:xfrm>
+      </p:grpSpPr>
+      <p:sp>
+        <p:nvSpPr>
+          <p:cNvPr id="2" name="Titel 1">
+            <a:extLst>
+              <a:ext uri="{FF2B5EF4-FFF2-40B4-BE49-F238E27FC236}">
                 <a16:creationId xmlns:a16="http://schemas.microsoft.com/office/drawing/2014/main" id="{03ABC854-3852-C444-B5D8-943D204B4B40}"/>
               </a:ext>
             </a:extLst>
@@ -13423,7 +15546,7 @@
 </p:sld>
 </file>
 
-<file path=ppt/slides/slide21.xml><?xml version="1.0" encoding="utf-8"?>
+<file path=ppt/slides/slide22.xml><?xml version="1.0" encoding="utf-8"?>
 <p:sld xmlns:a="http://schemas.openxmlformats.org/drawingml/2006/main" xmlns:r="http://schemas.openxmlformats.org/officeDocument/2006/relationships" xmlns:p="http://schemas.openxmlformats.org/presentationml/2006/main">
   <p:cSld>
     <p:spTree>
@@ -13526,7 +15649,7 @@
 </p:sld>
 </file>
 
-<file path=ppt/slides/slide22.xml><?xml version="1.0" encoding="utf-8"?>
+<file path=ppt/slides/slide23.xml><?xml version="1.0" encoding="utf-8"?>
 <p:sld xmlns:a="http://schemas.openxmlformats.org/drawingml/2006/main" xmlns:r="http://schemas.openxmlformats.org/officeDocument/2006/relationships" xmlns:p="http://schemas.openxmlformats.org/presentationml/2006/main">
   <p:cSld>
     <p:spTree>
@@ -13638,7 +15761,7 @@
 </p:sld>
 </file>
 
-<file path=ppt/slides/slide23.xml><?xml version="1.0" encoding="utf-8"?>
+<file path=ppt/slides/slide24.xml><?xml version="1.0" encoding="utf-8"?>
 <p:sld xmlns:a="http://schemas.openxmlformats.org/drawingml/2006/main" xmlns:r="http://schemas.openxmlformats.org/officeDocument/2006/relationships" xmlns:p="http://schemas.openxmlformats.org/presentationml/2006/main">
   <p:cSld>
     <p:spTree>
@@ -13745,7 +15868,7 @@
 </p:sld>
 </file>
 
-<file path=ppt/slides/slide24.xml><?xml version="1.0" encoding="utf-8"?>
+<file path=ppt/slides/slide25.xml><?xml version="1.0" encoding="utf-8"?>
 <p:sld xmlns:a="http://schemas.openxmlformats.org/drawingml/2006/main" xmlns:r="http://schemas.openxmlformats.org/officeDocument/2006/relationships" xmlns:p="http://schemas.openxmlformats.org/presentationml/2006/main">
   <p:cSld>
     <p:spTree>
@@ -13860,7 +15983,7 @@
 </p:sld>
 </file>
 
-<file path=ppt/slides/slide25.xml><?xml version="1.0" encoding="utf-8"?>
+<file path=ppt/slides/slide26.xml><?xml version="1.0" encoding="utf-8"?>
 <p:sld xmlns:a="http://schemas.openxmlformats.org/drawingml/2006/main" xmlns:r="http://schemas.openxmlformats.org/officeDocument/2006/relationships" xmlns:p="http://schemas.openxmlformats.org/presentationml/2006/main">
   <p:cSld>
     <p:spTree>
@@ -20820,7 +22943,9 @@
         </p:nvSpPr>
         <p:spPr/>
         <p:txBody>
-          <a:bodyPr/>
+          <a:bodyPr>
+            <a:normAutofit lnSpcReduction="10000"/>
+          </a:bodyPr>
           <a:lstStyle/>
           <a:p>
             <a:pPr marL="0" indent="0">
@@ -21231,6 +23356,61 @@
                 </a:solidFill>
               </a:rPr>
               <a:t> 2016</a:t>
+            </a:r>
+          </a:p>
+          <a:p>
+            <a:pPr marL="0" indent="0">
+              <a:buNone/>
+            </a:pPr>
+            <a:endParaRPr lang="de-DE" dirty="0"/>
+          </a:p>
+          <a:p>
+            <a:pPr marL="0" indent="0">
+              <a:buNone/>
+            </a:pPr>
+            <a:r>
+              <a:rPr lang="de-DE" dirty="0"/>
+              <a:t>The </a:t>
+            </a:r>
+            <a:r>
+              <a:rPr lang="de-DE" dirty="0" err="1"/>
+              <a:t>heating</a:t>
+            </a:r>
+            <a:r>
+              <a:rPr lang="de-DE" dirty="0"/>
+              <a:t> </a:t>
+            </a:r>
+            <a:r>
+              <a:rPr lang="de-DE" dirty="0" err="1"/>
+              <a:t>season</a:t>
+            </a:r>
+            <a:r>
+              <a:rPr lang="de-DE" dirty="0"/>
+              <a:t> in Germany </a:t>
+            </a:r>
+            <a:r>
+              <a:rPr lang="de-DE" dirty="0" err="1"/>
+              <a:t>is</a:t>
+            </a:r>
+            <a:r>
+              <a:rPr lang="de-DE" dirty="0"/>
+              <a:t> 200 </a:t>
+            </a:r>
+            <a:r>
+              <a:rPr lang="de-DE" dirty="0" err="1"/>
+              <a:t>days</a:t>
+            </a:r>
+            <a:r>
+              <a:rPr lang="de-DE" dirty="0"/>
+              <a:t> per </a:t>
+            </a:r>
+            <a:r>
+              <a:rPr lang="de-DE" dirty="0" err="1"/>
+              <a:t>year</a:t>
+            </a:r>
+            <a:r>
+              <a:rPr lang="de-DE" dirty="0"/>
+              <a:t> (https://s2.building-typology.eu/abpdf/DE_N_01_EPISCOPE_CaseStudy_TABULA_National.pdf)</a:t>
             </a:r>
           </a:p>
           <a:p>

--- a/presentation/heat.pptx
+++ b/presentation/heat.pptx
@@ -5,7 +5,7 @@
     <p:sldMasterId id="2147483648" r:id="rId1"/>
   </p:sldMasterIdLst>
   <p:notesMasterIdLst>
-    <p:notesMasterId r:id="rId28"/>
+    <p:notesMasterId r:id="rId29"/>
   </p:notesMasterIdLst>
   <p:sldIdLst>
     <p:sldId id="256" r:id="rId2"/>
@@ -28,12 +28,13 @@
     <p:sldId id="262" r:id="rId19"/>
     <p:sldId id="281" r:id="rId20"/>
     <p:sldId id="266" r:id="rId21"/>
-    <p:sldId id="267" r:id="rId22"/>
-    <p:sldId id="268" r:id="rId23"/>
-    <p:sldId id="263" r:id="rId24"/>
-    <p:sldId id="264" r:id="rId25"/>
-    <p:sldId id="269" r:id="rId26"/>
-    <p:sldId id="265" r:id="rId27"/>
+    <p:sldId id="282" r:id="rId22"/>
+    <p:sldId id="267" r:id="rId23"/>
+    <p:sldId id="268" r:id="rId24"/>
+    <p:sldId id="263" r:id="rId25"/>
+    <p:sldId id="264" r:id="rId26"/>
+    <p:sldId id="269" r:id="rId27"/>
+    <p:sldId id="265" r:id="rId28"/>
   </p:sldIdLst>
   <p:sldSz cx="12192000" cy="6858000"/>
   <p:notesSz cx="6858000" cy="9144000"/>
@@ -11853,32 +11854,32 @@
           </a:p>
           <a:p>
             <a:endParaRPr lang="de-DE" dirty="0">
-              <a:hlinkClick r:id=""/>
+              <a:hlinkClick r:id="" action="ppaction://noaction"/>
             </a:endParaRPr>
           </a:p>
           <a:p>
             <a:endParaRPr lang="de-DE" dirty="0">
-              <a:hlinkClick r:id=""/>
+              <a:hlinkClick r:id="" action="ppaction://noaction"/>
             </a:endParaRPr>
           </a:p>
           <a:p>
             <a:endParaRPr lang="de-DE" dirty="0">
-              <a:hlinkClick r:id=""/>
+              <a:hlinkClick r:id="" action="ppaction://noaction"/>
             </a:endParaRPr>
           </a:p>
           <a:p>
             <a:endParaRPr lang="de-DE" dirty="0">
-              <a:hlinkClick r:id=""/>
+              <a:hlinkClick r:id="" action="ppaction://noaction"/>
             </a:endParaRPr>
           </a:p>
           <a:p>
             <a:endParaRPr lang="de-DE" dirty="0">
-              <a:hlinkClick r:id=""/>
+              <a:hlinkClick r:id="" action="ppaction://noaction"/>
             </a:endParaRPr>
           </a:p>
           <a:p>
             <a:endParaRPr lang="de-DE" dirty="0">
-              <a:hlinkClick r:id=""/>
+              <a:hlinkClick r:id="" action="ppaction://noaction"/>
             </a:endParaRPr>
           </a:p>
           <a:p>
@@ -15414,38 +15415,1813 @@
         </p:nvSpPr>
         <p:spPr/>
         <p:txBody>
-          <a:bodyPr/>
+          <a:bodyPr>
+            <a:normAutofit fontScale="90000"/>
+          </a:bodyPr>
           <a:lstStyle/>
           <a:p>
-            <a:endParaRPr lang="de-DE"/>
+            <a:r>
+              <a:rPr lang="de-DE" dirty="0">
+                <a:solidFill>
+                  <a:schemeClr val="tx1">
+                    <a:lumMod val="50000"/>
+                    <a:lumOff val="50000"/>
+                  </a:schemeClr>
+                </a:solidFill>
+              </a:rPr>
+              <a:t>35% </a:t>
+            </a:r>
+            <a:r>
+              <a:rPr lang="de-DE" dirty="0" err="1">
+                <a:solidFill>
+                  <a:schemeClr val="tx1">
+                    <a:lumMod val="50000"/>
+                    <a:lumOff val="50000"/>
+                  </a:schemeClr>
+                </a:solidFill>
+              </a:rPr>
+              <a:t>before</a:t>
+            </a:r>
+            <a:r>
+              <a:rPr lang="de-DE" dirty="0">
+                <a:solidFill>
+                  <a:schemeClr val="tx1">
+                    <a:lumMod val="50000"/>
+                    <a:lumOff val="50000"/>
+                  </a:schemeClr>
+                </a:solidFill>
+              </a:rPr>
+              <a:t> 1977 (Dena)→ Tabula </a:t>
+            </a:r>
+            <a:r>
+              <a:rPr lang="de-DE" dirty="0" err="1">
+                <a:solidFill>
+                  <a:schemeClr val="tx1">
+                    <a:lumMod val="50000"/>
+                    <a:lumOff val="50000"/>
+                  </a:schemeClr>
+                </a:solidFill>
+              </a:rPr>
+              <a:t>data</a:t>
+            </a:r>
+            <a:r>
+              <a:rPr lang="de-DE" dirty="0">
+                <a:solidFill>
+                  <a:schemeClr val="tx1">
+                    <a:lumMod val="50000"/>
+                    <a:lumOff val="50000"/>
+                  </a:schemeClr>
+                </a:solidFill>
+              </a:rPr>
+              <a:t> </a:t>
+            </a:r>
+            <a:r>
+              <a:rPr lang="de-DE" dirty="0" err="1">
+                <a:solidFill>
+                  <a:schemeClr val="tx1">
+                    <a:lumMod val="50000"/>
+                    <a:lumOff val="50000"/>
+                  </a:schemeClr>
+                </a:solidFill>
+              </a:rPr>
+              <a:t>for</a:t>
+            </a:r>
+            <a:r>
+              <a:rPr lang="de-DE" dirty="0">
+                <a:solidFill>
+                  <a:schemeClr val="tx1">
+                    <a:lumMod val="50000"/>
+                    <a:lumOff val="50000"/>
+                  </a:schemeClr>
+                </a:solidFill>
+              </a:rPr>
+              <a:t> 1958 - 1968</a:t>
+            </a:r>
+            <a:br>
+              <a:rPr lang="de-DE" dirty="0">
+                <a:solidFill>
+                  <a:schemeClr val="tx1">
+                    <a:lumMod val="50000"/>
+                    <a:lumOff val="50000"/>
+                  </a:schemeClr>
+                </a:solidFill>
+              </a:rPr>
+            </a:br>
+            <a:endParaRPr lang="de-DE" dirty="0"/>
           </a:p>
         </p:txBody>
       </p:sp>
-      <p:sp>
-        <p:nvSpPr>
-          <p:cNvPr id="3" name="Inhaltsplatzhalter 2">
+      <p:graphicFrame>
+        <p:nvGraphicFramePr>
+          <p:cNvPr id="4" name="Content Placeholder 3">
             <a:extLst>
               <a:ext uri="{FF2B5EF4-FFF2-40B4-BE49-F238E27FC236}">
-                <a16:creationId xmlns:a16="http://schemas.microsoft.com/office/drawing/2014/main" id="{D2DB145A-C9D4-66BE-6727-756FD3CFF969}"/>
+                <a16:creationId xmlns:a16="http://schemas.microsoft.com/office/drawing/2014/main" id="{B89F2B84-EA76-A39A-E5D6-922238E97EE6}"/>
               </a:ext>
             </a:extLst>
           </p:cNvPr>
-          <p:cNvSpPr>
-            <a:spLocks noGrp="1"/>
-          </p:cNvSpPr>
+          <p:cNvGraphicFramePr>
+            <a:graphicFrameLocks noGrp="1"/>
+          </p:cNvGraphicFramePr>
           <p:nvPr>
             <p:ph idx="1"/>
+            <p:extLst>
+              <p:ext uri="{D42A27DB-BD31-4B8C-83A1-F6EECF244321}">
+                <p14:modId xmlns:p14="http://schemas.microsoft.com/office/powerpoint/2010/main" val="2204620412"/>
+              </p:ext>
+            </p:extLst>
           </p:nvPr>
-        </p:nvSpPr>
-        <p:spPr/>
-        <p:txBody>
-          <a:bodyPr/>
-          <a:lstStyle/>
-          <a:p>
-            <a:endParaRPr lang="de-DE"/>
-          </a:p>
-        </p:txBody>
-      </p:sp>
+        </p:nvGraphicFramePr>
+        <p:xfrm>
+          <a:off x="5914231" y="1887197"/>
+          <a:ext cx="3588544" cy="3468579"/>
+        </p:xfrm>
+        <a:graphic>
+          <a:graphicData uri="http://schemas.openxmlformats.org/drawingml/2006/table">
+            <a:tbl>
+              <a:tblPr/>
+              <a:tblGrid>
+                <a:gridCol w="1238148">
+                  <a:extLst>
+                    <a:ext uri="{9D8B030D-6E8A-4147-A177-3AD203B41FA5}">
+                      <a16:colId xmlns:a16="http://schemas.microsoft.com/office/drawing/2014/main" val="708977181"/>
+                    </a:ext>
+                  </a:extLst>
+                </a:gridCol>
+                <a:gridCol w="1238148">
+                  <a:extLst>
+                    <a:ext uri="{9D8B030D-6E8A-4147-A177-3AD203B41FA5}">
+                      <a16:colId xmlns:a16="http://schemas.microsoft.com/office/drawing/2014/main" val="3510200545"/>
+                    </a:ext>
+                  </a:extLst>
+                </a:gridCol>
+                <a:gridCol w="1112248">
+                  <a:extLst>
+                    <a:ext uri="{9D8B030D-6E8A-4147-A177-3AD203B41FA5}">
+                      <a16:colId xmlns:a16="http://schemas.microsoft.com/office/drawing/2014/main" val="771396892"/>
+                    </a:ext>
+                  </a:extLst>
+                </a:gridCol>
+              </a:tblGrid>
+              <a:tr h="149536">
+                <a:tc>
+                  <a:txBody>
+                    <a:bodyPr/>
+                    <a:lstStyle/>
+                    <a:p>
+                      <a:pPr algn="ctr"/>
+                      <a:r>
+                        <a:rPr lang="de-DE" sz="1000" dirty="0"/>
+                        <a:t>Roof</a:t>
+                      </a:r>
+                    </a:p>
+                  </a:txBody>
+                  <a:tcPr marL="175" marR="175" marT="175" marB="175">
+                    <a:lnL>
+                      <a:noFill/>
+                    </a:lnL>
+                    <a:lnR>
+                      <a:noFill/>
+                    </a:lnR>
+                    <a:lnT>
+                      <a:noFill/>
+                    </a:lnT>
+                    <a:lnB>
+                      <a:noFill/>
+                    </a:lnB>
+                    <a:noFill/>
+                  </a:tcPr>
+                </a:tc>
+                <a:tc>
+                  <a:txBody>
+                    <a:bodyPr/>
+                    <a:lstStyle/>
+                    <a:p>
+                      <a:pPr algn="ctr"/>
+                      <a:r>
+                        <a:rPr lang="de-DE" sz="1000"/>
+                        <a:t>168.9 m</a:t>
+                      </a:r>
+                      <a:r>
+                        <a:rPr lang="de-DE" sz="1000" baseline="30000"/>
+                        <a:t>2</a:t>
+                      </a:r>
+                      <a:endParaRPr lang="de-DE" sz="1000"/>
+                    </a:p>
+                  </a:txBody>
+                  <a:tcPr marL="175" marR="175" marT="175" marB="175">
+                    <a:lnL>
+                      <a:noFill/>
+                    </a:lnL>
+                    <a:lnR>
+                      <a:noFill/>
+                    </a:lnR>
+                    <a:lnT>
+                      <a:noFill/>
+                    </a:lnT>
+                    <a:lnB>
+                      <a:noFill/>
+                    </a:lnB>
+                    <a:noFill/>
+                  </a:tcPr>
+                </a:tc>
+                <a:tc>
+                  <a:txBody>
+                    <a:bodyPr/>
+                    <a:lstStyle/>
+                    <a:p>
+                      <a:pPr algn="ctr"/>
+                      <a:r>
+                        <a:rPr lang="de-DE" sz="1000"/>
+                        <a:t>168.9m</a:t>
+                      </a:r>
+                      <a:r>
+                        <a:rPr lang="de-DE" sz="1000" baseline="30000"/>
+                        <a:t>2</a:t>
+                      </a:r>
+                      <a:endParaRPr lang="de-DE" sz="1000"/>
+                    </a:p>
+                  </a:txBody>
+                  <a:tcPr marL="175" marR="175" marT="175" marB="175">
+                    <a:lnL>
+                      <a:noFill/>
+                    </a:lnL>
+                    <a:lnR>
+                      <a:noFill/>
+                    </a:lnR>
+                    <a:lnT>
+                      <a:noFill/>
+                    </a:lnT>
+                    <a:lnB>
+                      <a:noFill/>
+                    </a:lnB>
+                    <a:noFill/>
+                  </a:tcPr>
+                </a:tc>
+                <a:extLst>
+                  <a:ext uri="{0D108BD9-81ED-4DB2-BD59-A6C34878D82A}">
+                    <a16:rowId xmlns:a16="http://schemas.microsoft.com/office/drawing/2014/main" val="305611027"/>
+                  </a:ext>
+                </a:extLst>
+              </a:tr>
+              <a:tr h="148243">
+                <a:tc>
+                  <a:txBody>
+                    <a:bodyPr/>
+                    <a:lstStyle/>
+                    <a:p>
+                      <a:pPr algn="ctr"/>
+                      <a:endParaRPr lang="en-US" sz="1000" dirty="0"/>
+                    </a:p>
+                  </a:txBody>
+                  <a:tcPr marL="175" marR="175" marT="175" marB="175" anchor="ctr">
+                    <a:lnL>
+                      <a:noFill/>
+                    </a:lnL>
+                    <a:lnR>
+                      <a:noFill/>
+                    </a:lnR>
+                    <a:lnT>
+                      <a:noFill/>
+                    </a:lnT>
+                    <a:lnB>
+                      <a:noFill/>
+                    </a:lnB>
+                    <a:noFill/>
+                  </a:tcPr>
+                </a:tc>
+                <a:tc>
+                  <a:txBody>
+                    <a:bodyPr/>
+                    <a:lstStyle/>
+                    <a:p>
+                      <a:pPr algn="ctr"/>
+                      <a:endParaRPr lang="en-US" sz="1000"/>
+                    </a:p>
+                  </a:txBody>
+                  <a:tcPr marL="175" marR="175" marT="175" marB="175">
+                    <a:lnL>
+                      <a:noFill/>
+                    </a:lnL>
+                    <a:lnR>
+                      <a:noFill/>
+                    </a:lnR>
+                    <a:lnT>
+                      <a:noFill/>
+                    </a:lnT>
+                    <a:lnB>
+                      <a:noFill/>
+                    </a:lnB>
+                    <a:noFill/>
+                  </a:tcPr>
+                </a:tc>
+                <a:tc>
+                  <a:txBody>
+                    <a:bodyPr/>
+                    <a:lstStyle/>
+                    <a:p>
+                      <a:pPr algn="ctr"/>
+                      <a:endParaRPr lang="de-DE" sz="1000" dirty="0"/>
+                    </a:p>
+                  </a:txBody>
+                  <a:tcPr marL="175" marR="175" marT="175" marB="175">
+                    <a:lnL>
+                      <a:noFill/>
+                    </a:lnL>
+                    <a:lnR>
+                      <a:noFill/>
+                    </a:lnR>
+                    <a:lnT>
+                      <a:noFill/>
+                    </a:lnT>
+                    <a:lnB>
+                      <a:noFill/>
+                    </a:lnB>
+                    <a:noFill/>
+                  </a:tcPr>
+                </a:tc>
+                <a:extLst>
+                  <a:ext uri="{0D108BD9-81ED-4DB2-BD59-A6C34878D82A}">
+                    <a16:rowId xmlns:a16="http://schemas.microsoft.com/office/drawing/2014/main" val="1498780541"/>
+                  </a:ext>
+                </a:extLst>
+              </a:tr>
+              <a:tr h="148243">
+                <a:tc>
+                  <a:txBody>
+                    <a:bodyPr/>
+                    <a:lstStyle/>
+                    <a:p>
+                      <a:pPr algn="ctr"/>
+                      <a:r>
+                        <a:rPr lang="de-DE" sz="1000" dirty="0"/>
+                        <a:t>Picture</a:t>
+                      </a:r>
+                    </a:p>
+                  </a:txBody>
+                  <a:tcPr marL="175" marR="175" marT="175" marB="175" anchor="ctr">
+                    <a:lnL>
+                      <a:noFill/>
+                    </a:lnL>
+                    <a:lnR>
+                      <a:noFill/>
+                    </a:lnR>
+                    <a:lnT>
+                      <a:noFill/>
+                    </a:lnT>
+                    <a:lnB>
+                      <a:noFill/>
+                    </a:lnB>
+                    <a:noFill/>
+                  </a:tcPr>
+                </a:tc>
+                <a:tc>
+                  <a:txBody>
+                    <a:bodyPr/>
+                    <a:lstStyle/>
+                    <a:p>
+                      <a:pPr algn="ctr"/>
+                      <a:endParaRPr lang="de-DE" sz="1000"/>
+                    </a:p>
+                  </a:txBody>
+                  <a:tcPr marL="175" marR="175" marT="175" marB="175">
+                    <a:lnL>
+                      <a:noFill/>
+                    </a:lnL>
+                    <a:lnR>
+                      <a:noFill/>
+                    </a:lnR>
+                    <a:lnT>
+                      <a:noFill/>
+                    </a:lnT>
+                    <a:lnB>
+                      <a:noFill/>
+                    </a:lnB>
+                    <a:noFill/>
+                  </a:tcPr>
+                </a:tc>
+                <a:tc>
+                  <a:txBody>
+                    <a:bodyPr/>
+                    <a:lstStyle/>
+                    <a:p>
+                      <a:pPr algn="ctr"/>
+                      <a:endParaRPr lang="de-DE" sz="1000"/>
+                    </a:p>
+                  </a:txBody>
+                  <a:tcPr marL="175" marR="175" marT="175" marB="175">
+                    <a:lnL>
+                      <a:noFill/>
+                    </a:lnL>
+                    <a:lnR>
+                      <a:noFill/>
+                    </a:lnR>
+                    <a:lnT>
+                      <a:noFill/>
+                    </a:lnT>
+                    <a:lnB>
+                      <a:noFill/>
+                    </a:lnB>
+                    <a:noFill/>
+                  </a:tcPr>
+                </a:tc>
+                <a:extLst>
+                  <a:ext uri="{0D108BD9-81ED-4DB2-BD59-A6C34878D82A}">
+                    <a16:rowId xmlns:a16="http://schemas.microsoft.com/office/drawing/2014/main" val="3801926917"/>
+                  </a:ext>
+                </a:extLst>
+              </a:tr>
+              <a:tr h="148243">
+                <a:tc>
+                  <a:txBody>
+                    <a:bodyPr/>
+                    <a:lstStyle/>
+                    <a:p>
+                      <a:pPr algn="ctr"/>
+                      <a:r>
+                        <a:rPr lang="de-DE" sz="1000" dirty="0"/>
+                        <a:t>U-</a:t>
+                      </a:r>
+                      <a:r>
+                        <a:rPr lang="de-DE" sz="1000" dirty="0" err="1"/>
+                        <a:t>value</a:t>
+                      </a:r>
+                      <a:endParaRPr lang="de-DE" sz="1000" dirty="0"/>
+                    </a:p>
+                  </a:txBody>
+                  <a:tcPr marL="175" marR="175" marT="175" marB="175" anchor="ctr">
+                    <a:lnL>
+                      <a:noFill/>
+                    </a:lnL>
+                    <a:lnR>
+                      <a:noFill/>
+                    </a:lnR>
+                    <a:lnT>
+                      <a:noFill/>
+                    </a:lnT>
+                    <a:lnB>
+                      <a:noFill/>
+                    </a:lnB>
+                    <a:noFill/>
+                  </a:tcPr>
+                </a:tc>
+                <a:tc>
+                  <a:txBody>
+                    <a:bodyPr/>
+                    <a:lstStyle/>
+                    <a:p>
+                      <a:pPr algn="ctr">
+                        <a:buNone/>
+                      </a:pPr>
+                      <a:r>
+                        <a:rPr lang="de-DE" sz="1000"/>
+                        <a:t>0.80 W/(m</a:t>
+                      </a:r>
+                      <a:r>
+                        <a:rPr lang="de-DE" sz="1000" baseline="30000"/>
+                        <a:t>2</a:t>
+                      </a:r>
+                      <a:r>
+                        <a:rPr lang="de-DE" sz="1000"/>
+                        <a:t>K)</a:t>
+                      </a:r>
+                    </a:p>
+                  </a:txBody>
+                  <a:tcPr marL="175" marR="175" marT="175" marB="175" anchor="ctr">
+                    <a:lnL>
+                      <a:noFill/>
+                    </a:lnL>
+                    <a:lnR>
+                      <a:noFill/>
+                    </a:lnR>
+                    <a:lnT>
+                      <a:noFill/>
+                    </a:lnT>
+                    <a:lnB>
+                      <a:noFill/>
+                    </a:lnB>
+                    <a:noFill/>
+                  </a:tcPr>
+                </a:tc>
+                <a:tc>
+                  <a:txBody>
+                    <a:bodyPr/>
+                    <a:lstStyle/>
+                    <a:p>
+                      <a:pPr algn="ctr">
+                        <a:buNone/>
+                      </a:pPr>
+                      <a:r>
+                        <a:rPr lang="de-DE" sz="1000"/>
+                        <a:t>0.41 W/(m</a:t>
+                      </a:r>
+                      <a:r>
+                        <a:rPr lang="de-DE" sz="1000" baseline="30000"/>
+                        <a:t>2</a:t>
+                      </a:r>
+                      <a:r>
+                        <a:rPr lang="de-DE" sz="1000"/>
+                        <a:t>K)</a:t>
+                      </a:r>
+                    </a:p>
+                  </a:txBody>
+                  <a:tcPr marL="175" marR="175" marT="175" marB="175" anchor="ctr">
+                    <a:lnL>
+                      <a:noFill/>
+                    </a:lnL>
+                    <a:lnR>
+                      <a:noFill/>
+                    </a:lnR>
+                    <a:lnT>
+                      <a:noFill/>
+                    </a:lnT>
+                    <a:lnB>
+                      <a:noFill/>
+                    </a:lnB>
+                    <a:noFill/>
+                  </a:tcPr>
+                </a:tc>
+                <a:extLst>
+                  <a:ext uri="{0D108BD9-81ED-4DB2-BD59-A6C34878D82A}">
+                    <a16:rowId xmlns:a16="http://schemas.microsoft.com/office/drawing/2014/main" val="3819316049"/>
+                  </a:ext>
+                </a:extLst>
+              </a:tr>
+              <a:tr h="148243">
+                <a:tc rowSpan="4">
+                  <a:txBody>
+                    <a:bodyPr/>
+                    <a:lstStyle/>
+                    <a:p>
+                      <a:pPr algn="ctr"/>
+                      <a:r>
+                        <a:rPr lang="de-DE" sz="1000" dirty="0"/>
+                        <a:t>Wall 1</a:t>
+                      </a:r>
+                    </a:p>
+                  </a:txBody>
+                  <a:tcPr marL="175" marR="175" marT="175" marB="175" anchor="ctr">
+                    <a:lnL>
+                      <a:noFill/>
+                    </a:lnL>
+                    <a:lnR>
+                      <a:noFill/>
+                    </a:lnR>
+                    <a:lnT>
+                      <a:noFill/>
+                    </a:lnT>
+                    <a:lnB>
+                      <a:noFill/>
+                    </a:lnB>
+                    <a:noFill/>
+                  </a:tcPr>
+                </a:tc>
+                <a:tc>
+                  <a:txBody>
+                    <a:bodyPr/>
+                    <a:lstStyle/>
+                    <a:p>
+                      <a:pPr algn="ctr"/>
+                      <a:r>
+                        <a:rPr lang="de-DE" sz="1000"/>
+                        <a:t>surface area</a:t>
+                      </a:r>
+                    </a:p>
+                  </a:txBody>
+                  <a:tcPr marL="175" marR="175" marT="175" marB="175" anchor="ctr">
+                    <a:lnL>
+                      <a:noFill/>
+                    </a:lnL>
+                    <a:lnR>
+                      <a:noFill/>
+                    </a:lnR>
+                    <a:lnT>
+                      <a:noFill/>
+                    </a:lnT>
+                    <a:lnB>
+                      <a:noFill/>
+                    </a:lnB>
+                    <a:noFill/>
+                  </a:tcPr>
+                </a:tc>
+                <a:tc>
+                  <a:txBody>
+                    <a:bodyPr/>
+                    <a:lstStyle/>
+                    <a:p>
+                      <a:pPr algn="ctr"/>
+                      <a:r>
+                        <a:rPr lang="de-DE" sz="1000" dirty="0"/>
+                        <a:t>141.2m</a:t>
+                      </a:r>
+                      <a:r>
+                        <a:rPr lang="de-DE" sz="1000" baseline="30000" dirty="0"/>
+                        <a:t>2</a:t>
+                      </a:r>
+                      <a:endParaRPr lang="de-DE" sz="1000" dirty="0"/>
+                    </a:p>
+                  </a:txBody>
+                  <a:tcPr marL="175" marR="175" marT="175" marB="175">
+                    <a:lnL>
+                      <a:noFill/>
+                    </a:lnL>
+                    <a:lnR>
+                      <a:noFill/>
+                    </a:lnR>
+                    <a:lnT>
+                      <a:noFill/>
+                    </a:lnT>
+                    <a:lnB>
+                      <a:noFill/>
+                    </a:lnB>
+                    <a:noFill/>
+                  </a:tcPr>
+                </a:tc>
+                <a:extLst>
+                  <a:ext uri="{0D108BD9-81ED-4DB2-BD59-A6C34878D82A}">
+                    <a16:rowId xmlns:a16="http://schemas.microsoft.com/office/drawing/2014/main" val="2126366399"/>
+                  </a:ext>
+                </a:extLst>
+              </a:tr>
+              <a:tr h="148243">
+                <a:tc vMerge="1">
+                  <a:txBody>
+                    <a:bodyPr/>
+                    <a:lstStyle/>
+                    <a:p>
+                      <a:endParaRPr lang="de-DE"/>
+                    </a:p>
+                  </a:txBody>
+                  <a:tcPr/>
+                </a:tc>
+                <a:tc>
+                  <a:txBody>
+                    <a:bodyPr/>
+                    <a:lstStyle/>
+                    <a:p>
+                      <a:pPr algn="ctr"/>
+                      <a:endParaRPr lang="en-US" sz="1000" dirty="0"/>
+                    </a:p>
+                  </a:txBody>
+                  <a:tcPr marL="175" marR="175" marT="175" marB="175" anchor="ctr">
+                    <a:lnL>
+                      <a:noFill/>
+                    </a:lnL>
+                    <a:lnR>
+                      <a:noFill/>
+                    </a:lnR>
+                    <a:lnT>
+                      <a:noFill/>
+                    </a:lnT>
+                    <a:lnB>
+                      <a:noFill/>
+                    </a:lnB>
+                    <a:noFill/>
+                  </a:tcPr>
+                </a:tc>
+                <a:tc>
+                  <a:txBody>
+                    <a:bodyPr/>
+                    <a:lstStyle/>
+                    <a:p>
+                      <a:pPr algn="ctr"/>
+                      <a:endParaRPr lang="de-DE" sz="1000" dirty="0"/>
+                    </a:p>
+                  </a:txBody>
+                  <a:tcPr marL="175" marR="175" marT="175" marB="175">
+                    <a:lnL>
+                      <a:noFill/>
+                    </a:lnL>
+                    <a:lnR>
+                      <a:noFill/>
+                    </a:lnR>
+                    <a:lnT>
+                      <a:noFill/>
+                    </a:lnT>
+                    <a:lnB>
+                      <a:noFill/>
+                    </a:lnB>
+                    <a:noFill/>
+                  </a:tcPr>
+                </a:tc>
+                <a:extLst>
+                  <a:ext uri="{0D108BD9-81ED-4DB2-BD59-A6C34878D82A}">
+                    <a16:rowId xmlns:a16="http://schemas.microsoft.com/office/drawing/2014/main" val="3796607507"/>
+                  </a:ext>
+                </a:extLst>
+              </a:tr>
+              <a:tr h="148243">
+                <a:tc vMerge="1">
+                  <a:txBody>
+                    <a:bodyPr/>
+                    <a:lstStyle/>
+                    <a:p>
+                      <a:endParaRPr lang="de-DE"/>
+                    </a:p>
+                  </a:txBody>
+                  <a:tcPr/>
+                </a:tc>
+                <a:tc>
+                  <a:txBody>
+                    <a:bodyPr/>
+                    <a:lstStyle/>
+                    <a:p>
+                      <a:pPr algn="ctr"/>
+                      <a:r>
+                        <a:rPr lang="de-DE" sz="1000" dirty="0" err="1"/>
+                        <a:t>picture</a:t>
+                      </a:r>
+                      <a:endParaRPr lang="de-DE" sz="1000" dirty="0"/>
+                    </a:p>
+                  </a:txBody>
+                  <a:tcPr marL="175" marR="175" marT="175" marB="175" anchor="ctr">
+                    <a:lnL>
+                      <a:noFill/>
+                    </a:lnL>
+                    <a:lnR>
+                      <a:noFill/>
+                    </a:lnR>
+                    <a:lnT>
+                      <a:noFill/>
+                    </a:lnT>
+                    <a:lnB>
+                      <a:noFill/>
+                    </a:lnB>
+                    <a:noFill/>
+                  </a:tcPr>
+                </a:tc>
+                <a:tc>
+                  <a:txBody>
+                    <a:bodyPr/>
+                    <a:lstStyle/>
+                    <a:p>
+                      <a:pPr algn="ctr"/>
+                      <a:endParaRPr lang="de-DE" sz="1000" dirty="0"/>
+                    </a:p>
+                  </a:txBody>
+                  <a:tcPr marL="175" marR="175" marT="175" marB="175">
+                    <a:lnL>
+                      <a:noFill/>
+                    </a:lnL>
+                    <a:lnR>
+                      <a:noFill/>
+                    </a:lnR>
+                    <a:lnT>
+                      <a:noFill/>
+                    </a:lnT>
+                    <a:lnB>
+                      <a:noFill/>
+                    </a:lnB>
+                    <a:noFill/>
+                  </a:tcPr>
+                </a:tc>
+                <a:extLst>
+                  <a:ext uri="{0D108BD9-81ED-4DB2-BD59-A6C34878D82A}">
+                    <a16:rowId xmlns:a16="http://schemas.microsoft.com/office/drawing/2014/main" val="1024505900"/>
+                  </a:ext>
+                </a:extLst>
+              </a:tr>
+              <a:tr h="148243">
+                <a:tc vMerge="1">
+                  <a:txBody>
+                    <a:bodyPr/>
+                    <a:lstStyle/>
+                    <a:p>
+                      <a:endParaRPr lang="de-DE"/>
+                    </a:p>
+                  </a:txBody>
+                  <a:tcPr/>
+                </a:tc>
+                <a:tc>
+                  <a:txBody>
+                    <a:bodyPr/>
+                    <a:lstStyle/>
+                    <a:p>
+                      <a:pPr algn="ctr"/>
+                      <a:r>
+                        <a:rPr lang="de-DE" sz="1000"/>
+                        <a:t>U-value</a:t>
+                      </a:r>
+                    </a:p>
+                  </a:txBody>
+                  <a:tcPr marL="175" marR="175" marT="175" marB="175" anchor="ctr">
+                    <a:lnL>
+                      <a:noFill/>
+                    </a:lnL>
+                    <a:lnR>
+                      <a:noFill/>
+                    </a:lnR>
+                    <a:lnT>
+                      <a:noFill/>
+                    </a:lnT>
+                    <a:lnB>
+                      <a:noFill/>
+                    </a:lnB>
+                    <a:noFill/>
+                  </a:tcPr>
+                </a:tc>
+                <a:tc>
+                  <a:txBody>
+                    <a:bodyPr/>
+                    <a:lstStyle/>
+                    <a:p>
+                      <a:pPr algn="ctr">
+                        <a:buNone/>
+                      </a:pPr>
+                      <a:r>
+                        <a:rPr lang="de-DE" sz="1000" dirty="0"/>
+                        <a:t>1.20 W/(m</a:t>
+                      </a:r>
+                      <a:r>
+                        <a:rPr lang="de-DE" sz="1000" baseline="30000" dirty="0"/>
+                        <a:t>2</a:t>
+                      </a:r>
+                      <a:r>
+                        <a:rPr lang="de-DE" sz="1000" dirty="0"/>
+                        <a:t>K)</a:t>
+                      </a:r>
+                    </a:p>
+                  </a:txBody>
+                  <a:tcPr marL="175" marR="175" marT="175" marB="175" anchor="ctr">
+                    <a:lnL>
+                      <a:noFill/>
+                    </a:lnL>
+                    <a:lnR>
+                      <a:noFill/>
+                    </a:lnR>
+                    <a:lnT>
+                      <a:noFill/>
+                    </a:lnT>
+                    <a:lnB>
+                      <a:noFill/>
+                    </a:lnB>
+                    <a:noFill/>
+                  </a:tcPr>
+                </a:tc>
+                <a:extLst>
+                  <a:ext uri="{0D108BD9-81ED-4DB2-BD59-A6C34878D82A}">
+                    <a16:rowId xmlns:a16="http://schemas.microsoft.com/office/drawing/2014/main" val="1490733988"/>
+                  </a:ext>
+                </a:extLst>
+              </a:tr>
+              <a:tr h="148243">
+                <a:tc rowSpan="4">
+                  <a:txBody>
+                    <a:bodyPr/>
+                    <a:lstStyle/>
+                    <a:p>
+                      <a:pPr algn="ctr"/>
+                      <a:r>
+                        <a:rPr lang="de-DE" sz="1000"/>
+                        <a:t>Wall 2</a:t>
+                      </a:r>
+                    </a:p>
+                  </a:txBody>
+                  <a:tcPr marL="175" marR="175" marT="175" marB="175" anchor="ctr">
+                    <a:lnL>
+                      <a:noFill/>
+                    </a:lnL>
+                    <a:lnR>
+                      <a:noFill/>
+                    </a:lnR>
+                    <a:lnT>
+                      <a:noFill/>
+                    </a:lnT>
+                    <a:lnB>
+                      <a:noFill/>
+                    </a:lnB>
+                    <a:noFill/>
+                  </a:tcPr>
+                </a:tc>
+                <a:tc>
+                  <a:txBody>
+                    <a:bodyPr/>
+                    <a:lstStyle/>
+                    <a:p>
+                      <a:pPr algn="ctr"/>
+                      <a:r>
+                        <a:rPr lang="de-DE" sz="1000"/>
+                        <a:t>surface area</a:t>
+                      </a:r>
+                    </a:p>
+                  </a:txBody>
+                  <a:tcPr marL="175" marR="175" marT="175" marB="175" anchor="ctr">
+                    <a:lnL>
+                      <a:noFill/>
+                    </a:lnL>
+                    <a:lnR>
+                      <a:noFill/>
+                    </a:lnR>
+                    <a:lnT>
+                      <a:noFill/>
+                    </a:lnT>
+                    <a:lnB>
+                      <a:noFill/>
+                    </a:lnB>
+                    <a:noFill/>
+                  </a:tcPr>
+                </a:tc>
+                <a:tc>
+                  <a:txBody>
+                    <a:bodyPr/>
+                    <a:lstStyle/>
+                    <a:p>
+                      <a:pPr algn="ctr"/>
+                      <a:r>
+                        <a:rPr lang="de-DE" sz="1000" dirty="0"/>
+                        <a:t>8.7m</a:t>
+                      </a:r>
+                      <a:r>
+                        <a:rPr lang="de-DE" sz="1000" baseline="30000" dirty="0"/>
+                        <a:t>2</a:t>
+                      </a:r>
+                      <a:endParaRPr lang="de-DE" sz="1000" dirty="0"/>
+                    </a:p>
+                  </a:txBody>
+                  <a:tcPr marL="175" marR="175" marT="175" marB="175">
+                    <a:lnL>
+                      <a:noFill/>
+                    </a:lnL>
+                    <a:lnR>
+                      <a:noFill/>
+                    </a:lnR>
+                    <a:lnT>
+                      <a:noFill/>
+                    </a:lnT>
+                    <a:lnB>
+                      <a:noFill/>
+                    </a:lnB>
+                    <a:noFill/>
+                  </a:tcPr>
+                </a:tc>
+                <a:extLst>
+                  <a:ext uri="{0D108BD9-81ED-4DB2-BD59-A6C34878D82A}">
+                    <a16:rowId xmlns:a16="http://schemas.microsoft.com/office/drawing/2014/main" val="1829033268"/>
+                  </a:ext>
+                </a:extLst>
+              </a:tr>
+              <a:tr h="236034">
+                <a:tc vMerge="1">
+                  <a:txBody>
+                    <a:bodyPr/>
+                    <a:lstStyle/>
+                    <a:p>
+                      <a:endParaRPr lang="de-DE"/>
+                    </a:p>
+                  </a:txBody>
+                  <a:tcPr/>
+                </a:tc>
+                <a:tc>
+                  <a:txBody>
+                    <a:bodyPr/>
+                    <a:lstStyle/>
+                    <a:p>
+                      <a:pPr algn="ctr"/>
+                      <a:endParaRPr lang="en-US" sz="1000" dirty="0"/>
+                    </a:p>
+                  </a:txBody>
+                  <a:tcPr marL="175" marR="175" marT="175" marB="175" anchor="ctr">
+                    <a:lnL>
+                      <a:noFill/>
+                    </a:lnL>
+                    <a:lnR>
+                      <a:noFill/>
+                    </a:lnR>
+                    <a:lnT>
+                      <a:noFill/>
+                    </a:lnT>
+                    <a:lnB>
+                      <a:noFill/>
+                    </a:lnB>
+                    <a:noFill/>
+                  </a:tcPr>
+                </a:tc>
+                <a:tc>
+                  <a:txBody>
+                    <a:bodyPr/>
+                    <a:lstStyle/>
+                    <a:p>
+                      <a:pPr algn="ctr"/>
+                      <a:endParaRPr lang="de-DE" sz="1000" dirty="0"/>
+                    </a:p>
+                  </a:txBody>
+                  <a:tcPr marL="175" marR="175" marT="175" marB="175">
+                    <a:lnL>
+                      <a:noFill/>
+                    </a:lnL>
+                    <a:lnR>
+                      <a:noFill/>
+                    </a:lnR>
+                    <a:lnT>
+                      <a:noFill/>
+                    </a:lnT>
+                    <a:lnB>
+                      <a:noFill/>
+                    </a:lnB>
+                    <a:noFill/>
+                  </a:tcPr>
+                </a:tc>
+                <a:extLst>
+                  <a:ext uri="{0D108BD9-81ED-4DB2-BD59-A6C34878D82A}">
+                    <a16:rowId xmlns:a16="http://schemas.microsoft.com/office/drawing/2014/main" val="901643382"/>
+                  </a:ext>
+                </a:extLst>
+              </a:tr>
+              <a:tr h="148243">
+                <a:tc vMerge="1">
+                  <a:txBody>
+                    <a:bodyPr/>
+                    <a:lstStyle/>
+                    <a:p>
+                      <a:endParaRPr lang="de-DE"/>
+                    </a:p>
+                  </a:txBody>
+                  <a:tcPr/>
+                </a:tc>
+                <a:tc>
+                  <a:txBody>
+                    <a:bodyPr/>
+                    <a:lstStyle/>
+                    <a:p>
+                      <a:pPr algn="ctr"/>
+                      <a:r>
+                        <a:rPr lang="de-DE" sz="1000"/>
+                        <a:t>picture</a:t>
+                      </a:r>
+                    </a:p>
+                  </a:txBody>
+                  <a:tcPr marL="175" marR="175" marT="175" marB="175" anchor="ctr">
+                    <a:lnL>
+                      <a:noFill/>
+                    </a:lnL>
+                    <a:lnR>
+                      <a:noFill/>
+                    </a:lnR>
+                    <a:lnT>
+                      <a:noFill/>
+                    </a:lnT>
+                    <a:lnB>
+                      <a:noFill/>
+                    </a:lnB>
+                    <a:noFill/>
+                  </a:tcPr>
+                </a:tc>
+                <a:tc>
+                  <a:txBody>
+                    <a:bodyPr/>
+                    <a:lstStyle/>
+                    <a:p>
+                      <a:pPr algn="ctr"/>
+                      <a:endParaRPr lang="de-DE" sz="1000"/>
+                    </a:p>
+                  </a:txBody>
+                  <a:tcPr marL="175" marR="175" marT="175" marB="175">
+                    <a:lnL>
+                      <a:noFill/>
+                    </a:lnL>
+                    <a:lnR>
+                      <a:noFill/>
+                    </a:lnR>
+                    <a:lnT>
+                      <a:noFill/>
+                    </a:lnT>
+                    <a:lnB>
+                      <a:noFill/>
+                    </a:lnB>
+                    <a:noFill/>
+                  </a:tcPr>
+                </a:tc>
+                <a:extLst>
+                  <a:ext uri="{0D108BD9-81ED-4DB2-BD59-A6C34878D82A}">
+                    <a16:rowId xmlns:a16="http://schemas.microsoft.com/office/drawing/2014/main" val="3405159125"/>
+                  </a:ext>
+                </a:extLst>
+              </a:tr>
+              <a:tr h="148243">
+                <a:tc vMerge="1">
+                  <a:txBody>
+                    <a:bodyPr/>
+                    <a:lstStyle/>
+                    <a:p>
+                      <a:endParaRPr lang="de-DE"/>
+                    </a:p>
+                  </a:txBody>
+                  <a:tcPr/>
+                </a:tc>
+                <a:tc>
+                  <a:txBody>
+                    <a:bodyPr/>
+                    <a:lstStyle/>
+                    <a:p>
+                      <a:pPr algn="ctr"/>
+                      <a:r>
+                        <a:rPr lang="de-DE" sz="1000"/>
+                        <a:t>U-value</a:t>
+                      </a:r>
+                    </a:p>
+                  </a:txBody>
+                  <a:tcPr marL="175" marR="175" marT="175" marB="175" anchor="ctr">
+                    <a:lnL>
+                      <a:noFill/>
+                    </a:lnL>
+                    <a:lnR>
+                      <a:noFill/>
+                    </a:lnR>
+                    <a:lnT>
+                      <a:noFill/>
+                    </a:lnT>
+                    <a:lnB>
+                      <a:noFill/>
+                    </a:lnB>
+                    <a:noFill/>
+                  </a:tcPr>
+                </a:tc>
+                <a:tc>
+                  <a:txBody>
+                    <a:bodyPr/>
+                    <a:lstStyle/>
+                    <a:p>
+                      <a:pPr algn="ctr">
+                        <a:buNone/>
+                      </a:pPr>
+                      <a:r>
+                        <a:rPr lang="de-DE" sz="1000"/>
+                        <a:t>0.80 W/(m</a:t>
+                      </a:r>
+                      <a:r>
+                        <a:rPr lang="de-DE" sz="1000" baseline="30000"/>
+                        <a:t>2</a:t>
+                      </a:r>
+                      <a:r>
+                        <a:rPr lang="de-DE" sz="1000"/>
+                        <a:t>K)</a:t>
+                      </a:r>
+                    </a:p>
+                  </a:txBody>
+                  <a:tcPr marL="175" marR="175" marT="175" marB="175" anchor="ctr">
+                    <a:lnL>
+                      <a:noFill/>
+                    </a:lnL>
+                    <a:lnR>
+                      <a:noFill/>
+                    </a:lnR>
+                    <a:lnT>
+                      <a:noFill/>
+                    </a:lnT>
+                    <a:lnB>
+                      <a:noFill/>
+                    </a:lnB>
+                    <a:noFill/>
+                  </a:tcPr>
+                </a:tc>
+                <a:extLst>
+                  <a:ext uri="{0D108BD9-81ED-4DB2-BD59-A6C34878D82A}">
+                    <a16:rowId xmlns:a16="http://schemas.microsoft.com/office/drawing/2014/main" val="2440184351"/>
+                  </a:ext>
+                </a:extLst>
+              </a:tr>
+              <a:tr h="148243">
+                <a:tc rowSpan="4">
+                  <a:txBody>
+                    <a:bodyPr/>
+                    <a:lstStyle/>
+                    <a:p>
+                      <a:pPr algn="ctr"/>
+                      <a:r>
+                        <a:rPr lang="de-DE" sz="1000"/>
+                        <a:t>Floor 1</a:t>
+                      </a:r>
+                    </a:p>
+                  </a:txBody>
+                  <a:tcPr marL="175" marR="175" marT="175" marB="175" anchor="ctr">
+                    <a:lnL>
+                      <a:noFill/>
+                    </a:lnL>
+                    <a:lnR>
+                      <a:noFill/>
+                    </a:lnR>
+                    <a:lnT>
+                      <a:noFill/>
+                    </a:lnT>
+                    <a:lnB>
+                      <a:noFill/>
+                    </a:lnB>
+                    <a:noFill/>
+                  </a:tcPr>
+                </a:tc>
+                <a:tc>
+                  <a:txBody>
+                    <a:bodyPr/>
+                    <a:lstStyle/>
+                    <a:p>
+                      <a:pPr algn="ctr"/>
+                      <a:r>
+                        <a:rPr lang="de-DE" sz="1000"/>
+                        <a:t>surface area</a:t>
+                      </a:r>
+                    </a:p>
+                  </a:txBody>
+                  <a:tcPr marL="175" marR="175" marT="175" marB="175" anchor="ctr">
+                    <a:lnL>
+                      <a:noFill/>
+                    </a:lnL>
+                    <a:lnR>
+                      <a:noFill/>
+                    </a:lnR>
+                    <a:lnT>
+                      <a:noFill/>
+                    </a:lnT>
+                    <a:lnB>
+                      <a:noFill/>
+                    </a:lnB>
+                    <a:noFill/>
+                  </a:tcPr>
+                </a:tc>
+                <a:tc>
+                  <a:txBody>
+                    <a:bodyPr/>
+                    <a:lstStyle/>
+                    <a:p>
+                      <a:pPr algn="ctr"/>
+                      <a:r>
+                        <a:rPr lang="de-DE" sz="1000"/>
+                        <a:t>115.8m</a:t>
+                      </a:r>
+                      <a:r>
+                        <a:rPr lang="de-DE" sz="1000" baseline="30000"/>
+                        <a:t>2</a:t>
+                      </a:r>
+                      <a:endParaRPr lang="de-DE" sz="1000"/>
+                    </a:p>
+                  </a:txBody>
+                  <a:tcPr marL="175" marR="175" marT="175" marB="175">
+                    <a:lnL>
+                      <a:noFill/>
+                    </a:lnL>
+                    <a:lnR>
+                      <a:noFill/>
+                    </a:lnR>
+                    <a:lnT>
+                      <a:noFill/>
+                    </a:lnT>
+                    <a:lnB>
+                      <a:noFill/>
+                    </a:lnB>
+                    <a:noFill/>
+                  </a:tcPr>
+                </a:tc>
+                <a:extLst>
+                  <a:ext uri="{0D108BD9-81ED-4DB2-BD59-A6C34878D82A}">
+                    <a16:rowId xmlns:a16="http://schemas.microsoft.com/office/drawing/2014/main" val="3406390501"/>
+                  </a:ext>
+                </a:extLst>
+              </a:tr>
+              <a:tr h="267056">
+                <a:tc vMerge="1">
+                  <a:txBody>
+                    <a:bodyPr/>
+                    <a:lstStyle/>
+                    <a:p>
+                      <a:endParaRPr lang="de-DE"/>
+                    </a:p>
+                  </a:txBody>
+                  <a:tcPr/>
+                </a:tc>
+                <a:tc>
+                  <a:txBody>
+                    <a:bodyPr/>
+                    <a:lstStyle/>
+                    <a:p>
+                      <a:pPr algn="ctr"/>
+                      <a:endParaRPr lang="en-US" sz="1000" dirty="0"/>
+                    </a:p>
+                  </a:txBody>
+                  <a:tcPr marL="175" marR="175" marT="175" marB="175" anchor="ctr">
+                    <a:lnL>
+                      <a:noFill/>
+                    </a:lnL>
+                    <a:lnR>
+                      <a:noFill/>
+                    </a:lnR>
+                    <a:lnT>
+                      <a:noFill/>
+                    </a:lnT>
+                    <a:lnB>
+                      <a:noFill/>
+                    </a:lnB>
+                    <a:noFill/>
+                  </a:tcPr>
+                </a:tc>
+                <a:tc>
+                  <a:txBody>
+                    <a:bodyPr/>
+                    <a:lstStyle/>
+                    <a:p>
+                      <a:pPr algn="ctr"/>
+                      <a:endParaRPr lang="de-DE" sz="1000" dirty="0"/>
+                    </a:p>
+                  </a:txBody>
+                  <a:tcPr marL="175" marR="175" marT="175" marB="175">
+                    <a:lnL>
+                      <a:noFill/>
+                    </a:lnL>
+                    <a:lnR>
+                      <a:noFill/>
+                    </a:lnR>
+                    <a:lnT>
+                      <a:noFill/>
+                    </a:lnT>
+                    <a:lnB>
+                      <a:noFill/>
+                    </a:lnB>
+                    <a:noFill/>
+                  </a:tcPr>
+                </a:tc>
+                <a:extLst>
+                  <a:ext uri="{0D108BD9-81ED-4DB2-BD59-A6C34878D82A}">
+                    <a16:rowId xmlns:a16="http://schemas.microsoft.com/office/drawing/2014/main" val="617245304"/>
+                  </a:ext>
+                </a:extLst>
+              </a:tr>
+              <a:tr h="148243">
+                <a:tc vMerge="1">
+                  <a:txBody>
+                    <a:bodyPr/>
+                    <a:lstStyle/>
+                    <a:p>
+                      <a:endParaRPr lang="de-DE"/>
+                    </a:p>
+                  </a:txBody>
+                  <a:tcPr/>
+                </a:tc>
+                <a:tc>
+                  <a:txBody>
+                    <a:bodyPr/>
+                    <a:lstStyle/>
+                    <a:p>
+                      <a:pPr algn="ctr"/>
+                      <a:r>
+                        <a:rPr lang="de-DE" sz="1000"/>
+                        <a:t>picture</a:t>
+                      </a:r>
+                    </a:p>
+                  </a:txBody>
+                  <a:tcPr marL="175" marR="175" marT="175" marB="175" anchor="ctr">
+                    <a:lnL>
+                      <a:noFill/>
+                    </a:lnL>
+                    <a:lnR>
+                      <a:noFill/>
+                    </a:lnR>
+                    <a:lnT>
+                      <a:noFill/>
+                    </a:lnT>
+                    <a:lnB>
+                      <a:noFill/>
+                    </a:lnB>
+                    <a:noFill/>
+                  </a:tcPr>
+                </a:tc>
+                <a:tc>
+                  <a:txBody>
+                    <a:bodyPr/>
+                    <a:lstStyle/>
+                    <a:p>
+                      <a:pPr algn="ctr"/>
+                      <a:endParaRPr lang="de-DE" sz="1000"/>
+                    </a:p>
+                  </a:txBody>
+                  <a:tcPr marL="175" marR="175" marT="175" marB="175">
+                    <a:lnL>
+                      <a:noFill/>
+                    </a:lnL>
+                    <a:lnR>
+                      <a:noFill/>
+                    </a:lnR>
+                    <a:lnT>
+                      <a:noFill/>
+                    </a:lnT>
+                    <a:lnB>
+                      <a:noFill/>
+                    </a:lnB>
+                    <a:noFill/>
+                  </a:tcPr>
+                </a:tc>
+                <a:extLst>
+                  <a:ext uri="{0D108BD9-81ED-4DB2-BD59-A6C34878D82A}">
+                    <a16:rowId xmlns:a16="http://schemas.microsoft.com/office/drawing/2014/main" val="462515652"/>
+                  </a:ext>
+                </a:extLst>
+              </a:tr>
+              <a:tr h="148243">
+                <a:tc vMerge="1">
+                  <a:txBody>
+                    <a:bodyPr/>
+                    <a:lstStyle/>
+                    <a:p>
+                      <a:endParaRPr lang="de-DE"/>
+                    </a:p>
+                  </a:txBody>
+                  <a:tcPr/>
+                </a:tc>
+                <a:tc>
+                  <a:txBody>
+                    <a:bodyPr/>
+                    <a:lstStyle/>
+                    <a:p>
+                      <a:pPr algn="ctr"/>
+                      <a:r>
+                        <a:rPr lang="de-DE" sz="1000"/>
+                        <a:t>U-value</a:t>
+                      </a:r>
+                    </a:p>
+                  </a:txBody>
+                  <a:tcPr marL="175" marR="175" marT="175" marB="175" anchor="ctr">
+                    <a:lnL>
+                      <a:noFill/>
+                    </a:lnL>
+                    <a:lnR>
+                      <a:noFill/>
+                    </a:lnR>
+                    <a:lnT>
+                      <a:noFill/>
+                    </a:lnT>
+                    <a:lnB>
+                      <a:noFill/>
+                    </a:lnB>
+                    <a:noFill/>
+                  </a:tcPr>
+                </a:tc>
+                <a:tc>
+                  <a:txBody>
+                    <a:bodyPr/>
+                    <a:lstStyle/>
+                    <a:p>
+                      <a:pPr algn="ctr">
+                        <a:buNone/>
+                      </a:pPr>
+                      <a:r>
+                        <a:rPr lang="de-DE" sz="1000"/>
+                        <a:t>1.08 W/(m</a:t>
+                      </a:r>
+                      <a:r>
+                        <a:rPr lang="de-DE" sz="1000" baseline="30000"/>
+                        <a:t>2</a:t>
+                      </a:r>
+                      <a:r>
+                        <a:rPr lang="de-DE" sz="1000"/>
+                        <a:t>K)</a:t>
+                      </a:r>
+                    </a:p>
+                  </a:txBody>
+                  <a:tcPr marL="175" marR="175" marT="175" marB="175" anchor="ctr">
+                    <a:lnL>
+                      <a:noFill/>
+                    </a:lnL>
+                    <a:lnR>
+                      <a:noFill/>
+                    </a:lnR>
+                    <a:lnT>
+                      <a:noFill/>
+                    </a:lnT>
+                    <a:lnB>
+                      <a:noFill/>
+                    </a:lnB>
+                    <a:noFill/>
+                  </a:tcPr>
+                </a:tc>
+                <a:extLst>
+                  <a:ext uri="{0D108BD9-81ED-4DB2-BD59-A6C34878D82A}">
+                    <a16:rowId xmlns:a16="http://schemas.microsoft.com/office/drawing/2014/main" val="1266199987"/>
+                  </a:ext>
+                </a:extLst>
+              </a:tr>
+              <a:tr h="368739">
+                <a:tc rowSpan="4">
+                  <a:txBody>
+                    <a:bodyPr/>
+                    <a:lstStyle/>
+                    <a:p>
+                      <a:pPr algn="ctr"/>
+                      <a:r>
+                        <a:rPr lang="de-DE" sz="1000"/>
+                        <a:t>Window 1</a:t>
+                      </a:r>
+                    </a:p>
+                  </a:txBody>
+                  <a:tcPr marL="175" marR="175" marT="175" marB="175" anchor="ctr">
+                    <a:lnL>
+                      <a:noFill/>
+                    </a:lnL>
+                    <a:lnR>
+                      <a:noFill/>
+                    </a:lnR>
+                    <a:lnT>
+                      <a:noFill/>
+                    </a:lnT>
+                    <a:lnB>
+                      <a:noFill/>
+                    </a:lnB>
+                    <a:noFill/>
+                  </a:tcPr>
+                </a:tc>
+                <a:tc>
+                  <a:txBody>
+                    <a:bodyPr/>
+                    <a:lstStyle/>
+                    <a:p>
+                      <a:pPr algn="ctr"/>
+                      <a:r>
+                        <a:rPr lang="de-DE" sz="1000"/>
+                        <a:t>surface area</a:t>
+                      </a:r>
+                    </a:p>
+                  </a:txBody>
+                  <a:tcPr marL="175" marR="175" marT="175" marB="175" anchor="ctr">
+                    <a:lnL>
+                      <a:noFill/>
+                    </a:lnL>
+                    <a:lnR>
+                      <a:noFill/>
+                    </a:lnR>
+                    <a:lnT>
+                      <a:noFill/>
+                    </a:lnT>
+                    <a:lnB>
+                      <a:noFill/>
+                    </a:lnB>
+                    <a:noFill/>
+                  </a:tcPr>
+                </a:tc>
+                <a:tc>
+                  <a:txBody>
+                    <a:bodyPr/>
+                    <a:lstStyle/>
+                    <a:p>
+                      <a:pPr algn="ctr"/>
+                      <a:r>
+                        <a:rPr lang="de-DE" sz="1000"/>
+                        <a:t>27.1m</a:t>
+                      </a:r>
+                      <a:r>
+                        <a:rPr lang="de-DE" sz="1000" baseline="30000"/>
+                        <a:t>2</a:t>
+                      </a:r>
+                      <a:endParaRPr lang="de-DE" sz="1000"/>
+                    </a:p>
+                  </a:txBody>
+                  <a:tcPr marL="175" marR="175" marT="175" marB="175">
+                    <a:lnL>
+                      <a:noFill/>
+                    </a:lnL>
+                    <a:lnR>
+                      <a:noFill/>
+                    </a:lnR>
+                    <a:lnT>
+                      <a:noFill/>
+                    </a:lnT>
+                    <a:lnB>
+                      <a:noFill/>
+                    </a:lnB>
+                    <a:noFill/>
+                  </a:tcPr>
+                </a:tc>
+                <a:extLst>
+                  <a:ext uri="{0D108BD9-81ED-4DB2-BD59-A6C34878D82A}">
+                    <a16:rowId xmlns:a16="http://schemas.microsoft.com/office/drawing/2014/main" val="2907841251"/>
+                  </a:ext>
+                </a:extLst>
+              </a:tr>
+              <a:tr h="148243">
+                <a:tc vMerge="1">
+                  <a:txBody>
+                    <a:bodyPr/>
+                    <a:lstStyle/>
+                    <a:p>
+                      <a:endParaRPr lang="de-DE"/>
+                    </a:p>
+                  </a:txBody>
+                  <a:tcPr/>
+                </a:tc>
+                <a:tc>
+                  <a:txBody>
+                    <a:bodyPr/>
+                    <a:lstStyle/>
+                    <a:p>
+                      <a:pPr algn="ctr"/>
+                      <a:endParaRPr lang="en-US" sz="1000" dirty="0"/>
+                    </a:p>
+                  </a:txBody>
+                  <a:tcPr marL="175" marR="175" marT="175" marB="175" anchor="ctr">
+                    <a:lnL>
+                      <a:noFill/>
+                    </a:lnL>
+                    <a:lnR>
+                      <a:noFill/>
+                    </a:lnR>
+                    <a:lnT>
+                      <a:noFill/>
+                    </a:lnT>
+                    <a:lnB>
+                      <a:noFill/>
+                    </a:lnB>
+                    <a:noFill/>
+                  </a:tcPr>
+                </a:tc>
+                <a:tc>
+                  <a:txBody>
+                    <a:bodyPr/>
+                    <a:lstStyle/>
+                    <a:p>
+                      <a:pPr algn="ctr"/>
+                      <a:endParaRPr lang="de-DE" sz="1000" dirty="0"/>
+                    </a:p>
+                  </a:txBody>
+                  <a:tcPr marL="175" marR="175" marT="175" marB="175">
+                    <a:lnL>
+                      <a:noFill/>
+                    </a:lnL>
+                    <a:lnR>
+                      <a:noFill/>
+                    </a:lnR>
+                    <a:lnT>
+                      <a:noFill/>
+                    </a:lnT>
+                    <a:lnB>
+                      <a:noFill/>
+                    </a:lnB>
+                    <a:noFill/>
+                  </a:tcPr>
+                </a:tc>
+                <a:extLst>
+                  <a:ext uri="{0D108BD9-81ED-4DB2-BD59-A6C34878D82A}">
+                    <a16:rowId xmlns:a16="http://schemas.microsoft.com/office/drawing/2014/main" val="1004028915"/>
+                  </a:ext>
+                </a:extLst>
+              </a:tr>
+              <a:tr h="148243">
+                <a:tc vMerge="1">
+                  <a:txBody>
+                    <a:bodyPr/>
+                    <a:lstStyle/>
+                    <a:p>
+                      <a:endParaRPr lang="de-DE"/>
+                    </a:p>
+                  </a:txBody>
+                  <a:tcPr/>
+                </a:tc>
+                <a:tc>
+                  <a:txBody>
+                    <a:bodyPr/>
+                    <a:lstStyle/>
+                    <a:p>
+                      <a:pPr algn="ctr"/>
+                      <a:r>
+                        <a:rPr lang="de-DE" sz="1000" dirty="0" err="1"/>
+                        <a:t>picture</a:t>
+                      </a:r>
+                      <a:endParaRPr lang="de-DE" sz="1000" dirty="0"/>
+                    </a:p>
+                  </a:txBody>
+                  <a:tcPr marL="175" marR="175" marT="175" marB="175" anchor="ctr">
+                    <a:lnL>
+                      <a:noFill/>
+                    </a:lnL>
+                    <a:lnR>
+                      <a:noFill/>
+                    </a:lnR>
+                    <a:lnT>
+                      <a:noFill/>
+                    </a:lnT>
+                    <a:lnB>
+                      <a:noFill/>
+                    </a:lnB>
+                    <a:noFill/>
+                  </a:tcPr>
+                </a:tc>
+                <a:tc>
+                  <a:txBody>
+                    <a:bodyPr/>
+                    <a:lstStyle/>
+                    <a:p>
+                      <a:pPr algn="ctr"/>
+                      <a:endParaRPr lang="de-DE" sz="1000"/>
+                    </a:p>
+                  </a:txBody>
+                  <a:tcPr marL="175" marR="175" marT="175" marB="175">
+                    <a:lnL>
+                      <a:noFill/>
+                    </a:lnL>
+                    <a:lnR>
+                      <a:noFill/>
+                    </a:lnR>
+                    <a:lnT>
+                      <a:noFill/>
+                    </a:lnT>
+                    <a:lnB>
+                      <a:noFill/>
+                    </a:lnB>
+                    <a:noFill/>
+                  </a:tcPr>
+                </a:tc>
+                <a:extLst>
+                  <a:ext uri="{0D108BD9-81ED-4DB2-BD59-A6C34878D82A}">
+                    <a16:rowId xmlns:a16="http://schemas.microsoft.com/office/drawing/2014/main" val="2979433074"/>
+                  </a:ext>
+                </a:extLst>
+              </a:tr>
+              <a:tr h="148243">
+                <a:tc vMerge="1">
+                  <a:txBody>
+                    <a:bodyPr/>
+                    <a:lstStyle/>
+                    <a:p>
+                      <a:endParaRPr lang="de-DE"/>
+                    </a:p>
+                  </a:txBody>
+                  <a:tcPr/>
+                </a:tc>
+                <a:tc>
+                  <a:txBody>
+                    <a:bodyPr/>
+                    <a:lstStyle/>
+                    <a:p>
+                      <a:pPr algn="ctr"/>
+                      <a:r>
+                        <a:rPr lang="de-DE" sz="1000" dirty="0"/>
+                        <a:t>U-</a:t>
+                      </a:r>
+                      <a:r>
+                        <a:rPr lang="de-DE" sz="1000" dirty="0" err="1"/>
+                        <a:t>value</a:t>
+                      </a:r>
+                      <a:endParaRPr lang="de-DE" sz="1000" dirty="0"/>
+                    </a:p>
+                  </a:txBody>
+                  <a:tcPr marL="175" marR="175" marT="175" marB="175" anchor="ctr">
+                    <a:lnL>
+                      <a:noFill/>
+                    </a:lnL>
+                    <a:lnR>
+                      <a:noFill/>
+                    </a:lnR>
+                    <a:lnT>
+                      <a:noFill/>
+                    </a:lnT>
+                    <a:lnB>
+                      <a:noFill/>
+                    </a:lnB>
+                    <a:noFill/>
+                  </a:tcPr>
+                </a:tc>
+                <a:tc>
+                  <a:txBody>
+                    <a:bodyPr/>
+                    <a:lstStyle/>
+                    <a:p>
+                      <a:pPr algn="ctr">
+                        <a:buNone/>
+                      </a:pPr>
+                      <a:r>
+                        <a:rPr lang="de-DE" sz="1000" dirty="0"/>
+                        <a:t>2.80 W/(m</a:t>
+                      </a:r>
+                      <a:r>
+                        <a:rPr lang="de-DE" sz="1000" baseline="30000" dirty="0"/>
+                        <a:t>2</a:t>
+                      </a:r>
+                      <a:r>
+                        <a:rPr lang="de-DE" sz="1000" dirty="0"/>
+                        <a:t>K)</a:t>
+                      </a:r>
+                    </a:p>
+                  </a:txBody>
+                  <a:tcPr marL="175" marR="175" marT="175" marB="175" anchor="ctr">
+                    <a:lnL>
+                      <a:noFill/>
+                    </a:lnL>
+                    <a:lnR>
+                      <a:noFill/>
+                    </a:lnR>
+                    <a:lnT>
+                      <a:noFill/>
+                    </a:lnT>
+                    <a:lnB>
+                      <a:noFill/>
+                    </a:lnB>
+                    <a:noFill/>
+                  </a:tcPr>
+                </a:tc>
+                <a:extLst>
+                  <a:ext uri="{0D108BD9-81ED-4DB2-BD59-A6C34878D82A}">
+                    <a16:rowId xmlns:a16="http://schemas.microsoft.com/office/drawing/2014/main" val="829078152"/>
+                  </a:ext>
+                </a:extLst>
+              </a:tr>
+            </a:tbl>
+          </a:graphicData>
+        </a:graphic>
+      </p:graphicFrame>
     </p:spTree>
     <p:extLst>
       <p:ext uri="{BB962C8B-B14F-4D97-AF65-F5344CB8AC3E}">
@@ -15460,6 +17236,2290 @@
 </file>
 
 <file path=ppt/slides/slide21.xml><?xml version="1.0" encoding="utf-8"?>
+<p:sld xmlns:a="http://schemas.openxmlformats.org/drawingml/2006/main" xmlns:r="http://schemas.openxmlformats.org/officeDocument/2006/relationships" xmlns:p="http://schemas.openxmlformats.org/presentationml/2006/main">
+  <p:cSld>
+    <p:spTree>
+      <p:nvGrpSpPr>
+        <p:cNvPr id="1" name=""/>
+        <p:cNvGrpSpPr/>
+        <p:nvPr/>
+      </p:nvGrpSpPr>
+      <p:grpSpPr>
+        <a:xfrm>
+          <a:off x="0" y="0"/>
+          <a:ext cx="0" cy="0"/>
+          <a:chOff x="0" y="0"/>
+          <a:chExt cx="0" cy="0"/>
+        </a:xfrm>
+      </p:grpSpPr>
+      <p:sp>
+        <p:nvSpPr>
+          <p:cNvPr id="2" name="Title 1">
+            <a:extLst>
+              <a:ext uri="{FF2B5EF4-FFF2-40B4-BE49-F238E27FC236}">
+                <a16:creationId xmlns:a16="http://schemas.microsoft.com/office/drawing/2014/main" id="{A8FFFBA8-09D6-D655-F42E-F65E114DC860}"/>
+              </a:ext>
+            </a:extLst>
+          </p:cNvPr>
+          <p:cNvSpPr>
+            <a:spLocks noGrp="1"/>
+          </p:cNvSpPr>
+          <p:nvPr>
+            <p:ph type="title"/>
+          </p:nvPr>
+        </p:nvSpPr>
+        <p:spPr/>
+        <p:txBody>
+          <a:bodyPr/>
+          <a:lstStyle/>
+          <a:p>
+            <a:r>
+              <a:rPr lang="de-DE" dirty="0"/>
+              <a:t>modern</a:t>
+            </a:r>
+          </a:p>
+        </p:txBody>
+      </p:sp>
+      <p:graphicFrame>
+        <p:nvGraphicFramePr>
+          <p:cNvPr id="4" name="Content Placeholder 3">
+            <a:extLst>
+              <a:ext uri="{FF2B5EF4-FFF2-40B4-BE49-F238E27FC236}">
+                <a16:creationId xmlns:a16="http://schemas.microsoft.com/office/drawing/2014/main" id="{69A70DBA-BDCB-FCE3-D310-B4C1B0F859CC}"/>
+              </a:ext>
+            </a:extLst>
+          </p:cNvPr>
+          <p:cNvGraphicFramePr>
+            <a:graphicFrameLocks noGrp="1"/>
+          </p:cNvGraphicFramePr>
+          <p:nvPr>
+            <p:ph idx="1"/>
+            <p:extLst>
+              <p:ext uri="{D42A27DB-BD31-4B8C-83A1-F6EECF244321}">
+                <p14:modId xmlns:p14="http://schemas.microsoft.com/office/powerpoint/2010/main" val="3725768470"/>
+              </p:ext>
+            </p:extLst>
+          </p:nvPr>
+        </p:nvGraphicFramePr>
+        <p:xfrm>
+          <a:off x="4381500" y="3352800"/>
+          <a:ext cx="5667251" cy="2446784"/>
+        </p:xfrm>
+        <a:graphic>
+          <a:graphicData uri="http://schemas.openxmlformats.org/drawingml/2006/table">
+            <a:tbl>
+              <a:tblPr/>
+              <a:tblGrid>
+                <a:gridCol w="623051">
+                  <a:extLst>
+                    <a:ext uri="{9D8B030D-6E8A-4147-A177-3AD203B41FA5}">
+                      <a16:colId xmlns:a16="http://schemas.microsoft.com/office/drawing/2014/main" val="3756685258"/>
+                    </a:ext>
+                  </a:extLst>
+                </a:gridCol>
+                <a:gridCol w="1869134">
+                  <a:extLst>
+                    <a:ext uri="{9D8B030D-6E8A-4147-A177-3AD203B41FA5}">
+                      <a16:colId xmlns:a16="http://schemas.microsoft.com/office/drawing/2014/main" val="965737958"/>
+                    </a:ext>
+                  </a:extLst>
+                </a:gridCol>
+                <a:gridCol w="1869134">
+                  <a:extLst>
+                    <a:ext uri="{9D8B030D-6E8A-4147-A177-3AD203B41FA5}">
+                      <a16:colId xmlns:a16="http://schemas.microsoft.com/office/drawing/2014/main" val="1887536846"/>
+                    </a:ext>
+                  </a:extLst>
+                </a:gridCol>
+                <a:gridCol w="745061">
+                  <a:extLst>
+                    <a:ext uri="{9D8B030D-6E8A-4147-A177-3AD203B41FA5}">
+                      <a16:colId xmlns:a16="http://schemas.microsoft.com/office/drawing/2014/main" val="846676962"/>
+                    </a:ext>
+                  </a:extLst>
+                </a:gridCol>
+                <a:gridCol w="560871">
+                  <a:extLst>
+                    <a:ext uri="{9D8B030D-6E8A-4147-A177-3AD203B41FA5}">
+                      <a16:colId xmlns:a16="http://schemas.microsoft.com/office/drawing/2014/main" val="2557751187"/>
+                    </a:ext>
+                  </a:extLst>
+                </a:gridCol>
+              </a:tblGrid>
+              <a:tr h="53333">
+                <a:tc rowSpan="4">
+                  <a:txBody>
+                    <a:bodyPr/>
+                    <a:lstStyle/>
+                    <a:p>
+                      <a:pPr algn="ctr"/>
+                      <a:r>
+                        <a:rPr lang="de-DE" sz="1000"/>
+                        <a:t>Roof 1</a:t>
+                      </a:r>
+                    </a:p>
+                  </a:txBody>
+                  <a:tcPr marL="262" marR="262" marT="262" marB="262" anchor="ctr">
+                    <a:lnL>
+                      <a:noFill/>
+                    </a:lnL>
+                    <a:lnR>
+                      <a:noFill/>
+                    </a:lnR>
+                    <a:lnT>
+                      <a:noFill/>
+                    </a:lnT>
+                    <a:lnB>
+                      <a:noFill/>
+                    </a:lnB>
+                    <a:noFill/>
+                  </a:tcPr>
+                </a:tc>
+                <a:tc>
+                  <a:txBody>
+                    <a:bodyPr/>
+                    <a:lstStyle/>
+                    <a:p>
+                      <a:pPr algn="ctr"/>
+                      <a:r>
+                        <a:rPr lang="de-DE" sz="1000"/>
+                        <a:t>surface area</a:t>
+                      </a:r>
+                    </a:p>
+                  </a:txBody>
+                  <a:tcPr marL="262" marR="262" marT="262" marB="262" anchor="ctr">
+                    <a:lnL>
+                      <a:noFill/>
+                    </a:lnL>
+                    <a:lnR>
+                      <a:noFill/>
+                    </a:lnR>
+                    <a:lnT>
+                      <a:noFill/>
+                    </a:lnT>
+                    <a:lnB>
+                      <a:noFill/>
+                    </a:lnB>
+                    <a:noFill/>
+                  </a:tcPr>
+                </a:tc>
+                <a:tc>
+                  <a:txBody>
+                    <a:bodyPr/>
+                    <a:lstStyle/>
+                    <a:p>
+                      <a:pPr algn="ctr"/>
+                      <a:r>
+                        <a:rPr lang="de-DE" sz="1000"/>
+                        <a:t>131.9m</a:t>
+                      </a:r>
+                      <a:r>
+                        <a:rPr lang="de-DE" sz="1000" baseline="30000"/>
+                        <a:t>2</a:t>
+                      </a:r>
+                      <a:endParaRPr lang="de-DE" sz="1000"/>
+                    </a:p>
+                  </a:txBody>
+                  <a:tcPr marL="262" marR="262" marT="262" marB="262">
+                    <a:lnL>
+                      <a:noFill/>
+                    </a:lnL>
+                    <a:lnR>
+                      <a:noFill/>
+                    </a:lnR>
+                    <a:lnT>
+                      <a:noFill/>
+                    </a:lnT>
+                    <a:lnB>
+                      <a:noFill/>
+                    </a:lnB>
+                    <a:noFill/>
+                  </a:tcPr>
+                </a:tc>
+                <a:tc>
+                  <a:txBody>
+                    <a:bodyPr/>
+                    <a:lstStyle/>
+                    <a:p>
+                      <a:pPr algn="ctr"/>
+                      <a:r>
+                        <a:rPr lang="de-DE" sz="1000"/>
+                        <a:t>131.9 m</a:t>
+                      </a:r>
+                      <a:r>
+                        <a:rPr lang="de-DE" sz="1000" baseline="30000"/>
+                        <a:t>2</a:t>
+                      </a:r>
+                      <a:endParaRPr lang="de-DE" sz="1000"/>
+                    </a:p>
+                  </a:txBody>
+                  <a:tcPr marL="262" marR="262" marT="262" marB="262">
+                    <a:lnL>
+                      <a:noFill/>
+                    </a:lnL>
+                    <a:lnR>
+                      <a:noFill/>
+                    </a:lnR>
+                    <a:lnT>
+                      <a:noFill/>
+                    </a:lnT>
+                    <a:lnB>
+                      <a:noFill/>
+                    </a:lnB>
+                    <a:noFill/>
+                  </a:tcPr>
+                </a:tc>
+                <a:tc>
+                  <a:txBody>
+                    <a:bodyPr/>
+                    <a:lstStyle/>
+                    <a:p>
+                      <a:pPr algn="ctr"/>
+                      <a:endParaRPr lang="de-DE" sz="1000" dirty="0"/>
+                    </a:p>
+                  </a:txBody>
+                  <a:tcPr marL="262" marR="262" marT="262" marB="262">
+                    <a:lnL>
+                      <a:noFill/>
+                    </a:lnL>
+                    <a:lnR>
+                      <a:noFill/>
+                    </a:lnR>
+                    <a:lnT>
+                      <a:noFill/>
+                    </a:lnT>
+                    <a:lnB>
+                      <a:noFill/>
+                    </a:lnB>
+                    <a:noFill/>
+                  </a:tcPr>
+                </a:tc>
+                <a:extLst>
+                  <a:ext uri="{0D108BD9-81ED-4DB2-BD59-A6C34878D82A}">
+                    <a16:rowId xmlns:a16="http://schemas.microsoft.com/office/drawing/2014/main" val="4210133131"/>
+                  </a:ext>
+                </a:extLst>
+              </a:tr>
+              <a:tr h="87893">
+                <a:tc vMerge="1">
+                  <a:txBody>
+                    <a:bodyPr/>
+                    <a:lstStyle/>
+                    <a:p>
+                      <a:endParaRPr lang="de-DE"/>
+                    </a:p>
+                  </a:txBody>
+                  <a:tcPr/>
+                </a:tc>
+                <a:tc>
+                  <a:txBody>
+                    <a:bodyPr/>
+                    <a:lstStyle/>
+                    <a:p>
+                      <a:pPr algn="ctr"/>
+                      <a:endParaRPr lang="en-US" sz="1000" dirty="0"/>
+                    </a:p>
+                  </a:txBody>
+                  <a:tcPr marL="262" marR="262" marT="262" marB="262" anchor="ctr">
+                    <a:lnL>
+                      <a:noFill/>
+                    </a:lnL>
+                    <a:lnR>
+                      <a:noFill/>
+                    </a:lnR>
+                    <a:lnT>
+                      <a:noFill/>
+                    </a:lnT>
+                    <a:lnB>
+                      <a:noFill/>
+                    </a:lnB>
+                    <a:noFill/>
+                  </a:tcPr>
+                </a:tc>
+                <a:tc>
+                  <a:txBody>
+                    <a:bodyPr/>
+                    <a:lstStyle/>
+                    <a:p>
+                      <a:pPr algn="ctr"/>
+                      <a:endParaRPr lang="de-DE" sz="1000" dirty="0"/>
+                    </a:p>
+                  </a:txBody>
+                  <a:tcPr marL="262" marR="262" marT="262" marB="262">
+                    <a:lnL>
+                      <a:noFill/>
+                    </a:lnL>
+                    <a:lnR>
+                      <a:noFill/>
+                    </a:lnR>
+                    <a:lnT>
+                      <a:noFill/>
+                    </a:lnT>
+                    <a:lnB>
+                      <a:noFill/>
+                    </a:lnB>
+                    <a:noFill/>
+                  </a:tcPr>
+                </a:tc>
+                <a:tc>
+                  <a:txBody>
+                    <a:bodyPr/>
+                    <a:lstStyle/>
+                    <a:p>
+                      <a:pPr algn="ctr"/>
+                      <a:endParaRPr lang="de-DE" sz="1000" dirty="0"/>
+                    </a:p>
+                  </a:txBody>
+                  <a:tcPr marL="262" marR="262" marT="262" marB="262">
+                    <a:lnL>
+                      <a:noFill/>
+                    </a:lnL>
+                    <a:lnR>
+                      <a:noFill/>
+                    </a:lnR>
+                    <a:lnT>
+                      <a:noFill/>
+                    </a:lnT>
+                    <a:lnB>
+                      <a:noFill/>
+                    </a:lnB>
+                    <a:noFill/>
+                  </a:tcPr>
+                </a:tc>
+                <a:tc>
+                  <a:txBody>
+                    <a:bodyPr/>
+                    <a:lstStyle/>
+                    <a:p>
+                      <a:pPr algn="ctr"/>
+                      <a:endParaRPr lang="de-DE" sz="1000" dirty="0"/>
+                    </a:p>
+                  </a:txBody>
+                  <a:tcPr marL="262" marR="262" marT="262" marB="262">
+                    <a:lnL>
+                      <a:noFill/>
+                    </a:lnL>
+                    <a:lnR>
+                      <a:noFill/>
+                    </a:lnR>
+                    <a:lnT>
+                      <a:noFill/>
+                    </a:lnT>
+                    <a:lnB>
+                      <a:noFill/>
+                    </a:lnB>
+                    <a:noFill/>
+                  </a:tcPr>
+                </a:tc>
+                <a:extLst>
+                  <a:ext uri="{0D108BD9-81ED-4DB2-BD59-A6C34878D82A}">
+                    <a16:rowId xmlns:a16="http://schemas.microsoft.com/office/drawing/2014/main" val="3820258408"/>
+                  </a:ext>
+                </a:extLst>
+              </a:tr>
+              <a:tr h="0">
+                <a:tc vMerge="1">
+                  <a:txBody>
+                    <a:bodyPr/>
+                    <a:lstStyle/>
+                    <a:p>
+                      <a:endParaRPr lang="de-DE"/>
+                    </a:p>
+                  </a:txBody>
+                  <a:tcPr/>
+                </a:tc>
+                <a:tc>
+                  <a:txBody>
+                    <a:bodyPr/>
+                    <a:lstStyle/>
+                    <a:p>
+                      <a:pPr algn="ctr"/>
+                      <a:r>
+                        <a:rPr lang="de-DE" sz="1000"/>
+                        <a:t>picture</a:t>
+                      </a:r>
+                    </a:p>
+                  </a:txBody>
+                  <a:tcPr marL="262" marR="262" marT="262" marB="262" anchor="ctr">
+                    <a:lnL>
+                      <a:noFill/>
+                    </a:lnL>
+                    <a:lnR>
+                      <a:noFill/>
+                    </a:lnR>
+                    <a:lnT>
+                      <a:noFill/>
+                    </a:lnT>
+                    <a:lnB>
+                      <a:noFill/>
+                    </a:lnB>
+                    <a:noFill/>
+                  </a:tcPr>
+                </a:tc>
+                <a:tc>
+                  <a:txBody>
+                    <a:bodyPr/>
+                    <a:lstStyle/>
+                    <a:p>
+                      <a:pPr algn="ctr"/>
+                      <a:endParaRPr lang="de-DE" sz="1000"/>
+                    </a:p>
+                  </a:txBody>
+                  <a:tcPr marL="262" marR="262" marT="262" marB="262">
+                    <a:lnL>
+                      <a:noFill/>
+                    </a:lnL>
+                    <a:lnR>
+                      <a:noFill/>
+                    </a:lnR>
+                    <a:lnT>
+                      <a:noFill/>
+                    </a:lnT>
+                    <a:lnB>
+                      <a:noFill/>
+                    </a:lnB>
+                    <a:noFill/>
+                  </a:tcPr>
+                </a:tc>
+                <a:tc>
+                  <a:txBody>
+                    <a:bodyPr/>
+                    <a:lstStyle/>
+                    <a:p>
+                      <a:pPr algn="ctr"/>
+                      <a:endParaRPr lang="de-DE" sz="1000"/>
+                    </a:p>
+                  </a:txBody>
+                  <a:tcPr marL="262" marR="262" marT="262" marB="262">
+                    <a:lnL>
+                      <a:noFill/>
+                    </a:lnL>
+                    <a:lnR>
+                      <a:noFill/>
+                    </a:lnR>
+                    <a:lnT>
+                      <a:noFill/>
+                    </a:lnT>
+                    <a:lnB>
+                      <a:noFill/>
+                    </a:lnB>
+                    <a:noFill/>
+                  </a:tcPr>
+                </a:tc>
+                <a:tc>
+                  <a:txBody>
+                    <a:bodyPr/>
+                    <a:lstStyle/>
+                    <a:p>
+                      <a:pPr algn="ctr"/>
+                      <a:endParaRPr lang="de-DE" sz="1000"/>
+                    </a:p>
+                  </a:txBody>
+                  <a:tcPr marL="262" marR="262" marT="262" marB="262">
+                    <a:lnL>
+                      <a:noFill/>
+                    </a:lnL>
+                    <a:lnR>
+                      <a:noFill/>
+                    </a:lnR>
+                    <a:lnT>
+                      <a:noFill/>
+                    </a:lnT>
+                    <a:lnB>
+                      <a:noFill/>
+                    </a:lnB>
+                    <a:noFill/>
+                  </a:tcPr>
+                </a:tc>
+                <a:extLst>
+                  <a:ext uri="{0D108BD9-81ED-4DB2-BD59-A6C34878D82A}">
+                    <a16:rowId xmlns:a16="http://schemas.microsoft.com/office/drawing/2014/main" val="435209337"/>
+                  </a:ext>
+                </a:extLst>
+              </a:tr>
+              <a:tr h="80996">
+                <a:tc vMerge="1">
+                  <a:txBody>
+                    <a:bodyPr/>
+                    <a:lstStyle/>
+                    <a:p>
+                      <a:endParaRPr lang="de-DE"/>
+                    </a:p>
+                  </a:txBody>
+                  <a:tcPr/>
+                </a:tc>
+                <a:tc>
+                  <a:txBody>
+                    <a:bodyPr/>
+                    <a:lstStyle/>
+                    <a:p>
+                      <a:pPr algn="ctr"/>
+                      <a:r>
+                        <a:rPr lang="de-DE" sz="1000"/>
+                        <a:t>U-value</a:t>
+                      </a:r>
+                    </a:p>
+                  </a:txBody>
+                  <a:tcPr marL="262" marR="262" marT="262" marB="262" anchor="ctr">
+                    <a:lnL>
+                      <a:noFill/>
+                    </a:lnL>
+                    <a:lnR>
+                      <a:noFill/>
+                    </a:lnR>
+                    <a:lnT>
+                      <a:noFill/>
+                    </a:lnT>
+                    <a:lnB>
+                      <a:noFill/>
+                    </a:lnB>
+                    <a:noFill/>
+                  </a:tcPr>
+                </a:tc>
+                <a:tc>
+                  <a:txBody>
+                    <a:bodyPr/>
+                    <a:lstStyle/>
+                    <a:p>
+                      <a:pPr algn="ctr">
+                        <a:buNone/>
+                      </a:pPr>
+                      <a:r>
+                        <a:rPr lang="de-DE" sz="1000"/>
+                        <a:t>0.15 W/(m</a:t>
+                      </a:r>
+                      <a:r>
+                        <a:rPr lang="de-DE" sz="1000" baseline="30000"/>
+                        <a:t>2</a:t>
+                      </a:r>
+                      <a:r>
+                        <a:rPr lang="de-DE" sz="1000"/>
+                        <a:t>K)</a:t>
+                      </a:r>
+                    </a:p>
+                  </a:txBody>
+                  <a:tcPr marL="262" marR="262" marT="262" marB="262" anchor="ctr">
+                    <a:lnL>
+                      <a:noFill/>
+                    </a:lnL>
+                    <a:lnR>
+                      <a:noFill/>
+                    </a:lnR>
+                    <a:lnT>
+                      <a:noFill/>
+                    </a:lnT>
+                    <a:lnB>
+                      <a:noFill/>
+                    </a:lnB>
+                    <a:noFill/>
+                  </a:tcPr>
+                </a:tc>
+                <a:tc>
+                  <a:txBody>
+                    <a:bodyPr/>
+                    <a:lstStyle/>
+                    <a:p>
+                      <a:pPr algn="ctr">
+                        <a:buNone/>
+                      </a:pPr>
+                      <a:r>
+                        <a:rPr lang="de-DE" sz="1000"/>
+                        <a:t>0.13 W/(m</a:t>
+                      </a:r>
+                      <a:r>
+                        <a:rPr lang="de-DE" sz="1000" baseline="30000"/>
+                        <a:t>2</a:t>
+                      </a:r>
+                      <a:r>
+                        <a:rPr lang="de-DE" sz="1000"/>
+                        <a:t>K)</a:t>
+                      </a:r>
+                    </a:p>
+                  </a:txBody>
+                  <a:tcPr marL="262" marR="262" marT="262" marB="262" anchor="ctr">
+                    <a:lnL>
+                      <a:noFill/>
+                    </a:lnL>
+                    <a:lnR>
+                      <a:noFill/>
+                    </a:lnR>
+                    <a:lnT>
+                      <a:noFill/>
+                    </a:lnT>
+                    <a:lnB>
+                      <a:noFill/>
+                    </a:lnB>
+                    <a:noFill/>
+                  </a:tcPr>
+                </a:tc>
+                <a:tc>
+                  <a:txBody>
+                    <a:bodyPr/>
+                    <a:lstStyle/>
+                    <a:p>
+                      <a:pPr algn="ctr">
+                        <a:buNone/>
+                      </a:pPr>
+                      <a:endParaRPr lang="de-DE" sz="1000" dirty="0"/>
+                    </a:p>
+                  </a:txBody>
+                  <a:tcPr marL="262" marR="262" marT="262" marB="262" anchor="ctr">
+                    <a:lnL>
+                      <a:noFill/>
+                    </a:lnL>
+                    <a:lnR>
+                      <a:noFill/>
+                    </a:lnR>
+                    <a:lnT>
+                      <a:noFill/>
+                    </a:lnT>
+                    <a:lnB>
+                      <a:noFill/>
+                    </a:lnB>
+                    <a:noFill/>
+                  </a:tcPr>
+                </a:tc>
+                <a:extLst>
+                  <a:ext uri="{0D108BD9-81ED-4DB2-BD59-A6C34878D82A}">
+                    <a16:rowId xmlns:a16="http://schemas.microsoft.com/office/drawing/2014/main" val="126606243"/>
+                  </a:ext>
+                </a:extLst>
+              </a:tr>
+              <a:tr h="53333">
+                <a:tc rowSpan="4">
+                  <a:txBody>
+                    <a:bodyPr/>
+                    <a:lstStyle/>
+                    <a:p>
+                      <a:pPr algn="ctr"/>
+                      <a:r>
+                        <a:rPr lang="de-DE" sz="1000"/>
+                        <a:t>Wall 1</a:t>
+                      </a:r>
+                    </a:p>
+                  </a:txBody>
+                  <a:tcPr marL="262" marR="262" marT="262" marB="262" anchor="ctr">
+                    <a:lnL>
+                      <a:noFill/>
+                    </a:lnL>
+                    <a:lnR>
+                      <a:noFill/>
+                    </a:lnR>
+                    <a:lnT>
+                      <a:noFill/>
+                    </a:lnT>
+                    <a:lnB>
+                      <a:noFill/>
+                    </a:lnB>
+                    <a:noFill/>
+                  </a:tcPr>
+                </a:tc>
+                <a:tc>
+                  <a:txBody>
+                    <a:bodyPr/>
+                    <a:lstStyle/>
+                    <a:p>
+                      <a:pPr algn="ctr"/>
+                      <a:r>
+                        <a:rPr lang="de-DE" sz="1000"/>
+                        <a:t>surface area</a:t>
+                      </a:r>
+                    </a:p>
+                  </a:txBody>
+                  <a:tcPr marL="262" marR="262" marT="262" marB="262" anchor="ctr">
+                    <a:lnL>
+                      <a:noFill/>
+                    </a:lnL>
+                    <a:lnR>
+                      <a:noFill/>
+                    </a:lnR>
+                    <a:lnT>
+                      <a:noFill/>
+                    </a:lnT>
+                    <a:lnB>
+                      <a:noFill/>
+                    </a:lnB>
+                    <a:noFill/>
+                  </a:tcPr>
+                </a:tc>
+                <a:tc>
+                  <a:txBody>
+                    <a:bodyPr/>
+                    <a:lstStyle/>
+                    <a:p>
+                      <a:pPr algn="ctr"/>
+                      <a:r>
+                        <a:rPr lang="de-DE" sz="1000"/>
+                        <a:t>227.6m</a:t>
+                      </a:r>
+                      <a:r>
+                        <a:rPr lang="de-DE" sz="1000" baseline="30000"/>
+                        <a:t>2</a:t>
+                      </a:r>
+                      <a:endParaRPr lang="de-DE" sz="1000"/>
+                    </a:p>
+                  </a:txBody>
+                  <a:tcPr marL="262" marR="262" marT="262" marB="262">
+                    <a:lnL>
+                      <a:noFill/>
+                    </a:lnL>
+                    <a:lnR>
+                      <a:noFill/>
+                    </a:lnR>
+                    <a:lnT>
+                      <a:noFill/>
+                    </a:lnT>
+                    <a:lnB>
+                      <a:noFill/>
+                    </a:lnB>
+                    <a:noFill/>
+                  </a:tcPr>
+                </a:tc>
+                <a:tc>
+                  <a:txBody>
+                    <a:bodyPr/>
+                    <a:lstStyle/>
+                    <a:p>
+                      <a:pPr algn="ctr"/>
+                      <a:r>
+                        <a:rPr lang="de-DE" sz="1000"/>
+                        <a:t>227.6 m</a:t>
+                      </a:r>
+                      <a:r>
+                        <a:rPr lang="de-DE" sz="1000" baseline="30000"/>
+                        <a:t>2</a:t>
+                      </a:r>
+                      <a:endParaRPr lang="de-DE" sz="1000"/>
+                    </a:p>
+                  </a:txBody>
+                  <a:tcPr marL="262" marR="262" marT="262" marB="262">
+                    <a:lnL>
+                      <a:noFill/>
+                    </a:lnL>
+                    <a:lnR>
+                      <a:noFill/>
+                    </a:lnR>
+                    <a:lnT>
+                      <a:noFill/>
+                    </a:lnT>
+                    <a:lnB>
+                      <a:noFill/>
+                    </a:lnB>
+                    <a:noFill/>
+                  </a:tcPr>
+                </a:tc>
+                <a:tc>
+                  <a:txBody>
+                    <a:bodyPr/>
+                    <a:lstStyle/>
+                    <a:p>
+                      <a:pPr algn="ctr"/>
+                      <a:endParaRPr lang="de-DE" sz="1000"/>
+                    </a:p>
+                  </a:txBody>
+                  <a:tcPr marL="262" marR="262" marT="262" marB="262">
+                    <a:lnL>
+                      <a:noFill/>
+                    </a:lnL>
+                    <a:lnR>
+                      <a:noFill/>
+                    </a:lnR>
+                    <a:lnT>
+                      <a:noFill/>
+                    </a:lnT>
+                    <a:lnB>
+                      <a:noFill/>
+                    </a:lnB>
+                    <a:noFill/>
+                  </a:tcPr>
+                </a:tc>
+                <a:extLst>
+                  <a:ext uri="{0D108BD9-81ED-4DB2-BD59-A6C34878D82A}">
+                    <a16:rowId xmlns:a16="http://schemas.microsoft.com/office/drawing/2014/main" val="657889295"/>
+                  </a:ext>
+                </a:extLst>
+              </a:tr>
+              <a:tr h="59388">
+                <a:tc vMerge="1">
+                  <a:txBody>
+                    <a:bodyPr/>
+                    <a:lstStyle/>
+                    <a:p>
+                      <a:endParaRPr lang="de-DE"/>
+                    </a:p>
+                  </a:txBody>
+                  <a:tcPr/>
+                </a:tc>
+                <a:tc>
+                  <a:txBody>
+                    <a:bodyPr/>
+                    <a:lstStyle/>
+                    <a:p>
+                      <a:pPr algn="ctr"/>
+                      <a:endParaRPr lang="en-US" sz="1000" dirty="0"/>
+                    </a:p>
+                  </a:txBody>
+                  <a:tcPr marL="262" marR="262" marT="262" marB="262" anchor="ctr">
+                    <a:lnL>
+                      <a:noFill/>
+                    </a:lnL>
+                    <a:lnR>
+                      <a:noFill/>
+                    </a:lnR>
+                    <a:lnT>
+                      <a:noFill/>
+                    </a:lnT>
+                    <a:lnB>
+                      <a:noFill/>
+                    </a:lnB>
+                    <a:noFill/>
+                  </a:tcPr>
+                </a:tc>
+                <a:tc>
+                  <a:txBody>
+                    <a:bodyPr/>
+                    <a:lstStyle/>
+                    <a:p>
+                      <a:pPr algn="ctr"/>
+                      <a:endParaRPr lang="de-DE" sz="1000" dirty="0"/>
+                    </a:p>
+                  </a:txBody>
+                  <a:tcPr marL="262" marR="262" marT="262" marB="262">
+                    <a:lnL>
+                      <a:noFill/>
+                    </a:lnL>
+                    <a:lnR>
+                      <a:noFill/>
+                    </a:lnR>
+                    <a:lnT>
+                      <a:noFill/>
+                    </a:lnT>
+                    <a:lnB>
+                      <a:noFill/>
+                    </a:lnB>
+                    <a:noFill/>
+                  </a:tcPr>
+                </a:tc>
+                <a:tc>
+                  <a:txBody>
+                    <a:bodyPr/>
+                    <a:lstStyle/>
+                    <a:p>
+                      <a:pPr algn="ctr"/>
+                      <a:endParaRPr lang="de-DE" sz="1000" dirty="0"/>
+                    </a:p>
+                  </a:txBody>
+                  <a:tcPr marL="262" marR="262" marT="262" marB="262">
+                    <a:lnL>
+                      <a:noFill/>
+                    </a:lnL>
+                    <a:lnR>
+                      <a:noFill/>
+                    </a:lnR>
+                    <a:lnT>
+                      <a:noFill/>
+                    </a:lnT>
+                    <a:lnB>
+                      <a:noFill/>
+                    </a:lnB>
+                    <a:noFill/>
+                  </a:tcPr>
+                </a:tc>
+                <a:tc>
+                  <a:txBody>
+                    <a:bodyPr/>
+                    <a:lstStyle/>
+                    <a:p>
+                      <a:pPr algn="ctr"/>
+                      <a:endParaRPr lang="de-DE" sz="1000" dirty="0"/>
+                    </a:p>
+                  </a:txBody>
+                  <a:tcPr marL="262" marR="262" marT="262" marB="262">
+                    <a:lnL>
+                      <a:noFill/>
+                    </a:lnL>
+                    <a:lnR>
+                      <a:noFill/>
+                    </a:lnR>
+                    <a:lnT>
+                      <a:noFill/>
+                    </a:lnT>
+                    <a:lnB>
+                      <a:noFill/>
+                    </a:lnB>
+                    <a:noFill/>
+                  </a:tcPr>
+                </a:tc>
+                <a:extLst>
+                  <a:ext uri="{0D108BD9-81ED-4DB2-BD59-A6C34878D82A}">
+                    <a16:rowId xmlns:a16="http://schemas.microsoft.com/office/drawing/2014/main" val="3588934523"/>
+                  </a:ext>
+                </a:extLst>
+              </a:tr>
+              <a:tr h="0">
+                <a:tc vMerge="1">
+                  <a:txBody>
+                    <a:bodyPr/>
+                    <a:lstStyle/>
+                    <a:p>
+                      <a:endParaRPr lang="de-DE"/>
+                    </a:p>
+                  </a:txBody>
+                  <a:tcPr/>
+                </a:tc>
+                <a:tc>
+                  <a:txBody>
+                    <a:bodyPr/>
+                    <a:lstStyle/>
+                    <a:p>
+                      <a:pPr algn="ctr"/>
+                      <a:r>
+                        <a:rPr lang="de-DE" sz="1000"/>
+                        <a:t>picture</a:t>
+                      </a:r>
+                    </a:p>
+                  </a:txBody>
+                  <a:tcPr marL="262" marR="262" marT="262" marB="262" anchor="ctr">
+                    <a:lnL>
+                      <a:noFill/>
+                    </a:lnL>
+                    <a:lnR>
+                      <a:noFill/>
+                    </a:lnR>
+                    <a:lnT>
+                      <a:noFill/>
+                    </a:lnT>
+                    <a:lnB>
+                      <a:noFill/>
+                    </a:lnB>
+                    <a:noFill/>
+                  </a:tcPr>
+                </a:tc>
+                <a:tc>
+                  <a:txBody>
+                    <a:bodyPr/>
+                    <a:lstStyle/>
+                    <a:p>
+                      <a:pPr algn="ctr"/>
+                      <a:endParaRPr lang="de-DE" sz="1000" dirty="0"/>
+                    </a:p>
+                  </a:txBody>
+                  <a:tcPr marL="262" marR="262" marT="262" marB="262">
+                    <a:lnL>
+                      <a:noFill/>
+                    </a:lnL>
+                    <a:lnR>
+                      <a:noFill/>
+                    </a:lnR>
+                    <a:lnT>
+                      <a:noFill/>
+                    </a:lnT>
+                    <a:lnB>
+                      <a:noFill/>
+                    </a:lnB>
+                    <a:noFill/>
+                  </a:tcPr>
+                </a:tc>
+                <a:tc>
+                  <a:txBody>
+                    <a:bodyPr/>
+                    <a:lstStyle/>
+                    <a:p>
+                      <a:pPr algn="ctr"/>
+                      <a:endParaRPr lang="de-DE" sz="1000" dirty="0"/>
+                    </a:p>
+                  </a:txBody>
+                  <a:tcPr marL="262" marR="262" marT="262" marB="262">
+                    <a:lnL>
+                      <a:noFill/>
+                    </a:lnL>
+                    <a:lnR>
+                      <a:noFill/>
+                    </a:lnR>
+                    <a:lnT>
+                      <a:noFill/>
+                    </a:lnT>
+                    <a:lnB>
+                      <a:noFill/>
+                    </a:lnB>
+                    <a:noFill/>
+                  </a:tcPr>
+                </a:tc>
+                <a:tc>
+                  <a:txBody>
+                    <a:bodyPr/>
+                    <a:lstStyle/>
+                    <a:p>
+                      <a:pPr algn="ctr"/>
+                      <a:endParaRPr lang="de-DE" sz="1000" dirty="0"/>
+                    </a:p>
+                  </a:txBody>
+                  <a:tcPr marL="262" marR="262" marT="262" marB="262">
+                    <a:lnL>
+                      <a:noFill/>
+                    </a:lnL>
+                    <a:lnR>
+                      <a:noFill/>
+                    </a:lnR>
+                    <a:lnT>
+                      <a:noFill/>
+                    </a:lnT>
+                    <a:lnB>
+                      <a:noFill/>
+                    </a:lnB>
+                    <a:noFill/>
+                  </a:tcPr>
+                </a:tc>
+                <a:extLst>
+                  <a:ext uri="{0D108BD9-81ED-4DB2-BD59-A6C34878D82A}">
+                    <a16:rowId xmlns:a16="http://schemas.microsoft.com/office/drawing/2014/main" val="1237531224"/>
+                  </a:ext>
+                </a:extLst>
+              </a:tr>
+              <a:tr h="80996">
+                <a:tc vMerge="1">
+                  <a:txBody>
+                    <a:bodyPr/>
+                    <a:lstStyle/>
+                    <a:p>
+                      <a:endParaRPr lang="de-DE"/>
+                    </a:p>
+                  </a:txBody>
+                  <a:tcPr/>
+                </a:tc>
+                <a:tc>
+                  <a:txBody>
+                    <a:bodyPr/>
+                    <a:lstStyle/>
+                    <a:p>
+                      <a:pPr algn="ctr"/>
+                      <a:r>
+                        <a:rPr lang="de-DE" sz="1000"/>
+                        <a:t>U-value</a:t>
+                      </a:r>
+                    </a:p>
+                  </a:txBody>
+                  <a:tcPr marL="262" marR="262" marT="262" marB="262" anchor="ctr">
+                    <a:lnL>
+                      <a:noFill/>
+                    </a:lnL>
+                    <a:lnR>
+                      <a:noFill/>
+                    </a:lnR>
+                    <a:lnT>
+                      <a:noFill/>
+                    </a:lnT>
+                    <a:lnB>
+                      <a:noFill/>
+                    </a:lnB>
+                    <a:noFill/>
+                  </a:tcPr>
+                </a:tc>
+                <a:tc>
+                  <a:txBody>
+                    <a:bodyPr/>
+                    <a:lstStyle/>
+                    <a:p>
+                      <a:pPr algn="ctr">
+                        <a:buNone/>
+                      </a:pPr>
+                      <a:r>
+                        <a:rPr lang="de-DE" sz="1000"/>
+                        <a:t>0.17 W/(m</a:t>
+                      </a:r>
+                      <a:r>
+                        <a:rPr lang="de-DE" sz="1000" baseline="30000"/>
+                        <a:t>2</a:t>
+                      </a:r>
+                      <a:r>
+                        <a:rPr lang="de-DE" sz="1000"/>
+                        <a:t>K)</a:t>
+                      </a:r>
+                    </a:p>
+                  </a:txBody>
+                  <a:tcPr marL="262" marR="262" marT="262" marB="262" anchor="ctr">
+                    <a:lnL>
+                      <a:noFill/>
+                    </a:lnL>
+                    <a:lnR>
+                      <a:noFill/>
+                    </a:lnR>
+                    <a:lnT>
+                      <a:noFill/>
+                    </a:lnT>
+                    <a:lnB>
+                      <a:noFill/>
+                    </a:lnB>
+                    <a:noFill/>
+                  </a:tcPr>
+                </a:tc>
+                <a:tc>
+                  <a:txBody>
+                    <a:bodyPr/>
+                    <a:lstStyle/>
+                    <a:p>
+                      <a:pPr algn="ctr">
+                        <a:buNone/>
+                      </a:pPr>
+                      <a:r>
+                        <a:rPr lang="de-DE" sz="1000" dirty="0"/>
+                        <a:t>0.15 W/(m</a:t>
+                      </a:r>
+                      <a:r>
+                        <a:rPr lang="de-DE" sz="1000" baseline="30000" dirty="0"/>
+                        <a:t>2</a:t>
+                      </a:r>
+                      <a:r>
+                        <a:rPr lang="de-DE" sz="1000" dirty="0"/>
+                        <a:t>K)</a:t>
+                      </a:r>
+                    </a:p>
+                  </a:txBody>
+                  <a:tcPr marL="262" marR="262" marT="262" marB="262" anchor="ctr">
+                    <a:lnL>
+                      <a:noFill/>
+                    </a:lnL>
+                    <a:lnR>
+                      <a:noFill/>
+                    </a:lnR>
+                    <a:lnT>
+                      <a:noFill/>
+                    </a:lnT>
+                    <a:lnB>
+                      <a:noFill/>
+                    </a:lnB>
+                    <a:noFill/>
+                  </a:tcPr>
+                </a:tc>
+                <a:tc>
+                  <a:txBody>
+                    <a:bodyPr/>
+                    <a:lstStyle/>
+                    <a:p>
+                      <a:pPr algn="ctr">
+                        <a:buNone/>
+                      </a:pPr>
+                      <a:endParaRPr lang="de-DE" sz="1000" dirty="0"/>
+                    </a:p>
+                  </a:txBody>
+                  <a:tcPr marL="262" marR="262" marT="262" marB="262" anchor="ctr">
+                    <a:lnL>
+                      <a:noFill/>
+                    </a:lnL>
+                    <a:lnR>
+                      <a:noFill/>
+                    </a:lnR>
+                    <a:lnT>
+                      <a:noFill/>
+                    </a:lnT>
+                    <a:lnB>
+                      <a:noFill/>
+                    </a:lnB>
+                    <a:noFill/>
+                  </a:tcPr>
+                </a:tc>
+                <a:extLst>
+                  <a:ext uri="{0D108BD9-81ED-4DB2-BD59-A6C34878D82A}">
+                    <a16:rowId xmlns:a16="http://schemas.microsoft.com/office/drawing/2014/main" val="1517488543"/>
+                  </a:ext>
+                </a:extLst>
+              </a:tr>
+              <a:tr h="53333">
+                <a:tc rowSpan="4">
+                  <a:txBody>
+                    <a:bodyPr/>
+                    <a:lstStyle/>
+                    <a:p>
+                      <a:pPr algn="ctr"/>
+                      <a:r>
+                        <a:rPr lang="de-DE" sz="1000"/>
+                        <a:t>Floor 2</a:t>
+                      </a:r>
+                    </a:p>
+                  </a:txBody>
+                  <a:tcPr marL="262" marR="262" marT="262" marB="262" anchor="ctr">
+                    <a:lnL>
+                      <a:noFill/>
+                    </a:lnL>
+                    <a:lnR>
+                      <a:noFill/>
+                    </a:lnR>
+                    <a:lnT>
+                      <a:noFill/>
+                    </a:lnT>
+                    <a:lnB>
+                      <a:noFill/>
+                    </a:lnB>
+                    <a:noFill/>
+                  </a:tcPr>
+                </a:tc>
+                <a:tc>
+                  <a:txBody>
+                    <a:bodyPr/>
+                    <a:lstStyle/>
+                    <a:p>
+                      <a:pPr algn="ctr"/>
+                      <a:r>
+                        <a:rPr lang="de-DE" sz="1000"/>
+                        <a:t>surface area</a:t>
+                      </a:r>
+                    </a:p>
+                  </a:txBody>
+                  <a:tcPr marL="262" marR="262" marT="262" marB="262" anchor="ctr">
+                    <a:lnL>
+                      <a:noFill/>
+                    </a:lnL>
+                    <a:lnR>
+                      <a:noFill/>
+                    </a:lnR>
+                    <a:lnT>
+                      <a:noFill/>
+                    </a:lnT>
+                    <a:lnB>
+                      <a:noFill/>
+                    </a:lnB>
+                    <a:noFill/>
+                  </a:tcPr>
+                </a:tc>
+                <a:tc>
+                  <a:txBody>
+                    <a:bodyPr/>
+                    <a:lstStyle/>
+                    <a:p>
+                      <a:pPr algn="ctr"/>
+                      <a:r>
+                        <a:rPr lang="de-DE" sz="1000"/>
+                        <a:t>107.8m</a:t>
+                      </a:r>
+                      <a:r>
+                        <a:rPr lang="de-DE" sz="1000" baseline="30000"/>
+                        <a:t>2</a:t>
+                      </a:r>
+                      <a:endParaRPr lang="de-DE" sz="1000"/>
+                    </a:p>
+                  </a:txBody>
+                  <a:tcPr marL="262" marR="262" marT="262" marB="262">
+                    <a:lnL>
+                      <a:noFill/>
+                    </a:lnL>
+                    <a:lnR>
+                      <a:noFill/>
+                    </a:lnR>
+                    <a:lnT>
+                      <a:noFill/>
+                    </a:lnT>
+                    <a:lnB>
+                      <a:noFill/>
+                    </a:lnB>
+                    <a:noFill/>
+                  </a:tcPr>
+                </a:tc>
+                <a:tc>
+                  <a:txBody>
+                    <a:bodyPr/>
+                    <a:lstStyle/>
+                    <a:p>
+                      <a:pPr algn="ctr"/>
+                      <a:r>
+                        <a:rPr lang="de-DE" sz="1000"/>
+                        <a:t>107.8 m</a:t>
+                      </a:r>
+                      <a:r>
+                        <a:rPr lang="de-DE" sz="1000" baseline="30000"/>
+                        <a:t>2</a:t>
+                      </a:r>
+                      <a:endParaRPr lang="de-DE" sz="1000"/>
+                    </a:p>
+                  </a:txBody>
+                  <a:tcPr marL="262" marR="262" marT="262" marB="262">
+                    <a:lnL>
+                      <a:noFill/>
+                    </a:lnL>
+                    <a:lnR>
+                      <a:noFill/>
+                    </a:lnR>
+                    <a:lnT>
+                      <a:noFill/>
+                    </a:lnT>
+                    <a:lnB>
+                      <a:noFill/>
+                    </a:lnB>
+                    <a:noFill/>
+                  </a:tcPr>
+                </a:tc>
+                <a:tc>
+                  <a:txBody>
+                    <a:bodyPr/>
+                    <a:lstStyle/>
+                    <a:p>
+                      <a:pPr algn="ctr"/>
+                      <a:endParaRPr lang="de-DE" sz="1000"/>
+                    </a:p>
+                  </a:txBody>
+                  <a:tcPr marL="262" marR="262" marT="262" marB="262">
+                    <a:lnL>
+                      <a:noFill/>
+                    </a:lnL>
+                    <a:lnR>
+                      <a:noFill/>
+                    </a:lnR>
+                    <a:lnT>
+                      <a:noFill/>
+                    </a:lnT>
+                    <a:lnB>
+                      <a:noFill/>
+                    </a:lnB>
+                    <a:noFill/>
+                  </a:tcPr>
+                </a:tc>
+                <a:extLst>
+                  <a:ext uri="{0D108BD9-81ED-4DB2-BD59-A6C34878D82A}">
+                    <a16:rowId xmlns:a16="http://schemas.microsoft.com/office/drawing/2014/main" val="3170070244"/>
+                  </a:ext>
+                </a:extLst>
+              </a:tr>
+              <a:tr h="121801">
+                <a:tc vMerge="1">
+                  <a:txBody>
+                    <a:bodyPr/>
+                    <a:lstStyle/>
+                    <a:p>
+                      <a:endParaRPr lang="de-DE"/>
+                    </a:p>
+                  </a:txBody>
+                  <a:tcPr/>
+                </a:tc>
+                <a:tc>
+                  <a:txBody>
+                    <a:bodyPr/>
+                    <a:lstStyle/>
+                    <a:p>
+                      <a:pPr algn="ctr"/>
+                      <a:endParaRPr lang="en-US" sz="1000" dirty="0"/>
+                    </a:p>
+                  </a:txBody>
+                  <a:tcPr marL="262" marR="262" marT="262" marB="262" anchor="ctr">
+                    <a:lnL>
+                      <a:noFill/>
+                    </a:lnL>
+                    <a:lnR>
+                      <a:noFill/>
+                    </a:lnR>
+                    <a:lnT>
+                      <a:noFill/>
+                    </a:lnT>
+                    <a:lnB>
+                      <a:noFill/>
+                    </a:lnB>
+                    <a:noFill/>
+                  </a:tcPr>
+                </a:tc>
+                <a:tc>
+                  <a:txBody>
+                    <a:bodyPr/>
+                    <a:lstStyle/>
+                    <a:p>
+                      <a:pPr algn="ctr"/>
+                      <a:endParaRPr lang="de-DE" sz="1000" dirty="0"/>
+                    </a:p>
+                  </a:txBody>
+                  <a:tcPr marL="262" marR="262" marT="262" marB="262">
+                    <a:lnL>
+                      <a:noFill/>
+                    </a:lnL>
+                    <a:lnR>
+                      <a:noFill/>
+                    </a:lnR>
+                    <a:lnT>
+                      <a:noFill/>
+                    </a:lnT>
+                    <a:lnB>
+                      <a:noFill/>
+                    </a:lnB>
+                    <a:noFill/>
+                  </a:tcPr>
+                </a:tc>
+                <a:tc>
+                  <a:txBody>
+                    <a:bodyPr/>
+                    <a:lstStyle/>
+                    <a:p>
+                      <a:pPr algn="ctr"/>
+                      <a:endParaRPr lang="de-DE" sz="1000" dirty="0"/>
+                    </a:p>
+                  </a:txBody>
+                  <a:tcPr marL="262" marR="262" marT="262" marB="262">
+                    <a:lnL>
+                      <a:noFill/>
+                    </a:lnL>
+                    <a:lnR>
+                      <a:noFill/>
+                    </a:lnR>
+                    <a:lnT>
+                      <a:noFill/>
+                    </a:lnT>
+                    <a:lnB>
+                      <a:noFill/>
+                    </a:lnB>
+                    <a:noFill/>
+                  </a:tcPr>
+                </a:tc>
+                <a:tc>
+                  <a:txBody>
+                    <a:bodyPr/>
+                    <a:lstStyle/>
+                    <a:p>
+                      <a:pPr algn="ctr"/>
+                      <a:endParaRPr lang="de-DE" sz="1000" dirty="0"/>
+                    </a:p>
+                  </a:txBody>
+                  <a:tcPr marL="262" marR="262" marT="262" marB="262">
+                    <a:lnL>
+                      <a:noFill/>
+                    </a:lnL>
+                    <a:lnR>
+                      <a:noFill/>
+                    </a:lnR>
+                    <a:lnT>
+                      <a:noFill/>
+                    </a:lnT>
+                    <a:lnB>
+                      <a:noFill/>
+                    </a:lnB>
+                    <a:noFill/>
+                  </a:tcPr>
+                </a:tc>
+                <a:extLst>
+                  <a:ext uri="{0D108BD9-81ED-4DB2-BD59-A6C34878D82A}">
+                    <a16:rowId xmlns:a16="http://schemas.microsoft.com/office/drawing/2014/main" val="1379521745"/>
+                  </a:ext>
+                </a:extLst>
+              </a:tr>
+              <a:tr h="0">
+                <a:tc vMerge="1">
+                  <a:txBody>
+                    <a:bodyPr/>
+                    <a:lstStyle/>
+                    <a:p>
+                      <a:endParaRPr lang="de-DE"/>
+                    </a:p>
+                  </a:txBody>
+                  <a:tcPr/>
+                </a:tc>
+                <a:tc>
+                  <a:txBody>
+                    <a:bodyPr/>
+                    <a:lstStyle/>
+                    <a:p>
+                      <a:pPr algn="ctr"/>
+                      <a:r>
+                        <a:rPr lang="de-DE" sz="1000"/>
+                        <a:t>picture</a:t>
+                      </a:r>
+                    </a:p>
+                  </a:txBody>
+                  <a:tcPr marL="262" marR="262" marT="262" marB="262" anchor="ctr">
+                    <a:lnL>
+                      <a:noFill/>
+                    </a:lnL>
+                    <a:lnR>
+                      <a:noFill/>
+                    </a:lnR>
+                    <a:lnT>
+                      <a:noFill/>
+                    </a:lnT>
+                    <a:lnB>
+                      <a:noFill/>
+                    </a:lnB>
+                    <a:noFill/>
+                  </a:tcPr>
+                </a:tc>
+                <a:tc>
+                  <a:txBody>
+                    <a:bodyPr/>
+                    <a:lstStyle/>
+                    <a:p>
+                      <a:pPr algn="ctr"/>
+                      <a:endParaRPr lang="de-DE" sz="1000"/>
+                    </a:p>
+                  </a:txBody>
+                  <a:tcPr marL="262" marR="262" marT="262" marB="262">
+                    <a:lnL>
+                      <a:noFill/>
+                    </a:lnL>
+                    <a:lnR>
+                      <a:noFill/>
+                    </a:lnR>
+                    <a:lnT>
+                      <a:noFill/>
+                    </a:lnT>
+                    <a:lnB>
+                      <a:noFill/>
+                    </a:lnB>
+                    <a:noFill/>
+                  </a:tcPr>
+                </a:tc>
+                <a:tc>
+                  <a:txBody>
+                    <a:bodyPr/>
+                    <a:lstStyle/>
+                    <a:p>
+                      <a:pPr algn="ctr"/>
+                      <a:endParaRPr lang="de-DE" sz="1000"/>
+                    </a:p>
+                  </a:txBody>
+                  <a:tcPr marL="262" marR="262" marT="262" marB="262">
+                    <a:lnL>
+                      <a:noFill/>
+                    </a:lnL>
+                    <a:lnR>
+                      <a:noFill/>
+                    </a:lnR>
+                    <a:lnT>
+                      <a:noFill/>
+                    </a:lnT>
+                    <a:lnB>
+                      <a:noFill/>
+                    </a:lnB>
+                    <a:noFill/>
+                  </a:tcPr>
+                </a:tc>
+                <a:tc>
+                  <a:txBody>
+                    <a:bodyPr/>
+                    <a:lstStyle/>
+                    <a:p>
+                      <a:pPr algn="ctr"/>
+                      <a:endParaRPr lang="de-DE" sz="1000"/>
+                    </a:p>
+                  </a:txBody>
+                  <a:tcPr marL="262" marR="262" marT="262" marB="262">
+                    <a:lnL>
+                      <a:noFill/>
+                    </a:lnL>
+                    <a:lnR>
+                      <a:noFill/>
+                    </a:lnR>
+                    <a:lnT>
+                      <a:noFill/>
+                    </a:lnT>
+                    <a:lnB>
+                      <a:noFill/>
+                    </a:lnB>
+                    <a:noFill/>
+                  </a:tcPr>
+                </a:tc>
+                <a:extLst>
+                  <a:ext uri="{0D108BD9-81ED-4DB2-BD59-A6C34878D82A}">
+                    <a16:rowId xmlns:a16="http://schemas.microsoft.com/office/drawing/2014/main" val="2341084443"/>
+                  </a:ext>
+                </a:extLst>
+              </a:tr>
+              <a:tr h="80996">
+                <a:tc vMerge="1">
+                  <a:txBody>
+                    <a:bodyPr/>
+                    <a:lstStyle/>
+                    <a:p>
+                      <a:endParaRPr lang="de-DE"/>
+                    </a:p>
+                  </a:txBody>
+                  <a:tcPr/>
+                </a:tc>
+                <a:tc>
+                  <a:txBody>
+                    <a:bodyPr/>
+                    <a:lstStyle/>
+                    <a:p>
+                      <a:pPr algn="ctr"/>
+                      <a:r>
+                        <a:rPr lang="de-DE" sz="1000"/>
+                        <a:t>U-value</a:t>
+                      </a:r>
+                    </a:p>
+                  </a:txBody>
+                  <a:tcPr marL="262" marR="262" marT="262" marB="262" anchor="ctr">
+                    <a:lnL>
+                      <a:noFill/>
+                    </a:lnL>
+                    <a:lnR>
+                      <a:noFill/>
+                    </a:lnR>
+                    <a:lnT>
+                      <a:noFill/>
+                    </a:lnT>
+                    <a:lnB>
+                      <a:noFill/>
+                    </a:lnB>
+                    <a:noFill/>
+                  </a:tcPr>
+                </a:tc>
+                <a:tc>
+                  <a:txBody>
+                    <a:bodyPr/>
+                    <a:lstStyle/>
+                    <a:p>
+                      <a:pPr algn="ctr">
+                        <a:buNone/>
+                      </a:pPr>
+                      <a:r>
+                        <a:rPr lang="de-DE" sz="1000"/>
+                        <a:t>0.17 W/(m</a:t>
+                      </a:r>
+                      <a:r>
+                        <a:rPr lang="de-DE" sz="1000" baseline="30000"/>
+                        <a:t>2</a:t>
+                      </a:r>
+                      <a:r>
+                        <a:rPr lang="de-DE" sz="1000"/>
+                        <a:t>K)</a:t>
+                      </a:r>
+                    </a:p>
+                  </a:txBody>
+                  <a:tcPr marL="262" marR="262" marT="262" marB="262" anchor="ctr">
+                    <a:lnL>
+                      <a:noFill/>
+                    </a:lnL>
+                    <a:lnR>
+                      <a:noFill/>
+                    </a:lnR>
+                    <a:lnT>
+                      <a:noFill/>
+                    </a:lnT>
+                    <a:lnB>
+                      <a:noFill/>
+                    </a:lnB>
+                    <a:noFill/>
+                  </a:tcPr>
+                </a:tc>
+                <a:tc>
+                  <a:txBody>
+                    <a:bodyPr/>
+                    <a:lstStyle/>
+                    <a:p>
+                      <a:pPr algn="ctr">
+                        <a:buNone/>
+                      </a:pPr>
+                      <a:r>
+                        <a:rPr lang="de-DE" sz="1000"/>
+                        <a:t>0.15 W/(m</a:t>
+                      </a:r>
+                      <a:r>
+                        <a:rPr lang="de-DE" sz="1000" baseline="30000"/>
+                        <a:t>2</a:t>
+                      </a:r>
+                      <a:r>
+                        <a:rPr lang="de-DE" sz="1000"/>
+                        <a:t>K)</a:t>
+                      </a:r>
+                    </a:p>
+                  </a:txBody>
+                  <a:tcPr marL="262" marR="262" marT="262" marB="262" anchor="ctr">
+                    <a:lnL>
+                      <a:noFill/>
+                    </a:lnL>
+                    <a:lnR>
+                      <a:noFill/>
+                    </a:lnR>
+                    <a:lnT>
+                      <a:noFill/>
+                    </a:lnT>
+                    <a:lnB>
+                      <a:noFill/>
+                    </a:lnB>
+                    <a:noFill/>
+                  </a:tcPr>
+                </a:tc>
+                <a:tc>
+                  <a:txBody>
+                    <a:bodyPr/>
+                    <a:lstStyle/>
+                    <a:p>
+                      <a:pPr algn="ctr">
+                        <a:buNone/>
+                      </a:pPr>
+                      <a:endParaRPr lang="de-DE" sz="1000"/>
+                    </a:p>
+                  </a:txBody>
+                  <a:tcPr marL="262" marR="262" marT="262" marB="262" anchor="ctr">
+                    <a:lnL>
+                      <a:noFill/>
+                    </a:lnL>
+                    <a:lnR>
+                      <a:noFill/>
+                    </a:lnR>
+                    <a:lnT>
+                      <a:noFill/>
+                    </a:lnT>
+                    <a:lnB>
+                      <a:noFill/>
+                    </a:lnB>
+                    <a:noFill/>
+                  </a:tcPr>
+                </a:tc>
+                <a:extLst>
+                  <a:ext uri="{0D108BD9-81ED-4DB2-BD59-A6C34878D82A}">
+                    <a16:rowId xmlns:a16="http://schemas.microsoft.com/office/drawing/2014/main" val="440797925"/>
+                  </a:ext>
+                </a:extLst>
+              </a:tr>
+              <a:tr h="45789">
+                <a:tc rowSpan="4">
+                  <a:txBody>
+                    <a:bodyPr/>
+                    <a:lstStyle/>
+                    <a:p>
+                      <a:pPr algn="ctr"/>
+                      <a:r>
+                        <a:rPr lang="de-DE" sz="1000"/>
+                        <a:t>Window 1</a:t>
+                      </a:r>
+                    </a:p>
+                  </a:txBody>
+                  <a:tcPr marL="262" marR="262" marT="262" marB="262" anchor="ctr">
+                    <a:lnL>
+                      <a:noFill/>
+                    </a:lnL>
+                    <a:lnR>
+                      <a:noFill/>
+                    </a:lnR>
+                    <a:lnT>
+                      <a:noFill/>
+                    </a:lnT>
+                    <a:lnB>
+                      <a:noFill/>
+                    </a:lnB>
+                    <a:noFill/>
+                  </a:tcPr>
+                </a:tc>
+                <a:tc>
+                  <a:txBody>
+                    <a:bodyPr/>
+                    <a:lstStyle/>
+                    <a:p>
+                      <a:pPr algn="ctr"/>
+                      <a:r>
+                        <a:rPr lang="de-DE" sz="1000"/>
+                        <a:t>surface area</a:t>
+                      </a:r>
+                    </a:p>
+                  </a:txBody>
+                  <a:tcPr marL="262" marR="262" marT="262" marB="262" anchor="ctr">
+                    <a:lnL>
+                      <a:noFill/>
+                    </a:lnL>
+                    <a:lnR>
+                      <a:noFill/>
+                    </a:lnR>
+                    <a:lnT>
+                      <a:noFill/>
+                    </a:lnT>
+                    <a:lnB>
+                      <a:noFill/>
+                    </a:lnB>
+                    <a:noFill/>
+                  </a:tcPr>
+                </a:tc>
+                <a:tc>
+                  <a:txBody>
+                    <a:bodyPr/>
+                    <a:lstStyle/>
+                    <a:p>
+                      <a:pPr algn="ctr"/>
+                      <a:r>
+                        <a:rPr lang="de-DE" sz="1000"/>
+                        <a:t>42.0m</a:t>
+                      </a:r>
+                      <a:r>
+                        <a:rPr lang="de-DE" sz="1000" baseline="30000"/>
+                        <a:t>2</a:t>
+                      </a:r>
+                      <a:endParaRPr lang="de-DE" sz="1000"/>
+                    </a:p>
+                  </a:txBody>
+                  <a:tcPr marL="262" marR="262" marT="262" marB="262">
+                    <a:lnL>
+                      <a:noFill/>
+                    </a:lnL>
+                    <a:lnR>
+                      <a:noFill/>
+                    </a:lnR>
+                    <a:lnT>
+                      <a:noFill/>
+                    </a:lnT>
+                    <a:lnB>
+                      <a:noFill/>
+                    </a:lnB>
+                    <a:noFill/>
+                  </a:tcPr>
+                </a:tc>
+                <a:tc>
+                  <a:txBody>
+                    <a:bodyPr/>
+                    <a:lstStyle/>
+                    <a:p>
+                      <a:pPr algn="ctr"/>
+                      <a:r>
+                        <a:rPr lang="de-DE" sz="1000"/>
+                        <a:t>42.0 m</a:t>
+                      </a:r>
+                      <a:r>
+                        <a:rPr lang="de-DE" sz="1000" baseline="30000"/>
+                        <a:t>2</a:t>
+                      </a:r>
+                      <a:endParaRPr lang="de-DE" sz="1000"/>
+                    </a:p>
+                  </a:txBody>
+                  <a:tcPr marL="262" marR="262" marT="262" marB="262">
+                    <a:lnL>
+                      <a:noFill/>
+                    </a:lnL>
+                    <a:lnR>
+                      <a:noFill/>
+                    </a:lnR>
+                    <a:lnT>
+                      <a:noFill/>
+                    </a:lnT>
+                    <a:lnB>
+                      <a:noFill/>
+                    </a:lnB>
+                    <a:noFill/>
+                  </a:tcPr>
+                </a:tc>
+                <a:tc>
+                  <a:txBody>
+                    <a:bodyPr/>
+                    <a:lstStyle/>
+                    <a:p>
+                      <a:pPr algn="ctr"/>
+                      <a:endParaRPr lang="de-DE" sz="1000"/>
+                    </a:p>
+                  </a:txBody>
+                  <a:tcPr marL="262" marR="262" marT="262" marB="262">
+                    <a:lnL>
+                      <a:noFill/>
+                    </a:lnL>
+                    <a:lnR>
+                      <a:noFill/>
+                    </a:lnR>
+                    <a:lnT>
+                      <a:noFill/>
+                    </a:lnT>
+                    <a:lnB>
+                      <a:noFill/>
+                    </a:lnB>
+                    <a:noFill/>
+                  </a:tcPr>
+                </a:tc>
+                <a:extLst>
+                  <a:ext uri="{0D108BD9-81ED-4DB2-BD59-A6C34878D82A}">
+                    <a16:rowId xmlns:a16="http://schemas.microsoft.com/office/drawing/2014/main" val="3618656935"/>
+                  </a:ext>
+                </a:extLst>
+              </a:tr>
+              <a:tr h="146375">
+                <a:tc vMerge="1">
+                  <a:txBody>
+                    <a:bodyPr/>
+                    <a:lstStyle/>
+                    <a:p>
+                      <a:endParaRPr lang="de-DE"/>
+                    </a:p>
+                  </a:txBody>
+                  <a:tcPr/>
+                </a:tc>
+                <a:tc>
+                  <a:txBody>
+                    <a:bodyPr/>
+                    <a:lstStyle/>
+                    <a:p>
+                      <a:pPr algn="ctr"/>
+                      <a:endParaRPr lang="en-US" sz="1000" dirty="0"/>
+                    </a:p>
+                  </a:txBody>
+                  <a:tcPr marL="262" marR="262" marT="262" marB="262" anchor="ctr">
+                    <a:lnL>
+                      <a:noFill/>
+                    </a:lnL>
+                    <a:lnR>
+                      <a:noFill/>
+                    </a:lnR>
+                    <a:lnT>
+                      <a:noFill/>
+                    </a:lnT>
+                    <a:lnB>
+                      <a:noFill/>
+                    </a:lnB>
+                    <a:noFill/>
+                  </a:tcPr>
+                </a:tc>
+                <a:tc>
+                  <a:txBody>
+                    <a:bodyPr/>
+                    <a:lstStyle/>
+                    <a:p>
+                      <a:pPr algn="ctr"/>
+                      <a:endParaRPr lang="de-DE" sz="1000" dirty="0"/>
+                    </a:p>
+                  </a:txBody>
+                  <a:tcPr marL="262" marR="262" marT="262" marB="262">
+                    <a:lnL>
+                      <a:noFill/>
+                    </a:lnL>
+                    <a:lnR>
+                      <a:noFill/>
+                    </a:lnR>
+                    <a:lnT>
+                      <a:noFill/>
+                    </a:lnT>
+                    <a:lnB>
+                      <a:noFill/>
+                    </a:lnB>
+                    <a:noFill/>
+                  </a:tcPr>
+                </a:tc>
+                <a:tc>
+                  <a:txBody>
+                    <a:bodyPr/>
+                    <a:lstStyle/>
+                    <a:p>
+                      <a:pPr algn="ctr"/>
+                      <a:endParaRPr lang="de-DE" sz="1000" dirty="0"/>
+                    </a:p>
+                  </a:txBody>
+                  <a:tcPr marL="262" marR="262" marT="262" marB="262">
+                    <a:lnL>
+                      <a:noFill/>
+                    </a:lnL>
+                    <a:lnR>
+                      <a:noFill/>
+                    </a:lnR>
+                    <a:lnT>
+                      <a:noFill/>
+                    </a:lnT>
+                    <a:lnB>
+                      <a:noFill/>
+                    </a:lnB>
+                    <a:noFill/>
+                  </a:tcPr>
+                </a:tc>
+                <a:tc>
+                  <a:txBody>
+                    <a:bodyPr/>
+                    <a:lstStyle/>
+                    <a:p>
+                      <a:pPr algn="ctr"/>
+                      <a:endParaRPr lang="de-DE" sz="1000"/>
+                    </a:p>
+                  </a:txBody>
+                  <a:tcPr marL="262" marR="262" marT="262" marB="262">
+                    <a:lnL>
+                      <a:noFill/>
+                    </a:lnL>
+                    <a:lnR>
+                      <a:noFill/>
+                    </a:lnR>
+                    <a:lnT>
+                      <a:noFill/>
+                    </a:lnT>
+                    <a:lnB>
+                      <a:noFill/>
+                    </a:lnB>
+                    <a:noFill/>
+                  </a:tcPr>
+                </a:tc>
+                <a:extLst>
+                  <a:ext uri="{0D108BD9-81ED-4DB2-BD59-A6C34878D82A}">
+                    <a16:rowId xmlns:a16="http://schemas.microsoft.com/office/drawing/2014/main" val="3401175277"/>
+                  </a:ext>
+                </a:extLst>
+              </a:tr>
+              <a:tr h="0">
+                <a:tc vMerge="1">
+                  <a:txBody>
+                    <a:bodyPr/>
+                    <a:lstStyle/>
+                    <a:p>
+                      <a:endParaRPr lang="de-DE"/>
+                    </a:p>
+                  </a:txBody>
+                  <a:tcPr/>
+                </a:tc>
+                <a:tc>
+                  <a:txBody>
+                    <a:bodyPr/>
+                    <a:lstStyle/>
+                    <a:p>
+                      <a:pPr algn="ctr"/>
+                      <a:r>
+                        <a:rPr lang="de-DE" sz="1000"/>
+                        <a:t>picture</a:t>
+                      </a:r>
+                    </a:p>
+                  </a:txBody>
+                  <a:tcPr marL="262" marR="262" marT="262" marB="262" anchor="ctr">
+                    <a:lnL>
+                      <a:noFill/>
+                    </a:lnL>
+                    <a:lnR>
+                      <a:noFill/>
+                    </a:lnR>
+                    <a:lnT>
+                      <a:noFill/>
+                    </a:lnT>
+                    <a:lnB>
+                      <a:noFill/>
+                    </a:lnB>
+                    <a:noFill/>
+                  </a:tcPr>
+                </a:tc>
+                <a:tc>
+                  <a:txBody>
+                    <a:bodyPr/>
+                    <a:lstStyle/>
+                    <a:p>
+                      <a:pPr algn="ctr"/>
+                      <a:endParaRPr lang="de-DE" sz="1000"/>
+                    </a:p>
+                  </a:txBody>
+                  <a:tcPr marL="262" marR="262" marT="262" marB="262">
+                    <a:lnL>
+                      <a:noFill/>
+                    </a:lnL>
+                    <a:lnR>
+                      <a:noFill/>
+                    </a:lnR>
+                    <a:lnT>
+                      <a:noFill/>
+                    </a:lnT>
+                    <a:lnB>
+                      <a:noFill/>
+                    </a:lnB>
+                    <a:noFill/>
+                  </a:tcPr>
+                </a:tc>
+                <a:tc>
+                  <a:txBody>
+                    <a:bodyPr/>
+                    <a:lstStyle/>
+                    <a:p>
+                      <a:pPr algn="ctr"/>
+                      <a:endParaRPr lang="de-DE" sz="1000"/>
+                    </a:p>
+                  </a:txBody>
+                  <a:tcPr marL="262" marR="262" marT="262" marB="262">
+                    <a:lnL>
+                      <a:noFill/>
+                    </a:lnL>
+                    <a:lnR>
+                      <a:noFill/>
+                    </a:lnR>
+                    <a:lnT>
+                      <a:noFill/>
+                    </a:lnT>
+                    <a:lnB>
+                      <a:noFill/>
+                    </a:lnB>
+                    <a:noFill/>
+                  </a:tcPr>
+                </a:tc>
+                <a:tc>
+                  <a:txBody>
+                    <a:bodyPr/>
+                    <a:lstStyle/>
+                    <a:p>
+                      <a:pPr algn="ctr"/>
+                      <a:endParaRPr lang="de-DE" sz="1000"/>
+                    </a:p>
+                  </a:txBody>
+                  <a:tcPr marL="262" marR="262" marT="262" marB="262">
+                    <a:lnL>
+                      <a:noFill/>
+                    </a:lnL>
+                    <a:lnR>
+                      <a:noFill/>
+                    </a:lnR>
+                    <a:lnT>
+                      <a:noFill/>
+                    </a:lnT>
+                    <a:lnB>
+                      <a:noFill/>
+                    </a:lnB>
+                    <a:noFill/>
+                  </a:tcPr>
+                </a:tc>
+                <a:extLst>
+                  <a:ext uri="{0D108BD9-81ED-4DB2-BD59-A6C34878D82A}">
+                    <a16:rowId xmlns:a16="http://schemas.microsoft.com/office/drawing/2014/main" val="903480550"/>
+                  </a:ext>
+                </a:extLst>
+              </a:tr>
+              <a:tr h="80996">
+                <a:tc vMerge="1">
+                  <a:txBody>
+                    <a:bodyPr/>
+                    <a:lstStyle/>
+                    <a:p>
+                      <a:endParaRPr lang="de-DE"/>
+                    </a:p>
+                  </a:txBody>
+                  <a:tcPr/>
+                </a:tc>
+                <a:tc>
+                  <a:txBody>
+                    <a:bodyPr/>
+                    <a:lstStyle/>
+                    <a:p>
+                      <a:pPr algn="ctr"/>
+                      <a:r>
+                        <a:rPr lang="de-DE" sz="1000"/>
+                        <a:t>U-value</a:t>
+                      </a:r>
+                    </a:p>
+                  </a:txBody>
+                  <a:tcPr marL="262" marR="262" marT="262" marB="262" anchor="ctr">
+                    <a:lnL>
+                      <a:noFill/>
+                    </a:lnL>
+                    <a:lnR>
+                      <a:noFill/>
+                    </a:lnR>
+                    <a:lnT>
+                      <a:noFill/>
+                    </a:lnT>
+                    <a:lnB>
+                      <a:noFill/>
+                    </a:lnB>
+                    <a:noFill/>
+                  </a:tcPr>
+                </a:tc>
+                <a:tc>
+                  <a:txBody>
+                    <a:bodyPr/>
+                    <a:lstStyle/>
+                    <a:p>
+                      <a:pPr algn="ctr">
+                        <a:buNone/>
+                      </a:pPr>
+                      <a:r>
+                        <a:rPr lang="de-DE" sz="1000"/>
+                        <a:t>1.10 W/(m</a:t>
+                      </a:r>
+                      <a:r>
+                        <a:rPr lang="de-DE" sz="1000" baseline="30000"/>
+                        <a:t>2</a:t>
+                      </a:r>
+                      <a:r>
+                        <a:rPr lang="de-DE" sz="1000"/>
+                        <a:t>K)</a:t>
+                      </a:r>
+                    </a:p>
+                  </a:txBody>
+                  <a:tcPr marL="262" marR="262" marT="262" marB="262" anchor="ctr">
+                    <a:lnL>
+                      <a:noFill/>
+                    </a:lnL>
+                    <a:lnR>
+                      <a:noFill/>
+                    </a:lnR>
+                    <a:lnT>
+                      <a:noFill/>
+                    </a:lnT>
+                    <a:lnB>
+                      <a:noFill/>
+                    </a:lnB>
+                    <a:noFill/>
+                  </a:tcPr>
+                </a:tc>
+                <a:tc>
+                  <a:txBody>
+                    <a:bodyPr/>
+                    <a:lstStyle/>
+                    <a:p>
+                      <a:pPr algn="ctr">
+                        <a:buNone/>
+                      </a:pPr>
+                      <a:r>
+                        <a:rPr lang="de-DE" sz="1000"/>
+                        <a:t>1.10 W/(m</a:t>
+                      </a:r>
+                      <a:r>
+                        <a:rPr lang="de-DE" sz="1000" baseline="30000"/>
+                        <a:t>2</a:t>
+                      </a:r>
+                      <a:r>
+                        <a:rPr lang="de-DE" sz="1000"/>
+                        <a:t>K)</a:t>
+                      </a:r>
+                    </a:p>
+                  </a:txBody>
+                  <a:tcPr marL="262" marR="262" marT="262" marB="262" anchor="ctr">
+                    <a:lnL>
+                      <a:noFill/>
+                    </a:lnL>
+                    <a:lnR>
+                      <a:noFill/>
+                    </a:lnR>
+                    <a:lnT>
+                      <a:noFill/>
+                    </a:lnT>
+                    <a:lnB>
+                      <a:noFill/>
+                    </a:lnB>
+                    <a:noFill/>
+                  </a:tcPr>
+                </a:tc>
+                <a:tc>
+                  <a:txBody>
+                    <a:bodyPr/>
+                    <a:lstStyle/>
+                    <a:p>
+                      <a:pPr algn="ctr">
+                        <a:buNone/>
+                      </a:pPr>
+                      <a:endParaRPr lang="de-DE" sz="1000" dirty="0"/>
+                    </a:p>
+                  </a:txBody>
+                  <a:tcPr marL="262" marR="262" marT="262" marB="262" anchor="ctr">
+                    <a:lnL>
+                      <a:noFill/>
+                    </a:lnL>
+                    <a:lnR>
+                      <a:noFill/>
+                    </a:lnR>
+                    <a:lnT>
+                      <a:noFill/>
+                    </a:lnT>
+                    <a:lnB>
+                      <a:noFill/>
+                    </a:lnB>
+                    <a:noFill/>
+                  </a:tcPr>
+                </a:tc>
+                <a:extLst>
+                  <a:ext uri="{0D108BD9-81ED-4DB2-BD59-A6C34878D82A}">
+                    <a16:rowId xmlns:a16="http://schemas.microsoft.com/office/drawing/2014/main" val="4177455836"/>
+                  </a:ext>
+                </a:extLst>
+              </a:tr>
+            </a:tbl>
+          </a:graphicData>
+        </a:graphic>
+      </p:graphicFrame>
+    </p:spTree>
+    <p:extLst>
+      <p:ext uri="{BB962C8B-B14F-4D97-AF65-F5344CB8AC3E}">
+        <p14:creationId xmlns:p14="http://schemas.microsoft.com/office/powerpoint/2010/main" val="2652344543"/>
+      </p:ext>
+    </p:extLst>
+  </p:cSld>
+  <p:clrMapOvr>
+    <a:masterClrMapping/>
+  </p:clrMapOvr>
+</p:sld>
+</file>
+
+<file path=ppt/slides/slide22.xml><?xml version="1.0" encoding="utf-8"?>
 <p:sld xmlns:a="http://schemas.openxmlformats.org/drawingml/2006/main" xmlns:r="http://schemas.openxmlformats.org/officeDocument/2006/relationships" xmlns:p="http://schemas.openxmlformats.org/presentationml/2006/main">
   <p:cSld>
     <p:spTree>
@@ -15546,7 +19606,7 @@
 </p:sld>
 </file>
 
-<file path=ppt/slides/slide22.xml><?xml version="1.0" encoding="utf-8"?>
+<file path=ppt/slides/slide23.xml><?xml version="1.0" encoding="utf-8"?>
 <p:sld xmlns:a="http://schemas.openxmlformats.org/drawingml/2006/main" xmlns:r="http://schemas.openxmlformats.org/officeDocument/2006/relationships" xmlns:p="http://schemas.openxmlformats.org/presentationml/2006/main">
   <p:cSld>
     <p:spTree>
@@ -15649,7 +19709,7 @@
 </p:sld>
 </file>
 
-<file path=ppt/slides/slide23.xml><?xml version="1.0" encoding="utf-8"?>
+<file path=ppt/slides/slide24.xml><?xml version="1.0" encoding="utf-8"?>
 <p:sld xmlns:a="http://schemas.openxmlformats.org/drawingml/2006/main" xmlns:r="http://schemas.openxmlformats.org/officeDocument/2006/relationships" xmlns:p="http://schemas.openxmlformats.org/presentationml/2006/main">
   <p:cSld>
     <p:spTree>
@@ -15761,7 +19821,7 @@
 </p:sld>
 </file>
 
-<file path=ppt/slides/slide24.xml><?xml version="1.0" encoding="utf-8"?>
+<file path=ppt/slides/slide25.xml><?xml version="1.0" encoding="utf-8"?>
 <p:sld xmlns:a="http://schemas.openxmlformats.org/drawingml/2006/main" xmlns:r="http://schemas.openxmlformats.org/officeDocument/2006/relationships" xmlns:p="http://schemas.openxmlformats.org/presentationml/2006/main">
   <p:cSld>
     <p:spTree>
@@ -15868,7 +19928,7 @@
 </p:sld>
 </file>
 
-<file path=ppt/slides/slide25.xml><?xml version="1.0" encoding="utf-8"?>
+<file path=ppt/slides/slide26.xml><?xml version="1.0" encoding="utf-8"?>
 <p:sld xmlns:a="http://schemas.openxmlformats.org/drawingml/2006/main" xmlns:r="http://schemas.openxmlformats.org/officeDocument/2006/relationships" xmlns:p="http://schemas.openxmlformats.org/presentationml/2006/main">
   <p:cSld>
     <p:spTree>
@@ -15983,7 +20043,7 @@
 </p:sld>
 </file>
 
-<file path=ppt/slides/slide26.xml><?xml version="1.0" encoding="utf-8"?>
+<file path=ppt/slides/slide27.xml><?xml version="1.0" encoding="utf-8"?>
 <p:sld xmlns:a="http://schemas.openxmlformats.org/drawingml/2006/main" xmlns:r="http://schemas.openxmlformats.org/officeDocument/2006/relationships" xmlns:p="http://schemas.openxmlformats.org/presentationml/2006/main">
   <p:cSld>
     <p:spTree>

--- a/presentation/heat.pptx
+++ b/presentation/heat.pptx
@@ -26,8 +26,8 @@
     <p:sldId id="260" r:id="rId17"/>
     <p:sldId id="261" r:id="rId18"/>
     <p:sldId id="262" r:id="rId19"/>
-    <p:sldId id="281" r:id="rId20"/>
-    <p:sldId id="266" r:id="rId21"/>
+    <p:sldId id="266" r:id="rId20"/>
+    <p:sldId id="281" r:id="rId21"/>
     <p:sldId id="282" r:id="rId22"/>
     <p:sldId id="267" r:id="rId23"/>
     <p:sldId id="268" r:id="rId24"/>
@@ -223,7 +223,7 @@
           <a:p>
             <a:fld id="{286B95F3-0557-304F-A425-74B74408DC2F}" type="datetimeFigureOut">
               <a:rPr lang="de-DE" smtClean="0"/>
-              <a:t>21.06.2025</a:t>
+              <a:t>24.06.2025</a:t>
             </a:fld>
             <a:endParaRPr lang="de-DE"/>
           </a:p>
@@ -1240,7 +1240,7 @@
           <a:p>
             <a:fld id="{04AD105E-1681-4427-A2A6-BE19936FDE9F}" type="datetimeFigureOut">
               <a:rPr lang="de-DE" smtClean="0"/>
-              <a:t>21.06.2025</a:t>
+              <a:t>24.06.2025</a:t>
             </a:fld>
             <a:endParaRPr lang="de-DE"/>
           </a:p>
@@ -1438,7 +1438,7 @@
           <a:p>
             <a:fld id="{04AD105E-1681-4427-A2A6-BE19936FDE9F}" type="datetimeFigureOut">
               <a:rPr lang="de-DE" smtClean="0"/>
-              <a:t>21.06.2025</a:t>
+              <a:t>24.06.2025</a:t>
             </a:fld>
             <a:endParaRPr lang="de-DE"/>
           </a:p>
@@ -1646,7 +1646,7 @@
           <a:p>
             <a:fld id="{04AD105E-1681-4427-A2A6-BE19936FDE9F}" type="datetimeFigureOut">
               <a:rPr lang="de-DE" smtClean="0"/>
-              <a:t>21.06.2025</a:t>
+              <a:t>24.06.2025</a:t>
             </a:fld>
             <a:endParaRPr lang="de-DE"/>
           </a:p>
@@ -1844,7 +1844,7 @@
           <a:p>
             <a:fld id="{04AD105E-1681-4427-A2A6-BE19936FDE9F}" type="datetimeFigureOut">
               <a:rPr lang="de-DE" smtClean="0"/>
-              <a:t>21.06.2025</a:t>
+              <a:t>24.06.2025</a:t>
             </a:fld>
             <a:endParaRPr lang="de-DE"/>
           </a:p>
@@ -2119,7 +2119,7 @@
           <a:p>
             <a:fld id="{04AD105E-1681-4427-A2A6-BE19936FDE9F}" type="datetimeFigureOut">
               <a:rPr lang="de-DE" smtClean="0"/>
-              <a:t>21.06.2025</a:t>
+              <a:t>24.06.2025</a:t>
             </a:fld>
             <a:endParaRPr lang="de-DE"/>
           </a:p>
@@ -2384,7 +2384,7 @@
           <a:p>
             <a:fld id="{04AD105E-1681-4427-A2A6-BE19936FDE9F}" type="datetimeFigureOut">
               <a:rPr lang="de-DE" smtClean="0"/>
-              <a:t>21.06.2025</a:t>
+              <a:t>24.06.2025</a:t>
             </a:fld>
             <a:endParaRPr lang="de-DE"/>
           </a:p>
@@ -2796,7 +2796,7 @@
           <a:p>
             <a:fld id="{04AD105E-1681-4427-A2A6-BE19936FDE9F}" type="datetimeFigureOut">
               <a:rPr lang="de-DE" smtClean="0"/>
-              <a:t>21.06.2025</a:t>
+              <a:t>24.06.2025</a:t>
             </a:fld>
             <a:endParaRPr lang="de-DE"/>
           </a:p>
@@ -2937,7 +2937,7 @@
           <a:p>
             <a:fld id="{04AD105E-1681-4427-A2A6-BE19936FDE9F}" type="datetimeFigureOut">
               <a:rPr lang="de-DE" smtClean="0"/>
-              <a:t>21.06.2025</a:t>
+              <a:t>24.06.2025</a:t>
             </a:fld>
             <a:endParaRPr lang="de-DE"/>
           </a:p>
@@ -3050,7 +3050,7 @@
           <a:p>
             <a:fld id="{04AD105E-1681-4427-A2A6-BE19936FDE9F}" type="datetimeFigureOut">
               <a:rPr lang="de-DE" smtClean="0"/>
-              <a:t>21.06.2025</a:t>
+              <a:t>24.06.2025</a:t>
             </a:fld>
             <a:endParaRPr lang="de-DE"/>
           </a:p>
@@ -3361,7 +3361,7 @@
           <a:p>
             <a:fld id="{04AD105E-1681-4427-A2A6-BE19936FDE9F}" type="datetimeFigureOut">
               <a:rPr lang="de-DE" smtClean="0"/>
-              <a:t>21.06.2025</a:t>
+              <a:t>24.06.2025</a:t>
             </a:fld>
             <a:endParaRPr lang="de-DE"/>
           </a:p>
@@ -3649,7 +3649,7 @@
           <a:p>
             <a:fld id="{04AD105E-1681-4427-A2A6-BE19936FDE9F}" type="datetimeFigureOut">
               <a:rPr lang="de-DE" smtClean="0"/>
-              <a:t>21.06.2025</a:t>
+              <a:t>24.06.2025</a:t>
             </a:fld>
             <a:endParaRPr lang="de-DE"/>
           </a:p>
@@ -3890,7 +3890,7 @@
           <a:p>
             <a:fld id="{04AD105E-1681-4427-A2A6-BE19936FDE9F}" type="datetimeFigureOut">
               <a:rPr lang="de-DE" smtClean="0"/>
-              <a:t>21.06.2025</a:t>
+              <a:t>24.06.2025</a:t>
             </a:fld>
             <a:endParaRPr lang="de-DE"/>
           </a:p>
@@ -11002,53 +11002,169 @@
           <a:lstStyle/>
           <a:p>
             <a:r>
-              <a:rPr lang="de-DE" dirty="0"/>
-              <a:t>TRY 2012 </a:t>
-            </a:r>
-            <a:r>
-              <a:rPr lang="de-DE" dirty="0" err="1"/>
-              <a:t>file</a:t>
-            </a:r>
-            <a:r>
-              <a:rPr lang="de-DE" dirty="0"/>
-              <a:t> </a:t>
-            </a:r>
-            <a:r>
-              <a:rPr lang="de-DE" dirty="0" err="1"/>
-              <a:t>for</a:t>
-            </a:r>
-            <a:r>
-              <a:rPr lang="de-DE" dirty="0"/>
-              <a:t> Oldenburg </a:t>
-            </a:r>
-            <a:r>
-              <a:rPr lang="de-DE" dirty="0" err="1"/>
-              <a:t>is</a:t>
-            </a:r>
-            <a:r>
-              <a:rPr lang="de-DE" dirty="0"/>
-              <a:t> </a:t>
-            </a:r>
-            <a:r>
-              <a:rPr lang="de-DE" dirty="0" err="1"/>
+              <a:rPr lang="de-DE" dirty="0">
+                <a:solidFill>
+                  <a:schemeClr val="tx1">
+                    <a:lumMod val="50000"/>
+                    <a:lumOff val="50000"/>
+                  </a:schemeClr>
+                </a:solidFill>
+              </a:rPr>
+              <a:t>Maybe </a:t>
+            </a:r>
+            <a:r>
+              <a:rPr lang="de-DE" dirty="0" err="1">
+                <a:solidFill>
+                  <a:schemeClr val="tx1">
+                    <a:lumMod val="50000"/>
+                    <a:lumOff val="50000"/>
+                  </a:schemeClr>
+                </a:solidFill>
+              </a:rPr>
+              <a:t>show</a:t>
+            </a:r>
+            <a:r>
+              <a:rPr lang="de-DE" dirty="0">
+                <a:solidFill>
+                  <a:schemeClr val="tx1">
+                    <a:lumMod val="50000"/>
+                    <a:lumOff val="50000"/>
+                  </a:schemeClr>
+                </a:solidFill>
+              </a:rPr>
+              <a:t> </a:t>
+            </a:r>
+            <a:r>
+              <a:rPr lang="de-DE" dirty="0" err="1">
+                <a:solidFill>
+                  <a:schemeClr val="tx1">
+                    <a:lumMod val="50000"/>
+                    <a:lumOff val="50000"/>
+                  </a:schemeClr>
+                </a:solidFill>
+              </a:rPr>
+              <a:t>the</a:t>
+            </a:r>
+            <a:r>
+              <a:rPr lang="de-DE" dirty="0">
+                <a:solidFill>
+                  <a:schemeClr val="tx1">
+                    <a:lumMod val="50000"/>
+                    <a:lumOff val="50000"/>
+                  </a:schemeClr>
+                </a:solidFill>
+              </a:rPr>
+              <a:t> </a:t>
+            </a:r>
+            <a:r>
+              <a:rPr lang="de-DE" dirty="0" err="1">
+                <a:solidFill>
+                  <a:schemeClr val="tx1">
+                    <a:lumMod val="50000"/>
+                    <a:lumOff val="50000"/>
+                  </a:schemeClr>
+                </a:solidFill>
+              </a:rPr>
               <a:t>uploaded</a:t>
             </a:r>
             <a:r>
-              <a:rPr lang="de-DE" dirty="0"/>
-              <a:t>. </a:t>
-            </a:r>
-          </a:p>
-          <a:p>
-            <a:r>
-              <a:rPr lang="de-DE" dirty="0">
-                <a:solidFill>
-                  <a:schemeClr val="tx1">
-                    <a:lumMod val="50000"/>
-                    <a:lumOff val="50000"/>
-                  </a:schemeClr>
-                </a:solidFill>
-              </a:rPr>
-              <a:t>Suggestion: Maybe find </a:t>
+              <a:rPr lang="de-DE" dirty="0">
+                <a:solidFill>
+                  <a:schemeClr val="tx1">
+                    <a:lumMod val="50000"/>
+                    <a:lumOff val="50000"/>
+                  </a:schemeClr>
+                </a:solidFill>
+              </a:rPr>
+              <a:t> </a:t>
+            </a:r>
+            <a:r>
+              <a:rPr lang="de-DE" dirty="0" err="1">
+                <a:solidFill>
+                  <a:schemeClr val="tx1">
+                    <a:lumMod val="50000"/>
+                    <a:lumOff val="50000"/>
+                  </a:schemeClr>
+                </a:solidFill>
+              </a:rPr>
+              <a:t>video</a:t>
+            </a:r>
+            <a:r>
+              <a:rPr lang="de-DE" dirty="0">
+                <a:solidFill>
+                  <a:schemeClr val="tx1">
+                    <a:lumMod val="50000"/>
+                    <a:lumOff val="50000"/>
+                  </a:schemeClr>
+                </a:solidFill>
+              </a:rPr>
+              <a:t> </a:t>
+            </a:r>
+            <a:r>
+              <a:rPr lang="de-DE" dirty="0" err="1">
+                <a:solidFill>
+                  <a:schemeClr val="tx1">
+                    <a:lumMod val="50000"/>
+                    <a:lumOff val="50000"/>
+                  </a:schemeClr>
+                </a:solidFill>
+              </a:rPr>
+              <a:t>animation</a:t>
+            </a:r>
+            <a:r>
+              <a:rPr lang="de-DE" dirty="0">
+                <a:solidFill>
+                  <a:schemeClr val="tx1">
+                    <a:lumMod val="50000"/>
+                    <a:lumOff val="50000"/>
+                  </a:schemeClr>
+                </a:solidFill>
+              </a:rPr>
+              <a:t> </a:t>
+            </a:r>
+            <a:r>
+              <a:rPr lang="de-DE" dirty="0" err="1">
+                <a:solidFill>
+                  <a:schemeClr val="tx1">
+                    <a:lumMod val="50000"/>
+                    <a:lumOff val="50000"/>
+                  </a:schemeClr>
+                </a:solidFill>
+              </a:rPr>
+              <a:t>of</a:t>
+            </a:r>
+            <a:r>
+              <a:rPr lang="de-DE" dirty="0">
+                <a:solidFill>
+                  <a:schemeClr val="tx1">
+                    <a:lumMod val="50000"/>
+                    <a:lumOff val="50000"/>
+                  </a:schemeClr>
+                </a:solidFill>
+              </a:rPr>
+              <a:t> </a:t>
+            </a:r>
+            <a:r>
+              <a:rPr lang="de-DE" dirty="0" err="1">
+                <a:solidFill>
+                  <a:schemeClr val="tx1">
+                    <a:lumMod val="50000"/>
+                    <a:lumOff val="50000"/>
+                  </a:schemeClr>
+                </a:solidFill>
+              </a:rPr>
+              <a:t>weather</a:t>
+            </a:r>
+            <a:r>
+              <a:rPr lang="de-DE" dirty="0">
+                <a:solidFill>
+                  <a:schemeClr val="tx1">
+                    <a:lumMod val="50000"/>
+                    <a:lumOff val="50000"/>
+                  </a:schemeClr>
+                </a:solidFill>
+              </a:rPr>
+              <a:t> </a:t>
             </a:r>
             <a:r>
               <a:rPr lang="de-DE" dirty="0" err="1">
@@ -11070,117 +11186,7 @@
                   </a:schemeClr>
                 </a:solidFill>
               </a:rPr>
-              <a:t> </a:t>
-            </a:r>
-            <a:r>
-              <a:rPr lang="de-DE" dirty="0" err="1">
-                <a:solidFill>
-                  <a:schemeClr val="tx1">
-                    <a:lumMod val="50000"/>
-                    <a:lumOff val="50000"/>
-                  </a:schemeClr>
-                </a:solidFill>
-              </a:rPr>
-              <a:t>for</a:t>
-            </a:r>
-            <a:r>
-              <a:rPr lang="de-DE" dirty="0">
-                <a:solidFill>
-                  <a:schemeClr val="tx1">
-                    <a:lumMod val="50000"/>
-                    <a:lumOff val="50000"/>
-                  </a:schemeClr>
-                </a:solidFill>
-              </a:rPr>
-              <a:t> </a:t>
-            </a:r>
-            <a:r>
-              <a:rPr lang="de-DE" dirty="0" err="1">
-                <a:solidFill>
-                  <a:schemeClr val="tx1">
-                    <a:lumMod val="50000"/>
-                    <a:lumOff val="50000"/>
-                  </a:schemeClr>
-                </a:solidFill>
-              </a:rPr>
-              <a:t>cold</a:t>
-            </a:r>
-            <a:r>
-              <a:rPr lang="de-DE" dirty="0">
-                <a:solidFill>
-                  <a:schemeClr val="tx1">
-                    <a:lumMod val="50000"/>
-                    <a:lumOff val="50000"/>
-                  </a:schemeClr>
-                </a:solidFill>
-              </a:rPr>
-              <a:t> and warm </a:t>
-            </a:r>
-            <a:r>
-              <a:rPr lang="de-DE" dirty="0" err="1">
-                <a:solidFill>
-                  <a:schemeClr val="tx1">
-                    <a:lumMod val="50000"/>
-                    <a:lumOff val="50000"/>
-                  </a:schemeClr>
-                </a:solidFill>
-              </a:rPr>
-              <a:t>winter</a:t>
-            </a:r>
-            <a:r>
-              <a:rPr lang="de-DE" dirty="0">
-                <a:solidFill>
-                  <a:schemeClr val="tx1">
-                    <a:lumMod val="50000"/>
-                    <a:lumOff val="50000"/>
-                  </a:schemeClr>
-                </a:solidFill>
-              </a:rPr>
-              <a:t> / </a:t>
-            </a:r>
-            <a:r>
-              <a:rPr lang="de-DE" dirty="0" err="1">
-                <a:solidFill>
-                  <a:schemeClr val="tx1">
-                    <a:lumMod val="50000"/>
-                    <a:lumOff val="50000"/>
-                  </a:schemeClr>
-                </a:solidFill>
-              </a:rPr>
-              <a:t>heating</a:t>
-            </a:r>
-            <a:r>
-              <a:rPr lang="de-DE" dirty="0">
-                <a:solidFill>
-                  <a:schemeClr val="tx1">
-                    <a:lumMod val="50000"/>
-                    <a:lumOff val="50000"/>
-                  </a:schemeClr>
-                </a:solidFill>
-              </a:rPr>
-              <a:t> </a:t>
-            </a:r>
-            <a:r>
-              <a:rPr lang="de-DE" dirty="0" err="1">
-                <a:solidFill>
-                  <a:schemeClr val="tx1">
-                    <a:lumMod val="50000"/>
-                    <a:lumOff val="50000"/>
-                  </a:schemeClr>
-                </a:solidFill>
-              </a:rPr>
-              <a:t>period</a:t>
-            </a:r>
-            <a:r>
-              <a:rPr lang="de-DE" dirty="0">
-                <a:solidFill>
-                  <a:schemeClr val="tx1">
-                    <a:lumMod val="50000"/>
-                    <a:lumOff val="50000"/>
-                  </a:schemeClr>
-                </a:solidFill>
-              </a:rPr>
-              <a:t>?</a:t>
+              <a:t> in Germany</a:t>
             </a:r>
           </a:p>
         </p:txBody>
@@ -11752,7 +11758,7 @@
           <p:cNvPr id="2" name="Titel 1">
             <a:extLst>
               <a:ext uri="{FF2B5EF4-FFF2-40B4-BE49-F238E27FC236}">
-                <a16:creationId xmlns:a16="http://schemas.microsoft.com/office/drawing/2014/main" id="{2B6204BF-A39F-9F67-5574-5EB00A3EC4AA}"/>
+                <a16:creationId xmlns:a16="http://schemas.microsoft.com/office/drawing/2014/main" id="{3CF21DF8-C972-CE41-240B-79F10EC03D3A}"/>
               </a:ext>
             </a:extLst>
           </p:cNvPr>
@@ -11765,34 +11771,86 @@
         </p:nvSpPr>
         <p:spPr/>
         <p:txBody>
-          <a:bodyPr/>
+          <a:bodyPr>
+            <a:normAutofit/>
+          </a:bodyPr>
           <a:lstStyle/>
           <a:p>
             <a:r>
-              <a:rPr lang="de-DE" dirty="0" err="1"/>
-              <a:t>Comparisons</a:t>
-            </a:r>
-            <a:r>
-              <a:rPr lang="de-DE" dirty="0"/>
-              <a:t> </a:t>
-            </a:r>
-            <a:r>
-              <a:rPr lang="de-DE" dirty="0" err="1"/>
-              <a:t>between</a:t>
-            </a:r>
-            <a:r>
-              <a:rPr lang="de-DE" dirty="0"/>
-              <a:t> Scenarios</a:t>
-            </a:r>
+              <a:rPr lang="de-DE" dirty="0">
+                <a:solidFill>
+                  <a:schemeClr val="tx1">
+                    <a:lumMod val="50000"/>
+                    <a:lumOff val="50000"/>
+                  </a:schemeClr>
+                </a:solidFill>
+              </a:rPr>
+              <a:t>1978 </a:t>
+            </a:r>
+            <a:r>
+              <a:rPr lang="de-DE" dirty="0" err="1">
+                <a:solidFill>
+                  <a:schemeClr val="tx1">
+                    <a:lumMod val="50000"/>
+                    <a:lumOff val="50000"/>
+                  </a:schemeClr>
+                </a:solidFill>
+              </a:rPr>
+              <a:t>building</a:t>
+            </a:r>
+            <a:r>
+              <a:rPr lang="de-DE" dirty="0">
+                <a:solidFill>
+                  <a:schemeClr val="tx1">
+                    <a:lumMod val="50000"/>
+                    <a:lumOff val="50000"/>
+                  </a:schemeClr>
+                </a:solidFill>
+              </a:rPr>
+              <a:t> in </a:t>
+            </a:r>
+            <a:r>
+              <a:rPr lang="de-DE" dirty="0" err="1">
+                <a:solidFill>
+                  <a:schemeClr val="tx1">
+                    <a:lumMod val="50000"/>
+                    <a:lumOff val="50000"/>
+                  </a:schemeClr>
+                </a:solidFill>
+              </a:rPr>
+              <a:t>whole</a:t>
+            </a:r>
+            <a:r>
+              <a:rPr lang="de-DE" dirty="0">
+                <a:solidFill>
+                  <a:schemeClr val="tx1">
+                    <a:lumMod val="50000"/>
+                    <a:lumOff val="50000"/>
+                  </a:schemeClr>
+                </a:solidFill>
+              </a:rPr>
+              <a:t> 2015</a:t>
+            </a:r>
+            <a:br>
+              <a:rPr lang="de-DE" dirty="0">
+                <a:solidFill>
+                  <a:schemeClr val="tx1">
+                    <a:lumMod val="50000"/>
+                    <a:lumOff val="50000"/>
+                  </a:schemeClr>
+                </a:solidFill>
+              </a:rPr>
+            </a:br>
+            <a:endParaRPr lang="de-DE" dirty="0"/>
           </a:p>
         </p:txBody>
       </p:sp>
       <p:sp>
         <p:nvSpPr>
-          <p:cNvPr id="3" name="Inhaltsplatzhalter 2">
+          <p:cNvPr id="5" name="Content Placeholder 4">
             <a:extLst>
               <a:ext uri="{FF2B5EF4-FFF2-40B4-BE49-F238E27FC236}">
-                <a16:creationId xmlns:a16="http://schemas.microsoft.com/office/drawing/2014/main" id="{6603635D-F04A-01DD-14F5-A66936E3D38C}"/>
+                <a16:creationId xmlns:a16="http://schemas.microsoft.com/office/drawing/2014/main" id="{AB52EA7F-D183-0A4D-9CC8-B5A82159EB4B}"/>
               </a:ext>
             </a:extLst>
           </p:cNvPr>
@@ -11805,26 +11863,28 @@
         </p:nvSpPr>
         <p:spPr/>
         <p:txBody>
-          <a:bodyPr>
-            <a:normAutofit/>
-          </a:bodyPr>
+          <a:bodyPr/>
           <a:lstStyle/>
           <a:p>
             <a:r>
+              <a:rPr lang="de-DE" dirty="0" err="1"/>
+              <a:t>Typical</a:t>
+            </a:r>
+            <a:r>
               <a:rPr lang="de-DE" dirty="0"/>
-              <a:t>25% </a:t>
+              <a:t> </a:t>
             </a:r>
             <a:r>
               <a:rPr lang="de-DE" dirty="0" err="1"/>
-              <a:t>before</a:t>
+              <a:t>building</a:t>
             </a:r>
             <a:r>
               <a:rPr lang="de-DE" dirty="0"/>
-              <a:t> 1946 (Dena)→ Tabula </a:t>
+              <a:t>, </a:t>
             </a:r>
             <a:r>
               <a:rPr lang="de-DE" dirty="0" err="1"/>
-              <a:t>data</a:t>
+              <a:t>explain</a:t>
             </a:r>
             <a:r>
               <a:rPr lang="de-DE" dirty="0"/>
@@ -11832,2017 +11892,16 @@
             </a:r>
             <a:r>
               <a:rPr lang="de-DE" dirty="0" err="1"/>
-              <a:t>for</a:t>
-            </a:r>
-            <a:r>
-              <a:rPr lang="de-DE" dirty="0"/>
-              <a:t> 1919 – 1948 (</a:t>
-            </a:r>
-            <a:r>
-              <a:rPr lang="de-DE" dirty="0">
-                <a:hlinkClick r:id="rId2"/>
-              </a:rPr>
-              <a:t>https://webtool.building-typology.eu/?c=de#bd</a:t>
-            </a:r>
-            <a:r>
-              <a:rPr lang="de-DE" dirty="0"/>
-              <a:t>)</a:t>
-            </a:r>
-          </a:p>
-          <a:p>
-            <a:endParaRPr lang="de-DE" dirty="0"/>
-          </a:p>
-          <a:p>
-            <a:endParaRPr lang="de-DE" dirty="0">
-              <a:hlinkClick r:id="" action="ppaction://noaction"/>
-            </a:endParaRPr>
-          </a:p>
-          <a:p>
-            <a:endParaRPr lang="de-DE" dirty="0">
-              <a:hlinkClick r:id="" action="ppaction://noaction"/>
-            </a:endParaRPr>
-          </a:p>
-          <a:p>
-            <a:endParaRPr lang="de-DE" dirty="0">
-              <a:hlinkClick r:id="" action="ppaction://noaction"/>
-            </a:endParaRPr>
-          </a:p>
-          <a:p>
-            <a:endParaRPr lang="de-DE" dirty="0">
-              <a:hlinkClick r:id="" action="ppaction://noaction"/>
-            </a:endParaRPr>
-          </a:p>
-          <a:p>
-            <a:endParaRPr lang="de-DE" dirty="0">
-              <a:hlinkClick r:id="" action="ppaction://noaction"/>
-            </a:endParaRPr>
-          </a:p>
-          <a:p>
-            <a:endParaRPr lang="de-DE" dirty="0">
-              <a:hlinkClick r:id="" action="ppaction://noaction"/>
-            </a:endParaRPr>
-          </a:p>
-          <a:p>
-            <a:endParaRPr lang="de-DE" dirty="0"/>
-          </a:p>
-          <a:p>
+              <a:t>plots</a:t>
+            </a:r>
             <a:endParaRPr lang="de-DE" dirty="0"/>
           </a:p>
         </p:txBody>
       </p:sp>
-      <p:graphicFrame>
-        <p:nvGraphicFramePr>
-          <p:cNvPr id="4" name="Content Placeholder 3">
-            <a:extLst>
-              <a:ext uri="{FF2B5EF4-FFF2-40B4-BE49-F238E27FC236}">
-                <a16:creationId xmlns:a16="http://schemas.microsoft.com/office/drawing/2014/main" id="{A927E123-AA9B-14AD-36BE-A8BE3DB035FC}"/>
-              </a:ext>
-            </a:extLst>
-          </p:cNvPr>
-          <p:cNvGraphicFramePr>
-            <a:graphicFrameLocks/>
-          </p:cNvGraphicFramePr>
-          <p:nvPr>
-            <p:extLst>
-              <p:ext uri="{D42A27DB-BD31-4B8C-83A1-F6EECF244321}">
-                <p14:modId xmlns:p14="http://schemas.microsoft.com/office/powerpoint/2010/main" val="3455838941"/>
-              </p:ext>
-            </p:extLst>
-          </p:nvPr>
-        </p:nvGraphicFramePr>
-        <p:xfrm>
-          <a:off x="166991" y="2817984"/>
-          <a:ext cx="4901119" cy="3624036"/>
-        </p:xfrm>
-        <a:graphic>
-          <a:graphicData uri="http://schemas.openxmlformats.org/drawingml/2006/table">
-            <a:tbl>
-              <a:tblPr/>
-              <a:tblGrid>
-                <a:gridCol w="603320">
-                  <a:extLst>
-                    <a:ext uri="{9D8B030D-6E8A-4147-A177-3AD203B41FA5}">
-                      <a16:colId xmlns:a16="http://schemas.microsoft.com/office/drawing/2014/main" val="533957170"/>
-                    </a:ext>
-                  </a:extLst>
-                </a:gridCol>
-                <a:gridCol w="1847241">
-                  <a:extLst>
-                    <a:ext uri="{9D8B030D-6E8A-4147-A177-3AD203B41FA5}">
-                      <a16:colId xmlns:a16="http://schemas.microsoft.com/office/drawing/2014/main" val="1697000662"/>
-                    </a:ext>
-                  </a:extLst>
-                </a:gridCol>
-                <a:gridCol w="1225279">
-                  <a:extLst>
-                    <a:ext uri="{9D8B030D-6E8A-4147-A177-3AD203B41FA5}">
-                      <a16:colId xmlns:a16="http://schemas.microsoft.com/office/drawing/2014/main" val="2151934338"/>
-                    </a:ext>
-                  </a:extLst>
-                </a:gridCol>
-                <a:gridCol w="1225279">
-                  <a:extLst>
-                    <a:ext uri="{9D8B030D-6E8A-4147-A177-3AD203B41FA5}">
-                      <a16:colId xmlns:a16="http://schemas.microsoft.com/office/drawing/2014/main" val="2951295620"/>
-                    </a:ext>
-                  </a:extLst>
-                </a:gridCol>
-              </a:tblGrid>
-              <a:tr h="278815">
-                <a:tc gridSpan="2">
-                  <a:txBody>
-                    <a:bodyPr/>
-                    <a:lstStyle/>
-                    <a:p>
-                      <a:r>
-                        <a:rPr lang="de-DE" sz="1100"/>
-                        <a:t> </a:t>
-                      </a:r>
-                    </a:p>
-                  </a:txBody>
-                  <a:tcPr marL="2003" marR="2003" marT="2003" marB="2003" anchor="ctr">
-                    <a:lnL>
-                      <a:noFill/>
-                    </a:lnL>
-                    <a:lnR>
-                      <a:noFill/>
-                    </a:lnR>
-                    <a:lnT>
-                      <a:noFill/>
-                    </a:lnT>
-                    <a:lnB>
-                      <a:noFill/>
-                    </a:lnB>
-                    <a:noFill/>
-                  </a:tcPr>
-                </a:tc>
-                <a:tc hMerge="1">
-                  <a:txBody>
-                    <a:bodyPr/>
-                    <a:lstStyle/>
-                    <a:p>
-                      <a:endParaRPr lang="de-DE"/>
-                    </a:p>
-                  </a:txBody>
-                  <a:tcPr/>
-                </a:tc>
-                <a:tc>
-                  <a:txBody>
-                    <a:bodyPr/>
-                    <a:lstStyle/>
-                    <a:p>
-                      <a:pPr algn="ctr"/>
-                      <a:r>
-                        <a:rPr lang="de-DE" sz="1100"/>
-                        <a:t>Existing state</a:t>
-                      </a:r>
-                    </a:p>
-                  </a:txBody>
-                  <a:tcPr marL="2003" marR="2003" marT="2003" marB="2003" anchor="ctr">
-                    <a:lnL>
-                      <a:noFill/>
-                    </a:lnL>
-                    <a:lnR>
-                      <a:noFill/>
-                    </a:lnR>
-                    <a:lnT>
-                      <a:noFill/>
-                    </a:lnT>
-                    <a:lnB>
-                      <a:noFill/>
-                    </a:lnB>
-                    <a:noFill/>
-                  </a:tcPr>
-                </a:tc>
-                <a:tc>
-                  <a:txBody>
-                    <a:bodyPr/>
-                    <a:lstStyle/>
-                    <a:p>
-                      <a:pPr algn="ctr"/>
-                      <a:r>
-                        <a:rPr lang="de-DE" sz="1100"/>
-                        <a:t>Usual Refurbishment</a:t>
-                      </a:r>
-                    </a:p>
-                  </a:txBody>
-                  <a:tcPr marL="2003" marR="2003" marT="2003" marB="2003" anchor="ctr">
-                    <a:lnL>
-                      <a:noFill/>
-                    </a:lnL>
-                    <a:lnR>
-                      <a:noFill/>
-                    </a:lnR>
-                    <a:lnT>
-                      <a:noFill/>
-                    </a:lnT>
-                    <a:lnB>
-                      <a:noFill/>
-                    </a:lnB>
-                    <a:noFill/>
-                  </a:tcPr>
-                </a:tc>
-                <a:extLst>
-                  <a:ext uri="{0D108BD9-81ED-4DB2-BD59-A6C34878D82A}">
-                    <a16:rowId xmlns:a16="http://schemas.microsoft.com/office/drawing/2014/main" val="1559117082"/>
-                  </a:ext>
-                </a:extLst>
-              </a:tr>
-              <a:tr h="143842">
-                <a:tc rowSpan="4">
-                  <a:txBody>
-                    <a:bodyPr/>
-                    <a:lstStyle/>
-                    <a:p>
-                      <a:pPr algn="ctr"/>
-                      <a:r>
-                        <a:rPr lang="de-DE" sz="1100" dirty="0"/>
-                        <a:t>Roof 1</a:t>
-                      </a:r>
-                    </a:p>
-                  </a:txBody>
-                  <a:tcPr marL="2003" marR="2003" marT="2003" marB="2003" anchor="ctr">
-                    <a:lnL>
-                      <a:noFill/>
-                    </a:lnL>
-                    <a:lnR>
-                      <a:noFill/>
-                    </a:lnR>
-                    <a:lnT>
-                      <a:noFill/>
-                    </a:lnT>
-                    <a:lnB>
-                      <a:noFill/>
-                    </a:lnB>
-                    <a:noFill/>
-                  </a:tcPr>
-                </a:tc>
-                <a:tc>
-                  <a:txBody>
-                    <a:bodyPr/>
-                    <a:lstStyle/>
-                    <a:p>
-                      <a:pPr algn="ctr"/>
-                      <a:r>
-                        <a:rPr lang="de-DE" sz="1100"/>
-                        <a:t>surface area</a:t>
-                      </a:r>
-                    </a:p>
-                  </a:txBody>
-                  <a:tcPr marL="2003" marR="2003" marT="2003" marB="2003" anchor="ctr">
-                    <a:lnL>
-                      <a:noFill/>
-                    </a:lnL>
-                    <a:lnR>
-                      <a:noFill/>
-                    </a:lnR>
-                    <a:lnT>
-                      <a:noFill/>
-                    </a:lnT>
-                    <a:lnB>
-                      <a:noFill/>
-                    </a:lnB>
-                    <a:noFill/>
-                  </a:tcPr>
-                </a:tc>
-                <a:tc>
-                  <a:txBody>
-                    <a:bodyPr/>
-                    <a:lstStyle/>
-                    <a:p>
-                      <a:pPr algn="ctr"/>
-                      <a:r>
-                        <a:rPr lang="de-DE" sz="1100"/>
-                        <a:t>214.0m</a:t>
-                      </a:r>
-                      <a:r>
-                        <a:rPr lang="de-DE" sz="1100" baseline="30000"/>
-                        <a:t>2</a:t>
-                      </a:r>
-                      <a:endParaRPr lang="de-DE" sz="1100"/>
-                    </a:p>
-                  </a:txBody>
-                  <a:tcPr marL="2003" marR="2003" marT="2003" marB="2003">
-                    <a:lnL>
-                      <a:noFill/>
-                    </a:lnL>
-                    <a:lnR>
-                      <a:noFill/>
-                    </a:lnR>
-                    <a:lnT>
-                      <a:noFill/>
-                    </a:lnT>
-                    <a:lnB>
-                      <a:noFill/>
-                    </a:lnB>
-                    <a:noFill/>
-                  </a:tcPr>
-                </a:tc>
-                <a:tc>
-                  <a:txBody>
-                    <a:bodyPr/>
-                    <a:lstStyle/>
-                    <a:p>
-                      <a:pPr algn="ctr"/>
-                      <a:r>
-                        <a:rPr lang="de-DE" sz="1100"/>
-                        <a:t>214.0 m</a:t>
-                      </a:r>
-                      <a:r>
-                        <a:rPr lang="de-DE" sz="1100" baseline="30000"/>
-                        <a:t>2</a:t>
-                      </a:r>
-                      <a:endParaRPr lang="de-DE" sz="1100"/>
-                    </a:p>
-                  </a:txBody>
-                  <a:tcPr marL="2003" marR="2003" marT="2003" marB="2003">
-                    <a:lnL>
-                      <a:noFill/>
-                    </a:lnL>
-                    <a:lnR>
-                      <a:noFill/>
-                    </a:lnR>
-                    <a:lnT>
-                      <a:noFill/>
-                    </a:lnT>
-                    <a:lnB>
-                      <a:noFill/>
-                    </a:lnB>
-                    <a:noFill/>
-                  </a:tcPr>
-                </a:tc>
-                <a:extLst>
-                  <a:ext uri="{0D108BD9-81ED-4DB2-BD59-A6C34878D82A}">
-                    <a16:rowId xmlns:a16="http://schemas.microsoft.com/office/drawing/2014/main" val="1739913806"/>
-                  </a:ext>
-                </a:extLst>
-              </a:tr>
-              <a:tr h="207718">
-                <a:tc vMerge="1">
-                  <a:txBody>
-                    <a:bodyPr/>
-                    <a:lstStyle/>
-                    <a:p>
-                      <a:endParaRPr lang="de-DE"/>
-                    </a:p>
-                  </a:txBody>
-                  <a:tcPr/>
-                </a:tc>
-                <a:tc>
-                  <a:txBody>
-                    <a:bodyPr/>
-                    <a:lstStyle/>
-                    <a:p>
-                      <a:pPr algn="ctr"/>
-                      <a:endParaRPr lang="en-US" sz="1100" dirty="0"/>
-                    </a:p>
-                  </a:txBody>
-                  <a:tcPr marL="2003" marR="2003" marT="2003" marB="2003" anchor="ctr">
-                    <a:lnL>
-                      <a:noFill/>
-                    </a:lnL>
-                    <a:lnR>
-                      <a:noFill/>
-                    </a:lnR>
-                    <a:lnT>
-                      <a:noFill/>
-                    </a:lnT>
-                    <a:lnB>
-                      <a:noFill/>
-                    </a:lnB>
-                    <a:noFill/>
-                  </a:tcPr>
-                </a:tc>
-                <a:tc>
-                  <a:txBody>
-                    <a:bodyPr/>
-                    <a:lstStyle/>
-                    <a:p>
-                      <a:pPr algn="ctr"/>
-                      <a:endParaRPr lang="de-DE" sz="1100" dirty="0"/>
-                    </a:p>
-                  </a:txBody>
-                  <a:tcPr marL="2003" marR="2003" marT="2003" marB="2003">
-                    <a:lnL>
-                      <a:noFill/>
-                    </a:lnL>
-                    <a:lnR>
-                      <a:noFill/>
-                    </a:lnR>
-                    <a:lnT>
-                      <a:noFill/>
-                    </a:lnT>
-                    <a:lnB>
-                      <a:noFill/>
-                    </a:lnB>
-                    <a:noFill/>
-                  </a:tcPr>
-                </a:tc>
-                <a:tc>
-                  <a:txBody>
-                    <a:bodyPr/>
-                    <a:lstStyle/>
-                    <a:p>
-                      <a:pPr algn="ctr"/>
-                      <a:endParaRPr lang="de-DE" sz="1100" dirty="0"/>
-                    </a:p>
-                  </a:txBody>
-                  <a:tcPr marL="2003" marR="2003" marT="2003" marB="2003">
-                    <a:lnL>
-                      <a:noFill/>
-                    </a:lnL>
-                    <a:lnR>
-                      <a:noFill/>
-                    </a:lnR>
-                    <a:lnT>
-                      <a:noFill/>
-                    </a:lnT>
-                    <a:lnB>
-                      <a:noFill/>
-                    </a:lnB>
-                    <a:noFill/>
-                  </a:tcPr>
-                </a:tc>
-                <a:extLst>
-                  <a:ext uri="{0D108BD9-81ED-4DB2-BD59-A6C34878D82A}">
-                    <a16:rowId xmlns:a16="http://schemas.microsoft.com/office/drawing/2014/main" val="2579081682"/>
-                  </a:ext>
-                </a:extLst>
-              </a:tr>
-              <a:tr h="143842">
-                <a:tc vMerge="1">
-                  <a:txBody>
-                    <a:bodyPr/>
-                    <a:lstStyle/>
-                    <a:p>
-                      <a:endParaRPr lang="de-DE"/>
-                    </a:p>
-                  </a:txBody>
-                  <a:tcPr/>
-                </a:tc>
-                <a:tc>
-                  <a:txBody>
-                    <a:bodyPr/>
-                    <a:lstStyle/>
-                    <a:p>
-                      <a:pPr algn="ctr"/>
-                      <a:r>
-                        <a:rPr lang="de-DE" sz="1100"/>
-                        <a:t>picture</a:t>
-                      </a:r>
-                    </a:p>
-                  </a:txBody>
-                  <a:tcPr marL="2003" marR="2003" marT="2003" marB="2003" anchor="ctr">
-                    <a:lnL>
-                      <a:noFill/>
-                    </a:lnL>
-                    <a:lnR>
-                      <a:noFill/>
-                    </a:lnR>
-                    <a:lnT>
-                      <a:noFill/>
-                    </a:lnT>
-                    <a:lnB>
-                      <a:noFill/>
-                    </a:lnB>
-                    <a:noFill/>
-                  </a:tcPr>
-                </a:tc>
-                <a:tc>
-                  <a:txBody>
-                    <a:bodyPr/>
-                    <a:lstStyle/>
-                    <a:p>
-                      <a:pPr algn="ctr"/>
-                      <a:endParaRPr lang="de-DE" sz="1100"/>
-                    </a:p>
-                  </a:txBody>
-                  <a:tcPr marL="2003" marR="2003" marT="2003" marB="2003">
-                    <a:lnL>
-                      <a:noFill/>
-                    </a:lnL>
-                    <a:lnR>
-                      <a:noFill/>
-                    </a:lnR>
-                    <a:lnT>
-                      <a:noFill/>
-                    </a:lnT>
-                    <a:lnB>
-                      <a:noFill/>
-                    </a:lnB>
-                    <a:noFill/>
-                  </a:tcPr>
-                </a:tc>
-                <a:tc>
-                  <a:txBody>
-                    <a:bodyPr/>
-                    <a:lstStyle/>
-                    <a:p>
-                      <a:pPr algn="ctr"/>
-                      <a:endParaRPr lang="de-DE" sz="1100"/>
-                    </a:p>
-                  </a:txBody>
-                  <a:tcPr marL="2003" marR="2003" marT="2003" marB="2003">
-                    <a:lnL>
-                      <a:noFill/>
-                    </a:lnL>
-                    <a:lnR>
-                      <a:noFill/>
-                    </a:lnR>
-                    <a:lnT>
-                      <a:noFill/>
-                    </a:lnT>
-                    <a:lnB>
-                      <a:noFill/>
-                    </a:lnB>
-                    <a:noFill/>
-                  </a:tcPr>
-                </a:tc>
-                <a:extLst>
-                  <a:ext uri="{0D108BD9-81ED-4DB2-BD59-A6C34878D82A}">
-                    <a16:rowId xmlns:a16="http://schemas.microsoft.com/office/drawing/2014/main" val="2520153653"/>
-                  </a:ext>
-                </a:extLst>
-              </a:tr>
-              <a:tr h="143842">
-                <a:tc vMerge="1">
-                  <a:txBody>
-                    <a:bodyPr/>
-                    <a:lstStyle/>
-                    <a:p>
-                      <a:endParaRPr lang="de-DE"/>
-                    </a:p>
-                  </a:txBody>
-                  <a:tcPr/>
-                </a:tc>
-                <a:tc>
-                  <a:txBody>
-                    <a:bodyPr/>
-                    <a:lstStyle/>
-                    <a:p>
-                      <a:pPr algn="ctr"/>
-                      <a:r>
-                        <a:rPr lang="de-DE" sz="1100"/>
-                        <a:t>U-value</a:t>
-                      </a:r>
-                    </a:p>
-                  </a:txBody>
-                  <a:tcPr marL="2003" marR="2003" marT="2003" marB="2003" anchor="ctr">
-                    <a:lnL>
-                      <a:noFill/>
-                    </a:lnL>
-                    <a:lnR>
-                      <a:noFill/>
-                    </a:lnR>
-                    <a:lnT>
-                      <a:noFill/>
-                    </a:lnT>
-                    <a:lnB>
-                      <a:noFill/>
-                    </a:lnB>
-                    <a:noFill/>
-                  </a:tcPr>
-                </a:tc>
-                <a:tc>
-                  <a:txBody>
-                    <a:bodyPr/>
-                    <a:lstStyle/>
-                    <a:p>
-                      <a:pPr algn="ctr">
-                        <a:buNone/>
-                      </a:pPr>
-                      <a:r>
-                        <a:rPr lang="de-DE" sz="1100"/>
-                        <a:t>1.40 W/(m</a:t>
-                      </a:r>
-                      <a:r>
-                        <a:rPr lang="de-DE" sz="1100" baseline="30000"/>
-                        <a:t>2</a:t>
-                      </a:r>
-                      <a:r>
-                        <a:rPr lang="de-DE" sz="1100"/>
-                        <a:t>K)</a:t>
-                      </a:r>
-                    </a:p>
-                  </a:txBody>
-                  <a:tcPr marL="2003" marR="2003" marT="2003" marB="2003" anchor="ctr">
-                    <a:lnL>
-                      <a:noFill/>
-                    </a:lnL>
-                    <a:lnR>
-                      <a:noFill/>
-                    </a:lnR>
-                    <a:lnT>
-                      <a:noFill/>
-                    </a:lnT>
-                    <a:lnB>
-                      <a:noFill/>
-                    </a:lnB>
-                    <a:noFill/>
-                  </a:tcPr>
-                </a:tc>
-                <a:tc>
-                  <a:txBody>
-                    <a:bodyPr/>
-                    <a:lstStyle/>
-                    <a:p>
-                      <a:pPr algn="ctr">
-                        <a:buNone/>
-                      </a:pPr>
-                      <a:r>
-                        <a:rPr lang="de-DE" sz="1100"/>
-                        <a:t>0.41 W/(m</a:t>
-                      </a:r>
-                      <a:r>
-                        <a:rPr lang="de-DE" sz="1100" baseline="30000"/>
-                        <a:t>2</a:t>
-                      </a:r>
-                      <a:r>
-                        <a:rPr lang="de-DE" sz="1100"/>
-                        <a:t>K)</a:t>
-                      </a:r>
-                    </a:p>
-                  </a:txBody>
-                  <a:tcPr marL="2003" marR="2003" marT="2003" marB="2003" anchor="ctr">
-                    <a:lnL>
-                      <a:noFill/>
-                    </a:lnL>
-                    <a:lnR>
-                      <a:noFill/>
-                    </a:lnR>
-                    <a:lnT>
-                      <a:noFill/>
-                    </a:lnT>
-                    <a:lnB>
-                      <a:noFill/>
-                    </a:lnB>
-                    <a:noFill/>
-                  </a:tcPr>
-                </a:tc>
-                <a:extLst>
-                  <a:ext uri="{0D108BD9-81ED-4DB2-BD59-A6C34878D82A}">
-                    <a16:rowId xmlns:a16="http://schemas.microsoft.com/office/drawing/2014/main" val="27739838"/>
-                  </a:ext>
-                </a:extLst>
-              </a:tr>
-              <a:tr h="345001">
-                <a:tc rowSpan="4">
-                  <a:txBody>
-                    <a:bodyPr/>
-                    <a:lstStyle/>
-                    <a:p>
-                      <a:pPr algn="ctr"/>
-                      <a:r>
-                        <a:rPr lang="de-DE" sz="1100"/>
-                        <a:t>Wall 1</a:t>
-                      </a:r>
-                    </a:p>
-                  </a:txBody>
-                  <a:tcPr marL="2003" marR="2003" marT="2003" marB="2003" anchor="ctr">
-                    <a:lnL>
-                      <a:noFill/>
-                    </a:lnL>
-                    <a:lnR>
-                      <a:noFill/>
-                    </a:lnR>
-                    <a:lnT>
-                      <a:noFill/>
-                    </a:lnT>
-                    <a:lnB>
-                      <a:noFill/>
-                    </a:lnB>
-                    <a:noFill/>
-                  </a:tcPr>
-                </a:tc>
-                <a:tc>
-                  <a:txBody>
-                    <a:bodyPr/>
-                    <a:lstStyle/>
-                    <a:p>
-                      <a:pPr algn="ctr"/>
-                      <a:r>
-                        <a:rPr lang="de-DE" sz="1100" dirty="0" err="1"/>
-                        <a:t>surface</a:t>
-                      </a:r>
-                      <a:r>
-                        <a:rPr lang="de-DE" sz="1100" dirty="0"/>
-                        <a:t> </a:t>
-                      </a:r>
-                      <a:r>
-                        <a:rPr lang="de-DE" sz="1100" dirty="0" err="1"/>
-                        <a:t>area</a:t>
-                      </a:r>
-                      <a:endParaRPr lang="de-DE" sz="1100" dirty="0"/>
-                    </a:p>
-                  </a:txBody>
-                  <a:tcPr marL="2003" marR="2003" marT="2003" marB="2003" anchor="ctr">
-                    <a:lnL>
-                      <a:noFill/>
-                    </a:lnL>
-                    <a:lnR>
-                      <a:noFill/>
-                    </a:lnR>
-                    <a:lnT>
-                      <a:noFill/>
-                    </a:lnT>
-                    <a:lnB>
-                      <a:noFill/>
-                    </a:lnB>
-                    <a:noFill/>
-                  </a:tcPr>
-                </a:tc>
-                <a:tc>
-                  <a:txBody>
-                    <a:bodyPr/>
-                    <a:lstStyle/>
-                    <a:p>
-                      <a:pPr algn="ctr"/>
-                      <a:r>
-                        <a:rPr lang="de-DE" sz="1100"/>
-                        <a:t>235.3m</a:t>
-                      </a:r>
-                      <a:r>
-                        <a:rPr lang="de-DE" sz="1100" baseline="30000"/>
-                        <a:t>2</a:t>
-                      </a:r>
-                      <a:endParaRPr lang="de-DE" sz="1100"/>
-                    </a:p>
-                  </a:txBody>
-                  <a:tcPr marL="2003" marR="2003" marT="2003" marB="2003">
-                    <a:lnL>
-                      <a:noFill/>
-                    </a:lnL>
-                    <a:lnR>
-                      <a:noFill/>
-                    </a:lnR>
-                    <a:lnT>
-                      <a:noFill/>
-                    </a:lnT>
-                    <a:lnB>
-                      <a:noFill/>
-                    </a:lnB>
-                    <a:noFill/>
-                  </a:tcPr>
-                </a:tc>
-                <a:tc>
-                  <a:txBody>
-                    <a:bodyPr/>
-                    <a:lstStyle/>
-                    <a:p>
-                      <a:pPr algn="ctr"/>
-                      <a:r>
-                        <a:rPr lang="de-DE" sz="1100"/>
-                        <a:t>235.3 m</a:t>
-                      </a:r>
-                      <a:r>
-                        <a:rPr lang="de-DE" sz="1100" baseline="30000"/>
-                        <a:t>2</a:t>
-                      </a:r>
-                      <a:endParaRPr lang="de-DE" sz="1100"/>
-                    </a:p>
-                  </a:txBody>
-                  <a:tcPr marL="2003" marR="2003" marT="2003" marB="2003">
-                    <a:lnL>
-                      <a:noFill/>
-                    </a:lnL>
-                    <a:lnR>
-                      <a:noFill/>
-                    </a:lnR>
-                    <a:lnT>
-                      <a:noFill/>
-                    </a:lnT>
-                    <a:lnB>
-                      <a:noFill/>
-                    </a:lnB>
-                    <a:noFill/>
-                  </a:tcPr>
-                </a:tc>
-                <a:extLst>
-                  <a:ext uri="{0D108BD9-81ED-4DB2-BD59-A6C34878D82A}">
-                    <a16:rowId xmlns:a16="http://schemas.microsoft.com/office/drawing/2014/main" val="2459924008"/>
-                  </a:ext>
-                </a:extLst>
-              </a:tr>
-              <a:tr h="269946">
-                <a:tc vMerge="1">
-                  <a:txBody>
-                    <a:bodyPr/>
-                    <a:lstStyle/>
-                    <a:p>
-                      <a:endParaRPr lang="de-DE"/>
-                    </a:p>
-                  </a:txBody>
-                  <a:tcPr/>
-                </a:tc>
-                <a:tc>
-                  <a:txBody>
-                    <a:bodyPr/>
-                    <a:lstStyle/>
-                    <a:p>
-                      <a:pPr algn="ctr"/>
-                      <a:endParaRPr lang="en-US" sz="1100" dirty="0"/>
-                    </a:p>
-                  </a:txBody>
-                  <a:tcPr marL="2003" marR="2003" marT="2003" marB="2003" anchor="ctr">
-                    <a:lnL>
-                      <a:noFill/>
-                    </a:lnL>
-                    <a:lnR>
-                      <a:noFill/>
-                    </a:lnR>
-                    <a:lnT>
-                      <a:noFill/>
-                    </a:lnT>
-                    <a:lnB>
-                      <a:noFill/>
-                    </a:lnB>
-                    <a:noFill/>
-                  </a:tcPr>
-                </a:tc>
-                <a:tc>
-                  <a:txBody>
-                    <a:bodyPr/>
-                    <a:lstStyle/>
-                    <a:p>
-                      <a:pPr algn="ctr"/>
-                      <a:endParaRPr lang="de-DE" sz="1100" dirty="0"/>
-                    </a:p>
-                  </a:txBody>
-                  <a:tcPr marL="2003" marR="2003" marT="2003" marB="2003">
-                    <a:lnL>
-                      <a:noFill/>
-                    </a:lnL>
-                    <a:lnR>
-                      <a:noFill/>
-                    </a:lnR>
-                    <a:lnT>
-                      <a:noFill/>
-                    </a:lnT>
-                    <a:lnB>
-                      <a:noFill/>
-                    </a:lnB>
-                    <a:noFill/>
-                  </a:tcPr>
-                </a:tc>
-                <a:tc>
-                  <a:txBody>
-                    <a:bodyPr/>
-                    <a:lstStyle/>
-                    <a:p>
-                      <a:pPr algn="ctr"/>
-                      <a:endParaRPr lang="de-DE" sz="1100" dirty="0"/>
-                    </a:p>
-                  </a:txBody>
-                  <a:tcPr marL="2003" marR="2003" marT="2003" marB="2003">
-                    <a:lnL>
-                      <a:noFill/>
-                    </a:lnL>
-                    <a:lnR>
-                      <a:noFill/>
-                    </a:lnR>
-                    <a:lnT>
-                      <a:noFill/>
-                    </a:lnT>
-                    <a:lnB>
-                      <a:noFill/>
-                    </a:lnB>
-                    <a:noFill/>
-                  </a:tcPr>
-                </a:tc>
-                <a:extLst>
-                  <a:ext uri="{0D108BD9-81ED-4DB2-BD59-A6C34878D82A}">
-                    <a16:rowId xmlns:a16="http://schemas.microsoft.com/office/drawing/2014/main" val="175086480"/>
-                  </a:ext>
-                </a:extLst>
-              </a:tr>
-              <a:tr h="143842">
-                <a:tc vMerge="1">
-                  <a:txBody>
-                    <a:bodyPr/>
-                    <a:lstStyle/>
-                    <a:p>
-                      <a:endParaRPr lang="de-DE"/>
-                    </a:p>
-                  </a:txBody>
-                  <a:tcPr/>
-                </a:tc>
-                <a:tc>
-                  <a:txBody>
-                    <a:bodyPr/>
-                    <a:lstStyle/>
-                    <a:p>
-                      <a:pPr algn="ctr"/>
-                      <a:r>
-                        <a:rPr lang="de-DE" sz="1100"/>
-                        <a:t>picture</a:t>
-                      </a:r>
-                    </a:p>
-                  </a:txBody>
-                  <a:tcPr marL="2003" marR="2003" marT="2003" marB="2003" anchor="ctr">
-                    <a:lnL>
-                      <a:noFill/>
-                    </a:lnL>
-                    <a:lnR>
-                      <a:noFill/>
-                    </a:lnR>
-                    <a:lnT>
-                      <a:noFill/>
-                    </a:lnT>
-                    <a:lnB>
-                      <a:noFill/>
-                    </a:lnB>
-                    <a:noFill/>
-                  </a:tcPr>
-                </a:tc>
-                <a:tc>
-                  <a:txBody>
-                    <a:bodyPr/>
-                    <a:lstStyle/>
-                    <a:p>
-                      <a:pPr algn="ctr"/>
-                      <a:endParaRPr lang="de-DE" sz="1100"/>
-                    </a:p>
-                  </a:txBody>
-                  <a:tcPr marL="2003" marR="2003" marT="2003" marB="2003">
-                    <a:lnL>
-                      <a:noFill/>
-                    </a:lnL>
-                    <a:lnR>
-                      <a:noFill/>
-                    </a:lnR>
-                    <a:lnT>
-                      <a:noFill/>
-                    </a:lnT>
-                    <a:lnB>
-                      <a:noFill/>
-                    </a:lnB>
-                    <a:noFill/>
-                  </a:tcPr>
-                </a:tc>
-                <a:tc>
-                  <a:txBody>
-                    <a:bodyPr/>
-                    <a:lstStyle/>
-                    <a:p>
-                      <a:pPr algn="ctr"/>
-                      <a:endParaRPr lang="de-DE" sz="1100"/>
-                    </a:p>
-                  </a:txBody>
-                  <a:tcPr marL="2003" marR="2003" marT="2003" marB="2003">
-                    <a:lnL>
-                      <a:noFill/>
-                    </a:lnL>
-                    <a:lnR>
-                      <a:noFill/>
-                    </a:lnR>
-                    <a:lnT>
-                      <a:noFill/>
-                    </a:lnT>
-                    <a:lnB>
-                      <a:noFill/>
-                    </a:lnB>
-                    <a:noFill/>
-                  </a:tcPr>
-                </a:tc>
-                <a:extLst>
-                  <a:ext uri="{0D108BD9-81ED-4DB2-BD59-A6C34878D82A}">
-                    <a16:rowId xmlns:a16="http://schemas.microsoft.com/office/drawing/2014/main" val="3422927936"/>
-                  </a:ext>
-                </a:extLst>
-              </a:tr>
-              <a:tr h="143842">
-                <a:tc vMerge="1">
-                  <a:txBody>
-                    <a:bodyPr/>
-                    <a:lstStyle/>
-                    <a:p>
-                      <a:endParaRPr lang="de-DE"/>
-                    </a:p>
-                  </a:txBody>
-                  <a:tcPr/>
-                </a:tc>
-                <a:tc>
-                  <a:txBody>
-                    <a:bodyPr/>
-                    <a:lstStyle/>
-                    <a:p>
-                      <a:pPr algn="ctr"/>
-                      <a:r>
-                        <a:rPr lang="de-DE" sz="1100"/>
-                        <a:t>U-value</a:t>
-                      </a:r>
-                    </a:p>
-                  </a:txBody>
-                  <a:tcPr marL="2003" marR="2003" marT="2003" marB="2003" anchor="ctr">
-                    <a:lnL>
-                      <a:noFill/>
-                    </a:lnL>
-                    <a:lnR>
-                      <a:noFill/>
-                    </a:lnR>
-                    <a:lnT>
-                      <a:noFill/>
-                    </a:lnT>
-                    <a:lnB>
-                      <a:noFill/>
-                    </a:lnB>
-                    <a:noFill/>
-                  </a:tcPr>
-                </a:tc>
-                <a:tc>
-                  <a:txBody>
-                    <a:bodyPr/>
-                    <a:lstStyle/>
-                    <a:p>
-                      <a:pPr algn="ctr">
-                        <a:buNone/>
-                      </a:pPr>
-                      <a:r>
-                        <a:rPr lang="de-DE" sz="1100"/>
-                        <a:t>1.70 W/(m</a:t>
-                      </a:r>
-                      <a:r>
-                        <a:rPr lang="de-DE" sz="1100" baseline="30000"/>
-                        <a:t>2</a:t>
-                      </a:r>
-                      <a:r>
-                        <a:rPr lang="de-DE" sz="1100"/>
-                        <a:t>K)</a:t>
-                      </a:r>
-                    </a:p>
-                  </a:txBody>
-                  <a:tcPr marL="2003" marR="2003" marT="2003" marB="2003" anchor="ctr">
-                    <a:lnL>
-                      <a:noFill/>
-                    </a:lnL>
-                    <a:lnR>
-                      <a:noFill/>
-                    </a:lnR>
-                    <a:lnT>
-                      <a:noFill/>
-                    </a:lnT>
-                    <a:lnB>
-                      <a:noFill/>
-                    </a:lnB>
-                    <a:noFill/>
-                  </a:tcPr>
-                </a:tc>
-                <a:tc>
-                  <a:txBody>
-                    <a:bodyPr/>
-                    <a:lstStyle/>
-                    <a:p>
-                      <a:pPr algn="ctr">
-                        <a:buNone/>
-                      </a:pPr>
-                      <a:r>
-                        <a:rPr lang="de-DE" sz="1100"/>
-                        <a:t>0.25 W/(m</a:t>
-                      </a:r>
-                      <a:r>
-                        <a:rPr lang="de-DE" sz="1100" baseline="30000"/>
-                        <a:t>2</a:t>
-                      </a:r>
-                      <a:r>
-                        <a:rPr lang="de-DE" sz="1100"/>
-                        <a:t>K)</a:t>
-                      </a:r>
-                    </a:p>
-                  </a:txBody>
-                  <a:tcPr marL="2003" marR="2003" marT="2003" marB="2003" anchor="ctr">
-                    <a:lnL>
-                      <a:noFill/>
-                    </a:lnL>
-                    <a:lnR>
-                      <a:noFill/>
-                    </a:lnR>
-                    <a:lnT>
-                      <a:noFill/>
-                    </a:lnT>
-                    <a:lnB>
-                      <a:noFill/>
-                    </a:lnB>
-                    <a:noFill/>
-                  </a:tcPr>
-                </a:tc>
-                <a:extLst>
-                  <a:ext uri="{0D108BD9-81ED-4DB2-BD59-A6C34878D82A}">
-                    <a16:rowId xmlns:a16="http://schemas.microsoft.com/office/drawing/2014/main" val="255475145"/>
-                  </a:ext>
-                </a:extLst>
-              </a:tr>
-              <a:tr h="146126">
-                <a:tc rowSpan="4">
-                  <a:txBody>
-                    <a:bodyPr/>
-                    <a:lstStyle/>
-                    <a:p>
-                      <a:pPr algn="ctr"/>
-                      <a:r>
-                        <a:rPr lang="de-DE" sz="1100"/>
-                        <a:t>Floor 1</a:t>
-                      </a:r>
-                    </a:p>
-                  </a:txBody>
-                  <a:tcPr marL="2003" marR="2003" marT="2003" marB="2003" anchor="ctr">
-                    <a:lnL>
-                      <a:noFill/>
-                    </a:lnL>
-                    <a:lnR>
-                      <a:noFill/>
-                    </a:lnR>
-                    <a:lnT>
-                      <a:noFill/>
-                    </a:lnT>
-                    <a:lnB>
-                      <a:noFill/>
-                    </a:lnB>
-                    <a:noFill/>
-                  </a:tcPr>
-                </a:tc>
-                <a:tc>
-                  <a:txBody>
-                    <a:bodyPr/>
-                    <a:lstStyle/>
-                    <a:p>
-                      <a:pPr algn="ctr"/>
-                      <a:r>
-                        <a:rPr lang="de-DE" sz="1100"/>
-                        <a:t>surface area</a:t>
-                      </a:r>
-                    </a:p>
-                  </a:txBody>
-                  <a:tcPr marL="2003" marR="2003" marT="2003" marB="2003" anchor="ctr">
-                    <a:lnL>
-                      <a:noFill/>
-                    </a:lnL>
-                    <a:lnR>
-                      <a:noFill/>
-                    </a:lnR>
-                    <a:lnT>
-                      <a:noFill/>
-                    </a:lnT>
-                    <a:lnB>
-                      <a:noFill/>
-                    </a:lnB>
-                    <a:noFill/>
-                  </a:tcPr>
-                </a:tc>
-                <a:tc>
-                  <a:txBody>
-                    <a:bodyPr/>
-                    <a:lstStyle/>
-                    <a:p>
-                      <a:pPr algn="ctr"/>
-                      <a:r>
-                        <a:rPr lang="de-DE" sz="1100"/>
-                        <a:t>144.9m</a:t>
-                      </a:r>
-                      <a:r>
-                        <a:rPr lang="de-DE" sz="1100" baseline="30000"/>
-                        <a:t>2</a:t>
-                      </a:r>
-                      <a:endParaRPr lang="de-DE" sz="1100"/>
-                    </a:p>
-                  </a:txBody>
-                  <a:tcPr marL="2003" marR="2003" marT="2003" marB="2003">
-                    <a:lnL>
-                      <a:noFill/>
-                    </a:lnL>
-                    <a:lnR>
-                      <a:noFill/>
-                    </a:lnR>
-                    <a:lnT>
-                      <a:noFill/>
-                    </a:lnT>
-                    <a:lnB>
-                      <a:noFill/>
-                    </a:lnB>
-                    <a:noFill/>
-                  </a:tcPr>
-                </a:tc>
-                <a:tc>
-                  <a:txBody>
-                    <a:bodyPr/>
-                    <a:lstStyle/>
-                    <a:p>
-                      <a:pPr algn="ctr"/>
-                      <a:r>
-                        <a:rPr lang="de-DE" sz="1100"/>
-                        <a:t>144.9 m</a:t>
-                      </a:r>
-                      <a:r>
-                        <a:rPr lang="de-DE" sz="1100" baseline="30000"/>
-                        <a:t>2</a:t>
-                      </a:r>
-                      <a:endParaRPr lang="de-DE" sz="1100"/>
-                    </a:p>
-                  </a:txBody>
-                  <a:tcPr marL="2003" marR="2003" marT="2003" marB="2003">
-                    <a:lnL>
-                      <a:noFill/>
-                    </a:lnL>
-                    <a:lnR>
-                      <a:noFill/>
-                    </a:lnR>
-                    <a:lnT>
-                      <a:noFill/>
-                    </a:lnT>
-                    <a:lnB>
-                      <a:noFill/>
-                    </a:lnB>
-                    <a:noFill/>
-                  </a:tcPr>
-                </a:tc>
-                <a:extLst>
-                  <a:ext uri="{0D108BD9-81ED-4DB2-BD59-A6C34878D82A}">
-                    <a16:rowId xmlns:a16="http://schemas.microsoft.com/office/drawing/2014/main" val="283437127"/>
-                  </a:ext>
-                </a:extLst>
-              </a:tr>
-              <a:tr h="265695">
-                <a:tc vMerge="1">
-                  <a:txBody>
-                    <a:bodyPr/>
-                    <a:lstStyle/>
-                    <a:p>
-                      <a:endParaRPr lang="de-DE"/>
-                    </a:p>
-                  </a:txBody>
-                  <a:tcPr/>
-                </a:tc>
-                <a:tc>
-                  <a:txBody>
-                    <a:bodyPr/>
-                    <a:lstStyle/>
-                    <a:p>
-                      <a:pPr algn="ctr"/>
-                      <a:endParaRPr lang="en-US" sz="1100" dirty="0"/>
-                    </a:p>
-                  </a:txBody>
-                  <a:tcPr marL="2003" marR="2003" marT="2003" marB="2003" anchor="ctr">
-                    <a:lnL>
-                      <a:noFill/>
-                    </a:lnL>
-                    <a:lnR>
-                      <a:noFill/>
-                    </a:lnR>
-                    <a:lnT>
-                      <a:noFill/>
-                    </a:lnT>
-                    <a:lnB>
-                      <a:noFill/>
-                    </a:lnB>
-                    <a:noFill/>
-                  </a:tcPr>
-                </a:tc>
-                <a:tc>
-                  <a:txBody>
-                    <a:bodyPr/>
-                    <a:lstStyle/>
-                    <a:p>
-                      <a:pPr algn="ctr"/>
-                      <a:endParaRPr lang="de-DE" sz="1100" dirty="0"/>
-                    </a:p>
-                  </a:txBody>
-                  <a:tcPr marL="2003" marR="2003" marT="2003" marB="2003">
-                    <a:lnL>
-                      <a:noFill/>
-                    </a:lnL>
-                    <a:lnR>
-                      <a:noFill/>
-                    </a:lnR>
-                    <a:lnT>
-                      <a:noFill/>
-                    </a:lnT>
-                    <a:lnB>
-                      <a:noFill/>
-                    </a:lnB>
-                    <a:noFill/>
-                  </a:tcPr>
-                </a:tc>
-                <a:tc>
-                  <a:txBody>
-                    <a:bodyPr/>
-                    <a:lstStyle/>
-                    <a:p>
-                      <a:pPr algn="ctr"/>
-                      <a:endParaRPr lang="de-DE" sz="1100" dirty="0"/>
-                    </a:p>
-                  </a:txBody>
-                  <a:tcPr marL="2003" marR="2003" marT="2003" marB="2003">
-                    <a:lnL>
-                      <a:noFill/>
-                    </a:lnL>
-                    <a:lnR>
-                      <a:noFill/>
-                    </a:lnR>
-                    <a:lnT>
-                      <a:noFill/>
-                    </a:lnT>
-                    <a:lnB>
-                      <a:noFill/>
-                    </a:lnB>
-                    <a:noFill/>
-                  </a:tcPr>
-                </a:tc>
-                <a:extLst>
-                  <a:ext uri="{0D108BD9-81ED-4DB2-BD59-A6C34878D82A}">
-                    <a16:rowId xmlns:a16="http://schemas.microsoft.com/office/drawing/2014/main" val="701907204"/>
-                  </a:ext>
-                </a:extLst>
-              </a:tr>
-              <a:tr h="143842">
-                <a:tc vMerge="1">
-                  <a:txBody>
-                    <a:bodyPr/>
-                    <a:lstStyle/>
-                    <a:p>
-                      <a:endParaRPr lang="de-DE"/>
-                    </a:p>
-                  </a:txBody>
-                  <a:tcPr/>
-                </a:tc>
-                <a:tc>
-                  <a:txBody>
-                    <a:bodyPr/>
-                    <a:lstStyle/>
-                    <a:p>
-                      <a:pPr algn="ctr"/>
-                      <a:r>
-                        <a:rPr lang="de-DE" sz="1100"/>
-                        <a:t>picture</a:t>
-                      </a:r>
-                    </a:p>
-                  </a:txBody>
-                  <a:tcPr marL="2003" marR="2003" marT="2003" marB="2003" anchor="ctr">
-                    <a:lnL>
-                      <a:noFill/>
-                    </a:lnL>
-                    <a:lnR>
-                      <a:noFill/>
-                    </a:lnR>
-                    <a:lnT>
-                      <a:noFill/>
-                    </a:lnT>
-                    <a:lnB>
-                      <a:noFill/>
-                    </a:lnB>
-                    <a:noFill/>
-                  </a:tcPr>
-                </a:tc>
-                <a:tc>
-                  <a:txBody>
-                    <a:bodyPr/>
-                    <a:lstStyle/>
-                    <a:p>
-                      <a:pPr algn="ctr"/>
-                      <a:endParaRPr lang="de-DE" sz="1100"/>
-                    </a:p>
-                  </a:txBody>
-                  <a:tcPr marL="2003" marR="2003" marT="2003" marB="2003">
-                    <a:lnL>
-                      <a:noFill/>
-                    </a:lnL>
-                    <a:lnR>
-                      <a:noFill/>
-                    </a:lnR>
-                    <a:lnT>
-                      <a:noFill/>
-                    </a:lnT>
-                    <a:lnB>
-                      <a:noFill/>
-                    </a:lnB>
-                    <a:noFill/>
-                  </a:tcPr>
-                </a:tc>
-                <a:tc>
-                  <a:txBody>
-                    <a:bodyPr/>
-                    <a:lstStyle/>
-                    <a:p>
-                      <a:pPr algn="ctr"/>
-                      <a:endParaRPr lang="de-DE" sz="1100"/>
-                    </a:p>
-                  </a:txBody>
-                  <a:tcPr marL="2003" marR="2003" marT="2003" marB="2003">
-                    <a:lnL>
-                      <a:noFill/>
-                    </a:lnL>
-                    <a:lnR>
-                      <a:noFill/>
-                    </a:lnR>
-                    <a:lnT>
-                      <a:noFill/>
-                    </a:lnT>
-                    <a:lnB>
-                      <a:noFill/>
-                    </a:lnB>
-                    <a:noFill/>
-                  </a:tcPr>
-                </a:tc>
-                <a:extLst>
-                  <a:ext uri="{0D108BD9-81ED-4DB2-BD59-A6C34878D82A}">
-                    <a16:rowId xmlns:a16="http://schemas.microsoft.com/office/drawing/2014/main" val="3950332576"/>
-                  </a:ext>
-                </a:extLst>
-              </a:tr>
-              <a:tr h="143842">
-                <a:tc vMerge="1">
-                  <a:txBody>
-                    <a:bodyPr/>
-                    <a:lstStyle/>
-                    <a:p>
-                      <a:endParaRPr lang="de-DE"/>
-                    </a:p>
-                  </a:txBody>
-                  <a:tcPr/>
-                </a:tc>
-                <a:tc>
-                  <a:txBody>
-                    <a:bodyPr/>
-                    <a:lstStyle/>
-                    <a:p>
-                      <a:pPr algn="ctr"/>
-                      <a:r>
-                        <a:rPr lang="de-DE" sz="1100"/>
-                        <a:t>U-value</a:t>
-                      </a:r>
-                    </a:p>
-                  </a:txBody>
-                  <a:tcPr marL="2003" marR="2003" marT="2003" marB="2003" anchor="ctr">
-                    <a:lnL>
-                      <a:noFill/>
-                    </a:lnL>
-                    <a:lnR>
-                      <a:noFill/>
-                    </a:lnR>
-                    <a:lnT>
-                      <a:noFill/>
-                    </a:lnT>
-                    <a:lnB>
-                      <a:noFill/>
-                    </a:lnB>
-                    <a:noFill/>
-                  </a:tcPr>
-                </a:tc>
-                <a:tc>
-                  <a:txBody>
-                    <a:bodyPr/>
-                    <a:lstStyle/>
-                    <a:p>
-                      <a:pPr algn="ctr">
-                        <a:buNone/>
-                      </a:pPr>
-                      <a:r>
-                        <a:rPr lang="de-DE" sz="1100"/>
-                        <a:t>0.77 W/(m</a:t>
-                      </a:r>
-                      <a:r>
-                        <a:rPr lang="de-DE" sz="1100" baseline="30000"/>
-                        <a:t>2</a:t>
-                      </a:r>
-                      <a:r>
-                        <a:rPr lang="de-DE" sz="1100"/>
-                        <a:t>K)</a:t>
-                      </a:r>
-                    </a:p>
-                  </a:txBody>
-                  <a:tcPr marL="2003" marR="2003" marT="2003" marB="2003" anchor="ctr">
-                    <a:lnL>
-                      <a:noFill/>
-                    </a:lnL>
-                    <a:lnR>
-                      <a:noFill/>
-                    </a:lnR>
-                    <a:lnT>
-                      <a:noFill/>
-                    </a:lnT>
-                    <a:lnB>
-                      <a:noFill/>
-                    </a:lnB>
-                    <a:noFill/>
-                  </a:tcPr>
-                </a:tc>
-                <a:tc>
-                  <a:txBody>
-                    <a:bodyPr/>
-                    <a:lstStyle/>
-                    <a:p>
-                      <a:pPr algn="ctr">
-                        <a:buNone/>
-                      </a:pPr>
-                      <a:r>
-                        <a:rPr lang="de-DE" sz="1100"/>
-                        <a:t>0.28 W/(m</a:t>
-                      </a:r>
-                      <a:r>
-                        <a:rPr lang="de-DE" sz="1100" baseline="30000"/>
-                        <a:t>2</a:t>
-                      </a:r>
-                      <a:r>
-                        <a:rPr lang="de-DE" sz="1100"/>
-                        <a:t>K)</a:t>
-                      </a:r>
-                    </a:p>
-                  </a:txBody>
-                  <a:tcPr marL="2003" marR="2003" marT="2003" marB="2003" anchor="ctr">
-                    <a:lnL>
-                      <a:noFill/>
-                    </a:lnL>
-                    <a:lnR>
-                      <a:noFill/>
-                    </a:lnR>
-                    <a:lnT>
-                      <a:noFill/>
-                    </a:lnT>
-                    <a:lnB>
-                      <a:noFill/>
-                    </a:lnB>
-                    <a:noFill/>
-                  </a:tcPr>
-                </a:tc>
-                <a:extLst>
-                  <a:ext uri="{0D108BD9-81ED-4DB2-BD59-A6C34878D82A}">
-                    <a16:rowId xmlns:a16="http://schemas.microsoft.com/office/drawing/2014/main" val="3467682781"/>
-                  </a:ext>
-                </a:extLst>
-              </a:tr>
-              <a:tr h="140709">
-                <a:tc rowSpan="4">
-                  <a:txBody>
-                    <a:bodyPr/>
-                    <a:lstStyle/>
-                    <a:p>
-                      <a:pPr algn="ctr"/>
-                      <a:r>
-                        <a:rPr lang="de-DE" sz="1100"/>
-                        <a:t>Window 1</a:t>
-                      </a:r>
-                    </a:p>
-                  </a:txBody>
-                  <a:tcPr marL="2003" marR="2003" marT="2003" marB="2003" anchor="ctr">
-                    <a:lnL>
-                      <a:noFill/>
-                    </a:lnL>
-                    <a:lnR>
-                      <a:noFill/>
-                    </a:lnR>
-                    <a:lnT>
-                      <a:noFill/>
-                    </a:lnT>
-                    <a:lnB>
-                      <a:noFill/>
-                    </a:lnB>
-                    <a:noFill/>
-                  </a:tcPr>
-                </a:tc>
-                <a:tc>
-                  <a:txBody>
-                    <a:bodyPr/>
-                    <a:lstStyle/>
-                    <a:p>
-                      <a:pPr algn="ctr"/>
-                      <a:r>
-                        <a:rPr lang="de-DE" sz="1100"/>
-                        <a:t>surface area</a:t>
-                      </a:r>
-                    </a:p>
-                  </a:txBody>
-                  <a:tcPr marL="2003" marR="2003" marT="2003" marB="2003" anchor="ctr">
-                    <a:lnL>
-                      <a:noFill/>
-                    </a:lnL>
-                    <a:lnR>
-                      <a:noFill/>
-                    </a:lnR>
-                    <a:lnT>
-                      <a:noFill/>
-                    </a:lnT>
-                    <a:lnB>
-                      <a:noFill/>
-                    </a:lnB>
-                    <a:noFill/>
-                  </a:tcPr>
-                </a:tc>
-                <a:tc>
-                  <a:txBody>
-                    <a:bodyPr/>
-                    <a:lstStyle/>
-                    <a:p>
-                      <a:pPr algn="ctr"/>
-                      <a:r>
-                        <a:rPr lang="de-DE" sz="1100"/>
-                        <a:t>52.4m</a:t>
-                      </a:r>
-                      <a:r>
-                        <a:rPr lang="de-DE" sz="1100" baseline="30000"/>
-                        <a:t>2</a:t>
-                      </a:r>
-                      <a:endParaRPr lang="de-DE" sz="1100"/>
-                    </a:p>
-                  </a:txBody>
-                  <a:tcPr marL="2003" marR="2003" marT="2003" marB="2003">
-                    <a:lnL>
-                      <a:noFill/>
-                    </a:lnL>
-                    <a:lnR>
-                      <a:noFill/>
-                    </a:lnR>
-                    <a:lnT>
-                      <a:noFill/>
-                    </a:lnT>
-                    <a:lnB>
-                      <a:noFill/>
-                    </a:lnB>
-                    <a:noFill/>
-                  </a:tcPr>
-                </a:tc>
-                <a:tc>
-                  <a:txBody>
-                    <a:bodyPr/>
-                    <a:lstStyle/>
-                    <a:p>
-                      <a:pPr algn="ctr"/>
-                      <a:r>
-                        <a:rPr lang="de-DE" sz="1100"/>
-                        <a:t>52.4 m</a:t>
-                      </a:r>
-                      <a:r>
-                        <a:rPr lang="de-DE" sz="1100" baseline="30000"/>
-                        <a:t>2</a:t>
-                      </a:r>
-                      <a:endParaRPr lang="de-DE" sz="1100"/>
-                    </a:p>
-                  </a:txBody>
-                  <a:tcPr marL="2003" marR="2003" marT="2003" marB="2003">
-                    <a:lnL>
-                      <a:noFill/>
-                    </a:lnL>
-                    <a:lnR>
-                      <a:noFill/>
-                    </a:lnR>
-                    <a:lnT>
-                      <a:noFill/>
-                    </a:lnT>
-                    <a:lnB>
-                      <a:noFill/>
-                    </a:lnB>
-                    <a:noFill/>
-                  </a:tcPr>
-                </a:tc>
-                <a:extLst>
-                  <a:ext uri="{0D108BD9-81ED-4DB2-BD59-A6C34878D82A}">
-                    <a16:rowId xmlns:a16="http://schemas.microsoft.com/office/drawing/2014/main" val="2767907182"/>
-                  </a:ext>
-                </a:extLst>
-              </a:tr>
-              <a:tr h="302388">
-                <a:tc vMerge="1">
-                  <a:txBody>
-                    <a:bodyPr/>
-                    <a:lstStyle/>
-                    <a:p>
-                      <a:endParaRPr lang="de-DE"/>
-                    </a:p>
-                  </a:txBody>
-                  <a:tcPr/>
-                </a:tc>
-                <a:tc>
-                  <a:txBody>
-                    <a:bodyPr/>
-                    <a:lstStyle/>
-                    <a:p>
-                      <a:pPr algn="ctr"/>
-                      <a:endParaRPr lang="en-US" sz="1100" dirty="0"/>
-                    </a:p>
-                  </a:txBody>
-                  <a:tcPr marL="2003" marR="2003" marT="2003" marB="2003" anchor="ctr">
-                    <a:lnL>
-                      <a:noFill/>
-                    </a:lnL>
-                    <a:lnR>
-                      <a:noFill/>
-                    </a:lnR>
-                    <a:lnT>
-                      <a:noFill/>
-                    </a:lnT>
-                    <a:lnB>
-                      <a:noFill/>
-                    </a:lnB>
-                    <a:noFill/>
-                  </a:tcPr>
-                </a:tc>
-                <a:tc>
-                  <a:txBody>
-                    <a:bodyPr/>
-                    <a:lstStyle/>
-                    <a:p>
-                      <a:pPr algn="ctr"/>
-                      <a:endParaRPr lang="de-DE" sz="1100" dirty="0"/>
-                    </a:p>
-                  </a:txBody>
-                  <a:tcPr marL="2003" marR="2003" marT="2003" marB="2003">
-                    <a:lnL>
-                      <a:noFill/>
-                    </a:lnL>
-                    <a:lnR>
-                      <a:noFill/>
-                    </a:lnR>
-                    <a:lnT>
-                      <a:noFill/>
-                    </a:lnT>
-                    <a:lnB>
-                      <a:noFill/>
-                    </a:lnB>
-                    <a:noFill/>
-                  </a:tcPr>
-                </a:tc>
-                <a:tc>
-                  <a:txBody>
-                    <a:bodyPr/>
-                    <a:lstStyle/>
-                    <a:p>
-                      <a:pPr algn="ctr"/>
-                      <a:endParaRPr lang="de-DE" sz="1100" dirty="0"/>
-                    </a:p>
-                  </a:txBody>
-                  <a:tcPr marL="2003" marR="2003" marT="2003" marB="2003">
-                    <a:lnL>
-                      <a:noFill/>
-                    </a:lnL>
-                    <a:lnR>
-                      <a:noFill/>
-                    </a:lnR>
-                    <a:lnT>
-                      <a:noFill/>
-                    </a:lnT>
-                    <a:lnB>
-                      <a:noFill/>
-                    </a:lnB>
-                    <a:noFill/>
-                  </a:tcPr>
-                </a:tc>
-                <a:extLst>
-                  <a:ext uri="{0D108BD9-81ED-4DB2-BD59-A6C34878D82A}">
-                    <a16:rowId xmlns:a16="http://schemas.microsoft.com/office/drawing/2014/main" val="2599787355"/>
-                  </a:ext>
-                </a:extLst>
-              </a:tr>
-              <a:tr h="143842">
-                <a:tc vMerge="1">
-                  <a:txBody>
-                    <a:bodyPr/>
-                    <a:lstStyle/>
-                    <a:p>
-                      <a:endParaRPr lang="de-DE"/>
-                    </a:p>
-                  </a:txBody>
-                  <a:tcPr/>
-                </a:tc>
-                <a:tc>
-                  <a:txBody>
-                    <a:bodyPr/>
-                    <a:lstStyle/>
-                    <a:p>
-                      <a:pPr algn="ctr"/>
-                      <a:r>
-                        <a:rPr lang="de-DE" sz="1100"/>
-                        <a:t>picture</a:t>
-                      </a:r>
-                    </a:p>
-                  </a:txBody>
-                  <a:tcPr marL="2003" marR="2003" marT="2003" marB="2003" anchor="ctr">
-                    <a:lnL>
-                      <a:noFill/>
-                    </a:lnL>
-                    <a:lnR>
-                      <a:noFill/>
-                    </a:lnR>
-                    <a:lnT>
-                      <a:noFill/>
-                    </a:lnT>
-                    <a:lnB>
-                      <a:noFill/>
-                    </a:lnB>
-                    <a:noFill/>
-                  </a:tcPr>
-                </a:tc>
-                <a:tc>
-                  <a:txBody>
-                    <a:bodyPr/>
-                    <a:lstStyle/>
-                    <a:p>
-                      <a:pPr algn="ctr"/>
-                      <a:endParaRPr lang="de-DE" sz="1100"/>
-                    </a:p>
-                  </a:txBody>
-                  <a:tcPr marL="2003" marR="2003" marT="2003" marB="2003">
-                    <a:lnL>
-                      <a:noFill/>
-                    </a:lnL>
-                    <a:lnR>
-                      <a:noFill/>
-                    </a:lnR>
-                    <a:lnT>
-                      <a:noFill/>
-                    </a:lnT>
-                    <a:lnB>
-                      <a:noFill/>
-                    </a:lnB>
-                    <a:noFill/>
-                  </a:tcPr>
-                </a:tc>
-                <a:tc>
-                  <a:txBody>
-                    <a:bodyPr/>
-                    <a:lstStyle/>
-                    <a:p>
-                      <a:pPr algn="ctr"/>
-                      <a:endParaRPr lang="de-DE" sz="1100"/>
-                    </a:p>
-                  </a:txBody>
-                  <a:tcPr marL="2003" marR="2003" marT="2003" marB="2003">
-                    <a:lnL>
-                      <a:noFill/>
-                    </a:lnL>
-                    <a:lnR>
-                      <a:noFill/>
-                    </a:lnR>
-                    <a:lnT>
-                      <a:noFill/>
-                    </a:lnT>
-                    <a:lnB>
-                      <a:noFill/>
-                    </a:lnB>
-                    <a:noFill/>
-                  </a:tcPr>
-                </a:tc>
-                <a:extLst>
-                  <a:ext uri="{0D108BD9-81ED-4DB2-BD59-A6C34878D82A}">
-                    <a16:rowId xmlns:a16="http://schemas.microsoft.com/office/drawing/2014/main" val="2369459430"/>
-                  </a:ext>
-                </a:extLst>
-              </a:tr>
-              <a:tr h="177542">
-                <a:tc vMerge="1">
-                  <a:txBody>
-                    <a:bodyPr/>
-                    <a:lstStyle/>
-                    <a:p>
-                      <a:endParaRPr lang="de-DE"/>
-                    </a:p>
-                  </a:txBody>
-                  <a:tcPr/>
-                </a:tc>
-                <a:tc>
-                  <a:txBody>
-                    <a:bodyPr/>
-                    <a:lstStyle/>
-                    <a:p>
-                      <a:pPr algn="ctr"/>
-                      <a:r>
-                        <a:rPr lang="de-DE" sz="1100"/>
-                        <a:t>U-value</a:t>
-                      </a:r>
-                    </a:p>
-                  </a:txBody>
-                  <a:tcPr marL="2003" marR="2003" marT="2003" marB="2003" anchor="ctr">
-                    <a:lnL>
-                      <a:noFill/>
-                    </a:lnL>
-                    <a:lnR>
-                      <a:noFill/>
-                    </a:lnR>
-                    <a:lnT>
-                      <a:noFill/>
-                    </a:lnT>
-                    <a:lnB>
-                      <a:noFill/>
-                    </a:lnB>
-                    <a:noFill/>
-                  </a:tcPr>
-                </a:tc>
-                <a:tc>
-                  <a:txBody>
-                    <a:bodyPr/>
-                    <a:lstStyle/>
-                    <a:p>
-                      <a:pPr algn="ctr">
-                        <a:buNone/>
-                      </a:pPr>
-                      <a:r>
-                        <a:rPr lang="de-DE" sz="1100"/>
-                        <a:t>2.80 W/(m</a:t>
-                      </a:r>
-                      <a:r>
-                        <a:rPr lang="de-DE" sz="1100" baseline="30000"/>
-                        <a:t>2</a:t>
-                      </a:r>
-                      <a:r>
-                        <a:rPr lang="de-DE" sz="1100"/>
-                        <a:t>K)</a:t>
-                      </a:r>
-                    </a:p>
-                  </a:txBody>
-                  <a:tcPr marL="2003" marR="2003" marT="2003" marB="2003" anchor="ctr">
-                    <a:lnL>
-                      <a:noFill/>
-                    </a:lnL>
-                    <a:lnR>
-                      <a:noFill/>
-                    </a:lnR>
-                    <a:lnT>
-                      <a:noFill/>
-                    </a:lnT>
-                    <a:lnB>
-                      <a:noFill/>
-                    </a:lnB>
-                    <a:noFill/>
-                  </a:tcPr>
-                </a:tc>
-                <a:tc>
-                  <a:txBody>
-                    <a:bodyPr/>
-                    <a:lstStyle/>
-                    <a:p>
-                      <a:pPr algn="ctr">
-                        <a:buNone/>
-                      </a:pPr>
-                      <a:r>
-                        <a:rPr lang="de-DE" sz="1100" dirty="0"/>
-                        <a:t>1.30 W/(m</a:t>
-                      </a:r>
-                      <a:r>
-                        <a:rPr lang="de-DE" sz="1100" baseline="30000" dirty="0"/>
-                        <a:t>2</a:t>
-                      </a:r>
-                      <a:r>
-                        <a:rPr lang="de-DE" sz="1100" dirty="0"/>
-                        <a:t>K)</a:t>
-                      </a:r>
-                    </a:p>
-                  </a:txBody>
-                  <a:tcPr marL="2003" marR="2003" marT="2003" marB="2003" anchor="ctr">
-                    <a:lnL>
-                      <a:noFill/>
-                    </a:lnL>
-                    <a:lnR>
-                      <a:noFill/>
-                    </a:lnR>
-                    <a:lnT>
-                      <a:noFill/>
-                    </a:lnT>
-                    <a:lnB>
-                      <a:noFill/>
-                    </a:lnB>
-                    <a:noFill/>
-                  </a:tcPr>
-                </a:tc>
-                <a:extLst>
-                  <a:ext uri="{0D108BD9-81ED-4DB2-BD59-A6C34878D82A}">
-                    <a16:rowId xmlns:a16="http://schemas.microsoft.com/office/drawing/2014/main" val="3612338842"/>
-                  </a:ext>
-                </a:extLst>
-              </a:tr>
-            </a:tbl>
-          </a:graphicData>
-        </a:graphic>
-      </p:graphicFrame>
-      <p:pic>
-        <p:nvPicPr>
-          <p:cNvPr id="6" name="Picture 5">
-            <a:extLst>
-              <a:ext uri="{FF2B5EF4-FFF2-40B4-BE49-F238E27FC236}">
-                <a16:creationId xmlns:a16="http://schemas.microsoft.com/office/drawing/2014/main" id="{65F594CA-2575-85CC-111D-DC00600FEFD9}"/>
-              </a:ext>
-            </a:extLst>
-          </p:cNvPr>
-          <p:cNvPicPr>
-            <a:picLocks noChangeAspect="1"/>
-          </p:cNvPicPr>
-          <p:nvPr/>
-        </p:nvPicPr>
-        <p:blipFill>
-          <a:blip r:embed="rId3"/>
-          <a:stretch>
-            <a:fillRect/>
-          </a:stretch>
-        </p:blipFill>
-        <p:spPr>
-          <a:xfrm>
-            <a:off x="4725908" y="2751815"/>
-            <a:ext cx="7466091" cy="3690205"/>
-          </a:xfrm>
-          <a:prstGeom prst="rect">
-            <a:avLst/>
-          </a:prstGeom>
-        </p:spPr>
-      </p:pic>
     </p:spTree>
     <p:extLst>
       <p:ext uri="{BB962C8B-B14F-4D97-AF65-F5344CB8AC3E}">
-        <p14:creationId xmlns:p14="http://schemas.microsoft.com/office/powerpoint/2010/main" val="2766896664"/>
+        <p14:creationId xmlns:p14="http://schemas.microsoft.com/office/powerpoint/2010/main" val="321713422"/>
       </p:ext>
     </p:extLst>
   </p:cSld>
@@ -15402,7 +13461,7 @@
           <p:cNvPr id="2" name="Titel 1">
             <a:extLst>
               <a:ext uri="{FF2B5EF4-FFF2-40B4-BE49-F238E27FC236}">
-                <a16:creationId xmlns:a16="http://schemas.microsoft.com/office/drawing/2014/main" id="{3CF21DF8-C972-CE41-240B-79F10EC03D3A}"/>
+                <a16:creationId xmlns:a16="http://schemas.microsoft.com/office/drawing/2014/main" id="{2B6204BF-A39F-9F67-5574-5EB00A3EC4AA}"/>
               </a:ext>
             </a:extLst>
           </p:cNvPr>
@@ -15415,1817 +13474,359 @@
         </p:nvSpPr>
         <p:spPr/>
         <p:txBody>
-          <a:bodyPr>
-            <a:normAutofit fontScale="90000"/>
-          </a:bodyPr>
+          <a:bodyPr/>
           <a:lstStyle/>
           <a:p>
             <a:r>
-              <a:rPr lang="de-DE" dirty="0">
-                <a:solidFill>
-                  <a:schemeClr val="tx1">
-                    <a:lumMod val="50000"/>
-                    <a:lumOff val="50000"/>
-                  </a:schemeClr>
-                </a:solidFill>
-              </a:rPr>
-              <a:t>35% </a:t>
-            </a:r>
-            <a:r>
-              <a:rPr lang="de-DE" dirty="0" err="1">
-                <a:solidFill>
-                  <a:schemeClr val="tx1">
-                    <a:lumMod val="50000"/>
-                    <a:lumOff val="50000"/>
-                  </a:schemeClr>
-                </a:solidFill>
-              </a:rPr>
-              <a:t>before</a:t>
-            </a:r>
-            <a:r>
-              <a:rPr lang="de-DE" dirty="0">
-                <a:solidFill>
-                  <a:schemeClr val="tx1">
-                    <a:lumMod val="50000"/>
-                    <a:lumOff val="50000"/>
-                  </a:schemeClr>
-                </a:solidFill>
-              </a:rPr>
-              <a:t> 1977 (Dena)→ Tabula </a:t>
-            </a:r>
-            <a:r>
-              <a:rPr lang="de-DE" dirty="0" err="1">
-                <a:solidFill>
-                  <a:schemeClr val="tx1">
-                    <a:lumMod val="50000"/>
-                    <a:lumOff val="50000"/>
-                  </a:schemeClr>
-                </a:solidFill>
-              </a:rPr>
-              <a:t>data</a:t>
-            </a:r>
-            <a:r>
-              <a:rPr lang="de-DE" dirty="0">
-                <a:solidFill>
-                  <a:schemeClr val="tx1">
-                    <a:lumMod val="50000"/>
-                    <a:lumOff val="50000"/>
-                  </a:schemeClr>
-                </a:solidFill>
-              </a:rPr>
-              <a:t> </a:t>
-            </a:r>
-            <a:r>
-              <a:rPr lang="de-DE" dirty="0" err="1">
-                <a:solidFill>
-                  <a:schemeClr val="tx1">
-                    <a:lumMod val="50000"/>
-                    <a:lumOff val="50000"/>
-                  </a:schemeClr>
-                </a:solidFill>
-              </a:rPr>
-              <a:t>for</a:t>
-            </a:r>
-            <a:r>
-              <a:rPr lang="de-DE" dirty="0">
-                <a:solidFill>
-                  <a:schemeClr val="tx1">
-                    <a:lumMod val="50000"/>
-                    <a:lumOff val="50000"/>
-                  </a:schemeClr>
-                </a:solidFill>
-              </a:rPr>
-              <a:t> 1958 - 1968</a:t>
-            </a:r>
-            <a:br>
-              <a:rPr lang="de-DE" dirty="0">
-                <a:solidFill>
-                  <a:schemeClr val="tx1">
-                    <a:lumMod val="50000"/>
-                    <a:lumOff val="50000"/>
-                  </a:schemeClr>
-                </a:solidFill>
-              </a:rPr>
-            </a:br>
+              <a:rPr lang="de-DE" dirty="0"/>
+              <a:t>1948 </a:t>
+            </a:r>
+            <a:r>
+              <a:rPr lang="de-DE" dirty="0" err="1"/>
+              <a:t>building</a:t>
+            </a:r>
+            <a:r>
+              <a:rPr lang="de-DE" dirty="0"/>
+              <a:t> in 2015 </a:t>
+            </a:r>
+            <a:r>
+              <a:rPr lang="de-DE" dirty="0" err="1"/>
+              <a:t>winter</a:t>
+            </a:r>
             <a:endParaRPr lang="de-DE" dirty="0"/>
           </a:p>
         </p:txBody>
       </p:sp>
-      <p:graphicFrame>
-        <p:nvGraphicFramePr>
-          <p:cNvPr id="4" name="Content Placeholder 3">
+      <p:sp>
+        <p:nvSpPr>
+          <p:cNvPr id="3" name="Inhaltsplatzhalter 2">
             <a:extLst>
               <a:ext uri="{FF2B5EF4-FFF2-40B4-BE49-F238E27FC236}">
-                <a16:creationId xmlns:a16="http://schemas.microsoft.com/office/drawing/2014/main" id="{B89F2B84-EA76-A39A-E5D6-922238E97EE6}"/>
+                <a16:creationId xmlns:a16="http://schemas.microsoft.com/office/drawing/2014/main" id="{6603635D-F04A-01DD-14F5-A66936E3D38C}"/>
               </a:ext>
             </a:extLst>
           </p:cNvPr>
-          <p:cNvGraphicFramePr>
-            <a:graphicFrameLocks noGrp="1"/>
-          </p:cNvGraphicFramePr>
+          <p:cNvSpPr>
+            <a:spLocks noGrp="1"/>
+          </p:cNvSpPr>
           <p:nvPr>
             <p:ph idx="1"/>
-            <p:extLst>
-              <p:ext uri="{D42A27DB-BD31-4B8C-83A1-F6EECF244321}">
-                <p14:modId xmlns:p14="http://schemas.microsoft.com/office/powerpoint/2010/main" val="2204620412"/>
-              </p:ext>
-            </p:extLst>
           </p:nvPr>
-        </p:nvGraphicFramePr>
-        <p:xfrm>
-          <a:off x="5914231" y="1887197"/>
-          <a:ext cx="3588544" cy="3468579"/>
-        </p:xfrm>
-        <a:graphic>
-          <a:graphicData uri="http://schemas.openxmlformats.org/drawingml/2006/table">
-            <a:tbl>
-              <a:tblPr/>
-              <a:tblGrid>
-                <a:gridCol w="1238148">
-                  <a:extLst>
-                    <a:ext uri="{9D8B030D-6E8A-4147-A177-3AD203B41FA5}">
-                      <a16:colId xmlns:a16="http://schemas.microsoft.com/office/drawing/2014/main" val="708977181"/>
-                    </a:ext>
-                  </a:extLst>
-                </a:gridCol>
-                <a:gridCol w="1238148">
-                  <a:extLst>
-                    <a:ext uri="{9D8B030D-6E8A-4147-A177-3AD203B41FA5}">
-                      <a16:colId xmlns:a16="http://schemas.microsoft.com/office/drawing/2014/main" val="3510200545"/>
-                    </a:ext>
-                  </a:extLst>
-                </a:gridCol>
-                <a:gridCol w="1112248">
-                  <a:extLst>
-                    <a:ext uri="{9D8B030D-6E8A-4147-A177-3AD203B41FA5}">
-                      <a16:colId xmlns:a16="http://schemas.microsoft.com/office/drawing/2014/main" val="771396892"/>
-                    </a:ext>
-                  </a:extLst>
-                </a:gridCol>
-              </a:tblGrid>
-              <a:tr h="149536">
-                <a:tc>
-                  <a:txBody>
-                    <a:bodyPr/>
-                    <a:lstStyle/>
-                    <a:p>
-                      <a:pPr algn="ctr"/>
-                      <a:r>
-                        <a:rPr lang="de-DE" sz="1000" dirty="0"/>
-                        <a:t>Roof</a:t>
-                      </a:r>
-                    </a:p>
-                  </a:txBody>
-                  <a:tcPr marL="175" marR="175" marT="175" marB="175">
-                    <a:lnL>
-                      <a:noFill/>
-                    </a:lnL>
-                    <a:lnR>
-                      <a:noFill/>
-                    </a:lnR>
-                    <a:lnT>
-                      <a:noFill/>
-                    </a:lnT>
-                    <a:lnB>
-                      <a:noFill/>
-                    </a:lnB>
-                    <a:noFill/>
-                  </a:tcPr>
-                </a:tc>
-                <a:tc>
-                  <a:txBody>
-                    <a:bodyPr/>
-                    <a:lstStyle/>
-                    <a:p>
-                      <a:pPr algn="ctr"/>
-                      <a:r>
-                        <a:rPr lang="de-DE" sz="1000"/>
-                        <a:t>168.9 m</a:t>
-                      </a:r>
-                      <a:r>
-                        <a:rPr lang="de-DE" sz="1000" baseline="30000"/>
-                        <a:t>2</a:t>
-                      </a:r>
-                      <a:endParaRPr lang="de-DE" sz="1000"/>
-                    </a:p>
-                  </a:txBody>
-                  <a:tcPr marL="175" marR="175" marT="175" marB="175">
-                    <a:lnL>
-                      <a:noFill/>
-                    </a:lnL>
-                    <a:lnR>
-                      <a:noFill/>
-                    </a:lnR>
-                    <a:lnT>
-                      <a:noFill/>
-                    </a:lnT>
-                    <a:lnB>
-                      <a:noFill/>
-                    </a:lnB>
-                    <a:noFill/>
-                  </a:tcPr>
-                </a:tc>
-                <a:tc>
-                  <a:txBody>
-                    <a:bodyPr/>
-                    <a:lstStyle/>
-                    <a:p>
-                      <a:pPr algn="ctr"/>
-                      <a:r>
-                        <a:rPr lang="de-DE" sz="1000"/>
-                        <a:t>168.9m</a:t>
-                      </a:r>
-                      <a:r>
-                        <a:rPr lang="de-DE" sz="1000" baseline="30000"/>
-                        <a:t>2</a:t>
-                      </a:r>
-                      <a:endParaRPr lang="de-DE" sz="1000"/>
-                    </a:p>
-                  </a:txBody>
-                  <a:tcPr marL="175" marR="175" marT="175" marB="175">
-                    <a:lnL>
-                      <a:noFill/>
-                    </a:lnL>
-                    <a:lnR>
-                      <a:noFill/>
-                    </a:lnR>
-                    <a:lnT>
-                      <a:noFill/>
-                    </a:lnT>
-                    <a:lnB>
-                      <a:noFill/>
-                    </a:lnB>
-                    <a:noFill/>
-                  </a:tcPr>
-                </a:tc>
-                <a:extLst>
-                  <a:ext uri="{0D108BD9-81ED-4DB2-BD59-A6C34878D82A}">
-                    <a16:rowId xmlns:a16="http://schemas.microsoft.com/office/drawing/2014/main" val="305611027"/>
-                  </a:ext>
-                </a:extLst>
-              </a:tr>
-              <a:tr h="148243">
-                <a:tc>
-                  <a:txBody>
-                    <a:bodyPr/>
-                    <a:lstStyle/>
-                    <a:p>
-                      <a:pPr algn="ctr"/>
-                      <a:endParaRPr lang="en-US" sz="1000" dirty="0"/>
-                    </a:p>
-                  </a:txBody>
-                  <a:tcPr marL="175" marR="175" marT="175" marB="175" anchor="ctr">
-                    <a:lnL>
-                      <a:noFill/>
-                    </a:lnL>
-                    <a:lnR>
-                      <a:noFill/>
-                    </a:lnR>
-                    <a:lnT>
-                      <a:noFill/>
-                    </a:lnT>
-                    <a:lnB>
-                      <a:noFill/>
-                    </a:lnB>
-                    <a:noFill/>
-                  </a:tcPr>
-                </a:tc>
-                <a:tc>
-                  <a:txBody>
-                    <a:bodyPr/>
-                    <a:lstStyle/>
-                    <a:p>
-                      <a:pPr algn="ctr"/>
-                      <a:endParaRPr lang="en-US" sz="1000"/>
-                    </a:p>
-                  </a:txBody>
-                  <a:tcPr marL="175" marR="175" marT="175" marB="175">
-                    <a:lnL>
-                      <a:noFill/>
-                    </a:lnL>
-                    <a:lnR>
-                      <a:noFill/>
-                    </a:lnR>
-                    <a:lnT>
-                      <a:noFill/>
-                    </a:lnT>
-                    <a:lnB>
-                      <a:noFill/>
-                    </a:lnB>
-                    <a:noFill/>
-                  </a:tcPr>
-                </a:tc>
-                <a:tc>
-                  <a:txBody>
-                    <a:bodyPr/>
-                    <a:lstStyle/>
-                    <a:p>
-                      <a:pPr algn="ctr"/>
-                      <a:endParaRPr lang="de-DE" sz="1000" dirty="0"/>
-                    </a:p>
-                  </a:txBody>
-                  <a:tcPr marL="175" marR="175" marT="175" marB="175">
-                    <a:lnL>
-                      <a:noFill/>
-                    </a:lnL>
-                    <a:lnR>
-                      <a:noFill/>
-                    </a:lnR>
-                    <a:lnT>
-                      <a:noFill/>
-                    </a:lnT>
-                    <a:lnB>
-                      <a:noFill/>
-                    </a:lnB>
-                    <a:noFill/>
-                  </a:tcPr>
-                </a:tc>
-                <a:extLst>
-                  <a:ext uri="{0D108BD9-81ED-4DB2-BD59-A6C34878D82A}">
-                    <a16:rowId xmlns:a16="http://schemas.microsoft.com/office/drawing/2014/main" val="1498780541"/>
-                  </a:ext>
-                </a:extLst>
-              </a:tr>
-              <a:tr h="148243">
-                <a:tc>
-                  <a:txBody>
-                    <a:bodyPr/>
-                    <a:lstStyle/>
-                    <a:p>
-                      <a:pPr algn="ctr"/>
-                      <a:r>
-                        <a:rPr lang="de-DE" sz="1000" dirty="0"/>
-                        <a:t>Picture</a:t>
-                      </a:r>
-                    </a:p>
-                  </a:txBody>
-                  <a:tcPr marL="175" marR="175" marT="175" marB="175" anchor="ctr">
-                    <a:lnL>
-                      <a:noFill/>
-                    </a:lnL>
-                    <a:lnR>
-                      <a:noFill/>
-                    </a:lnR>
-                    <a:lnT>
-                      <a:noFill/>
-                    </a:lnT>
-                    <a:lnB>
-                      <a:noFill/>
-                    </a:lnB>
-                    <a:noFill/>
-                  </a:tcPr>
-                </a:tc>
-                <a:tc>
-                  <a:txBody>
-                    <a:bodyPr/>
-                    <a:lstStyle/>
-                    <a:p>
-                      <a:pPr algn="ctr"/>
-                      <a:endParaRPr lang="de-DE" sz="1000"/>
-                    </a:p>
-                  </a:txBody>
-                  <a:tcPr marL="175" marR="175" marT="175" marB="175">
-                    <a:lnL>
-                      <a:noFill/>
-                    </a:lnL>
-                    <a:lnR>
-                      <a:noFill/>
-                    </a:lnR>
-                    <a:lnT>
-                      <a:noFill/>
-                    </a:lnT>
-                    <a:lnB>
-                      <a:noFill/>
-                    </a:lnB>
-                    <a:noFill/>
-                  </a:tcPr>
-                </a:tc>
-                <a:tc>
-                  <a:txBody>
-                    <a:bodyPr/>
-                    <a:lstStyle/>
-                    <a:p>
-                      <a:pPr algn="ctr"/>
-                      <a:endParaRPr lang="de-DE" sz="1000"/>
-                    </a:p>
-                  </a:txBody>
-                  <a:tcPr marL="175" marR="175" marT="175" marB="175">
-                    <a:lnL>
-                      <a:noFill/>
-                    </a:lnL>
-                    <a:lnR>
-                      <a:noFill/>
-                    </a:lnR>
-                    <a:lnT>
-                      <a:noFill/>
-                    </a:lnT>
-                    <a:lnB>
-                      <a:noFill/>
-                    </a:lnB>
-                    <a:noFill/>
-                  </a:tcPr>
-                </a:tc>
-                <a:extLst>
-                  <a:ext uri="{0D108BD9-81ED-4DB2-BD59-A6C34878D82A}">
-                    <a16:rowId xmlns:a16="http://schemas.microsoft.com/office/drawing/2014/main" val="3801926917"/>
-                  </a:ext>
-                </a:extLst>
-              </a:tr>
-              <a:tr h="148243">
-                <a:tc>
-                  <a:txBody>
-                    <a:bodyPr/>
-                    <a:lstStyle/>
-                    <a:p>
-                      <a:pPr algn="ctr"/>
-                      <a:r>
-                        <a:rPr lang="de-DE" sz="1000" dirty="0"/>
-                        <a:t>U-</a:t>
-                      </a:r>
-                      <a:r>
-                        <a:rPr lang="de-DE" sz="1000" dirty="0" err="1"/>
-                        <a:t>value</a:t>
-                      </a:r>
-                      <a:endParaRPr lang="de-DE" sz="1000" dirty="0"/>
-                    </a:p>
-                  </a:txBody>
-                  <a:tcPr marL="175" marR="175" marT="175" marB="175" anchor="ctr">
-                    <a:lnL>
-                      <a:noFill/>
-                    </a:lnL>
-                    <a:lnR>
-                      <a:noFill/>
-                    </a:lnR>
-                    <a:lnT>
-                      <a:noFill/>
-                    </a:lnT>
-                    <a:lnB>
-                      <a:noFill/>
-                    </a:lnB>
-                    <a:noFill/>
-                  </a:tcPr>
-                </a:tc>
-                <a:tc>
-                  <a:txBody>
-                    <a:bodyPr/>
-                    <a:lstStyle/>
-                    <a:p>
-                      <a:pPr algn="ctr">
-                        <a:buNone/>
-                      </a:pPr>
-                      <a:r>
-                        <a:rPr lang="de-DE" sz="1000"/>
-                        <a:t>0.80 W/(m</a:t>
-                      </a:r>
-                      <a:r>
-                        <a:rPr lang="de-DE" sz="1000" baseline="30000"/>
-                        <a:t>2</a:t>
-                      </a:r>
-                      <a:r>
-                        <a:rPr lang="de-DE" sz="1000"/>
-                        <a:t>K)</a:t>
-                      </a:r>
-                    </a:p>
-                  </a:txBody>
-                  <a:tcPr marL="175" marR="175" marT="175" marB="175" anchor="ctr">
-                    <a:lnL>
-                      <a:noFill/>
-                    </a:lnL>
-                    <a:lnR>
-                      <a:noFill/>
-                    </a:lnR>
-                    <a:lnT>
-                      <a:noFill/>
-                    </a:lnT>
-                    <a:lnB>
-                      <a:noFill/>
-                    </a:lnB>
-                    <a:noFill/>
-                  </a:tcPr>
-                </a:tc>
-                <a:tc>
-                  <a:txBody>
-                    <a:bodyPr/>
-                    <a:lstStyle/>
-                    <a:p>
-                      <a:pPr algn="ctr">
-                        <a:buNone/>
-                      </a:pPr>
-                      <a:r>
-                        <a:rPr lang="de-DE" sz="1000"/>
-                        <a:t>0.41 W/(m</a:t>
-                      </a:r>
-                      <a:r>
-                        <a:rPr lang="de-DE" sz="1000" baseline="30000"/>
-                        <a:t>2</a:t>
-                      </a:r>
-                      <a:r>
-                        <a:rPr lang="de-DE" sz="1000"/>
-                        <a:t>K)</a:t>
-                      </a:r>
-                    </a:p>
-                  </a:txBody>
-                  <a:tcPr marL="175" marR="175" marT="175" marB="175" anchor="ctr">
-                    <a:lnL>
-                      <a:noFill/>
-                    </a:lnL>
-                    <a:lnR>
-                      <a:noFill/>
-                    </a:lnR>
-                    <a:lnT>
-                      <a:noFill/>
-                    </a:lnT>
-                    <a:lnB>
-                      <a:noFill/>
-                    </a:lnB>
-                    <a:noFill/>
-                  </a:tcPr>
-                </a:tc>
-                <a:extLst>
-                  <a:ext uri="{0D108BD9-81ED-4DB2-BD59-A6C34878D82A}">
-                    <a16:rowId xmlns:a16="http://schemas.microsoft.com/office/drawing/2014/main" val="3819316049"/>
-                  </a:ext>
-                </a:extLst>
-              </a:tr>
-              <a:tr h="148243">
-                <a:tc rowSpan="4">
-                  <a:txBody>
-                    <a:bodyPr/>
-                    <a:lstStyle/>
-                    <a:p>
-                      <a:pPr algn="ctr"/>
-                      <a:r>
-                        <a:rPr lang="de-DE" sz="1000" dirty="0"/>
-                        <a:t>Wall 1</a:t>
-                      </a:r>
-                    </a:p>
-                  </a:txBody>
-                  <a:tcPr marL="175" marR="175" marT="175" marB="175" anchor="ctr">
-                    <a:lnL>
-                      <a:noFill/>
-                    </a:lnL>
-                    <a:lnR>
-                      <a:noFill/>
-                    </a:lnR>
-                    <a:lnT>
-                      <a:noFill/>
-                    </a:lnT>
-                    <a:lnB>
-                      <a:noFill/>
-                    </a:lnB>
-                    <a:noFill/>
-                  </a:tcPr>
-                </a:tc>
-                <a:tc>
-                  <a:txBody>
-                    <a:bodyPr/>
-                    <a:lstStyle/>
-                    <a:p>
-                      <a:pPr algn="ctr"/>
-                      <a:r>
-                        <a:rPr lang="de-DE" sz="1000"/>
-                        <a:t>surface area</a:t>
-                      </a:r>
-                    </a:p>
-                  </a:txBody>
-                  <a:tcPr marL="175" marR="175" marT="175" marB="175" anchor="ctr">
-                    <a:lnL>
-                      <a:noFill/>
-                    </a:lnL>
-                    <a:lnR>
-                      <a:noFill/>
-                    </a:lnR>
-                    <a:lnT>
-                      <a:noFill/>
-                    </a:lnT>
-                    <a:lnB>
-                      <a:noFill/>
-                    </a:lnB>
-                    <a:noFill/>
-                  </a:tcPr>
-                </a:tc>
-                <a:tc>
-                  <a:txBody>
-                    <a:bodyPr/>
-                    <a:lstStyle/>
-                    <a:p>
-                      <a:pPr algn="ctr"/>
-                      <a:r>
-                        <a:rPr lang="de-DE" sz="1000" dirty="0"/>
-                        <a:t>141.2m</a:t>
-                      </a:r>
-                      <a:r>
-                        <a:rPr lang="de-DE" sz="1000" baseline="30000" dirty="0"/>
-                        <a:t>2</a:t>
-                      </a:r>
-                      <a:endParaRPr lang="de-DE" sz="1000" dirty="0"/>
-                    </a:p>
-                  </a:txBody>
-                  <a:tcPr marL="175" marR="175" marT="175" marB="175">
-                    <a:lnL>
-                      <a:noFill/>
-                    </a:lnL>
-                    <a:lnR>
-                      <a:noFill/>
-                    </a:lnR>
-                    <a:lnT>
-                      <a:noFill/>
-                    </a:lnT>
-                    <a:lnB>
-                      <a:noFill/>
-                    </a:lnB>
-                    <a:noFill/>
-                  </a:tcPr>
-                </a:tc>
-                <a:extLst>
-                  <a:ext uri="{0D108BD9-81ED-4DB2-BD59-A6C34878D82A}">
-                    <a16:rowId xmlns:a16="http://schemas.microsoft.com/office/drawing/2014/main" val="2126366399"/>
-                  </a:ext>
-                </a:extLst>
-              </a:tr>
-              <a:tr h="148243">
-                <a:tc vMerge="1">
-                  <a:txBody>
-                    <a:bodyPr/>
-                    <a:lstStyle/>
-                    <a:p>
-                      <a:endParaRPr lang="de-DE"/>
-                    </a:p>
-                  </a:txBody>
-                  <a:tcPr/>
-                </a:tc>
-                <a:tc>
-                  <a:txBody>
-                    <a:bodyPr/>
-                    <a:lstStyle/>
-                    <a:p>
-                      <a:pPr algn="ctr"/>
-                      <a:endParaRPr lang="en-US" sz="1000" dirty="0"/>
-                    </a:p>
-                  </a:txBody>
-                  <a:tcPr marL="175" marR="175" marT="175" marB="175" anchor="ctr">
-                    <a:lnL>
-                      <a:noFill/>
-                    </a:lnL>
-                    <a:lnR>
-                      <a:noFill/>
-                    </a:lnR>
-                    <a:lnT>
-                      <a:noFill/>
-                    </a:lnT>
-                    <a:lnB>
-                      <a:noFill/>
-                    </a:lnB>
-                    <a:noFill/>
-                  </a:tcPr>
-                </a:tc>
-                <a:tc>
-                  <a:txBody>
-                    <a:bodyPr/>
-                    <a:lstStyle/>
-                    <a:p>
-                      <a:pPr algn="ctr"/>
-                      <a:endParaRPr lang="de-DE" sz="1000" dirty="0"/>
-                    </a:p>
-                  </a:txBody>
-                  <a:tcPr marL="175" marR="175" marT="175" marB="175">
-                    <a:lnL>
-                      <a:noFill/>
-                    </a:lnL>
-                    <a:lnR>
-                      <a:noFill/>
-                    </a:lnR>
-                    <a:lnT>
-                      <a:noFill/>
-                    </a:lnT>
-                    <a:lnB>
-                      <a:noFill/>
-                    </a:lnB>
-                    <a:noFill/>
-                  </a:tcPr>
-                </a:tc>
-                <a:extLst>
-                  <a:ext uri="{0D108BD9-81ED-4DB2-BD59-A6C34878D82A}">
-                    <a16:rowId xmlns:a16="http://schemas.microsoft.com/office/drawing/2014/main" val="3796607507"/>
-                  </a:ext>
-                </a:extLst>
-              </a:tr>
-              <a:tr h="148243">
-                <a:tc vMerge="1">
-                  <a:txBody>
-                    <a:bodyPr/>
-                    <a:lstStyle/>
-                    <a:p>
-                      <a:endParaRPr lang="de-DE"/>
-                    </a:p>
-                  </a:txBody>
-                  <a:tcPr/>
-                </a:tc>
-                <a:tc>
-                  <a:txBody>
-                    <a:bodyPr/>
-                    <a:lstStyle/>
-                    <a:p>
-                      <a:pPr algn="ctr"/>
-                      <a:r>
-                        <a:rPr lang="de-DE" sz="1000" dirty="0" err="1"/>
-                        <a:t>picture</a:t>
-                      </a:r>
-                      <a:endParaRPr lang="de-DE" sz="1000" dirty="0"/>
-                    </a:p>
-                  </a:txBody>
-                  <a:tcPr marL="175" marR="175" marT="175" marB="175" anchor="ctr">
-                    <a:lnL>
-                      <a:noFill/>
-                    </a:lnL>
-                    <a:lnR>
-                      <a:noFill/>
-                    </a:lnR>
-                    <a:lnT>
-                      <a:noFill/>
-                    </a:lnT>
-                    <a:lnB>
-                      <a:noFill/>
-                    </a:lnB>
-                    <a:noFill/>
-                  </a:tcPr>
-                </a:tc>
-                <a:tc>
-                  <a:txBody>
-                    <a:bodyPr/>
-                    <a:lstStyle/>
-                    <a:p>
-                      <a:pPr algn="ctr"/>
-                      <a:endParaRPr lang="de-DE" sz="1000" dirty="0"/>
-                    </a:p>
-                  </a:txBody>
-                  <a:tcPr marL="175" marR="175" marT="175" marB="175">
-                    <a:lnL>
-                      <a:noFill/>
-                    </a:lnL>
-                    <a:lnR>
-                      <a:noFill/>
-                    </a:lnR>
-                    <a:lnT>
-                      <a:noFill/>
-                    </a:lnT>
-                    <a:lnB>
-                      <a:noFill/>
-                    </a:lnB>
-                    <a:noFill/>
-                  </a:tcPr>
-                </a:tc>
-                <a:extLst>
-                  <a:ext uri="{0D108BD9-81ED-4DB2-BD59-A6C34878D82A}">
-                    <a16:rowId xmlns:a16="http://schemas.microsoft.com/office/drawing/2014/main" val="1024505900"/>
-                  </a:ext>
-                </a:extLst>
-              </a:tr>
-              <a:tr h="148243">
-                <a:tc vMerge="1">
-                  <a:txBody>
-                    <a:bodyPr/>
-                    <a:lstStyle/>
-                    <a:p>
-                      <a:endParaRPr lang="de-DE"/>
-                    </a:p>
-                  </a:txBody>
-                  <a:tcPr/>
-                </a:tc>
-                <a:tc>
-                  <a:txBody>
-                    <a:bodyPr/>
-                    <a:lstStyle/>
-                    <a:p>
-                      <a:pPr algn="ctr"/>
-                      <a:r>
-                        <a:rPr lang="de-DE" sz="1000"/>
-                        <a:t>U-value</a:t>
-                      </a:r>
-                    </a:p>
-                  </a:txBody>
-                  <a:tcPr marL="175" marR="175" marT="175" marB="175" anchor="ctr">
-                    <a:lnL>
-                      <a:noFill/>
-                    </a:lnL>
-                    <a:lnR>
-                      <a:noFill/>
-                    </a:lnR>
-                    <a:lnT>
-                      <a:noFill/>
-                    </a:lnT>
-                    <a:lnB>
-                      <a:noFill/>
-                    </a:lnB>
-                    <a:noFill/>
-                  </a:tcPr>
-                </a:tc>
-                <a:tc>
-                  <a:txBody>
-                    <a:bodyPr/>
-                    <a:lstStyle/>
-                    <a:p>
-                      <a:pPr algn="ctr">
-                        <a:buNone/>
-                      </a:pPr>
-                      <a:r>
-                        <a:rPr lang="de-DE" sz="1000" dirty="0"/>
-                        <a:t>1.20 W/(m</a:t>
-                      </a:r>
-                      <a:r>
-                        <a:rPr lang="de-DE" sz="1000" baseline="30000" dirty="0"/>
-                        <a:t>2</a:t>
-                      </a:r>
-                      <a:r>
-                        <a:rPr lang="de-DE" sz="1000" dirty="0"/>
-                        <a:t>K)</a:t>
-                      </a:r>
-                    </a:p>
-                  </a:txBody>
-                  <a:tcPr marL="175" marR="175" marT="175" marB="175" anchor="ctr">
-                    <a:lnL>
-                      <a:noFill/>
-                    </a:lnL>
-                    <a:lnR>
-                      <a:noFill/>
-                    </a:lnR>
-                    <a:lnT>
-                      <a:noFill/>
-                    </a:lnT>
-                    <a:lnB>
-                      <a:noFill/>
-                    </a:lnB>
-                    <a:noFill/>
-                  </a:tcPr>
-                </a:tc>
-                <a:extLst>
-                  <a:ext uri="{0D108BD9-81ED-4DB2-BD59-A6C34878D82A}">
-                    <a16:rowId xmlns:a16="http://schemas.microsoft.com/office/drawing/2014/main" val="1490733988"/>
-                  </a:ext>
-                </a:extLst>
-              </a:tr>
-              <a:tr h="148243">
-                <a:tc rowSpan="4">
-                  <a:txBody>
-                    <a:bodyPr/>
-                    <a:lstStyle/>
-                    <a:p>
-                      <a:pPr algn="ctr"/>
-                      <a:r>
-                        <a:rPr lang="de-DE" sz="1000"/>
-                        <a:t>Wall 2</a:t>
-                      </a:r>
-                    </a:p>
-                  </a:txBody>
-                  <a:tcPr marL="175" marR="175" marT="175" marB="175" anchor="ctr">
-                    <a:lnL>
-                      <a:noFill/>
-                    </a:lnL>
-                    <a:lnR>
-                      <a:noFill/>
-                    </a:lnR>
-                    <a:lnT>
-                      <a:noFill/>
-                    </a:lnT>
-                    <a:lnB>
-                      <a:noFill/>
-                    </a:lnB>
-                    <a:noFill/>
-                  </a:tcPr>
-                </a:tc>
-                <a:tc>
-                  <a:txBody>
-                    <a:bodyPr/>
-                    <a:lstStyle/>
-                    <a:p>
-                      <a:pPr algn="ctr"/>
-                      <a:r>
-                        <a:rPr lang="de-DE" sz="1000"/>
-                        <a:t>surface area</a:t>
-                      </a:r>
-                    </a:p>
-                  </a:txBody>
-                  <a:tcPr marL="175" marR="175" marT="175" marB="175" anchor="ctr">
-                    <a:lnL>
-                      <a:noFill/>
-                    </a:lnL>
-                    <a:lnR>
-                      <a:noFill/>
-                    </a:lnR>
-                    <a:lnT>
-                      <a:noFill/>
-                    </a:lnT>
-                    <a:lnB>
-                      <a:noFill/>
-                    </a:lnB>
-                    <a:noFill/>
-                  </a:tcPr>
-                </a:tc>
-                <a:tc>
-                  <a:txBody>
-                    <a:bodyPr/>
-                    <a:lstStyle/>
-                    <a:p>
-                      <a:pPr algn="ctr"/>
-                      <a:r>
-                        <a:rPr lang="de-DE" sz="1000" dirty="0"/>
-                        <a:t>8.7m</a:t>
-                      </a:r>
-                      <a:r>
-                        <a:rPr lang="de-DE" sz="1000" baseline="30000" dirty="0"/>
-                        <a:t>2</a:t>
-                      </a:r>
-                      <a:endParaRPr lang="de-DE" sz="1000" dirty="0"/>
-                    </a:p>
-                  </a:txBody>
-                  <a:tcPr marL="175" marR="175" marT="175" marB="175">
-                    <a:lnL>
-                      <a:noFill/>
-                    </a:lnL>
-                    <a:lnR>
-                      <a:noFill/>
-                    </a:lnR>
-                    <a:lnT>
-                      <a:noFill/>
-                    </a:lnT>
-                    <a:lnB>
-                      <a:noFill/>
-                    </a:lnB>
-                    <a:noFill/>
-                  </a:tcPr>
-                </a:tc>
-                <a:extLst>
-                  <a:ext uri="{0D108BD9-81ED-4DB2-BD59-A6C34878D82A}">
-                    <a16:rowId xmlns:a16="http://schemas.microsoft.com/office/drawing/2014/main" val="1829033268"/>
-                  </a:ext>
-                </a:extLst>
-              </a:tr>
-              <a:tr h="236034">
-                <a:tc vMerge="1">
-                  <a:txBody>
-                    <a:bodyPr/>
-                    <a:lstStyle/>
-                    <a:p>
-                      <a:endParaRPr lang="de-DE"/>
-                    </a:p>
-                  </a:txBody>
-                  <a:tcPr/>
-                </a:tc>
-                <a:tc>
-                  <a:txBody>
-                    <a:bodyPr/>
-                    <a:lstStyle/>
-                    <a:p>
-                      <a:pPr algn="ctr"/>
-                      <a:endParaRPr lang="en-US" sz="1000" dirty="0"/>
-                    </a:p>
-                  </a:txBody>
-                  <a:tcPr marL="175" marR="175" marT="175" marB="175" anchor="ctr">
-                    <a:lnL>
-                      <a:noFill/>
-                    </a:lnL>
-                    <a:lnR>
-                      <a:noFill/>
-                    </a:lnR>
-                    <a:lnT>
-                      <a:noFill/>
-                    </a:lnT>
-                    <a:lnB>
-                      <a:noFill/>
-                    </a:lnB>
-                    <a:noFill/>
-                  </a:tcPr>
-                </a:tc>
-                <a:tc>
-                  <a:txBody>
-                    <a:bodyPr/>
-                    <a:lstStyle/>
-                    <a:p>
-                      <a:pPr algn="ctr"/>
-                      <a:endParaRPr lang="de-DE" sz="1000" dirty="0"/>
-                    </a:p>
-                  </a:txBody>
-                  <a:tcPr marL="175" marR="175" marT="175" marB="175">
-                    <a:lnL>
-                      <a:noFill/>
-                    </a:lnL>
-                    <a:lnR>
-                      <a:noFill/>
-                    </a:lnR>
-                    <a:lnT>
-                      <a:noFill/>
-                    </a:lnT>
-                    <a:lnB>
-                      <a:noFill/>
-                    </a:lnB>
-                    <a:noFill/>
-                  </a:tcPr>
-                </a:tc>
-                <a:extLst>
-                  <a:ext uri="{0D108BD9-81ED-4DB2-BD59-A6C34878D82A}">
-                    <a16:rowId xmlns:a16="http://schemas.microsoft.com/office/drawing/2014/main" val="901643382"/>
-                  </a:ext>
-                </a:extLst>
-              </a:tr>
-              <a:tr h="148243">
-                <a:tc vMerge="1">
-                  <a:txBody>
-                    <a:bodyPr/>
-                    <a:lstStyle/>
-                    <a:p>
-                      <a:endParaRPr lang="de-DE"/>
-                    </a:p>
-                  </a:txBody>
-                  <a:tcPr/>
-                </a:tc>
-                <a:tc>
-                  <a:txBody>
-                    <a:bodyPr/>
-                    <a:lstStyle/>
-                    <a:p>
-                      <a:pPr algn="ctr"/>
-                      <a:r>
-                        <a:rPr lang="de-DE" sz="1000"/>
-                        <a:t>picture</a:t>
-                      </a:r>
-                    </a:p>
-                  </a:txBody>
-                  <a:tcPr marL="175" marR="175" marT="175" marB="175" anchor="ctr">
-                    <a:lnL>
-                      <a:noFill/>
-                    </a:lnL>
-                    <a:lnR>
-                      <a:noFill/>
-                    </a:lnR>
-                    <a:lnT>
-                      <a:noFill/>
-                    </a:lnT>
-                    <a:lnB>
-                      <a:noFill/>
-                    </a:lnB>
-                    <a:noFill/>
-                  </a:tcPr>
-                </a:tc>
-                <a:tc>
-                  <a:txBody>
-                    <a:bodyPr/>
-                    <a:lstStyle/>
-                    <a:p>
-                      <a:pPr algn="ctr"/>
-                      <a:endParaRPr lang="de-DE" sz="1000"/>
-                    </a:p>
-                  </a:txBody>
-                  <a:tcPr marL="175" marR="175" marT="175" marB="175">
-                    <a:lnL>
-                      <a:noFill/>
-                    </a:lnL>
-                    <a:lnR>
-                      <a:noFill/>
-                    </a:lnR>
-                    <a:lnT>
-                      <a:noFill/>
-                    </a:lnT>
-                    <a:lnB>
-                      <a:noFill/>
-                    </a:lnB>
-                    <a:noFill/>
-                  </a:tcPr>
-                </a:tc>
-                <a:extLst>
-                  <a:ext uri="{0D108BD9-81ED-4DB2-BD59-A6C34878D82A}">
-                    <a16:rowId xmlns:a16="http://schemas.microsoft.com/office/drawing/2014/main" val="3405159125"/>
-                  </a:ext>
-                </a:extLst>
-              </a:tr>
-              <a:tr h="148243">
-                <a:tc vMerge="1">
-                  <a:txBody>
-                    <a:bodyPr/>
-                    <a:lstStyle/>
-                    <a:p>
-                      <a:endParaRPr lang="de-DE"/>
-                    </a:p>
-                  </a:txBody>
-                  <a:tcPr/>
-                </a:tc>
-                <a:tc>
-                  <a:txBody>
-                    <a:bodyPr/>
-                    <a:lstStyle/>
-                    <a:p>
-                      <a:pPr algn="ctr"/>
-                      <a:r>
-                        <a:rPr lang="de-DE" sz="1000"/>
-                        <a:t>U-value</a:t>
-                      </a:r>
-                    </a:p>
-                  </a:txBody>
-                  <a:tcPr marL="175" marR="175" marT="175" marB="175" anchor="ctr">
-                    <a:lnL>
-                      <a:noFill/>
-                    </a:lnL>
-                    <a:lnR>
-                      <a:noFill/>
-                    </a:lnR>
-                    <a:lnT>
-                      <a:noFill/>
-                    </a:lnT>
-                    <a:lnB>
-                      <a:noFill/>
-                    </a:lnB>
-                    <a:noFill/>
-                  </a:tcPr>
-                </a:tc>
-                <a:tc>
-                  <a:txBody>
-                    <a:bodyPr/>
-                    <a:lstStyle/>
-                    <a:p>
-                      <a:pPr algn="ctr">
-                        <a:buNone/>
-                      </a:pPr>
-                      <a:r>
-                        <a:rPr lang="de-DE" sz="1000"/>
-                        <a:t>0.80 W/(m</a:t>
-                      </a:r>
-                      <a:r>
-                        <a:rPr lang="de-DE" sz="1000" baseline="30000"/>
-                        <a:t>2</a:t>
-                      </a:r>
-                      <a:r>
-                        <a:rPr lang="de-DE" sz="1000"/>
-                        <a:t>K)</a:t>
-                      </a:r>
-                    </a:p>
-                  </a:txBody>
-                  <a:tcPr marL="175" marR="175" marT="175" marB="175" anchor="ctr">
-                    <a:lnL>
-                      <a:noFill/>
-                    </a:lnL>
-                    <a:lnR>
-                      <a:noFill/>
-                    </a:lnR>
-                    <a:lnT>
-                      <a:noFill/>
-                    </a:lnT>
-                    <a:lnB>
-                      <a:noFill/>
-                    </a:lnB>
-                    <a:noFill/>
-                  </a:tcPr>
-                </a:tc>
-                <a:extLst>
-                  <a:ext uri="{0D108BD9-81ED-4DB2-BD59-A6C34878D82A}">
-                    <a16:rowId xmlns:a16="http://schemas.microsoft.com/office/drawing/2014/main" val="2440184351"/>
-                  </a:ext>
-                </a:extLst>
-              </a:tr>
-              <a:tr h="148243">
-                <a:tc rowSpan="4">
-                  <a:txBody>
-                    <a:bodyPr/>
-                    <a:lstStyle/>
-                    <a:p>
-                      <a:pPr algn="ctr"/>
-                      <a:r>
-                        <a:rPr lang="de-DE" sz="1000"/>
-                        <a:t>Floor 1</a:t>
-                      </a:r>
-                    </a:p>
-                  </a:txBody>
-                  <a:tcPr marL="175" marR="175" marT="175" marB="175" anchor="ctr">
-                    <a:lnL>
-                      <a:noFill/>
-                    </a:lnL>
-                    <a:lnR>
-                      <a:noFill/>
-                    </a:lnR>
-                    <a:lnT>
-                      <a:noFill/>
-                    </a:lnT>
-                    <a:lnB>
-                      <a:noFill/>
-                    </a:lnB>
-                    <a:noFill/>
-                  </a:tcPr>
-                </a:tc>
-                <a:tc>
-                  <a:txBody>
-                    <a:bodyPr/>
-                    <a:lstStyle/>
-                    <a:p>
-                      <a:pPr algn="ctr"/>
-                      <a:r>
-                        <a:rPr lang="de-DE" sz="1000"/>
-                        <a:t>surface area</a:t>
-                      </a:r>
-                    </a:p>
-                  </a:txBody>
-                  <a:tcPr marL="175" marR="175" marT="175" marB="175" anchor="ctr">
-                    <a:lnL>
-                      <a:noFill/>
-                    </a:lnL>
-                    <a:lnR>
-                      <a:noFill/>
-                    </a:lnR>
-                    <a:lnT>
-                      <a:noFill/>
-                    </a:lnT>
-                    <a:lnB>
-                      <a:noFill/>
-                    </a:lnB>
-                    <a:noFill/>
-                  </a:tcPr>
-                </a:tc>
-                <a:tc>
-                  <a:txBody>
-                    <a:bodyPr/>
-                    <a:lstStyle/>
-                    <a:p>
-                      <a:pPr algn="ctr"/>
-                      <a:r>
-                        <a:rPr lang="de-DE" sz="1000"/>
-                        <a:t>115.8m</a:t>
-                      </a:r>
-                      <a:r>
-                        <a:rPr lang="de-DE" sz="1000" baseline="30000"/>
-                        <a:t>2</a:t>
-                      </a:r>
-                      <a:endParaRPr lang="de-DE" sz="1000"/>
-                    </a:p>
-                  </a:txBody>
-                  <a:tcPr marL="175" marR="175" marT="175" marB="175">
-                    <a:lnL>
-                      <a:noFill/>
-                    </a:lnL>
-                    <a:lnR>
-                      <a:noFill/>
-                    </a:lnR>
-                    <a:lnT>
-                      <a:noFill/>
-                    </a:lnT>
-                    <a:lnB>
-                      <a:noFill/>
-                    </a:lnB>
-                    <a:noFill/>
-                  </a:tcPr>
-                </a:tc>
-                <a:extLst>
-                  <a:ext uri="{0D108BD9-81ED-4DB2-BD59-A6C34878D82A}">
-                    <a16:rowId xmlns:a16="http://schemas.microsoft.com/office/drawing/2014/main" val="3406390501"/>
-                  </a:ext>
-                </a:extLst>
-              </a:tr>
-              <a:tr h="267056">
-                <a:tc vMerge="1">
-                  <a:txBody>
-                    <a:bodyPr/>
-                    <a:lstStyle/>
-                    <a:p>
-                      <a:endParaRPr lang="de-DE"/>
-                    </a:p>
-                  </a:txBody>
-                  <a:tcPr/>
-                </a:tc>
-                <a:tc>
-                  <a:txBody>
-                    <a:bodyPr/>
-                    <a:lstStyle/>
-                    <a:p>
-                      <a:pPr algn="ctr"/>
-                      <a:endParaRPr lang="en-US" sz="1000" dirty="0"/>
-                    </a:p>
-                  </a:txBody>
-                  <a:tcPr marL="175" marR="175" marT="175" marB="175" anchor="ctr">
-                    <a:lnL>
-                      <a:noFill/>
-                    </a:lnL>
-                    <a:lnR>
-                      <a:noFill/>
-                    </a:lnR>
-                    <a:lnT>
-                      <a:noFill/>
-                    </a:lnT>
-                    <a:lnB>
-                      <a:noFill/>
-                    </a:lnB>
-                    <a:noFill/>
-                  </a:tcPr>
-                </a:tc>
-                <a:tc>
-                  <a:txBody>
-                    <a:bodyPr/>
-                    <a:lstStyle/>
-                    <a:p>
-                      <a:pPr algn="ctr"/>
-                      <a:endParaRPr lang="de-DE" sz="1000" dirty="0"/>
-                    </a:p>
-                  </a:txBody>
-                  <a:tcPr marL="175" marR="175" marT="175" marB="175">
-                    <a:lnL>
-                      <a:noFill/>
-                    </a:lnL>
-                    <a:lnR>
-                      <a:noFill/>
-                    </a:lnR>
-                    <a:lnT>
-                      <a:noFill/>
-                    </a:lnT>
-                    <a:lnB>
-                      <a:noFill/>
-                    </a:lnB>
-                    <a:noFill/>
-                  </a:tcPr>
-                </a:tc>
-                <a:extLst>
-                  <a:ext uri="{0D108BD9-81ED-4DB2-BD59-A6C34878D82A}">
-                    <a16:rowId xmlns:a16="http://schemas.microsoft.com/office/drawing/2014/main" val="617245304"/>
-                  </a:ext>
-                </a:extLst>
-              </a:tr>
-              <a:tr h="148243">
-                <a:tc vMerge="1">
-                  <a:txBody>
-                    <a:bodyPr/>
-                    <a:lstStyle/>
-                    <a:p>
-                      <a:endParaRPr lang="de-DE"/>
-                    </a:p>
-                  </a:txBody>
-                  <a:tcPr/>
-                </a:tc>
-                <a:tc>
-                  <a:txBody>
-                    <a:bodyPr/>
-                    <a:lstStyle/>
-                    <a:p>
-                      <a:pPr algn="ctr"/>
-                      <a:r>
-                        <a:rPr lang="de-DE" sz="1000"/>
-                        <a:t>picture</a:t>
-                      </a:r>
-                    </a:p>
-                  </a:txBody>
-                  <a:tcPr marL="175" marR="175" marT="175" marB="175" anchor="ctr">
-                    <a:lnL>
-                      <a:noFill/>
-                    </a:lnL>
-                    <a:lnR>
-                      <a:noFill/>
-                    </a:lnR>
-                    <a:lnT>
-                      <a:noFill/>
-                    </a:lnT>
-                    <a:lnB>
-                      <a:noFill/>
-                    </a:lnB>
-                    <a:noFill/>
-                  </a:tcPr>
-                </a:tc>
-                <a:tc>
-                  <a:txBody>
-                    <a:bodyPr/>
-                    <a:lstStyle/>
-                    <a:p>
-                      <a:pPr algn="ctr"/>
-                      <a:endParaRPr lang="de-DE" sz="1000"/>
-                    </a:p>
-                  </a:txBody>
-                  <a:tcPr marL="175" marR="175" marT="175" marB="175">
-                    <a:lnL>
-                      <a:noFill/>
-                    </a:lnL>
-                    <a:lnR>
-                      <a:noFill/>
-                    </a:lnR>
-                    <a:lnT>
-                      <a:noFill/>
-                    </a:lnT>
-                    <a:lnB>
-                      <a:noFill/>
-                    </a:lnB>
-                    <a:noFill/>
-                  </a:tcPr>
-                </a:tc>
-                <a:extLst>
-                  <a:ext uri="{0D108BD9-81ED-4DB2-BD59-A6C34878D82A}">
-                    <a16:rowId xmlns:a16="http://schemas.microsoft.com/office/drawing/2014/main" val="462515652"/>
-                  </a:ext>
-                </a:extLst>
-              </a:tr>
-              <a:tr h="148243">
-                <a:tc vMerge="1">
-                  <a:txBody>
-                    <a:bodyPr/>
-                    <a:lstStyle/>
-                    <a:p>
-                      <a:endParaRPr lang="de-DE"/>
-                    </a:p>
-                  </a:txBody>
-                  <a:tcPr/>
-                </a:tc>
-                <a:tc>
-                  <a:txBody>
-                    <a:bodyPr/>
-                    <a:lstStyle/>
-                    <a:p>
-                      <a:pPr algn="ctr"/>
-                      <a:r>
-                        <a:rPr lang="de-DE" sz="1000"/>
-                        <a:t>U-value</a:t>
-                      </a:r>
-                    </a:p>
-                  </a:txBody>
-                  <a:tcPr marL="175" marR="175" marT="175" marB="175" anchor="ctr">
-                    <a:lnL>
-                      <a:noFill/>
-                    </a:lnL>
-                    <a:lnR>
-                      <a:noFill/>
-                    </a:lnR>
-                    <a:lnT>
-                      <a:noFill/>
-                    </a:lnT>
-                    <a:lnB>
-                      <a:noFill/>
-                    </a:lnB>
-                    <a:noFill/>
-                  </a:tcPr>
-                </a:tc>
-                <a:tc>
-                  <a:txBody>
-                    <a:bodyPr/>
-                    <a:lstStyle/>
-                    <a:p>
-                      <a:pPr algn="ctr">
-                        <a:buNone/>
-                      </a:pPr>
-                      <a:r>
-                        <a:rPr lang="de-DE" sz="1000"/>
-                        <a:t>1.08 W/(m</a:t>
-                      </a:r>
-                      <a:r>
-                        <a:rPr lang="de-DE" sz="1000" baseline="30000"/>
-                        <a:t>2</a:t>
-                      </a:r>
-                      <a:r>
-                        <a:rPr lang="de-DE" sz="1000"/>
-                        <a:t>K)</a:t>
-                      </a:r>
-                    </a:p>
-                  </a:txBody>
-                  <a:tcPr marL="175" marR="175" marT="175" marB="175" anchor="ctr">
-                    <a:lnL>
-                      <a:noFill/>
-                    </a:lnL>
-                    <a:lnR>
-                      <a:noFill/>
-                    </a:lnR>
-                    <a:lnT>
-                      <a:noFill/>
-                    </a:lnT>
-                    <a:lnB>
-                      <a:noFill/>
-                    </a:lnB>
-                    <a:noFill/>
-                  </a:tcPr>
-                </a:tc>
-                <a:extLst>
-                  <a:ext uri="{0D108BD9-81ED-4DB2-BD59-A6C34878D82A}">
-                    <a16:rowId xmlns:a16="http://schemas.microsoft.com/office/drawing/2014/main" val="1266199987"/>
-                  </a:ext>
-                </a:extLst>
-              </a:tr>
-              <a:tr h="368739">
-                <a:tc rowSpan="4">
-                  <a:txBody>
-                    <a:bodyPr/>
-                    <a:lstStyle/>
-                    <a:p>
-                      <a:pPr algn="ctr"/>
-                      <a:r>
-                        <a:rPr lang="de-DE" sz="1000"/>
-                        <a:t>Window 1</a:t>
-                      </a:r>
-                    </a:p>
-                  </a:txBody>
-                  <a:tcPr marL="175" marR="175" marT="175" marB="175" anchor="ctr">
-                    <a:lnL>
-                      <a:noFill/>
-                    </a:lnL>
-                    <a:lnR>
-                      <a:noFill/>
-                    </a:lnR>
-                    <a:lnT>
-                      <a:noFill/>
-                    </a:lnT>
-                    <a:lnB>
-                      <a:noFill/>
-                    </a:lnB>
-                    <a:noFill/>
-                  </a:tcPr>
-                </a:tc>
-                <a:tc>
-                  <a:txBody>
-                    <a:bodyPr/>
-                    <a:lstStyle/>
-                    <a:p>
-                      <a:pPr algn="ctr"/>
-                      <a:r>
-                        <a:rPr lang="de-DE" sz="1000"/>
-                        <a:t>surface area</a:t>
-                      </a:r>
-                    </a:p>
-                  </a:txBody>
-                  <a:tcPr marL="175" marR="175" marT="175" marB="175" anchor="ctr">
-                    <a:lnL>
-                      <a:noFill/>
-                    </a:lnL>
-                    <a:lnR>
-                      <a:noFill/>
-                    </a:lnR>
-                    <a:lnT>
-                      <a:noFill/>
-                    </a:lnT>
-                    <a:lnB>
-                      <a:noFill/>
-                    </a:lnB>
-                    <a:noFill/>
-                  </a:tcPr>
-                </a:tc>
-                <a:tc>
-                  <a:txBody>
-                    <a:bodyPr/>
-                    <a:lstStyle/>
-                    <a:p>
-                      <a:pPr algn="ctr"/>
-                      <a:r>
-                        <a:rPr lang="de-DE" sz="1000"/>
-                        <a:t>27.1m</a:t>
-                      </a:r>
-                      <a:r>
-                        <a:rPr lang="de-DE" sz="1000" baseline="30000"/>
-                        <a:t>2</a:t>
-                      </a:r>
-                      <a:endParaRPr lang="de-DE" sz="1000"/>
-                    </a:p>
-                  </a:txBody>
-                  <a:tcPr marL="175" marR="175" marT="175" marB="175">
-                    <a:lnL>
-                      <a:noFill/>
-                    </a:lnL>
-                    <a:lnR>
-                      <a:noFill/>
-                    </a:lnR>
-                    <a:lnT>
-                      <a:noFill/>
-                    </a:lnT>
-                    <a:lnB>
-                      <a:noFill/>
-                    </a:lnB>
-                    <a:noFill/>
-                  </a:tcPr>
-                </a:tc>
-                <a:extLst>
-                  <a:ext uri="{0D108BD9-81ED-4DB2-BD59-A6C34878D82A}">
-                    <a16:rowId xmlns:a16="http://schemas.microsoft.com/office/drawing/2014/main" val="2907841251"/>
-                  </a:ext>
-                </a:extLst>
-              </a:tr>
-              <a:tr h="148243">
-                <a:tc vMerge="1">
-                  <a:txBody>
-                    <a:bodyPr/>
-                    <a:lstStyle/>
-                    <a:p>
-                      <a:endParaRPr lang="de-DE"/>
-                    </a:p>
-                  </a:txBody>
-                  <a:tcPr/>
-                </a:tc>
-                <a:tc>
-                  <a:txBody>
-                    <a:bodyPr/>
-                    <a:lstStyle/>
-                    <a:p>
-                      <a:pPr algn="ctr"/>
-                      <a:endParaRPr lang="en-US" sz="1000" dirty="0"/>
-                    </a:p>
-                  </a:txBody>
-                  <a:tcPr marL="175" marR="175" marT="175" marB="175" anchor="ctr">
-                    <a:lnL>
-                      <a:noFill/>
-                    </a:lnL>
-                    <a:lnR>
-                      <a:noFill/>
-                    </a:lnR>
-                    <a:lnT>
-                      <a:noFill/>
-                    </a:lnT>
-                    <a:lnB>
-                      <a:noFill/>
-                    </a:lnB>
-                    <a:noFill/>
-                  </a:tcPr>
-                </a:tc>
-                <a:tc>
-                  <a:txBody>
-                    <a:bodyPr/>
-                    <a:lstStyle/>
-                    <a:p>
-                      <a:pPr algn="ctr"/>
-                      <a:endParaRPr lang="de-DE" sz="1000" dirty="0"/>
-                    </a:p>
-                  </a:txBody>
-                  <a:tcPr marL="175" marR="175" marT="175" marB="175">
-                    <a:lnL>
-                      <a:noFill/>
-                    </a:lnL>
-                    <a:lnR>
-                      <a:noFill/>
-                    </a:lnR>
-                    <a:lnT>
-                      <a:noFill/>
-                    </a:lnT>
-                    <a:lnB>
-                      <a:noFill/>
-                    </a:lnB>
-                    <a:noFill/>
-                  </a:tcPr>
-                </a:tc>
-                <a:extLst>
-                  <a:ext uri="{0D108BD9-81ED-4DB2-BD59-A6C34878D82A}">
-                    <a16:rowId xmlns:a16="http://schemas.microsoft.com/office/drawing/2014/main" val="1004028915"/>
-                  </a:ext>
-                </a:extLst>
-              </a:tr>
-              <a:tr h="148243">
-                <a:tc vMerge="1">
-                  <a:txBody>
-                    <a:bodyPr/>
-                    <a:lstStyle/>
-                    <a:p>
-                      <a:endParaRPr lang="de-DE"/>
-                    </a:p>
-                  </a:txBody>
-                  <a:tcPr/>
-                </a:tc>
-                <a:tc>
-                  <a:txBody>
-                    <a:bodyPr/>
-                    <a:lstStyle/>
-                    <a:p>
-                      <a:pPr algn="ctr"/>
-                      <a:r>
-                        <a:rPr lang="de-DE" sz="1000" dirty="0" err="1"/>
-                        <a:t>picture</a:t>
-                      </a:r>
-                      <a:endParaRPr lang="de-DE" sz="1000" dirty="0"/>
-                    </a:p>
-                  </a:txBody>
-                  <a:tcPr marL="175" marR="175" marT="175" marB="175" anchor="ctr">
-                    <a:lnL>
-                      <a:noFill/>
-                    </a:lnL>
-                    <a:lnR>
-                      <a:noFill/>
-                    </a:lnR>
-                    <a:lnT>
-                      <a:noFill/>
-                    </a:lnT>
-                    <a:lnB>
-                      <a:noFill/>
-                    </a:lnB>
-                    <a:noFill/>
-                  </a:tcPr>
-                </a:tc>
-                <a:tc>
-                  <a:txBody>
-                    <a:bodyPr/>
-                    <a:lstStyle/>
-                    <a:p>
-                      <a:pPr algn="ctr"/>
-                      <a:endParaRPr lang="de-DE" sz="1000"/>
-                    </a:p>
-                  </a:txBody>
-                  <a:tcPr marL="175" marR="175" marT="175" marB="175">
-                    <a:lnL>
-                      <a:noFill/>
-                    </a:lnL>
-                    <a:lnR>
-                      <a:noFill/>
-                    </a:lnR>
-                    <a:lnT>
-                      <a:noFill/>
-                    </a:lnT>
-                    <a:lnB>
-                      <a:noFill/>
-                    </a:lnB>
-                    <a:noFill/>
-                  </a:tcPr>
-                </a:tc>
-                <a:extLst>
-                  <a:ext uri="{0D108BD9-81ED-4DB2-BD59-A6C34878D82A}">
-                    <a16:rowId xmlns:a16="http://schemas.microsoft.com/office/drawing/2014/main" val="2979433074"/>
-                  </a:ext>
-                </a:extLst>
-              </a:tr>
-              <a:tr h="148243">
-                <a:tc vMerge="1">
-                  <a:txBody>
-                    <a:bodyPr/>
-                    <a:lstStyle/>
-                    <a:p>
-                      <a:endParaRPr lang="de-DE"/>
-                    </a:p>
-                  </a:txBody>
-                  <a:tcPr/>
-                </a:tc>
-                <a:tc>
-                  <a:txBody>
-                    <a:bodyPr/>
-                    <a:lstStyle/>
-                    <a:p>
-                      <a:pPr algn="ctr"/>
-                      <a:r>
-                        <a:rPr lang="de-DE" sz="1000" dirty="0"/>
-                        <a:t>U-</a:t>
-                      </a:r>
-                      <a:r>
-                        <a:rPr lang="de-DE" sz="1000" dirty="0" err="1"/>
-                        <a:t>value</a:t>
-                      </a:r>
-                      <a:endParaRPr lang="de-DE" sz="1000" dirty="0"/>
-                    </a:p>
-                  </a:txBody>
-                  <a:tcPr marL="175" marR="175" marT="175" marB="175" anchor="ctr">
-                    <a:lnL>
-                      <a:noFill/>
-                    </a:lnL>
-                    <a:lnR>
-                      <a:noFill/>
-                    </a:lnR>
-                    <a:lnT>
-                      <a:noFill/>
-                    </a:lnT>
-                    <a:lnB>
-                      <a:noFill/>
-                    </a:lnB>
-                    <a:noFill/>
-                  </a:tcPr>
-                </a:tc>
-                <a:tc>
-                  <a:txBody>
-                    <a:bodyPr/>
-                    <a:lstStyle/>
-                    <a:p>
-                      <a:pPr algn="ctr">
-                        <a:buNone/>
-                      </a:pPr>
-                      <a:r>
-                        <a:rPr lang="de-DE" sz="1000" dirty="0"/>
-                        <a:t>2.80 W/(m</a:t>
-                      </a:r>
-                      <a:r>
-                        <a:rPr lang="de-DE" sz="1000" baseline="30000" dirty="0"/>
-                        <a:t>2</a:t>
-                      </a:r>
-                      <a:r>
-                        <a:rPr lang="de-DE" sz="1000" dirty="0"/>
-                        <a:t>K)</a:t>
-                      </a:r>
-                    </a:p>
-                  </a:txBody>
-                  <a:tcPr marL="175" marR="175" marT="175" marB="175" anchor="ctr">
-                    <a:lnL>
-                      <a:noFill/>
-                    </a:lnL>
-                    <a:lnR>
-                      <a:noFill/>
-                    </a:lnR>
-                    <a:lnT>
-                      <a:noFill/>
-                    </a:lnT>
-                    <a:lnB>
-                      <a:noFill/>
-                    </a:lnB>
-                    <a:noFill/>
-                  </a:tcPr>
-                </a:tc>
-                <a:extLst>
-                  <a:ext uri="{0D108BD9-81ED-4DB2-BD59-A6C34878D82A}">
-                    <a16:rowId xmlns:a16="http://schemas.microsoft.com/office/drawing/2014/main" val="829078152"/>
-                  </a:ext>
-                </a:extLst>
-              </a:tr>
-            </a:tbl>
-          </a:graphicData>
-        </a:graphic>
-      </p:graphicFrame>
+        </p:nvSpPr>
+        <p:spPr/>
+        <p:txBody>
+          <a:bodyPr>
+            <a:normAutofit/>
+          </a:bodyPr>
+          <a:lstStyle/>
+          <a:p>
+            <a:endParaRPr lang="de-DE" dirty="0"/>
+          </a:p>
+          <a:p>
+            <a:endParaRPr lang="de-DE" dirty="0">
+              <a:hlinkClick r:id="" action="ppaction://noaction"/>
+            </a:endParaRPr>
+          </a:p>
+          <a:p>
+            <a:endParaRPr lang="de-DE" dirty="0">
+              <a:hlinkClick r:id="" action="ppaction://noaction"/>
+            </a:endParaRPr>
+          </a:p>
+          <a:p>
+            <a:endParaRPr lang="de-DE" dirty="0">
+              <a:hlinkClick r:id="" action="ppaction://noaction"/>
+            </a:endParaRPr>
+          </a:p>
+          <a:p>
+            <a:endParaRPr lang="de-DE" dirty="0">
+              <a:hlinkClick r:id="" action="ppaction://noaction"/>
+            </a:endParaRPr>
+          </a:p>
+          <a:p>
+            <a:endParaRPr lang="de-DE" dirty="0">
+              <a:hlinkClick r:id="" action="ppaction://noaction"/>
+            </a:endParaRPr>
+          </a:p>
+          <a:p>
+            <a:endParaRPr lang="de-DE" dirty="0">
+              <a:hlinkClick r:id="" action="ppaction://noaction"/>
+            </a:endParaRPr>
+          </a:p>
+          <a:p>
+            <a:endParaRPr lang="de-DE" dirty="0"/>
+          </a:p>
+          <a:p>
+            <a:endParaRPr lang="de-DE" dirty="0"/>
+          </a:p>
+        </p:txBody>
+      </p:sp>
+      <p:sp>
+        <p:nvSpPr>
+          <p:cNvPr id="5" name="Content Placeholder 4">
+            <a:extLst>
+              <a:ext uri="{FF2B5EF4-FFF2-40B4-BE49-F238E27FC236}">
+                <a16:creationId xmlns:a16="http://schemas.microsoft.com/office/drawing/2014/main" id="{75E640C9-C2E3-6956-C23D-87B6A38F58C7}"/>
+              </a:ext>
+            </a:extLst>
+          </p:cNvPr>
+          <p:cNvSpPr txBox="1">
+            <a:spLocks/>
+          </p:cNvSpPr>
+          <p:nvPr/>
+        </p:nvSpPr>
+        <p:spPr>
+          <a:xfrm>
+            <a:off x="990600" y="1978025"/>
+            <a:ext cx="10515600" cy="4351338"/>
+          </a:xfrm>
+          <a:prstGeom prst="rect">
+            <a:avLst/>
+          </a:prstGeom>
+        </p:spPr>
+        <p:txBody>
+          <a:bodyPr vert="horz" lIns="91440" tIns="45720" rIns="91440" bIns="45720" rtlCol="0">
+            <a:normAutofit/>
+          </a:bodyPr>
+          <a:lstStyle>
+            <a:lvl1pPr marL="228600" indent="-228600" algn="l" defTabSz="914400" rtl="0" eaLnBrk="1" latinLnBrk="0" hangingPunct="1">
+              <a:lnSpc>
+                <a:spcPct val="90000"/>
+              </a:lnSpc>
+              <a:spcBef>
+                <a:spcPts val="1000"/>
+              </a:spcBef>
+              <a:buFont typeface="Arial" panose="020B0604020202020204" pitchFamily="34" charset="0"/>
+              <a:buChar char="•"/>
+              <a:defRPr sz="2800" kern="1200">
+                <a:solidFill>
+                  <a:schemeClr val="tx1"/>
+                </a:solidFill>
+                <a:latin typeface="+mn-lt"/>
+                <a:ea typeface="+mn-ea"/>
+                <a:cs typeface="+mn-cs"/>
+              </a:defRPr>
+            </a:lvl1pPr>
+            <a:lvl2pPr marL="685800" indent="-228600" algn="l" defTabSz="914400" rtl="0" eaLnBrk="1" latinLnBrk="0" hangingPunct="1">
+              <a:lnSpc>
+                <a:spcPct val="90000"/>
+              </a:lnSpc>
+              <a:spcBef>
+                <a:spcPts val="500"/>
+              </a:spcBef>
+              <a:buFont typeface="Arial" panose="020B0604020202020204" pitchFamily="34" charset="0"/>
+              <a:buChar char="•"/>
+              <a:defRPr sz="2400" kern="1200">
+                <a:solidFill>
+                  <a:schemeClr val="tx1"/>
+                </a:solidFill>
+                <a:latin typeface="+mn-lt"/>
+                <a:ea typeface="+mn-ea"/>
+                <a:cs typeface="+mn-cs"/>
+              </a:defRPr>
+            </a:lvl2pPr>
+            <a:lvl3pPr marL="1143000" indent="-228600" algn="l" defTabSz="914400" rtl="0" eaLnBrk="1" latinLnBrk="0" hangingPunct="1">
+              <a:lnSpc>
+                <a:spcPct val="90000"/>
+              </a:lnSpc>
+              <a:spcBef>
+                <a:spcPts val="500"/>
+              </a:spcBef>
+              <a:buFont typeface="Arial" panose="020B0604020202020204" pitchFamily="34" charset="0"/>
+              <a:buChar char="•"/>
+              <a:defRPr sz="2000" kern="1200">
+                <a:solidFill>
+                  <a:schemeClr val="tx1"/>
+                </a:solidFill>
+                <a:latin typeface="+mn-lt"/>
+                <a:ea typeface="+mn-ea"/>
+                <a:cs typeface="+mn-cs"/>
+              </a:defRPr>
+            </a:lvl3pPr>
+            <a:lvl4pPr marL="1600200" indent="-228600" algn="l" defTabSz="914400" rtl="0" eaLnBrk="1" latinLnBrk="0" hangingPunct="1">
+              <a:lnSpc>
+                <a:spcPct val="90000"/>
+              </a:lnSpc>
+              <a:spcBef>
+                <a:spcPts val="500"/>
+              </a:spcBef>
+              <a:buFont typeface="Arial" panose="020B0604020202020204" pitchFamily="34" charset="0"/>
+              <a:buChar char="•"/>
+              <a:defRPr sz="1800" kern="1200">
+                <a:solidFill>
+                  <a:schemeClr val="tx1"/>
+                </a:solidFill>
+                <a:latin typeface="+mn-lt"/>
+                <a:ea typeface="+mn-ea"/>
+                <a:cs typeface="+mn-cs"/>
+              </a:defRPr>
+            </a:lvl4pPr>
+            <a:lvl5pPr marL="2057400" indent="-228600" algn="l" defTabSz="914400" rtl="0" eaLnBrk="1" latinLnBrk="0" hangingPunct="1">
+              <a:lnSpc>
+                <a:spcPct val="90000"/>
+              </a:lnSpc>
+              <a:spcBef>
+                <a:spcPts val="500"/>
+              </a:spcBef>
+              <a:buFont typeface="Arial" panose="020B0604020202020204" pitchFamily="34" charset="0"/>
+              <a:buChar char="•"/>
+              <a:defRPr sz="1800" kern="1200">
+                <a:solidFill>
+                  <a:schemeClr val="tx1"/>
+                </a:solidFill>
+                <a:latin typeface="+mn-lt"/>
+                <a:ea typeface="+mn-ea"/>
+                <a:cs typeface="+mn-cs"/>
+              </a:defRPr>
+            </a:lvl5pPr>
+            <a:lvl6pPr marL="2514600" indent="-228600" algn="l" defTabSz="914400" rtl="0" eaLnBrk="1" latinLnBrk="0" hangingPunct="1">
+              <a:lnSpc>
+                <a:spcPct val="90000"/>
+              </a:lnSpc>
+              <a:spcBef>
+                <a:spcPts val="500"/>
+              </a:spcBef>
+              <a:buFont typeface="Arial" panose="020B0604020202020204" pitchFamily="34" charset="0"/>
+              <a:buChar char="•"/>
+              <a:defRPr sz="1800" kern="1200">
+                <a:solidFill>
+                  <a:schemeClr val="tx1"/>
+                </a:solidFill>
+                <a:latin typeface="+mn-lt"/>
+                <a:ea typeface="+mn-ea"/>
+                <a:cs typeface="+mn-cs"/>
+              </a:defRPr>
+            </a:lvl6pPr>
+            <a:lvl7pPr marL="2971800" indent="-228600" algn="l" defTabSz="914400" rtl="0" eaLnBrk="1" latinLnBrk="0" hangingPunct="1">
+              <a:lnSpc>
+                <a:spcPct val="90000"/>
+              </a:lnSpc>
+              <a:spcBef>
+                <a:spcPts val="500"/>
+              </a:spcBef>
+              <a:buFont typeface="Arial" panose="020B0604020202020204" pitchFamily="34" charset="0"/>
+              <a:buChar char="•"/>
+              <a:defRPr sz="1800" kern="1200">
+                <a:solidFill>
+                  <a:schemeClr val="tx1"/>
+                </a:solidFill>
+                <a:latin typeface="+mn-lt"/>
+                <a:ea typeface="+mn-ea"/>
+                <a:cs typeface="+mn-cs"/>
+              </a:defRPr>
+            </a:lvl7pPr>
+            <a:lvl8pPr marL="3429000" indent="-228600" algn="l" defTabSz="914400" rtl="0" eaLnBrk="1" latinLnBrk="0" hangingPunct="1">
+              <a:lnSpc>
+                <a:spcPct val="90000"/>
+              </a:lnSpc>
+              <a:spcBef>
+                <a:spcPts val="500"/>
+              </a:spcBef>
+              <a:buFont typeface="Arial" panose="020B0604020202020204" pitchFamily="34" charset="0"/>
+              <a:buChar char="•"/>
+              <a:defRPr sz="1800" kern="1200">
+                <a:solidFill>
+                  <a:schemeClr val="tx1"/>
+                </a:solidFill>
+                <a:latin typeface="+mn-lt"/>
+                <a:ea typeface="+mn-ea"/>
+                <a:cs typeface="+mn-cs"/>
+              </a:defRPr>
+            </a:lvl8pPr>
+            <a:lvl9pPr marL="3886200" indent="-228600" algn="l" defTabSz="914400" rtl="0" eaLnBrk="1" latinLnBrk="0" hangingPunct="1">
+              <a:lnSpc>
+                <a:spcPct val="90000"/>
+              </a:lnSpc>
+              <a:spcBef>
+                <a:spcPts val="500"/>
+              </a:spcBef>
+              <a:buFont typeface="Arial" panose="020B0604020202020204" pitchFamily="34" charset="0"/>
+              <a:buChar char="•"/>
+              <a:defRPr sz="1800" kern="1200">
+                <a:solidFill>
+                  <a:schemeClr val="tx1"/>
+                </a:solidFill>
+                <a:latin typeface="+mn-lt"/>
+                <a:ea typeface="+mn-ea"/>
+                <a:cs typeface="+mn-cs"/>
+              </a:defRPr>
+            </a:lvl9pPr>
+          </a:lstStyle>
+          <a:p>
+            <a:r>
+              <a:rPr lang="de-DE" dirty="0" err="1"/>
+              <a:t>Compare</a:t>
+            </a:r>
+            <a:r>
+              <a:rPr lang="de-DE" dirty="0"/>
+              <a:t> </a:t>
+            </a:r>
+            <a:r>
+              <a:rPr lang="de-DE" dirty="0" err="1"/>
+              <a:t>to</a:t>
+            </a:r>
+            <a:r>
+              <a:rPr lang="de-DE" dirty="0"/>
+              <a:t> 1978 </a:t>
+            </a:r>
+            <a:r>
+              <a:rPr lang="de-DE" dirty="0" err="1"/>
+              <a:t>winter</a:t>
+            </a:r>
+            <a:endParaRPr lang="de-DE" dirty="0"/>
+          </a:p>
+          <a:p>
+            <a:r>
+              <a:rPr lang="de-DE" dirty="0" err="1"/>
+              <a:t>Compare</a:t>
+            </a:r>
+            <a:r>
+              <a:rPr lang="de-DE" dirty="0"/>
+              <a:t> </a:t>
+            </a:r>
+            <a:r>
+              <a:rPr lang="de-DE" dirty="0" err="1"/>
+              <a:t>to</a:t>
+            </a:r>
+            <a:r>
+              <a:rPr lang="de-DE" dirty="0"/>
+              <a:t> </a:t>
+            </a:r>
+            <a:r>
+              <a:rPr lang="de-DE" dirty="0" err="1"/>
+              <a:t>the</a:t>
+            </a:r>
+            <a:r>
+              <a:rPr lang="de-DE" dirty="0"/>
+              <a:t> </a:t>
+            </a:r>
+            <a:r>
+              <a:rPr lang="de-DE" dirty="0" err="1"/>
+              <a:t>refurbished</a:t>
+            </a:r>
+            <a:r>
+              <a:rPr lang="de-DE" dirty="0"/>
+              <a:t> 1948 </a:t>
+            </a:r>
+            <a:r>
+              <a:rPr lang="de-DE" dirty="0" err="1"/>
+              <a:t>version</a:t>
+            </a:r>
+            <a:r>
+              <a:rPr lang="de-DE" dirty="0"/>
+              <a:t> </a:t>
+            </a:r>
+            <a:r>
+              <a:rPr lang="de-DE" dirty="0" err="1"/>
+              <a:t>winter</a:t>
+            </a:r>
+            <a:endParaRPr lang="de-DE" dirty="0"/>
+          </a:p>
+        </p:txBody>
+      </p:sp>
     </p:spTree>
     <p:extLst>
       <p:ext uri="{BB962C8B-B14F-4D97-AF65-F5344CB8AC3E}">
-        <p14:creationId xmlns:p14="http://schemas.microsoft.com/office/powerpoint/2010/main" val="321713422"/>
+        <p14:creationId xmlns:p14="http://schemas.microsoft.com/office/powerpoint/2010/main" val="2766896664"/>
       </p:ext>
     </p:extLst>
   </p:cSld>
@@ -17275,2237 +13876,49 @@
           <a:p>
             <a:r>
               <a:rPr lang="de-DE" dirty="0"/>
-              <a:t>modern</a:t>
-            </a:r>
+              <a:t>2016 </a:t>
+            </a:r>
+            <a:r>
+              <a:rPr lang="de-DE" dirty="0" err="1"/>
+              <a:t>building</a:t>
+            </a:r>
+            <a:r>
+              <a:rPr lang="de-DE" dirty="0"/>
+              <a:t> </a:t>
+            </a:r>
+            <a:r>
+              <a:rPr lang="de-DE"/>
+              <a:t>in 2015</a:t>
+            </a:r>
+            <a:endParaRPr lang="de-DE" dirty="0"/>
           </a:p>
         </p:txBody>
       </p:sp>
-      <p:graphicFrame>
-        <p:nvGraphicFramePr>
-          <p:cNvPr id="4" name="Content Placeholder 3">
+      <p:sp>
+        <p:nvSpPr>
+          <p:cNvPr id="5" name="Content Placeholder 4">
             <a:extLst>
               <a:ext uri="{FF2B5EF4-FFF2-40B4-BE49-F238E27FC236}">
-                <a16:creationId xmlns:a16="http://schemas.microsoft.com/office/drawing/2014/main" id="{69A70DBA-BDCB-FCE3-D310-B4C1B0F859CC}"/>
+                <a16:creationId xmlns:a16="http://schemas.microsoft.com/office/drawing/2014/main" id="{446FB924-4AAC-874C-44A8-F732AE5E15E1}"/>
               </a:ext>
             </a:extLst>
           </p:cNvPr>
-          <p:cNvGraphicFramePr>
-            <a:graphicFrameLocks noGrp="1"/>
-          </p:cNvGraphicFramePr>
+          <p:cNvSpPr>
+            <a:spLocks noGrp="1"/>
+          </p:cNvSpPr>
           <p:nvPr>
             <p:ph idx="1"/>
-            <p:extLst>
-              <p:ext uri="{D42A27DB-BD31-4B8C-83A1-F6EECF244321}">
-                <p14:modId xmlns:p14="http://schemas.microsoft.com/office/powerpoint/2010/main" val="3725768470"/>
-              </p:ext>
-            </p:extLst>
           </p:nvPr>
-        </p:nvGraphicFramePr>
-        <p:xfrm>
-          <a:off x="4381500" y="3352800"/>
-          <a:ext cx="5667251" cy="2446784"/>
-        </p:xfrm>
-        <a:graphic>
-          <a:graphicData uri="http://schemas.openxmlformats.org/drawingml/2006/table">
-            <a:tbl>
-              <a:tblPr/>
-              <a:tblGrid>
-                <a:gridCol w="623051">
-                  <a:extLst>
-                    <a:ext uri="{9D8B030D-6E8A-4147-A177-3AD203B41FA5}">
-                      <a16:colId xmlns:a16="http://schemas.microsoft.com/office/drawing/2014/main" val="3756685258"/>
-                    </a:ext>
-                  </a:extLst>
-                </a:gridCol>
-                <a:gridCol w="1869134">
-                  <a:extLst>
-                    <a:ext uri="{9D8B030D-6E8A-4147-A177-3AD203B41FA5}">
-                      <a16:colId xmlns:a16="http://schemas.microsoft.com/office/drawing/2014/main" val="965737958"/>
-                    </a:ext>
-                  </a:extLst>
-                </a:gridCol>
-                <a:gridCol w="1869134">
-                  <a:extLst>
-                    <a:ext uri="{9D8B030D-6E8A-4147-A177-3AD203B41FA5}">
-                      <a16:colId xmlns:a16="http://schemas.microsoft.com/office/drawing/2014/main" val="1887536846"/>
-                    </a:ext>
-                  </a:extLst>
-                </a:gridCol>
-                <a:gridCol w="745061">
-                  <a:extLst>
-                    <a:ext uri="{9D8B030D-6E8A-4147-A177-3AD203B41FA5}">
-                      <a16:colId xmlns:a16="http://schemas.microsoft.com/office/drawing/2014/main" val="846676962"/>
-                    </a:ext>
-                  </a:extLst>
-                </a:gridCol>
-                <a:gridCol w="560871">
-                  <a:extLst>
-                    <a:ext uri="{9D8B030D-6E8A-4147-A177-3AD203B41FA5}">
-                      <a16:colId xmlns:a16="http://schemas.microsoft.com/office/drawing/2014/main" val="2557751187"/>
-                    </a:ext>
-                  </a:extLst>
-                </a:gridCol>
-              </a:tblGrid>
-              <a:tr h="53333">
-                <a:tc rowSpan="4">
-                  <a:txBody>
-                    <a:bodyPr/>
-                    <a:lstStyle/>
-                    <a:p>
-                      <a:pPr algn="ctr"/>
-                      <a:r>
-                        <a:rPr lang="de-DE" sz="1000"/>
-                        <a:t>Roof 1</a:t>
-                      </a:r>
-                    </a:p>
-                  </a:txBody>
-                  <a:tcPr marL="262" marR="262" marT="262" marB="262" anchor="ctr">
-                    <a:lnL>
-                      <a:noFill/>
-                    </a:lnL>
-                    <a:lnR>
-                      <a:noFill/>
-                    </a:lnR>
-                    <a:lnT>
-                      <a:noFill/>
-                    </a:lnT>
-                    <a:lnB>
-                      <a:noFill/>
-                    </a:lnB>
-                    <a:noFill/>
-                  </a:tcPr>
-                </a:tc>
-                <a:tc>
-                  <a:txBody>
-                    <a:bodyPr/>
-                    <a:lstStyle/>
-                    <a:p>
-                      <a:pPr algn="ctr"/>
-                      <a:r>
-                        <a:rPr lang="de-DE" sz="1000"/>
-                        <a:t>surface area</a:t>
-                      </a:r>
-                    </a:p>
-                  </a:txBody>
-                  <a:tcPr marL="262" marR="262" marT="262" marB="262" anchor="ctr">
-                    <a:lnL>
-                      <a:noFill/>
-                    </a:lnL>
-                    <a:lnR>
-                      <a:noFill/>
-                    </a:lnR>
-                    <a:lnT>
-                      <a:noFill/>
-                    </a:lnT>
-                    <a:lnB>
-                      <a:noFill/>
-                    </a:lnB>
-                    <a:noFill/>
-                  </a:tcPr>
-                </a:tc>
-                <a:tc>
-                  <a:txBody>
-                    <a:bodyPr/>
-                    <a:lstStyle/>
-                    <a:p>
-                      <a:pPr algn="ctr"/>
-                      <a:r>
-                        <a:rPr lang="de-DE" sz="1000"/>
-                        <a:t>131.9m</a:t>
-                      </a:r>
-                      <a:r>
-                        <a:rPr lang="de-DE" sz="1000" baseline="30000"/>
-                        <a:t>2</a:t>
-                      </a:r>
-                      <a:endParaRPr lang="de-DE" sz="1000"/>
-                    </a:p>
-                  </a:txBody>
-                  <a:tcPr marL="262" marR="262" marT="262" marB="262">
-                    <a:lnL>
-                      <a:noFill/>
-                    </a:lnL>
-                    <a:lnR>
-                      <a:noFill/>
-                    </a:lnR>
-                    <a:lnT>
-                      <a:noFill/>
-                    </a:lnT>
-                    <a:lnB>
-                      <a:noFill/>
-                    </a:lnB>
-                    <a:noFill/>
-                  </a:tcPr>
-                </a:tc>
-                <a:tc>
-                  <a:txBody>
-                    <a:bodyPr/>
-                    <a:lstStyle/>
-                    <a:p>
-                      <a:pPr algn="ctr"/>
-                      <a:r>
-                        <a:rPr lang="de-DE" sz="1000"/>
-                        <a:t>131.9 m</a:t>
-                      </a:r>
-                      <a:r>
-                        <a:rPr lang="de-DE" sz="1000" baseline="30000"/>
-                        <a:t>2</a:t>
-                      </a:r>
-                      <a:endParaRPr lang="de-DE" sz="1000"/>
-                    </a:p>
-                  </a:txBody>
-                  <a:tcPr marL="262" marR="262" marT="262" marB="262">
-                    <a:lnL>
-                      <a:noFill/>
-                    </a:lnL>
-                    <a:lnR>
-                      <a:noFill/>
-                    </a:lnR>
-                    <a:lnT>
-                      <a:noFill/>
-                    </a:lnT>
-                    <a:lnB>
-                      <a:noFill/>
-                    </a:lnB>
-                    <a:noFill/>
-                  </a:tcPr>
-                </a:tc>
-                <a:tc>
-                  <a:txBody>
-                    <a:bodyPr/>
-                    <a:lstStyle/>
-                    <a:p>
-                      <a:pPr algn="ctr"/>
-                      <a:endParaRPr lang="de-DE" sz="1000" dirty="0"/>
-                    </a:p>
-                  </a:txBody>
-                  <a:tcPr marL="262" marR="262" marT="262" marB="262">
-                    <a:lnL>
-                      <a:noFill/>
-                    </a:lnL>
-                    <a:lnR>
-                      <a:noFill/>
-                    </a:lnR>
-                    <a:lnT>
-                      <a:noFill/>
-                    </a:lnT>
-                    <a:lnB>
-                      <a:noFill/>
-                    </a:lnB>
-                    <a:noFill/>
-                  </a:tcPr>
-                </a:tc>
-                <a:extLst>
-                  <a:ext uri="{0D108BD9-81ED-4DB2-BD59-A6C34878D82A}">
-                    <a16:rowId xmlns:a16="http://schemas.microsoft.com/office/drawing/2014/main" val="4210133131"/>
-                  </a:ext>
-                </a:extLst>
-              </a:tr>
-              <a:tr h="87893">
-                <a:tc vMerge="1">
-                  <a:txBody>
-                    <a:bodyPr/>
-                    <a:lstStyle/>
-                    <a:p>
-                      <a:endParaRPr lang="de-DE"/>
-                    </a:p>
-                  </a:txBody>
-                  <a:tcPr/>
-                </a:tc>
-                <a:tc>
-                  <a:txBody>
-                    <a:bodyPr/>
-                    <a:lstStyle/>
-                    <a:p>
-                      <a:pPr algn="ctr"/>
-                      <a:endParaRPr lang="en-US" sz="1000" dirty="0"/>
-                    </a:p>
-                  </a:txBody>
-                  <a:tcPr marL="262" marR="262" marT="262" marB="262" anchor="ctr">
-                    <a:lnL>
-                      <a:noFill/>
-                    </a:lnL>
-                    <a:lnR>
-                      <a:noFill/>
-                    </a:lnR>
-                    <a:lnT>
-                      <a:noFill/>
-                    </a:lnT>
-                    <a:lnB>
-                      <a:noFill/>
-                    </a:lnB>
-                    <a:noFill/>
-                  </a:tcPr>
-                </a:tc>
-                <a:tc>
-                  <a:txBody>
-                    <a:bodyPr/>
-                    <a:lstStyle/>
-                    <a:p>
-                      <a:pPr algn="ctr"/>
-                      <a:endParaRPr lang="de-DE" sz="1000" dirty="0"/>
-                    </a:p>
-                  </a:txBody>
-                  <a:tcPr marL="262" marR="262" marT="262" marB="262">
-                    <a:lnL>
-                      <a:noFill/>
-                    </a:lnL>
-                    <a:lnR>
-                      <a:noFill/>
-                    </a:lnR>
-                    <a:lnT>
-                      <a:noFill/>
-                    </a:lnT>
-                    <a:lnB>
-                      <a:noFill/>
-                    </a:lnB>
-                    <a:noFill/>
-                  </a:tcPr>
-                </a:tc>
-                <a:tc>
-                  <a:txBody>
-                    <a:bodyPr/>
-                    <a:lstStyle/>
-                    <a:p>
-                      <a:pPr algn="ctr"/>
-                      <a:endParaRPr lang="de-DE" sz="1000" dirty="0"/>
-                    </a:p>
-                  </a:txBody>
-                  <a:tcPr marL="262" marR="262" marT="262" marB="262">
-                    <a:lnL>
-                      <a:noFill/>
-                    </a:lnL>
-                    <a:lnR>
-                      <a:noFill/>
-                    </a:lnR>
-                    <a:lnT>
-                      <a:noFill/>
-                    </a:lnT>
-                    <a:lnB>
-                      <a:noFill/>
-                    </a:lnB>
-                    <a:noFill/>
-                  </a:tcPr>
-                </a:tc>
-                <a:tc>
-                  <a:txBody>
-                    <a:bodyPr/>
-                    <a:lstStyle/>
-                    <a:p>
-                      <a:pPr algn="ctr"/>
-                      <a:endParaRPr lang="de-DE" sz="1000" dirty="0"/>
-                    </a:p>
-                  </a:txBody>
-                  <a:tcPr marL="262" marR="262" marT="262" marB="262">
-                    <a:lnL>
-                      <a:noFill/>
-                    </a:lnL>
-                    <a:lnR>
-                      <a:noFill/>
-                    </a:lnR>
-                    <a:lnT>
-                      <a:noFill/>
-                    </a:lnT>
-                    <a:lnB>
-                      <a:noFill/>
-                    </a:lnB>
-                    <a:noFill/>
-                  </a:tcPr>
-                </a:tc>
-                <a:extLst>
-                  <a:ext uri="{0D108BD9-81ED-4DB2-BD59-A6C34878D82A}">
-                    <a16:rowId xmlns:a16="http://schemas.microsoft.com/office/drawing/2014/main" val="3820258408"/>
-                  </a:ext>
-                </a:extLst>
-              </a:tr>
-              <a:tr h="0">
-                <a:tc vMerge="1">
-                  <a:txBody>
-                    <a:bodyPr/>
-                    <a:lstStyle/>
-                    <a:p>
-                      <a:endParaRPr lang="de-DE"/>
-                    </a:p>
-                  </a:txBody>
-                  <a:tcPr/>
-                </a:tc>
-                <a:tc>
-                  <a:txBody>
-                    <a:bodyPr/>
-                    <a:lstStyle/>
-                    <a:p>
-                      <a:pPr algn="ctr"/>
-                      <a:r>
-                        <a:rPr lang="de-DE" sz="1000"/>
-                        <a:t>picture</a:t>
-                      </a:r>
-                    </a:p>
-                  </a:txBody>
-                  <a:tcPr marL="262" marR="262" marT="262" marB="262" anchor="ctr">
-                    <a:lnL>
-                      <a:noFill/>
-                    </a:lnL>
-                    <a:lnR>
-                      <a:noFill/>
-                    </a:lnR>
-                    <a:lnT>
-                      <a:noFill/>
-                    </a:lnT>
-                    <a:lnB>
-                      <a:noFill/>
-                    </a:lnB>
-                    <a:noFill/>
-                  </a:tcPr>
-                </a:tc>
-                <a:tc>
-                  <a:txBody>
-                    <a:bodyPr/>
-                    <a:lstStyle/>
-                    <a:p>
-                      <a:pPr algn="ctr"/>
-                      <a:endParaRPr lang="de-DE" sz="1000"/>
-                    </a:p>
-                  </a:txBody>
-                  <a:tcPr marL="262" marR="262" marT="262" marB="262">
-                    <a:lnL>
-                      <a:noFill/>
-                    </a:lnL>
-                    <a:lnR>
-                      <a:noFill/>
-                    </a:lnR>
-                    <a:lnT>
-                      <a:noFill/>
-                    </a:lnT>
-                    <a:lnB>
-                      <a:noFill/>
-                    </a:lnB>
-                    <a:noFill/>
-                  </a:tcPr>
-                </a:tc>
-                <a:tc>
-                  <a:txBody>
-                    <a:bodyPr/>
-                    <a:lstStyle/>
-                    <a:p>
-                      <a:pPr algn="ctr"/>
-                      <a:endParaRPr lang="de-DE" sz="1000"/>
-                    </a:p>
-                  </a:txBody>
-                  <a:tcPr marL="262" marR="262" marT="262" marB="262">
-                    <a:lnL>
-                      <a:noFill/>
-                    </a:lnL>
-                    <a:lnR>
-                      <a:noFill/>
-                    </a:lnR>
-                    <a:lnT>
-                      <a:noFill/>
-                    </a:lnT>
-                    <a:lnB>
-                      <a:noFill/>
-                    </a:lnB>
-                    <a:noFill/>
-                  </a:tcPr>
-                </a:tc>
-                <a:tc>
-                  <a:txBody>
-                    <a:bodyPr/>
-                    <a:lstStyle/>
-                    <a:p>
-                      <a:pPr algn="ctr"/>
-                      <a:endParaRPr lang="de-DE" sz="1000"/>
-                    </a:p>
-                  </a:txBody>
-                  <a:tcPr marL="262" marR="262" marT="262" marB="262">
-                    <a:lnL>
-                      <a:noFill/>
-                    </a:lnL>
-                    <a:lnR>
-                      <a:noFill/>
-                    </a:lnR>
-                    <a:lnT>
-                      <a:noFill/>
-                    </a:lnT>
-                    <a:lnB>
-                      <a:noFill/>
-                    </a:lnB>
-                    <a:noFill/>
-                  </a:tcPr>
-                </a:tc>
-                <a:extLst>
-                  <a:ext uri="{0D108BD9-81ED-4DB2-BD59-A6C34878D82A}">
-                    <a16:rowId xmlns:a16="http://schemas.microsoft.com/office/drawing/2014/main" val="435209337"/>
-                  </a:ext>
-                </a:extLst>
-              </a:tr>
-              <a:tr h="80996">
-                <a:tc vMerge="1">
-                  <a:txBody>
-                    <a:bodyPr/>
-                    <a:lstStyle/>
-                    <a:p>
-                      <a:endParaRPr lang="de-DE"/>
-                    </a:p>
-                  </a:txBody>
-                  <a:tcPr/>
-                </a:tc>
-                <a:tc>
-                  <a:txBody>
-                    <a:bodyPr/>
-                    <a:lstStyle/>
-                    <a:p>
-                      <a:pPr algn="ctr"/>
-                      <a:r>
-                        <a:rPr lang="de-DE" sz="1000"/>
-                        <a:t>U-value</a:t>
-                      </a:r>
-                    </a:p>
-                  </a:txBody>
-                  <a:tcPr marL="262" marR="262" marT="262" marB="262" anchor="ctr">
-                    <a:lnL>
-                      <a:noFill/>
-                    </a:lnL>
-                    <a:lnR>
-                      <a:noFill/>
-                    </a:lnR>
-                    <a:lnT>
-                      <a:noFill/>
-                    </a:lnT>
-                    <a:lnB>
-                      <a:noFill/>
-                    </a:lnB>
-                    <a:noFill/>
-                  </a:tcPr>
-                </a:tc>
-                <a:tc>
-                  <a:txBody>
-                    <a:bodyPr/>
-                    <a:lstStyle/>
-                    <a:p>
-                      <a:pPr algn="ctr">
-                        <a:buNone/>
-                      </a:pPr>
-                      <a:r>
-                        <a:rPr lang="de-DE" sz="1000"/>
-                        <a:t>0.15 W/(m</a:t>
-                      </a:r>
-                      <a:r>
-                        <a:rPr lang="de-DE" sz="1000" baseline="30000"/>
-                        <a:t>2</a:t>
-                      </a:r>
-                      <a:r>
-                        <a:rPr lang="de-DE" sz="1000"/>
-                        <a:t>K)</a:t>
-                      </a:r>
-                    </a:p>
-                  </a:txBody>
-                  <a:tcPr marL="262" marR="262" marT="262" marB="262" anchor="ctr">
-                    <a:lnL>
-                      <a:noFill/>
-                    </a:lnL>
-                    <a:lnR>
-                      <a:noFill/>
-                    </a:lnR>
-                    <a:lnT>
-                      <a:noFill/>
-                    </a:lnT>
-                    <a:lnB>
-                      <a:noFill/>
-                    </a:lnB>
-                    <a:noFill/>
-                  </a:tcPr>
-                </a:tc>
-                <a:tc>
-                  <a:txBody>
-                    <a:bodyPr/>
-                    <a:lstStyle/>
-                    <a:p>
-                      <a:pPr algn="ctr">
-                        <a:buNone/>
-                      </a:pPr>
-                      <a:r>
-                        <a:rPr lang="de-DE" sz="1000"/>
-                        <a:t>0.13 W/(m</a:t>
-                      </a:r>
-                      <a:r>
-                        <a:rPr lang="de-DE" sz="1000" baseline="30000"/>
-                        <a:t>2</a:t>
-                      </a:r>
-                      <a:r>
-                        <a:rPr lang="de-DE" sz="1000"/>
-                        <a:t>K)</a:t>
-                      </a:r>
-                    </a:p>
-                  </a:txBody>
-                  <a:tcPr marL="262" marR="262" marT="262" marB="262" anchor="ctr">
-                    <a:lnL>
-                      <a:noFill/>
-                    </a:lnL>
-                    <a:lnR>
-                      <a:noFill/>
-                    </a:lnR>
-                    <a:lnT>
-                      <a:noFill/>
-                    </a:lnT>
-                    <a:lnB>
-                      <a:noFill/>
-                    </a:lnB>
-                    <a:noFill/>
-                  </a:tcPr>
-                </a:tc>
-                <a:tc>
-                  <a:txBody>
-                    <a:bodyPr/>
-                    <a:lstStyle/>
-                    <a:p>
-                      <a:pPr algn="ctr">
-                        <a:buNone/>
-                      </a:pPr>
-                      <a:endParaRPr lang="de-DE" sz="1000" dirty="0"/>
-                    </a:p>
-                  </a:txBody>
-                  <a:tcPr marL="262" marR="262" marT="262" marB="262" anchor="ctr">
-                    <a:lnL>
-                      <a:noFill/>
-                    </a:lnL>
-                    <a:lnR>
-                      <a:noFill/>
-                    </a:lnR>
-                    <a:lnT>
-                      <a:noFill/>
-                    </a:lnT>
-                    <a:lnB>
-                      <a:noFill/>
-                    </a:lnB>
-                    <a:noFill/>
-                  </a:tcPr>
-                </a:tc>
-                <a:extLst>
-                  <a:ext uri="{0D108BD9-81ED-4DB2-BD59-A6C34878D82A}">
-                    <a16:rowId xmlns:a16="http://schemas.microsoft.com/office/drawing/2014/main" val="126606243"/>
-                  </a:ext>
-                </a:extLst>
-              </a:tr>
-              <a:tr h="53333">
-                <a:tc rowSpan="4">
-                  <a:txBody>
-                    <a:bodyPr/>
-                    <a:lstStyle/>
-                    <a:p>
-                      <a:pPr algn="ctr"/>
-                      <a:r>
-                        <a:rPr lang="de-DE" sz="1000"/>
-                        <a:t>Wall 1</a:t>
-                      </a:r>
-                    </a:p>
-                  </a:txBody>
-                  <a:tcPr marL="262" marR="262" marT="262" marB="262" anchor="ctr">
-                    <a:lnL>
-                      <a:noFill/>
-                    </a:lnL>
-                    <a:lnR>
-                      <a:noFill/>
-                    </a:lnR>
-                    <a:lnT>
-                      <a:noFill/>
-                    </a:lnT>
-                    <a:lnB>
-                      <a:noFill/>
-                    </a:lnB>
-                    <a:noFill/>
-                  </a:tcPr>
-                </a:tc>
-                <a:tc>
-                  <a:txBody>
-                    <a:bodyPr/>
-                    <a:lstStyle/>
-                    <a:p>
-                      <a:pPr algn="ctr"/>
-                      <a:r>
-                        <a:rPr lang="de-DE" sz="1000"/>
-                        <a:t>surface area</a:t>
-                      </a:r>
-                    </a:p>
-                  </a:txBody>
-                  <a:tcPr marL="262" marR="262" marT="262" marB="262" anchor="ctr">
-                    <a:lnL>
-                      <a:noFill/>
-                    </a:lnL>
-                    <a:lnR>
-                      <a:noFill/>
-                    </a:lnR>
-                    <a:lnT>
-                      <a:noFill/>
-                    </a:lnT>
-                    <a:lnB>
-                      <a:noFill/>
-                    </a:lnB>
-                    <a:noFill/>
-                  </a:tcPr>
-                </a:tc>
-                <a:tc>
-                  <a:txBody>
-                    <a:bodyPr/>
-                    <a:lstStyle/>
-                    <a:p>
-                      <a:pPr algn="ctr"/>
-                      <a:r>
-                        <a:rPr lang="de-DE" sz="1000"/>
-                        <a:t>227.6m</a:t>
-                      </a:r>
-                      <a:r>
-                        <a:rPr lang="de-DE" sz="1000" baseline="30000"/>
-                        <a:t>2</a:t>
-                      </a:r>
-                      <a:endParaRPr lang="de-DE" sz="1000"/>
-                    </a:p>
-                  </a:txBody>
-                  <a:tcPr marL="262" marR="262" marT="262" marB="262">
-                    <a:lnL>
-                      <a:noFill/>
-                    </a:lnL>
-                    <a:lnR>
-                      <a:noFill/>
-                    </a:lnR>
-                    <a:lnT>
-                      <a:noFill/>
-                    </a:lnT>
-                    <a:lnB>
-                      <a:noFill/>
-                    </a:lnB>
-                    <a:noFill/>
-                  </a:tcPr>
-                </a:tc>
-                <a:tc>
-                  <a:txBody>
-                    <a:bodyPr/>
-                    <a:lstStyle/>
-                    <a:p>
-                      <a:pPr algn="ctr"/>
-                      <a:r>
-                        <a:rPr lang="de-DE" sz="1000"/>
-                        <a:t>227.6 m</a:t>
-                      </a:r>
-                      <a:r>
-                        <a:rPr lang="de-DE" sz="1000" baseline="30000"/>
-                        <a:t>2</a:t>
-                      </a:r>
-                      <a:endParaRPr lang="de-DE" sz="1000"/>
-                    </a:p>
-                  </a:txBody>
-                  <a:tcPr marL="262" marR="262" marT="262" marB="262">
-                    <a:lnL>
-                      <a:noFill/>
-                    </a:lnL>
-                    <a:lnR>
-                      <a:noFill/>
-                    </a:lnR>
-                    <a:lnT>
-                      <a:noFill/>
-                    </a:lnT>
-                    <a:lnB>
-                      <a:noFill/>
-                    </a:lnB>
-                    <a:noFill/>
-                  </a:tcPr>
-                </a:tc>
-                <a:tc>
-                  <a:txBody>
-                    <a:bodyPr/>
-                    <a:lstStyle/>
-                    <a:p>
-                      <a:pPr algn="ctr"/>
-                      <a:endParaRPr lang="de-DE" sz="1000"/>
-                    </a:p>
-                  </a:txBody>
-                  <a:tcPr marL="262" marR="262" marT="262" marB="262">
-                    <a:lnL>
-                      <a:noFill/>
-                    </a:lnL>
-                    <a:lnR>
-                      <a:noFill/>
-                    </a:lnR>
-                    <a:lnT>
-                      <a:noFill/>
-                    </a:lnT>
-                    <a:lnB>
-                      <a:noFill/>
-                    </a:lnB>
-                    <a:noFill/>
-                  </a:tcPr>
-                </a:tc>
-                <a:extLst>
-                  <a:ext uri="{0D108BD9-81ED-4DB2-BD59-A6C34878D82A}">
-                    <a16:rowId xmlns:a16="http://schemas.microsoft.com/office/drawing/2014/main" val="657889295"/>
-                  </a:ext>
-                </a:extLst>
-              </a:tr>
-              <a:tr h="59388">
-                <a:tc vMerge="1">
-                  <a:txBody>
-                    <a:bodyPr/>
-                    <a:lstStyle/>
-                    <a:p>
-                      <a:endParaRPr lang="de-DE"/>
-                    </a:p>
-                  </a:txBody>
-                  <a:tcPr/>
-                </a:tc>
-                <a:tc>
-                  <a:txBody>
-                    <a:bodyPr/>
-                    <a:lstStyle/>
-                    <a:p>
-                      <a:pPr algn="ctr"/>
-                      <a:endParaRPr lang="en-US" sz="1000" dirty="0"/>
-                    </a:p>
-                  </a:txBody>
-                  <a:tcPr marL="262" marR="262" marT="262" marB="262" anchor="ctr">
-                    <a:lnL>
-                      <a:noFill/>
-                    </a:lnL>
-                    <a:lnR>
-                      <a:noFill/>
-                    </a:lnR>
-                    <a:lnT>
-                      <a:noFill/>
-                    </a:lnT>
-                    <a:lnB>
-                      <a:noFill/>
-                    </a:lnB>
-                    <a:noFill/>
-                  </a:tcPr>
-                </a:tc>
-                <a:tc>
-                  <a:txBody>
-                    <a:bodyPr/>
-                    <a:lstStyle/>
-                    <a:p>
-                      <a:pPr algn="ctr"/>
-                      <a:endParaRPr lang="de-DE" sz="1000" dirty="0"/>
-                    </a:p>
-                  </a:txBody>
-                  <a:tcPr marL="262" marR="262" marT="262" marB="262">
-                    <a:lnL>
-                      <a:noFill/>
-                    </a:lnL>
-                    <a:lnR>
-                      <a:noFill/>
-                    </a:lnR>
-                    <a:lnT>
-                      <a:noFill/>
-                    </a:lnT>
-                    <a:lnB>
-                      <a:noFill/>
-                    </a:lnB>
-                    <a:noFill/>
-                  </a:tcPr>
-                </a:tc>
-                <a:tc>
-                  <a:txBody>
-                    <a:bodyPr/>
-                    <a:lstStyle/>
-                    <a:p>
-                      <a:pPr algn="ctr"/>
-                      <a:endParaRPr lang="de-DE" sz="1000" dirty="0"/>
-                    </a:p>
-                  </a:txBody>
-                  <a:tcPr marL="262" marR="262" marT="262" marB="262">
-                    <a:lnL>
-                      <a:noFill/>
-                    </a:lnL>
-                    <a:lnR>
-                      <a:noFill/>
-                    </a:lnR>
-                    <a:lnT>
-                      <a:noFill/>
-                    </a:lnT>
-                    <a:lnB>
-                      <a:noFill/>
-                    </a:lnB>
-                    <a:noFill/>
-                  </a:tcPr>
-                </a:tc>
-                <a:tc>
-                  <a:txBody>
-                    <a:bodyPr/>
-                    <a:lstStyle/>
-                    <a:p>
-                      <a:pPr algn="ctr"/>
-                      <a:endParaRPr lang="de-DE" sz="1000" dirty="0"/>
-                    </a:p>
-                  </a:txBody>
-                  <a:tcPr marL="262" marR="262" marT="262" marB="262">
-                    <a:lnL>
-                      <a:noFill/>
-                    </a:lnL>
-                    <a:lnR>
-                      <a:noFill/>
-                    </a:lnR>
-                    <a:lnT>
-                      <a:noFill/>
-                    </a:lnT>
-                    <a:lnB>
-                      <a:noFill/>
-                    </a:lnB>
-                    <a:noFill/>
-                  </a:tcPr>
-                </a:tc>
-                <a:extLst>
-                  <a:ext uri="{0D108BD9-81ED-4DB2-BD59-A6C34878D82A}">
-                    <a16:rowId xmlns:a16="http://schemas.microsoft.com/office/drawing/2014/main" val="3588934523"/>
-                  </a:ext>
-                </a:extLst>
-              </a:tr>
-              <a:tr h="0">
-                <a:tc vMerge="1">
-                  <a:txBody>
-                    <a:bodyPr/>
-                    <a:lstStyle/>
-                    <a:p>
-                      <a:endParaRPr lang="de-DE"/>
-                    </a:p>
-                  </a:txBody>
-                  <a:tcPr/>
-                </a:tc>
-                <a:tc>
-                  <a:txBody>
-                    <a:bodyPr/>
-                    <a:lstStyle/>
-                    <a:p>
-                      <a:pPr algn="ctr"/>
-                      <a:r>
-                        <a:rPr lang="de-DE" sz="1000"/>
-                        <a:t>picture</a:t>
-                      </a:r>
-                    </a:p>
-                  </a:txBody>
-                  <a:tcPr marL="262" marR="262" marT="262" marB="262" anchor="ctr">
-                    <a:lnL>
-                      <a:noFill/>
-                    </a:lnL>
-                    <a:lnR>
-                      <a:noFill/>
-                    </a:lnR>
-                    <a:lnT>
-                      <a:noFill/>
-                    </a:lnT>
-                    <a:lnB>
-                      <a:noFill/>
-                    </a:lnB>
-                    <a:noFill/>
-                  </a:tcPr>
-                </a:tc>
-                <a:tc>
-                  <a:txBody>
-                    <a:bodyPr/>
-                    <a:lstStyle/>
-                    <a:p>
-                      <a:pPr algn="ctr"/>
-                      <a:endParaRPr lang="de-DE" sz="1000" dirty="0"/>
-                    </a:p>
-                  </a:txBody>
-                  <a:tcPr marL="262" marR="262" marT="262" marB="262">
-                    <a:lnL>
-                      <a:noFill/>
-                    </a:lnL>
-                    <a:lnR>
-                      <a:noFill/>
-                    </a:lnR>
-                    <a:lnT>
-                      <a:noFill/>
-                    </a:lnT>
-                    <a:lnB>
-                      <a:noFill/>
-                    </a:lnB>
-                    <a:noFill/>
-                  </a:tcPr>
-                </a:tc>
-                <a:tc>
-                  <a:txBody>
-                    <a:bodyPr/>
-                    <a:lstStyle/>
-                    <a:p>
-                      <a:pPr algn="ctr"/>
-                      <a:endParaRPr lang="de-DE" sz="1000" dirty="0"/>
-                    </a:p>
-                  </a:txBody>
-                  <a:tcPr marL="262" marR="262" marT="262" marB="262">
-                    <a:lnL>
-                      <a:noFill/>
-                    </a:lnL>
-                    <a:lnR>
-                      <a:noFill/>
-                    </a:lnR>
-                    <a:lnT>
-                      <a:noFill/>
-                    </a:lnT>
-                    <a:lnB>
-                      <a:noFill/>
-                    </a:lnB>
-                    <a:noFill/>
-                  </a:tcPr>
-                </a:tc>
-                <a:tc>
-                  <a:txBody>
-                    <a:bodyPr/>
-                    <a:lstStyle/>
-                    <a:p>
-                      <a:pPr algn="ctr"/>
-                      <a:endParaRPr lang="de-DE" sz="1000" dirty="0"/>
-                    </a:p>
-                  </a:txBody>
-                  <a:tcPr marL="262" marR="262" marT="262" marB="262">
-                    <a:lnL>
-                      <a:noFill/>
-                    </a:lnL>
-                    <a:lnR>
-                      <a:noFill/>
-                    </a:lnR>
-                    <a:lnT>
-                      <a:noFill/>
-                    </a:lnT>
-                    <a:lnB>
-                      <a:noFill/>
-                    </a:lnB>
-                    <a:noFill/>
-                  </a:tcPr>
-                </a:tc>
-                <a:extLst>
-                  <a:ext uri="{0D108BD9-81ED-4DB2-BD59-A6C34878D82A}">
-                    <a16:rowId xmlns:a16="http://schemas.microsoft.com/office/drawing/2014/main" val="1237531224"/>
-                  </a:ext>
-                </a:extLst>
-              </a:tr>
-              <a:tr h="80996">
-                <a:tc vMerge="1">
-                  <a:txBody>
-                    <a:bodyPr/>
-                    <a:lstStyle/>
-                    <a:p>
-                      <a:endParaRPr lang="de-DE"/>
-                    </a:p>
-                  </a:txBody>
-                  <a:tcPr/>
-                </a:tc>
-                <a:tc>
-                  <a:txBody>
-                    <a:bodyPr/>
-                    <a:lstStyle/>
-                    <a:p>
-                      <a:pPr algn="ctr"/>
-                      <a:r>
-                        <a:rPr lang="de-DE" sz="1000"/>
-                        <a:t>U-value</a:t>
-                      </a:r>
-                    </a:p>
-                  </a:txBody>
-                  <a:tcPr marL="262" marR="262" marT="262" marB="262" anchor="ctr">
-                    <a:lnL>
-                      <a:noFill/>
-                    </a:lnL>
-                    <a:lnR>
-                      <a:noFill/>
-                    </a:lnR>
-                    <a:lnT>
-                      <a:noFill/>
-                    </a:lnT>
-                    <a:lnB>
-                      <a:noFill/>
-                    </a:lnB>
-                    <a:noFill/>
-                  </a:tcPr>
-                </a:tc>
-                <a:tc>
-                  <a:txBody>
-                    <a:bodyPr/>
-                    <a:lstStyle/>
-                    <a:p>
-                      <a:pPr algn="ctr">
-                        <a:buNone/>
-                      </a:pPr>
-                      <a:r>
-                        <a:rPr lang="de-DE" sz="1000"/>
-                        <a:t>0.17 W/(m</a:t>
-                      </a:r>
-                      <a:r>
-                        <a:rPr lang="de-DE" sz="1000" baseline="30000"/>
-                        <a:t>2</a:t>
-                      </a:r>
-                      <a:r>
-                        <a:rPr lang="de-DE" sz="1000"/>
-                        <a:t>K)</a:t>
-                      </a:r>
-                    </a:p>
-                  </a:txBody>
-                  <a:tcPr marL="262" marR="262" marT="262" marB="262" anchor="ctr">
-                    <a:lnL>
-                      <a:noFill/>
-                    </a:lnL>
-                    <a:lnR>
-                      <a:noFill/>
-                    </a:lnR>
-                    <a:lnT>
-                      <a:noFill/>
-                    </a:lnT>
-                    <a:lnB>
-                      <a:noFill/>
-                    </a:lnB>
-                    <a:noFill/>
-                  </a:tcPr>
-                </a:tc>
-                <a:tc>
-                  <a:txBody>
-                    <a:bodyPr/>
-                    <a:lstStyle/>
-                    <a:p>
-                      <a:pPr algn="ctr">
-                        <a:buNone/>
-                      </a:pPr>
-                      <a:r>
-                        <a:rPr lang="de-DE" sz="1000" dirty="0"/>
-                        <a:t>0.15 W/(m</a:t>
-                      </a:r>
-                      <a:r>
-                        <a:rPr lang="de-DE" sz="1000" baseline="30000" dirty="0"/>
-                        <a:t>2</a:t>
-                      </a:r>
-                      <a:r>
-                        <a:rPr lang="de-DE" sz="1000" dirty="0"/>
-                        <a:t>K)</a:t>
-                      </a:r>
-                    </a:p>
-                  </a:txBody>
-                  <a:tcPr marL="262" marR="262" marT="262" marB="262" anchor="ctr">
-                    <a:lnL>
-                      <a:noFill/>
-                    </a:lnL>
-                    <a:lnR>
-                      <a:noFill/>
-                    </a:lnR>
-                    <a:lnT>
-                      <a:noFill/>
-                    </a:lnT>
-                    <a:lnB>
-                      <a:noFill/>
-                    </a:lnB>
-                    <a:noFill/>
-                  </a:tcPr>
-                </a:tc>
-                <a:tc>
-                  <a:txBody>
-                    <a:bodyPr/>
-                    <a:lstStyle/>
-                    <a:p>
-                      <a:pPr algn="ctr">
-                        <a:buNone/>
-                      </a:pPr>
-                      <a:endParaRPr lang="de-DE" sz="1000" dirty="0"/>
-                    </a:p>
-                  </a:txBody>
-                  <a:tcPr marL="262" marR="262" marT="262" marB="262" anchor="ctr">
-                    <a:lnL>
-                      <a:noFill/>
-                    </a:lnL>
-                    <a:lnR>
-                      <a:noFill/>
-                    </a:lnR>
-                    <a:lnT>
-                      <a:noFill/>
-                    </a:lnT>
-                    <a:lnB>
-                      <a:noFill/>
-                    </a:lnB>
-                    <a:noFill/>
-                  </a:tcPr>
-                </a:tc>
-                <a:extLst>
-                  <a:ext uri="{0D108BD9-81ED-4DB2-BD59-A6C34878D82A}">
-                    <a16:rowId xmlns:a16="http://schemas.microsoft.com/office/drawing/2014/main" val="1517488543"/>
-                  </a:ext>
-                </a:extLst>
-              </a:tr>
-              <a:tr h="53333">
-                <a:tc rowSpan="4">
-                  <a:txBody>
-                    <a:bodyPr/>
-                    <a:lstStyle/>
-                    <a:p>
-                      <a:pPr algn="ctr"/>
-                      <a:r>
-                        <a:rPr lang="de-DE" sz="1000"/>
-                        <a:t>Floor 2</a:t>
-                      </a:r>
-                    </a:p>
-                  </a:txBody>
-                  <a:tcPr marL="262" marR="262" marT="262" marB="262" anchor="ctr">
-                    <a:lnL>
-                      <a:noFill/>
-                    </a:lnL>
-                    <a:lnR>
-                      <a:noFill/>
-                    </a:lnR>
-                    <a:lnT>
-                      <a:noFill/>
-                    </a:lnT>
-                    <a:lnB>
-                      <a:noFill/>
-                    </a:lnB>
-                    <a:noFill/>
-                  </a:tcPr>
-                </a:tc>
-                <a:tc>
-                  <a:txBody>
-                    <a:bodyPr/>
-                    <a:lstStyle/>
-                    <a:p>
-                      <a:pPr algn="ctr"/>
-                      <a:r>
-                        <a:rPr lang="de-DE" sz="1000"/>
-                        <a:t>surface area</a:t>
-                      </a:r>
-                    </a:p>
-                  </a:txBody>
-                  <a:tcPr marL="262" marR="262" marT="262" marB="262" anchor="ctr">
-                    <a:lnL>
-                      <a:noFill/>
-                    </a:lnL>
-                    <a:lnR>
-                      <a:noFill/>
-                    </a:lnR>
-                    <a:lnT>
-                      <a:noFill/>
-                    </a:lnT>
-                    <a:lnB>
-                      <a:noFill/>
-                    </a:lnB>
-                    <a:noFill/>
-                  </a:tcPr>
-                </a:tc>
-                <a:tc>
-                  <a:txBody>
-                    <a:bodyPr/>
-                    <a:lstStyle/>
-                    <a:p>
-                      <a:pPr algn="ctr"/>
-                      <a:r>
-                        <a:rPr lang="de-DE" sz="1000"/>
-                        <a:t>107.8m</a:t>
-                      </a:r>
-                      <a:r>
-                        <a:rPr lang="de-DE" sz="1000" baseline="30000"/>
-                        <a:t>2</a:t>
-                      </a:r>
-                      <a:endParaRPr lang="de-DE" sz="1000"/>
-                    </a:p>
-                  </a:txBody>
-                  <a:tcPr marL="262" marR="262" marT="262" marB="262">
-                    <a:lnL>
-                      <a:noFill/>
-                    </a:lnL>
-                    <a:lnR>
-                      <a:noFill/>
-                    </a:lnR>
-                    <a:lnT>
-                      <a:noFill/>
-                    </a:lnT>
-                    <a:lnB>
-                      <a:noFill/>
-                    </a:lnB>
-                    <a:noFill/>
-                  </a:tcPr>
-                </a:tc>
-                <a:tc>
-                  <a:txBody>
-                    <a:bodyPr/>
-                    <a:lstStyle/>
-                    <a:p>
-                      <a:pPr algn="ctr"/>
-                      <a:r>
-                        <a:rPr lang="de-DE" sz="1000"/>
-                        <a:t>107.8 m</a:t>
-                      </a:r>
-                      <a:r>
-                        <a:rPr lang="de-DE" sz="1000" baseline="30000"/>
-                        <a:t>2</a:t>
-                      </a:r>
-                      <a:endParaRPr lang="de-DE" sz="1000"/>
-                    </a:p>
-                  </a:txBody>
-                  <a:tcPr marL="262" marR="262" marT="262" marB="262">
-                    <a:lnL>
-                      <a:noFill/>
-                    </a:lnL>
-                    <a:lnR>
-                      <a:noFill/>
-                    </a:lnR>
-                    <a:lnT>
-                      <a:noFill/>
-                    </a:lnT>
-                    <a:lnB>
-                      <a:noFill/>
-                    </a:lnB>
-                    <a:noFill/>
-                  </a:tcPr>
-                </a:tc>
-                <a:tc>
-                  <a:txBody>
-                    <a:bodyPr/>
-                    <a:lstStyle/>
-                    <a:p>
-                      <a:pPr algn="ctr"/>
-                      <a:endParaRPr lang="de-DE" sz="1000"/>
-                    </a:p>
-                  </a:txBody>
-                  <a:tcPr marL="262" marR="262" marT="262" marB="262">
-                    <a:lnL>
-                      <a:noFill/>
-                    </a:lnL>
-                    <a:lnR>
-                      <a:noFill/>
-                    </a:lnR>
-                    <a:lnT>
-                      <a:noFill/>
-                    </a:lnT>
-                    <a:lnB>
-                      <a:noFill/>
-                    </a:lnB>
-                    <a:noFill/>
-                  </a:tcPr>
-                </a:tc>
-                <a:extLst>
-                  <a:ext uri="{0D108BD9-81ED-4DB2-BD59-A6C34878D82A}">
-                    <a16:rowId xmlns:a16="http://schemas.microsoft.com/office/drawing/2014/main" val="3170070244"/>
-                  </a:ext>
-                </a:extLst>
-              </a:tr>
-              <a:tr h="121801">
-                <a:tc vMerge="1">
-                  <a:txBody>
-                    <a:bodyPr/>
-                    <a:lstStyle/>
-                    <a:p>
-                      <a:endParaRPr lang="de-DE"/>
-                    </a:p>
-                  </a:txBody>
-                  <a:tcPr/>
-                </a:tc>
-                <a:tc>
-                  <a:txBody>
-                    <a:bodyPr/>
-                    <a:lstStyle/>
-                    <a:p>
-                      <a:pPr algn="ctr"/>
-                      <a:endParaRPr lang="en-US" sz="1000" dirty="0"/>
-                    </a:p>
-                  </a:txBody>
-                  <a:tcPr marL="262" marR="262" marT="262" marB="262" anchor="ctr">
-                    <a:lnL>
-                      <a:noFill/>
-                    </a:lnL>
-                    <a:lnR>
-                      <a:noFill/>
-                    </a:lnR>
-                    <a:lnT>
-                      <a:noFill/>
-                    </a:lnT>
-                    <a:lnB>
-                      <a:noFill/>
-                    </a:lnB>
-                    <a:noFill/>
-                  </a:tcPr>
-                </a:tc>
-                <a:tc>
-                  <a:txBody>
-                    <a:bodyPr/>
-                    <a:lstStyle/>
-                    <a:p>
-                      <a:pPr algn="ctr"/>
-                      <a:endParaRPr lang="de-DE" sz="1000" dirty="0"/>
-                    </a:p>
-                  </a:txBody>
-                  <a:tcPr marL="262" marR="262" marT="262" marB="262">
-                    <a:lnL>
-                      <a:noFill/>
-                    </a:lnL>
-                    <a:lnR>
-                      <a:noFill/>
-                    </a:lnR>
-                    <a:lnT>
-                      <a:noFill/>
-                    </a:lnT>
-                    <a:lnB>
-                      <a:noFill/>
-                    </a:lnB>
-                    <a:noFill/>
-                  </a:tcPr>
-                </a:tc>
-                <a:tc>
-                  <a:txBody>
-                    <a:bodyPr/>
-                    <a:lstStyle/>
-                    <a:p>
-                      <a:pPr algn="ctr"/>
-                      <a:endParaRPr lang="de-DE" sz="1000" dirty="0"/>
-                    </a:p>
-                  </a:txBody>
-                  <a:tcPr marL="262" marR="262" marT="262" marB="262">
-                    <a:lnL>
-                      <a:noFill/>
-                    </a:lnL>
-                    <a:lnR>
-                      <a:noFill/>
-                    </a:lnR>
-                    <a:lnT>
-                      <a:noFill/>
-                    </a:lnT>
-                    <a:lnB>
-                      <a:noFill/>
-                    </a:lnB>
-                    <a:noFill/>
-                  </a:tcPr>
-                </a:tc>
-                <a:tc>
-                  <a:txBody>
-                    <a:bodyPr/>
-                    <a:lstStyle/>
-                    <a:p>
-                      <a:pPr algn="ctr"/>
-                      <a:endParaRPr lang="de-DE" sz="1000" dirty="0"/>
-                    </a:p>
-                  </a:txBody>
-                  <a:tcPr marL="262" marR="262" marT="262" marB="262">
-                    <a:lnL>
-                      <a:noFill/>
-                    </a:lnL>
-                    <a:lnR>
-                      <a:noFill/>
-                    </a:lnR>
-                    <a:lnT>
-                      <a:noFill/>
-                    </a:lnT>
-                    <a:lnB>
-                      <a:noFill/>
-                    </a:lnB>
-                    <a:noFill/>
-                  </a:tcPr>
-                </a:tc>
-                <a:extLst>
-                  <a:ext uri="{0D108BD9-81ED-4DB2-BD59-A6C34878D82A}">
-                    <a16:rowId xmlns:a16="http://schemas.microsoft.com/office/drawing/2014/main" val="1379521745"/>
-                  </a:ext>
-                </a:extLst>
-              </a:tr>
-              <a:tr h="0">
-                <a:tc vMerge="1">
-                  <a:txBody>
-                    <a:bodyPr/>
-                    <a:lstStyle/>
-                    <a:p>
-                      <a:endParaRPr lang="de-DE"/>
-                    </a:p>
-                  </a:txBody>
-                  <a:tcPr/>
-                </a:tc>
-                <a:tc>
-                  <a:txBody>
-                    <a:bodyPr/>
-                    <a:lstStyle/>
-                    <a:p>
-                      <a:pPr algn="ctr"/>
-                      <a:r>
-                        <a:rPr lang="de-DE" sz="1000"/>
-                        <a:t>picture</a:t>
-                      </a:r>
-                    </a:p>
-                  </a:txBody>
-                  <a:tcPr marL="262" marR="262" marT="262" marB="262" anchor="ctr">
-                    <a:lnL>
-                      <a:noFill/>
-                    </a:lnL>
-                    <a:lnR>
-                      <a:noFill/>
-                    </a:lnR>
-                    <a:lnT>
-                      <a:noFill/>
-                    </a:lnT>
-                    <a:lnB>
-                      <a:noFill/>
-                    </a:lnB>
-                    <a:noFill/>
-                  </a:tcPr>
-                </a:tc>
-                <a:tc>
-                  <a:txBody>
-                    <a:bodyPr/>
-                    <a:lstStyle/>
-                    <a:p>
-                      <a:pPr algn="ctr"/>
-                      <a:endParaRPr lang="de-DE" sz="1000"/>
-                    </a:p>
-                  </a:txBody>
-                  <a:tcPr marL="262" marR="262" marT="262" marB="262">
-                    <a:lnL>
-                      <a:noFill/>
-                    </a:lnL>
-                    <a:lnR>
-                      <a:noFill/>
-                    </a:lnR>
-                    <a:lnT>
-                      <a:noFill/>
-                    </a:lnT>
-                    <a:lnB>
-                      <a:noFill/>
-                    </a:lnB>
-                    <a:noFill/>
-                  </a:tcPr>
-                </a:tc>
-                <a:tc>
-                  <a:txBody>
-                    <a:bodyPr/>
-                    <a:lstStyle/>
-                    <a:p>
-                      <a:pPr algn="ctr"/>
-                      <a:endParaRPr lang="de-DE" sz="1000"/>
-                    </a:p>
-                  </a:txBody>
-                  <a:tcPr marL="262" marR="262" marT="262" marB="262">
-                    <a:lnL>
-                      <a:noFill/>
-                    </a:lnL>
-                    <a:lnR>
-                      <a:noFill/>
-                    </a:lnR>
-                    <a:lnT>
-                      <a:noFill/>
-                    </a:lnT>
-                    <a:lnB>
-                      <a:noFill/>
-                    </a:lnB>
-                    <a:noFill/>
-                  </a:tcPr>
-                </a:tc>
-                <a:tc>
-                  <a:txBody>
-                    <a:bodyPr/>
-                    <a:lstStyle/>
-                    <a:p>
-                      <a:pPr algn="ctr"/>
-                      <a:endParaRPr lang="de-DE" sz="1000"/>
-                    </a:p>
-                  </a:txBody>
-                  <a:tcPr marL="262" marR="262" marT="262" marB="262">
-                    <a:lnL>
-                      <a:noFill/>
-                    </a:lnL>
-                    <a:lnR>
-                      <a:noFill/>
-                    </a:lnR>
-                    <a:lnT>
-                      <a:noFill/>
-                    </a:lnT>
-                    <a:lnB>
-                      <a:noFill/>
-                    </a:lnB>
-                    <a:noFill/>
-                  </a:tcPr>
-                </a:tc>
-                <a:extLst>
-                  <a:ext uri="{0D108BD9-81ED-4DB2-BD59-A6C34878D82A}">
-                    <a16:rowId xmlns:a16="http://schemas.microsoft.com/office/drawing/2014/main" val="2341084443"/>
-                  </a:ext>
-                </a:extLst>
-              </a:tr>
-              <a:tr h="80996">
-                <a:tc vMerge="1">
-                  <a:txBody>
-                    <a:bodyPr/>
-                    <a:lstStyle/>
-                    <a:p>
-                      <a:endParaRPr lang="de-DE"/>
-                    </a:p>
-                  </a:txBody>
-                  <a:tcPr/>
-                </a:tc>
-                <a:tc>
-                  <a:txBody>
-                    <a:bodyPr/>
-                    <a:lstStyle/>
-                    <a:p>
-                      <a:pPr algn="ctr"/>
-                      <a:r>
-                        <a:rPr lang="de-DE" sz="1000"/>
-                        <a:t>U-value</a:t>
-                      </a:r>
-                    </a:p>
-                  </a:txBody>
-                  <a:tcPr marL="262" marR="262" marT="262" marB="262" anchor="ctr">
-                    <a:lnL>
-                      <a:noFill/>
-                    </a:lnL>
-                    <a:lnR>
-                      <a:noFill/>
-                    </a:lnR>
-                    <a:lnT>
-                      <a:noFill/>
-                    </a:lnT>
-                    <a:lnB>
-                      <a:noFill/>
-                    </a:lnB>
-                    <a:noFill/>
-                  </a:tcPr>
-                </a:tc>
-                <a:tc>
-                  <a:txBody>
-                    <a:bodyPr/>
-                    <a:lstStyle/>
-                    <a:p>
-                      <a:pPr algn="ctr">
-                        <a:buNone/>
-                      </a:pPr>
-                      <a:r>
-                        <a:rPr lang="de-DE" sz="1000"/>
-                        <a:t>0.17 W/(m</a:t>
-                      </a:r>
-                      <a:r>
-                        <a:rPr lang="de-DE" sz="1000" baseline="30000"/>
-                        <a:t>2</a:t>
-                      </a:r>
-                      <a:r>
-                        <a:rPr lang="de-DE" sz="1000"/>
-                        <a:t>K)</a:t>
-                      </a:r>
-                    </a:p>
-                  </a:txBody>
-                  <a:tcPr marL="262" marR="262" marT="262" marB="262" anchor="ctr">
-                    <a:lnL>
-                      <a:noFill/>
-                    </a:lnL>
-                    <a:lnR>
-                      <a:noFill/>
-                    </a:lnR>
-                    <a:lnT>
-                      <a:noFill/>
-                    </a:lnT>
-                    <a:lnB>
-                      <a:noFill/>
-                    </a:lnB>
-                    <a:noFill/>
-                  </a:tcPr>
-                </a:tc>
-                <a:tc>
-                  <a:txBody>
-                    <a:bodyPr/>
-                    <a:lstStyle/>
-                    <a:p>
-                      <a:pPr algn="ctr">
-                        <a:buNone/>
-                      </a:pPr>
-                      <a:r>
-                        <a:rPr lang="de-DE" sz="1000"/>
-                        <a:t>0.15 W/(m</a:t>
-                      </a:r>
-                      <a:r>
-                        <a:rPr lang="de-DE" sz="1000" baseline="30000"/>
-                        <a:t>2</a:t>
-                      </a:r>
-                      <a:r>
-                        <a:rPr lang="de-DE" sz="1000"/>
-                        <a:t>K)</a:t>
-                      </a:r>
-                    </a:p>
-                  </a:txBody>
-                  <a:tcPr marL="262" marR="262" marT="262" marB="262" anchor="ctr">
-                    <a:lnL>
-                      <a:noFill/>
-                    </a:lnL>
-                    <a:lnR>
-                      <a:noFill/>
-                    </a:lnR>
-                    <a:lnT>
-                      <a:noFill/>
-                    </a:lnT>
-                    <a:lnB>
-                      <a:noFill/>
-                    </a:lnB>
-                    <a:noFill/>
-                  </a:tcPr>
-                </a:tc>
-                <a:tc>
-                  <a:txBody>
-                    <a:bodyPr/>
-                    <a:lstStyle/>
-                    <a:p>
-                      <a:pPr algn="ctr">
-                        <a:buNone/>
-                      </a:pPr>
-                      <a:endParaRPr lang="de-DE" sz="1000"/>
-                    </a:p>
-                  </a:txBody>
-                  <a:tcPr marL="262" marR="262" marT="262" marB="262" anchor="ctr">
-                    <a:lnL>
-                      <a:noFill/>
-                    </a:lnL>
-                    <a:lnR>
-                      <a:noFill/>
-                    </a:lnR>
-                    <a:lnT>
-                      <a:noFill/>
-                    </a:lnT>
-                    <a:lnB>
-                      <a:noFill/>
-                    </a:lnB>
-                    <a:noFill/>
-                  </a:tcPr>
-                </a:tc>
-                <a:extLst>
-                  <a:ext uri="{0D108BD9-81ED-4DB2-BD59-A6C34878D82A}">
-                    <a16:rowId xmlns:a16="http://schemas.microsoft.com/office/drawing/2014/main" val="440797925"/>
-                  </a:ext>
-                </a:extLst>
-              </a:tr>
-              <a:tr h="45789">
-                <a:tc rowSpan="4">
-                  <a:txBody>
-                    <a:bodyPr/>
-                    <a:lstStyle/>
-                    <a:p>
-                      <a:pPr algn="ctr"/>
-                      <a:r>
-                        <a:rPr lang="de-DE" sz="1000"/>
-                        <a:t>Window 1</a:t>
-                      </a:r>
-                    </a:p>
-                  </a:txBody>
-                  <a:tcPr marL="262" marR="262" marT="262" marB="262" anchor="ctr">
-                    <a:lnL>
-                      <a:noFill/>
-                    </a:lnL>
-                    <a:lnR>
-                      <a:noFill/>
-                    </a:lnR>
-                    <a:lnT>
-                      <a:noFill/>
-                    </a:lnT>
-                    <a:lnB>
-                      <a:noFill/>
-                    </a:lnB>
-                    <a:noFill/>
-                  </a:tcPr>
-                </a:tc>
-                <a:tc>
-                  <a:txBody>
-                    <a:bodyPr/>
-                    <a:lstStyle/>
-                    <a:p>
-                      <a:pPr algn="ctr"/>
-                      <a:r>
-                        <a:rPr lang="de-DE" sz="1000"/>
-                        <a:t>surface area</a:t>
-                      </a:r>
-                    </a:p>
-                  </a:txBody>
-                  <a:tcPr marL="262" marR="262" marT="262" marB="262" anchor="ctr">
-                    <a:lnL>
-                      <a:noFill/>
-                    </a:lnL>
-                    <a:lnR>
-                      <a:noFill/>
-                    </a:lnR>
-                    <a:lnT>
-                      <a:noFill/>
-                    </a:lnT>
-                    <a:lnB>
-                      <a:noFill/>
-                    </a:lnB>
-                    <a:noFill/>
-                  </a:tcPr>
-                </a:tc>
-                <a:tc>
-                  <a:txBody>
-                    <a:bodyPr/>
-                    <a:lstStyle/>
-                    <a:p>
-                      <a:pPr algn="ctr"/>
-                      <a:r>
-                        <a:rPr lang="de-DE" sz="1000"/>
-                        <a:t>42.0m</a:t>
-                      </a:r>
-                      <a:r>
-                        <a:rPr lang="de-DE" sz="1000" baseline="30000"/>
-                        <a:t>2</a:t>
-                      </a:r>
-                      <a:endParaRPr lang="de-DE" sz="1000"/>
-                    </a:p>
-                  </a:txBody>
-                  <a:tcPr marL="262" marR="262" marT="262" marB="262">
-                    <a:lnL>
-                      <a:noFill/>
-                    </a:lnL>
-                    <a:lnR>
-                      <a:noFill/>
-                    </a:lnR>
-                    <a:lnT>
-                      <a:noFill/>
-                    </a:lnT>
-                    <a:lnB>
-                      <a:noFill/>
-                    </a:lnB>
-                    <a:noFill/>
-                  </a:tcPr>
-                </a:tc>
-                <a:tc>
-                  <a:txBody>
-                    <a:bodyPr/>
-                    <a:lstStyle/>
-                    <a:p>
-                      <a:pPr algn="ctr"/>
-                      <a:r>
-                        <a:rPr lang="de-DE" sz="1000"/>
-                        <a:t>42.0 m</a:t>
-                      </a:r>
-                      <a:r>
-                        <a:rPr lang="de-DE" sz="1000" baseline="30000"/>
-                        <a:t>2</a:t>
-                      </a:r>
-                      <a:endParaRPr lang="de-DE" sz="1000"/>
-                    </a:p>
-                  </a:txBody>
-                  <a:tcPr marL="262" marR="262" marT="262" marB="262">
-                    <a:lnL>
-                      <a:noFill/>
-                    </a:lnL>
-                    <a:lnR>
-                      <a:noFill/>
-                    </a:lnR>
-                    <a:lnT>
-                      <a:noFill/>
-                    </a:lnT>
-                    <a:lnB>
-                      <a:noFill/>
-                    </a:lnB>
-                    <a:noFill/>
-                  </a:tcPr>
-                </a:tc>
-                <a:tc>
-                  <a:txBody>
-                    <a:bodyPr/>
-                    <a:lstStyle/>
-                    <a:p>
-                      <a:pPr algn="ctr"/>
-                      <a:endParaRPr lang="de-DE" sz="1000"/>
-                    </a:p>
-                  </a:txBody>
-                  <a:tcPr marL="262" marR="262" marT="262" marB="262">
-                    <a:lnL>
-                      <a:noFill/>
-                    </a:lnL>
-                    <a:lnR>
-                      <a:noFill/>
-                    </a:lnR>
-                    <a:lnT>
-                      <a:noFill/>
-                    </a:lnT>
-                    <a:lnB>
-                      <a:noFill/>
-                    </a:lnB>
-                    <a:noFill/>
-                  </a:tcPr>
-                </a:tc>
-                <a:extLst>
-                  <a:ext uri="{0D108BD9-81ED-4DB2-BD59-A6C34878D82A}">
-                    <a16:rowId xmlns:a16="http://schemas.microsoft.com/office/drawing/2014/main" val="3618656935"/>
-                  </a:ext>
-                </a:extLst>
-              </a:tr>
-              <a:tr h="146375">
-                <a:tc vMerge="1">
-                  <a:txBody>
-                    <a:bodyPr/>
-                    <a:lstStyle/>
-                    <a:p>
-                      <a:endParaRPr lang="de-DE"/>
-                    </a:p>
-                  </a:txBody>
-                  <a:tcPr/>
-                </a:tc>
-                <a:tc>
-                  <a:txBody>
-                    <a:bodyPr/>
-                    <a:lstStyle/>
-                    <a:p>
-                      <a:pPr algn="ctr"/>
-                      <a:endParaRPr lang="en-US" sz="1000" dirty="0"/>
-                    </a:p>
-                  </a:txBody>
-                  <a:tcPr marL="262" marR="262" marT="262" marB="262" anchor="ctr">
-                    <a:lnL>
-                      <a:noFill/>
-                    </a:lnL>
-                    <a:lnR>
-                      <a:noFill/>
-                    </a:lnR>
-                    <a:lnT>
-                      <a:noFill/>
-                    </a:lnT>
-                    <a:lnB>
-                      <a:noFill/>
-                    </a:lnB>
-                    <a:noFill/>
-                  </a:tcPr>
-                </a:tc>
-                <a:tc>
-                  <a:txBody>
-                    <a:bodyPr/>
-                    <a:lstStyle/>
-                    <a:p>
-                      <a:pPr algn="ctr"/>
-                      <a:endParaRPr lang="de-DE" sz="1000" dirty="0"/>
-                    </a:p>
-                  </a:txBody>
-                  <a:tcPr marL="262" marR="262" marT="262" marB="262">
-                    <a:lnL>
-                      <a:noFill/>
-                    </a:lnL>
-                    <a:lnR>
-                      <a:noFill/>
-                    </a:lnR>
-                    <a:lnT>
-                      <a:noFill/>
-                    </a:lnT>
-                    <a:lnB>
-                      <a:noFill/>
-                    </a:lnB>
-                    <a:noFill/>
-                  </a:tcPr>
-                </a:tc>
-                <a:tc>
-                  <a:txBody>
-                    <a:bodyPr/>
-                    <a:lstStyle/>
-                    <a:p>
-                      <a:pPr algn="ctr"/>
-                      <a:endParaRPr lang="de-DE" sz="1000" dirty="0"/>
-                    </a:p>
-                  </a:txBody>
-                  <a:tcPr marL="262" marR="262" marT="262" marB="262">
-                    <a:lnL>
-                      <a:noFill/>
-                    </a:lnL>
-                    <a:lnR>
-                      <a:noFill/>
-                    </a:lnR>
-                    <a:lnT>
-                      <a:noFill/>
-                    </a:lnT>
-                    <a:lnB>
-                      <a:noFill/>
-                    </a:lnB>
-                    <a:noFill/>
-                  </a:tcPr>
-                </a:tc>
-                <a:tc>
-                  <a:txBody>
-                    <a:bodyPr/>
-                    <a:lstStyle/>
-                    <a:p>
-                      <a:pPr algn="ctr"/>
-                      <a:endParaRPr lang="de-DE" sz="1000"/>
-                    </a:p>
-                  </a:txBody>
-                  <a:tcPr marL="262" marR="262" marT="262" marB="262">
-                    <a:lnL>
-                      <a:noFill/>
-                    </a:lnL>
-                    <a:lnR>
-                      <a:noFill/>
-                    </a:lnR>
-                    <a:lnT>
-                      <a:noFill/>
-                    </a:lnT>
-                    <a:lnB>
-                      <a:noFill/>
-                    </a:lnB>
-                    <a:noFill/>
-                  </a:tcPr>
-                </a:tc>
-                <a:extLst>
-                  <a:ext uri="{0D108BD9-81ED-4DB2-BD59-A6C34878D82A}">
-                    <a16:rowId xmlns:a16="http://schemas.microsoft.com/office/drawing/2014/main" val="3401175277"/>
-                  </a:ext>
-                </a:extLst>
-              </a:tr>
-              <a:tr h="0">
-                <a:tc vMerge="1">
-                  <a:txBody>
-                    <a:bodyPr/>
-                    <a:lstStyle/>
-                    <a:p>
-                      <a:endParaRPr lang="de-DE"/>
-                    </a:p>
-                  </a:txBody>
-                  <a:tcPr/>
-                </a:tc>
-                <a:tc>
-                  <a:txBody>
-                    <a:bodyPr/>
-                    <a:lstStyle/>
-                    <a:p>
-                      <a:pPr algn="ctr"/>
-                      <a:r>
-                        <a:rPr lang="de-DE" sz="1000"/>
-                        <a:t>picture</a:t>
-                      </a:r>
-                    </a:p>
-                  </a:txBody>
-                  <a:tcPr marL="262" marR="262" marT="262" marB="262" anchor="ctr">
-                    <a:lnL>
-                      <a:noFill/>
-                    </a:lnL>
-                    <a:lnR>
-                      <a:noFill/>
-                    </a:lnR>
-                    <a:lnT>
-                      <a:noFill/>
-                    </a:lnT>
-                    <a:lnB>
-                      <a:noFill/>
-                    </a:lnB>
-                    <a:noFill/>
-                  </a:tcPr>
-                </a:tc>
-                <a:tc>
-                  <a:txBody>
-                    <a:bodyPr/>
-                    <a:lstStyle/>
-                    <a:p>
-                      <a:pPr algn="ctr"/>
-                      <a:endParaRPr lang="de-DE" sz="1000"/>
-                    </a:p>
-                  </a:txBody>
-                  <a:tcPr marL="262" marR="262" marT="262" marB="262">
-                    <a:lnL>
-                      <a:noFill/>
-                    </a:lnL>
-                    <a:lnR>
-                      <a:noFill/>
-                    </a:lnR>
-                    <a:lnT>
-                      <a:noFill/>
-                    </a:lnT>
-                    <a:lnB>
-                      <a:noFill/>
-                    </a:lnB>
-                    <a:noFill/>
-                  </a:tcPr>
-                </a:tc>
-                <a:tc>
-                  <a:txBody>
-                    <a:bodyPr/>
-                    <a:lstStyle/>
-                    <a:p>
-                      <a:pPr algn="ctr"/>
-                      <a:endParaRPr lang="de-DE" sz="1000"/>
-                    </a:p>
-                  </a:txBody>
-                  <a:tcPr marL="262" marR="262" marT="262" marB="262">
-                    <a:lnL>
-                      <a:noFill/>
-                    </a:lnL>
-                    <a:lnR>
-                      <a:noFill/>
-                    </a:lnR>
-                    <a:lnT>
-                      <a:noFill/>
-                    </a:lnT>
-                    <a:lnB>
-                      <a:noFill/>
-                    </a:lnB>
-                    <a:noFill/>
-                  </a:tcPr>
-                </a:tc>
-                <a:tc>
-                  <a:txBody>
-                    <a:bodyPr/>
-                    <a:lstStyle/>
-                    <a:p>
-                      <a:pPr algn="ctr"/>
-                      <a:endParaRPr lang="de-DE" sz="1000"/>
-                    </a:p>
-                  </a:txBody>
-                  <a:tcPr marL="262" marR="262" marT="262" marB="262">
-                    <a:lnL>
-                      <a:noFill/>
-                    </a:lnL>
-                    <a:lnR>
-                      <a:noFill/>
-                    </a:lnR>
-                    <a:lnT>
-                      <a:noFill/>
-                    </a:lnT>
-                    <a:lnB>
-                      <a:noFill/>
-                    </a:lnB>
-                    <a:noFill/>
-                  </a:tcPr>
-                </a:tc>
-                <a:extLst>
-                  <a:ext uri="{0D108BD9-81ED-4DB2-BD59-A6C34878D82A}">
-                    <a16:rowId xmlns:a16="http://schemas.microsoft.com/office/drawing/2014/main" val="903480550"/>
-                  </a:ext>
-                </a:extLst>
-              </a:tr>
-              <a:tr h="80996">
-                <a:tc vMerge="1">
-                  <a:txBody>
-                    <a:bodyPr/>
-                    <a:lstStyle/>
-                    <a:p>
-                      <a:endParaRPr lang="de-DE"/>
-                    </a:p>
-                  </a:txBody>
-                  <a:tcPr/>
-                </a:tc>
-                <a:tc>
-                  <a:txBody>
-                    <a:bodyPr/>
-                    <a:lstStyle/>
-                    <a:p>
-                      <a:pPr algn="ctr"/>
-                      <a:r>
-                        <a:rPr lang="de-DE" sz="1000"/>
-                        <a:t>U-value</a:t>
-                      </a:r>
-                    </a:p>
-                  </a:txBody>
-                  <a:tcPr marL="262" marR="262" marT="262" marB="262" anchor="ctr">
-                    <a:lnL>
-                      <a:noFill/>
-                    </a:lnL>
-                    <a:lnR>
-                      <a:noFill/>
-                    </a:lnR>
-                    <a:lnT>
-                      <a:noFill/>
-                    </a:lnT>
-                    <a:lnB>
-                      <a:noFill/>
-                    </a:lnB>
-                    <a:noFill/>
-                  </a:tcPr>
-                </a:tc>
-                <a:tc>
-                  <a:txBody>
-                    <a:bodyPr/>
-                    <a:lstStyle/>
-                    <a:p>
-                      <a:pPr algn="ctr">
-                        <a:buNone/>
-                      </a:pPr>
-                      <a:r>
-                        <a:rPr lang="de-DE" sz="1000"/>
-                        <a:t>1.10 W/(m</a:t>
-                      </a:r>
-                      <a:r>
-                        <a:rPr lang="de-DE" sz="1000" baseline="30000"/>
-                        <a:t>2</a:t>
-                      </a:r>
-                      <a:r>
-                        <a:rPr lang="de-DE" sz="1000"/>
-                        <a:t>K)</a:t>
-                      </a:r>
-                    </a:p>
-                  </a:txBody>
-                  <a:tcPr marL="262" marR="262" marT="262" marB="262" anchor="ctr">
-                    <a:lnL>
-                      <a:noFill/>
-                    </a:lnL>
-                    <a:lnR>
-                      <a:noFill/>
-                    </a:lnR>
-                    <a:lnT>
-                      <a:noFill/>
-                    </a:lnT>
-                    <a:lnB>
-                      <a:noFill/>
-                    </a:lnB>
-                    <a:noFill/>
-                  </a:tcPr>
-                </a:tc>
-                <a:tc>
-                  <a:txBody>
-                    <a:bodyPr/>
-                    <a:lstStyle/>
-                    <a:p>
-                      <a:pPr algn="ctr">
-                        <a:buNone/>
-                      </a:pPr>
-                      <a:r>
-                        <a:rPr lang="de-DE" sz="1000"/>
-                        <a:t>1.10 W/(m</a:t>
-                      </a:r>
-                      <a:r>
-                        <a:rPr lang="de-DE" sz="1000" baseline="30000"/>
-                        <a:t>2</a:t>
-                      </a:r>
-                      <a:r>
-                        <a:rPr lang="de-DE" sz="1000"/>
-                        <a:t>K)</a:t>
-                      </a:r>
-                    </a:p>
-                  </a:txBody>
-                  <a:tcPr marL="262" marR="262" marT="262" marB="262" anchor="ctr">
-                    <a:lnL>
-                      <a:noFill/>
-                    </a:lnL>
-                    <a:lnR>
-                      <a:noFill/>
-                    </a:lnR>
-                    <a:lnT>
-                      <a:noFill/>
-                    </a:lnT>
-                    <a:lnB>
-                      <a:noFill/>
-                    </a:lnB>
-                    <a:noFill/>
-                  </a:tcPr>
-                </a:tc>
-                <a:tc>
-                  <a:txBody>
-                    <a:bodyPr/>
-                    <a:lstStyle/>
-                    <a:p>
-                      <a:pPr algn="ctr">
-                        <a:buNone/>
-                      </a:pPr>
-                      <a:endParaRPr lang="de-DE" sz="1000" dirty="0"/>
-                    </a:p>
-                  </a:txBody>
-                  <a:tcPr marL="262" marR="262" marT="262" marB="262" anchor="ctr">
-                    <a:lnL>
-                      <a:noFill/>
-                    </a:lnL>
-                    <a:lnR>
-                      <a:noFill/>
-                    </a:lnR>
-                    <a:lnT>
-                      <a:noFill/>
-                    </a:lnT>
-                    <a:lnB>
-                      <a:noFill/>
-                    </a:lnB>
-                    <a:noFill/>
-                  </a:tcPr>
-                </a:tc>
-                <a:extLst>
-                  <a:ext uri="{0D108BD9-81ED-4DB2-BD59-A6C34878D82A}">
-                    <a16:rowId xmlns:a16="http://schemas.microsoft.com/office/drawing/2014/main" val="4177455836"/>
-                  </a:ext>
-                </a:extLst>
-              </a:tr>
-            </a:tbl>
-          </a:graphicData>
-        </a:graphic>
-      </p:graphicFrame>
+        </p:nvSpPr>
+        <p:spPr/>
+        <p:txBody>
+          <a:bodyPr/>
+          <a:lstStyle/>
+          <a:p>
+            <a:endParaRPr lang="de-DE" dirty="0"/>
+          </a:p>
+        </p:txBody>
+      </p:sp>
     </p:spTree>
     <p:extLst>
       <p:ext uri="{BB962C8B-B14F-4D97-AF65-F5344CB8AC3E}">
@@ -27745,7 +22158,7 @@
         <p:spPr/>
         <p:txBody>
           <a:bodyPr>
-            <a:normAutofit fontScale="70000" lnSpcReduction="20000"/>
+            <a:normAutofit fontScale="55000" lnSpcReduction="20000"/>
           </a:bodyPr>
           <a:lstStyle/>
           <a:p>
@@ -30429,6 +24842,980 @@
                 </a:schemeClr>
               </a:solidFill>
             </a:endParaRPr>
+          </a:p>
+          <a:p>
+            <a:pPr>
+              <a:buFont typeface="Arial" panose="020B0604020202020204" pitchFamily="34" charset="0"/>
+              <a:buChar char="•"/>
+            </a:pPr>
+            <a:r>
+              <a:rPr lang="de-DE" dirty="0" err="1">
+                <a:solidFill>
+                  <a:schemeClr val="tx1">
+                    <a:lumMod val="50000"/>
+                    <a:lumOff val="50000"/>
+                  </a:schemeClr>
+                </a:solidFill>
+              </a:rPr>
+              <a:t>One</a:t>
+            </a:r>
+            <a:r>
+              <a:rPr lang="de-DE" dirty="0">
+                <a:solidFill>
+                  <a:schemeClr val="tx1">
+                    <a:lumMod val="50000"/>
+                    <a:lumOff val="50000"/>
+                  </a:schemeClr>
+                </a:solidFill>
+              </a:rPr>
+              <a:t> </a:t>
+            </a:r>
+            <a:r>
+              <a:rPr lang="de-DE" dirty="0" err="1">
+                <a:solidFill>
+                  <a:schemeClr val="tx1">
+                    <a:lumMod val="50000"/>
+                    <a:lumOff val="50000"/>
+                  </a:schemeClr>
+                </a:solidFill>
+              </a:rPr>
+              <a:t>thing</a:t>
+            </a:r>
+            <a:r>
+              <a:rPr lang="de-DE" dirty="0">
+                <a:solidFill>
+                  <a:schemeClr val="tx1">
+                    <a:lumMod val="50000"/>
+                    <a:lumOff val="50000"/>
+                  </a:schemeClr>
+                </a:solidFill>
+              </a:rPr>
+              <a:t> </a:t>
+            </a:r>
+            <a:r>
+              <a:rPr lang="de-DE" dirty="0" err="1">
+                <a:solidFill>
+                  <a:schemeClr val="tx1">
+                    <a:lumMod val="50000"/>
+                    <a:lumOff val="50000"/>
+                  </a:schemeClr>
+                </a:solidFill>
+              </a:rPr>
+              <a:t>that</a:t>
+            </a:r>
+            <a:r>
+              <a:rPr lang="de-DE" dirty="0">
+                <a:solidFill>
+                  <a:schemeClr val="tx1">
+                    <a:lumMod val="50000"/>
+                    <a:lumOff val="50000"/>
+                  </a:schemeClr>
+                </a:solidFill>
+              </a:rPr>
+              <a:t> </a:t>
+            </a:r>
+            <a:r>
+              <a:rPr lang="de-DE" dirty="0" err="1">
+                <a:solidFill>
+                  <a:schemeClr val="tx1">
+                    <a:lumMod val="50000"/>
+                    <a:lumOff val="50000"/>
+                  </a:schemeClr>
+                </a:solidFill>
+              </a:rPr>
+              <a:t>always</a:t>
+            </a:r>
+            <a:r>
+              <a:rPr lang="de-DE" dirty="0">
+                <a:solidFill>
+                  <a:schemeClr val="tx1">
+                    <a:lumMod val="50000"/>
+                    <a:lumOff val="50000"/>
+                  </a:schemeClr>
+                </a:solidFill>
+              </a:rPr>
+              <a:t> </a:t>
+            </a:r>
+            <a:r>
+              <a:rPr lang="de-DE" dirty="0" err="1">
+                <a:solidFill>
+                  <a:schemeClr val="tx1">
+                    <a:lumMod val="50000"/>
+                    <a:lumOff val="50000"/>
+                  </a:schemeClr>
+                </a:solidFill>
+              </a:rPr>
+              <a:t>confuses</a:t>
+            </a:r>
+            <a:r>
+              <a:rPr lang="de-DE" dirty="0">
+                <a:solidFill>
+                  <a:schemeClr val="tx1">
+                    <a:lumMod val="50000"/>
+                    <a:lumOff val="50000"/>
+                  </a:schemeClr>
+                </a:solidFill>
+              </a:rPr>
+              <a:t> </a:t>
+            </a:r>
+            <a:r>
+              <a:rPr lang="de-DE" dirty="0" err="1">
+                <a:solidFill>
+                  <a:schemeClr val="tx1">
+                    <a:lumMod val="50000"/>
+                    <a:lumOff val="50000"/>
+                  </a:schemeClr>
+                </a:solidFill>
+              </a:rPr>
+              <a:t>people</a:t>
+            </a:r>
+            <a:r>
+              <a:rPr lang="de-DE" dirty="0">
+                <a:solidFill>
+                  <a:schemeClr val="tx1">
+                    <a:lumMod val="50000"/>
+                    <a:lumOff val="50000"/>
+                  </a:schemeClr>
+                </a:solidFill>
+              </a:rPr>
+              <a:t> </a:t>
+            </a:r>
+            <a:r>
+              <a:rPr lang="de-DE" dirty="0" err="1">
+                <a:solidFill>
+                  <a:schemeClr val="tx1">
+                    <a:lumMod val="50000"/>
+                    <a:lumOff val="50000"/>
+                  </a:schemeClr>
+                </a:solidFill>
+              </a:rPr>
+              <a:t>is</a:t>
+            </a:r>
+            <a:r>
+              <a:rPr lang="de-DE" dirty="0">
+                <a:solidFill>
+                  <a:schemeClr val="tx1">
+                    <a:lumMod val="50000"/>
+                    <a:lumOff val="50000"/>
+                  </a:schemeClr>
+                </a:solidFill>
+              </a:rPr>
+              <a:t> </a:t>
+            </a:r>
+            <a:r>
+              <a:rPr lang="de-DE" dirty="0" err="1">
+                <a:solidFill>
+                  <a:schemeClr val="tx1">
+                    <a:lumMod val="50000"/>
+                    <a:lumOff val="50000"/>
+                  </a:schemeClr>
+                </a:solidFill>
+              </a:rPr>
+              <a:t>how</a:t>
+            </a:r>
+            <a:r>
+              <a:rPr lang="de-DE" dirty="0">
+                <a:solidFill>
+                  <a:schemeClr val="tx1">
+                    <a:lumMod val="50000"/>
+                    <a:lumOff val="50000"/>
+                  </a:schemeClr>
+                </a:solidFill>
+              </a:rPr>
+              <a:t> </a:t>
+            </a:r>
+            <a:r>
+              <a:rPr lang="de-DE" dirty="0" err="1">
+                <a:solidFill>
+                  <a:schemeClr val="tx1">
+                    <a:lumMod val="50000"/>
+                    <a:lumOff val="50000"/>
+                  </a:schemeClr>
+                </a:solidFill>
+              </a:rPr>
+              <a:t>heat</a:t>
+            </a:r>
+            <a:r>
+              <a:rPr lang="de-DE" dirty="0">
+                <a:solidFill>
+                  <a:schemeClr val="tx1">
+                    <a:lumMod val="50000"/>
+                    <a:lumOff val="50000"/>
+                  </a:schemeClr>
+                </a:solidFill>
+              </a:rPr>
+              <a:t> </a:t>
+            </a:r>
+            <a:r>
+              <a:rPr lang="de-DE" dirty="0" err="1">
+                <a:solidFill>
+                  <a:schemeClr val="tx1">
+                    <a:lumMod val="50000"/>
+                    <a:lumOff val="50000"/>
+                  </a:schemeClr>
+                </a:solidFill>
+              </a:rPr>
+              <a:t>pumps</a:t>
+            </a:r>
+            <a:r>
+              <a:rPr lang="de-DE" dirty="0">
+                <a:solidFill>
+                  <a:schemeClr val="tx1">
+                    <a:lumMod val="50000"/>
+                    <a:lumOff val="50000"/>
+                  </a:schemeClr>
+                </a:solidFill>
+              </a:rPr>
+              <a:t> </a:t>
+            </a:r>
+            <a:r>
+              <a:rPr lang="de-DE" dirty="0" err="1">
+                <a:solidFill>
+                  <a:schemeClr val="tx1">
+                    <a:lumMod val="50000"/>
+                    <a:lumOff val="50000"/>
+                  </a:schemeClr>
+                </a:solidFill>
+              </a:rPr>
+              <a:t>can</a:t>
+            </a:r>
+            <a:r>
+              <a:rPr lang="de-DE" dirty="0">
+                <a:solidFill>
+                  <a:schemeClr val="tx1">
+                    <a:lumMod val="50000"/>
+                    <a:lumOff val="50000"/>
+                  </a:schemeClr>
+                </a:solidFill>
+              </a:rPr>
+              <a:t> </a:t>
+            </a:r>
+            <a:r>
+              <a:rPr lang="de-DE" dirty="0" err="1">
+                <a:solidFill>
+                  <a:schemeClr val="tx1">
+                    <a:lumMod val="50000"/>
+                    <a:lumOff val="50000"/>
+                  </a:schemeClr>
+                </a:solidFill>
+              </a:rPr>
+              <a:t>be</a:t>
+            </a:r>
+            <a:r>
+              <a:rPr lang="de-DE" dirty="0">
+                <a:solidFill>
+                  <a:schemeClr val="tx1">
+                    <a:lumMod val="50000"/>
+                    <a:lumOff val="50000"/>
+                  </a:schemeClr>
+                </a:solidFill>
+              </a:rPr>
+              <a:t> „300% </a:t>
+            </a:r>
+            <a:r>
+              <a:rPr lang="de-DE" dirty="0" err="1">
+                <a:solidFill>
+                  <a:schemeClr val="tx1">
+                    <a:lumMod val="50000"/>
+                    <a:lumOff val="50000"/>
+                  </a:schemeClr>
+                </a:solidFill>
+              </a:rPr>
+              <a:t>efficient</a:t>
+            </a:r>
+            <a:r>
+              <a:rPr lang="de-DE" dirty="0">
+                <a:solidFill>
+                  <a:schemeClr val="tx1">
+                    <a:lumMod val="50000"/>
+                    <a:lumOff val="50000"/>
+                  </a:schemeClr>
+                </a:solidFill>
+              </a:rPr>
+              <a:t>“. </a:t>
+            </a:r>
+            <a:r>
+              <a:rPr lang="de-DE" dirty="0" err="1">
+                <a:solidFill>
+                  <a:schemeClr val="tx1">
+                    <a:lumMod val="50000"/>
+                    <a:lumOff val="50000"/>
+                  </a:schemeClr>
+                </a:solidFill>
+              </a:rPr>
+              <a:t>It</a:t>
+            </a:r>
+            <a:r>
+              <a:rPr lang="de-DE" dirty="0">
+                <a:solidFill>
+                  <a:schemeClr val="tx1">
+                    <a:lumMod val="50000"/>
+                    <a:lumOff val="50000"/>
+                  </a:schemeClr>
+                </a:solidFill>
+              </a:rPr>
+              <a:t> </a:t>
+            </a:r>
+            <a:r>
+              <a:rPr lang="de-DE" dirty="0" err="1">
+                <a:solidFill>
+                  <a:schemeClr val="tx1">
+                    <a:lumMod val="50000"/>
+                    <a:lumOff val="50000"/>
+                  </a:schemeClr>
+                </a:solidFill>
+              </a:rPr>
+              <a:t>doesn‘t</a:t>
+            </a:r>
+            <a:r>
+              <a:rPr lang="de-DE" dirty="0">
+                <a:solidFill>
+                  <a:schemeClr val="tx1">
+                    <a:lumMod val="50000"/>
+                    <a:lumOff val="50000"/>
+                  </a:schemeClr>
+                </a:solidFill>
+              </a:rPr>
+              <a:t> </a:t>
+            </a:r>
+            <a:r>
+              <a:rPr lang="de-DE" dirty="0" err="1">
+                <a:solidFill>
+                  <a:schemeClr val="tx1">
+                    <a:lumMod val="50000"/>
+                    <a:lumOff val="50000"/>
+                  </a:schemeClr>
+                </a:solidFill>
+              </a:rPr>
+              <a:t>violate</a:t>
+            </a:r>
+            <a:r>
+              <a:rPr lang="de-DE" dirty="0">
+                <a:solidFill>
+                  <a:schemeClr val="tx1">
+                    <a:lumMod val="50000"/>
+                    <a:lumOff val="50000"/>
+                  </a:schemeClr>
+                </a:solidFill>
+              </a:rPr>
+              <a:t> </a:t>
+            </a:r>
+            <a:r>
+              <a:rPr lang="de-DE" dirty="0" err="1">
+                <a:solidFill>
+                  <a:schemeClr val="tx1">
+                    <a:lumMod val="50000"/>
+                    <a:lumOff val="50000"/>
+                  </a:schemeClr>
+                </a:solidFill>
+              </a:rPr>
+              <a:t>physical</a:t>
+            </a:r>
+            <a:r>
+              <a:rPr lang="de-DE" dirty="0">
+                <a:solidFill>
+                  <a:schemeClr val="tx1">
+                    <a:lumMod val="50000"/>
+                    <a:lumOff val="50000"/>
+                  </a:schemeClr>
+                </a:solidFill>
+              </a:rPr>
+              <a:t> </a:t>
+            </a:r>
+            <a:r>
+              <a:rPr lang="de-DE" dirty="0" err="1">
+                <a:solidFill>
+                  <a:schemeClr val="tx1">
+                    <a:lumMod val="50000"/>
+                    <a:lumOff val="50000"/>
+                  </a:schemeClr>
+                </a:solidFill>
+              </a:rPr>
+              <a:t>laws</a:t>
+            </a:r>
+            <a:r>
+              <a:rPr lang="de-DE" dirty="0">
+                <a:solidFill>
+                  <a:schemeClr val="tx1">
+                    <a:lumMod val="50000"/>
+                    <a:lumOff val="50000"/>
+                  </a:schemeClr>
+                </a:solidFill>
+              </a:rPr>
+              <a:t> </a:t>
+            </a:r>
+            <a:r>
+              <a:rPr lang="de-DE" dirty="0" err="1">
+                <a:solidFill>
+                  <a:schemeClr val="tx1">
+                    <a:lumMod val="50000"/>
+                    <a:lumOff val="50000"/>
+                  </a:schemeClr>
+                </a:solidFill>
+              </a:rPr>
+              <a:t>because</a:t>
+            </a:r>
+            <a:r>
+              <a:rPr lang="de-DE" dirty="0">
+                <a:solidFill>
+                  <a:schemeClr val="tx1">
+                    <a:lumMod val="50000"/>
+                    <a:lumOff val="50000"/>
+                  </a:schemeClr>
+                </a:solidFill>
+              </a:rPr>
+              <a:t> </a:t>
+            </a:r>
+            <a:r>
+              <a:rPr lang="de-DE" dirty="0" err="1">
+                <a:solidFill>
+                  <a:schemeClr val="tx1">
+                    <a:lumMod val="50000"/>
+                    <a:lumOff val="50000"/>
+                  </a:schemeClr>
+                </a:solidFill>
+              </a:rPr>
+              <a:t>the</a:t>
+            </a:r>
+            <a:r>
+              <a:rPr lang="de-DE" dirty="0">
+                <a:solidFill>
+                  <a:schemeClr val="tx1">
+                    <a:lumMod val="50000"/>
+                    <a:lumOff val="50000"/>
+                  </a:schemeClr>
+                </a:solidFill>
+              </a:rPr>
+              <a:t> </a:t>
+            </a:r>
+            <a:r>
+              <a:rPr lang="de-DE" dirty="0" err="1">
+                <a:solidFill>
+                  <a:schemeClr val="tx1">
+                    <a:lumMod val="50000"/>
+                    <a:lumOff val="50000"/>
+                  </a:schemeClr>
+                </a:solidFill>
+              </a:rPr>
+              <a:t>heat</a:t>
+            </a:r>
+            <a:r>
+              <a:rPr lang="de-DE" dirty="0">
+                <a:solidFill>
+                  <a:schemeClr val="tx1">
+                    <a:lumMod val="50000"/>
+                    <a:lumOff val="50000"/>
+                  </a:schemeClr>
+                </a:solidFill>
+              </a:rPr>
+              <a:t> </a:t>
+            </a:r>
+            <a:r>
+              <a:rPr lang="de-DE" dirty="0" err="1">
+                <a:solidFill>
+                  <a:schemeClr val="tx1">
+                    <a:lumMod val="50000"/>
+                    <a:lumOff val="50000"/>
+                  </a:schemeClr>
+                </a:solidFill>
+              </a:rPr>
+              <a:t>energy</a:t>
+            </a:r>
+            <a:r>
+              <a:rPr lang="de-DE" dirty="0">
+                <a:solidFill>
+                  <a:schemeClr val="tx1">
+                    <a:lumMod val="50000"/>
+                    <a:lumOff val="50000"/>
+                  </a:schemeClr>
+                </a:solidFill>
+              </a:rPr>
+              <a:t> </a:t>
+            </a:r>
+            <a:r>
+              <a:rPr lang="de-DE" dirty="0" err="1">
+                <a:solidFill>
+                  <a:schemeClr val="tx1">
+                    <a:lumMod val="50000"/>
+                    <a:lumOff val="50000"/>
+                  </a:schemeClr>
+                </a:solidFill>
+              </a:rPr>
+              <a:t>is</a:t>
+            </a:r>
+            <a:r>
+              <a:rPr lang="de-DE" dirty="0">
+                <a:solidFill>
+                  <a:schemeClr val="tx1">
+                    <a:lumMod val="50000"/>
+                    <a:lumOff val="50000"/>
+                  </a:schemeClr>
+                </a:solidFill>
+              </a:rPr>
+              <a:t> </a:t>
+            </a:r>
+            <a:r>
+              <a:rPr lang="de-DE" dirty="0" err="1">
+                <a:solidFill>
+                  <a:schemeClr val="tx1">
+                    <a:lumMod val="50000"/>
+                    <a:lumOff val="50000"/>
+                  </a:schemeClr>
+                </a:solidFill>
+              </a:rPr>
+              <a:t>only</a:t>
+            </a:r>
+            <a:r>
+              <a:rPr lang="de-DE" dirty="0">
+                <a:solidFill>
+                  <a:schemeClr val="tx1">
+                    <a:lumMod val="50000"/>
+                    <a:lumOff val="50000"/>
+                  </a:schemeClr>
+                </a:solidFill>
+              </a:rPr>
+              <a:t> </a:t>
+            </a:r>
+            <a:r>
+              <a:rPr lang="de-DE" dirty="0" err="1">
+                <a:solidFill>
+                  <a:schemeClr val="tx1">
+                    <a:lumMod val="50000"/>
+                    <a:lumOff val="50000"/>
+                  </a:schemeClr>
+                </a:solidFill>
+              </a:rPr>
+              <a:t>moved</a:t>
+            </a:r>
+            <a:r>
+              <a:rPr lang="de-DE" dirty="0">
+                <a:solidFill>
+                  <a:schemeClr val="tx1">
+                    <a:lumMod val="50000"/>
+                    <a:lumOff val="50000"/>
+                  </a:schemeClr>
+                </a:solidFill>
+              </a:rPr>
+              <a:t>, not </a:t>
+            </a:r>
+            <a:r>
+              <a:rPr lang="de-DE" dirty="0" err="1">
+                <a:solidFill>
+                  <a:schemeClr val="tx1">
+                    <a:lumMod val="50000"/>
+                    <a:lumOff val="50000"/>
+                  </a:schemeClr>
+                </a:solidFill>
+              </a:rPr>
+              <a:t>generated</a:t>
+            </a:r>
+            <a:r>
+              <a:rPr lang="de-DE" dirty="0">
+                <a:solidFill>
+                  <a:schemeClr val="tx1">
+                    <a:lumMod val="50000"/>
+                    <a:lumOff val="50000"/>
+                  </a:schemeClr>
+                </a:solidFill>
+              </a:rPr>
+              <a:t>. And </a:t>
+            </a:r>
+            <a:r>
+              <a:rPr lang="de-DE" dirty="0" err="1">
+                <a:solidFill>
+                  <a:schemeClr val="tx1">
+                    <a:lumMod val="50000"/>
+                    <a:lumOff val="50000"/>
+                  </a:schemeClr>
+                </a:solidFill>
+              </a:rPr>
+              <a:t>this</a:t>
+            </a:r>
+            <a:r>
+              <a:rPr lang="de-DE" dirty="0">
+                <a:solidFill>
+                  <a:schemeClr val="tx1">
+                    <a:lumMod val="50000"/>
+                    <a:lumOff val="50000"/>
+                  </a:schemeClr>
+                </a:solidFill>
+              </a:rPr>
+              <a:t> also </a:t>
+            </a:r>
+            <a:r>
+              <a:rPr lang="de-DE" dirty="0" err="1">
+                <a:solidFill>
+                  <a:schemeClr val="tx1">
+                    <a:lumMod val="50000"/>
+                    <a:lumOff val="50000"/>
+                  </a:schemeClr>
+                </a:solidFill>
+              </a:rPr>
+              <a:t>works</a:t>
+            </a:r>
+            <a:r>
+              <a:rPr lang="de-DE" dirty="0">
+                <a:solidFill>
+                  <a:schemeClr val="tx1">
+                    <a:lumMod val="50000"/>
+                    <a:lumOff val="50000"/>
+                  </a:schemeClr>
+                </a:solidFill>
+              </a:rPr>
+              <a:t> </a:t>
+            </a:r>
+            <a:r>
+              <a:rPr lang="de-DE" dirty="0" err="1">
+                <a:solidFill>
+                  <a:schemeClr val="tx1">
+                    <a:lumMod val="50000"/>
+                    <a:lumOff val="50000"/>
+                  </a:schemeClr>
+                </a:solidFill>
+              </a:rPr>
+              <a:t>when</a:t>
+            </a:r>
+            <a:r>
+              <a:rPr lang="de-DE" dirty="0">
+                <a:solidFill>
+                  <a:schemeClr val="tx1">
+                    <a:lumMod val="50000"/>
+                    <a:lumOff val="50000"/>
+                  </a:schemeClr>
+                </a:solidFill>
+              </a:rPr>
+              <a:t> </a:t>
+            </a:r>
+            <a:r>
+              <a:rPr lang="de-DE" dirty="0" err="1">
+                <a:solidFill>
+                  <a:schemeClr val="tx1">
+                    <a:lumMod val="50000"/>
+                    <a:lumOff val="50000"/>
+                  </a:schemeClr>
+                </a:solidFill>
+              </a:rPr>
+              <a:t>you</a:t>
+            </a:r>
+            <a:r>
+              <a:rPr lang="de-DE" dirty="0">
+                <a:solidFill>
+                  <a:schemeClr val="tx1">
+                    <a:lumMod val="50000"/>
+                    <a:lumOff val="50000"/>
+                  </a:schemeClr>
+                </a:solidFill>
+              </a:rPr>
+              <a:t> </a:t>
+            </a:r>
+            <a:r>
+              <a:rPr lang="de-DE" dirty="0" err="1">
+                <a:solidFill>
+                  <a:schemeClr val="tx1">
+                    <a:lumMod val="50000"/>
+                    <a:lumOff val="50000"/>
+                  </a:schemeClr>
+                </a:solidFill>
+              </a:rPr>
+              <a:t>would</a:t>
+            </a:r>
+            <a:r>
+              <a:rPr lang="de-DE" dirty="0">
+                <a:solidFill>
+                  <a:schemeClr val="tx1">
+                    <a:lumMod val="50000"/>
+                    <a:lumOff val="50000"/>
+                  </a:schemeClr>
+                </a:solidFill>
+              </a:rPr>
+              <a:t> </a:t>
+            </a:r>
+            <a:r>
+              <a:rPr lang="de-DE" dirty="0" err="1">
+                <a:solidFill>
+                  <a:schemeClr val="tx1">
+                    <a:lumMod val="50000"/>
+                    <a:lumOff val="50000"/>
+                  </a:schemeClr>
+                </a:solidFill>
+              </a:rPr>
+              <a:t>think</a:t>
+            </a:r>
+            <a:r>
+              <a:rPr lang="de-DE" dirty="0">
+                <a:solidFill>
+                  <a:schemeClr val="tx1">
+                    <a:lumMod val="50000"/>
+                    <a:lumOff val="50000"/>
+                  </a:schemeClr>
+                </a:solidFill>
+              </a:rPr>
+              <a:t> </a:t>
+            </a:r>
+            <a:r>
+              <a:rPr lang="de-DE" dirty="0" err="1">
+                <a:solidFill>
+                  <a:schemeClr val="tx1">
+                    <a:lumMod val="50000"/>
+                    <a:lumOff val="50000"/>
+                  </a:schemeClr>
+                </a:solidFill>
+              </a:rPr>
+              <a:t>there</a:t>
+            </a:r>
+            <a:r>
+              <a:rPr lang="de-DE" dirty="0">
+                <a:solidFill>
+                  <a:schemeClr val="tx1">
+                    <a:lumMod val="50000"/>
+                    <a:lumOff val="50000"/>
+                  </a:schemeClr>
+                </a:solidFill>
+              </a:rPr>
+              <a:t> </a:t>
+            </a:r>
+            <a:r>
+              <a:rPr lang="de-DE" dirty="0" err="1">
+                <a:solidFill>
+                  <a:schemeClr val="tx1">
+                    <a:lumMod val="50000"/>
+                    <a:lumOff val="50000"/>
+                  </a:schemeClr>
+                </a:solidFill>
+              </a:rPr>
+              <a:t>is</a:t>
+            </a:r>
+            <a:r>
+              <a:rPr lang="de-DE" dirty="0">
+                <a:solidFill>
+                  <a:schemeClr val="tx1">
+                    <a:lumMod val="50000"/>
+                    <a:lumOff val="50000"/>
+                  </a:schemeClr>
+                </a:solidFill>
+              </a:rPr>
+              <a:t> </a:t>
+            </a:r>
+            <a:r>
+              <a:rPr lang="de-DE" dirty="0" err="1">
+                <a:solidFill>
+                  <a:schemeClr val="tx1">
+                    <a:lumMod val="50000"/>
+                    <a:lumOff val="50000"/>
+                  </a:schemeClr>
+                </a:solidFill>
+              </a:rPr>
+              <a:t>no</a:t>
+            </a:r>
+            <a:r>
+              <a:rPr lang="de-DE" dirty="0">
+                <a:solidFill>
+                  <a:schemeClr val="tx1">
+                    <a:lumMod val="50000"/>
+                    <a:lumOff val="50000"/>
+                  </a:schemeClr>
+                </a:solidFill>
+              </a:rPr>
+              <a:t> „</a:t>
+            </a:r>
+            <a:r>
+              <a:rPr lang="de-DE" dirty="0" err="1">
+                <a:solidFill>
+                  <a:schemeClr val="tx1">
+                    <a:lumMod val="50000"/>
+                    <a:lumOff val="50000"/>
+                  </a:schemeClr>
+                </a:solidFill>
+              </a:rPr>
+              <a:t>heat</a:t>
+            </a:r>
+            <a:r>
+              <a:rPr lang="de-DE" dirty="0">
+                <a:solidFill>
+                  <a:schemeClr val="tx1">
+                    <a:lumMod val="50000"/>
+                    <a:lumOff val="50000"/>
+                  </a:schemeClr>
+                </a:solidFill>
+              </a:rPr>
+              <a:t>“ </a:t>
+            </a:r>
+            <a:r>
+              <a:rPr lang="de-DE" dirty="0" err="1">
+                <a:solidFill>
+                  <a:schemeClr val="tx1">
+                    <a:lumMod val="50000"/>
+                    <a:lumOff val="50000"/>
+                  </a:schemeClr>
+                </a:solidFill>
+              </a:rPr>
+              <a:t>cause</a:t>
+            </a:r>
+            <a:r>
+              <a:rPr lang="de-DE" dirty="0">
+                <a:solidFill>
+                  <a:schemeClr val="tx1">
+                    <a:lumMod val="50000"/>
+                    <a:lumOff val="50000"/>
+                  </a:schemeClr>
+                </a:solidFill>
+              </a:rPr>
+              <a:t> </a:t>
+            </a:r>
+            <a:r>
+              <a:rPr lang="de-DE" dirty="0" err="1">
+                <a:solidFill>
+                  <a:schemeClr val="tx1">
+                    <a:lumMod val="50000"/>
+                    <a:lumOff val="50000"/>
+                  </a:schemeClr>
+                </a:solidFill>
+              </a:rPr>
+              <a:t>it‘s</a:t>
+            </a:r>
+            <a:r>
+              <a:rPr lang="de-DE" dirty="0">
+                <a:solidFill>
+                  <a:schemeClr val="tx1">
+                    <a:lumMod val="50000"/>
+                    <a:lumOff val="50000"/>
+                  </a:schemeClr>
+                </a:solidFill>
+              </a:rPr>
+              <a:t> </a:t>
+            </a:r>
+            <a:r>
+              <a:rPr lang="de-DE" dirty="0" err="1">
+                <a:solidFill>
+                  <a:schemeClr val="tx1">
+                    <a:lumMod val="50000"/>
+                    <a:lumOff val="50000"/>
+                  </a:schemeClr>
+                </a:solidFill>
+              </a:rPr>
+              <a:t>cold</a:t>
+            </a:r>
+            <a:r>
+              <a:rPr lang="de-DE" dirty="0">
+                <a:solidFill>
+                  <a:schemeClr val="tx1">
+                    <a:lumMod val="50000"/>
+                    <a:lumOff val="50000"/>
+                  </a:schemeClr>
+                </a:solidFill>
+              </a:rPr>
+              <a:t> outside. But </a:t>
+            </a:r>
+            <a:r>
+              <a:rPr lang="de-DE" dirty="0" err="1">
+                <a:solidFill>
+                  <a:schemeClr val="tx1">
+                    <a:lumMod val="50000"/>
+                    <a:lumOff val="50000"/>
+                  </a:schemeClr>
+                </a:solidFill>
+              </a:rPr>
+              <a:t>heat</a:t>
+            </a:r>
+            <a:r>
+              <a:rPr lang="de-DE" dirty="0">
+                <a:solidFill>
+                  <a:schemeClr val="tx1">
+                    <a:lumMod val="50000"/>
+                    <a:lumOff val="50000"/>
+                  </a:schemeClr>
+                </a:solidFill>
+              </a:rPr>
+              <a:t> </a:t>
+            </a:r>
+            <a:r>
+              <a:rPr lang="de-DE" dirty="0" err="1">
+                <a:solidFill>
+                  <a:schemeClr val="tx1">
+                    <a:lumMod val="50000"/>
+                    <a:lumOff val="50000"/>
+                  </a:schemeClr>
+                </a:solidFill>
+              </a:rPr>
+              <a:t>is</a:t>
+            </a:r>
+            <a:r>
+              <a:rPr lang="de-DE" dirty="0">
+                <a:solidFill>
+                  <a:schemeClr val="tx1">
+                    <a:lumMod val="50000"/>
+                    <a:lumOff val="50000"/>
+                  </a:schemeClr>
+                </a:solidFill>
+              </a:rPr>
+              <a:t> not </a:t>
+            </a:r>
+            <a:r>
+              <a:rPr lang="de-DE" dirty="0" err="1">
+                <a:solidFill>
+                  <a:schemeClr val="tx1">
+                    <a:lumMod val="50000"/>
+                    <a:lumOff val="50000"/>
+                  </a:schemeClr>
+                </a:solidFill>
+              </a:rPr>
+              <a:t>the</a:t>
+            </a:r>
+            <a:r>
+              <a:rPr lang="de-DE" dirty="0">
+                <a:solidFill>
+                  <a:schemeClr val="tx1">
+                    <a:lumMod val="50000"/>
+                    <a:lumOff val="50000"/>
+                  </a:schemeClr>
+                </a:solidFill>
+              </a:rPr>
+              <a:t> same </a:t>
+            </a:r>
+            <a:r>
+              <a:rPr lang="de-DE" dirty="0" err="1">
+                <a:solidFill>
+                  <a:schemeClr val="tx1">
+                    <a:lumMod val="50000"/>
+                    <a:lumOff val="50000"/>
+                  </a:schemeClr>
+                </a:solidFill>
+              </a:rPr>
+              <a:t>thing</a:t>
+            </a:r>
+            <a:r>
+              <a:rPr lang="de-DE" dirty="0">
+                <a:solidFill>
+                  <a:schemeClr val="tx1">
+                    <a:lumMod val="50000"/>
+                    <a:lumOff val="50000"/>
+                  </a:schemeClr>
+                </a:solidFill>
+              </a:rPr>
+              <a:t> </a:t>
+            </a:r>
+            <a:r>
+              <a:rPr lang="de-DE" dirty="0" err="1">
+                <a:solidFill>
+                  <a:schemeClr val="tx1">
+                    <a:lumMod val="50000"/>
+                    <a:lumOff val="50000"/>
+                  </a:schemeClr>
+                </a:solidFill>
+              </a:rPr>
+              <a:t>as</a:t>
+            </a:r>
+            <a:r>
+              <a:rPr lang="de-DE" dirty="0">
+                <a:solidFill>
+                  <a:schemeClr val="tx1">
+                    <a:lumMod val="50000"/>
+                    <a:lumOff val="50000"/>
+                  </a:schemeClr>
+                </a:solidFill>
+              </a:rPr>
+              <a:t> „warm“</a:t>
+            </a:r>
           </a:p>
           <a:p>
             <a:pPr marL="0" indent="0">

--- a/presentation/heat.pptx
+++ b/presentation/heat.pptx
@@ -5,7 +5,7 @@
     <p:sldMasterId id="2147483648" r:id="rId1"/>
   </p:sldMasterIdLst>
   <p:notesMasterIdLst>
-    <p:notesMasterId r:id="rId29"/>
+    <p:notesMasterId r:id="rId32"/>
   </p:notesMasterIdLst>
   <p:sldIdLst>
     <p:sldId id="256" r:id="rId2"/>
@@ -27,14 +27,17 @@
     <p:sldId id="261" r:id="rId18"/>
     <p:sldId id="262" r:id="rId19"/>
     <p:sldId id="266" r:id="rId20"/>
-    <p:sldId id="281" r:id="rId21"/>
-    <p:sldId id="282" r:id="rId22"/>
-    <p:sldId id="267" r:id="rId23"/>
-    <p:sldId id="268" r:id="rId24"/>
-    <p:sldId id="263" r:id="rId25"/>
-    <p:sldId id="264" r:id="rId26"/>
-    <p:sldId id="269" r:id="rId27"/>
-    <p:sldId id="265" r:id="rId28"/>
+    <p:sldId id="283" r:id="rId21"/>
+    <p:sldId id="281" r:id="rId22"/>
+    <p:sldId id="284" r:id="rId23"/>
+    <p:sldId id="282" r:id="rId24"/>
+    <p:sldId id="267" r:id="rId25"/>
+    <p:sldId id="285" r:id="rId26"/>
+    <p:sldId id="268" r:id="rId27"/>
+    <p:sldId id="263" r:id="rId28"/>
+    <p:sldId id="264" r:id="rId29"/>
+    <p:sldId id="269" r:id="rId30"/>
+    <p:sldId id="265" r:id="rId31"/>
   </p:sldIdLst>
   <p:sldSz cx="12192000" cy="6858000"/>
   <p:notesSz cx="6858000" cy="9144000"/>
@@ -223,7 +226,7 @@
           <a:p>
             <a:fld id="{286B95F3-0557-304F-A425-74B74408DC2F}" type="datetimeFigureOut">
               <a:rPr lang="de-DE" smtClean="0"/>
-              <a:t>24.06.2025</a:t>
+              <a:t>26.06.2025</a:t>
             </a:fld>
             <a:endParaRPr lang="de-DE"/>
           </a:p>
@@ -1240,7 +1243,7 @@
           <a:p>
             <a:fld id="{04AD105E-1681-4427-A2A6-BE19936FDE9F}" type="datetimeFigureOut">
               <a:rPr lang="de-DE" smtClean="0"/>
-              <a:t>24.06.2025</a:t>
+              <a:t>26.06.2025</a:t>
             </a:fld>
             <a:endParaRPr lang="de-DE"/>
           </a:p>
@@ -1438,7 +1441,7 @@
           <a:p>
             <a:fld id="{04AD105E-1681-4427-A2A6-BE19936FDE9F}" type="datetimeFigureOut">
               <a:rPr lang="de-DE" smtClean="0"/>
-              <a:t>24.06.2025</a:t>
+              <a:t>26.06.2025</a:t>
             </a:fld>
             <a:endParaRPr lang="de-DE"/>
           </a:p>
@@ -1646,7 +1649,7 @@
           <a:p>
             <a:fld id="{04AD105E-1681-4427-A2A6-BE19936FDE9F}" type="datetimeFigureOut">
               <a:rPr lang="de-DE" smtClean="0"/>
-              <a:t>24.06.2025</a:t>
+              <a:t>26.06.2025</a:t>
             </a:fld>
             <a:endParaRPr lang="de-DE"/>
           </a:p>
@@ -1844,7 +1847,7 @@
           <a:p>
             <a:fld id="{04AD105E-1681-4427-A2A6-BE19936FDE9F}" type="datetimeFigureOut">
               <a:rPr lang="de-DE" smtClean="0"/>
-              <a:t>24.06.2025</a:t>
+              <a:t>26.06.2025</a:t>
             </a:fld>
             <a:endParaRPr lang="de-DE"/>
           </a:p>
@@ -2119,7 +2122,7 @@
           <a:p>
             <a:fld id="{04AD105E-1681-4427-A2A6-BE19936FDE9F}" type="datetimeFigureOut">
               <a:rPr lang="de-DE" smtClean="0"/>
-              <a:t>24.06.2025</a:t>
+              <a:t>26.06.2025</a:t>
             </a:fld>
             <a:endParaRPr lang="de-DE"/>
           </a:p>
@@ -2384,7 +2387,7 @@
           <a:p>
             <a:fld id="{04AD105E-1681-4427-A2A6-BE19936FDE9F}" type="datetimeFigureOut">
               <a:rPr lang="de-DE" smtClean="0"/>
-              <a:t>24.06.2025</a:t>
+              <a:t>26.06.2025</a:t>
             </a:fld>
             <a:endParaRPr lang="de-DE"/>
           </a:p>
@@ -2796,7 +2799,7 @@
           <a:p>
             <a:fld id="{04AD105E-1681-4427-A2A6-BE19936FDE9F}" type="datetimeFigureOut">
               <a:rPr lang="de-DE" smtClean="0"/>
-              <a:t>24.06.2025</a:t>
+              <a:t>26.06.2025</a:t>
             </a:fld>
             <a:endParaRPr lang="de-DE"/>
           </a:p>
@@ -2937,7 +2940,7 @@
           <a:p>
             <a:fld id="{04AD105E-1681-4427-A2A6-BE19936FDE9F}" type="datetimeFigureOut">
               <a:rPr lang="de-DE" smtClean="0"/>
-              <a:t>24.06.2025</a:t>
+              <a:t>26.06.2025</a:t>
             </a:fld>
             <a:endParaRPr lang="de-DE"/>
           </a:p>
@@ -3050,7 +3053,7 @@
           <a:p>
             <a:fld id="{04AD105E-1681-4427-A2A6-BE19936FDE9F}" type="datetimeFigureOut">
               <a:rPr lang="de-DE" smtClean="0"/>
-              <a:t>24.06.2025</a:t>
+              <a:t>26.06.2025</a:t>
             </a:fld>
             <a:endParaRPr lang="de-DE"/>
           </a:p>
@@ -3361,7 +3364,7 @@
           <a:p>
             <a:fld id="{04AD105E-1681-4427-A2A6-BE19936FDE9F}" type="datetimeFigureOut">
               <a:rPr lang="de-DE" smtClean="0"/>
-              <a:t>24.06.2025</a:t>
+              <a:t>26.06.2025</a:t>
             </a:fld>
             <a:endParaRPr lang="de-DE"/>
           </a:p>
@@ -3649,7 +3652,7 @@
           <a:p>
             <a:fld id="{04AD105E-1681-4427-A2A6-BE19936FDE9F}" type="datetimeFigureOut">
               <a:rPr lang="de-DE" smtClean="0"/>
-              <a:t>24.06.2025</a:t>
+              <a:t>26.06.2025</a:t>
             </a:fld>
             <a:endParaRPr lang="de-DE"/>
           </a:p>
@@ -3890,7 +3893,7 @@
           <a:p>
             <a:fld id="{04AD105E-1681-4427-A2A6-BE19936FDE9F}" type="datetimeFigureOut">
               <a:rPr lang="de-DE" smtClean="0"/>
-              <a:t>24.06.2025</a:t>
+              <a:t>26.06.2025</a:t>
             </a:fld>
             <a:endParaRPr lang="de-DE"/>
           </a:p>
@@ -11896,6 +11899,9 @@
             </a:r>
             <a:endParaRPr lang="de-DE" dirty="0"/>
           </a:p>
+          <a:p>
+            <a:endParaRPr lang="de-DE" dirty="0"/>
+          </a:p>
         </p:txBody>
       </p:sp>
     </p:spTree>
@@ -13458,6 +13464,223 @@
       </p:grpSpPr>
       <p:sp>
         <p:nvSpPr>
+          <p:cNvPr id="2" name="Title 1">
+            <a:extLst>
+              <a:ext uri="{FF2B5EF4-FFF2-40B4-BE49-F238E27FC236}">
+                <a16:creationId xmlns:a16="http://schemas.microsoft.com/office/drawing/2014/main" id="{9BAB473C-44F6-DE7B-9C03-86852693BC76}"/>
+              </a:ext>
+            </a:extLst>
+          </p:cNvPr>
+          <p:cNvSpPr>
+            <a:spLocks noGrp="1"/>
+          </p:cNvSpPr>
+          <p:nvPr>
+            <p:ph type="title"/>
+          </p:nvPr>
+        </p:nvSpPr>
+        <p:spPr/>
+        <p:txBody>
+          <a:bodyPr/>
+          <a:lstStyle/>
+          <a:p>
+            <a:r>
+              <a:rPr lang="de-DE" dirty="0"/>
+              <a:t>Tabula </a:t>
+            </a:r>
+            <a:r>
+              <a:rPr lang="de-DE" dirty="0" err="1"/>
+              <a:t>parameters</a:t>
+            </a:r>
+            <a:endParaRPr lang="de-DE" dirty="0"/>
+          </a:p>
+        </p:txBody>
+      </p:sp>
+      <p:sp>
+        <p:nvSpPr>
+          <p:cNvPr id="3" name="Content Placeholder 2">
+            <a:extLst>
+              <a:ext uri="{FF2B5EF4-FFF2-40B4-BE49-F238E27FC236}">
+                <a16:creationId xmlns:a16="http://schemas.microsoft.com/office/drawing/2014/main" id="{CA71C9FE-1838-32F5-D4D9-F3200037FC18}"/>
+              </a:ext>
+            </a:extLst>
+          </p:cNvPr>
+          <p:cNvSpPr>
+            <a:spLocks noGrp="1"/>
+          </p:cNvSpPr>
+          <p:nvPr>
+            <p:ph idx="1"/>
+          </p:nvPr>
+        </p:nvSpPr>
+        <p:spPr/>
+        <p:txBody>
+          <a:bodyPr/>
+          <a:lstStyle/>
+          <a:p>
+            <a:r>
+              <a:rPr lang="de-DE" dirty="0" err="1"/>
+              <a:t>How</a:t>
+            </a:r>
+            <a:r>
+              <a:rPr lang="de-DE" dirty="0"/>
+              <a:t> </a:t>
+            </a:r>
+            <a:r>
+              <a:rPr lang="de-DE" dirty="0" err="1"/>
+              <a:t>did</a:t>
+            </a:r>
+            <a:r>
+              <a:rPr lang="de-DE" dirty="0"/>
+              <a:t> </a:t>
+            </a:r>
+            <a:r>
+              <a:rPr lang="de-DE" dirty="0" err="1"/>
+              <a:t>we</a:t>
+            </a:r>
+            <a:r>
+              <a:rPr lang="de-DE" dirty="0"/>
+              <a:t> </a:t>
+            </a:r>
+            <a:r>
+              <a:rPr lang="de-DE" dirty="0" err="1"/>
+              <a:t>calculate</a:t>
+            </a:r>
+            <a:r>
+              <a:rPr lang="de-DE" dirty="0"/>
+              <a:t> </a:t>
+            </a:r>
+            <a:r>
+              <a:rPr lang="de-DE" dirty="0" err="1"/>
+              <a:t>building</a:t>
+            </a:r>
+            <a:r>
+              <a:rPr lang="de-DE" dirty="0"/>
+              <a:t> </a:t>
+            </a:r>
+            <a:r>
+              <a:rPr lang="de-DE" dirty="0" err="1"/>
+              <a:t>volume</a:t>
+            </a:r>
+            <a:r>
+              <a:rPr lang="de-DE" dirty="0"/>
+              <a:t>: V = ¼* </a:t>
+            </a:r>
+            <a:r>
+              <a:rPr lang="de-DE" dirty="0" err="1"/>
+              <a:t>A_walls</a:t>
+            </a:r>
+            <a:r>
+              <a:rPr lang="de-DE" dirty="0"/>
+              <a:t>*</a:t>
+            </a:r>
+            <a:r>
+              <a:rPr lang="de-DE" dirty="0" err="1"/>
+              <a:t>sqrt</a:t>
+            </a:r>
+            <a:r>
+              <a:rPr lang="de-DE" dirty="0"/>
+              <a:t>(</a:t>
+            </a:r>
+            <a:r>
+              <a:rPr lang="de-DE" dirty="0" err="1"/>
+              <a:t>A_ground</a:t>
+            </a:r>
+            <a:r>
+              <a:rPr lang="de-DE" dirty="0"/>
+              <a:t>)</a:t>
+            </a:r>
+          </a:p>
+          <a:p>
+            <a:r>
+              <a:rPr lang="de-DE" dirty="0" err="1"/>
+              <a:t>What</a:t>
+            </a:r>
+            <a:r>
+              <a:rPr lang="de-DE" dirty="0"/>
+              <a:t> </a:t>
+            </a:r>
+            <a:r>
+              <a:rPr lang="de-DE" dirty="0" err="1"/>
+              <a:t>processes</a:t>
+            </a:r>
+            <a:r>
+              <a:rPr lang="de-DE" dirty="0"/>
+              <a:t> </a:t>
+            </a:r>
+            <a:r>
+              <a:rPr lang="de-DE" dirty="0" err="1"/>
+              <a:t>were</a:t>
+            </a:r>
+            <a:r>
+              <a:rPr lang="de-DE" dirty="0"/>
+              <a:t> </a:t>
+            </a:r>
+            <a:r>
+              <a:rPr lang="de-DE" dirty="0" err="1"/>
+              <a:t>omitted</a:t>
+            </a:r>
+            <a:r>
+              <a:rPr lang="de-DE" dirty="0"/>
+              <a:t> (internal </a:t>
+            </a:r>
+            <a:r>
+              <a:rPr lang="de-DE" dirty="0" err="1"/>
+              <a:t>heating</a:t>
+            </a:r>
+            <a:r>
+              <a:rPr lang="de-DE" dirty="0"/>
+              <a:t> </a:t>
+            </a:r>
+            <a:r>
+              <a:rPr lang="de-DE" dirty="0" err="1"/>
+              <a:t>sources</a:t>
+            </a:r>
+            <a:r>
+              <a:rPr lang="de-DE" dirty="0"/>
+              <a:t>, solar, </a:t>
+            </a:r>
+            <a:r>
+              <a:rPr lang="de-DE" dirty="0" err="1"/>
+              <a:t>ventilation</a:t>
+            </a:r>
+            <a:r>
+              <a:rPr lang="de-DE" dirty="0"/>
+              <a:t>)</a:t>
+            </a:r>
+          </a:p>
+        </p:txBody>
+      </p:sp>
+    </p:spTree>
+    <p:extLst>
+      <p:ext uri="{BB962C8B-B14F-4D97-AF65-F5344CB8AC3E}">
+        <p14:creationId xmlns:p14="http://schemas.microsoft.com/office/powerpoint/2010/main" val="2218439923"/>
+      </p:ext>
+    </p:extLst>
+  </p:cSld>
+  <p:clrMapOvr>
+    <a:masterClrMapping/>
+  </p:clrMapOvr>
+</p:sld>
+</file>
+
+<file path=ppt/slides/slide21.xml><?xml version="1.0" encoding="utf-8"?>
+<p:sld xmlns:a="http://schemas.openxmlformats.org/drawingml/2006/main" xmlns:r="http://schemas.openxmlformats.org/officeDocument/2006/relationships" xmlns:p="http://schemas.openxmlformats.org/presentationml/2006/main">
+  <p:cSld>
+    <p:spTree>
+      <p:nvGrpSpPr>
+        <p:cNvPr id="1" name=""/>
+        <p:cNvGrpSpPr/>
+        <p:nvPr/>
+      </p:nvGrpSpPr>
+      <p:grpSpPr>
+        <a:xfrm>
+          <a:off x="0" y="0"/>
+          <a:ext cx="0" cy="0"/>
+          <a:chOff x="0" y="0"/>
+          <a:chExt cx="0" cy="0"/>
+        </a:xfrm>
+      </p:grpSpPr>
+      <p:sp>
+        <p:nvSpPr>
           <p:cNvPr id="2" name="Titel 1">
             <a:extLst>
               <a:ext uri="{FF2B5EF4-FFF2-40B4-BE49-F238E27FC236}">
@@ -13479,7 +13702,7 @@
           <a:p>
             <a:r>
               <a:rPr lang="de-DE" dirty="0"/>
-              <a:t>1948 </a:t>
+              <a:t>1978 </a:t>
             </a:r>
             <a:r>
               <a:rPr lang="de-DE" dirty="0" err="1"/>
@@ -13487,13 +13710,8 @@
             </a:r>
             <a:r>
               <a:rPr lang="de-DE" dirty="0"/>
-              <a:t> in 2015 </a:t>
-            </a:r>
-            <a:r>
-              <a:rPr lang="de-DE" dirty="0" err="1"/>
-              <a:t>winter</a:t>
-            </a:r>
-            <a:endParaRPr lang="de-DE" dirty="0"/>
+              <a:t> in 2015</a:t>
+            </a:r>
           </a:p>
         </p:txBody>
       </p:sp>
@@ -13513,10 +13731,15 @@
             <p:ph idx="1"/>
           </p:nvPr>
         </p:nvSpPr>
-        <p:spPr/>
+        <p:spPr>
+          <a:xfrm>
+            <a:off x="838200" y="2265362"/>
+            <a:ext cx="10515600" cy="4351338"/>
+          </a:xfrm>
+        </p:spPr>
         <p:txBody>
           <a:bodyPr>
-            <a:normAutofit/>
+            <a:normAutofit fontScale="77500" lnSpcReduction="20000"/>
           </a:bodyPr>
           <a:lstStyle/>
           <a:p>
@@ -13554,6 +13777,103 @@
           </a:p>
           <a:p>
             <a:endParaRPr lang="de-DE" dirty="0"/>
+          </a:p>
+          <a:p>
+            <a:endParaRPr lang="de-DE" dirty="0"/>
+          </a:p>
+          <a:p>
+            <a:endParaRPr lang="de-DE" dirty="0"/>
+          </a:p>
+          <a:p>
+            <a:pPr marL="0" indent="0">
+              <a:buNone/>
+            </a:pPr>
+            <a:r>
+              <a:rPr lang="de-DE" dirty="0" err="1"/>
+              <a:t>What‘s</a:t>
+            </a:r>
+            <a:r>
+              <a:rPr lang="de-DE" dirty="0"/>
+              <a:t> </a:t>
+            </a:r>
+            <a:r>
+              <a:rPr lang="de-DE" dirty="0" err="1"/>
+              <a:t>up</a:t>
+            </a:r>
+            <a:r>
+              <a:rPr lang="de-DE" dirty="0"/>
+              <a:t> </a:t>
+            </a:r>
+            <a:r>
+              <a:rPr lang="de-DE" dirty="0" err="1"/>
+              <a:t>with</a:t>
+            </a:r>
+            <a:r>
+              <a:rPr lang="de-DE" dirty="0"/>
+              <a:t> </a:t>
+            </a:r>
+            <a:r>
+              <a:rPr lang="de-DE" dirty="0" err="1"/>
+              <a:t>the</a:t>
+            </a:r>
+            <a:r>
+              <a:rPr lang="de-DE" dirty="0"/>
+              <a:t> </a:t>
+            </a:r>
+            <a:r>
+              <a:rPr lang="de-DE" dirty="0" err="1"/>
+              <a:t>window</a:t>
+            </a:r>
+            <a:r>
+              <a:rPr lang="de-DE" dirty="0"/>
+              <a:t>?</a:t>
+            </a:r>
+          </a:p>
+          <a:p>
+            <a:r>
+              <a:rPr lang="de-DE" dirty="0"/>
+              <a:t>And </a:t>
+            </a:r>
+            <a:r>
+              <a:rPr lang="de-DE" dirty="0" err="1"/>
+              <a:t>the</a:t>
+            </a:r>
+            <a:r>
+              <a:rPr lang="de-DE" dirty="0"/>
+              <a:t> </a:t>
+            </a:r>
+            <a:r>
+              <a:rPr lang="de-DE" dirty="0" err="1"/>
+              <a:t>heat</a:t>
+            </a:r>
+            <a:r>
+              <a:rPr lang="de-DE" dirty="0"/>
+              <a:t> pump </a:t>
+            </a:r>
+            <a:r>
+              <a:rPr lang="de-DE" dirty="0" err="1"/>
+              <a:t>used</a:t>
+            </a:r>
+            <a:r>
+              <a:rPr lang="de-DE" dirty="0"/>
+              <a:t> 119 kWh/(m^2 *a) (</a:t>
+            </a:r>
+            <a:r>
+              <a:rPr lang="de-DE" dirty="0" err="1"/>
+              <a:t>from</a:t>
+            </a:r>
+            <a:r>
+              <a:rPr lang="de-DE" dirty="0"/>
+              <a:t> Jan </a:t>
+            </a:r>
+            <a:r>
+              <a:rPr lang="de-DE" dirty="0" err="1"/>
+              <a:t>to</a:t>
+            </a:r>
+            <a:r>
+              <a:rPr lang="de-DE" dirty="0"/>
+              <a:t> Mar)</a:t>
+            </a:r>
           </a:p>
           <a:p>
             <a:endParaRPr lang="de-DE" dirty="0"/>
@@ -13752,77 +14072,70 @@
             </a:lvl9pPr>
           </a:lstStyle>
           <a:p>
-            <a:r>
-              <a:rPr lang="de-DE" dirty="0" err="1"/>
-              <a:t>Compare</a:t>
-            </a:r>
-            <a:r>
-              <a:rPr lang="de-DE" dirty="0"/>
-              <a:t> </a:t>
-            </a:r>
-            <a:r>
-              <a:rPr lang="de-DE" dirty="0" err="1"/>
-              <a:t>to</a:t>
-            </a:r>
-            <a:r>
-              <a:rPr lang="de-DE" dirty="0"/>
-              <a:t> 1978 </a:t>
-            </a:r>
-            <a:r>
-              <a:rPr lang="de-DE" dirty="0" err="1"/>
-              <a:t>winter</a:t>
-            </a:r>
-            <a:endParaRPr lang="de-DE" dirty="0"/>
-          </a:p>
-          <a:p>
-            <a:r>
-              <a:rPr lang="de-DE" dirty="0" err="1"/>
-              <a:t>Compare</a:t>
-            </a:r>
-            <a:r>
-              <a:rPr lang="de-DE" dirty="0"/>
-              <a:t> </a:t>
-            </a:r>
-            <a:r>
-              <a:rPr lang="de-DE" dirty="0" err="1"/>
-              <a:t>to</a:t>
-            </a:r>
-            <a:r>
-              <a:rPr lang="de-DE" dirty="0"/>
-              <a:t> </a:t>
-            </a:r>
-            <a:r>
-              <a:rPr lang="de-DE" dirty="0" err="1"/>
-              <a:t>the</a:t>
-            </a:r>
-            <a:r>
-              <a:rPr lang="de-DE" dirty="0"/>
-              <a:t> </a:t>
-            </a:r>
-            <a:r>
-              <a:rPr lang="de-DE" dirty="0" err="1"/>
-              <a:t>refurbished</a:t>
-            </a:r>
-            <a:r>
-              <a:rPr lang="de-DE" dirty="0"/>
-              <a:t> 1948 </a:t>
-            </a:r>
-            <a:r>
-              <a:rPr lang="de-DE" dirty="0" err="1"/>
-              <a:t>version</a:t>
-            </a:r>
-            <a:r>
-              <a:rPr lang="de-DE" dirty="0"/>
-              <a:t> </a:t>
-            </a:r>
-            <a:r>
-              <a:rPr lang="de-DE" dirty="0" err="1"/>
-              <a:t>winter</a:t>
-            </a:r>
             <a:endParaRPr lang="de-DE" dirty="0"/>
           </a:p>
         </p:txBody>
       </p:sp>
+      <p:pic>
+        <p:nvPicPr>
+          <p:cNvPr id="10" name="Picture 9">
+            <a:extLst>
+              <a:ext uri="{FF2B5EF4-FFF2-40B4-BE49-F238E27FC236}">
+                <a16:creationId xmlns:a16="http://schemas.microsoft.com/office/drawing/2014/main" id="{5A2EC2A4-C224-7DA7-E5F2-8DA0C3EF32BA}"/>
+              </a:ext>
+            </a:extLst>
+          </p:cNvPr>
+          <p:cNvPicPr>
+            <a:picLocks noChangeAspect="1"/>
+          </p:cNvPicPr>
+          <p:nvPr/>
+        </p:nvPicPr>
+        <p:blipFill>
+          <a:blip r:embed="rId2"/>
+          <a:stretch>
+            <a:fillRect/>
+          </a:stretch>
+        </p:blipFill>
+        <p:spPr>
+          <a:xfrm>
+            <a:off x="352300" y="1489777"/>
+            <a:ext cx="6031779" cy="3878446"/>
+          </a:xfrm>
+          <a:prstGeom prst="rect">
+            <a:avLst/>
+          </a:prstGeom>
+        </p:spPr>
+      </p:pic>
+      <p:pic>
+        <p:nvPicPr>
+          <p:cNvPr id="11" name="Picture 10">
+            <a:extLst>
+              <a:ext uri="{FF2B5EF4-FFF2-40B4-BE49-F238E27FC236}">
+                <a16:creationId xmlns:a16="http://schemas.microsoft.com/office/drawing/2014/main" id="{A8A11F4F-966A-2B96-9E19-B9556A394E38}"/>
+              </a:ext>
+            </a:extLst>
+          </p:cNvPr>
+          <p:cNvPicPr>
+            <a:picLocks noChangeAspect="1"/>
+          </p:cNvPicPr>
+          <p:nvPr/>
+        </p:nvPicPr>
+        <p:blipFill>
+          <a:blip r:embed="rId3"/>
+          <a:stretch>
+            <a:fillRect/>
+          </a:stretch>
+        </p:blipFill>
+        <p:spPr>
+          <a:xfrm>
+            <a:off x="4708979" y="1434398"/>
+            <a:ext cx="5438775" cy="3933825"/>
+          </a:xfrm>
+          <a:prstGeom prst="rect">
+            <a:avLst/>
+          </a:prstGeom>
+        </p:spPr>
+      </p:pic>
     </p:spTree>
     <p:extLst>
       <p:ext uri="{BB962C8B-B14F-4D97-AF65-F5344CB8AC3E}">
@@ -13836,7 +14149,497 @@
 </p:sld>
 </file>
 
-<file path=ppt/slides/slide21.xml><?xml version="1.0" encoding="utf-8"?>
+<file path=ppt/slides/slide22.xml><?xml version="1.0" encoding="utf-8"?>
+<p:sld xmlns:a="http://schemas.openxmlformats.org/drawingml/2006/main" xmlns:r="http://schemas.openxmlformats.org/officeDocument/2006/relationships" xmlns:p="http://schemas.openxmlformats.org/presentationml/2006/main">
+  <p:cSld>
+    <p:spTree>
+      <p:nvGrpSpPr>
+        <p:cNvPr id="1" name="">
+          <a:extLst>
+            <a:ext uri="{FF2B5EF4-FFF2-40B4-BE49-F238E27FC236}">
+              <a16:creationId xmlns:a16="http://schemas.microsoft.com/office/drawing/2014/main" id="{66DF2C2C-FDBD-4F77-E552-62B85C54CD42}"/>
+            </a:ext>
+          </a:extLst>
+        </p:cNvPr>
+        <p:cNvGrpSpPr/>
+        <p:nvPr/>
+      </p:nvGrpSpPr>
+      <p:grpSpPr>
+        <a:xfrm>
+          <a:off x="0" y="0"/>
+          <a:ext cx="0" cy="0"/>
+          <a:chOff x="0" y="0"/>
+          <a:chExt cx="0" cy="0"/>
+        </a:xfrm>
+      </p:grpSpPr>
+      <p:sp>
+        <p:nvSpPr>
+          <p:cNvPr id="2" name="Titel 1">
+            <a:extLst>
+              <a:ext uri="{FF2B5EF4-FFF2-40B4-BE49-F238E27FC236}">
+                <a16:creationId xmlns:a16="http://schemas.microsoft.com/office/drawing/2014/main" id="{52413383-3A85-C797-632F-B524F44A4C7A}"/>
+              </a:ext>
+            </a:extLst>
+          </p:cNvPr>
+          <p:cNvSpPr>
+            <a:spLocks noGrp="1"/>
+          </p:cNvSpPr>
+          <p:nvPr>
+            <p:ph type="title"/>
+          </p:nvPr>
+        </p:nvSpPr>
+        <p:spPr/>
+        <p:txBody>
+          <a:bodyPr/>
+          <a:lstStyle/>
+          <a:p>
+            <a:r>
+              <a:rPr lang="de-DE" dirty="0"/>
+              <a:t>1948 </a:t>
+            </a:r>
+            <a:r>
+              <a:rPr lang="de-DE" dirty="0" err="1"/>
+              <a:t>building</a:t>
+            </a:r>
+            <a:r>
+              <a:rPr lang="de-DE" dirty="0"/>
+              <a:t> in 2015</a:t>
+            </a:r>
+          </a:p>
+        </p:txBody>
+      </p:sp>
+      <p:sp>
+        <p:nvSpPr>
+          <p:cNvPr id="3" name="Inhaltsplatzhalter 2">
+            <a:extLst>
+              <a:ext uri="{FF2B5EF4-FFF2-40B4-BE49-F238E27FC236}">
+                <a16:creationId xmlns:a16="http://schemas.microsoft.com/office/drawing/2014/main" id="{E7579CFE-7072-603E-5DED-A548F6981184}"/>
+              </a:ext>
+            </a:extLst>
+          </p:cNvPr>
+          <p:cNvSpPr>
+            <a:spLocks noGrp="1"/>
+          </p:cNvSpPr>
+          <p:nvPr>
+            <p:ph idx="1"/>
+          </p:nvPr>
+        </p:nvSpPr>
+        <p:spPr>
+          <a:xfrm>
+            <a:off x="838200" y="2265362"/>
+            <a:ext cx="10515600" cy="4351338"/>
+          </a:xfrm>
+        </p:spPr>
+        <p:txBody>
+          <a:bodyPr>
+            <a:normAutofit fontScale="77500" lnSpcReduction="20000"/>
+          </a:bodyPr>
+          <a:lstStyle/>
+          <a:p>
+            <a:endParaRPr lang="de-DE" dirty="0"/>
+          </a:p>
+          <a:p>
+            <a:endParaRPr lang="de-DE" dirty="0">
+              <a:hlinkClick r:id="" action="ppaction://noaction"/>
+            </a:endParaRPr>
+          </a:p>
+          <a:p>
+            <a:endParaRPr lang="de-DE" dirty="0">
+              <a:hlinkClick r:id="" action="ppaction://noaction"/>
+            </a:endParaRPr>
+          </a:p>
+          <a:p>
+            <a:endParaRPr lang="de-DE" dirty="0">
+              <a:hlinkClick r:id="" action="ppaction://noaction"/>
+            </a:endParaRPr>
+          </a:p>
+          <a:p>
+            <a:endParaRPr lang="de-DE" dirty="0">
+              <a:hlinkClick r:id="" action="ppaction://noaction"/>
+            </a:endParaRPr>
+          </a:p>
+          <a:p>
+            <a:endParaRPr lang="de-DE" dirty="0">
+              <a:hlinkClick r:id="" action="ppaction://noaction"/>
+            </a:endParaRPr>
+          </a:p>
+          <a:p>
+            <a:endParaRPr lang="de-DE" dirty="0">
+              <a:hlinkClick r:id="" action="ppaction://noaction"/>
+            </a:endParaRPr>
+          </a:p>
+          <a:p>
+            <a:endParaRPr lang="de-DE" dirty="0"/>
+          </a:p>
+          <a:p>
+            <a:endParaRPr lang="de-DE" dirty="0"/>
+          </a:p>
+          <a:p>
+            <a:endParaRPr lang="de-DE" dirty="0"/>
+          </a:p>
+          <a:p>
+            <a:pPr marL="0" indent="0">
+              <a:buNone/>
+            </a:pPr>
+            <a:r>
+              <a:rPr lang="de-DE" dirty="0" err="1"/>
+              <a:t>What‘s</a:t>
+            </a:r>
+            <a:r>
+              <a:rPr lang="de-DE" dirty="0"/>
+              <a:t> </a:t>
+            </a:r>
+            <a:r>
+              <a:rPr lang="de-DE" dirty="0" err="1"/>
+              <a:t>up</a:t>
+            </a:r>
+            <a:r>
+              <a:rPr lang="de-DE" dirty="0"/>
+              <a:t> </a:t>
+            </a:r>
+            <a:r>
+              <a:rPr lang="de-DE" dirty="0" err="1"/>
+              <a:t>with</a:t>
+            </a:r>
+            <a:r>
+              <a:rPr lang="de-DE" dirty="0"/>
+              <a:t> </a:t>
+            </a:r>
+            <a:r>
+              <a:rPr lang="de-DE" dirty="0" err="1"/>
+              <a:t>the</a:t>
+            </a:r>
+            <a:r>
+              <a:rPr lang="de-DE" dirty="0"/>
+              <a:t> </a:t>
+            </a:r>
+            <a:r>
+              <a:rPr lang="de-DE" dirty="0" err="1"/>
+              <a:t>window</a:t>
+            </a:r>
+            <a:r>
+              <a:rPr lang="de-DE" dirty="0"/>
+              <a:t>?</a:t>
+            </a:r>
+          </a:p>
+          <a:p>
+            <a:r>
+              <a:rPr lang="de-DE" dirty="0"/>
+              <a:t>And </a:t>
+            </a:r>
+            <a:r>
+              <a:rPr lang="de-DE" dirty="0" err="1"/>
+              <a:t>the</a:t>
+            </a:r>
+            <a:r>
+              <a:rPr lang="de-DE" dirty="0"/>
+              <a:t> </a:t>
+            </a:r>
+            <a:r>
+              <a:rPr lang="de-DE" dirty="0" err="1"/>
+              <a:t>heat</a:t>
+            </a:r>
+            <a:r>
+              <a:rPr lang="de-DE" dirty="0"/>
+              <a:t> pump </a:t>
+            </a:r>
+            <a:r>
+              <a:rPr lang="de-DE" dirty="0" err="1"/>
+              <a:t>used</a:t>
+            </a:r>
+            <a:r>
+              <a:rPr lang="de-DE" dirty="0"/>
+              <a:t> 61 kWh/(m^2 *a) (</a:t>
+            </a:r>
+            <a:r>
+              <a:rPr lang="de-DE" dirty="0" err="1"/>
+              <a:t>from</a:t>
+            </a:r>
+            <a:r>
+              <a:rPr lang="de-DE" dirty="0"/>
+              <a:t> Jan </a:t>
+            </a:r>
+            <a:r>
+              <a:rPr lang="de-DE" dirty="0" err="1"/>
+              <a:t>to</a:t>
+            </a:r>
+            <a:r>
+              <a:rPr lang="de-DE" dirty="0"/>
+              <a:t> Mar)</a:t>
+            </a:r>
+          </a:p>
+        </p:txBody>
+      </p:sp>
+      <p:sp>
+        <p:nvSpPr>
+          <p:cNvPr id="5" name="Content Placeholder 4">
+            <a:extLst>
+              <a:ext uri="{FF2B5EF4-FFF2-40B4-BE49-F238E27FC236}">
+                <a16:creationId xmlns:a16="http://schemas.microsoft.com/office/drawing/2014/main" id="{B486AE52-0432-8620-E6D3-7B037C1F2F8F}"/>
+              </a:ext>
+            </a:extLst>
+          </p:cNvPr>
+          <p:cNvSpPr txBox="1">
+            <a:spLocks/>
+          </p:cNvSpPr>
+          <p:nvPr/>
+        </p:nvSpPr>
+        <p:spPr>
+          <a:xfrm>
+            <a:off x="990600" y="1978025"/>
+            <a:ext cx="10515600" cy="4351338"/>
+          </a:xfrm>
+          <a:prstGeom prst="rect">
+            <a:avLst/>
+          </a:prstGeom>
+        </p:spPr>
+        <p:txBody>
+          <a:bodyPr vert="horz" lIns="91440" tIns="45720" rIns="91440" bIns="45720" rtlCol="0">
+            <a:normAutofit/>
+          </a:bodyPr>
+          <a:lstStyle>
+            <a:lvl1pPr marL="228600" indent="-228600" algn="l" defTabSz="914400" rtl="0" eaLnBrk="1" latinLnBrk="0" hangingPunct="1">
+              <a:lnSpc>
+                <a:spcPct val="90000"/>
+              </a:lnSpc>
+              <a:spcBef>
+                <a:spcPts val="1000"/>
+              </a:spcBef>
+              <a:buFont typeface="Arial" panose="020B0604020202020204" pitchFamily="34" charset="0"/>
+              <a:buChar char="•"/>
+              <a:defRPr sz="2800" kern="1200">
+                <a:solidFill>
+                  <a:schemeClr val="tx1"/>
+                </a:solidFill>
+                <a:latin typeface="+mn-lt"/>
+                <a:ea typeface="+mn-ea"/>
+                <a:cs typeface="+mn-cs"/>
+              </a:defRPr>
+            </a:lvl1pPr>
+            <a:lvl2pPr marL="685800" indent="-228600" algn="l" defTabSz="914400" rtl="0" eaLnBrk="1" latinLnBrk="0" hangingPunct="1">
+              <a:lnSpc>
+                <a:spcPct val="90000"/>
+              </a:lnSpc>
+              <a:spcBef>
+                <a:spcPts val="500"/>
+              </a:spcBef>
+              <a:buFont typeface="Arial" panose="020B0604020202020204" pitchFamily="34" charset="0"/>
+              <a:buChar char="•"/>
+              <a:defRPr sz="2400" kern="1200">
+                <a:solidFill>
+                  <a:schemeClr val="tx1"/>
+                </a:solidFill>
+                <a:latin typeface="+mn-lt"/>
+                <a:ea typeface="+mn-ea"/>
+                <a:cs typeface="+mn-cs"/>
+              </a:defRPr>
+            </a:lvl2pPr>
+            <a:lvl3pPr marL="1143000" indent="-228600" algn="l" defTabSz="914400" rtl="0" eaLnBrk="1" latinLnBrk="0" hangingPunct="1">
+              <a:lnSpc>
+                <a:spcPct val="90000"/>
+              </a:lnSpc>
+              <a:spcBef>
+                <a:spcPts val="500"/>
+              </a:spcBef>
+              <a:buFont typeface="Arial" panose="020B0604020202020204" pitchFamily="34" charset="0"/>
+              <a:buChar char="•"/>
+              <a:defRPr sz="2000" kern="1200">
+                <a:solidFill>
+                  <a:schemeClr val="tx1"/>
+                </a:solidFill>
+                <a:latin typeface="+mn-lt"/>
+                <a:ea typeface="+mn-ea"/>
+                <a:cs typeface="+mn-cs"/>
+              </a:defRPr>
+            </a:lvl3pPr>
+            <a:lvl4pPr marL="1600200" indent="-228600" algn="l" defTabSz="914400" rtl="0" eaLnBrk="1" latinLnBrk="0" hangingPunct="1">
+              <a:lnSpc>
+                <a:spcPct val="90000"/>
+              </a:lnSpc>
+              <a:spcBef>
+                <a:spcPts val="500"/>
+              </a:spcBef>
+              <a:buFont typeface="Arial" panose="020B0604020202020204" pitchFamily="34" charset="0"/>
+              <a:buChar char="•"/>
+              <a:defRPr sz="1800" kern="1200">
+                <a:solidFill>
+                  <a:schemeClr val="tx1"/>
+                </a:solidFill>
+                <a:latin typeface="+mn-lt"/>
+                <a:ea typeface="+mn-ea"/>
+                <a:cs typeface="+mn-cs"/>
+              </a:defRPr>
+            </a:lvl4pPr>
+            <a:lvl5pPr marL="2057400" indent="-228600" algn="l" defTabSz="914400" rtl="0" eaLnBrk="1" latinLnBrk="0" hangingPunct="1">
+              <a:lnSpc>
+                <a:spcPct val="90000"/>
+              </a:lnSpc>
+              <a:spcBef>
+                <a:spcPts val="500"/>
+              </a:spcBef>
+              <a:buFont typeface="Arial" panose="020B0604020202020204" pitchFamily="34" charset="0"/>
+              <a:buChar char="•"/>
+              <a:defRPr sz="1800" kern="1200">
+                <a:solidFill>
+                  <a:schemeClr val="tx1"/>
+                </a:solidFill>
+                <a:latin typeface="+mn-lt"/>
+                <a:ea typeface="+mn-ea"/>
+                <a:cs typeface="+mn-cs"/>
+              </a:defRPr>
+            </a:lvl5pPr>
+            <a:lvl6pPr marL="2514600" indent="-228600" algn="l" defTabSz="914400" rtl="0" eaLnBrk="1" latinLnBrk="0" hangingPunct="1">
+              <a:lnSpc>
+                <a:spcPct val="90000"/>
+              </a:lnSpc>
+              <a:spcBef>
+                <a:spcPts val="500"/>
+              </a:spcBef>
+              <a:buFont typeface="Arial" panose="020B0604020202020204" pitchFamily="34" charset="0"/>
+              <a:buChar char="•"/>
+              <a:defRPr sz="1800" kern="1200">
+                <a:solidFill>
+                  <a:schemeClr val="tx1"/>
+                </a:solidFill>
+                <a:latin typeface="+mn-lt"/>
+                <a:ea typeface="+mn-ea"/>
+                <a:cs typeface="+mn-cs"/>
+              </a:defRPr>
+            </a:lvl6pPr>
+            <a:lvl7pPr marL="2971800" indent="-228600" algn="l" defTabSz="914400" rtl="0" eaLnBrk="1" latinLnBrk="0" hangingPunct="1">
+              <a:lnSpc>
+                <a:spcPct val="90000"/>
+              </a:lnSpc>
+              <a:spcBef>
+                <a:spcPts val="500"/>
+              </a:spcBef>
+              <a:buFont typeface="Arial" panose="020B0604020202020204" pitchFamily="34" charset="0"/>
+              <a:buChar char="•"/>
+              <a:defRPr sz="1800" kern="1200">
+                <a:solidFill>
+                  <a:schemeClr val="tx1"/>
+                </a:solidFill>
+                <a:latin typeface="+mn-lt"/>
+                <a:ea typeface="+mn-ea"/>
+                <a:cs typeface="+mn-cs"/>
+              </a:defRPr>
+            </a:lvl7pPr>
+            <a:lvl8pPr marL="3429000" indent="-228600" algn="l" defTabSz="914400" rtl="0" eaLnBrk="1" latinLnBrk="0" hangingPunct="1">
+              <a:lnSpc>
+                <a:spcPct val="90000"/>
+              </a:lnSpc>
+              <a:spcBef>
+                <a:spcPts val="500"/>
+              </a:spcBef>
+              <a:buFont typeface="Arial" panose="020B0604020202020204" pitchFamily="34" charset="0"/>
+              <a:buChar char="•"/>
+              <a:defRPr sz="1800" kern="1200">
+                <a:solidFill>
+                  <a:schemeClr val="tx1"/>
+                </a:solidFill>
+                <a:latin typeface="+mn-lt"/>
+                <a:ea typeface="+mn-ea"/>
+                <a:cs typeface="+mn-cs"/>
+              </a:defRPr>
+            </a:lvl8pPr>
+            <a:lvl9pPr marL="3886200" indent="-228600" algn="l" defTabSz="914400" rtl="0" eaLnBrk="1" latinLnBrk="0" hangingPunct="1">
+              <a:lnSpc>
+                <a:spcPct val="90000"/>
+              </a:lnSpc>
+              <a:spcBef>
+                <a:spcPts val="500"/>
+              </a:spcBef>
+              <a:buFont typeface="Arial" panose="020B0604020202020204" pitchFamily="34" charset="0"/>
+              <a:buChar char="•"/>
+              <a:defRPr sz="1800" kern="1200">
+                <a:solidFill>
+                  <a:schemeClr val="tx1"/>
+                </a:solidFill>
+                <a:latin typeface="+mn-lt"/>
+                <a:ea typeface="+mn-ea"/>
+                <a:cs typeface="+mn-cs"/>
+              </a:defRPr>
+            </a:lvl9pPr>
+          </a:lstStyle>
+          <a:p>
+            <a:endParaRPr lang="de-DE" dirty="0"/>
+          </a:p>
+        </p:txBody>
+      </p:sp>
+      <p:pic>
+        <p:nvPicPr>
+          <p:cNvPr id="4" name="Picture 3">
+            <a:extLst>
+              <a:ext uri="{FF2B5EF4-FFF2-40B4-BE49-F238E27FC236}">
+                <a16:creationId xmlns:a16="http://schemas.microsoft.com/office/drawing/2014/main" id="{2D25E299-4F79-AFED-7E12-901933990E19}"/>
+              </a:ext>
+            </a:extLst>
+          </p:cNvPr>
+          <p:cNvPicPr>
+            <a:picLocks noChangeAspect="1"/>
+          </p:cNvPicPr>
+          <p:nvPr/>
+        </p:nvPicPr>
+        <p:blipFill>
+          <a:blip r:embed="rId2"/>
+          <a:stretch>
+            <a:fillRect/>
+          </a:stretch>
+        </p:blipFill>
+        <p:spPr>
+          <a:xfrm>
+            <a:off x="762000" y="1318416"/>
+            <a:ext cx="6615554" cy="4221167"/>
+          </a:xfrm>
+          <a:prstGeom prst="rect">
+            <a:avLst/>
+          </a:prstGeom>
+        </p:spPr>
+      </p:pic>
+      <p:pic>
+        <p:nvPicPr>
+          <p:cNvPr id="10" name="Picture 9">
+            <a:extLst>
+              <a:ext uri="{FF2B5EF4-FFF2-40B4-BE49-F238E27FC236}">
+                <a16:creationId xmlns:a16="http://schemas.microsoft.com/office/drawing/2014/main" id="{99F5C98B-49CD-E32A-41BE-E60429C3327E}"/>
+              </a:ext>
+            </a:extLst>
+          </p:cNvPr>
+          <p:cNvPicPr>
+            <a:picLocks noChangeAspect="1"/>
+          </p:cNvPicPr>
+          <p:nvPr/>
+        </p:nvPicPr>
+        <p:blipFill>
+          <a:blip r:embed="rId3"/>
+          <a:stretch>
+            <a:fillRect/>
+          </a:stretch>
+        </p:blipFill>
+        <p:spPr>
+          <a:xfrm>
+            <a:off x="5637412" y="1807687"/>
+            <a:ext cx="5438775" cy="3933825"/>
+          </a:xfrm>
+          <a:prstGeom prst="rect">
+            <a:avLst/>
+          </a:prstGeom>
+        </p:spPr>
+      </p:pic>
+    </p:spTree>
+    <p:extLst>
+      <p:ext uri="{BB962C8B-B14F-4D97-AF65-F5344CB8AC3E}">
+        <p14:creationId xmlns:p14="http://schemas.microsoft.com/office/powerpoint/2010/main" val="1423096807"/>
+      </p:ext>
+    </p:extLst>
+  </p:cSld>
+  <p:clrMapOvr>
+    <a:masterClrMapping/>
+  </p:clrMapOvr>
+</p:sld>
+</file>
+
+<file path=ppt/slides/slide23.xml><?xml version="1.0" encoding="utf-8"?>
 <p:sld xmlns:a="http://schemas.openxmlformats.org/drawingml/2006/main" xmlns:r="http://schemas.openxmlformats.org/officeDocument/2006/relationships" xmlns:p="http://schemas.openxmlformats.org/presentationml/2006/main">
   <p:cSld>
     <p:spTree>
@@ -13894,28 +14697,343 @@
           </a:p>
         </p:txBody>
       </p:sp>
-      <p:sp>
-        <p:nvSpPr>
-          <p:cNvPr id="5" name="Content Placeholder 4">
+      <p:pic>
+        <p:nvPicPr>
+          <p:cNvPr id="4" name="Content Placeholder 3">
             <a:extLst>
               <a:ext uri="{FF2B5EF4-FFF2-40B4-BE49-F238E27FC236}">
-                <a16:creationId xmlns:a16="http://schemas.microsoft.com/office/drawing/2014/main" id="{446FB924-4AAC-874C-44A8-F732AE5E15E1}"/>
+                <a16:creationId xmlns:a16="http://schemas.microsoft.com/office/drawing/2014/main" id="{1B18ECA6-3601-92E2-1F5A-ED001B17B3F6}"/>
               </a:ext>
             </a:extLst>
           </p:cNvPr>
-          <p:cNvSpPr>
-            <a:spLocks noGrp="1"/>
-          </p:cNvSpPr>
+          <p:cNvPicPr>
+            <a:picLocks noGrp="1" noChangeAspect="1"/>
+          </p:cNvPicPr>
           <p:nvPr>
             <p:ph idx="1"/>
           </p:nvPr>
+        </p:nvPicPr>
+        <p:blipFill>
+          <a:blip r:embed="rId2"/>
+          <a:stretch>
+            <a:fillRect/>
+          </a:stretch>
+        </p:blipFill>
+        <p:spPr>
+          <a:xfrm>
+            <a:off x="611613" y="1462087"/>
+            <a:ext cx="6735173" cy="4351338"/>
+          </a:xfrm>
+        </p:spPr>
+      </p:pic>
+      <p:pic>
+        <p:nvPicPr>
+          <p:cNvPr id="7" name="Picture 6">
+            <a:extLst>
+              <a:ext uri="{FF2B5EF4-FFF2-40B4-BE49-F238E27FC236}">
+                <a16:creationId xmlns:a16="http://schemas.microsoft.com/office/drawing/2014/main" id="{1FD62D5F-8D4C-9470-8947-166F8BA9FD2F}"/>
+              </a:ext>
+            </a:extLst>
+          </p:cNvPr>
+          <p:cNvPicPr>
+            <a:picLocks noChangeAspect="1"/>
+          </p:cNvPicPr>
+          <p:nvPr/>
+        </p:nvPicPr>
+        <p:blipFill>
+          <a:blip r:embed="rId3"/>
+          <a:stretch>
+            <a:fillRect/>
+          </a:stretch>
+        </p:blipFill>
+        <p:spPr>
+          <a:xfrm>
+            <a:off x="5915025" y="1462087"/>
+            <a:ext cx="5438775" cy="3933825"/>
+          </a:xfrm>
+          <a:prstGeom prst="rect">
+            <a:avLst/>
+          </a:prstGeom>
+        </p:spPr>
+      </p:pic>
+      <p:sp>
+        <p:nvSpPr>
+          <p:cNvPr id="10" name="Inhaltsplatzhalter 2">
+            <a:extLst>
+              <a:ext uri="{FF2B5EF4-FFF2-40B4-BE49-F238E27FC236}">
+                <a16:creationId xmlns:a16="http://schemas.microsoft.com/office/drawing/2014/main" id="{A6C6EC30-6AD0-143A-01B2-D70B20BD91BA}"/>
+              </a:ext>
+            </a:extLst>
+          </p:cNvPr>
+          <p:cNvSpPr txBox="1">
+            <a:spLocks/>
+          </p:cNvSpPr>
+          <p:nvPr/>
         </p:nvSpPr>
-        <p:spPr/>
+        <p:spPr>
+          <a:xfrm>
+            <a:off x="838200" y="2265362"/>
+            <a:ext cx="10515600" cy="4351338"/>
+          </a:xfrm>
+          <a:prstGeom prst="rect">
+            <a:avLst/>
+          </a:prstGeom>
+        </p:spPr>
         <p:txBody>
-          <a:bodyPr/>
-          <a:lstStyle/>
+          <a:bodyPr vert="horz" lIns="91440" tIns="45720" rIns="91440" bIns="45720" rtlCol="0">
+            <a:normAutofit fontScale="85000" lnSpcReduction="20000"/>
+          </a:bodyPr>
+          <a:lstStyle>
+            <a:lvl1pPr marL="228600" indent="-228600" algn="l" defTabSz="914400" rtl="0" eaLnBrk="1" latinLnBrk="0" hangingPunct="1">
+              <a:lnSpc>
+                <a:spcPct val="90000"/>
+              </a:lnSpc>
+              <a:spcBef>
+                <a:spcPts val="1000"/>
+              </a:spcBef>
+              <a:buFont typeface="Arial" panose="020B0604020202020204" pitchFamily="34" charset="0"/>
+              <a:buChar char="•"/>
+              <a:defRPr sz="2800" kern="1200">
+                <a:solidFill>
+                  <a:schemeClr val="tx1"/>
+                </a:solidFill>
+                <a:latin typeface="+mn-lt"/>
+                <a:ea typeface="+mn-ea"/>
+                <a:cs typeface="+mn-cs"/>
+              </a:defRPr>
+            </a:lvl1pPr>
+            <a:lvl2pPr marL="685800" indent="-228600" algn="l" defTabSz="914400" rtl="0" eaLnBrk="1" latinLnBrk="0" hangingPunct="1">
+              <a:lnSpc>
+                <a:spcPct val="90000"/>
+              </a:lnSpc>
+              <a:spcBef>
+                <a:spcPts val="500"/>
+              </a:spcBef>
+              <a:buFont typeface="Arial" panose="020B0604020202020204" pitchFamily="34" charset="0"/>
+              <a:buChar char="•"/>
+              <a:defRPr sz="2400" kern="1200">
+                <a:solidFill>
+                  <a:schemeClr val="tx1"/>
+                </a:solidFill>
+                <a:latin typeface="+mn-lt"/>
+                <a:ea typeface="+mn-ea"/>
+                <a:cs typeface="+mn-cs"/>
+              </a:defRPr>
+            </a:lvl2pPr>
+            <a:lvl3pPr marL="1143000" indent="-228600" algn="l" defTabSz="914400" rtl="0" eaLnBrk="1" latinLnBrk="0" hangingPunct="1">
+              <a:lnSpc>
+                <a:spcPct val="90000"/>
+              </a:lnSpc>
+              <a:spcBef>
+                <a:spcPts val="500"/>
+              </a:spcBef>
+              <a:buFont typeface="Arial" panose="020B0604020202020204" pitchFamily="34" charset="0"/>
+              <a:buChar char="•"/>
+              <a:defRPr sz="2000" kern="1200">
+                <a:solidFill>
+                  <a:schemeClr val="tx1"/>
+                </a:solidFill>
+                <a:latin typeface="+mn-lt"/>
+                <a:ea typeface="+mn-ea"/>
+                <a:cs typeface="+mn-cs"/>
+              </a:defRPr>
+            </a:lvl3pPr>
+            <a:lvl4pPr marL="1600200" indent="-228600" algn="l" defTabSz="914400" rtl="0" eaLnBrk="1" latinLnBrk="0" hangingPunct="1">
+              <a:lnSpc>
+                <a:spcPct val="90000"/>
+              </a:lnSpc>
+              <a:spcBef>
+                <a:spcPts val="500"/>
+              </a:spcBef>
+              <a:buFont typeface="Arial" panose="020B0604020202020204" pitchFamily="34" charset="0"/>
+              <a:buChar char="•"/>
+              <a:defRPr sz="1800" kern="1200">
+                <a:solidFill>
+                  <a:schemeClr val="tx1"/>
+                </a:solidFill>
+                <a:latin typeface="+mn-lt"/>
+                <a:ea typeface="+mn-ea"/>
+                <a:cs typeface="+mn-cs"/>
+              </a:defRPr>
+            </a:lvl4pPr>
+            <a:lvl5pPr marL="2057400" indent="-228600" algn="l" defTabSz="914400" rtl="0" eaLnBrk="1" latinLnBrk="0" hangingPunct="1">
+              <a:lnSpc>
+                <a:spcPct val="90000"/>
+              </a:lnSpc>
+              <a:spcBef>
+                <a:spcPts val="500"/>
+              </a:spcBef>
+              <a:buFont typeface="Arial" panose="020B0604020202020204" pitchFamily="34" charset="0"/>
+              <a:buChar char="•"/>
+              <a:defRPr sz="1800" kern="1200">
+                <a:solidFill>
+                  <a:schemeClr val="tx1"/>
+                </a:solidFill>
+                <a:latin typeface="+mn-lt"/>
+                <a:ea typeface="+mn-ea"/>
+                <a:cs typeface="+mn-cs"/>
+              </a:defRPr>
+            </a:lvl5pPr>
+            <a:lvl6pPr marL="2514600" indent="-228600" algn="l" defTabSz="914400" rtl="0" eaLnBrk="1" latinLnBrk="0" hangingPunct="1">
+              <a:lnSpc>
+                <a:spcPct val="90000"/>
+              </a:lnSpc>
+              <a:spcBef>
+                <a:spcPts val="500"/>
+              </a:spcBef>
+              <a:buFont typeface="Arial" panose="020B0604020202020204" pitchFamily="34" charset="0"/>
+              <a:buChar char="•"/>
+              <a:defRPr sz="1800" kern="1200">
+                <a:solidFill>
+                  <a:schemeClr val="tx1"/>
+                </a:solidFill>
+                <a:latin typeface="+mn-lt"/>
+                <a:ea typeface="+mn-ea"/>
+                <a:cs typeface="+mn-cs"/>
+              </a:defRPr>
+            </a:lvl6pPr>
+            <a:lvl7pPr marL="2971800" indent="-228600" algn="l" defTabSz="914400" rtl="0" eaLnBrk="1" latinLnBrk="0" hangingPunct="1">
+              <a:lnSpc>
+                <a:spcPct val="90000"/>
+              </a:lnSpc>
+              <a:spcBef>
+                <a:spcPts val="500"/>
+              </a:spcBef>
+              <a:buFont typeface="Arial" panose="020B0604020202020204" pitchFamily="34" charset="0"/>
+              <a:buChar char="•"/>
+              <a:defRPr sz="1800" kern="1200">
+                <a:solidFill>
+                  <a:schemeClr val="tx1"/>
+                </a:solidFill>
+                <a:latin typeface="+mn-lt"/>
+                <a:ea typeface="+mn-ea"/>
+                <a:cs typeface="+mn-cs"/>
+              </a:defRPr>
+            </a:lvl7pPr>
+            <a:lvl8pPr marL="3429000" indent="-228600" algn="l" defTabSz="914400" rtl="0" eaLnBrk="1" latinLnBrk="0" hangingPunct="1">
+              <a:lnSpc>
+                <a:spcPct val="90000"/>
+              </a:lnSpc>
+              <a:spcBef>
+                <a:spcPts val="500"/>
+              </a:spcBef>
+              <a:buFont typeface="Arial" panose="020B0604020202020204" pitchFamily="34" charset="0"/>
+              <a:buChar char="•"/>
+              <a:defRPr sz="1800" kern="1200">
+                <a:solidFill>
+                  <a:schemeClr val="tx1"/>
+                </a:solidFill>
+                <a:latin typeface="+mn-lt"/>
+                <a:ea typeface="+mn-ea"/>
+                <a:cs typeface="+mn-cs"/>
+              </a:defRPr>
+            </a:lvl8pPr>
+            <a:lvl9pPr marL="3886200" indent="-228600" algn="l" defTabSz="914400" rtl="0" eaLnBrk="1" latinLnBrk="0" hangingPunct="1">
+              <a:lnSpc>
+                <a:spcPct val="90000"/>
+              </a:lnSpc>
+              <a:spcBef>
+                <a:spcPts val="500"/>
+              </a:spcBef>
+              <a:buFont typeface="Arial" panose="020B0604020202020204" pitchFamily="34" charset="0"/>
+              <a:buChar char="•"/>
+              <a:defRPr sz="1800" kern="1200">
+                <a:solidFill>
+                  <a:schemeClr val="tx1"/>
+                </a:solidFill>
+                <a:latin typeface="+mn-lt"/>
+                <a:ea typeface="+mn-ea"/>
+                <a:cs typeface="+mn-cs"/>
+              </a:defRPr>
+            </a:lvl9pPr>
+          </a:lstStyle>
           <a:p>
             <a:endParaRPr lang="de-DE" dirty="0"/>
+          </a:p>
+          <a:p>
+            <a:endParaRPr lang="de-DE" dirty="0">
+              <a:hlinkClick r:id="" action="ppaction://noaction"/>
+            </a:endParaRPr>
+          </a:p>
+          <a:p>
+            <a:endParaRPr lang="de-DE" dirty="0">
+              <a:hlinkClick r:id="" action="ppaction://noaction"/>
+            </a:endParaRPr>
+          </a:p>
+          <a:p>
+            <a:endParaRPr lang="de-DE" dirty="0">
+              <a:hlinkClick r:id="" action="ppaction://noaction"/>
+            </a:endParaRPr>
+          </a:p>
+          <a:p>
+            <a:endParaRPr lang="de-DE" dirty="0">
+              <a:hlinkClick r:id="" action="ppaction://noaction"/>
+            </a:endParaRPr>
+          </a:p>
+          <a:p>
+            <a:endParaRPr lang="de-DE" dirty="0">
+              <a:hlinkClick r:id="" action="ppaction://noaction"/>
+            </a:endParaRPr>
+          </a:p>
+          <a:p>
+            <a:endParaRPr lang="de-DE" dirty="0">
+              <a:hlinkClick r:id="" action="ppaction://noaction"/>
+            </a:endParaRPr>
+          </a:p>
+          <a:p>
+            <a:endParaRPr lang="de-DE" dirty="0"/>
+          </a:p>
+          <a:p>
+            <a:endParaRPr lang="de-DE" dirty="0"/>
+          </a:p>
+          <a:p>
+            <a:endParaRPr lang="de-DE" dirty="0"/>
+          </a:p>
+          <a:p>
+            <a:r>
+              <a:rPr lang="de-DE" dirty="0"/>
+              <a:t>And </a:t>
+            </a:r>
+            <a:r>
+              <a:rPr lang="de-DE" dirty="0" err="1"/>
+              <a:t>the</a:t>
+            </a:r>
+            <a:r>
+              <a:rPr lang="de-DE" dirty="0"/>
+              <a:t> </a:t>
+            </a:r>
+            <a:r>
+              <a:rPr lang="de-DE" dirty="0" err="1"/>
+              <a:t>heat</a:t>
+            </a:r>
+            <a:r>
+              <a:rPr lang="de-DE" dirty="0"/>
+              <a:t> pump </a:t>
+            </a:r>
+            <a:r>
+              <a:rPr lang="de-DE" dirty="0" err="1"/>
+              <a:t>used</a:t>
+            </a:r>
+            <a:r>
+              <a:rPr lang="de-DE" dirty="0"/>
+              <a:t> 42.83 kWh/(m^2 *a) (</a:t>
+            </a:r>
+            <a:r>
+              <a:rPr lang="de-DE" dirty="0" err="1"/>
+              <a:t>from</a:t>
+            </a:r>
+            <a:r>
+              <a:rPr lang="de-DE" dirty="0"/>
+              <a:t> Jan </a:t>
+            </a:r>
+            <a:r>
+              <a:rPr lang="de-DE" dirty="0" err="1"/>
+              <a:t>to</a:t>
+            </a:r>
+            <a:r>
+              <a:rPr lang="de-DE" dirty="0"/>
+              <a:t> Mar)</a:t>
+            </a:r>
           </a:p>
         </p:txBody>
       </p:sp>
@@ -13932,7 +15050,7 @@
 </p:sld>
 </file>
 
-<file path=ppt/slides/slide22.xml><?xml version="1.0" encoding="utf-8"?>
+<file path=ppt/slides/slide24.xml><?xml version="1.0" encoding="utf-8"?>
 <p:sld xmlns:a="http://schemas.openxmlformats.org/drawingml/2006/main" xmlns:r="http://schemas.openxmlformats.org/officeDocument/2006/relationships" xmlns:p="http://schemas.openxmlformats.org/presentationml/2006/main">
   <p:cSld>
     <p:spTree>
@@ -13972,7 +15090,7 @@
           <a:p>
             <a:r>
               <a:rPr lang="de-DE" dirty="0" err="1"/>
-              <a:t>Conclusions</a:t>
+              <a:t>A_ground</a:t>
             </a:r>
             <a:r>
               <a:rPr lang="de-DE" dirty="0"/>
@@ -13983,10 +15101,196 @@
       </p:sp>
       <p:sp>
         <p:nvSpPr>
-          <p:cNvPr id="3" name="Inhaltsplatzhalter 2">
+          <p:cNvPr id="7" name="TextBox 6">
             <a:extLst>
               <a:ext uri="{FF2B5EF4-FFF2-40B4-BE49-F238E27FC236}">
-                <a16:creationId xmlns:a16="http://schemas.microsoft.com/office/drawing/2014/main" id="{C8F56B68-4F2E-9C2D-9ADA-E1F95B4F0F97}"/>
+                <a16:creationId xmlns:a16="http://schemas.microsoft.com/office/drawing/2014/main" id="{F7C4736E-3CF2-1987-53C4-921A959DFBE2}"/>
+              </a:ext>
+            </a:extLst>
+          </p:cNvPr>
+          <p:cNvSpPr txBox="1"/>
+          <p:nvPr/>
+        </p:nvSpPr>
+        <p:spPr>
+          <a:xfrm>
+            <a:off x="678600" y="6115749"/>
+            <a:ext cx="11287800" cy="369332"/>
+          </a:xfrm>
+          <a:prstGeom prst="rect">
+            <a:avLst/>
+          </a:prstGeom>
+          <a:noFill/>
+        </p:spPr>
+        <p:txBody>
+          <a:bodyPr wrap="square">
+            <a:spAutoFit/>
+          </a:bodyPr>
+          <a:lstStyle/>
+          <a:p>
+            <a:r>
+              <a:rPr lang="de-DE" dirty="0" err="1"/>
+              <a:t>Is</a:t>
+            </a:r>
+            <a:r>
+              <a:rPr lang="de-DE" dirty="0"/>
+              <a:t> </a:t>
+            </a:r>
+            <a:r>
+              <a:rPr lang="de-DE" dirty="0" err="1"/>
+              <a:t>it</a:t>
+            </a:r>
+            <a:r>
+              <a:rPr lang="de-DE" dirty="0"/>
+              <a:t> per m^2 </a:t>
+            </a:r>
+            <a:r>
+              <a:rPr lang="de-DE" dirty="0" err="1"/>
+              <a:t>of</a:t>
+            </a:r>
+            <a:r>
+              <a:rPr lang="de-DE" dirty="0"/>
+              <a:t> </a:t>
+            </a:r>
+            <a:r>
+              <a:rPr lang="de-DE" dirty="0" err="1"/>
+              <a:t>component</a:t>
+            </a:r>
+            <a:r>
+              <a:rPr lang="de-DE" dirty="0"/>
+              <a:t> </a:t>
+            </a:r>
+            <a:r>
+              <a:rPr lang="de-DE" dirty="0" err="1"/>
+              <a:t>or</a:t>
+            </a:r>
+            <a:r>
+              <a:rPr lang="de-DE" dirty="0"/>
+              <a:t> per m^2 </a:t>
+            </a:r>
+            <a:r>
+              <a:rPr lang="de-DE" dirty="0" err="1"/>
+              <a:t>of</a:t>
+            </a:r>
+            <a:r>
+              <a:rPr lang="de-DE" dirty="0"/>
+              <a:t> </a:t>
+            </a:r>
+            <a:r>
+              <a:rPr lang="de-DE" dirty="0" err="1"/>
+              <a:t>living</a:t>
+            </a:r>
+            <a:r>
+              <a:rPr lang="de-DE" dirty="0"/>
+              <a:t> </a:t>
+            </a:r>
+            <a:r>
+              <a:rPr lang="de-DE" dirty="0" err="1"/>
+              <a:t>space</a:t>
+            </a:r>
+            <a:r>
+              <a:rPr lang="de-DE" dirty="0"/>
+              <a:t> </a:t>
+            </a:r>
+            <a:r>
+              <a:rPr lang="de-DE" dirty="0" err="1"/>
+              <a:t>A_ground</a:t>
+            </a:r>
+            <a:r>
+              <a:rPr lang="de-DE" dirty="0"/>
+              <a:t>?) </a:t>
+            </a:r>
+            <a:r>
+              <a:rPr lang="de-DE" dirty="0" err="1"/>
+              <a:t>Cause</a:t>
+            </a:r>
+            <a:r>
+              <a:rPr lang="de-DE" dirty="0"/>
+              <a:t> </a:t>
+            </a:r>
+            <a:r>
+              <a:rPr lang="de-DE" dirty="0" err="1"/>
+              <a:t>with</a:t>
+            </a:r>
+            <a:r>
+              <a:rPr lang="de-DE" dirty="0"/>
+              <a:t> </a:t>
+            </a:r>
+            <a:r>
+              <a:rPr lang="de-DE" dirty="0" err="1"/>
+              <a:t>A_ground</a:t>
+            </a:r>
+            <a:r>
+              <a:rPr lang="de-DE" dirty="0"/>
+              <a:t> </a:t>
+            </a:r>
+            <a:r>
+              <a:rPr lang="de-DE" dirty="0" err="1"/>
+              <a:t>is</a:t>
+            </a:r>
+            <a:r>
+              <a:rPr lang="de-DE" dirty="0"/>
+              <a:t> </a:t>
+            </a:r>
+            <a:r>
+              <a:rPr lang="de-DE" dirty="0" err="1"/>
+              <a:t>looks</a:t>
+            </a:r>
+            <a:r>
+              <a:rPr lang="de-DE" dirty="0"/>
+              <a:t> </a:t>
+            </a:r>
+            <a:r>
+              <a:rPr lang="de-DE" dirty="0" err="1"/>
+              <a:t>much</a:t>
+            </a:r>
+            <a:r>
+              <a:rPr lang="de-DE" dirty="0"/>
+              <a:t> </a:t>
+            </a:r>
+            <a:r>
+              <a:rPr lang="de-DE" dirty="0" err="1"/>
+              <a:t>better</a:t>
+            </a:r>
+            <a:endParaRPr lang="de-DE" dirty="0"/>
+          </a:p>
+        </p:txBody>
+      </p:sp>
+      <p:pic>
+        <p:nvPicPr>
+          <p:cNvPr id="8" name="Content Placeholder 3">
+            <a:extLst>
+              <a:ext uri="{FF2B5EF4-FFF2-40B4-BE49-F238E27FC236}">
+                <a16:creationId xmlns:a16="http://schemas.microsoft.com/office/drawing/2014/main" id="{7BD8DD98-F6C7-78F1-1461-6AC65F82AA63}"/>
+              </a:ext>
+            </a:extLst>
+          </p:cNvPr>
+          <p:cNvPicPr>
+            <a:picLocks noChangeAspect="1"/>
+          </p:cNvPicPr>
+          <p:nvPr/>
+        </p:nvPicPr>
+        <p:blipFill>
+          <a:blip r:embed="rId2"/>
+          <a:stretch>
+            <a:fillRect/>
+          </a:stretch>
+        </p:blipFill>
+        <p:spPr>
+          <a:xfrm>
+            <a:off x="611613" y="1462087"/>
+            <a:ext cx="6735173" cy="4351338"/>
+          </a:xfrm>
+          <a:prstGeom prst="rect">
+            <a:avLst/>
+          </a:prstGeom>
+        </p:spPr>
+      </p:pic>
+      <p:sp>
+        <p:nvSpPr>
+          <p:cNvPr id="10" name="Content Placeholder 9">
+            <a:extLst>
+              <a:ext uri="{FF2B5EF4-FFF2-40B4-BE49-F238E27FC236}">
+                <a16:creationId xmlns:a16="http://schemas.microsoft.com/office/drawing/2014/main" id="{1F52DAE0-9961-6B48-7EEE-520BB5186380}"/>
               </a:ext>
             </a:extLst>
           </p:cNvPr>
@@ -14006,6 +15310,36 @@
           </a:p>
         </p:txBody>
       </p:sp>
+      <p:pic>
+        <p:nvPicPr>
+          <p:cNvPr id="11" name="Content Placeholder 4">
+            <a:extLst>
+              <a:ext uri="{FF2B5EF4-FFF2-40B4-BE49-F238E27FC236}">
+                <a16:creationId xmlns:a16="http://schemas.microsoft.com/office/drawing/2014/main" id="{21465B75-B33E-9148-198D-D8E683884F79}"/>
+              </a:ext>
+            </a:extLst>
+          </p:cNvPr>
+          <p:cNvPicPr>
+            <a:picLocks noChangeAspect="1"/>
+          </p:cNvPicPr>
+          <p:nvPr/>
+        </p:nvPicPr>
+        <p:blipFill>
+          <a:blip r:embed="rId3"/>
+          <a:stretch>
+            <a:fillRect/>
+          </a:stretch>
+        </p:blipFill>
+        <p:spPr>
+          <a:xfrm>
+            <a:off x="5097306" y="1670843"/>
+            <a:ext cx="5438775" cy="3933825"/>
+          </a:xfrm>
+          <a:prstGeom prst="rect">
+            <a:avLst/>
+          </a:prstGeom>
+        </p:spPr>
+      </p:pic>
     </p:spTree>
     <p:extLst>
       <p:ext uri="{BB962C8B-B14F-4D97-AF65-F5344CB8AC3E}">
@@ -14019,7 +15353,90 @@
 </p:sld>
 </file>
 
-<file path=ppt/slides/slide23.xml><?xml version="1.0" encoding="utf-8"?>
+<file path=ppt/slides/slide25.xml><?xml version="1.0" encoding="utf-8"?>
+<p:sld xmlns:a="http://schemas.openxmlformats.org/drawingml/2006/main" xmlns:r="http://schemas.openxmlformats.org/officeDocument/2006/relationships" xmlns:p="http://schemas.openxmlformats.org/presentationml/2006/main">
+  <p:cSld>
+    <p:spTree>
+      <p:nvGrpSpPr>
+        <p:cNvPr id="1" name=""/>
+        <p:cNvGrpSpPr/>
+        <p:nvPr/>
+      </p:nvGrpSpPr>
+      <p:grpSpPr>
+        <a:xfrm>
+          <a:off x="0" y="0"/>
+          <a:ext cx="0" cy="0"/>
+          <a:chOff x="0" y="0"/>
+          <a:chExt cx="0" cy="0"/>
+        </a:xfrm>
+      </p:grpSpPr>
+      <p:sp>
+        <p:nvSpPr>
+          <p:cNvPr id="2" name="Title 1">
+            <a:extLst>
+              <a:ext uri="{FF2B5EF4-FFF2-40B4-BE49-F238E27FC236}">
+                <a16:creationId xmlns:a16="http://schemas.microsoft.com/office/drawing/2014/main" id="{EDAD4908-7DC4-F6F1-8CB6-D90C853C1499}"/>
+              </a:ext>
+            </a:extLst>
+          </p:cNvPr>
+          <p:cNvSpPr>
+            <a:spLocks noGrp="1"/>
+          </p:cNvSpPr>
+          <p:nvPr>
+            <p:ph type="title"/>
+          </p:nvPr>
+        </p:nvSpPr>
+        <p:spPr/>
+        <p:txBody>
+          <a:bodyPr/>
+          <a:lstStyle/>
+          <a:p>
+            <a:r>
+              <a:rPr lang="de-DE"/>
+              <a:t>Conclusions</a:t>
+            </a:r>
+          </a:p>
+        </p:txBody>
+      </p:sp>
+      <p:sp>
+        <p:nvSpPr>
+          <p:cNvPr id="3" name="Content Placeholder 2">
+            <a:extLst>
+              <a:ext uri="{FF2B5EF4-FFF2-40B4-BE49-F238E27FC236}">
+                <a16:creationId xmlns:a16="http://schemas.microsoft.com/office/drawing/2014/main" id="{60206787-A2B0-E3BC-BEAC-110650D1DF39}"/>
+              </a:ext>
+            </a:extLst>
+          </p:cNvPr>
+          <p:cNvSpPr>
+            <a:spLocks noGrp="1"/>
+          </p:cNvSpPr>
+          <p:nvPr>
+            <p:ph idx="1"/>
+          </p:nvPr>
+        </p:nvSpPr>
+        <p:spPr/>
+        <p:txBody>
+          <a:bodyPr/>
+          <a:lstStyle/>
+          <a:p>
+            <a:endParaRPr lang="de-DE"/>
+          </a:p>
+        </p:txBody>
+      </p:sp>
+    </p:spTree>
+    <p:extLst>
+      <p:ext uri="{BB962C8B-B14F-4D97-AF65-F5344CB8AC3E}">
+        <p14:creationId xmlns:p14="http://schemas.microsoft.com/office/powerpoint/2010/main" val="2874238928"/>
+      </p:ext>
+    </p:extLst>
+  </p:cSld>
+  <p:clrMapOvr>
+    <a:masterClrMapping/>
+  </p:clrMapOvr>
+</p:sld>
+</file>
+
+<file path=ppt/slides/slide26.xml><?xml version="1.0" encoding="utf-8"?>
 <p:sld xmlns:a="http://schemas.openxmlformats.org/drawingml/2006/main" xmlns:r="http://schemas.openxmlformats.org/officeDocument/2006/relationships" xmlns:p="http://schemas.openxmlformats.org/presentationml/2006/main">
   <p:cSld>
     <p:spTree>
@@ -14122,7 +15539,7 @@
 </p:sld>
 </file>
 
-<file path=ppt/slides/slide24.xml><?xml version="1.0" encoding="utf-8"?>
+<file path=ppt/slides/slide27.xml><?xml version="1.0" encoding="utf-8"?>
 <p:sld xmlns:a="http://schemas.openxmlformats.org/drawingml/2006/main" xmlns:r="http://schemas.openxmlformats.org/officeDocument/2006/relationships" xmlns:p="http://schemas.openxmlformats.org/presentationml/2006/main">
   <p:cSld>
     <p:spTree>
@@ -14234,7 +15651,7 @@
 </p:sld>
 </file>
 
-<file path=ppt/slides/slide25.xml><?xml version="1.0" encoding="utf-8"?>
+<file path=ppt/slides/slide28.xml><?xml version="1.0" encoding="utf-8"?>
 <p:sld xmlns:a="http://schemas.openxmlformats.org/drawingml/2006/main" xmlns:r="http://schemas.openxmlformats.org/officeDocument/2006/relationships" xmlns:p="http://schemas.openxmlformats.org/presentationml/2006/main">
   <p:cSld>
     <p:spTree>
@@ -14341,7 +15758,7 @@
 </p:sld>
 </file>
 
-<file path=ppt/slides/slide26.xml><?xml version="1.0" encoding="utf-8"?>
+<file path=ppt/slides/slide29.xml><?xml version="1.0" encoding="utf-8"?>
 <p:sld xmlns:a="http://schemas.openxmlformats.org/drawingml/2006/main" xmlns:r="http://schemas.openxmlformats.org/officeDocument/2006/relationships" xmlns:p="http://schemas.openxmlformats.org/presentationml/2006/main">
   <p:cSld>
     <p:spTree>
@@ -14447,89 +15864,6 @@
     <p:extLst>
       <p:ext uri="{BB962C8B-B14F-4D97-AF65-F5344CB8AC3E}">
         <p14:creationId xmlns:p14="http://schemas.microsoft.com/office/powerpoint/2010/main" val="3093946872"/>
-      </p:ext>
-    </p:extLst>
-  </p:cSld>
-  <p:clrMapOvr>
-    <a:masterClrMapping/>
-  </p:clrMapOvr>
-</p:sld>
-</file>
-
-<file path=ppt/slides/slide27.xml><?xml version="1.0" encoding="utf-8"?>
-<p:sld xmlns:a="http://schemas.openxmlformats.org/drawingml/2006/main" xmlns:r="http://schemas.openxmlformats.org/officeDocument/2006/relationships" xmlns:p="http://schemas.openxmlformats.org/presentationml/2006/main">
-  <p:cSld>
-    <p:spTree>
-      <p:nvGrpSpPr>
-        <p:cNvPr id="1" name=""/>
-        <p:cNvGrpSpPr/>
-        <p:nvPr/>
-      </p:nvGrpSpPr>
-      <p:grpSpPr>
-        <a:xfrm>
-          <a:off x="0" y="0"/>
-          <a:ext cx="0" cy="0"/>
-          <a:chOff x="0" y="0"/>
-          <a:chExt cx="0" cy="0"/>
-        </a:xfrm>
-      </p:grpSpPr>
-      <p:sp>
-        <p:nvSpPr>
-          <p:cNvPr id="2" name="Titel 1">
-            <a:extLst>
-              <a:ext uri="{FF2B5EF4-FFF2-40B4-BE49-F238E27FC236}">
-                <a16:creationId xmlns:a16="http://schemas.microsoft.com/office/drawing/2014/main" id="{12943DB5-FA81-0CBF-3951-A44F20013A41}"/>
-              </a:ext>
-            </a:extLst>
-          </p:cNvPr>
-          <p:cNvSpPr>
-            <a:spLocks noGrp="1"/>
-          </p:cNvSpPr>
-          <p:nvPr>
-            <p:ph type="title"/>
-          </p:nvPr>
-        </p:nvSpPr>
-        <p:spPr/>
-        <p:txBody>
-          <a:bodyPr/>
-          <a:lstStyle/>
-          <a:p>
-            <a:r>
-              <a:rPr lang="de-DE" dirty="0"/>
-              <a:t>A0 Poster</a:t>
-            </a:r>
-          </a:p>
-        </p:txBody>
-      </p:sp>
-      <p:sp>
-        <p:nvSpPr>
-          <p:cNvPr id="3" name="Inhaltsplatzhalter 2">
-            <a:extLst>
-              <a:ext uri="{FF2B5EF4-FFF2-40B4-BE49-F238E27FC236}">
-                <a16:creationId xmlns:a16="http://schemas.microsoft.com/office/drawing/2014/main" id="{3B85E411-A6F8-DDD7-A51E-7F514BB51D09}"/>
-              </a:ext>
-            </a:extLst>
-          </p:cNvPr>
-          <p:cNvSpPr>
-            <a:spLocks noGrp="1"/>
-          </p:cNvSpPr>
-          <p:nvPr>
-            <p:ph idx="1"/>
-          </p:nvPr>
-        </p:nvSpPr>
-        <p:spPr/>
-        <p:txBody>
-          <a:bodyPr/>
-          <a:lstStyle/>
-          <a:p>
-            <a:endParaRPr lang="de-DE"/>
-          </a:p>
-        </p:txBody>
-      </p:sp>
-    </p:spTree>
-    <p:extLst>
-      <p:ext uri="{BB962C8B-B14F-4D97-AF65-F5344CB8AC3E}">
-        <p14:creationId xmlns:p14="http://schemas.microsoft.com/office/powerpoint/2010/main" val="727708335"/>
       </p:ext>
     </p:extLst>
   </p:cSld>
@@ -14650,6 +15984,89 @@
     <p:extLst>
       <p:ext uri="{BB962C8B-B14F-4D97-AF65-F5344CB8AC3E}">
         <p14:creationId xmlns:p14="http://schemas.microsoft.com/office/powerpoint/2010/main" val="909868188"/>
+      </p:ext>
+    </p:extLst>
+  </p:cSld>
+  <p:clrMapOvr>
+    <a:masterClrMapping/>
+  </p:clrMapOvr>
+</p:sld>
+</file>
+
+<file path=ppt/slides/slide30.xml><?xml version="1.0" encoding="utf-8"?>
+<p:sld xmlns:a="http://schemas.openxmlformats.org/drawingml/2006/main" xmlns:r="http://schemas.openxmlformats.org/officeDocument/2006/relationships" xmlns:p="http://schemas.openxmlformats.org/presentationml/2006/main">
+  <p:cSld>
+    <p:spTree>
+      <p:nvGrpSpPr>
+        <p:cNvPr id="1" name=""/>
+        <p:cNvGrpSpPr/>
+        <p:nvPr/>
+      </p:nvGrpSpPr>
+      <p:grpSpPr>
+        <a:xfrm>
+          <a:off x="0" y="0"/>
+          <a:ext cx="0" cy="0"/>
+          <a:chOff x="0" y="0"/>
+          <a:chExt cx="0" cy="0"/>
+        </a:xfrm>
+      </p:grpSpPr>
+      <p:sp>
+        <p:nvSpPr>
+          <p:cNvPr id="2" name="Titel 1">
+            <a:extLst>
+              <a:ext uri="{FF2B5EF4-FFF2-40B4-BE49-F238E27FC236}">
+                <a16:creationId xmlns:a16="http://schemas.microsoft.com/office/drawing/2014/main" id="{12943DB5-FA81-0CBF-3951-A44F20013A41}"/>
+              </a:ext>
+            </a:extLst>
+          </p:cNvPr>
+          <p:cNvSpPr>
+            <a:spLocks noGrp="1"/>
+          </p:cNvSpPr>
+          <p:nvPr>
+            <p:ph type="title"/>
+          </p:nvPr>
+        </p:nvSpPr>
+        <p:spPr/>
+        <p:txBody>
+          <a:bodyPr/>
+          <a:lstStyle/>
+          <a:p>
+            <a:r>
+              <a:rPr lang="de-DE" dirty="0"/>
+              <a:t>A0 Poster</a:t>
+            </a:r>
+          </a:p>
+        </p:txBody>
+      </p:sp>
+      <p:sp>
+        <p:nvSpPr>
+          <p:cNvPr id="3" name="Inhaltsplatzhalter 2">
+            <a:extLst>
+              <a:ext uri="{FF2B5EF4-FFF2-40B4-BE49-F238E27FC236}">
+                <a16:creationId xmlns:a16="http://schemas.microsoft.com/office/drawing/2014/main" id="{3B85E411-A6F8-DDD7-A51E-7F514BB51D09}"/>
+              </a:ext>
+            </a:extLst>
+          </p:cNvPr>
+          <p:cNvSpPr>
+            <a:spLocks noGrp="1"/>
+          </p:cNvSpPr>
+          <p:nvPr>
+            <p:ph idx="1"/>
+          </p:nvPr>
+        </p:nvSpPr>
+        <p:spPr/>
+        <p:txBody>
+          <a:bodyPr/>
+          <a:lstStyle/>
+          <a:p>
+            <a:endParaRPr lang="de-DE"/>
+          </a:p>
+        </p:txBody>
+      </p:sp>
+    </p:spTree>
+    <p:extLst>
+      <p:ext uri="{BB962C8B-B14F-4D97-AF65-F5344CB8AC3E}">
+        <p14:creationId xmlns:p14="http://schemas.microsoft.com/office/powerpoint/2010/main" val="727708335"/>
       </p:ext>
     </p:extLst>
   </p:cSld>

--- a/presentation/heat.pptx
+++ b/presentation/heat.pptx
@@ -5,7 +5,7 @@
     <p:sldMasterId id="2147483648" r:id="rId1"/>
   </p:sldMasterIdLst>
   <p:notesMasterIdLst>
-    <p:notesMasterId r:id="rId32"/>
+    <p:notesMasterId r:id="rId35"/>
   </p:notesMasterIdLst>
   <p:sldIdLst>
     <p:sldId id="256" r:id="rId2"/>
@@ -31,13 +31,16 @@
     <p:sldId id="281" r:id="rId22"/>
     <p:sldId id="284" r:id="rId23"/>
     <p:sldId id="282" r:id="rId24"/>
-    <p:sldId id="267" r:id="rId25"/>
-    <p:sldId id="285" r:id="rId26"/>
-    <p:sldId id="268" r:id="rId27"/>
-    <p:sldId id="263" r:id="rId28"/>
-    <p:sldId id="264" r:id="rId29"/>
-    <p:sldId id="269" r:id="rId30"/>
-    <p:sldId id="265" r:id="rId31"/>
+    <p:sldId id="286" r:id="rId25"/>
+    <p:sldId id="267" r:id="rId26"/>
+    <p:sldId id="287" r:id="rId27"/>
+    <p:sldId id="288" r:id="rId28"/>
+    <p:sldId id="285" r:id="rId29"/>
+    <p:sldId id="268" r:id="rId30"/>
+    <p:sldId id="263" r:id="rId31"/>
+    <p:sldId id="264" r:id="rId32"/>
+    <p:sldId id="269" r:id="rId33"/>
+    <p:sldId id="265" r:id="rId34"/>
   </p:sldIdLst>
   <p:sldSz cx="12192000" cy="6858000"/>
   <p:notesSz cx="6858000" cy="9144000"/>
@@ -226,7 +229,7 @@
           <a:p>
             <a:fld id="{286B95F3-0557-304F-A425-74B74408DC2F}" type="datetimeFigureOut">
               <a:rPr lang="de-DE" smtClean="0"/>
-              <a:t>26.06.2025</a:t>
+              <a:t>26.06.25</a:t>
             </a:fld>
             <a:endParaRPr lang="de-DE"/>
           </a:p>
@@ -384,7 +387,7 @@
           <a:p>
             <a:fld id="{B19B2BFA-58D9-ED43-8040-25821433DD5C}" type="slidenum">
               <a:rPr lang="de-DE" smtClean="0"/>
-              <a:t>‹#›</a:t>
+              <a:t>‹Nr.›</a:t>
             </a:fld>
             <a:endParaRPr lang="de-DE"/>
           </a:p>
@@ -1243,7 +1246,7 @@
           <a:p>
             <a:fld id="{04AD105E-1681-4427-A2A6-BE19936FDE9F}" type="datetimeFigureOut">
               <a:rPr lang="de-DE" smtClean="0"/>
-              <a:t>26.06.2025</a:t>
+              <a:t>26.06.25</a:t>
             </a:fld>
             <a:endParaRPr lang="de-DE"/>
           </a:p>
@@ -1297,7 +1300,7 @@
           <a:p>
             <a:fld id="{F2D7D816-B1EE-490B-A103-4A569B3CE5B5}" type="slidenum">
               <a:rPr lang="de-DE" smtClean="0"/>
-              <a:t>‹#›</a:t>
+              <a:t>‹Nr.›</a:t>
             </a:fld>
             <a:endParaRPr lang="de-DE"/>
           </a:p>
@@ -1441,7 +1444,7 @@
           <a:p>
             <a:fld id="{04AD105E-1681-4427-A2A6-BE19936FDE9F}" type="datetimeFigureOut">
               <a:rPr lang="de-DE" smtClean="0"/>
-              <a:t>26.06.2025</a:t>
+              <a:t>26.06.25</a:t>
             </a:fld>
             <a:endParaRPr lang="de-DE"/>
           </a:p>
@@ -1495,7 +1498,7 @@
           <a:p>
             <a:fld id="{F2D7D816-B1EE-490B-A103-4A569B3CE5B5}" type="slidenum">
               <a:rPr lang="de-DE" smtClean="0"/>
-              <a:t>‹#›</a:t>
+              <a:t>‹Nr.›</a:t>
             </a:fld>
             <a:endParaRPr lang="de-DE"/>
           </a:p>
@@ -1649,7 +1652,7 @@
           <a:p>
             <a:fld id="{04AD105E-1681-4427-A2A6-BE19936FDE9F}" type="datetimeFigureOut">
               <a:rPr lang="de-DE" smtClean="0"/>
-              <a:t>26.06.2025</a:t>
+              <a:t>26.06.25</a:t>
             </a:fld>
             <a:endParaRPr lang="de-DE"/>
           </a:p>
@@ -1703,7 +1706,7 @@
           <a:p>
             <a:fld id="{F2D7D816-B1EE-490B-A103-4A569B3CE5B5}" type="slidenum">
               <a:rPr lang="de-DE" smtClean="0"/>
-              <a:t>‹#›</a:t>
+              <a:t>‹Nr.›</a:t>
             </a:fld>
             <a:endParaRPr lang="de-DE"/>
           </a:p>
@@ -1847,7 +1850,7 @@
           <a:p>
             <a:fld id="{04AD105E-1681-4427-A2A6-BE19936FDE9F}" type="datetimeFigureOut">
               <a:rPr lang="de-DE" smtClean="0"/>
-              <a:t>26.06.2025</a:t>
+              <a:t>26.06.25</a:t>
             </a:fld>
             <a:endParaRPr lang="de-DE"/>
           </a:p>
@@ -1901,7 +1904,7 @@
           <a:p>
             <a:fld id="{F2D7D816-B1EE-490B-A103-4A569B3CE5B5}" type="slidenum">
               <a:rPr lang="de-DE" smtClean="0"/>
-              <a:t>‹#›</a:t>
+              <a:t>‹Nr.›</a:t>
             </a:fld>
             <a:endParaRPr lang="de-DE"/>
           </a:p>
@@ -2122,7 +2125,7 @@
           <a:p>
             <a:fld id="{04AD105E-1681-4427-A2A6-BE19936FDE9F}" type="datetimeFigureOut">
               <a:rPr lang="de-DE" smtClean="0"/>
-              <a:t>26.06.2025</a:t>
+              <a:t>26.06.25</a:t>
             </a:fld>
             <a:endParaRPr lang="de-DE"/>
           </a:p>
@@ -2176,7 +2179,7 @@
           <a:p>
             <a:fld id="{F2D7D816-B1EE-490B-A103-4A569B3CE5B5}" type="slidenum">
               <a:rPr lang="de-DE" smtClean="0"/>
-              <a:t>‹#›</a:t>
+              <a:t>‹Nr.›</a:t>
             </a:fld>
             <a:endParaRPr lang="de-DE"/>
           </a:p>
@@ -2387,7 +2390,7 @@
           <a:p>
             <a:fld id="{04AD105E-1681-4427-A2A6-BE19936FDE9F}" type="datetimeFigureOut">
               <a:rPr lang="de-DE" smtClean="0"/>
-              <a:t>26.06.2025</a:t>
+              <a:t>26.06.25</a:t>
             </a:fld>
             <a:endParaRPr lang="de-DE"/>
           </a:p>
@@ -2441,7 +2444,7 @@
           <a:p>
             <a:fld id="{F2D7D816-B1EE-490B-A103-4A569B3CE5B5}" type="slidenum">
               <a:rPr lang="de-DE" smtClean="0"/>
-              <a:t>‹#›</a:t>
+              <a:t>‹Nr.›</a:t>
             </a:fld>
             <a:endParaRPr lang="de-DE"/>
           </a:p>
@@ -2799,7 +2802,7 @@
           <a:p>
             <a:fld id="{04AD105E-1681-4427-A2A6-BE19936FDE9F}" type="datetimeFigureOut">
               <a:rPr lang="de-DE" smtClean="0"/>
-              <a:t>26.06.2025</a:t>
+              <a:t>26.06.25</a:t>
             </a:fld>
             <a:endParaRPr lang="de-DE"/>
           </a:p>
@@ -2853,7 +2856,7 @@
           <a:p>
             <a:fld id="{F2D7D816-B1EE-490B-A103-4A569B3CE5B5}" type="slidenum">
               <a:rPr lang="de-DE" smtClean="0"/>
-              <a:t>‹#›</a:t>
+              <a:t>‹Nr.›</a:t>
             </a:fld>
             <a:endParaRPr lang="de-DE"/>
           </a:p>
@@ -2940,7 +2943,7 @@
           <a:p>
             <a:fld id="{04AD105E-1681-4427-A2A6-BE19936FDE9F}" type="datetimeFigureOut">
               <a:rPr lang="de-DE" smtClean="0"/>
-              <a:t>26.06.2025</a:t>
+              <a:t>26.06.25</a:t>
             </a:fld>
             <a:endParaRPr lang="de-DE"/>
           </a:p>
@@ -2994,7 +2997,7 @@
           <a:p>
             <a:fld id="{F2D7D816-B1EE-490B-A103-4A569B3CE5B5}" type="slidenum">
               <a:rPr lang="de-DE" smtClean="0"/>
-              <a:t>‹#›</a:t>
+              <a:t>‹Nr.›</a:t>
             </a:fld>
             <a:endParaRPr lang="de-DE"/>
           </a:p>
@@ -3053,7 +3056,7 @@
           <a:p>
             <a:fld id="{04AD105E-1681-4427-A2A6-BE19936FDE9F}" type="datetimeFigureOut">
               <a:rPr lang="de-DE" smtClean="0"/>
-              <a:t>26.06.2025</a:t>
+              <a:t>26.06.25</a:t>
             </a:fld>
             <a:endParaRPr lang="de-DE"/>
           </a:p>
@@ -3107,7 +3110,7 @@
           <a:p>
             <a:fld id="{F2D7D816-B1EE-490B-A103-4A569B3CE5B5}" type="slidenum">
               <a:rPr lang="de-DE" smtClean="0"/>
-              <a:t>‹#›</a:t>
+              <a:t>‹Nr.›</a:t>
             </a:fld>
             <a:endParaRPr lang="de-DE"/>
           </a:p>
@@ -3364,7 +3367,7 @@
           <a:p>
             <a:fld id="{04AD105E-1681-4427-A2A6-BE19936FDE9F}" type="datetimeFigureOut">
               <a:rPr lang="de-DE" smtClean="0"/>
-              <a:t>26.06.2025</a:t>
+              <a:t>26.06.25</a:t>
             </a:fld>
             <a:endParaRPr lang="de-DE"/>
           </a:p>
@@ -3418,7 +3421,7 @@
           <a:p>
             <a:fld id="{F2D7D816-B1EE-490B-A103-4A569B3CE5B5}" type="slidenum">
               <a:rPr lang="de-DE" smtClean="0"/>
-              <a:t>‹#›</a:t>
+              <a:t>‹Nr.›</a:t>
             </a:fld>
             <a:endParaRPr lang="de-DE"/>
           </a:p>
@@ -3652,7 +3655,7 @@
           <a:p>
             <a:fld id="{04AD105E-1681-4427-A2A6-BE19936FDE9F}" type="datetimeFigureOut">
               <a:rPr lang="de-DE" smtClean="0"/>
-              <a:t>26.06.2025</a:t>
+              <a:t>26.06.25</a:t>
             </a:fld>
             <a:endParaRPr lang="de-DE"/>
           </a:p>
@@ -3706,7 +3709,7 @@
           <a:p>
             <a:fld id="{F2D7D816-B1EE-490B-A103-4A569B3CE5B5}" type="slidenum">
               <a:rPr lang="de-DE" smtClean="0"/>
-              <a:t>‹#›</a:t>
+              <a:t>‹Nr.›</a:t>
             </a:fld>
             <a:endParaRPr lang="de-DE"/>
           </a:p>
@@ -3893,7 +3896,7 @@
           <a:p>
             <a:fld id="{04AD105E-1681-4427-A2A6-BE19936FDE9F}" type="datetimeFigureOut">
               <a:rPr lang="de-DE" smtClean="0"/>
-              <a:t>26.06.2025</a:t>
+              <a:t>26.06.25</a:t>
             </a:fld>
             <a:endParaRPr lang="de-DE"/>
           </a:p>
@@ -3983,7 +3986,7 @@
           <a:p>
             <a:fld id="{F2D7D816-B1EE-490B-A103-4A569B3CE5B5}" type="slidenum">
               <a:rPr lang="de-DE" smtClean="0"/>
-              <a:t>‹#›</a:t>
+              <a:t>‹Nr.›</a:t>
             </a:fld>
             <a:endParaRPr lang="de-DE"/>
           </a:p>
@@ -15072,6 +15075,110 @@
           <p:cNvPr id="2" name="Titel 1">
             <a:extLst>
               <a:ext uri="{FF2B5EF4-FFF2-40B4-BE49-F238E27FC236}">
+                <a16:creationId xmlns:a16="http://schemas.microsoft.com/office/drawing/2014/main" id="{8FD64CD4-1171-EB9C-F64B-5468B1B54E9B}"/>
+              </a:ext>
+            </a:extLst>
+          </p:cNvPr>
+          <p:cNvSpPr>
+            <a:spLocks noGrp="1"/>
+          </p:cNvSpPr>
+          <p:nvPr>
+            <p:ph type="title"/>
+          </p:nvPr>
+        </p:nvSpPr>
+        <p:spPr/>
+        <p:txBody>
+          <a:bodyPr/>
+          <a:lstStyle/>
+          <a:p>
+            <a:r>
+              <a:rPr lang="de-DE" dirty="0"/>
+              <a:t>2016 </a:t>
+            </a:r>
+            <a:r>
+              <a:rPr lang="de-DE" dirty="0" err="1"/>
+              <a:t>comparism</a:t>
+            </a:r>
+            <a:r>
+              <a:rPr lang="de-DE" dirty="0"/>
+              <a:t> – all </a:t>
+            </a:r>
+            <a:r>
+              <a:rPr lang="de-DE" dirty="0" err="1"/>
+              <a:t>weather</a:t>
+            </a:r>
+            <a:r>
+              <a:rPr lang="de-DE" dirty="0"/>
+              <a:t> </a:t>
+            </a:r>
+            <a:r>
+              <a:rPr lang="de-DE" dirty="0" err="1"/>
+              <a:t>possibilities</a:t>
+            </a:r>
+            <a:endParaRPr lang="de-DE" dirty="0"/>
+          </a:p>
+        </p:txBody>
+      </p:sp>
+      <p:sp>
+        <p:nvSpPr>
+          <p:cNvPr id="3" name="Inhaltsplatzhalter 2">
+            <a:extLst>
+              <a:ext uri="{FF2B5EF4-FFF2-40B4-BE49-F238E27FC236}">
+                <a16:creationId xmlns:a16="http://schemas.microsoft.com/office/drawing/2014/main" id="{6E51B847-30C8-3BF6-9423-87C2779ACD3F}"/>
+              </a:ext>
+            </a:extLst>
+          </p:cNvPr>
+          <p:cNvSpPr>
+            <a:spLocks noGrp="1"/>
+          </p:cNvSpPr>
+          <p:nvPr>
+            <p:ph idx="1"/>
+          </p:nvPr>
+        </p:nvSpPr>
+        <p:spPr/>
+        <p:txBody>
+          <a:bodyPr/>
+          <a:lstStyle/>
+          <a:p>
+            <a:endParaRPr lang="de-DE"/>
+          </a:p>
+        </p:txBody>
+      </p:sp>
+    </p:spTree>
+    <p:extLst>
+      <p:ext uri="{BB962C8B-B14F-4D97-AF65-F5344CB8AC3E}">
+        <p14:creationId xmlns:p14="http://schemas.microsoft.com/office/powerpoint/2010/main" val="2859361501"/>
+      </p:ext>
+    </p:extLst>
+  </p:cSld>
+  <p:clrMapOvr>
+    <a:masterClrMapping/>
+  </p:clrMapOvr>
+</p:sld>
+</file>
+
+<file path=ppt/slides/slide25.xml><?xml version="1.0" encoding="utf-8"?>
+<p:sld xmlns:a="http://schemas.openxmlformats.org/drawingml/2006/main" xmlns:r="http://schemas.openxmlformats.org/officeDocument/2006/relationships" xmlns:p="http://schemas.openxmlformats.org/presentationml/2006/main">
+  <p:cSld>
+    <p:spTree>
+      <p:nvGrpSpPr>
+        <p:cNvPr id="1" name=""/>
+        <p:cNvGrpSpPr/>
+        <p:nvPr/>
+      </p:nvGrpSpPr>
+      <p:grpSpPr>
+        <a:xfrm>
+          <a:off x="0" y="0"/>
+          <a:ext cx="0" cy="0"/>
+          <a:chOff x="0" y="0"/>
+          <a:chExt cx="0" cy="0"/>
+        </a:xfrm>
+      </p:grpSpPr>
+      <p:sp>
+        <p:nvSpPr>
+          <p:cNvPr id="2" name="Titel 1">
+            <a:extLst>
+              <a:ext uri="{FF2B5EF4-FFF2-40B4-BE49-F238E27FC236}">
                 <a16:creationId xmlns:a16="http://schemas.microsoft.com/office/drawing/2014/main" id="{03ABC854-3852-C444-B5D8-943D204B4B40}"/>
               </a:ext>
             </a:extLst>
@@ -15353,7 +15460,213 @@
 </p:sld>
 </file>
 
-<file path=ppt/slides/slide25.xml><?xml version="1.0" encoding="utf-8"?>
+<file path=ppt/slides/slide26.xml><?xml version="1.0" encoding="utf-8"?>
+<p:sld xmlns:a="http://schemas.openxmlformats.org/drawingml/2006/main" xmlns:r="http://schemas.openxmlformats.org/officeDocument/2006/relationships" xmlns:p="http://schemas.openxmlformats.org/presentationml/2006/main">
+  <p:cSld>
+    <p:spTree>
+      <p:nvGrpSpPr>
+        <p:cNvPr id="1" name=""/>
+        <p:cNvGrpSpPr/>
+        <p:nvPr/>
+      </p:nvGrpSpPr>
+      <p:grpSpPr>
+        <a:xfrm>
+          <a:off x="0" y="0"/>
+          <a:ext cx="0" cy="0"/>
+          <a:chOff x="0" y="0"/>
+          <a:chExt cx="0" cy="0"/>
+        </a:xfrm>
+      </p:grpSpPr>
+      <p:sp>
+        <p:nvSpPr>
+          <p:cNvPr id="2" name="Titel 1">
+            <a:extLst>
+              <a:ext uri="{FF2B5EF4-FFF2-40B4-BE49-F238E27FC236}">
+                <a16:creationId xmlns:a16="http://schemas.microsoft.com/office/drawing/2014/main" id="{4612105B-6346-4526-5A87-7C12309589E4}"/>
+              </a:ext>
+            </a:extLst>
+          </p:cNvPr>
+          <p:cNvSpPr>
+            <a:spLocks noGrp="1"/>
+          </p:cNvSpPr>
+          <p:nvPr>
+            <p:ph type="title"/>
+          </p:nvPr>
+        </p:nvSpPr>
+        <p:spPr/>
+        <p:txBody>
+          <a:bodyPr/>
+          <a:lstStyle/>
+          <a:p>
+            <a:r>
+              <a:rPr lang="de-DE" dirty="0"/>
+              <a:t>2016 </a:t>
+            </a:r>
+            <a:r>
+              <a:rPr lang="de-DE" dirty="0" err="1"/>
+              <a:t>with</a:t>
+            </a:r>
+            <a:r>
+              <a:rPr lang="de-DE" dirty="0"/>
+              <a:t> Night </a:t>
+            </a:r>
+            <a:r>
+              <a:rPr lang="de-DE" dirty="0" err="1"/>
+              <a:t>set</a:t>
+            </a:r>
+            <a:r>
+              <a:rPr lang="de-DE" dirty="0"/>
+              <a:t> back </a:t>
+            </a:r>
+          </a:p>
+        </p:txBody>
+      </p:sp>
+      <p:sp>
+        <p:nvSpPr>
+          <p:cNvPr id="3" name="Inhaltsplatzhalter 2">
+            <a:extLst>
+              <a:ext uri="{FF2B5EF4-FFF2-40B4-BE49-F238E27FC236}">
+                <a16:creationId xmlns:a16="http://schemas.microsoft.com/office/drawing/2014/main" id="{3FB8FF11-C84D-2D03-9730-102B42133F84}"/>
+              </a:ext>
+            </a:extLst>
+          </p:cNvPr>
+          <p:cNvSpPr>
+            <a:spLocks noGrp="1"/>
+          </p:cNvSpPr>
+          <p:nvPr>
+            <p:ph idx="1"/>
+          </p:nvPr>
+        </p:nvSpPr>
+        <p:spPr/>
+        <p:txBody>
+          <a:bodyPr/>
+          <a:lstStyle/>
+          <a:p>
+            <a:endParaRPr lang="de-DE"/>
+          </a:p>
+        </p:txBody>
+      </p:sp>
+    </p:spTree>
+    <p:extLst>
+      <p:ext uri="{BB962C8B-B14F-4D97-AF65-F5344CB8AC3E}">
+        <p14:creationId xmlns:p14="http://schemas.microsoft.com/office/powerpoint/2010/main" val="2948128400"/>
+      </p:ext>
+    </p:extLst>
+  </p:cSld>
+  <p:clrMapOvr>
+    <a:masterClrMapping/>
+  </p:clrMapOvr>
+</p:sld>
+</file>
+
+<file path=ppt/slides/slide27.xml><?xml version="1.0" encoding="utf-8"?>
+<p:sld xmlns:a="http://schemas.openxmlformats.org/drawingml/2006/main" xmlns:r="http://schemas.openxmlformats.org/officeDocument/2006/relationships" xmlns:p="http://schemas.openxmlformats.org/presentationml/2006/main">
+  <p:cSld>
+    <p:spTree>
+      <p:nvGrpSpPr>
+        <p:cNvPr id="1" name=""/>
+        <p:cNvGrpSpPr/>
+        <p:nvPr/>
+      </p:nvGrpSpPr>
+      <p:grpSpPr>
+        <a:xfrm>
+          <a:off x="0" y="0"/>
+          <a:ext cx="0" cy="0"/>
+          <a:chOff x="0" y="0"/>
+          <a:chExt cx="0" cy="0"/>
+        </a:xfrm>
+      </p:grpSpPr>
+      <p:sp>
+        <p:nvSpPr>
+          <p:cNvPr id="2" name="Titel 1">
+            <a:extLst>
+              <a:ext uri="{FF2B5EF4-FFF2-40B4-BE49-F238E27FC236}">
+                <a16:creationId xmlns:a16="http://schemas.microsoft.com/office/drawing/2014/main" id="{F57258D7-909C-718C-C2E2-879641D729D6}"/>
+              </a:ext>
+            </a:extLst>
+          </p:cNvPr>
+          <p:cNvSpPr>
+            <a:spLocks noGrp="1"/>
+          </p:cNvSpPr>
+          <p:nvPr>
+            <p:ph type="title"/>
+          </p:nvPr>
+        </p:nvSpPr>
+        <p:spPr/>
+        <p:txBody>
+          <a:bodyPr/>
+          <a:lstStyle/>
+          <a:p>
+            <a:r>
+              <a:rPr lang="de-DE" dirty="0"/>
+              <a:t>2016 </a:t>
+            </a:r>
+            <a:r>
+              <a:rPr lang="de-DE" dirty="0" err="1"/>
+              <a:t>with</a:t>
+            </a:r>
+            <a:r>
+              <a:rPr lang="de-DE" dirty="0"/>
+              <a:t> </a:t>
+            </a:r>
+            <a:r>
+              <a:rPr lang="de-DE" dirty="0" err="1"/>
+              <a:t>other</a:t>
+            </a:r>
+            <a:r>
+              <a:rPr lang="de-DE" dirty="0"/>
+              <a:t> </a:t>
+            </a:r>
+            <a:r>
+              <a:rPr lang="de-DE" dirty="0" err="1"/>
+              <a:t>heat</a:t>
+            </a:r>
+            <a:r>
+              <a:rPr lang="de-DE" dirty="0"/>
+              <a:t> pump</a:t>
+            </a:r>
+          </a:p>
+        </p:txBody>
+      </p:sp>
+      <p:sp>
+        <p:nvSpPr>
+          <p:cNvPr id="3" name="Inhaltsplatzhalter 2">
+            <a:extLst>
+              <a:ext uri="{FF2B5EF4-FFF2-40B4-BE49-F238E27FC236}">
+                <a16:creationId xmlns:a16="http://schemas.microsoft.com/office/drawing/2014/main" id="{C121E03A-C575-AF87-26D8-EB91F6424684}"/>
+              </a:ext>
+            </a:extLst>
+          </p:cNvPr>
+          <p:cNvSpPr>
+            <a:spLocks noGrp="1"/>
+          </p:cNvSpPr>
+          <p:nvPr>
+            <p:ph idx="1"/>
+          </p:nvPr>
+        </p:nvSpPr>
+        <p:spPr/>
+        <p:txBody>
+          <a:bodyPr/>
+          <a:lstStyle/>
+          <a:p>
+            <a:endParaRPr lang="de-DE"/>
+          </a:p>
+        </p:txBody>
+      </p:sp>
+    </p:spTree>
+    <p:extLst>
+      <p:ext uri="{BB962C8B-B14F-4D97-AF65-F5344CB8AC3E}">
+        <p14:creationId xmlns:p14="http://schemas.microsoft.com/office/powerpoint/2010/main" val="2167273478"/>
+      </p:ext>
+    </p:extLst>
+  </p:cSld>
+  <p:clrMapOvr>
+    <a:masterClrMapping/>
+  </p:clrMapOvr>
+</p:sld>
+</file>
+
+<file path=ppt/slides/slide28.xml><?xml version="1.0" encoding="utf-8"?>
 <p:sld xmlns:a="http://schemas.openxmlformats.org/drawingml/2006/main" xmlns:r="http://schemas.openxmlformats.org/officeDocument/2006/relationships" xmlns:p="http://schemas.openxmlformats.org/presentationml/2006/main">
   <p:cSld>
     <p:spTree>
@@ -15436,7 +15749,7 @@
 </p:sld>
 </file>
 
-<file path=ppt/slides/slide26.xml><?xml version="1.0" encoding="utf-8"?>
+<file path=ppt/slides/slide29.xml><?xml version="1.0" encoding="utf-8"?>
 <p:sld xmlns:a="http://schemas.openxmlformats.org/drawingml/2006/main" xmlns:r="http://schemas.openxmlformats.org/officeDocument/2006/relationships" xmlns:p="http://schemas.openxmlformats.org/presentationml/2006/main">
   <p:cSld>
     <p:spTree>
@@ -15530,340 +15843,6 @@
     <p:extLst>
       <p:ext uri="{BB962C8B-B14F-4D97-AF65-F5344CB8AC3E}">
         <p14:creationId xmlns:p14="http://schemas.microsoft.com/office/powerpoint/2010/main" val="3090738218"/>
-      </p:ext>
-    </p:extLst>
-  </p:cSld>
-  <p:clrMapOvr>
-    <a:masterClrMapping/>
-  </p:clrMapOvr>
-</p:sld>
-</file>
-
-<file path=ppt/slides/slide27.xml><?xml version="1.0" encoding="utf-8"?>
-<p:sld xmlns:a="http://schemas.openxmlformats.org/drawingml/2006/main" xmlns:r="http://schemas.openxmlformats.org/officeDocument/2006/relationships" xmlns:p="http://schemas.openxmlformats.org/presentationml/2006/main">
-  <p:cSld>
-    <p:spTree>
-      <p:nvGrpSpPr>
-        <p:cNvPr id="1" name=""/>
-        <p:cNvGrpSpPr/>
-        <p:nvPr/>
-      </p:nvGrpSpPr>
-      <p:grpSpPr>
-        <a:xfrm>
-          <a:off x="0" y="0"/>
-          <a:ext cx="0" cy="0"/>
-          <a:chOff x="0" y="0"/>
-          <a:chExt cx="0" cy="0"/>
-        </a:xfrm>
-      </p:grpSpPr>
-      <p:sp>
-        <p:nvSpPr>
-          <p:cNvPr id="2" name="Titel 1">
-            <a:extLst>
-              <a:ext uri="{FF2B5EF4-FFF2-40B4-BE49-F238E27FC236}">
-                <a16:creationId xmlns:a16="http://schemas.microsoft.com/office/drawing/2014/main" id="{A5225045-A0FD-3DF7-099F-579FBCECCFF1}"/>
-              </a:ext>
-            </a:extLst>
-          </p:cNvPr>
-          <p:cNvSpPr>
-            <a:spLocks noGrp="1"/>
-          </p:cNvSpPr>
-          <p:nvPr>
-            <p:ph type="title"/>
-          </p:nvPr>
-        </p:nvSpPr>
-        <p:spPr/>
-        <p:txBody>
-          <a:bodyPr/>
-          <a:lstStyle/>
-          <a:p>
-            <a:r>
-              <a:rPr lang="de-DE" dirty="0"/>
-              <a:t>Sources</a:t>
-            </a:r>
-          </a:p>
-        </p:txBody>
-      </p:sp>
-      <p:sp>
-        <p:nvSpPr>
-          <p:cNvPr id="3" name="Inhaltsplatzhalter 2">
-            <a:extLst>
-              <a:ext uri="{FF2B5EF4-FFF2-40B4-BE49-F238E27FC236}">
-                <a16:creationId xmlns:a16="http://schemas.microsoft.com/office/drawing/2014/main" id="{DA5C04F3-0A82-CF11-9007-272504D4A3F4}"/>
-              </a:ext>
-            </a:extLst>
-          </p:cNvPr>
-          <p:cNvSpPr>
-            <a:spLocks noGrp="1"/>
-          </p:cNvSpPr>
-          <p:nvPr>
-            <p:ph idx="1"/>
-          </p:nvPr>
-        </p:nvSpPr>
-        <p:spPr/>
-        <p:txBody>
-          <a:bodyPr>
-            <a:normAutofit/>
-          </a:bodyPr>
-          <a:lstStyle/>
-          <a:p>
-            <a:r>
-              <a:rPr lang="de-DE" sz="1400" dirty="0"/>
-              <a:t>Krähenmann, S., Walter, A., </a:t>
-            </a:r>
-            <a:r>
-              <a:rPr lang="de-DE" sz="1400" dirty="0" err="1"/>
-              <a:t>Brienen</a:t>
-            </a:r>
-            <a:r>
-              <a:rPr lang="de-DE" sz="1400" dirty="0"/>
-              <a:t>, S., </a:t>
-            </a:r>
-            <a:r>
-              <a:rPr lang="de-DE" sz="1400" dirty="0" err="1"/>
-              <a:t>Imbery</a:t>
-            </a:r>
-            <a:r>
-              <a:rPr lang="de-DE" sz="1400" dirty="0"/>
-              <a:t>, F., </a:t>
-            </a:r>
-            <a:r>
-              <a:rPr lang="de-DE" sz="1400" dirty="0" err="1"/>
-              <a:t>Matzarakis</a:t>
-            </a:r>
-            <a:r>
-              <a:rPr lang="de-DE" sz="1400" dirty="0"/>
-              <a:t>, A.: Stündliche Raster der Lufttemperatur für Deutschland (Projekt TRY-Weiterentwicklung), Version V001, DWD Climate Data Center (CDC), DOI:10.5676/DWD_CDC/TRY_Basis_v001, 2016</a:t>
-            </a:r>
-          </a:p>
-        </p:txBody>
-      </p:sp>
-    </p:spTree>
-    <p:extLst>
-      <p:ext uri="{BB962C8B-B14F-4D97-AF65-F5344CB8AC3E}">
-        <p14:creationId xmlns:p14="http://schemas.microsoft.com/office/powerpoint/2010/main" val="720390082"/>
-      </p:ext>
-    </p:extLst>
-  </p:cSld>
-  <p:clrMapOvr>
-    <a:masterClrMapping/>
-  </p:clrMapOvr>
-</p:sld>
-</file>
-
-<file path=ppt/slides/slide28.xml><?xml version="1.0" encoding="utf-8"?>
-<p:sld xmlns:a="http://schemas.openxmlformats.org/drawingml/2006/main" xmlns:r="http://schemas.openxmlformats.org/officeDocument/2006/relationships" xmlns:p="http://schemas.openxmlformats.org/presentationml/2006/main">
-  <p:cSld>
-    <p:spTree>
-      <p:nvGrpSpPr>
-        <p:cNvPr id="1" name=""/>
-        <p:cNvGrpSpPr/>
-        <p:nvPr/>
-      </p:nvGrpSpPr>
-      <p:grpSpPr>
-        <a:xfrm>
-          <a:off x="0" y="0"/>
-          <a:ext cx="0" cy="0"/>
-          <a:chOff x="0" y="0"/>
-          <a:chExt cx="0" cy="0"/>
-        </a:xfrm>
-      </p:grpSpPr>
-      <p:sp>
-        <p:nvSpPr>
-          <p:cNvPr id="2" name="Titel 1">
-            <a:extLst>
-              <a:ext uri="{FF2B5EF4-FFF2-40B4-BE49-F238E27FC236}">
-                <a16:creationId xmlns:a16="http://schemas.microsoft.com/office/drawing/2014/main" id="{85437B96-B329-E8B1-2D92-FDB5C9379DFA}"/>
-              </a:ext>
-            </a:extLst>
-          </p:cNvPr>
-          <p:cNvSpPr>
-            <a:spLocks noGrp="1"/>
-          </p:cNvSpPr>
-          <p:nvPr>
-            <p:ph type="title"/>
-          </p:nvPr>
-        </p:nvSpPr>
-        <p:spPr/>
-        <p:txBody>
-          <a:bodyPr/>
-          <a:lstStyle/>
-          <a:p>
-            <a:r>
-              <a:rPr lang="de-DE" dirty="0"/>
-              <a:t>3 </a:t>
-            </a:r>
-            <a:r>
-              <a:rPr lang="de-DE" dirty="0" err="1"/>
-              <a:t>questions</a:t>
-            </a:r>
-            <a:r>
-              <a:rPr lang="de-DE" dirty="0"/>
-              <a:t>, 4 </a:t>
-            </a:r>
-            <a:r>
-              <a:rPr lang="de-DE" dirty="0" err="1"/>
-              <a:t>answers</a:t>
-            </a:r>
-            <a:r>
-              <a:rPr lang="de-DE" dirty="0"/>
-              <a:t> </a:t>
-            </a:r>
-            <a:r>
-              <a:rPr lang="de-DE" dirty="0" err="1"/>
-              <a:t>each</a:t>
-            </a:r>
-            <a:endParaRPr lang="de-DE" dirty="0"/>
-          </a:p>
-        </p:txBody>
-      </p:sp>
-      <p:sp>
-        <p:nvSpPr>
-          <p:cNvPr id="3" name="Inhaltsplatzhalter 2">
-            <a:extLst>
-              <a:ext uri="{FF2B5EF4-FFF2-40B4-BE49-F238E27FC236}">
-                <a16:creationId xmlns:a16="http://schemas.microsoft.com/office/drawing/2014/main" id="{58894B4B-71B9-FA04-FAF3-B34C132CAC7A}"/>
-              </a:ext>
-            </a:extLst>
-          </p:cNvPr>
-          <p:cNvSpPr>
-            <a:spLocks noGrp="1"/>
-          </p:cNvSpPr>
-          <p:nvPr>
-            <p:ph idx="1"/>
-          </p:nvPr>
-        </p:nvSpPr>
-        <p:spPr/>
-        <p:txBody>
-          <a:bodyPr/>
-          <a:lstStyle/>
-          <a:p>
-            <a:pPr marL="0" indent="0">
-              <a:buNone/>
-            </a:pPr>
-            <a:endParaRPr lang="de-DE" dirty="0"/>
-          </a:p>
-        </p:txBody>
-      </p:sp>
-    </p:spTree>
-    <p:extLst>
-      <p:ext uri="{BB962C8B-B14F-4D97-AF65-F5344CB8AC3E}">
-        <p14:creationId xmlns:p14="http://schemas.microsoft.com/office/powerpoint/2010/main" val="185466658"/>
-      </p:ext>
-    </p:extLst>
-  </p:cSld>
-  <p:clrMapOvr>
-    <a:masterClrMapping/>
-  </p:clrMapOvr>
-</p:sld>
-</file>
-
-<file path=ppt/slides/slide29.xml><?xml version="1.0" encoding="utf-8"?>
-<p:sld xmlns:a="http://schemas.openxmlformats.org/drawingml/2006/main" xmlns:r="http://schemas.openxmlformats.org/officeDocument/2006/relationships" xmlns:p="http://schemas.openxmlformats.org/presentationml/2006/main">
-  <p:cSld>
-    <p:spTree>
-      <p:nvGrpSpPr>
-        <p:cNvPr id="1" name=""/>
-        <p:cNvGrpSpPr/>
-        <p:nvPr/>
-      </p:nvGrpSpPr>
-      <p:grpSpPr>
-        <a:xfrm>
-          <a:off x="0" y="0"/>
-          <a:ext cx="0" cy="0"/>
-          <a:chOff x="0" y="0"/>
-          <a:chExt cx="0" cy="0"/>
-        </a:xfrm>
-      </p:grpSpPr>
-      <p:sp>
-        <p:nvSpPr>
-          <p:cNvPr id="2" name="Titel 1">
-            <a:extLst>
-              <a:ext uri="{FF2B5EF4-FFF2-40B4-BE49-F238E27FC236}">
-                <a16:creationId xmlns:a16="http://schemas.microsoft.com/office/drawing/2014/main" id="{891552A5-145F-B5C0-E613-4206D744A58C}"/>
-              </a:ext>
-            </a:extLst>
-          </p:cNvPr>
-          <p:cNvSpPr>
-            <a:spLocks noGrp="1"/>
-          </p:cNvSpPr>
-          <p:nvPr>
-            <p:ph type="title"/>
-          </p:nvPr>
-        </p:nvSpPr>
-        <p:spPr/>
-        <p:txBody>
-          <a:bodyPr/>
-          <a:lstStyle/>
-          <a:p>
-            <a:r>
-              <a:rPr lang="de-DE" dirty="0"/>
-              <a:t>Do </a:t>
-            </a:r>
-            <a:r>
-              <a:rPr lang="de-DE" dirty="0" err="1"/>
-              <a:t>you</a:t>
-            </a:r>
-            <a:r>
-              <a:rPr lang="de-DE" dirty="0"/>
-              <a:t> </a:t>
-            </a:r>
-            <a:r>
-              <a:rPr lang="de-DE" dirty="0" err="1"/>
-              <a:t>have</a:t>
-            </a:r>
-            <a:r>
-              <a:rPr lang="de-DE" dirty="0"/>
-              <a:t> </a:t>
-            </a:r>
-            <a:r>
-              <a:rPr lang="de-DE" dirty="0" err="1"/>
-              <a:t>any</a:t>
-            </a:r>
-            <a:r>
-              <a:rPr lang="de-DE" dirty="0"/>
-              <a:t> </a:t>
-            </a:r>
-            <a:r>
-              <a:rPr lang="de-DE" dirty="0" err="1"/>
-              <a:t>questions</a:t>
-            </a:r>
-            <a:r>
-              <a:rPr lang="de-DE" dirty="0"/>
-              <a:t>?</a:t>
-            </a:r>
-          </a:p>
-        </p:txBody>
-      </p:sp>
-      <p:sp>
-        <p:nvSpPr>
-          <p:cNvPr id="3" name="Inhaltsplatzhalter 2">
-            <a:extLst>
-              <a:ext uri="{FF2B5EF4-FFF2-40B4-BE49-F238E27FC236}">
-                <a16:creationId xmlns:a16="http://schemas.microsoft.com/office/drawing/2014/main" id="{CA2926EA-5B65-65B8-9385-57909250337D}"/>
-              </a:ext>
-            </a:extLst>
-          </p:cNvPr>
-          <p:cNvSpPr>
-            <a:spLocks noGrp="1"/>
-          </p:cNvSpPr>
-          <p:nvPr>
-            <p:ph idx="1"/>
-          </p:nvPr>
-        </p:nvSpPr>
-        <p:spPr/>
-        <p:txBody>
-          <a:bodyPr/>
-          <a:lstStyle/>
-          <a:p>
-            <a:endParaRPr lang="de-DE"/>
-          </a:p>
-        </p:txBody>
-      </p:sp>
-    </p:spTree>
-    <p:extLst>
-      <p:ext uri="{BB962C8B-B14F-4D97-AF65-F5344CB8AC3E}">
-        <p14:creationId xmlns:p14="http://schemas.microsoft.com/office/powerpoint/2010/main" val="3093946872"/>
       </p:ext>
     </p:extLst>
   </p:cSld>
@@ -15994,6 +15973,340 @@
 </file>
 
 <file path=ppt/slides/slide30.xml><?xml version="1.0" encoding="utf-8"?>
+<p:sld xmlns:a="http://schemas.openxmlformats.org/drawingml/2006/main" xmlns:r="http://schemas.openxmlformats.org/officeDocument/2006/relationships" xmlns:p="http://schemas.openxmlformats.org/presentationml/2006/main">
+  <p:cSld>
+    <p:spTree>
+      <p:nvGrpSpPr>
+        <p:cNvPr id="1" name=""/>
+        <p:cNvGrpSpPr/>
+        <p:nvPr/>
+      </p:nvGrpSpPr>
+      <p:grpSpPr>
+        <a:xfrm>
+          <a:off x="0" y="0"/>
+          <a:ext cx="0" cy="0"/>
+          <a:chOff x="0" y="0"/>
+          <a:chExt cx="0" cy="0"/>
+        </a:xfrm>
+      </p:grpSpPr>
+      <p:sp>
+        <p:nvSpPr>
+          <p:cNvPr id="2" name="Titel 1">
+            <a:extLst>
+              <a:ext uri="{FF2B5EF4-FFF2-40B4-BE49-F238E27FC236}">
+                <a16:creationId xmlns:a16="http://schemas.microsoft.com/office/drawing/2014/main" id="{A5225045-A0FD-3DF7-099F-579FBCECCFF1}"/>
+              </a:ext>
+            </a:extLst>
+          </p:cNvPr>
+          <p:cNvSpPr>
+            <a:spLocks noGrp="1"/>
+          </p:cNvSpPr>
+          <p:nvPr>
+            <p:ph type="title"/>
+          </p:nvPr>
+        </p:nvSpPr>
+        <p:spPr/>
+        <p:txBody>
+          <a:bodyPr/>
+          <a:lstStyle/>
+          <a:p>
+            <a:r>
+              <a:rPr lang="de-DE" dirty="0"/>
+              <a:t>Sources</a:t>
+            </a:r>
+          </a:p>
+        </p:txBody>
+      </p:sp>
+      <p:sp>
+        <p:nvSpPr>
+          <p:cNvPr id="3" name="Inhaltsplatzhalter 2">
+            <a:extLst>
+              <a:ext uri="{FF2B5EF4-FFF2-40B4-BE49-F238E27FC236}">
+                <a16:creationId xmlns:a16="http://schemas.microsoft.com/office/drawing/2014/main" id="{DA5C04F3-0A82-CF11-9007-272504D4A3F4}"/>
+              </a:ext>
+            </a:extLst>
+          </p:cNvPr>
+          <p:cNvSpPr>
+            <a:spLocks noGrp="1"/>
+          </p:cNvSpPr>
+          <p:nvPr>
+            <p:ph idx="1"/>
+          </p:nvPr>
+        </p:nvSpPr>
+        <p:spPr/>
+        <p:txBody>
+          <a:bodyPr>
+            <a:normAutofit/>
+          </a:bodyPr>
+          <a:lstStyle/>
+          <a:p>
+            <a:r>
+              <a:rPr lang="de-DE" sz="1400" dirty="0"/>
+              <a:t>Krähenmann, S., Walter, A., </a:t>
+            </a:r>
+            <a:r>
+              <a:rPr lang="de-DE" sz="1400" dirty="0" err="1"/>
+              <a:t>Brienen</a:t>
+            </a:r>
+            <a:r>
+              <a:rPr lang="de-DE" sz="1400" dirty="0"/>
+              <a:t>, S., </a:t>
+            </a:r>
+            <a:r>
+              <a:rPr lang="de-DE" sz="1400" dirty="0" err="1"/>
+              <a:t>Imbery</a:t>
+            </a:r>
+            <a:r>
+              <a:rPr lang="de-DE" sz="1400" dirty="0"/>
+              <a:t>, F., </a:t>
+            </a:r>
+            <a:r>
+              <a:rPr lang="de-DE" sz="1400" dirty="0" err="1"/>
+              <a:t>Matzarakis</a:t>
+            </a:r>
+            <a:r>
+              <a:rPr lang="de-DE" sz="1400" dirty="0"/>
+              <a:t>, A.: Stündliche Raster der Lufttemperatur für Deutschland (Projekt TRY-Weiterentwicklung), Version V001, DWD Climate Data Center (CDC), DOI:10.5676/DWD_CDC/TRY_Basis_v001, 2016</a:t>
+            </a:r>
+          </a:p>
+        </p:txBody>
+      </p:sp>
+    </p:spTree>
+    <p:extLst>
+      <p:ext uri="{BB962C8B-B14F-4D97-AF65-F5344CB8AC3E}">
+        <p14:creationId xmlns:p14="http://schemas.microsoft.com/office/powerpoint/2010/main" val="720390082"/>
+      </p:ext>
+    </p:extLst>
+  </p:cSld>
+  <p:clrMapOvr>
+    <a:masterClrMapping/>
+  </p:clrMapOvr>
+</p:sld>
+</file>
+
+<file path=ppt/slides/slide31.xml><?xml version="1.0" encoding="utf-8"?>
+<p:sld xmlns:a="http://schemas.openxmlformats.org/drawingml/2006/main" xmlns:r="http://schemas.openxmlformats.org/officeDocument/2006/relationships" xmlns:p="http://schemas.openxmlformats.org/presentationml/2006/main">
+  <p:cSld>
+    <p:spTree>
+      <p:nvGrpSpPr>
+        <p:cNvPr id="1" name=""/>
+        <p:cNvGrpSpPr/>
+        <p:nvPr/>
+      </p:nvGrpSpPr>
+      <p:grpSpPr>
+        <a:xfrm>
+          <a:off x="0" y="0"/>
+          <a:ext cx="0" cy="0"/>
+          <a:chOff x="0" y="0"/>
+          <a:chExt cx="0" cy="0"/>
+        </a:xfrm>
+      </p:grpSpPr>
+      <p:sp>
+        <p:nvSpPr>
+          <p:cNvPr id="2" name="Titel 1">
+            <a:extLst>
+              <a:ext uri="{FF2B5EF4-FFF2-40B4-BE49-F238E27FC236}">
+                <a16:creationId xmlns:a16="http://schemas.microsoft.com/office/drawing/2014/main" id="{85437B96-B329-E8B1-2D92-FDB5C9379DFA}"/>
+              </a:ext>
+            </a:extLst>
+          </p:cNvPr>
+          <p:cNvSpPr>
+            <a:spLocks noGrp="1"/>
+          </p:cNvSpPr>
+          <p:nvPr>
+            <p:ph type="title"/>
+          </p:nvPr>
+        </p:nvSpPr>
+        <p:spPr/>
+        <p:txBody>
+          <a:bodyPr/>
+          <a:lstStyle/>
+          <a:p>
+            <a:r>
+              <a:rPr lang="de-DE" dirty="0"/>
+              <a:t>3 </a:t>
+            </a:r>
+            <a:r>
+              <a:rPr lang="de-DE" dirty="0" err="1"/>
+              <a:t>questions</a:t>
+            </a:r>
+            <a:r>
+              <a:rPr lang="de-DE" dirty="0"/>
+              <a:t>, 4 </a:t>
+            </a:r>
+            <a:r>
+              <a:rPr lang="de-DE" dirty="0" err="1"/>
+              <a:t>answers</a:t>
+            </a:r>
+            <a:r>
+              <a:rPr lang="de-DE" dirty="0"/>
+              <a:t> </a:t>
+            </a:r>
+            <a:r>
+              <a:rPr lang="de-DE" dirty="0" err="1"/>
+              <a:t>each</a:t>
+            </a:r>
+            <a:endParaRPr lang="de-DE" dirty="0"/>
+          </a:p>
+        </p:txBody>
+      </p:sp>
+      <p:sp>
+        <p:nvSpPr>
+          <p:cNvPr id="3" name="Inhaltsplatzhalter 2">
+            <a:extLst>
+              <a:ext uri="{FF2B5EF4-FFF2-40B4-BE49-F238E27FC236}">
+                <a16:creationId xmlns:a16="http://schemas.microsoft.com/office/drawing/2014/main" id="{58894B4B-71B9-FA04-FAF3-B34C132CAC7A}"/>
+              </a:ext>
+            </a:extLst>
+          </p:cNvPr>
+          <p:cNvSpPr>
+            <a:spLocks noGrp="1"/>
+          </p:cNvSpPr>
+          <p:nvPr>
+            <p:ph idx="1"/>
+          </p:nvPr>
+        </p:nvSpPr>
+        <p:spPr/>
+        <p:txBody>
+          <a:bodyPr/>
+          <a:lstStyle/>
+          <a:p>
+            <a:pPr marL="0" indent="0">
+              <a:buNone/>
+            </a:pPr>
+            <a:endParaRPr lang="de-DE" dirty="0"/>
+          </a:p>
+        </p:txBody>
+      </p:sp>
+    </p:spTree>
+    <p:extLst>
+      <p:ext uri="{BB962C8B-B14F-4D97-AF65-F5344CB8AC3E}">
+        <p14:creationId xmlns:p14="http://schemas.microsoft.com/office/powerpoint/2010/main" val="185466658"/>
+      </p:ext>
+    </p:extLst>
+  </p:cSld>
+  <p:clrMapOvr>
+    <a:masterClrMapping/>
+  </p:clrMapOvr>
+</p:sld>
+</file>
+
+<file path=ppt/slides/slide32.xml><?xml version="1.0" encoding="utf-8"?>
+<p:sld xmlns:a="http://schemas.openxmlformats.org/drawingml/2006/main" xmlns:r="http://schemas.openxmlformats.org/officeDocument/2006/relationships" xmlns:p="http://schemas.openxmlformats.org/presentationml/2006/main">
+  <p:cSld>
+    <p:spTree>
+      <p:nvGrpSpPr>
+        <p:cNvPr id="1" name=""/>
+        <p:cNvGrpSpPr/>
+        <p:nvPr/>
+      </p:nvGrpSpPr>
+      <p:grpSpPr>
+        <a:xfrm>
+          <a:off x="0" y="0"/>
+          <a:ext cx="0" cy="0"/>
+          <a:chOff x="0" y="0"/>
+          <a:chExt cx="0" cy="0"/>
+        </a:xfrm>
+      </p:grpSpPr>
+      <p:sp>
+        <p:nvSpPr>
+          <p:cNvPr id="2" name="Titel 1">
+            <a:extLst>
+              <a:ext uri="{FF2B5EF4-FFF2-40B4-BE49-F238E27FC236}">
+                <a16:creationId xmlns:a16="http://schemas.microsoft.com/office/drawing/2014/main" id="{891552A5-145F-B5C0-E613-4206D744A58C}"/>
+              </a:ext>
+            </a:extLst>
+          </p:cNvPr>
+          <p:cNvSpPr>
+            <a:spLocks noGrp="1"/>
+          </p:cNvSpPr>
+          <p:nvPr>
+            <p:ph type="title"/>
+          </p:nvPr>
+        </p:nvSpPr>
+        <p:spPr/>
+        <p:txBody>
+          <a:bodyPr/>
+          <a:lstStyle/>
+          <a:p>
+            <a:r>
+              <a:rPr lang="de-DE" dirty="0"/>
+              <a:t>Do </a:t>
+            </a:r>
+            <a:r>
+              <a:rPr lang="de-DE" dirty="0" err="1"/>
+              <a:t>you</a:t>
+            </a:r>
+            <a:r>
+              <a:rPr lang="de-DE" dirty="0"/>
+              <a:t> </a:t>
+            </a:r>
+            <a:r>
+              <a:rPr lang="de-DE" dirty="0" err="1"/>
+              <a:t>have</a:t>
+            </a:r>
+            <a:r>
+              <a:rPr lang="de-DE" dirty="0"/>
+              <a:t> </a:t>
+            </a:r>
+            <a:r>
+              <a:rPr lang="de-DE" dirty="0" err="1"/>
+              <a:t>any</a:t>
+            </a:r>
+            <a:r>
+              <a:rPr lang="de-DE" dirty="0"/>
+              <a:t> </a:t>
+            </a:r>
+            <a:r>
+              <a:rPr lang="de-DE" dirty="0" err="1"/>
+              <a:t>questions</a:t>
+            </a:r>
+            <a:r>
+              <a:rPr lang="de-DE" dirty="0"/>
+              <a:t>?</a:t>
+            </a:r>
+          </a:p>
+        </p:txBody>
+      </p:sp>
+      <p:sp>
+        <p:nvSpPr>
+          <p:cNvPr id="3" name="Inhaltsplatzhalter 2">
+            <a:extLst>
+              <a:ext uri="{FF2B5EF4-FFF2-40B4-BE49-F238E27FC236}">
+                <a16:creationId xmlns:a16="http://schemas.microsoft.com/office/drawing/2014/main" id="{CA2926EA-5B65-65B8-9385-57909250337D}"/>
+              </a:ext>
+            </a:extLst>
+          </p:cNvPr>
+          <p:cNvSpPr>
+            <a:spLocks noGrp="1"/>
+          </p:cNvSpPr>
+          <p:nvPr>
+            <p:ph idx="1"/>
+          </p:nvPr>
+        </p:nvSpPr>
+        <p:spPr/>
+        <p:txBody>
+          <a:bodyPr/>
+          <a:lstStyle/>
+          <a:p>
+            <a:endParaRPr lang="de-DE"/>
+          </a:p>
+        </p:txBody>
+      </p:sp>
+    </p:spTree>
+    <p:extLst>
+      <p:ext uri="{BB962C8B-B14F-4D97-AF65-F5344CB8AC3E}">
+        <p14:creationId xmlns:p14="http://schemas.microsoft.com/office/powerpoint/2010/main" val="3093946872"/>
+      </p:ext>
+    </p:extLst>
+  </p:cSld>
+  <p:clrMapOvr>
+    <a:masterClrMapping/>
+  </p:clrMapOvr>
+</p:sld>
+</file>
+
+<file path=ppt/slides/slide33.xml><?xml version="1.0" encoding="utf-8"?>
 <p:sld xmlns:a="http://schemas.openxmlformats.org/drawingml/2006/main" xmlns:r="http://schemas.openxmlformats.org/officeDocument/2006/relationships" xmlns:p="http://schemas.openxmlformats.org/presentationml/2006/main">
   <p:cSld>
     <p:spTree>

--- a/presentation/heat.pptx
+++ b/presentation/heat.pptx
@@ -5,7 +5,7 @@
     <p:sldMasterId id="2147483648" r:id="rId1"/>
   </p:sldMasterIdLst>
   <p:notesMasterIdLst>
-    <p:notesMasterId r:id="rId35"/>
+    <p:notesMasterId r:id="rId37"/>
   </p:notesMasterIdLst>
   <p:sldIdLst>
     <p:sldId id="256" r:id="rId2"/>
@@ -27,20 +27,22 @@
     <p:sldId id="261" r:id="rId18"/>
     <p:sldId id="262" r:id="rId19"/>
     <p:sldId id="266" r:id="rId20"/>
-    <p:sldId id="283" r:id="rId21"/>
-    <p:sldId id="281" r:id="rId22"/>
-    <p:sldId id="284" r:id="rId23"/>
-    <p:sldId id="282" r:id="rId24"/>
-    <p:sldId id="286" r:id="rId25"/>
-    <p:sldId id="267" r:id="rId26"/>
-    <p:sldId id="287" r:id="rId27"/>
-    <p:sldId id="288" r:id="rId28"/>
-    <p:sldId id="285" r:id="rId29"/>
-    <p:sldId id="268" r:id="rId30"/>
-    <p:sldId id="263" r:id="rId31"/>
-    <p:sldId id="264" r:id="rId32"/>
-    <p:sldId id="269" r:id="rId33"/>
-    <p:sldId id="265" r:id="rId34"/>
+    <p:sldId id="289" r:id="rId21"/>
+    <p:sldId id="283" r:id="rId22"/>
+    <p:sldId id="281" r:id="rId23"/>
+    <p:sldId id="284" r:id="rId24"/>
+    <p:sldId id="282" r:id="rId25"/>
+    <p:sldId id="286" r:id="rId26"/>
+    <p:sldId id="267" r:id="rId27"/>
+    <p:sldId id="287" r:id="rId28"/>
+    <p:sldId id="290" r:id="rId29"/>
+    <p:sldId id="288" r:id="rId30"/>
+    <p:sldId id="285" r:id="rId31"/>
+    <p:sldId id="268" r:id="rId32"/>
+    <p:sldId id="263" r:id="rId33"/>
+    <p:sldId id="264" r:id="rId34"/>
+    <p:sldId id="269" r:id="rId35"/>
+    <p:sldId id="265" r:id="rId36"/>
   </p:sldIdLst>
   <p:sldSz cx="12192000" cy="6858000"/>
   <p:notesSz cx="6858000" cy="9144000"/>
@@ -13467,6 +13469,142 @@
       </p:grpSpPr>
       <p:sp>
         <p:nvSpPr>
+          <p:cNvPr id="2" name="Titel 1">
+            <a:extLst>
+              <a:ext uri="{FF2B5EF4-FFF2-40B4-BE49-F238E27FC236}">
+                <a16:creationId xmlns:a16="http://schemas.microsoft.com/office/drawing/2014/main" id="{EAE57090-E7C3-8281-5F1D-3731B4E232D4}"/>
+              </a:ext>
+            </a:extLst>
+          </p:cNvPr>
+          <p:cNvSpPr>
+            <a:spLocks noGrp="1"/>
+          </p:cNvSpPr>
+          <p:nvPr>
+            <p:ph type="title"/>
+          </p:nvPr>
+        </p:nvSpPr>
+        <p:spPr/>
+        <p:txBody>
+          <a:bodyPr/>
+          <a:lstStyle/>
+          <a:p>
+            <a:r>
+              <a:rPr lang="de-DE" dirty="0"/>
+              <a:t>2-3 </a:t>
+            </a:r>
+            <a:r>
+              <a:rPr lang="de-DE" dirty="0" err="1"/>
+              <a:t>days</a:t>
+            </a:r>
+            <a:r>
+              <a:rPr lang="de-DE" dirty="0"/>
+              <a:t> </a:t>
+            </a:r>
+            <a:r>
+              <a:rPr lang="de-DE" dirty="0" err="1"/>
+              <a:t>controller</a:t>
+            </a:r>
+            <a:endParaRPr lang="de-DE" dirty="0"/>
+          </a:p>
+        </p:txBody>
+      </p:sp>
+      <p:sp>
+        <p:nvSpPr>
+          <p:cNvPr id="3" name="Inhaltsplatzhalter 2">
+            <a:extLst>
+              <a:ext uri="{FF2B5EF4-FFF2-40B4-BE49-F238E27FC236}">
+                <a16:creationId xmlns:a16="http://schemas.microsoft.com/office/drawing/2014/main" id="{AC28220C-F583-2AF2-D585-B25AF01EDA3F}"/>
+              </a:ext>
+            </a:extLst>
+          </p:cNvPr>
+          <p:cNvSpPr>
+            <a:spLocks noGrp="1"/>
+          </p:cNvSpPr>
+          <p:nvPr>
+            <p:ph idx="1"/>
+          </p:nvPr>
+        </p:nvSpPr>
+        <p:spPr/>
+        <p:txBody>
+          <a:bodyPr/>
+          <a:lstStyle/>
+          <a:p>
+            <a:r>
+              <a:rPr lang="de-DE" dirty="0"/>
+              <a:t>Show </a:t>
+            </a:r>
+            <a:r>
+              <a:rPr lang="de-DE" dirty="0" err="1"/>
+              <a:t>actual</a:t>
+            </a:r>
+            <a:r>
+              <a:rPr lang="de-DE" dirty="0"/>
+              <a:t> </a:t>
+            </a:r>
+            <a:r>
+              <a:rPr lang="de-DE" dirty="0" err="1"/>
+              <a:t>room</a:t>
+            </a:r>
+            <a:r>
+              <a:rPr lang="de-DE" dirty="0"/>
+              <a:t> </a:t>
+            </a:r>
+            <a:r>
+              <a:rPr lang="de-DE" dirty="0" err="1"/>
+              <a:t>temperature</a:t>
+            </a:r>
+            <a:r>
+              <a:rPr lang="de-DE" dirty="0"/>
+              <a:t> and </a:t>
+            </a:r>
+            <a:r>
+              <a:rPr lang="de-DE" dirty="0" err="1"/>
+              <a:t>set</a:t>
+            </a:r>
+            <a:r>
+              <a:rPr lang="de-DE" dirty="0"/>
+              <a:t> </a:t>
+            </a:r>
+            <a:r>
+              <a:rPr lang="de-DE" dirty="0" err="1"/>
+              <a:t>temperature</a:t>
+            </a:r>
+            <a:endParaRPr lang="de-DE" dirty="0"/>
+          </a:p>
+        </p:txBody>
+      </p:sp>
+    </p:spTree>
+    <p:extLst>
+      <p:ext uri="{BB962C8B-B14F-4D97-AF65-F5344CB8AC3E}">
+        <p14:creationId xmlns:p14="http://schemas.microsoft.com/office/powerpoint/2010/main" val="3691806783"/>
+      </p:ext>
+    </p:extLst>
+  </p:cSld>
+  <p:clrMapOvr>
+    <a:masterClrMapping/>
+  </p:clrMapOvr>
+</p:sld>
+</file>
+
+<file path=ppt/slides/slide21.xml><?xml version="1.0" encoding="utf-8"?>
+<p:sld xmlns:a="http://schemas.openxmlformats.org/drawingml/2006/main" xmlns:r="http://schemas.openxmlformats.org/officeDocument/2006/relationships" xmlns:p="http://schemas.openxmlformats.org/presentationml/2006/main">
+  <p:cSld>
+    <p:spTree>
+      <p:nvGrpSpPr>
+        <p:cNvPr id="1" name=""/>
+        <p:cNvGrpSpPr/>
+        <p:nvPr/>
+      </p:nvGrpSpPr>
+      <p:grpSpPr>
+        <a:xfrm>
+          <a:off x="0" y="0"/>
+          <a:ext cx="0" cy="0"/>
+          <a:chOff x="0" y="0"/>
+          <a:chExt cx="0" cy="0"/>
+        </a:xfrm>
+      </p:grpSpPr>
+      <p:sp>
+        <p:nvSpPr>
           <p:cNvPr id="2" name="Title 1">
             <a:extLst>
               <a:ext uri="{FF2B5EF4-FFF2-40B4-BE49-F238E27FC236}">
@@ -13665,7 +13803,7 @@
 </p:sld>
 </file>
 
-<file path=ppt/slides/slide21.xml><?xml version="1.0" encoding="utf-8"?>
+<file path=ppt/slides/slide22.xml><?xml version="1.0" encoding="utf-8"?>
 <p:sld xmlns:a="http://schemas.openxmlformats.org/drawingml/2006/main" xmlns:r="http://schemas.openxmlformats.org/officeDocument/2006/relationships" xmlns:p="http://schemas.openxmlformats.org/presentationml/2006/main">
   <p:cSld>
     <p:spTree>
@@ -14152,7 +14290,7 @@
 </p:sld>
 </file>
 
-<file path=ppt/slides/slide22.xml><?xml version="1.0" encoding="utf-8"?>
+<file path=ppt/slides/slide23.xml><?xml version="1.0" encoding="utf-8"?>
 <p:sld xmlns:a="http://schemas.openxmlformats.org/drawingml/2006/main" xmlns:r="http://schemas.openxmlformats.org/officeDocument/2006/relationships" xmlns:p="http://schemas.openxmlformats.org/presentationml/2006/main">
   <p:cSld>
     <p:spTree>
@@ -14642,7 +14780,7 @@
 </p:sld>
 </file>
 
-<file path=ppt/slides/slide23.xml><?xml version="1.0" encoding="utf-8"?>
+<file path=ppt/slides/slide24.xml><?xml version="1.0" encoding="utf-8"?>
 <p:sld xmlns:a="http://schemas.openxmlformats.org/drawingml/2006/main" xmlns:r="http://schemas.openxmlformats.org/officeDocument/2006/relationships" xmlns:p="http://schemas.openxmlformats.org/presentationml/2006/main">
   <p:cSld>
     <p:spTree>
@@ -15053,7 +15191,7 @@
 </p:sld>
 </file>
 
-<file path=ppt/slides/slide24.xml><?xml version="1.0" encoding="utf-8"?>
+<file path=ppt/slides/slide25.xml><?xml version="1.0" encoding="utf-8"?>
 <p:sld xmlns:a="http://schemas.openxmlformats.org/drawingml/2006/main" xmlns:r="http://schemas.openxmlformats.org/officeDocument/2006/relationships" xmlns:p="http://schemas.openxmlformats.org/presentationml/2006/main">
   <p:cSld>
     <p:spTree>
@@ -15157,7 +15295,7 @@
 </p:sld>
 </file>
 
-<file path=ppt/slides/slide25.xml><?xml version="1.0" encoding="utf-8"?>
+<file path=ppt/slides/slide26.xml><?xml version="1.0" encoding="utf-8"?>
 <p:sld xmlns:a="http://schemas.openxmlformats.org/drawingml/2006/main" xmlns:r="http://schemas.openxmlformats.org/officeDocument/2006/relationships" xmlns:p="http://schemas.openxmlformats.org/presentationml/2006/main">
   <p:cSld>
     <p:spTree>
@@ -15460,7 +15598,7 @@
 </p:sld>
 </file>
 
-<file path=ppt/slides/slide26.xml><?xml version="1.0" encoding="utf-8"?>
+<file path=ppt/slides/slide27.xml><?xml version="1.0" encoding="utf-8"?>
 <p:sld xmlns:a="http://schemas.openxmlformats.org/drawingml/2006/main" xmlns:r="http://schemas.openxmlformats.org/officeDocument/2006/relationships" xmlns:p="http://schemas.openxmlformats.org/presentationml/2006/main">
   <p:cSld>
     <p:spTree>
@@ -15559,7 +15697,266 @@
 </p:sld>
 </file>
 
-<file path=ppt/slides/slide27.xml><?xml version="1.0" encoding="utf-8"?>
+<file path=ppt/slides/slide28.xml><?xml version="1.0" encoding="utf-8"?>
+<p:sld xmlns:a="http://schemas.openxmlformats.org/drawingml/2006/main" xmlns:r="http://schemas.openxmlformats.org/officeDocument/2006/relationships" xmlns:p="http://schemas.openxmlformats.org/presentationml/2006/main">
+  <p:cSld>
+    <p:spTree>
+      <p:nvGrpSpPr>
+        <p:cNvPr id="1" name=""/>
+        <p:cNvGrpSpPr/>
+        <p:nvPr/>
+      </p:nvGrpSpPr>
+      <p:grpSpPr>
+        <a:xfrm>
+          <a:off x="0" y="0"/>
+          <a:ext cx="0" cy="0"/>
+          <a:chOff x="0" y="0"/>
+          <a:chExt cx="0" cy="0"/>
+        </a:xfrm>
+      </p:grpSpPr>
+      <p:sp>
+        <p:nvSpPr>
+          <p:cNvPr id="2" name="Titel 1">
+            <a:extLst>
+              <a:ext uri="{FF2B5EF4-FFF2-40B4-BE49-F238E27FC236}">
+                <a16:creationId xmlns:a16="http://schemas.microsoft.com/office/drawing/2014/main" id="{737BB236-F8F6-14AC-4402-E376BEBFCE04}"/>
+              </a:ext>
+            </a:extLst>
+          </p:cNvPr>
+          <p:cNvSpPr>
+            <a:spLocks noGrp="1"/>
+          </p:cNvSpPr>
+          <p:nvPr>
+            <p:ph type="title"/>
+          </p:nvPr>
+        </p:nvSpPr>
+        <p:spPr/>
+        <p:txBody>
+          <a:bodyPr/>
+          <a:lstStyle/>
+          <a:p>
+            <a:r>
+              <a:rPr lang="de-DE" dirty="0" err="1"/>
+              <a:t>Compare</a:t>
+            </a:r>
+            <a:r>
+              <a:rPr lang="de-DE" dirty="0"/>
+              <a:t> </a:t>
+            </a:r>
+            <a:r>
+              <a:rPr lang="de-DE" dirty="0" err="1"/>
+              <a:t>nightsetback</a:t>
+            </a:r>
+            <a:r>
+              <a:rPr lang="de-DE" dirty="0"/>
+              <a:t> </a:t>
+            </a:r>
+            <a:r>
+              <a:rPr lang="de-DE" dirty="0" err="1"/>
+              <a:t>of</a:t>
+            </a:r>
+            <a:r>
+              <a:rPr lang="de-DE" dirty="0"/>
+              <a:t> </a:t>
+            </a:r>
+            <a:r>
+              <a:rPr lang="de-DE" dirty="0" err="1"/>
+              <a:t>new</a:t>
+            </a:r>
+            <a:r>
+              <a:rPr lang="de-DE" dirty="0"/>
+              <a:t> </a:t>
+            </a:r>
+            <a:r>
+              <a:rPr lang="de-DE" dirty="0" err="1"/>
+              <a:t>house</a:t>
+            </a:r>
+            <a:r>
+              <a:rPr lang="de-DE" dirty="0"/>
+              <a:t> and </a:t>
+            </a:r>
+            <a:r>
+              <a:rPr lang="de-DE" dirty="0" err="1"/>
+              <a:t>old</a:t>
+            </a:r>
+            <a:r>
+              <a:rPr lang="de-DE" dirty="0"/>
+              <a:t> </a:t>
+            </a:r>
+            <a:r>
+              <a:rPr lang="de-DE" dirty="0" err="1"/>
+              <a:t>house</a:t>
+            </a:r>
+            <a:endParaRPr lang="de-DE" dirty="0"/>
+          </a:p>
+        </p:txBody>
+      </p:sp>
+      <p:sp>
+        <p:nvSpPr>
+          <p:cNvPr id="3" name="Inhaltsplatzhalter 2">
+            <a:extLst>
+              <a:ext uri="{FF2B5EF4-FFF2-40B4-BE49-F238E27FC236}">
+                <a16:creationId xmlns:a16="http://schemas.microsoft.com/office/drawing/2014/main" id="{18A71CA4-3325-5382-8045-286F356428CE}"/>
+              </a:ext>
+            </a:extLst>
+          </p:cNvPr>
+          <p:cNvSpPr>
+            <a:spLocks noGrp="1"/>
+          </p:cNvSpPr>
+          <p:nvPr>
+            <p:ph idx="1"/>
+          </p:nvPr>
+        </p:nvSpPr>
+        <p:spPr/>
+        <p:txBody>
+          <a:bodyPr/>
+          <a:lstStyle/>
+          <a:p>
+            <a:r>
+              <a:rPr lang="de-DE" dirty="0" err="1"/>
+              <a:t>Nightsetback</a:t>
+            </a:r>
+            <a:r>
+              <a:rPr lang="de-DE" dirty="0"/>
+              <a:t> in </a:t>
+            </a:r>
+            <a:r>
+              <a:rPr lang="de-DE" dirty="0" err="1"/>
+              <a:t>new</a:t>
+            </a:r>
+            <a:r>
+              <a:rPr lang="de-DE" dirty="0"/>
+              <a:t> </a:t>
+            </a:r>
+            <a:r>
+              <a:rPr lang="de-DE" dirty="0" err="1"/>
+              <a:t>houses</a:t>
+            </a:r>
+            <a:r>
+              <a:rPr lang="de-DE" dirty="0"/>
+              <a:t> </a:t>
+            </a:r>
+            <a:r>
+              <a:rPr lang="de-DE" dirty="0" err="1"/>
+              <a:t>might</a:t>
+            </a:r>
+            <a:r>
+              <a:rPr lang="de-DE" dirty="0"/>
+              <a:t> not </a:t>
+            </a:r>
+            <a:r>
+              <a:rPr lang="de-DE" dirty="0" err="1"/>
+              <a:t>be</a:t>
+            </a:r>
+            <a:r>
+              <a:rPr lang="de-DE" dirty="0"/>
+              <a:t> </a:t>
+            </a:r>
+            <a:r>
+              <a:rPr lang="de-DE" dirty="0" err="1"/>
+              <a:t>very</a:t>
+            </a:r>
+            <a:r>
+              <a:rPr lang="de-DE" dirty="0"/>
+              <a:t> </a:t>
+            </a:r>
+            <a:r>
+              <a:rPr lang="de-DE" dirty="0" err="1"/>
+              <a:t>useful</a:t>
+            </a:r>
+            <a:r>
+              <a:rPr lang="de-DE" dirty="0"/>
+              <a:t> (</a:t>
+            </a:r>
+            <a:r>
+              <a:rPr lang="de-DE" dirty="0" err="1"/>
+              <a:t>temp</a:t>
+            </a:r>
+            <a:r>
+              <a:rPr lang="de-DE" dirty="0"/>
+              <a:t>. </a:t>
+            </a:r>
+            <a:r>
+              <a:rPr lang="de-DE" dirty="0" err="1"/>
+              <a:t>Difference</a:t>
+            </a:r>
+            <a:r>
+              <a:rPr lang="de-DE" dirty="0"/>
+              <a:t> </a:t>
+            </a:r>
+            <a:r>
+              <a:rPr lang="de-DE" dirty="0" err="1"/>
+              <a:t>stays</a:t>
+            </a:r>
+            <a:r>
+              <a:rPr lang="de-DE" dirty="0"/>
+              <a:t> </a:t>
+            </a:r>
+            <a:r>
+              <a:rPr lang="de-DE" dirty="0" err="1"/>
+              <a:t>the</a:t>
+            </a:r>
+            <a:r>
+              <a:rPr lang="de-DE" dirty="0"/>
+              <a:t> same </a:t>
+            </a:r>
+            <a:r>
+              <a:rPr lang="de-DE" dirty="0" err="1"/>
+              <a:t>longer</a:t>
+            </a:r>
+            <a:r>
+              <a:rPr lang="de-DE" dirty="0"/>
+              <a:t> -&gt; </a:t>
+            </a:r>
+            <a:r>
+              <a:rPr lang="de-DE" dirty="0" err="1"/>
+              <a:t>far</a:t>
+            </a:r>
+            <a:r>
+              <a:rPr lang="de-DE" dirty="0"/>
+              <a:t> </a:t>
+            </a:r>
+            <a:r>
+              <a:rPr lang="de-DE" dirty="0" err="1"/>
+              <a:t>less</a:t>
+            </a:r>
+            <a:r>
+              <a:rPr lang="de-DE" dirty="0"/>
+              <a:t> </a:t>
+            </a:r>
+            <a:r>
+              <a:rPr lang="de-DE" dirty="0" err="1"/>
+              <a:t>savings</a:t>
+            </a:r>
+            <a:r>
+              <a:rPr lang="de-DE" dirty="0"/>
+              <a:t> in </a:t>
+            </a:r>
+            <a:r>
+              <a:rPr lang="de-DE" dirty="0" err="1"/>
+              <a:t>comparism</a:t>
+            </a:r>
+            <a:r>
+              <a:rPr lang="de-DE" dirty="0"/>
+              <a:t>)</a:t>
+            </a:r>
+          </a:p>
+        </p:txBody>
+      </p:sp>
+    </p:spTree>
+    <p:extLst>
+      <p:ext uri="{BB962C8B-B14F-4D97-AF65-F5344CB8AC3E}">
+        <p14:creationId xmlns:p14="http://schemas.microsoft.com/office/powerpoint/2010/main" val="3483827780"/>
+      </p:ext>
+    </p:extLst>
+  </p:cSld>
+  <p:clrMapOvr>
+    <a:masterClrMapping/>
+  </p:clrMapOvr>
+</p:sld>
+</file>
+
+<file path=ppt/slides/slide29.xml><?xml version="1.0" encoding="utf-8"?>
 <p:sld xmlns:a="http://schemas.openxmlformats.org/drawingml/2006/main" xmlns:r="http://schemas.openxmlformats.org/officeDocument/2006/relationships" xmlns:p="http://schemas.openxmlformats.org/presentationml/2006/main">
   <p:cSld>
     <p:spTree>
@@ -15598,31 +15995,31 @@
           <a:lstStyle/>
           <a:p>
             <a:r>
-              <a:rPr lang="de-DE" dirty="0"/>
+              <a:rPr lang="de-DE" strike="sngStrike" dirty="0"/>
               <a:t>2016 </a:t>
             </a:r>
             <a:r>
-              <a:rPr lang="de-DE" dirty="0" err="1"/>
+              <a:rPr lang="de-DE" strike="sngStrike" dirty="0" err="1"/>
               <a:t>with</a:t>
             </a:r>
             <a:r>
-              <a:rPr lang="de-DE" dirty="0"/>
-              <a:t> </a:t>
-            </a:r>
-            <a:r>
-              <a:rPr lang="de-DE" dirty="0" err="1"/>
+              <a:rPr lang="de-DE" strike="sngStrike" dirty="0"/>
+              <a:t> </a:t>
+            </a:r>
+            <a:r>
+              <a:rPr lang="de-DE" strike="sngStrike" dirty="0" err="1"/>
               <a:t>other</a:t>
             </a:r>
             <a:r>
-              <a:rPr lang="de-DE" dirty="0"/>
-              <a:t> </a:t>
-            </a:r>
-            <a:r>
-              <a:rPr lang="de-DE" dirty="0" err="1"/>
+              <a:rPr lang="de-DE" strike="sngStrike" dirty="0"/>
+              <a:t> </a:t>
+            </a:r>
+            <a:r>
+              <a:rPr lang="de-DE" strike="sngStrike" dirty="0" err="1"/>
               <a:t>heat</a:t>
             </a:r>
             <a:r>
-              <a:rPr lang="de-DE" dirty="0"/>
+              <a:rPr lang="de-DE" strike="sngStrike" dirty="0"/>
               <a:t> pump</a:t>
             </a:r>
           </a:p>
@@ -15649,7 +16046,27 @@
           <a:bodyPr/>
           <a:lstStyle/>
           <a:p>
-            <a:endParaRPr lang="de-DE"/>
+            <a:r>
+              <a:rPr lang="de-DE" dirty="0" err="1"/>
+              <a:t>Too</a:t>
+            </a:r>
+            <a:r>
+              <a:rPr lang="de-DE" dirty="0"/>
+              <a:t> </a:t>
+            </a:r>
+            <a:r>
+              <a:rPr lang="de-DE" dirty="0" err="1"/>
+              <a:t>much</a:t>
+            </a:r>
+            <a:r>
+              <a:rPr lang="de-DE" dirty="0"/>
+              <a:t> </a:t>
+            </a:r>
+            <a:r>
+              <a:rPr lang="de-DE" dirty="0" err="1"/>
+              <a:t>work</a:t>
+            </a:r>
+            <a:endParaRPr lang="de-DE" dirty="0"/>
           </a:p>
         </p:txBody>
       </p:sp>
@@ -15657,192 +16074,6 @@
     <p:extLst>
       <p:ext uri="{BB962C8B-B14F-4D97-AF65-F5344CB8AC3E}">
         <p14:creationId xmlns:p14="http://schemas.microsoft.com/office/powerpoint/2010/main" val="2167273478"/>
-      </p:ext>
-    </p:extLst>
-  </p:cSld>
-  <p:clrMapOvr>
-    <a:masterClrMapping/>
-  </p:clrMapOvr>
-</p:sld>
-</file>
-
-<file path=ppt/slides/slide28.xml><?xml version="1.0" encoding="utf-8"?>
-<p:sld xmlns:a="http://schemas.openxmlformats.org/drawingml/2006/main" xmlns:r="http://schemas.openxmlformats.org/officeDocument/2006/relationships" xmlns:p="http://schemas.openxmlformats.org/presentationml/2006/main">
-  <p:cSld>
-    <p:spTree>
-      <p:nvGrpSpPr>
-        <p:cNvPr id="1" name=""/>
-        <p:cNvGrpSpPr/>
-        <p:nvPr/>
-      </p:nvGrpSpPr>
-      <p:grpSpPr>
-        <a:xfrm>
-          <a:off x="0" y="0"/>
-          <a:ext cx="0" cy="0"/>
-          <a:chOff x="0" y="0"/>
-          <a:chExt cx="0" cy="0"/>
-        </a:xfrm>
-      </p:grpSpPr>
-      <p:sp>
-        <p:nvSpPr>
-          <p:cNvPr id="2" name="Title 1">
-            <a:extLst>
-              <a:ext uri="{FF2B5EF4-FFF2-40B4-BE49-F238E27FC236}">
-                <a16:creationId xmlns:a16="http://schemas.microsoft.com/office/drawing/2014/main" id="{EDAD4908-7DC4-F6F1-8CB6-D90C853C1499}"/>
-              </a:ext>
-            </a:extLst>
-          </p:cNvPr>
-          <p:cNvSpPr>
-            <a:spLocks noGrp="1"/>
-          </p:cNvSpPr>
-          <p:nvPr>
-            <p:ph type="title"/>
-          </p:nvPr>
-        </p:nvSpPr>
-        <p:spPr/>
-        <p:txBody>
-          <a:bodyPr/>
-          <a:lstStyle/>
-          <a:p>
-            <a:r>
-              <a:rPr lang="de-DE"/>
-              <a:t>Conclusions</a:t>
-            </a:r>
-          </a:p>
-        </p:txBody>
-      </p:sp>
-      <p:sp>
-        <p:nvSpPr>
-          <p:cNvPr id="3" name="Content Placeholder 2">
-            <a:extLst>
-              <a:ext uri="{FF2B5EF4-FFF2-40B4-BE49-F238E27FC236}">
-                <a16:creationId xmlns:a16="http://schemas.microsoft.com/office/drawing/2014/main" id="{60206787-A2B0-E3BC-BEAC-110650D1DF39}"/>
-              </a:ext>
-            </a:extLst>
-          </p:cNvPr>
-          <p:cNvSpPr>
-            <a:spLocks noGrp="1"/>
-          </p:cNvSpPr>
-          <p:nvPr>
-            <p:ph idx="1"/>
-          </p:nvPr>
-        </p:nvSpPr>
-        <p:spPr/>
-        <p:txBody>
-          <a:bodyPr/>
-          <a:lstStyle/>
-          <a:p>
-            <a:endParaRPr lang="de-DE"/>
-          </a:p>
-        </p:txBody>
-      </p:sp>
-    </p:spTree>
-    <p:extLst>
-      <p:ext uri="{BB962C8B-B14F-4D97-AF65-F5344CB8AC3E}">
-        <p14:creationId xmlns:p14="http://schemas.microsoft.com/office/powerpoint/2010/main" val="2874238928"/>
-      </p:ext>
-    </p:extLst>
-  </p:cSld>
-  <p:clrMapOvr>
-    <a:masterClrMapping/>
-  </p:clrMapOvr>
-</p:sld>
-</file>
-
-<file path=ppt/slides/slide29.xml><?xml version="1.0" encoding="utf-8"?>
-<p:sld xmlns:a="http://schemas.openxmlformats.org/drawingml/2006/main" xmlns:r="http://schemas.openxmlformats.org/officeDocument/2006/relationships" xmlns:p="http://schemas.openxmlformats.org/presentationml/2006/main">
-  <p:cSld>
-    <p:spTree>
-      <p:nvGrpSpPr>
-        <p:cNvPr id="1" name=""/>
-        <p:cNvGrpSpPr/>
-        <p:nvPr/>
-      </p:nvGrpSpPr>
-      <p:grpSpPr>
-        <a:xfrm>
-          <a:off x="0" y="0"/>
-          <a:ext cx="0" cy="0"/>
-          <a:chOff x="0" y="0"/>
-          <a:chExt cx="0" cy="0"/>
-        </a:xfrm>
-      </p:grpSpPr>
-      <p:sp>
-        <p:nvSpPr>
-          <p:cNvPr id="2" name="Titel 1">
-            <a:extLst>
-              <a:ext uri="{FF2B5EF4-FFF2-40B4-BE49-F238E27FC236}">
-                <a16:creationId xmlns:a16="http://schemas.microsoft.com/office/drawing/2014/main" id="{096F9004-4F70-3AC5-5BB5-F5038F3D266C}"/>
-              </a:ext>
-            </a:extLst>
-          </p:cNvPr>
-          <p:cNvSpPr>
-            <a:spLocks noGrp="1"/>
-          </p:cNvSpPr>
-          <p:nvPr>
-            <p:ph type="title"/>
-          </p:nvPr>
-        </p:nvSpPr>
-        <p:spPr/>
-        <p:txBody>
-          <a:bodyPr/>
-          <a:lstStyle/>
-          <a:p>
-            <a:r>
-              <a:rPr lang="de-DE" dirty="0" err="1"/>
-              <a:t>Thanks</a:t>
-            </a:r>
-            <a:r>
-              <a:rPr lang="de-DE" dirty="0"/>
-              <a:t> </a:t>
-            </a:r>
-            <a:r>
-              <a:rPr lang="de-DE" dirty="0" err="1"/>
-              <a:t>for</a:t>
-            </a:r>
-            <a:r>
-              <a:rPr lang="de-DE" dirty="0"/>
-              <a:t> </a:t>
-            </a:r>
-            <a:r>
-              <a:rPr lang="de-DE" dirty="0" err="1"/>
-              <a:t>listening</a:t>
-            </a:r>
-            <a:r>
-              <a:rPr lang="de-DE" dirty="0"/>
-              <a:t>!</a:t>
-            </a:r>
-          </a:p>
-        </p:txBody>
-      </p:sp>
-      <p:sp>
-        <p:nvSpPr>
-          <p:cNvPr id="3" name="Inhaltsplatzhalter 2">
-            <a:extLst>
-              <a:ext uri="{FF2B5EF4-FFF2-40B4-BE49-F238E27FC236}">
-                <a16:creationId xmlns:a16="http://schemas.microsoft.com/office/drawing/2014/main" id="{018BBF5D-17DA-1EF5-D6FB-A2E3C322C5D8}"/>
-              </a:ext>
-            </a:extLst>
-          </p:cNvPr>
-          <p:cNvSpPr>
-            <a:spLocks noGrp="1"/>
-          </p:cNvSpPr>
-          <p:nvPr>
-            <p:ph idx="1"/>
-          </p:nvPr>
-        </p:nvSpPr>
-        <p:spPr/>
-        <p:txBody>
-          <a:bodyPr/>
-          <a:lstStyle/>
-          <a:p>
-            <a:endParaRPr lang="de-DE"/>
-          </a:p>
-        </p:txBody>
-      </p:sp>
-    </p:spTree>
-    <p:extLst>
-      <p:ext uri="{BB962C8B-B14F-4D97-AF65-F5344CB8AC3E}">
-        <p14:creationId xmlns:p14="http://schemas.microsoft.com/office/powerpoint/2010/main" val="3090738218"/>
       </p:ext>
     </p:extLst>
   </p:cSld>
@@ -15991,6 +16222,192 @@
       </p:grpSpPr>
       <p:sp>
         <p:nvSpPr>
+          <p:cNvPr id="2" name="Title 1">
+            <a:extLst>
+              <a:ext uri="{FF2B5EF4-FFF2-40B4-BE49-F238E27FC236}">
+                <a16:creationId xmlns:a16="http://schemas.microsoft.com/office/drawing/2014/main" id="{EDAD4908-7DC4-F6F1-8CB6-D90C853C1499}"/>
+              </a:ext>
+            </a:extLst>
+          </p:cNvPr>
+          <p:cNvSpPr>
+            <a:spLocks noGrp="1"/>
+          </p:cNvSpPr>
+          <p:nvPr>
+            <p:ph type="title"/>
+          </p:nvPr>
+        </p:nvSpPr>
+        <p:spPr/>
+        <p:txBody>
+          <a:bodyPr/>
+          <a:lstStyle/>
+          <a:p>
+            <a:r>
+              <a:rPr lang="de-DE"/>
+              <a:t>Conclusions</a:t>
+            </a:r>
+          </a:p>
+        </p:txBody>
+      </p:sp>
+      <p:sp>
+        <p:nvSpPr>
+          <p:cNvPr id="3" name="Content Placeholder 2">
+            <a:extLst>
+              <a:ext uri="{FF2B5EF4-FFF2-40B4-BE49-F238E27FC236}">
+                <a16:creationId xmlns:a16="http://schemas.microsoft.com/office/drawing/2014/main" id="{60206787-A2B0-E3BC-BEAC-110650D1DF39}"/>
+              </a:ext>
+            </a:extLst>
+          </p:cNvPr>
+          <p:cNvSpPr>
+            <a:spLocks noGrp="1"/>
+          </p:cNvSpPr>
+          <p:nvPr>
+            <p:ph idx="1"/>
+          </p:nvPr>
+        </p:nvSpPr>
+        <p:spPr/>
+        <p:txBody>
+          <a:bodyPr/>
+          <a:lstStyle/>
+          <a:p>
+            <a:endParaRPr lang="de-DE"/>
+          </a:p>
+        </p:txBody>
+      </p:sp>
+    </p:spTree>
+    <p:extLst>
+      <p:ext uri="{BB962C8B-B14F-4D97-AF65-F5344CB8AC3E}">
+        <p14:creationId xmlns:p14="http://schemas.microsoft.com/office/powerpoint/2010/main" val="2874238928"/>
+      </p:ext>
+    </p:extLst>
+  </p:cSld>
+  <p:clrMapOvr>
+    <a:masterClrMapping/>
+  </p:clrMapOvr>
+</p:sld>
+</file>
+
+<file path=ppt/slides/slide31.xml><?xml version="1.0" encoding="utf-8"?>
+<p:sld xmlns:a="http://schemas.openxmlformats.org/drawingml/2006/main" xmlns:r="http://schemas.openxmlformats.org/officeDocument/2006/relationships" xmlns:p="http://schemas.openxmlformats.org/presentationml/2006/main">
+  <p:cSld>
+    <p:spTree>
+      <p:nvGrpSpPr>
+        <p:cNvPr id="1" name=""/>
+        <p:cNvGrpSpPr/>
+        <p:nvPr/>
+      </p:nvGrpSpPr>
+      <p:grpSpPr>
+        <a:xfrm>
+          <a:off x="0" y="0"/>
+          <a:ext cx="0" cy="0"/>
+          <a:chOff x="0" y="0"/>
+          <a:chExt cx="0" cy="0"/>
+        </a:xfrm>
+      </p:grpSpPr>
+      <p:sp>
+        <p:nvSpPr>
+          <p:cNvPr id="2" name="Titel 1">
+            <a:extLst>
+              <a:ext uri="{FF2B5EF4-FFF2-40B4-BE49-F238E27FC236}">
+                <a16:creationId xmlns:a16="http://schemas.microsoft.com/office/drawing/2014/main" id="{096F9004-4F70-3AC5-5BB5-F5038F3D266C}"/>
+              </a:ext>
+            </a:extLst>
+          </p:cNvPr>
+          <p:cNvSpPr>
+            <a:spLocks noGrp="1"/>
+          </p:cNvSpPr>
+          <p:nvPr>
+            <p:ph type="title"/>
+          </p:nvPr>
+        </p:nvSpPr>
+        <p:spPr/>
+        <p:txBody>
+          <a:bodyPr/>
+          <a:lstStyle/>
+          <a:p>
+            <a:r>
+              <a:rPr lang="de-DE" dirty="0" err="1"/>
+              <a:t>Thanks</a:t>
+            </a:r>
+            <a:r>
+              <a:rPr lang="de-DE" dirty="0"/>
+              <a:t> </a:t>
+            </a:r>
+            <a:r>
+              <a:rPr lang="de-DE" dirty="0" err="1"/>
+              <a:t>for</a:t>
+            </a:r>
+            <a:r>
+              <a:rPr lang="de-DE" dirty="0"/>
+              <a:t> </a:t>
+            </a:r>
+            <a:r>
+              <a:rPr lang="de-DE" dirty="0" err="1"/>
+              <a:t>listening</a:t>
+            </a:r>
+            <a:r>
+              <a:rPr lang="de-DE" dirty="0"/>
+              <a:t>!</a:t>
+            </a:r>
+          </a:p>
+        </p:txBody>
+      </p:sp>
+      <p:sp>
+        <p:nvSpPr>
+          <p:cNvPr id="3" name="Inhaltsplatzhalter 2">
+            <a:extLst>
+              <a:ext uri="{FF2B5EF4-FFF2-40B4-BE49-F238E27FC236}">
+                <a16:creationId xmlns:a16="http://schemas.microsoft.com/office/drawing/2014/main" id="{018BBF5D-17DA-1EF5-D6FB-A2E3C322C5D8}"/>
+              </a:ext>
+            </a:extLst>
+          </p:cNvPr>
+          <p:cNvSpPr>
+            <a:spLocks noGrp="1"/>
+          </p:cNvSpPr>
+          <p:nvPr>
+            <p:ph idx="1"/>
+          </p:nvPr>
+        </p:nvSpPr>
+        <p:spPr/>
+        <p:txBody>
+          <a:bodyPr/>
+          <a:lstStyle/>
+          <a:p>
+            <a:endParaRPr lang="de-DE"/>
+          </a:p>
+        </p:txBody>
+      </p:sp>
+    </p:spTree>
+    <p:extLst>
+      <p:ext uri="{BB962C8B-B14F-4D97-AF65-F5344CB8AC3E}">
+        <p14:creationId xmlns:p14="http://schemas.microsoft.com/office/powerpoint/2010/main" val="3090738218"/>
+      </p:ext>
+    </p:extLst>
+  </p:cSld>
+  <p:clrMapOvr>
+    <a:masterClrMapping/>
+  </p:clrMapOvr>
+</p:sld>
+</file>
+
+<file path=ppt/slides/slide32.xml><?xml version="1.0" encoding="utf-8"?>
+<p:sld xmlns:a="http://schemas.openxmlformats.org/drawingml/2006/main" xmlns:r="http://schemas.openxmlformats.org/officeDocument/2006/relationships" xmlns:p="http://schemas.openxmlformats.org/presentationml/2006/main">
+  <p:cSld>
+    <p:spTree>
+      <p:nvGrpSpPr>
+        <p:cNvPr id="1" name=""/>
+        <p:cNvGrpSpPr/>
+        <p:nvPr/>
+      </p:nvGrpSpPr>
+      <p:grpSpPr>
+        <a:xfrm>
+          <a:off x="0" y="0"/>
+          <a:ext cx="0" cy="0"/>
+          <a:chOff x="0" y="0"/>
+          <a:chExt cx="0" cy="0"/>
+        </a:xfrm>
+      </p:grpSpPr>
+      <p:sp>
+        <p:nvSpPr>
           <p:cNvPr id="2" name="Titel 1">
             <a:extLst>
               <a:ext uri="{FF2B5EF4-FFF2-40B4-BE49-F238E27FC236}">
@@ -16084,7 +16501,7 @@
 </p:sld>
 </file>
 
-<file path=ppt/slides/slide31.xml><?xml version="1.0" encoding="utf-8"?>
+<file path=ppt/slides/slide33.xml><?xml version="1.0" encoding="utf-8"?>
 <p:sld xmlns:a="http://schemas.openxmlformats.org/drawingml/2006/main" xmlns:r="http://schemas.openxmlformats.org/officeDocument/2006/relationships" xmlns:p="http://schemas.openxmlformats.org/presentationml/2006/main">
   <p:cSld>
     <p:spTree>
@@ -16191,7 +16608,7 @@
 </p:sld>
 </file>
 
-<file path=ppt/slides/slide32.xml><?xml version="1.0" encoding="utf-8"?>
+<file path=ppt/slides/slide34.xml><?xml version="1.0" encoding="utf-8"?>
 <p:sld xmlns:a="http://schemas.openxmlformats.org/drawingml/2006/main" xmlns:r="http://schemas.openxmlformats.org/officeDocument/2006/relationships" xmlns:p="http://schemas.openxmlformats.org/presentationml/2006/main">
   <p:cSld>
     <p:spTree>
@@ -16306,7 +16723,7 @@
 </p:sld>
 </file>
 
-<file path=ppt/slides/slide33.xml><?xml version="1.0" encoding="utf-8"?>
+<file path=ppt/slides/slide35.xml><?xml version="1.0" encoding="utf-8"?>
 <p:sld xmlns:a="http://schemas.openxmlformats.org/drawingml/2006/main" xmlns:r="http://schemas.openxmlformats.org/officeDocument/2006/relationships" xmlns:p="http://schemas.openxmlformats.org/presentationml/2006/main">
   <p:cSld>
     <p:spTree>

--- a/presentation/heat.pptx
+++ b/presentation/heat.pptx
@@ -5,7 +5,7 @@
     <p:sldMasterId id="2147483648" r:id="rId1"/>
   </p:sldMasterIdLst>
   <p:notesMasterIdLst>
-    <p:notesMasterId r:id="rId32"/>
+    <p:notesMasterId r:id="rId33"/>
   </p:notesMasterIdLst>
   <p:sldIdLst>
     <p:sldId id="256" r:id="rId2"/>
@@ -25,19 +25,20 @@
     <p:sldId id="280" r:id="rId16"/>
     <p:sldId id="260" r:id="rId17"/>
     <p:sldId id="261" r:id="rId18"/>
-    <p:sldId id="262" r:id="rId19"/>
-    <p:sldId id="266" r:id="rId20"/>
-    <p:sldId id="283" r:id="rId21"/>
-    <p:sldId id="281" r:id="rId22"/>
-    <p:sldId id="284" r:id="rId23"/>
-    <p:sldId id="282" r:id="rId24"/>
-    <p:sldId id="267" r:id="rId25"/>
-    <p:sldId id="285" r:id="rId26"/>
-    <p:sldId id="268" r:id="rId27"/>
-    <p:sldId id="263" r:id="rId28"/>
-    <p:sldId id="264" r:id="rId29"/>
-    <p:sldId id="269" r:id="rId30"/>
-    <p:sldId id="265" r:id="rId31"/>
+    <p:sldId id="283" r:id="rId19"/>
+    <p:sldId id="267" r:id="rId20"/>
+    <p:sldId id="262" r:id="rId21"/>
+    <p:sldId id="286" r:id="rId22"/>
+    <p:sldId id="266" r:id="rId23"/>
+    <p:sldId id="281" r:id="rId24"/>
+    <p:sldId id="284" r:id="rId25"/>
+    <p:sldId id="282" r:id="rId26"/>
+    <p:sldId id="285" r:id="rId27"/>
+    <p:sldId id="268" r:id="rId28"/>
+    <p:sldId id="263" r:id="rId29"/>
+    <p:sldId id="264" r:id="rId30"/>
+    <p:sldId id="269" r:id="rId31"/>
+    <p:sldId id="265" r:id="rId32"/>
   </p:sldIdLst>
   <p:sldSz cx="12192000" cy="6858000"/>
   <p:notesSz cx="6858000" cy="9144000"/>
@@ -8756,6 +8757,112 @@
             </a:r>
             <a:endParaRPr lang="de-DE" dirty="0"/>
           </a:p>
+          <a:p>
+            <a:r>
+              <a:rPr lang="de-DE" dirty="0"/>
+              <a:t>This </a:t>
+            </a:r>
+            <a:r>
+              <a:rPr lang="de-DE" dirty="0" err="1"/>
+              <a:t>is</a:t>
+            </a:r>
+            <a:r>
+              <a:rPr lang="de-DE" dirty="0"/>
+              <a:t> </a:t>
+            </a:r>
+            <a:r>
+              <a:rPr lang="de-DE" dirty="0" err="1"/>
+              <a:t>what</a:t>
+            </a:r>
+            <a:r>
+              <a:rPr lang="de-DE" dirty="0"/>
+              <a:t> </a:t>
+            </a:r>
+            <a:r>
+              <a:rPr lang="de-DE" dirty="0" err="1"/>
+              <a:t>the</a:t>
+            </a:r>
+            <a:r>
+              <a:rPr lang="de-DE" dirty="0"/>
+              <a:t> </a:t>
+            </a:r>
+            <a:r>
+              <a:rPr lang="de-DE" dirty="0" err="1"/>
+              <a:t>environment</a:t>
+            </a:r>
+            <a:r>
+              <a:rPr lang="de-DE" dirty="0"/>
+              <a:t> </a:t>
+            </a:r>
+            <a:r>
+              <a:rPr lang="de-DE" dirty="0" err="1"/>
+              <a:t>looks</a:t>
+            </a:r>
+            <a:r>
+              <a:rPr lang="de-DE" dirty="0"/>
+              <a:t> like (</a:t>
+            </a:r>
+            <a:r>
+              <a:rPr lang="de-DE" dirty="0" err="1"/>
+              <a:t>small</a:t>
+            </a:r>
+            <a:r>
+              <a:rPr lang="de-DE" dirty="0"/>
+              <a:t> </a:t>
+            </a:r>
+            <a:r>
+              <a:rPr lang="de-DE" dirty="0" err="1"/>
+              <a:t>demo</a:t>
+            </a:r>
+            <a:r>
+              <a:rPr lang="de-DE" dirty="0"/>
+              <a:t>)</a:t>
+            </a:r>
+          </a:p>
+        </p:txBody>
+      </p:sp>
+      <p:sp>
+        <p:nvSpPr>
+          <p:cNvPr id="4" name="Rectangle 3">
+            <a:extLst>
+              <a:ext uri="{FF2B5EF4-FFF2-40B4-BE49-F238E27FC236}">
+                <a16:creationId xmlns:a16="http://schemas.microsoft.com/office/drawing/2014/main" id="{C87FEF4E-F408-AA55-CD78-9741E250D8CE}"/>
+              </a:ext>
+            </a:extLst>
+          </p:cNvPr>
+          <p:cNvSpPr/>
+          <p:nvPr/>
+        </p:nvSpPr>
+        <p:spPr>
+          <a:xfrm>
+            <a:off x="9403200" y="365125"/>
+            <a:ext cx="2282400" cy="1325563"/>
+          </a:xfrm>
+          <a:prstGeom prst="rect">
+            <a:avLst/>
+          </a:prstGeom>
+        </p:spPr>
+        <p:style>
+          <a:lnRef idx="1">
+            <a:schemeClr val="accent5"/>
+          </a:lnRef>
+          <a:fillRef idx="3">
+            <a:schemeClr val="accent5"/>
+          </a:fillRef>
+          <a:effectRef idx="2">
+            <a:schemeClr val="accent5"/>
+          </a:effectRef>
+          <a:fontRef idx="minor">
+            <a:schemeClr val="lt1"/>
+          </a:fontRef>
+        </p:style>
+        <p:txBody>
+          <a:bodyPr rtlCol="0" anchor="ctr"/>
+          <a:lstStyle/>
+          <a:p>
+            <a:pPr algn="ctr"/>
+            <a:endParaRPr lang="de-DE"/>
+          </a:p>
         </p:txBody>
       </p:sp>
     </p:spTree>
@@ -10210,6 +10317,50 @@
           </a:p>
         </p:txBody>
       </p:sp>
+      <p:sp>
+        <p:nvSpPr>
+          <p:cNvPr id="4" name="Rectangle 3">
+            <a:extLst>
+              <a:ext uri="{FF2B5EF4-FFF2-40B4-BE49-F238E27FC236}">
+                <a16:creationId xmlns:a16="http://schemas.microsoft.com/office/drawing/2014/main" id="{58B34E65-43AB-293C-547C-BADF4FB4DD33}"/>
+              </a:ext>
+            </a:extLst>
+          </p:cNvPr>
+          <p:cNvSpPr/>
+          <p:nvPr/>
+        </p:nvSpPr>
+        <p:spPr>
+          <a:xfrm>
+            <a:off x="9403200" y="365125"/>
+            <a:ext cx="2282400" cy="1325563"/>
+          </a:xfrm>
+          <a:prstGeom prst="rect">
+            <a:avLst/>
+          </a:prstGeom>
+        </p:spPr>
+        <p:style>
+          <a:lnRef idx="1">
+            <a:schemeClr val="accent5"/>
+          </a:lnRef>
+          <a:fillRef idx="3">
+            <a:schemeClr val="accent5"/>
+          </a:fillRef>
+          <a:effectRef idx="2">
+            <a:schemeClr val="accent5"/>
+          </a:effectRef>
+          <a:fontRef idx="minor">
+            <a:schemeClr val="lt1"/>
+          </a:fontRef>
+        </p:style>
+        <p:txBody>
+          <a:bodyPr rtlCol="0" anchor="ctr"/>
+          <a:lstStyle/>
+          <a:p>
+            <a:pPr algn="ctr"/>
+            <a:endParaRPr lang="de-DE"/>
+          </a:p>
+        </p:txBody>
+      </p:sp>
     </p:spTree>
     <p:extLst>
       <p:ext uri="{BB962C8B-B14F-4D97-AF65-F5344CB8AC3E}">
@@ -10913,6 +11064,50 @@
                 </a:schemeClr>
               </a:solidFill>
             </a:endParaRPr>
+          </a:p>
+        </p:txBody>
+      </p:sp>
+      <p:sp>
+        <p:nvSpPr>
+          <p:cNvPr id="4" name="Rectangle 3">
+            <a:extLst>
+              <a:ext uri="{FF2B5EF4-FFF2-40B4-BE49-F238E27FC236}">
+                <a16:creationId xmlns:a16="http://schemas.microsoft.com/office/drawing/2014/main" id="{31172174-8344-E79C-342E-54787742A41F}"/>
+              </a:ext>
+            </a:extLst>
+          </p:cNvPr>
+          <p:cNvSpPr/>
+          <p:nvPr/>
+        </p:nvSpPr>
+        <p:spPr>
+          <a:xfrm>
+            <a:off x="9403200" y="365125"/>
+            <a:ext cx="2282400" cy="1325563"/>
+          </a:xfrm>
+          <a:prstGeom prst="rect">
+            <a:avLst/>
+          </a:prstGeom>
+        </p:spPr>
+        <p:style>
+          <a:lnRef idx="1">
+            <a:schemeClr val="accent5"/>
+          </a:lnRef>
+          <a:fillRef idx="3">
+            <a:schemeClr val="accent5"/>
+          </a:fillRef>
+          <a:effectRef idx="2">
+            <a:schemeClr val="accent5"/>
+          </a:effectRef>
+          <a:fontRef idx="minor">
+            <a:schemeClr val="lt1"/>
+          </a:fontRef>
+        </p:style>
+        <p:txBody>
+          <a:bodyPr rtlCol="0" anchor="ctr"/>
+          <a:lstStyle/>
+          <a:p>
+            <a:pPr algn="ctr"/>
+            <a:endParaRPr lang="de-DE"/>
           </a:p>
         </p:txBody>
       </p:sp>
@@ -11192,6 +11387,192 @@
               <a:t> in Germany</a:t>
             </a:r>
           </a:p>
+          <a:p>
+            <a:endParaRPr lang="de-DE" dirty="0">
+              <a:solidFill>
+                <a:schemeClr val="tx1">
+                  <a:lumMod val="50000"/>
+                  <a:lumOff val="50000"/>
+                </a:schemeClr>
+              </a:solidFill>
+            </a:endParaRPr>
+          </a:p>
+          <a:p>
+            <a:endParaRPr lang="de-DE" dirty="0">
+              <a:solidFill>
+                <a:schemeClr val="tx1">
+                  <a:lumMod val="50000"/>
+                  <a:lumOff val="50000"/>
+                </a:schemeClr>
+              </a:solidFill>
+            </a:endParaRPr>
+          </a:p>
+          <a:p>
+            <a:r>
+              <a:rPr lang="de-DE" dirty="0">
+                <a:solidFill>
+                  <a:schemeClr val="tx1">
+                    <a:lumMod val="50000"/>
+                    <a:lumOff val="50000"/>
+                  </a:schemeClr>
+                </a:solidFill>
+              </a:rPr>
+              <a:t>Hottest, </a:t>
+            </a:r>
+            <a:r>
+              <a:rPr lang="de-DE" dirty="0" err="1">
+                <a:solidFill>
+                  <a:schemeClr val="tx1">
+                    <a:lumMod val="50000"/>
+                    <a:lumOff val="50000"/>
+                  </a:schemeClr>
+                </a:solidFill>
+              </a:rPr>
+              <a:t>coldest</a:t>
+            </a:r>
+            <a:r>
+              <a:rPr lang="de-DE" dirty="0">
+                <a:solidFill>
+                  <a:schemeClr val="tx1">
+                    <a:lumMod val="50000"/>
+                    <a:lumOff val="50000"/>
+                  </a:schemeClr>
+                </a:solidFill>
+              </a:rPr>
+              <a:t> </a:t>
+            </a:r>
+            <a:r>
+              <a:rPr lang="de-DE" dirty="0" err="1">
+                <a:solidFill>
+                  <a:schemeClr val="tx1">
+                    <a:lumMod val="50000"/>
+                    <a:lumOff val="50000"/>
+                  </a:schemeClr>
+                </a:solidFill>
+              </a:rPr>
+              <a:t>day</a:t>
+            </a:r>
+            <a:r>
+              <a:rPr lang="de-DE" dirty="0">
+                <a:solidFill>
+                  <a:schemeClr val="tx1">
+                    <a:lumMod val="50000"/>
+                    <a:lumOff val="50000"/>
+                  </a:schemeClr>
+                </a:solidFill>
+              </a:rPr>
+              <a:t> </a:t>
+            </a:r>
+            <a:r>
+              <a:rPr lang="de-DE" dirty="0" err="1">
+                <a:solidFill>
+                  <a:schemeClr val="tx1">
+                    <a:lumMod val="50000"/>
+                    <a:lumOff val="50000"/>
+                  </a:schemeClr>
+                </a:solidFill>
+              </a:rPr>
+              <a:t>of</a:t>
+            </a:r>
+            <a:r>
+              <a:rPr lang="de-DE" dirty="0">
+                <a:solidFill>
+                  <a:schemeClr val="tx1">
+                    <a:lumMod val="50000"/>
+                    <a:lumOff val="50000"/>
+                  </a:schemeClr>
+                </a:solidFill>
+              </a:rPr>
+              <a:t> </a:t>
+            </a:r>
+            <a:r>
+              <a:rPr lang="de-DE" dirty="0" err="1">
+                <a:solidFill>
+                  <a:schemeClr val="tx1">
+                    <a:lumMod val="50000"/>
+                    <a:lumOff val="50000"/>
+                  </a:schemeClr>
+                </a:solidFill>
+              </a:rPr>
+              <a:t>this</a:t>
+            </a:r>
+            <a:r>
+              <a:rPr lang="de-DE" dirty="0">
+                <a:solidFill>
+                  <a:schemeClr val="tx1">
+                    <a:lumMod val="50000"/>
+                    <a:lumOff val="50000"/>
+                  </a:schemeClr>
+                </a:solidFill>
+              </a:rPr>
+              <a:t> </a:t>
+            </a:r>
+            <a:r>
+              <a:rPr lang="de-DE" dirty="0" err="1">
+                <a:solidFill>
+                  <a:schemeClr val="tx1">
+                    <a:lumMod val="50000"/>
+                    <a:lumOff val="50000"/>
+                  </a:schemeClr>
+                </a:solidFill>
+              </a:rPr>
+              <a:t>year</a:t>
+            </a:r>
+            <a:endParaRPr lang="de-DE" dirty="0">
+              <a:solidFill>
+                <a:schemeClr val="tx1">
+                  <a:lumMod val="50000"/>
+                  <a:lumOff val="50000"/>
+                </a:schemeClr>
+              </a:solidFill>
+            </a:endParaRPr>
+          </a:p>
+        </p:txBody>
+      </p:sp>
+      <p:sp>
+        <p:nvSpPr>
+          <p:cNvPr id="4" name="Rectangle 3">
+            <a:extLst>
+              <a:ext uri="{FF2B5EF4-FFF2-40B4-BE49-F238E27FC236}">
+                <a16:creationId xmlns:a16="http://schemas.microsoft.com/office/drawing/2014/main" id="{4795EAB1-D04E-C8C9-CBE3-92780C5803DF}"/>
+              </a:ext>
+            </a:extLst>
+          </p:cNvPr>
+          <p:cNvSpPr/>
+          <p:nvPr/>
+        </p:nvSpPr>
+        <p:spPr>
+          <a:xfrm>
+            <a:off x="10159200" y="417600"/>
+            <a:ext cx="1576800" cy="1201338"/>
+          </a:xfrm>
+          <a:prstGeom prst="rect">
+            <a:avLst/>
+          </a:prstGeom>
+        </p:spPr>
+        <p:style>
+          <a:lnRef idx="2">
+            <a:schemeClr val="accent1">
+              <a:shade val="15000"/>
+            </a:schemeClr>
+          </a:lnRef>
+          <a:fillRef idx="1">
+            <a:schemeClr val="accent1"/>
+          </a:fillRef>
+          <a:effectRef idx="0">
+            <a:schemeClr val="accent1"/>
+          </a:effectRef>
+          <a:fontRef idx="minor">
+            <a:schemeClr val="lt1"/>
+          </a:fontRef>
+        </p:style>
+        <p:txBody>
+          <a:bodyPr rtlCol="0" anchor="ctr"/>
+          <a:lstStyle/>
+          <a:p>
+            <a:pPr algn="ctr"/>
+            <a:endParaRPr lang="de-DE"/>
+          </a:p>
         </p:txBody>
       </p:sp>
     </p:spTree>
@@ -11246,255 +11627,16 @@
           <a:lstStyle/>
           <a:p>
             <a:r>
+              <a:rPr lang="de-DE" dirty="0" err="1"/>
+              <a:t>Modelica</a:t>
+            </a:r>
+            <a:r>
               <a:rPr lang="de-DE" dirty="0"/>
-              <a:t>Scenarios</a:t>
+              <a:t> Simulation Run</a:t>
             </a:r>
           </a:p>
         </p:txBody>
       </p:sp>
-      <p:graphicFrame>
-        <p:nvGraphicFramePr>
-          <p:cNvPr id="4" name="Inhaltsplatzhalter 3">
-            <a:extLst>
-              <a:ext uri="{FF2B5EF4-FFF2-40B4-BE49-F238E27FC236}">
-                <a16:creationId xmlns:a16="http://schemas.microsoft.com/office/drawing/2014/main" id="{42F1A790-CB17-A3BB-E1DE-8EAFC56B8F77}"/>
-              </a:ext>
-            </a:extLst>
-          </p:cNvPr>
-          <p:cNvGraphicFramePr>
-            <a:graphicFrameLocks noGrp="1"/>
-          </p:cNvGraphicFramePr>
-          <p:nvPr>
-            <p:ph idx="1"/>
-            <p:extLst>
-              <p:ext uri="{D42A27DB-BD31-4B8C-83A1-F6EECF244321}">
-                <p14:modId xmlns:p14="http://schemas.microsoft.com/office/powerpoint/2010/main" val="1113396870"/>
-              </p:ext>
-            </p:extLst>
-          </p:nvPr>
-        </p:nvGraphicFramePr>
-        <p:xfrm>
-          <a:off x="838203" y="2852451"/>
-          <a:ext cx="10515597" cy="3143616"/>
-        </p:xfrm>
-        <a:graphic>
-          <a:graphicData uri="http://schemas.openxmlformats.org/drawingml/2006/table">
-            <a:tbl>
-              <a:tblPr firstRow="1" bandRow="1">
-                <a:tableStyleId>{5940675A-B579-460E-94D1-54222C63F5DA}</a:tableStyleId>
-              </a:tblPr>
-              <a:tblGrid>
-                <a:gridCol w="3505199">
-                  <a:extLst>
-                    <a:ext uri="{9D8B030D-6E8A-4147-A177-3AD203B41FA5}">
-                      <a16:colId xmlns:a16="http://schemas.microsoft.com/office/drawing/2014/main" val="1215512932"/>
-                    </a:ext>
-                  </a:extLst>
-                </a:gridCol>
-                <a:gridCol w="3505199">
-                  <a:extLst>
-                    <a:ext uri="{9D8B030D-6E8A-4147-A177-3AD203B41FA5}">
-                      <a16:colId xmlns:a16="http://schemas.microsoft.com/office/drawing/2014/main" val="3851307507"/>
-                    </a:ext>
-                  </a:extLst>
-                </a:gridCol>
-                <a:gridCol w="3505199">
-                  <a:extLst>
-                    <a:ext uri="{9D8B030D-6E8A-4147-A177-3AD203B41FA5}">
-                      <a16:colId xmlns:a16="http://schemas.microsoft.com/office/drawing/2014/main" val="2817597702"/>
-                    </a:ext>
-                  </a:extLst>
-                </a:gridCol>
-              </a:tblGrid>
-              <a:tr h="785904">
-                <a:tc>
-                  <a:txBody>
-                    <a:bodyPr/>
-                    <a:lstStyle/>
-                    <a:p>
-                      <a:endParaRPr lang="de-DE" dirty="0"/>
-                    </a:p>
-                  </a:txBody>
-                  <a:tcPr/>
-                </a:tc>
-                <a:tc>
-                  <a:txBody>
-                    <a:bodyPr/>
-                    <a:lstStyle/>
-                    <a:p>
-                      <a:r>
-                        <a:rPr lang="de-DE" dirty="0"/>
-                        <a:t>Ground Source Heat Pump</a:t>
-                      </a:r>
-                    </a:p>
-                  </a:txBody>
-                  <a:tcPr/>
-                </a:tc>
-                <a:tc>
-                  <a:txBody>
-                    <a:bodyPr/>
-                    <a:lstStyle/>
-                    <a:p>
-                      <a:r>
-                        <a:rPr lang="de-DE" dirty="0"/>
-                        <a:t>Air Source Heat Pump</a:t>
-                      </a:r>
-                    </a:p>
-                  </a:txBody>
-                  <a:tcPr/>
-                </a:tc>
-                <a:extLst>
-                  <a:ext uri="{0D108BD9-81ED-4DB2-BD59-A6C34878D82A}">
-                    <a16:rowId xmlns:a16="http://schemas.microsoft.com/office/drawing/2014/main" val="4007760615"/>
-                  </a:ext>
-                </a:extLst>
-              </a:tr>
-              <a:tr h="785904">
-                <a:tc>
-                  <a:txBody>
-                    <a:bodyPr/>
-                    <a:lstStyle/>
-                    <a:p>
-                      <a:r>
-                        <a:rPr lang="de-DE" dirty="0"/>
-                        <a:t>Building A</a:t>
-                      </a:r>
-                    </a:p>
-                  </a:txBody>
-                  <a:tcPr/>
-                </a:tc>
-                <a:tc>
-                  <a:txBody>
-                    <a:bodyPr/>
-                    <a:lstStyle/>
-                    <a:p>
-                      <a:pPr marL="0" indent="0">
-                        <a:buFontTx/>
-                        <a:buNone/>
-                      </a:pPr>
-                      <a:r>
-                        <a:rPr lang="de-DE" dirty="0"/>
-                        <a:t>GA</a:t>
-                      </a:r>
-                    </a:p>
-                  </a:txBody>
-                  <a:tcPr/>
-                </a:tc>
-                <a:tc>
-                  <a:txBody>
-                    <a:bodyPr/>
-                    <a:lstStyle/>
-                    <a:p>
-                      <a:r>
-                        <a:rPr lang="de-DE" dirty="0"/>
-                        <a:t>AA</a:t>
-                      </a:r>
-                    </a:p>
-                  </a:txBody>
-                  <a:tcPr/>
-                </a:tc>
-                <a:extLst>
-                  <a:ext uri="{0D108BD9-81ED-4DB2-BD59-A6C34878D82A}">
-                    <a16:rowId xmlns:a16="http://schemas.microsoft.com/office/drawing/2014/main" val="221958372"/>
-                  </a:ext>
-                </a:extLst>
-              </a:tr>
-              <a:tr h="785904">
-                <a:tc>
-                  <a:txBody>
-                    <a:bodyPr/>
-                    <a:lstStyle/>
-                    <a:p>
-                      <a:r>
-                        <a:rPr lang="de-DE" dirty="0"/>
-                        <a:t>Building B</a:t>
-                      </a:r>
-                    </a:p>
-                  </a:txBody>
-                  <a:tcPr/>
-                </a:tc>
-                <a:tc>
-                  <a:txBody>
-                    <a:bodyPr/>
-                    <a:lstStyle/>
-                    <a:p>
-                      <a:r>
-                        <a:rPr lang="de-DE" dirty="0"/>
-                        <a:t>GB</a:t>
-                      </a:r>
-                    </a:p>
-                  </a:txBody>
-                  <a:tcPr/>
-                </a:tc>
-                <a:tc>
-                  <a:txBody>
-                    <a:bodyPr/>
-                    <a:lstStyle/>
-                    <a:p>
-                      <a:r>
-                        <a:rPr lang="de-DE" dirty="0"/>
-                        <a:t>AB</a:t>
-                      </a:r>
-                    </a:p>
-                  </a:txBody>
-                  <a:tcPr/>
-                </a:tc>
-                <a:extLst>
-                  <a:ext uri="{0D108BD9-81ED-4DB2-BD59-A6C34878D82A}">
-                    <a16:rowId xmlns:a16="http://schemas.microsoft.com/office/drawing/2014/main" val="3035389777"/>
-                  </a:ext>
-                </a:extLst>
-              </a:tr>
-              <a:tr h="785904">
-                <a:tc>
-                  <a:txBody>
-                    <a:bodyPr/>
-                    <a:lstStyle/>
-                    <a:p>
-                      <a:r>
-                        <a:rPr lang="de-DE" dirty="0"/>
-                        <a:t>Building C</a:t>
-                      </a:r>
-                    </a:p>
-                  </a:txBody>
-                  <a:tcPr/>
-                </a:tc>
-                <a:tc>
-                  <a:txBody>
-                    <a:bodyPr/>
-                    <a:lstStyle/>
-                    <a:p>
-                      <a:r>
-                        <a:rPr lang="de-DE" dirty="0"/>
-                        <a:t>GC</a:t>
-                      </a:r>
-                    </a:p>
-                  </a:txBody>
-                  <a:tcPr/>
-                </a:tc>
-                <a:tc>
-                  <a:txBody>
-                    <a:bodyPr/>
-                    <a:lstStyle/>
-                    <a:p>
-                      <a:r>
-                        <a:rPr lang="de-DE" dirty="0"/>
-                        <a:t>AC</a:t>
-                      </a:r>
-                    </a:p>
-                  </a:txBody>
-                  <a:tcPr/>
-                </a:tc>
-                <a:extLst>
-                  <a:ext uri="{0D108BD9-81ED-4DB2-BD59-A6C34878D82A}">
-                    <a16:rowId xmlns:a16="http://schemas.microsoft.com/office/drawing/2014/main" val="3039152346"/>
-                  </a:ext>
-                </a:extLst>
-              </a:tr>
-            </a:tbl>
-          </a:graphicData>
-        </a:graphic>
-      </p:graphicFrame>
       <p:sp>
         <p:nvSpPr>
           <p:cNvPr id="6" name="Textfeld 5">
@@ -11510,7 +11652,7 @@
         <p:spPr>
           <a:xfrm>
             <a:off x="838200" y="1618938"/>
-            <a:ext cx="10157085" cy="923330"/>
+            <a:ext cx="10157085" cy="1754326"/>
           </a:xfrm>
           <a:prstGeom prst="rect">
             <a:avLst/>
@@ -11527,70 +11669,7 @@
               <a:buFontTx/>
               <a:buChar char="-"/>
             </a:pPr>
-            <a:r>
-              <a:rPr lang="de-DE" dirty="0" err="1"/>
-              <a:t>For</a:t>
-            </a:r>
-            <a:r>
-              <a:rPr lang="de-DE" dirty="0"/>
-              <a:t> </a:t>
-            </a:r>
-            <a:r>
-              <a:rPr lang="de-DE" dirty="0" err="1"/>
-              <a:t>each</a:t>
-            </a:r>
-            <a:r>
-              <a:rPr lang="de-DE" dirty="0"/>
-              <a:t>, </a:t>
-            </a:r>
-            <a:r>
-              <a:rPr lang="de-DE" dirty="0" err="1"/>
-              <a:t>plot</a:t>
-            </a:r>
-            <a:r>
-              <a:rPr lang="de-DE" dirty="0"/>
-              <a:t> </a:t>
-            </a:r>
-            <a:r>
-              <a:rPr lang="de-DE" dirty="0" err="1"/>
-              <a:t>temperature</a:t>
-            </a:r>
-            <a:r>
-              <a:rPr lang="de-DE" dirty="0"/>
-              <a:t> and </a:t>
-            </a:r>
-            <a:r>
-              <a:rPr lang="de-DE" dirty="0" err="1"/>
-              <a:t>energy</a:t>
-            </a:r>
-            <a:r>
-              <a:rPr lang="de-DE" dirty="0"/>
-              <a:t> </a:t>
-            </a:r>
-            <a:r>
-              <a:rPr lang="de-DE" dirty="0" err="1"/>
-              <a:t>consmuption</a:t>
-            </a:r>
-            <a:r>
-              <a:rPr lang="de-DE" dirty="0"/>
-              <a:t> </a:t>
-            </a:r>
-            <a:r>
-              <a:rPr lang="de-DE" dirty="0" err="1"/>
-              <a:t>over</a:t>
-            </a:r>
-            <a:r>
-              <a:rPr lang="de-DE" dirty="0"/>
-              <a:t> time </a:t>
-            </a:r>
-            <a:r>
-              <a:rPr lang="de-DE" dirty="0" err="1"/>
-              <a:t>for</a:t>
-            </a:r>
-            <a:r>
-              <a:rPr lang="de-DE" dirty="0"/>
-              <a:t> TRY 2012</a:t>
-            </a:r>
+            <a:endParaRPr lang="de-DE" dirty="0"/>
           </a:p>
           <a:p>
             <a:pPr marL="285750" indent="-285750">
@@ -11598,28 +11677,74 @@
               <a:buChar char="-"/>
             </a:pPr>
             <a:r>
+              <a:rPr lang="de-DE" dirty="0" err="1"/>
+              <a:t>Weather</a:t>
+            </a:r>
+            <a:r>
               <a:rPr lang="de-DE" dirty="0"/>
-              <a:t>Repeat </a:t>
+              <a:t> </a:t>
             </a:r>
             <a:r>
               <a:rPr lang="de-DE" dirty="0" err="1"/>
-              <a:t>for</a:t>
+              <a:t>data</a:t>
+            </a:r>
+            <a:endParaRPr lang="de-DE" dirty="0"/>
+          </a:p>
+          <a:p>
+            <a:pPr marL="285750" indent="-285750">
+              <a:buFontTx/>
+              <a:buChar char="-"/>
+            </a:pPr>
+            <a:r>
+              <a:rPr lang="de-DE" dirty="0" err="1"/>
+              <a:t>We</a:t>
             </a:r>
             <a:r>
               <a:rPr lang="de-DE" dirty="0"/>
-              <a:t> extreme </a:t>
+              <a:t> </a:t>
             </a:r>
             <a:r>
               <a:rPr lang="de-DE" dirty="0" err="1"/>
-              <a:t>weather</a:t>
+              <a:t>need</a:t>
             </a:r>
             <a:r>
               <a:rPr lang="de-DE" dirty="0"/>
-              <a:t> / different </a:t>
+              <a:t> </a:t>
             </a:r>
             <a:r>
               <a:rPr lang="de-DE" dirty="0" err="1"/>
-              <a:t>city</a:t>
+              <a:t>to</a:t>
+            </a:r>
+            <a:r>
+              <a:rPr lang="de-DE" dirty="0"/>
+              <a:t> </a:t>
+            </a:r>
+            <a:r>
+              <a:rPr lang="de-DE" dirty="0" err="1"/>
+              <a:t>put</a:t>
+            </a:r>
+            <a:r>
+              <a:rPr lang="de-DE" dirty="0"/>
+              <a:t> in </a:t>
+            </a:r>
+            <a:r>
+              <a:rPr lang="de-DE" dirty="0" err="1"/>
+              <a:t>parameters</a:t>
+            </a:r>
+            <a:endParaRPr lang="de-DE" dirty="0"/>
+          </a:p>
+          <a:p>
+            <a:pPr marL="285750" indent="-285750">
+              <a:buFontTx/>
+              <a:buChar char="-"/>
+            </a:pPr>
+            <a:r>
+              <a:rPr lang="de-DE" dirty="0"/>
+              <a:t>Resolution </a:t>
+            </a:r>
+            <a:r>
+              <a:rPr lang="de-DE" dirty="0" err="1"/>
+              <a:t>matters</a:t>
             </a:r>
             <a:r>
               <a:rPr lang="de-DE" dirty="0"/>
@@ -11627,7 +11752,83 @@
             </a:r>
           </a:p>
           <a:p>
+            <a:pPr marL="285750" indent="-285750">
+              <a:buFontTx/>
+              <a:buChar char="-"/>
+            </a:pPr>
+            <a:r>
+              <a:rPr lang="de-DE" dirty="0" err="1"/>
+              <a:t>Explain</a:t>
+            </a:r>
+            <a:r>
+              <a:rPr lang="de-DE" dirty="0"/>
+              <a:t> </a:t>
+            </a:r>
+            <a:r>
+              <a:rPr lang="de-DE" dirty="0" err="1"/>
+              <a:t>set_temperature</a:t>
+            </a:r>
+            <a:r>
+              <a:rPr lang="de-DE" dirty="0"/>
+              <a:t> </a:t>
+            </a:r>
+            <a:r>
+              <a:rPr lang="de-DE" dirty="0" err="1"/>
+              <a:t>plot</a:t>
+            </a:r>
+            <a:r>
+              <a:rPr lang="de-DE" dirty="0"/>
+              <a:t>?</a:t>
+            </a:r>
+          </a:p>
+          <a:p>
             <a:endParaRPr lang="de-DE" dirty="0"/>
+          </a:p>
+        </p:txBody>
+      </p:sp>
+      <p:sp>
+        <p:nvSpPr>
+          <p:cNvPr id="7" name="Rectangle 6">
+            <a:extLst>
+              <a:ext uri="{FF2B5EF4-FFF2-40B4-BE49-F238E27FC236}">
+                <a16:creationId xmlns:a16="http://schemas.microsoft.com/office/drawing/2014/main" id="{941D251A-137F-59A3-0F90-257C61FCFE15}"/>
+              </a:ext>
+            </a:extLst>
+          </p:cNvPr>
+          <p:cNvSpPr/>
+          <p:nvPr/>
+        </p:nvSpPr>
+        <p:spPr>
+          <a:xfrm>
+            <a:off x="10159200" y="417600"/>
+            <a:ext cx="1576800" cy="1201338"/>
+          </a:xfrm>
+          <a:prstGeom prst="rect">
+            <a:avLst/>
+          </a:prstGeom>
+        </p:spPr>
+        <p:style>
+          <a:lnRef idx="2">
+            <a:schemeClr val="accent1">
+              <a:shade val="15000"/>
+            </a:schemeClr>
+          </a:lnRef>
+          <a:fillRef idx="1">
+            <a:schemeClr val="accent1"/>
+          </a:fillRef>
+          <a:effectRef idx="0">
+            <a:schemeClr val="accent1"/>
+          </a:effectRef>
+          <a:fontRef idx="minor">
+            <a:schemeClr val="lt1"/>
+          </a:fontRef>
+        </p:style>
+        <p:txBody>
+          <a:bodyPr rtlCol="0" anchor="ctr"/>
+          <a:lstStyle/>
+          <a:p>
+            <a:pPr algn="ctr"/>
+            <a:endParaRPr lang="de-DE"/>
           </a:p>
         </p:txBody>
       </p:sp>
@@ -11663,10 +11864,10 @@
       </p:grpSpPr>
       <p:sp>
         <p:nvSpPr>
-          <p:cNvPr id="2" name="Titel 1">
+          <p:cNvPr id="2" name="Title 1">
             <a:extLst>
               <a:ext uri="{FF2B5EF4-FFF2-40B4-BE49-F238E27FC236}">
-                <a16:creationId xmlns:a16="http://schemas.microsoft.com/office/drawing/2014/main" id="{2B6204BF-A39F-9F67-5574-5EB00A3EC4AA}"/>
+                <a16:creationId xmlns:a16="http://schemas.microsoft.com/office/drawing/2014/main" id="{9BAB473C-44F6-DE7B-9C03-86852693BC76}"/>
               </a:ext>
             </a:extLst>
           </p:cNvPr>
@@ -11683,30 +11884,23 @@
           <a:lstStyle/>
           <a:p>
             <a:r>
+              <a:rPr lang="de-DE" dirty="0"/>
+              <a:t>Tabula </a:t>
+            </a:r>
+            <a:r>
               <a:rPr lang="de-DE" dirty="0" err="1"/>
-              <a:t>Comparisons</a:t>
-            </a:r>
-            <a:r>
-              <a:rPr lang="de-DE" dirty="0"/>
-              <a:t> </a:t>
-            </a:r>
-            <a:r>
-              <a:rPr lang="de-DE" dirty="0" err="1"/>
-              <a:t>between</a:t>
-            </a:r>
-            <a:r>
-              <a:rPr lang="de-DE" dirty="0"/>
-              <a:t> Scenarios</a:t>
-            </a:r>
+              <a:t>parameters</a:t>
+            </a:r>
+            <a:endParaRPr lang="de-DE" dirty="0"/>
           </a:p>
         </p:txBody>
       </p:sp>
       <p:sp>
         <p:nvSpPr>
-          <p:cNvPr id="3" name="Inhaltsplatzhalter 2">
+          <p:cNvPr id="3" name="Content Placeholder 2">
             <a:extLst>
               <a:ext uri="{FF2B5EF4-FFF2-40B4-BE49-F238E27FC236}">
-                <a16:creationId xmlns:a16="http://schemas.microsoft.com/office/drawing/2014/main" id="{6603635D-F04A-01DD-14F5-A66936E3D38C}"/>
+                <a16:creationId xmlns:a16="http://schemas.microsoft.com/office/drawing/2014/main" id="{CA71C9FE-1838-32F5-D4D9-F3200037FC18}"/>
               </a:ext>
             </a:extLst>
           </p:cNvPr>
@@ -11722,6 +11916,181 @@
           <a:bodyPr/>
           <a:lstStyle/>
           <a:p>
+            <a:r>
+              <a:rPr lang="de-DE" dirty="0" err="1"/>
+              <a:t>How</a:t>
+            </a:r>
+            <a:r>
+              <a:rPr lang="de-DE" dirty="0"/>
+              <a:t> </a:t>
+            </a:r>
+            <a:r>
+              <a:rPr lang="de-DE" dirty="0" err="1"/>
+              <a:t>did</a:t>
+            </a:r>
+            <a:r>
+              <a:rPr lang="de-DE" dirty="0"/>
+              <a:t> </a:t>
+            </a:r>
+            <a:r>
+              <a:rPr lang="de-DE" dirty="0" err="1"/>
+              <a:t>we</a:t>
+            </a:r>
+            <a:r>
+              <a:rPr lang="de-DE" dirty="0"/>
+              <a:t> </a:t>
+            </a:r>
+            <a:r>
+              <a:rPr lang="de-DE" dirty="0" err="1"/>
+              <a:t>calculate</a:t>
+            </a:r>
+            <a:r>
+              <a:rPr lang="de-DE" dirty="0"/>
+              <a:t> </a:t>
+            </a:r>
+            <a:r>
+              <a:rPr lang="de-DE" dirty="0" err="1"/>
+              <a:t>building</a:t>
+            </a:r>
+            <a:r>
+              <a:rPr lang="de-DE" dirty="0"/>
+              <a:t> </a:t>
+            </a:r>
+            <a:r>
+              <a:rPr lang="de-DE" dirty="0" err="1"/>
+              <a:t>volume</a:t>
+            </a:r>
+            <a:r>
+              <a:rPr lang="de-DE" dirty="0"/>
+              <a:t>: V = ¼* </a:t>
+            </a:r>
+            <a:r>
+              <a:rPr lang="de-DE" dirty="0" err="1"/>
+              <a:t>A_walls</a:t>
+            </a:r>
+            <a:r>
+              <a:rPr lang="de-DE" dirty="0"/>
+              <a:t>*</a:t>
+            </a:r>
+            <a:r>
+              <a:rPr lang="de-DE" dirty="0" err="1"/>
+              <a:t>sqrt</a:t>
+            </a:r>
+            <a:r>
+              <a:rPr lang="de-DE" dirty="0"/>
+              <a:t>(</a:t>
+            </a:r>
+            <a:r>
+              <a:rPr lang="de-DE" dirty="0" err="1"/>
+              <a:t>A_ground</a:t>
+            </a:r>
+            <a:r>
+              <a:rPr lang="de-DE" dirty="0"/>
+              <a:t>)</a:t>
+            </a:r>
+          </a:p>
+          <a:p>
+            <a:r>
+              <a:rPr lang="de-DE" dirty="0" err="1"/>
+              <a:t>What</a:t>
+            </a:r>
+            <a:r>
+              <a:rPr lang="de-DE" dirty="0"/>
+              <a:t> </a:t>
+            </a:r>
+            <a:r>
+              <a:rPr lang="de-DE" dirty="0" err="1"/>
+              <a:t>processes</a:t>
+            </a:r>
+            <a:r>
+              <a:rPr lang="de-DE" dirty="0"/>
+              <a:t> </a:t>
+            </a:r>
+            <a:r>
+              <a:rPr lang="de-DE" dirty="0" err="1"/>
+              <a:t>were</a:t>
+            </a:r>
+            <a:r>
+              <a:rPr lang="de-DE" dirty="0"/>
+              <a:t> </a:t>
+            </a:r>
+            <a:r>
+              <a:rPr lang="de-DE" dirty="0" err="1"/>
+              <a:t>omitted</a:t>
+            </a:r>
+            <a:r>
+              <a:rPr lang="de-DE" dirty="0"/>
+              <a:t> (internal </a:t>
+            </a:r>
+            <a:r>
+              <a:rPr lang="de-DE" dirty="0" err="1"/>
+              <a:t>heating</a:t>
+            </a:r>
+            <a:r>
+              <a:rPr lang="de-DE" dirty="0"/>
+              <a:t> </a:t>
+            </a:r>
+            <a:r>
+              <a:rPr lang="de-DE" dirty="0" err="1"/>
+              <a:t>sources</a:t>
+            </a:r>
+            <a:r>
+              <a:rPr lang="de-DE" dirty="0"/>
+              <a:t>, solar, </a:t>
+            </a:r>
+            <a:r>
+              <a:rPr lang="de-DE" dirty="0" err="1"/>
+              <a:t>ventilation</a:t>
+            </a:r>
+            <a:r>
+              <a:rPr lang="de-DE" dirty="0"/>
+              <a:t>)</a:t>
+            </a:r>
+          </a:p>
+        </p:txBody>
+      </p:sp>
+      <p:sp>
+        <p:nvSpPr>
+          <p:cNvPr id="4" name="Rectangle 3">
+            <a:extLst>
+              <a:ext uri="{FF2B5EF4-FFF2-40B4-BE49-F238E27FC236}">
+                <a16:creationId xmlns:a16="http://schemas.microsoft.com/office/drawing/2014/main" id="{60FC41A5-82CB-C3A7-CDC4-E84CF35B72CE}"/>
+              </a:ext>
+            </a:extLst>
+          </p:cNvPr>
+          <p:cNvSpPr/>
+          <p:nvPr/>
+        </p:nvSpPr>
+        <p:spPr>
+          <a:xfrm>
+            <a:off x="10641600" y="172800"/>
+            <a:ext cx="1346400" cy="979200"/>
+          </a:xfrm>
+          <a:prstGeom prst="rect">
+            <a:avLst/>
+          </a:prstGeom>
+        </p:spPr>
+        <p:style>
+          <a:lnRef idx="2">
+            <a:schemeClr val="accent1">
+              <a:shade val="15000"/>
+            </a:schemeClr>
+          </a:lnRef>
+          <a:fillRef idx="1">
+            <a:schemeClr val="accent1"/>
+          </a:fillRef>
+          <a:effectRef idx="0">
+            <a:schemeClr val="accent1"/>
+          </a:effectRef>
+          <a:fontRef idx="minor">
+            <a:schemeClr val="lt1"/>
+          </a:fontRef>
+        </p:style>
+        <p:txBody>
+          <a:bodyPr rtlCol="0" anchor="ctr"/>
+          <a:lstStyle/>
+          <a:p>
+            <a:pPr algn="ctr"/>
             <a:endParaRPr lang="de-DE"/>
           </a:p>
         </p:txBody>
@@ -11729,7 +12098,7 @@
     </p:spTree>
     <p:extLst>
       <p:ext uri="{BB962C8B-B14F-4D97-AF65-F5344CB8AC3E}">
-        <p14:creationId xmlns:p14="http://schemas.microsoft.com/office/powerpoint/2010/main" val="3652169195"/>
+        <p14:creationId xmlns:p14="http://schemas.microsoft.com/office/powerpoint/2010/main" val="2218439923"/>
       </p:ext>
     </p:extLst>
   </p:cSld>
@@ -11761,7 +12130,7 @@
           <p:cNvPr id="2" name="Titel 1">
             <a:extLst>
               <a:ext uri="{FF2B5EF4-FFF2-40B4-BE49-F238E27FC236}">
-                <a16:creationId xmlns:a16="http://schemas.microsoft.com/office/drawing/2014/main" id="{3CF21DF8-C972-CE41-240B-79F10EC03D3A}"/>
+                <a16:creationId xmlns:a16="http://schemas.microsoft.com/office/drawing/2014/main" id="{03ABC854-3852-C444-B5D8-943D204B4B40}"/>
               </a:ext>
             </a:extLst>
           </p:cNvPr>
@@ -11774,140 +12143,271 @@
         </p:nvSpPr>
         <p:spPr/>
         <p:txBody>
-          <a:bodyPr>
-            <a:normAutofit/>
+          <a:bodyPr/>
+          <a:lstStyle/>
+          <a:p>
+            <a:r>
+              <a:rPr lang="de-DE" dirty="0"/>
+              <a:t>The </a:t>
+            </a:r>
+            <a:r>
+              <a:rPr lang="de-DE" dirty="0" err="1"/>
+              <a:t>model</a:t>
+            </a:r>
+            <a:r>
+              <a:rPr lang="de-DE" dirty="0"/>
+              <a:t> </a:t>
+            </a:r>
+            <a:r>
+              <a:rPr lang="de-DE" dirty="0" err="1"/>
+              <a:t>kinda</a:t>
+            </a:r>
+            <a:r>
+              <a:rPr lang="de-DE" dirty="0"/>
+              <a:t> </a:t>
+            </a:r>
+            <a:r>
+              <a:rPr lang="de-DE" dirty="0" err="1"/>
+              <a:t>works</a:t>
+            </a:r>
+            <a:endParaRPr lang="de-DE" dirty="0"/>
+          </a:p>
+        </p:txBody>
+      </p:sp>
+      <p:pic>
+        <p:nvPicPr>
+          <p:cNvPr id="8" name="Content Placeholder 3">
+            <a:extLst>
+              <a:ext uri="{FF2B5EF4-FFF2-40B4-BE49-F238E27FC236}">
+                <a16:creationId xmlns:a16="http://schemas.microsoft.com/office/drawing/2014/main" id="{7BD8DD98-F6C7-78F1-1461-6AC65F82AA63}"/>
+              </a:ext>
+            </a:extLst>
+          </p:cNvPr>
+          <p:cNvPicPr>
+            <a:picLocks noChangeAspect="1"/>
+          </p:cNvPicPr>
+          <p:nvPr/>
+        </p:nvPicPr>
+        <p:blipFill>
+          <a:blip r:embed="rId2"/>
+          <a:stretch>
+            <a:fillRect/>
+          </a:stretch>
+        </p:blipFill>
+        <p:spPr>
+          <a:xfrm>
+            <a:off x="611613" y="1462087"/>
+            <a:ext cx="6735173" cy="4351338"/>
+          </a:xfrm>
+          <a:prstGeom prst="rect">
+            <a:avLst/>
+          </a:prstGeom>
+        </p:spPr>
+      </p:pic>
+      <p:pic>
+        <p:nvPicPr>
+          <p:cNvPr id="17" name="Picture 16">
+            <a:extLst>
+              <a:ext uri="{FF2B5EF4-FFF2-40B4-BE49-F238E27FC236}">
+                <a16:creationId xmlns:a16="http://schemas.microsoft.com/office/drawing/2014/main" id="{6CB2C8CF-AD19-402A-DD32-0A34417E9B0E}"/>
+              </a:ext>
+            </a:extLst>
+          </p:cNvPr>
+          <p:cNvPicPr>
+            <a:picLocks noChangeAspect="1"/>
+          </p:cNvPicPr>
+          <p:nvPr/>
+        </p:nvPicPr>
+        <p:blipFill>
+          <a:blip r:embed="rId3"/>
+          <a:stretch>
+            <a:fillRect/>
+          </a:stretch>
+        </p:blipFill>
+        <p:spPr>
+          <a:xfrm>
+            <a:off x="3198718" y="1993012"/>
+            <a:ext cx="5438775" cy="3933825"/>
+          </a:xfrm>
+          <a:prstGeom prst="rect">
+            <a:avLst/>
+          </a:prstGeom>
+        </p:spPr>
+      </p:pic>
+      <p:sp>
+        <p:nvSpPr>
+          <p:cNvPr id="18" name="TextBox 17">
+            <a:extLst>
+              <a:ext uri="{FF2B5EF4-FFF2-40B4-BE49-F238E27FC236}">
+                <a16:creationId xmlns:a16="http://schemas.microsoft.com/office/drawing/2014/main" id="{738AAFD7-82DC-E0E3-27D5-7BBFDA605001}"/>
+              </a:ext>
+            </a:extLst>
+          </p:cNvPr>
+          <p:cNvSpPr txBox="1"/>
+          <p:nvPr/>
+        </p:nvSpPr>
+        <p:spPr>
+          <a:xfrm>
+            <a:off x="986400" y="5813425"/>
+            <a:ext cx="10219200" cy="369332"/>
+          </a:xfrm>
+          <a:prstGeom prst="rect">
+            <a:avLst/>
+          </a:prstGeom>
+          <a:noFill/>
+        </p:spPr>
+        <p:txBody>
+          <a:bodyPr wrap="square" rtlCol="0">
+            <a:spAutoFit/>
           </a:bodyPr>
           <a:lstStyle/>
           <a:p>
             <a:r>
-              <a:rPr lang="de-DE" dirty="0">
-                <a:solidFill>
-                  <a:schemeClr val="tx1">
-                    <a:lumMod val="50000"/>
-                    <a:lumOff val="50000"/>
-                  </a:schemeClr>
-                </a:solidFill>
-              </a:rPr>
-              <a:t>1978 </a:t>
-            </a:r>
-            <a:r>
-              <a:rPr lang="de-DE" dirty="0" err="1">
-                <a:solidFill>
-                  <a:schemeClr val="tx1">
-                    <a:lumMod val="50000"/>
-                    <a:lumOff val="50000"/>
-                  </a:schemeClr>
-                </a:solidFill>
-              </a:rPr>
-              <a:t>building</a:t>
-            </a:r>
-            <a:r>
-              <a:rPr lang="de-DE" dirty="0">
-                <a:solidFill>
-                  <a:schemeClr val="tx1">
-                    <a:lumMod val="50000"/>
-                    <a:lumOff val="50000"/>
-                  </a:schemeClr>
-                </a:solidFill>
-              </a:rPr>
-              <a:t> in </a:t>
-            </a:r>
-            <a:r>
-              <a:rPr lang="de-DE" dirty="0" err="1">
-                <a:solidFill>
-                  <a:schemeClr val="tx1">
-                    <a:lumMod val="50000"/>
-                    <a:lumOff val="50000"/>
-                  </a:schemeClr>
-                </a:solidFill>
-              </a:rPr>
-              <a:t>whole</a:t>
-            </a:r>
-            <a:r>
-              <a:rPr lang="de-DE" dirty="0">
-                <a:solidFill>
-                  <a:schemeClr val="tx1">
-                    <a:lumMod val="50000"/>
-                    <a:lumOff val="50000"/>
-                  </a:schemeClr>
-                </a:solidFill>
-              </a:rPr>
-              <a:t> 2015</a:t>
-            </a:r>
-            <a:br>
-              <a:rPr lang="de-DE" dirty="0">
-                <a:solidFill>
-                  <a:schemeClr val="tx1">
-                    <a:lumMod val="50000"/>
-                    <a:lumOff val="50000"/>
-                  </a:schemeClr>
-                </a:solidFill>
-              </a:rPr>
-            </a:br>
+              <a:rPr lang="de-DE" dirty="0" err="1"/>
+              <a:t>Make</a:t>
+            </a:r>
+            <a:r>
+              <a:rPr lang="de-DE" dirty="0"/>
+              <a:t> </a:t>
+            </a:r>
+            <a:r>
+              <a:rPr lang="de-DE" dirty="0" err="1"/>
+              <a:t>the</a:t>
+            </a:r>
+            <a:r>
+              <a:rPr lang="de-DE" dirty="0"/>
+              <a:t> </a:t>
+            </a:r>
+            <a:r>
+              <a:rPr lang="de-DE" dirty="0" err="1"/>
+              <a:t>equations</a:t>
+            </a:r>
+            <a:r>
+              <a:rPr lang="de-DE" dirty="0"/>
+              <a:t> </a:t>
+            </a:r>
+            <a:r>
+              <a:rPr lang="de-DE" dirty="0" err="1"/>
+              <a:t>look</a:t>
+            </a:r>
+            <a:r>
+              <a:rPr lang="de-DE" dirty="0"/>
+              <a:t> nice, 200 </a:t>
+            </a:r>
+            <a:r>
+              <a:rPr lang="de-DE" dirty="0" err="1"/>
+              <a:t>days</a:t>
+            </a:r>
+            <a:r>
+              <a:rPr lang="de-DE" dirty="0"/>
+              <a:t> </a:t>
+            </a:r>
+            <a:r>
+              <a:rPr lang="de-DE" dirty="0" err="1"/>
+              <a:t>heating</a:t>
+            </a:r>
+            <a:r>
+              <a:rPr lang="de-DE" dirty="0"/>
+              <a:t> </a:t>
+            </a:r>
+            <a:r>
+              <a:rPr lang="de-DE" dirty="0" err="1"/>
+              <a:t>period</a:t>
+            </a:r>
+            <a:r>
+              <a:rPr lang="de-DE" dirty="0"/>
+              <a:t>, </a:t>
+            </a:r>
+            <a:r>
+              <a:rPr lang="de-DE" dirty="0" err="1"/>
+              <a:t>floor</a:t>
+            </a:r>
+            <a:r>
+              <a:rPr lang="de-DE" dirty="0"/>
+              <a:t> </a:t>
+            </a:r>
+            <a:r>
+              <a:rPr lang="de-DE" dirty="0" err="1"/>
+              <a:t>area</a:t>
+            </a:r>
+            <a:r>
+              <a:rPr lang="de-DE" dirty="0"/>
+              <a:t> not </a:t>
+            </a:r>
+            <a:r>
+              <a:rPr lang="de-DE" dirty="0" err="1"/>
+              <a:t>equal</a:t>
+            </a:r>
+            <a:r>
+              <a:rPr lang="de-DE" dirty="0"/>
+              <a:t> </a:t>
+            </a:r>
+            <a:r>
+              <a:rPr lang="de-DE" dirty="0" err="1"/>
+              <a:t>ground</a:t>
+            </a:r>
+            <a:r>
+              <a:rPr lang="de-DE" dirty="0"/>
+              <a:t> </a:t>
+            </a:r>
+            <a:r>
+              <a:rPr lang="de-DE" dirty="0" err="1"/>
+              <a:t>area</a:t>
+            </a:r>
             <a:endParaRPr lang="de-DE" dirty="0"/>
           </a:p>
         </p:txBody>
       </p:sp>
       <p:sp>
         <p:nvSpPr>
-          <p:cNvPr id="5" name="Content Placeholder 4">
+          <p:cNvPr id="19" name="Rectangle 18">
             <a:extLst>
               <a:ext uri="{FF2B5EF4-FFF2-40B4-BE49-F238E27FC236}">
-                <a16:creationId xmlns:a16="http://schemas.microsoft.com/office/drawing/2014/main" id="{AB52EA7F-D183-0A4D-9CC8-B5A82159EB4B}"/>
+                <a16:creationId xmlns:a16="http://schemas.microsoft.com/office/drawing/2014/main" id="{9E20FC1C-E565-4D81-BB08-BE98DCF80154}"/>
               </a:ext>
             </a:extLst>
           </p:cNvPr>
-          <p:cNvSpPr>
-            <a:spLocks noGrp="1"/>
-          </p:cNvSpPr>
-          <p:nvPr>
-            <p:ph idx="1"/>
-          </p:nvPr>
+          <p:cNvSpPr/>
+          <p:nvPr/>
         </p:nvSpPr>
-        <p:spPr/>
+        <p:spPr>
+          <a:xfrm>
+            <a:off x="8637493" y="568800"/>
+            <a:ext cx="2803307" cy="1424212"/>
+          </a:xfrm>
+          <a:prstGeom prst="rect">
+            <a:avLst/>
+          </a:prstGeom>
+        </p:spPr>
+        <p:style>
+          <a:lnRef idx="2">
+            <a:schemeClr val="accent2">
+              <a:shade val="15000"/>
+            </a:schemeClr>
+          </a:lnRef>
+          <a:fillRef idx="1">
+            <a:schemeClr val="accent2"/>
+          </a:fillRef>
+          <a:effectRef idx="0">
+            <a:schemeClr val="accent2"/>
+          </a:effectRef>
+          <a:fontRef idx="minor">
+            <a:schemeClr val="lt1"/>
+          </a:fontRef>
+        </p:style>
         <p:txBody>
-          <a:bodyPr/>
+          <a:bodyPr rtlCol="0" anchor="ctr"/>
           <a:lstStyle/>
           <a:p>
-            <a:r>
-              <a:rPr lang="de-DE" dirty="0" err="1"/>
-              <a:t>Typical</a:t>
-            </a:r>
-            <a:r>
-              <a:rPr lang="de-DE" dirty="0"/>
-              <a:t> </a:t>
-            </a:r>
-            <a:r>
-              <a:rPr lang="de-DE" dirty="0" err="1"/>
-              <a:t>building</a:t>
-            </a:r>
-            <a:r>
-              <a:rPr lang="de-DE" dirty="0"/>
-              <a:t>, </a:t>
-            </a:r>
-            <a:r>
-              <a:rPr lang="de-DE" dirty="0" err="1"/>
-              <a:t>explain</a:t>
-            </a:r>
-            <a:r>
-              <a:rPr lang="de-DE" dirty="0"/>
-              <a:t> </a:t>
-            </a:r>
-            <a:r>
-              <a:rPr lang="de-DE" dirty="0" err="1"/>
-              <a:t>plots</a:t>
-            </a:r>
-            <a:endParaRPr lang="de-DE" dirty="0"/>
-          </a:p>
-          <a:p>
-            <a:endParaRPr lang="de-DE" dirty="0"/>
+            <a:pPr algn="ctr"/>
+            <a:endParaRPr lang="de-DE"/>
           </a:p>
         </p:txBody>
       </p:sp>
     </p:spTree>
     <p:extLst>
       <p:ext uri="{BB962C8B-B14F-4D97-AF65-F5344CB8AC3E}">
-        <p14:creationId xmlns:p14="http://schemas.microsoft.com/office/powerpoint/2010/main" val="321713422"/>
+        <p14:creationId xmlns:p14="http://schemas.microsoft.com/office/powerpoint/2010/main" val="4189563796"/>
       </p:ext>
     </p:extLst>
   </p:cSld>
@@ -13464,10 +13964,10 @@
       </p:grpSpPr>
       <p:sp>
         <p:nvSpPr>
-          <p:cNvPr id="2" name="Title 1">
+          <p:cNvPr id="2" name="Titel 1">
             <a:extLst>
               <a:ext uri="{FF2B5EF4-FFF2-40B4-BE49-F238E27FC236}">
-                <a16:creationId xmlns:a16="http://schemas.microsoft.com/office/drawing/2014/main" id="{9BAB473C-44F6-DE7B-9C03-86852693BC76}"/>
+                <a16:creationId xmlns:a16="http://schemas.microsoft.com/office/drawing/2014/main" id="{2B6204BF-A39F-9F67-5574-5EB00A3EC4AA}"/>
               </a:ext>
             </a:extLst>
           </p:cNvPr>
@@ -13484,23 +13984,30 @@
           <a:lstStyle/>
           <a:p>
             <a:r>
+              <a:rPr lang="de-DE" dirty="0" err="1"/>
+              <a:t>Comparisons</a:t>
+            </a:r>
+            <a:r>
               <a:rPr lang="de-DE" dirty="0"/>
-              <a:t>Tabula </a:t>
+              <a:t> </a:t>
             </a:r>
             <a:r>
               <a:rPr lang="de-DE" dirty="0" err="1"/>
-              <a:t>parameters</a:t>
-            </a:r>
-            <a:endParaRPr lang="de-DE" dirty="0"/>
+              <a:t>between</a:t>
+            </a:r>
+            <a:r>
+              <a:rPr lang="de-DE" dirty="0"/>
+              <a:t> Scenarios</a:t>
+            </a:r>
           </a:p>
         </p:txBody>
       </p:sp>
       <p:sp>
         <p:nvSpPr>
-          <p:cNvPr id="3" name="Content Placeholder 2">
+          <p:cNvPr id="3" name="Inhaltsplatzhalter 2">
             <a:extLst>
               <a:ext uri="{FF2B5EF4-FFF2-40B4-BE49-F238E27FC236}">
-                <a16:creationId xmlns:a16="http://schemas.microsoft.com/office/drawing/2014/main" id="{CA71C9FE-1838-32F5-D4D9-F3200037FC18}"/>
+                <a16:creationId xmlns:a16="http://schemas.microsoft.com/office/drawing/2014/main" id="{6603635D-F04A-01DD-14F5-A66936E3D38C}"/>
               </a:ext>
             </a:extLst>
           </p:cNvPr>
@@ -13516,143 +14023,14 @@
           <a:bodyPr/>
           <a:lstStyle/>
           <a:p>
-            <a:r>
-              <a:rPr lang="de-DE" dirty="0" err="1"/>
-              <a:t>How</a:t>
-            </a:r>
-            <a:r>
-              <a:rPr lang="de-DE" dirty="0"/>
-              <a:t> </a:t>
-            </a:r>
-            <a:r>
-              <a:rPr lang="de-DE" dirty="0" err="1"/>
-              <a:t>did</a:t>
-            </a:r>
-            <a:r>
-              <a:rPr lang="de-DE" dirty="0"/>
-              <a:t> </a:t>
-            </a:r>
-            <a:r>
-              <a:rPr lang="de-DE" dirty="0" err="1"/>
-              <a:t>we</a:t>
-            </a:r>
-            <a:r>
-              <a:rPr lang="de-DE" dirty="0"/>
-              <a:t> </a:t>
-            </a:r>
-            <a:r>
-              <a:rPr lang="de-DE" dirty="0" err="1"/>
-              <a:t>calculate</a:t>
-            </a:r>
-            <a:r>
-              <a:rPr lang="de-DE" dirty="0"/>
-              <a:t> </a:t>
-            </a:r>
-            <a:r>
-              <a:rPr lang="de-DE" dirty="0" err="1"/>
-              <a:t>building</a:t>
-            </a:r>
-            <a:r>
-              <a:rPr lang="de-DE" dirty="0"/>
-              <a:t> </a:t>
-            </a:r>
-            <a:r>
-              <a:rPr lang="de-DE" dirty="0" err="1"/>
-              <a:t>volume</a:t>
-            </a:r>
-            <a:r>
-              <a:rPr lang="de-DE" dirty="0"/>
-              <a:t>: V = ¼* </a:t>
-            </a:r>
-            <a:r>
-              <a:rPr lang="de-DE" dirty="0" err="1"/>
-              <a:t>A_walls</a:t>
-            </a:r>
-            <a:r>
-              <a:rPr lang="de-DE" dirty="0"/>
-              <a:t>*</a:t>
-            </a:r>
-            <a:r>
-              <a:rPr lang="de-DE" dirty="0" err="1"/>
-              <a:t>sqrt</a:t>
-            </a:r>
-            <a:r>
-              <a:rPr lang="de-DE" dirty="0"/>
-              <a:t>(</a:t>
-            </a:r>
-            <a:r>
-              <a:rPr lang="de-DE" dirty="0" err="1"/>
-              <a:t>A_ground</a:t>
-            </a:r>
-            <a:r>
-              <a:rPr lang="de-DE" dirty="0"/>
-              <a:t>)</a:t>
-            </a:r>
-          </a:p>
-          <a:p>
-            <a:r>
-              <a:rPr lang="de-DE" dirty="0" err="1"/>
-              <a:t>What</a:t>
-            </a:r>
-            <a:r>
-              <a:rPr lang="de-DE" dirty="0"/>
-              <a:t> </a:t>
-            </a:r>
-            <a:r>
-              <a:rPr lang="de-DE" dirty="0" err="1"/>
-              <a:t>processes</a:t>
-            </a:r>
-            <a:r>
-              <a:rPr lang="de-DE" dirty="0"/>
-              <a:t> </a:t>
-            </a:r>
-            <a:r>
-              <a:rPr lang="de-DE" dirty="0" err="1"/>
-              <a:t>were</a:t>
-            </a:r>
-            <a:r>
-              <a:rPr lang="de-DE" dirty="0"/>
-              <a:t> </a:t>
-            </a:r>
-            <a:r>
-              <a:rPr lang="de-DE" dirty="0" err="1"/>
-              <a:t>omitted</a:t>
-            </a:r>
-            <a:r>
-              <a:rPr lang="de-DE" dirty="0"/>
-              <a:t> (internal </a:t>
-            </a:r>
-            <a:r>
-              <a:rPr lang="de-DE" dirty="0" err="1"/>
-              <a:t>heating</a:t>
-            </a:r>
-            <a:r>
-              <a:rPr lang="de-DE" dirty="0"/>
-              <a:t> </a:t>
-            </a:r>
-            <a:r>
-              <a:rPr lang="de-DE" dirty="0" err="1"/>
-              <a:t>sources</a:t>
-            </a:r>
-            <a:r>
-              <a:rPr lang="de-DE" dirty="0"/>
-              <a:t>, solar, </a:t>
-            </a:r>
-            <a:r>
-              <a:rPr lang="de-DE" dirty="0" err="1"/>
-              <a:t>ventilation</a:t>
-            </a:r>
-            <a:r>
-              <a:rPr lang="de-DE" dirty="0"/>
-              <a:t>)</a:t>
-            </a:r>
+            <a:endParaRPr lang="de-DE"/>
           </a:p>
         </p:txBody>
       </p:sp>
     </p:spTree>
     <p:extLst>
       <p:ext uri="{BB962C8B-B14F-4D97-AF65-F5344CB8AC3E}">
-        <p14:creationId xmlns:p14="http://schemas.microsoft.com/office/powerpoint/2010/main" val="2218439923"/>
+        <p14:creationId xmlns:p14="http://schemas.microsoft.com/office/powerpoint/2010/main" val="3652169195"/>
       </p:ext>
     </p:extLst>
   </p:cSld>
@@ -13663,6 +14041,443 @@
 </file>
 
 <file path=ppt/slides/slide21.xml><?xml version="1.0" encoding="utf-8"?>
+<p:sld xmlns:a="http://schemas.openxmlformats.org/drawingml/2006/main" xmlns:r="http://schemas.openxmlformats.org/officeDocument/2006/relationships" xmlns:p="http://schemas.openxmlformats.org/presentationml/2006/main">
+  <p:cSld>
+    <p:spTree>
+      <p:nvGrpSpPr>
+        <p:cNvPr id="1" name=""/>
+        <p:cNvGrpSpPr/>
+        <p:nvPr/>
+      </p:nvGrpSpPr>
+      <p:grpSpPr>
+        <a:xfrm>
+          <a:off x="0" y="0"/>
+          <a:ext cx="0" cy="0"/>
+          <a:chOff x="0" y="0"/>
+          <a:chExt cx="0" cy="0"/>
+        </a:xfrm>
+      </p:grpSpPr>
+      <p:sp>
+        <p:nvSpPr>
+          <p:cNvPr id="2" name="Title 1">
+            <a:extLst>
+              <a:ext uri="{FF2B5EF4-FFF2-40B4-BE49-F238E27FC236}">
+                <a16:creationId xmlns:a16="http://schemas.microsoft.com/office/drawing/2014/main" id="{08F98F63-5D6D-7081-BC5F-BD644A35C0A3}"/>
+              </a:ext>
+            </a:extLst>
+          </p:cNvPr>
+          <p:cNvSpPr>
+            <a:spLocks noGrp="1"/>
+          </p:cNvSpPr>
+          <p:nvPr>
+            <p:ph type="title"/>
+          </p:nvPr>
+        </p:nvSpPr>
+        <p:spPr/>
+        <p:txBody>
+          <a:bodyPr/>
+          <a:lstStyle/>
+          <a:p>
+            <a:endParaRPr lang="de-DE" dirty="0"/>
+          </a:p>
+        </p:txBody>
+      </p:sp>
+      <p:sp>
+        <p:nvSpPr>
+          <p:cNvPr id="3" name="Content Placeholder 2">
+            <a:extLst>
+              <a:ext uri="{FF2B5EF4-FFF2-40B4-BE49-F238E27FC236}">
+                <a16:creationId xmlns:a16="http://schemas.microsoft.com/office/drawing/2014/main" id="{89E7F1E8-F94D-F9E1-1817-CF8EF42B67D0}"/>
+              </a:ext>
+            </a:extLst>
+          </p:cNvPr>
+          <p:cNvSpPr>
+            <a:spLocks noGrp="1"/>
+          </p:cNvSpPr>
+          <p:nvPr>
+            <p:ph idx="1"/>
+          </p:nvPr>
+        </p:nvSpPr>
+        <p:spPr/>
+        <p:txBody>
+          <a:bodyPr/>
+          <a:lstStyle/>
+          <a:p>
+            <a:r>
+              <a:rPr lang="de-DE" dirty="0"/>
+              <a:t>Controller</a:t>
+            </a:r>
+          </a:p>
+          <a:p>
+            <a:endParaRPr lang="de-DE" dirty="0"/>
+          </a:p>
+          <a:p>
+            <a:endParaRPr lang="de-DE" dirty="0"/>
+          </a:p>
+          <a:p>
+            <a:r>
+              <a:rPr lang="de-DE" dirty="0" err="1"/>
+              <a:t>Misc</a:t>
+            </a:r>
+            <a:endParaRPr lang="de-DE" dirty="0"/>
+          </a:p>
+          <a:p>
+            <a:endParaRPr lang="de-DE" dirty="0"/>
+          </a:p>
+          <a:p>
+            <a:endParaRPr lang="de-DE" dirty="0"/>
+          </a:p>
+          <a:p>
+            <a:r>
+              <a:rPr lang="de-DE"/>
+              <a:t>Heat pump</a:t>
+            </a:r>
+            <a:endParaRPr lang="de-DE" dirty="0"/>
+          </a:p>
+        </p:txBody>
+      </p:sp>
+      <p:pic>
+        <p:nvPicPr>
+          <p:cNvPr id="5" name="Picture 4">
+            <a:extLst>
+              <a:ext uri="{FF2B5EF4-FFF2-40B4-BE49-F238E27FC236}">
+                <a16:creationId xmlns:a16="http://schemas.microsoft.com/office/drawing/2014/main" id="{15B3632D-9CF1-2E11-E109-471037F26894}"/>
+              </a:ext>
+            </a:extLst>
+          </p:cNvPr>
+          <p:cNvPicPr>
+            <a:picLocks noChangeAspect="1"/>
+          </p:cNvPicPr>
+          <p:nvPr/>
+        </p:nvPicPr>
+        <p:blipFill>
+          <a:blip r:embed="rId2"/>
+          <a:stretch>
+            <a:fillRect/>
+          </a:stretch>
+        </p:blipFill>
+        <p:spPr>
+          <a:xfrm>
+            <a:off x="3234919" y="1255460"/>
+            <a:ext cx="2410161" cy="1648055"/>
+          </a:xfrm>
+          <a:prstGeom prst="rect">
+            <a:avLst/>
+          </a:prstGeom>
+        </p:spPr>
+      </p:pic>
+      <p:pic>
+        <p:nvPicPr>
+          <p:cNvPr id="7" name="Picture 6">
+            <a:extLst>
+              <a:ext uri="{FF2B5EF4-FFF2-40B4-BE49-F238E27FC236}">
+                <a16:creationId xmlns:a16="http://schemas.microsoft.com/office/drawing/2014/main" id="{0ED134E1-30F4-0CDA-5118-C2DB7440B73E}"/>
+              </a:ext>
+            </a:extLst>
+          </p:cNvPr>
+          <p:cNvPicPr>
+            <a:picLocks noChangeAspect="1"/>
+          </p:cNvPicPr>
+          <p:nvPr/>
+        </p:nvPicPr>
+        <p:blipFill>
+          <a:blip r:embed="rId3"/>
+          <a:stretch>
+            <a:fillRect/>
+          </a:stretch>
+        </p:blipFill>
+        <p:spPr>
+          <a:xfrm>
+            <a:off x="5725346" y="1293565"/>
+            <a:ext cx="2210108" cy="1609950"/>
+          </a:xfrm>
+          <a:prstGeom prst="rect">
+            <a:avLst/>
+          </a:prstGeom>
+        </p:spPr>
+      </p:pic>
+      <p:pic>
+        <p:nvPicPr>
+          <p:cNvPr id="9" name="Picture 8">
+            <a:extLst>
+              <a:ext uri="{FF2B5EF4-FFF2-40B4-BE49-F238E27FC236}">
+                <a16:creationId xmlns:a16="http://schemas.microsoft.com/office/drawing/2014/main" id="{DEDC5797-BD80-0AAD-4FE1-B0B01E08CED4}"/>
+              </a:ext>
+            </a:extLst>
+          </p:cNvPr>
+          <p:cNvPicPr>
+            <a:picLocks noChangeAspect="1"/>
+          </p:cNvPicPr>
+          <p:nvPr/>
+        </p:nvPicPr>
+        <p:blipFill>
+          <a:blip r:embed="rId4"/>
+          <a:stretch>
+            <a:fillRect/>
+          </a:stretch>
+        </p:blipFill>
+        <p:spPr>
+          <a:xfrm>
+            <a:off x="8163930" y="1255460"/>
+            <a:ext cx="2257740" cy="1571844"/>
+          </a:xfrm>
+          <a:prstGeom prst="rect">
+            <a:avLst/>
+          </a:prstGeom>
+        </p:spPr>
+      </p:pic>
+      <p:pic>
+        <p:nvPicPr>
+          <p:cNvPr id="11" name="Picture 10">
+            <a:extLst>
+              <a:ext uri="{FF2B5EF4-FFF2-40B4-BE49-F238E27FC236}">
+                <a16:creationId xmlns:a16="http://schemas.microsoft.com/office/drawing/2014/main" id="{A169493C-0C37-1EDF-C46C-D478AA3280FB}"/>
+              </a:ext>
+            </a:extLst>
+          </p:cNvPr>
+          <p:cNvPicPr>
+            <a:picLocks noChangeAspect="1"/>
+          </p:cNvPicPr>
+          <p:nvPr/>
+        </p:nvPicPr>
+        <p:blipFill>
+          <a:blip r:embed="rId5"/>
+          <a:stretch>
+            <a:fillRect/>
+          </a:stretch>
+        </p:blipFill>
+        <p:spPr>
+          <a:xfrm>
+            <a:off x="3568848" y="3038452"/>
+            <a:ext cx="1546245" cy="1648055"/>
+          </a:xfrm>
+          <a:prstGeom prst="rect">
+            <a:avLst/>
+          </a:prstGeom>
+        </p:spPr>
+      </p:pic>
+      <p:pic>
+        <p:nvPicPr>
+          <p:cNvPr id="13" name="Picture 12">
+            <a:extLst>
+              <a:ext uri="{FF2B5EF4-FFF2-40B4-BE49-F238E27FC236}">
+                <a16:creationId xmlns:a16="http://schemas.microsoft.com/office/drawing/2014/main" id="{E51628BD-8FFB-A746-D9E0-EEE31D2FE5B9}"/>
+              </a:ext>
+            </a:extLst>
+          </p:cNvPr>
+          <p:cNvPicPr>
+            <a:picLocks noChangeAspect="1"/>
+          </p:cNvPicPr>
+          <p:nvPr/>
+        </p:nvPicPr>
+        <p:blipFill>
+          <a:blip r:embed="rId6"/>
+          <a:stretch>
+            <a:fillRect/>
+          </a:stretch>
+        </p:blipFill>
+        <p:spPr>
+          <a:xfrm>
+            <a:off x="5493839" y="4469418"/>
+            <a:ext cx="3324539" cy="1707545"/>
+          </a:xfrm>
+          <a:prstGeom prst="rect">
+            <a:avLst/>
+          </a:prstGeom>
+        </p:spPr>
+      </p:pic>
+    </p:spTree>
+    <p:extLst>
+      <p:ext uri="{BB962C8B-B14F-4D97-AF65-F5344CB8AC3E}">
+        <p14:creationId xmlns:p14="http://schemas.microsoft.com/office/powerpoint/2010/main" val="1669057568"/>
+      </p:ext>
+    </p:extLst>
+  </p:cSld>
+  <p:clrMapOvr>
+    <a:masterClrMapping/>
+  </p:clrMapOvr>
+</p:sld>
+</file>
+
+<file path=ppt/slides/slide22.xml><?xml version="1.0" encoding="utf-8"?>
+<p:sld xmlns:a="http://schemas.openxmlformats.org/drawingml/2006/main" xmlns:r="http://schemas.openxmlformats.org/officeDocument/2006/relationships" xmlns:p="http://schemas.openxmlformats.org/presentationml/2006/main">
+  <p:cSld>
+    <p:spTree>
+      <p:nvGrpSpPr>
+        <p:cNvPr id="1" name=""/>
+        <p:cNvGrpSpPr/>
+        <p:nvPr/>
+      </p:nvGrpSpPr>
+      <p:grpSpPr>
+        <a:xfrm>
+          <a:off x="0" y="0"/>
+          <a:ext cx="0" cy="0"/>
+          <a:chOff x="0" y="0"/>
+          <a:chExt cx="0" cy="0"/>
+        </a:xfrm>
+      </p:grpSpPr>
+      <p:sp>
+        <p:nvSpPr>
+          <p:cNvPr id="2" name="Titel 1">
+            <a:extLst>
+              <a:ext uri="{FF2B5EF4-FFF2-40B4-BE49-F238E27FC236}">
+                <a16:creationId xmlns:a16="http://schemas.microsoft.com/office/drawing/2014/main" id="{3CF21DF8-C972-CE41-240B-79F10EC03D3A}"/>
+              </a:ext>
+            </a:extLst>
+          </p:cNvPr>
+          <p:cNvSpPr>
+            <a:spLocks noGrp="1"/>
+          </p:cNvSpPr>
+          <p:nvPr>
+            <p:ph type="title"/>
+          </p:nvPr>
+        </p:nvSpPr>
+        <p:spPr/>
+        <p:txBody>
+          <a:bodyPr>
+            <a:normAutofit/>
+          </a:bodyPr>
+          <a:lstStyle/>
+          <a:p>
+            <a:r>
+              <a:rPr lang="de-DE" dirty="0">
+                <a:solidFill>
+                  <a:schemeClr val="tx1">
+                    <a:lumMod val="50000"/>
+                    <a:lumOff val="50000"/>
+                  </a:schemeClr>
+                </a:solidFill>
+              </a:rPr>
+              <a:t>1978 </a:t>
+            </a:r>
+            <a:r>
+              <a:rPr lang="de-DE" dirty="0" err="1">
+                <a:solidFill>
+                  <a:schemeClr val="tx1">
+                    <a:lumMod val="50000"/>
+                    <a:lumOff val="50000"/>
+                  </a:schemeClr>
+                </a:solidFill>
+              </a:rPr>
+              <a:t>building</a:t>
+            </a:r>
+            <a:r>
+              <a:rPr lang="de-DE" dirty="0">
+                <a:solidFill>
+                  <a:schemeClr val="tx1">
+                    <a:lumMod val="50000"/>
+                    <a:lumOff val="50000"/>
+                  </a:schemeClr>
+                </a:solidFill>
+              </a:rPr>
+              <a:t> in </a:t>
+            </a:r>
+            <a:r>
+              <a:rPr lang="de-DE" dirty="0" err="1">
+                <a:solidFill>
+                  <a:schemeClr val="tx1">
+                    <a:lumMod val="50000"/>
+                    <a:lumOff val="50000"/>
+                  </a:schemeClr>
+                </a:solidFill>
+              </a:rPr>
+              <a:t>whole</a:t>
+            </a:r>
+            <a:r>
+              <a:rPr lang="de-DE" dirty="0">
+                <a:solidFill>
+                  <a:schemeClr val="tx1">
+                    <a:lumMod val="50000"/>
+                    <a:lumOff val="50000"/>
+                  </a:schemeClr>
+                </a:solidFill>
+              </a:rPr>
+              <a:t> 2015</a:t>
+            </a:r>
+            <a:br>
+              <a:rPr lang="de-DE" dirty="0">
+                <a:solidFill>
+                  <a:schemeClr val="tx1">
+                    <a:lumMod val="50000"/>
+                    <a:lumOff val="50000"/>
+                  </a:schemeClr>
+                </a:solidFill>
+              </a:rPr>
+            </a:br>
+            <a:endParaRPr lang="de-DE" dirty="0"/>
+          </a:p>
+        </p:txBody>
+      </p:sp>
+      <p:sp>
+        <p:nvSpPr>
+          <p:cNvPr id="5" name="Content Placeholder 4">
+            <a:extLst>
+              <a:ext uri="{FF2B5EF4-FFF2-40B4-BE49-F238E27FC236}">
+                <a16:creationId xmlns:a16="http://schemas.microsoft.com/office/drawing/2014/main" id="{AB52EA7F-D183-0A4D-9CC8-B5A82159EB4B}"/>
+              </a:ext>
+            </a:extLst>
+          </p:cNvPr>
+          <p:cNvSpPr>
+            <a:spLocks noGrp="1"/>
+          </p:cNvSpPr>
+          <p:nvPr>
+            <p:ph idx="1"/>
+          </p:nvPr>
+        </p:nvSpPr>
+        <p:spPr/>
+        <p:txBody>
+          <a:bodyPr/>
+          <a:lstStyle/>
+          <a:p>
+            <a:r>
+              <a:rPr lang="de-DE" dirty="0" err="1"/>
+              <a:t>Typical</a:t>
+            </a:r>
+            <a:r>
+              <a:rPr lang="de-DE" dirty="0"/>
+              <a:t> </a:t>
+            </a:r>
+            <a:r>
+              <a:rPr lang="de-DE" dirty="0" err="1"/>
+              <a:t>building</a:t>
+            </a:r>
+            <a:r>
+              <a:rPr lang="de-DE" dirty="0"/>
+              <a:t>, </a:t>
+            </a:r>
+            <a:r>
+              <a:rPr lang="de-DE" dirty="0" err="1"/>
+              <a:t>explain</a:t>
+            </a:r>
+            <a:r>
+              <a:rPr lang="de-DE" dirty="0"/>
+              <a:t> </a:t>
+            </a:r>
+            <a:r>
+              <a:rPr lang="de-DE" dirty="0" err="1"/>
+              <a:t>plots</a:t>
+            </a:r>
+            <a:endParaRPr lang="de-DE" dirty="0"/>
+          </a:p>
+          <a:p>
+            <a:endParaRPr lang="de-DE" dirty="0"/>
+          </a:p>
+        </p:txBody>
+      </p:sp>
+    </p:spTree>
+    <p:extLst>
+      <p:ext uri="{BB962C8B-B14F-4D97-AF65-F5344CB8AC3E}">
+        <p14:creationId xmlns:p14="http://schemas.microsoft.com/office/powerpoint/2010/main" val="321713422"/>
+      </p:ext>
+    </p:extLst>
+  </p:cSld>
+  <p:clrMapOvr>
+    <a:masterClrMapping/>
+  </p:clrMapOvr>
+</p:sld>
+</file>
+
+<file path=ppt/slides/slide23.xml><?xml version="1.0" encoding="utf-8"?>
 <p:sld xmlns:a="http://schemas.openxmlformats.org/drawingml/2006/main" xmlns:r="http://schemas.openxmlformats.org/officeDocument/2006/relationships" xmlns:p="http://schemas.openxmlformats.org/presentationml/2006/main">
   <p:cSld>
     <p:spTree>
@@ -14149,7 +14964,7 @@
 </p:sld>
 </file>
 
-<file path=ppt/slides/slide22.xml><?xml version="1.0" encoding="utf-8"?>
+<file path=ppt/slides/slide24.xml><?xml version="1.0" encoding="utf-8"?>
 <p:sld xmlns:a="http://schemas.openxmlformats.org/drawingml/2006/main" xmlns:r="http://schemas.openxmlformats.org/officeDocument/2006/relationships" xmlns:p="http://schemas.openxmlformats.org/presentationml/2006/main">
   <p:cSld>
     <p:spTree>
@@ -14639,7 +15454,7 @@
 </p:sld>
 </file>
 
-<file path=ppt/slides/slide23.xml><?xml version="1.0" encoding="utf-8"?>
+<file path=ppt/slides/slide25.xml><?xml version="1.0" encoding="utf-8"?>
 <p:sld xmlns:a="http://schemas.openxmlformats.org/drawingml/2006/main" xmlns:r="http://schemas.openxmlformats.org/officeDocument/2006/relationships" xmlns:p="http://schemas.openxmlformats.org/presentationml/2006/main">
   <p:cSld>
     <p:spTree>
@@ -15050,310 +15865,7 @@
 </p:sld>
 </file>
 
-<file path=ppt/slides/slide24.xml><?xml version="1.0" encoding="utf-8"?>
-<p:sld xmlns:a="http://schemas.openxmlformats.org/drawingml/2006/main" xmlns:r="http://schemas.openxmlformats.org/officeDocument/2006/relationships" xmlns:p="http://schemas.openxmlformats.org/presentationml/2006/main">
-  <p:cSld>
-    <p:spTree>
-      <p:nvGrpSpPr>
-        <p:cNvPr id="1" name=""/>
-        <p:cNvGrpSpPr/>
-        <p:nvPr/>
-      </p:nvGrpSpPr>
-      <p:grpSpPr>
-        <a:xfrm>
-          <a:off x="0" y="0"/>
-          <a:ext cx="0" cy="0"/>
-          <a:chOff x="0" y="0"/>
-          <a:chExt cx="0" cy="0"/>
-        </a:xfrm>
-      </p:grpSpPr>
-      <p:sp>
-        <p:nvSpPr>
-          <p:cNvPr id="2" name="Titel 1">
-            <a:extLst>
-              <a:ext uri="{FF2B5EF4-FFF2-40B4-BE49-F238E27FC236}">
-                <a16:creationId xmlns:a16="http://schemas.microsoft.com/office/drawing/2014/main" id="{03ABC854-3852-C444-B5D8-943D204B4B40}"/>
-              </a:ext>
-            </a:extLst>
-          </p:cNvPr>
-          <p:cNvSpPr>
-            <a:spLocks noGrp="1"/>
-          </p:cNvSpPr>
-          <p:nvPr>
-            <p:ph type="title"/>
-          </p:nvPr>
-        </p:nvSpPr>
-        <p:spPr/>
-        <p:txBody>
-          <a:bodyPr/>
-          <a:lstStyle/>
-          <a:p>
-            <a:r>
-              <a:rPr lang="de-DE" dirty="0" err="1"/>
-              <a:t>A_ground</a:t>
-            </a:r>
-            <a:r>
-              <a:rPr lang="de-DE" dirty="0"/>
-              <a:t>?</a:t>
-            </a:r>
-          </a:p>
-        </p:txBody>
-      </p:sp>
-      <p:sp>
-        <p:nvSpPr>
-          <p:cNvPr id="7" name="TextBox 6">
-            <a:extLst>
-              <a:ext uri="{FF2B5EF4-FFF2-40B4-BE49-F238E27FC236}">
-                <a16:creationId xmlns:a16="http://schemas.microsoft.com/office/drawing/2014/main" id="{F7C4736E-3CF2-1987-53C4-921A959DFBE2}"/>
-              </a:ext>
-            </a:extLst>
-          </p:cNvPr>
-          <p:cNvSpPr txBox="1"/>
-          <p:nvPr/>
-        </p:nvSpPr>
-        <p:spPr>
-          <a:xfrm>
-            <a:off x="678600" y="6115749"/>
-            <a:ext cx="11287800" cy="369332"/>
-          </a:xfrm>
-          <a:prstGeom prst="rect">
-            <a:avLst/>
-          </a:prstGeom>
-          <a:noFill/>
-        </p:spPr>
-        <p:txBody>
-          <a:bodyPr wrap="square">
-            <a:spAutoFit/>
-          </a:bodyPr>
-          <a:lstStyle/>
-          <a:p>
-            <a:r>
-              <a:rPr lang="de-DE" dirty="0" err="1"/>
-              <a:t>Is</a:t>
-            </a:r>
-            <a:r>
-              <a:rPr lang="de-DE" dirty="0"/>
-              <a:t> </a:t>
-            </a:r>
-            <a:r>
-              <a:rPr lang="de-DE" dirty="0" err="1"/>
-              <a:t>it</a:t>
-            </a:r>
-            <a:r>
-              <a:rPr lang="de-DE" dirty="0"/>
-              <a:t> per m^2 </a:t>
-            </a:r>
-            <a:r>
-              <a:rPr lang="de-DE" dirty="0" err="1"/>
-              <a:t>of</a:t>
-            </a:r>
-            <a:r>
-              <a:rPr lang="de-DE" dirty="0"/>
-              <a:t> </a:t>
-            </a:r>
-            <a:r>
-              <a:rPr lang="de-DE" dirty="0" err="1"/>
-              <a:t>component</a:t>
-            </a:r>
-            <a:r>
-              <a:rPr lang="de-DE" dirty="0"/>
-              <a:t> </a:t>
-            </a:r>
-            <a:r>
-              <a:rPr lang="de-DE" dirty="0" err="1"/>
-              <a:t>or</a:t>
-            </a:r>
-            <a:r>
-              <a:rPr lang="de-DE" dirty="0"/>
-              <a:t> per m^2 </a:t>
-            </a:r>
-            <a:r>
-              <a:rPr lang="de-DE" dirty="0" err="1"/>
-              <a:t>of</a:t>
-            </a:r>
-            <a:r>
-              <a:rPr lang="de-DE" dirty="0"/>
-              <a:t> </a:t>
-            </a:r>
-            <a:r>
-              <a:rPr lang="de-DE" dirty="0" err="1"/>
-              <a:t>living</a:t>
-            </a:r>
-            <a:r>
-              <a:rPr lang="de-DE" dirty="0"/>
-              <a:t> </a:t>
-            </a:r>
-            <a:r>
-              <a:rPr lang="de-DE" dirty="0" err="1"/>
-              <a:t>space</a:t>
-            </a:r>
-            <a:r>
-              <a:rPr lang="de-DE" dirty="0"/>
-              <a:t> </a:t>
-            </a:r>
-            <a:r>
-              <a:rPr lang="de-DE" dirty="0" err="1"/>
-              <a:t>A_ground</a:t>
-            </a:r>
-            <a:r>
-              <a:rPr lang="de-DE" dirty="0"/>
-              <a:t>?) </a:t>
-            </a:r>
-            <a:r>
-              <a:rPr lang="de-DE" dirty="0" err="1"/>
-              <a:t>Cause</a:t>
-            </a:r>
-            <a:r>
-              <a:rPr lang="de-DE" dirty="0"/>
-              <a:t> </a:t>
-            </a:r>
-            <a:r>
-              <a:rPr lang="de-DE" dirty="0" err="1"/>
-              <a:t>with</a:t>
-            </a:r>
-            <a:r>
-              <a:rPr lang="de-DE" dirty="0"/>
-              <a:t> </a:t>
-            </a:r>
-            <a:r>
-              <a:rPr lang="de-DE" dirty="0" err="1"/>
-              <a:t>A_ground</a:t>
-            </a:r>
-            <a:r>
-              <a:rPr lang="de-DE" dirty="0"/>
-              <a:t> </a:t>
-            </a:r>
-            <a:r>
-              <a:rPr lang="de-DE" dirty="0" err="1"/>
-              <a:t>is</a:t>
-            </a:r>
-            <a:r>
-              <a:rPr lang="de-DE" dirty="0"/>
-              <a:t> </a:t>
-            </a:r>
-            <a:r>
-              <a:rPr lang="de-DE" dirty="0" err="1"/>
-              <a:t>looks</a:t>
-            </a:r>
-            <a:r>
-              <a:rPr lang="de-DE" dirty="0"/>
-              <a:t> </a:t>
-            </a:r>
-            <a:r>
-              <a:rPr lang="de-DE" dirty="0" err="1"/>
-              <a:t>much</a:t>
-            </a:r>
-            <a:r>
-              <a:rPr lang="de-DE" dirty="0"/>
-              <a:t> </a:t>
-            </a:r>
-            <a:r>
-              <a:rPr lang="de-DE" dirty="0" err="1"/>
-              <a:t>better</a:t>
-            </a:r>
-            <a:endParaRPr lang="de-DE" dirty="0"/>
-          </a:p>
-        </p:txBody>
-      </p:sp>
-      <p:pic>
-        <p:nvPicPr>
-          <p:cNvPr id="8" name="Content Placeholder 3">
-            <a:extLst>
-              <a:ext uri="{FF2B5EF4-FFF2-40B4-BE49-F238E27FC236}">
-                <a16:creationId xmlns:a16="http://schemas.microsoft.com/office/drawing/2014/main" id="{7BD8DD98-F6C7-78F1-1461-6AC65F82AA63}"/>
-              </a:ext>
-            </a:extLst>
-          </p:cNvPr>
-          <p:cNvPicPr>
-            <a:picLocks noChangeAspect="1"/>
-          </p:cNvPicPr>
-          <p:nvPr/>
-        </p:nvPicPr>
-        <p:blipFill>
-          <a:blip r:embed="rId2"/>
-          <a:stretch>
-            <a:fillRect/>
-          </a:stretch>
-        </p:blipFill>
-        <p:spPr>
-          <a:xfrm>
-            <a:off x="611613" y="1462087"/>
-            <a:ext cx="6735173" cy="4351338"/>
-          </a:xfrm>
-          <a:prstGeom prst="rect">
-            <a:avLst/>
-          </a:prstGeom>
-        </p:spPr>
-      </p:pic>
-      <p:sp>
-        <p:nvSpPr>
-          <p:cNvPr id="10" name="Content Placeholder 9">
-            <a:extLst>
-              <a:ext uri="{FF2B5EF4-FFF2-40B4-BE49-F238E27FC236}">
-                <a16:creationId xmlns:a16="http://schemas.microsoft.com/office/drawing/2014/main" id="{1F52DAE0-9961-6B48-7EEE-520BB5186380}"/>
-              </a:ext>
-            </a:extLst>
-          </p:cNvPr>
-          <p:cNvSpPr>
-            <a:spLocks noGrp="1"/>
-          </p:cNvSpPr>
-          <p:nvPr>
-            <p:ph idx="1"/>
-          </p:nvPr>
-        </p:nvSpPr>
-        <p:spPr/>
-        <p:txBody>
-          <a:bodyPr/>
-          <a:lstStyle/>
-          <a:p>
-            <a:endParaRPr lang="de-DE"/>
-          </a:p>
-        </p:txBody>
-      </p:sp>
-      <p:pic>
-        <p:nvPicPr>
-          <p:cNvPr id="11" name="Content Placeholder 4">
-            <a:extLst>
-              <a:ext uri="{FF2B5EF4-FFF2-40B4-BE49-F238E27FC236}">
-                <a16:creationId xmlns:a16="http://schemas.microsoft.com/office/drawing/2014/main" id="{21465B75-B33E-9148-198D-D8E683884F79}"/>
-              </a:ext>
-            </a:extLst>
-          </p:cNvPr>
-          <p:cNvPicPr>
-            <a:picLocks noChangeAspect="1"/>
-          </p:cNvPicPr>
-          <p:nvPr/>
-        </p:nvPicPr>
-        <p:blipFill>
-          <a:blip r:embed="rId3"/>
-          <a:stretch>
-            <a:fillRect/>
-          </a:stretch>
-        </p:blipFill>
-        <p:spPr>
-          <a:xfrm>
-            <a:off x="5097306" y="1670843"/>
-            <a:ext cx="5438775" cy="3933825"/>
-          </a:xfrm>
-          <a:prstGeom prst="rect">
-            <a:avLst/>
-          </a:prstGeom>
-        </p:spPr>
-      </p:pic>
-    </p:spTree>
-    <p:extLst>
-      <p:ext uri="{BB962C8B-B14F-4D97-AF65-F5344CB8AC3E}">
-        <p14:creationId xmlns:p14="http://schemas.microsoft.com/office/powerpoint/2010/main" val="4189563796"/>
-      </p:ext>
-    </p:extLst>
-  </p:cSld>
-  <p:clrMapOvr>
-    <a:masterClrMapping/>
-  </p:clrMapOvr>
-</p:sld>
-</file>
-
-<file path=ppt/slides/slide25.xml><?xml version="1.0" encoding="utf-8"?>
+<file path=ppt/slides/slide26.xml><?xml version="1.0" encoding="utf-8"?>
 <p:sld xmlns:a="http://schemas.openxmlformats.org/drawingml/2006/main" xmlns:r="http://schemas.openxmlformats.org/officeDocument/2006/relationships" xmlns:p="http://schemas.openxmlformats.org/presentationml/2006/main">
   <p:cSld>
     <p:spTree>
@@ -15392,9 +15904,10 @@
           <a:lstStyle/>
           <a:p>
             <a:r>
-              <a:rPr lang="de-DE"/>
+              <a:rPr lang="de-DE" dirty="0" err="1"/>
               <a:t>Conclusions</a:t>
             </a:r>
+            <a:endParaRPr lang="de-DE" dirty="0"/>
           </a:p>
         </p:txBody>
       </p:sp>
@@ -15436,7 +15949,7 @@
 </p:sld>
 </file>
 
-<file path=ppt/slides/slide26.xml><?xml version="1.0" encoding="utf-8"?>
+<file path=ppt/slides/slide27.xml><?xml version="1.0" encoding="utf-8"?>
 <p:sld xmlns:a="http://schemas.openxmlformats.org/drawingml/2006/main" xmlns:r="http://schemas.openxmlformats.org/officeDocument/2006/relationships" xmlns:p="http://schemas.openxmlformats.org/presentationml/2006/main">
   <p:cSld>
     <p:spTree>
@@ -15539,7 +16052,7 @@
 </p:sld>
 </file>
 
-<file path=ppt/slides/slide27.xml><?xml version="1.0" encoding="utf-8"?>
+<file path=ppt/slides/slide28.xml><?xml version="1.0" encoding="utf-8"?>
 <p:sld xmlns:a="http://schemas.openxmlformats.org/drawingml/2006/main" xmlns:r="http://schemas.openxmlformats.org/officeDocument/2006/relationships" xmlns:p="http://schemas.openxmlformats.org/presentationml/2006/main">
   <p:cSld>
     <p:spTree>
@@ -15651,7 +16164,7 @@
 </p:sld>
 </file>
 
-<file path=ppt/slides/slide28.xml><?xml version="1.0" encoding="utf-8"?>
+<file path=ppt/slides/slide29.xml><?xml version="1.0" encoding="utf-8"?>
 <p:sld xmlns:a="http://schemas.openxmlformats.org/drawingml/2006/main" xmlns:r="http://schemas.openxmlformats.org/officeDocument/2006/relationships" xmlns:p="http://schemas.openxmlformats.org/presentationml/2006/main">
   <p:cSld>
     <p:spTree>
@@ -15749,121 +16262,6 @@
     <p:extLst>
       <p:ext uri="{BB962C8B-B14F-4D97-AF65-F5344CB8AC3E}">
         <p14:creationId xmlns:p14="http://schemas.microsoft.com/office/powerpoint/2010/main" val="185466658"/>
-      </p:ext>
-    </p:extLst>
-  </p:cSld>
-  <p:clrMapOvr>
-    <a:masterClrMapping/>
-  </p:clrMapOvr>
-</p:sld>
-</file>
-
-<file path=ppt/slides/slide29.xml><?xml version="1.0" encoding="utf-8"?>
-<p:sld xmlns:a="http://schemas.openxmlformats.org/drawingml/2006/main" xmlns:r="http://schemas.openxmlformats.org/officeDocument/2006/relationships" xmlns:p="http://schemas.openxmlformats.org/presentationml/2006/main">
-  <p:cSld>
-    <p:spTree>
-      <p:nvGrpSpPr>
-        <p:cNvPr id="1" name=""/>
-        <p:cNvGrpSpPr/>
-        <p:nvPr/>
-      </p:nvGrpSpPr>
-      <p:grpSpPr>
-        <a:xfrm>
-          <a:off x="0" y="0"/>
-          <a:ext cx="0" cy="0"/>
-          <a:chOff x="0" y="0"/>
-          <a:chExt cx="0" cy="0"/>
-        </a:xfrm>
-      </p:grpSpPr>
-      <p:sp>
-        <p:nvSpPr>
-          <p:cNvPr id="2" name="Titel 1">
-            <a:extLst>
-              <a:ext uri="{FF2B5EF4-FFF2-40B4-BE49-F238E27FC236}">
-                <a16:creationId xmlns:a16="http://schemas.microsoft.com/office/drawing/2014/main" id="{891552A5-145F-B5C0-E613-4206D744A58C}"/>
-              </a:ext>
-            </a:extLst>
-          </p:cNvPr>
-          <p:cNvSpPr>
-            <a:spLocks noGrp="1"/>
-          </p:cNvSpPr>
-          <p:nvPr>
-            <p:ph type="title"/>
-          </p:nvPr>
-        </p:nvSpPr>
-        <p:spPr/>
-        <p:txBody>
-          <a:bodyPr/>
-          <a:lstStyle/>
-          <a:p>
-            <a:r>
-              <a:rPr lang="de-DE" dirty="0"/>
-              <a:t>Do </a:t>
-            </a:r>
-            <a:r>
-              <a:rPr lang="de-DE" dirty="0" err="1"/>
-              <a:t>you</a:t>
-            </a:r>
-            <a:r>
-              <a:rPr lang="de-DE" dirty="0"/>
-              <a:t> </a:t>
-            </a:r>
-            <a:r>
-              <a:rPr lang="de-DE" dirty="0" err="1"/>
-              <a:t>have</a:t>
-            </a:r>
-            <a:r>
-              <a:rPr lang="de-DE" dirty="0"/>
-              <a:t> </a:t>
-            </a:r>
-            <a:r>
-              <a:rPr lang="de-DE" dirty="0" err="1"/>
-              <a:t>any</a:t>
-            </a:r>
-            <a:r>
-              <a:rPr lang="de-DE" dirty="0"/>
-              <a:t> </a:t>
-            </a:r>
-            <a:r>
-              <a:rPr lang="de-DE" dirty="0" err="1"/>
-              <a:t>questions</a:t>
-            </a:r>
-            <a:r>
-              <a:rPr lang="de-DE" dirty="0"/>
-              <a:t>?</a:t>
-            </a:r>
-          </a:p>
-        </p:txBody>
-      </p:sp>
-      <p:sp>
-        <p:nvSpPr>
-          <p:cNvPr id="3" name="Inhaltsplatzhalter 2">
-            <a:extLst>
-              <a:ext uri="{FF2B5EF4-FFF2-40B4-BE49-F238E27FC236}">
-                <a16:creationId xmlns:a16="http://schemas.microsoft.com/office/drawing/2014/main" id="{CA2926EA-5B65-65B8-9385-57909250337D}"/>
-              </a:ext>
-            </a:extLst>
-          </p:cNvPr>
-          <p:cNvSpPr>
-            <a:spLocks noGrp="1"/>
-          </p:cNvSpPr>
-          <p:nvPr>
-            <p:ph idx="1"/>
-          </p:nvPr>
-        </p:nvSpPr>
-        <p:spPr/>
-        <p:txBody>
-          <a:bodyPr/>
-          <a:lstStyle/>
-          <a:p>
-            <a:endParaRPr lang="de-DE"/>
-          </a:p>
-        </p:txBody>
-      </p:sp>
-    </p:spTree>
-    <p:extLst>
-      <p:ext uri="{BB962C8B-B14F-4D97-AF65-F5344CB8AC3E}">
-        <p14:creationId xmlns:p14="http://schemas.microsoft.com/office/powerpoint/2010/main" val="3093946872"/>
       </p:ext>
     </p:extLst>
   </p:cSld>
@@ -15994,6 +16392,121 @@
 </file>
 
 <file path=ppt/slides/slide30.xml><?xml version="1.0" encoding="utf-8"?>
+<p:sld xmlns:a="http://schemas.openxmlformats.org/drawingml/2006/main" xmlns:r="http://schemas.openxmlformats.org/officeDocument/2006/relationships" xmlns:p="http://schemas.openxmlformats.org/presentationml/2006/main">
+  <p:cSld>
+    <p:spTree>
+      <p:nvGrpSpPr>
+        <p:cNvPr id="1" name=""/>
+        <p:cNvGrpSpPr/>
+        <p:nvPr/>
+      </p:nvGrpSpPr>
+      <p:grpSpPr>
+        <a:xfrm>
+          <a:off x="0" y="0"/>
+          <a:ext cx="0" cy="0"/>
+          <a:chOff x="0" y="0"/>
+          <a:chExt cx="0" cy="0"/>
+        </a:xfrm>
+      </p:grpSpPr>
+      <p:sp>
+        <p:nvSpPr>
+          <p:cNvPr id="2" name="Titel 1">
+            <a:extLst>
+              <a:ext uri="{FF2B5EF4-FFF2-40B4-BE49-F238E27FC236}">
+                <a16:creationId xmlns:a16="http://schemas.microsoft.com/office/drawing/2014/main" id="{891552A5-145F-B5C0-E613-4206D744A58C}"/>
+              </a:ext>
+            </a:extLst>
+          </p:cNvPr>
+          <p:cNvSpPr>
+            <a:spLocks noGrp="1"/>
+          </p:cNvSpPr>
+          <p:nvPr>
+            <p:ph type="title"/>
+          </p:nvPr>
+        </p:nvSpPr>
+        <p:spPr/>
+        <p:txBody>
+          <a:bodyPr/>
+          <a:lstStyle/>
+          <a:p>
+            <a:r>
+              <a:rPr lang="de-DE" dirty="0"/>
+              <a:t>Do </a:t>
+            </a:r>
+            <a:r>
+              <a:rPr lang="de-DE" dirty="0" err="1"/>
+              <a:t>you</a:t>
+            </a:r>
+            <a:r>
+              <a:rPr lang="de-DE" dirty="0"/>
+              <a:t> </a:t>
+            </a:r>
+            <a:r>
+              <a:rPr lang="de-DE" dirty="0" err="1"/>
+              <a:t>have</a:t>
+            </a:r>
+            <a:r>
+              <a:rPr lang="de-DE" dirty="0"/>
+              <a:t> </a:t>
+            </a:r>
+            <a:r>
+              <a:rPr lang="de-DE" dirty="0" err="1"/>
+              <a:t>any</a:t>
+            </a:r>
+            <a:r>
+              <a:rPr lang="de-DE" dirty="0"/>
+              <a:t> </a:t>
+            </a:r>
+            <a:r>
+              <a:rPr lang="de-DE" dirty="0" err="1"/>
+              <a:t>questions</a:t>
+            </a:r>
+            <a:r>
+              <a:rPr lang="de-DE" dirty="0"/>
+              <a:t>?</a:t>
+            </a:r>
+          </a:p>
+        </p:txBody>
+      </p:sp>
+      <p:sp>
+        <p:nvSpPr>
+          <p:cNvPr id="3" name="Inhaltsplatzhalter 2">
+            <a:extLst>
+              <a:ext uri="{FF2B5EF4-FFF2-40B4-BE49-F238E27FC236}">
+                <a16:creationId xmlns:a16="http://schemas.microsoft.com/office/drawing/2014/main" id="{CA2926EA-5B65-65B8-9385-57909250337D}"/>
+              </a:ext>
+            </a:extLst>
+          </p:cNvPr>
+          <p:cNvSpPr>
+            <a:spLocks noGrp="1"/>
+          </p:cNvSpPr>
+          <p:nvPr>
+            <p:ph idx="1"/>
+          </p:nvPr>
+        </p:nvSpPr>
+        <p:spPr/>
+        <p:txBody>
+          <a:bodyPr/>
+          <a:lstStyle/>
+          <a:p>
+            <a:endParaRPr lang="de-DE"/>
+          </a:p>
+        </p:txBody>
+      </p:sp>
+    </p:spTree>
+    <p:extLst>
+      <p:ext uri="{BB962C8B-B14F-4D97-AF65-F5344CB8AC3E}">
+        <p14:creationId xmlns:p14="http://schemas.microsoft.com/office/powerpoint/2010/main" val="3093946872"/>
+      </p:ext>
+    </p:extLst>
+  </p:cSld>
+  <p:clrMapOvr>
+    <a:masterClrMapping/>
+  </p:clrMapOvr>
+</p:sld>
+</file>
+
+<file path=ppt/slides/slide31.xml><?xml version="1.0" encoding="utf-8"?>
 <p:sld xmlns:a="http://schemas.openxmlformats.org/drawingml/2006/main" xmlns:r="http://schemas.openxmlformats.org/officeDocument/2006/relationships" xmlns:p="http://schemas.openxmlformats.org/presentationml/2006/main">
   <p:cSld>
     <p:spTree>

--- a/presentation/heat.pptx
+++ b/presentation/heat.pptx
@@ -5,7 +5,7 @@
     <p:sldMasterId id="2147483648" r:id="rId1"/>
   </p:sldMasterIdLst>
   <p:notesMasterIdLst>
-    <p:notesMasterId r:id="rId36"/>
+    <p:notesMasterId r:id="rId39"/>
   </p:notesMasterIdLst>
   <p:sldIdLst>
     <p:sldId id="256" r:id="rId2"/>
@@ -25,23 +25,26 @@
     <p:sldId id="280" r:id="rId16"/>
     <p:sldId id="260" r:id="rId17"/>
     <p:sldId id="261" r:id="rId18"/>
-    <p:sldId id="283" r:id="rId19"/>
-    <p:sldId id="267" r:id="rId20"/>
-    <p:sldId id="286" r:id="rId21"/>
-    <p:sldId id="266" r:id="rId22"/>
-    <p:sldId id="281" r:id="rId23"/>
-    <p:sldId id="282" r:id="rId24"/>
-    <p:sldId id="284" r:id="rId25"/>
-    <p:sldId id="288" r:id="rId26"/>
-    <p:sldId id="290" r:id="rId27"/>
-    <p:sldId id="289" r:id="rId28"/>
-    <p:sldId id="287" r:id="rId29"/>
-    <p:sldId id="285" r:id="rId30"/>
-    <p:sldId id="268" r:id="rId31"/>
-    <p:sldId id="263" r:id="rId32"/>
-    <p:sldId id="264" r:id="rId33"/>
-    <p:sldId id="269" r:id="rId34"/>
-    <p:sldId id="265" r:id="rId35"/>
+    <p:sldId id="291" r:id="rId19"/>
+    <p:sldId id="283" r:id="rId20"/>
+    <p:sldId id="292" r:id="rId21"/>
+    <p:sldId id="267" r:id="rId22"/>
+    <p:sldId id="286" r:id="rId23"/>
+    <p:sldId id="266" r:id="rId24"/>
+    <p:sldId id="293" r:id="rId25"/>
+    <p:sldId id="281" r:id="rId26"/>
+    <p:sldId id="282" r:id="rId27"/>
+    <p:sldId id="284" r:id="rId28"/>
+    <p:sldId id="288" r:id="rId29"/>
+    <p:sldId id="290" r:id="rId30"/>
+    <p:sldId id="289" r:id="rId31"/>
+    <p:sldId id="287" r:id="rId32"/>
+    <p:sldId id="285" r:id="rId33"/>
+    <p:sldId id="268" r:id="rId34"/>
+    <p:sldId id="263" r:id="rId35"/>
+    <p:sldId id="264" r:id="rId36"/>
+    <p:sldId id="269" r:id="rId37"/>
+    <p:sldId id="265" r:id="rId38"/>
   </p:sldIdLst>
   <p:sldSz cx="12192000" cy="6858000"/>
   <p:notesSz cx="6858000" cy="9144000"/>
@@ -11221,7 +11224,10 @@
               <a:rPr lang="de-DE" dirty="0" err="1"/>
               <a:t>data</a:t>
             </a:r>
-            <a:endParaRPr lang="de-DE" dirty="0"/>
+            <a:r>
+              <a:rPr lang="de-DE" dirty="0"/>
+              <a:t> (2015)</a:t>
+            </a:r>
           </a:p>
         </p:txBody>
       </p:sp>
@@ -11241,7 +11247,12 @@
             <p:ph idx="1"/>
           </p:nvPr>
         </p:nvSpPr>
-        <p:spPr/>
+        <p:spPr>
+          <a:xfrm>
+            <a:off x="521400" y="1876025"/>
+            <a:ext cx="5377802" cy="4351338"/>
+          </a:xfrm>
+        </p:spPr>
         <p:txBody>
           <a:bodyPr/>
           <a:lstStyle/>
@@ -11255,117 +11266,29 @@
                   </a:schemeClr>
                 </a:solidFill>
               </a:rPr>
-              <a:t>Maybe </a:t>
-            </a:r>
-            <a:r>
-              <a:rPr lang="de-DE" dirty="0" err="1">
-                <a:solidFill>
-                  <a:schemeClr val="tx1">
-                    <a:lumMod val="50000"/>
-                    <a:lumOff val="50000"/>
-                  </a:schemeClr>
-                </a:solidFill>
-              </a:rPr>
-              <a:t>show</a:t>
-            </a:r>
-            <a:r>
-              <a:rPr lang="de-DE" dirty="0">
-                <a:solidFill>
-                  <a:schemeClr val="tx1">
-                    <a:lumMod val="50000"/>
-                    <a:lumOff val="50000"/>
-                  </a:schemeClr>
-                </a:solidFill>
-              </a:rPr>
-              <a:t> </a:t>
-            </a:r>
-            <a:r>
-              <a:rPr lang="de-DE" dirty="0" err="1">
-                <a:solidFill>
-                  <a:schemeClr val="tx1">
-                    <a:lumMod val="50000"/>
-                    <a:lumOff val="50000"/>
-                  </a:schemeClr>
-                </a:solidFill>
-              </a:rPr>
-              <a:t>the</a:t>
-            </a:r>
-            <a:r>
-              <a:rPr lang="de-DE" dirty="0">
-                <a:solidFill>
-                  <a:schemeClr val="tx1">
-                    <a:lumMod val="50000"/>
-                    <a:lumOff val="50000"/>
-                  </a:schemeClr>
-                </a:solidFill>
-              </a:rPr>
-              <a:t> </a:t>
-            </a:r>
-            <a:r>
-              <a:rPr lang="de-DE" dirty="0" err="1">
-                <a:solidFill>
-                  <a:schemeClr val="tx1">
-                    <a:lumMod val="50000"/>
-                    <a:lumOff val="50000"/>
-                  </a:schemeClr>
-                </a:solidFill>
-              </a:rPr>
-              <a:t>uploaded</a:t>
-            </a:r>
-            <a:r>
-              <a:rPr lang="de-DE" dirty="0">
-                <a:solidFill>
-                  <a:schemeClr val="tx1">
-                    <a:lumMod val="50000"/>
-                    <a:lumOff val="50000"/>
-                  </a:schemeClr>
-                </a:solidFill>
-              </a:rPr>
-              <a:t> </a:t>
-            </a:r>
-            <a:r>
-              <a:rPr lang="de-DE" dirty="0" err="1">
-                <a:solidFill>
-                  <a:schemeClr val="tx1">
-                    <a:lumMod val="50000"/>
-                    <a:lumOff val="50000"/>
-                  </a:schemeClr>
-                </a:solidFill>
-              </a:rPr>
-              <a:t>video</a:t>
-            </a:r>
-            <a:r>
-              <a:rPr lang="de-DE" dirty="0">
-                <a:solidFill>
-                  <a:schemeClr val="tx1">
-                    <a:lumMod val="50000"/>
-                    <a:lumOff val="50000"/>
-                  </a:schemeClr>
-                </a:solidFill>
-              </a:rPr>
-              <a:t> </a:t>
-            </a:r>
-            <a:r>
-              <a:rPr lang="de-DE" dirty="0" err="1">
-                <a:solidFill>
-                  <a:schemeClr val="tx1">
-                    <a:lumMod val="50000"/>
-                    <a:lumOff val="50000"/>
-                  </a:schemeClr>
-                </a:solidFill>
-              </a:rPr>
-              <a:t>animation</a:t>
-            </a:r>
-            <a:r>
-              <a:rPr lang="de-DE" dirty="0">
-                <a:solidFill>
-                  <a:schemeClr val="tx1">
-                    <a:lumMod val="50000"/>
-                    <a:lumOff val="50000"/>
-                  </a:schemeClr>
-                </a:solidFill>
-              </a:rPr>
-              <a:t> </a:t>
+              <a:t>TRY </a:t>
+            </a:r>
+            <a:r>
+              <a:rPr lang="de-DE" dirty="0" err="1">
+                <a:solidFill>
+                  <a:schemeClr val="tx1">
+                    <a:lumMod val="50000"/>
+                    <a:lumOff val="50000"/>
+                  </a:schemeClr>
+                </a:solidFill>
+              </a:rPr>
+              <a:t>makes</a:t>
+            </a:r>
+            <a:r>
+              <a:rPr lang="de-DE" dirty="0">
+                <a:solidFill>
+                  <a:schemeClr val="tx1">
+                    <a:lumMod val="50000"/>
+                    <a:lumOff val="50000"/>
+                  </a:schemeClr>
+                </a:solidFill>
+              </a:rPr>
+              <a:t> lots </a:t>
             </a:r>
             <a:r>
               <a:rPr lang="de-DE" dirty="0" err="1">
@@ -11398,28 +11321,6 @@
                   </a:schemeClr>
                 </a:solidFill>
               </a:rPr>
-              <a:t>weather</a:t>
-            </a:r>
-            <a:r>
-              <a:rPr lang="de-DE" dirty="0">
-                <a:solidFill>
-                  <a:schemeClr val="tx1">
-                    <a:lumMod val="50000"/>
-                    <a:lumOff val="50000"/>
-                  </a:schemeClr>
-                </a:solidFill>
-              </a:rPr>
-              <a:t> </a:t>
-            </a:r>
-            <a:r>
-              <a:rPr lang="de-DE" dirty="0" err="1">
-                <a:solidFill>
-                  <a:schemeClr val="tx1">
-                    <a:lumMod val="50000"/>
-                    <a:lumOff val="50000"/>
-                  </a:schemeClr>
-                </a:solidFill>
-              </a:rPr>
               <a:t>data</a:t>
             </a:r>
             <a:r>
@@ -11431,10 +11332,19 @@
                   </a:schemeClr>
                 </a:solidFill>
               </a:rPr>
-              <a:t> in Germany</a:t>
-            </a:r>
-          </a:p>
-          <a:p>
+              <a:t> </a:t>
+            </a:r>
+            <a:r>
+              <a:rPr lang="de-DE" dirty="0" err="1">
+                <a:solidFill>
+                  <a:schemeClr val="tx1">
+                    <a:lumMod val="50000"/>
+                    <a:lumOff val="50000"/>
+                  </a:schemeClr>
+                </a:solidFill>
+              </a:rPr>
+              <a:t>available</a:t>
+            </a:r>
             <a:endParaRPr lang="de-DE" dirty="0">
               <a:solidFill>
                 <a:schemeClr val="tx1">
@@ -11445,59 +11355,115 @@
             </a:endParaRPr>
           </a:p>
           <a:p>
-            <a:endParaRPr lang="de-DE" dirty="0">
-              <a:solidFill>
-                <a:schemeClr val="tx1">
-                  <a:lumMod val="50000"/>
-                  <a:lumOff val="50000"/>
-                </a:schemeClr>
-              </a:solidFill>
-            </a:endParaRPr>
-          </a:p>
-          <a:p>
-            <a:r>
-              <a:rPr lang="de-DE" dirty="0">
-                <a:solidFill>
-                  <a:schemeClr val="tx1">
-                    <a:lumMod val="50000"/>
-                    <a:lumOff val="50000"/>
-                  </a:schemeClr>
-                </a:solidFill>
-              </a:rPr>
-              <a:t>Hottest, </a:t>
-            </a:r>
-            <a:r>
-              <a:rPr lang="de-DE" dirty="0" err="1">
-                <a:solidFill>
-                  <a:schemeClr val="tx1">
-                    <a:lumMod val="50000"/>
-                    <a:lumOff val="50000"/>
-                  </a:schemeClr>
-                </a:solidFill>
-              </a:rPr>
-              <a:t>coldest</a:t>
-            </a:r>
-            <a:r>
-              <a:rPr lang="de-DE" dirty="0">
-                <a:solidFill>
-                  <a:schemeClr val="tx1">
-                    <a:lumMod val="50000"/>
-                    <a:lumOff val="50000"/>
-                  </a:schemeClr>
-                </a:solidFill>
-              </a:rPr>
-              <a:t> </a:t>
-            </a:r>
-            <a:r>
-              <a:rPr lang="de-DE" dirty="0" err="1">
-                <a:solidFill>
-                  <a:schemeClr val="tx1">
-                    <a:lumMod val="50000"/>
-                    <a:lumOff val="50000"/>
-                  </a:schemeClr>
-                </a:solidFill>
-              </a:rPr>
-              <a:t>day</a:t>
+            <a:r>
+              <a:rPr lang="de-DE" dirty="0">
+                <a:solidFill>
+                  <a:schemeClr val="tx1">
+                    <a:lumMod val="50000"/>
+                    <a:lumOff val="50000"/>
+                  </a:schemeClr>
+                </a:solidFill>
+              </a:rPr>
+              <a:t>Maybe </a:t>
+            </a:r>
+            <a:r>
+              <a:rPr lang="de-DE" dirty="0" err="1">
+                <a:solidFill>
+                  <a:schemeClr val="tx1">
+                    <a:lumMod val="50000"/>
+                    <a:lumOff val="50000"/>
+                  </a:schemeClr>
+                </a:solidFill>
+              </a:rPr>
+              <a:t>show</a:t>
+            </a:r>
+            <a:r>
+              <a:rPr lang="de-DE" dirty="0">
+                <a:solidFill>
+                  <a:schemeClr val="tx1">
+                    <a:lumMod val="50000"/>
+                    <a:lumOff val="50000"/>
+                  </a:schemeClr>
+                </a:solidFill>
+              </a:rPr>
+              <a:t> </a:t>
+            </a:r>
+            <a:r>
+              <a:rPr lang="de-DE" dirty="0" err="1">
+                <a:solidFill>
+                  <a:schemeClr val="tx1">
+                    <a:lumMod val="50000"/>
+                    <a:lumOff val="50000"/>
+                  </a:schemeClr>
+                </a:solidFill>
+              </a:rPr>
+              <a:t>the</a:t>
+            </a:r>
+            <a:r>
+              <a:rPr lang="de-DE" dirty="0">
+                <a:solidFill>
+                  <a:schemeClr val="tx1">
+                    <a:lumMod val="50000"/>
+                    <a:lumOff val="50000"/>
+                  </a:schemeClr>
+                </a:solidFill>
+              </a:rPr>
+              <a:t> </a:t>
+            </a:r>
+            <a:r>
+              <a:rPr lang="de-DE" dirty="0" err="1">
+                <a:solidFill>
+                  <a:schemeClr val="tx1">
+                    <a:lumMod val="50000"/>
+                    <a:lumOff val="50000"/>
+                  </a:schemeClr>
+                </a:solidFill>
+              </a:rPr>
+              <a:t>uploaded</a:t>
+            </a:r>
+            <a:r>
+              <a:rPr lang="de-DE" dirty="0">
+                <a:solidFill>
+                  <a:schemeClr val="tx1">
+                    <a:lumMod val="50000"/>
+                    <a:lumOff val="50000"/>
+                  </a:schemeClr>
+                </a:solidFill>
+              </a:rPr>
+              <a:t> </a:t>
+            </a:r>
+            <a:r>
+              <a:rPr lang="de-DE" dirty="0" err="1">
+                <a:solidFill>
+                  <a:schemeClr val="tx1">
+                    <a:lumMod val="50000"/>
+                    <a:lumOff val="50000"/>
+                  </a:schemeClr>
+                </a:solidFill>
+              </a:rPr>
+              <a:t>video</a:t>
+            </a:r>
+            <a:r>
+              <a:rPr lang="de-DE" dirty="0">
+                <a:solidFill>
+                  <a:schemeClr val="tx1">
+                    <a:lumMod val="50000"/>
+                    <a:lumOff val="50000"/>
+                  </a:schemeClr>
+                </a:solidFill>
+              </a:rPr>
+              <a:t> </a:t>
+            </a:r>
+            <a:r>
+              <a:rPr lang="de-DE" dirty="0" err="1">
+                <a:solidFill>
+                  <a:schemeClr val="tx1">
+                    <a:lumMod val="50000"/>
+                    <a:lumOff val="50000"/>
+                  </a:schemeClr>
+                </a:solidFill>
+              </a:rPr>
+              <a:t>animation</a:t>
             </a:r>
             <a:r>
               <a:rPr lang="de-DE" dirty="0">
@@ -11541,30 +11507,46 @@
                   </a:schemeClr>
                 </a:solidFill>
               </a:rPr>
-              <a:t>this</a:t>
-            </a:r>
-            <a:r>
-              <a:rPr lang="de-DE" dirty="0">
-                <a:solidFill>
-                  <a:schemeClr val="tx1">
-                    <a:lumMod val="50000"/>
-                    <a:lumOff val="50000"/>
-                  </a:schemeClr>
-                </a:solidFill>
-              </a:rPr>
-              <a:t> </a:t>
-            </a:r>
-            <a:r>
-              <a:rPr lang="de-DE" dirty="0" err="1">
-                <a:solidFill>
-                  <a:schemeClr val="tx1">
-                    <a:lumMod val="50000"/>
-                    <a:lumOff val="50000"/>
-                  </a:schemeClr>
-                </a:solidFill>
-              </a:rPr>
-              <a:t>year</a:t>
-            </a:r>
+              <a:t>weather</a:t>
+            </a:r>
+            <a:r>
+              <a:rPr lang="de-DE" dirty="0">
+                <a:solidFill>
+                  <a:schemeClr val="tx1">
+                    <a:lumMod val="50000"/>
+                    <a:lumOff val="50000"/>
+                  </a:schemeClr>
+                </a:solidFill>
+              </a:rPr>
+              <a:t> </a:t>
+            </a:r>
+            <a:r>
+              <a:rPr lang="de-DE" dirty="0" err="1">
+                <a:solidFill>
+                  <a:schemeClr val="tx1">
+                    <a:lumMod val="50000"/>
+                    <a:lumOff val="50000"/>
+                  </a:schemeClr>
+                </a:solidFill>
+              </a:rPr>
+              <a:t>data</a:t>
+            </a:r>
+            <a:r>
+              <a:rPr lang="de-DE" dirty="0">
+                <a:solidFill>
+                  <a:schemeClr val="tx1">
+                    <a:lumMod val="50000"/>
+                    <a:lumOff val="50000"/>
+                  </a:schemeClr>
+                </a:solidFill>
+              </a:rPr>
+              <a:t> in Germany</a:t>
+            </a:r>
+          </a:p>
+          <a:p>
+            <a:pPr marL="0" indent="0">
+              <a:buNone/>
+            </a:pPr>
             <a:endParaRPr lang="de-DE" dirty="0">
               <a:solidFill>
                 <a:schemeClr val="tx1">
@@ -11622,6 +11604,36 @@
           </a:p>
         </p:txBody>
       </p:sp>
+      <p:pic>
+        <p:nvPicPr>
+          <p:cNvPr id="6" name="Picture 5">
+            <a:extLst>
+              <a:ext uri="{FF2B5EF4-FFF2-40B4-BE49-F238E27FC236}">
+                <a16:creationId xmlns:a16="http://schemas.microsoft.com/office/drawing/2014/main" id="{24D300CE-9AC5-54D5-3A40-FB0C4F52EAAF}"/>
+              </a:ext>
+            </a:extLst>
+          </p:cNvPr>
+          <p:cNvPicPr>
+            <a:picLocks noChangeAspect="1"/>
+          </p:cNvPicPr>
+          <p:nvPr/>
+        </p:nvPicPr>
+        <p:blipFill>
+          <a:blip r:embed="rId2"/>
+          <a:stretch>
+            <a:fillRect/>
+          </a:stretch>
+        </p:blipFill>
+        <p:spPr>
+          <a:xfrm>
+            <a:off x="6096000" y="2062163"/>
+            <a:ext cx="5467350" cy="4114800"/>
+          </a:xfrm>
+          <a:prstGeom prst="rect">
+            <a:avLst/>
+          </a:prstGeom>
+        </p:spPr>
+      </p:pic>
     </p:spTree>
     <p:extLst>
       <p:ext uri="{BB962C8B-B14F-4D97-AF65-F5344CB8AC3E}">
@@ -11675,12 +11687,9 @@
           <a:p>
             <a:r>
               <a:rPr lang="de-DE" dirty="0" err="1"/>
-              <a:t>Modelica</a:t>
-            </a:r>
-            <a:r>
-              <a:rPr lang="de-DE" dirty="0"/>
-              <a:t> Simulation Run</a:t>
-            </a:r>
+              <a:t>Preprocessing</a:t>
+            </a:r>
+            <a:endParaRPr lang="de-DE" dirty="0"/>
           </a:p>
         </p:txBody>
       </p:sp>
@@ -11698,8 +11707,8 @@
         </p:nvSpPr>
         <p:spPr>
           <a:xfrm>
-            <a:off x="838200" y="1618938"/>
-            <a:ext cx="10157085" cy="1754326"/>
+            <a:off x="904693" y="4028224"/>
+            <a:ext cx="4430699" cy="2031325"/>
           </a:xfrm>
           <a:prstGeom prst="rect">
             <a:avLst/>
@@ -11712,39 +11721,144 @@
           </a:bodyPr>
           <a:lstStyle/>
           <a:p>
+            <a:endParaRPr lang="de-DE" dirty="0"/>
+          </a:p>
+          <a:p>
             <a:pPr marL="285750" indent="-285750">
-              <a:buFontTx/>
-              <a:buChar char="-"/>
+              <a:buFont typeface="Arial" panose="020B0604020202020204" pitchFamily="34" charset="0"/>
+              <a:buChar char="•"/>
+            </a:pPr>
+            <a:r>
+              <a:rPr lang="de-DE" dirty="0" err="1"/>
+              <a:t>Choose</a:t>
+            </a:r>
+            <a:r>
+              <a:rPr lang="de-DE" dirty="0"/>
+              <a:t> </a:t>
+            </a:r>
+            <a:r>
+              <a:rPr lang="de-DE" dirty="0" err="1"/>
+              <a:t>weather</a:t>
+            </a:r>
+            <a:r>
+              <a:rPr lang="de-DE" dirty="0"/>
+              <a:t> </a:t>
+            </a:r>
+            <a:r>
+              <a:rPr lang="de-DE" dirty="0" err="1"/>
+              <a:t>file</a:t>
+            </a:r>
+            <a:endParaRPr lang="de-DE" dirty="0"/>
+          </a:p>
+          <a:p>
+            <a:pPr marL="285750" indent="-285750">
+              <a:buFont typeface="Arial" panose="020B0604020202020204" pitchFamily="34" charset="0"/>
+              <a:buChar char="•"/>
+            </a:pPr>
+            <a:r>
+              <a:rPr lang="de-DE" dirty="0" err="1"/>
+              <a:t>Choose</a:t>
+            </a:r>
+            <a:r>
+              <a:rPr lang="de-DE" dirty="0"/>
+              <a:t> </a:t>
+            </a:r>
+            <a:r>
+              <a:rPr lang="de-DE" dirty="0" err="1"/>
+              <a:t>building</a:t>
+            </a:r>
+            <a:r>
+              <a:rPr lang="de-DE" dirty="0"/>
+              <a:t> </a:t>
+            </a:r>
+            <a:r>
+              <a:rPr lang="de-DE" dirty="0" err="1"/>
+              <a:t>file</a:t>
+            </a:r>
+            <a:endParaRPr lang="de-DE" dirty="0"/>
+          </a:p>
+          <a:p>
+            <a:pPr marL="285750" indent="-285750">
+              <a:buFont typeface="Arial" panose="020B0604020202020204" pitchFamily="34" charset="0"/>
+              <a:buChar char="•"/>
             </a:pPr>
             <a:endParaRPr lang="de-DE" dirty="0"/>
           </a:p>
           <a:p>
             <a:pPr marL="285750" indent="-285750">
-              <a:buFontTx/>
-              <a:buChar char="-"/>
+              <a:buFont typeface="Arial" panose="020B0604020202020204" pitchFamily="34" charset="0"/>
+              <a:buChar char="•"/>
             </a:pPr>
             <a:r>
               <a:rPr lang="de-DE" dirty="0" err="1"/>
-              <a:t>Weather</a:t>
+              <a:t>Modelica‘s</a:t>
             </a:r>
             <a:r>
               <a:rPr lang="de-DE" dirty="0"/>
-              <a:t> </a:t>
+              <a:t> “</a:t>
             </a:r>
             <a:r>
               <a:rPr lang="de-DE" dirty="0" err="1"/>
-              <a:t>data</a:t>
+              <a:t>dassl</a:t>
+            </a:r>
+            <a:r>
+              <a:rPr lang="de-DE" dirty="0"/>
+              <a:t>“ </a:t>
+            </a:r>
+            <a:r>
+              <a:rPr lang="de-DE" dirty="0" err="1"/>
+              <a:t>integratior</a:t>
+            </a:r>
+            <a:r>
+              <a:rPr lang="de-DE" dirty="0"/>
+              <a:t> </a:t>
+            </a:r>
+            <a:r>
+              <a:rPr lang="de-DE" dirty="0" err="1"/>
+              <a:t>actually</a:t>
+            </a:r>
+            <a:r>
+              <a:rPr lang="de-DE" dirty="0"/>
+              <a:t> </a:t>
+            </a:r>
+            <a:r>
+              <a:rPr lang="de-DE" dirty="0" err="1"/>
+              <a:t>adapts</a:t>
+            </a:r>
+            <a:r>
+              <a:rPr lang="de-DE" dirty="0"/>
+              <a:t> </a:t>
+            </a:r>
+            <a:r>
+              <a:rPr lang="de-DE" dirty="0" err="1"/>
+              <a:t>the</a:t>
+            </a:r>
+            <a:r>
+              <a:rPr lang="de-DE" dirty="0"/>
+              <a:t> </a:t>
+            </a:r>
+            <a:r>
+              <a:rPr lang="de-DE" dirty="0" err="1"/>
+              <a:t>step</a:t>
+            </a:r>
+            <a:r>
+              <a:rPr lang="de-DE" dirty="0"/>
+              <a:t> </a:t>
+            </a:r>
+            <a:r>
+              <a:rPr lang="de-DE" dirty="0" err="1"/>
+              <a:t>size</a:t>
             </a:r>
             <a:endParaRPr lang="de-DE" dirty="0"/>
           </a:p>
           <a:p>
             <a:pPr marL="285750" indent="-285750">
-              <a:buFontTx/>
-              <a:buChar char="-"/>
+              <a:buFont typeface="Arial" panose="020B0604020202020204" pitchFamily="34" charset="0"/>
+              <a:buChar char="•"/>
             </a:pPr>
             <a:r>
               <a:rPr lang="de-DE" dirty="0" err="1"/>
-              <a:t>We</a:t>
+              <a:t>It</a:t>
             </a:r>
             <a:r>
               <a:rPr lang="de-DE" dirty="0"/>
@@ -11752,7 +11866,15 @@
             </a:r>
             <a:r>
               <a:rPr lang="de-DE" dirty="0" err="1"/>
-              <a:t>need</a:t>
+              <a:t>takes</a:t>
+            </a:r>
+            <a:r>
+              <a:rPr lang="de-DE" dirty="0"/>
+              <a:t> &gt;10 </a:t>
+            </a:r>
+            <a:r>
+              <a:rPr lang="de-DE" dirty="0" err="1"/>
+              <a:t>minutes</a:t>
             </a:r>
             <a:r>
               <a:rPr lang="de-DE" dirty="0"/>
@@ -11768,117 +11890,580 @@
             </a:r>
             <a:r>
               <a:rPr lang="de-DE" dirty="0" err="1"/>
-              <a:t>put</a:t>
+              <a:t>run</a:t>
             </a:r>
             <a:r>
               <a:rPr lang="de-DE" dirty="0"/>
-              <a:t> in </a:t>
+              <a:t> a </a:t>
             </a:r>
             <a:r>
               <a:rPr lang="de-DE" dirty="0" err="1"/>
-              <a:t>parameters</a:t>
-            </a:r>
-            <a:endParaRPr lang="de-DE" dirty="0"/>
-          </a:p>
-          <a:p>
-            <a:pPr marL="285750" indent="-285750">
-              <a:buFontTx/>
-              <a:buChar char="-"/>
-            </a:pPr>
+              <a:t>full</a:t>
+            </a:r>
             <a:r>
               <a:rPr lang="de-DE" dirty="0"/>
-              <a:t>Resolution </a:t>
+              <a:t> </a:t>
             </a:r>
             <a:r>
               <a:rPr lang="de-DE" dirty="0" err="1"/>
-              <a:t>matters</a:t>
-            </a:r>
-            <a:r>
-              <a:rPr lang="de-DE" dirty="0"/>
-              <a:t>?</a:t>
-            </a:r>
-          </a:p>
-          <a:p>
-            <a:pPr marL="285750" indent="-285750">
-              <a:buFontTx/>
-              <a:buChar char="-"/>
-            </a:pPr>
-            <a:r>
-              <a:rPr lang="de-DE" dirty="0" err="1"/>
-              <a:t>Explain</a:t>
-            </a:r>
-            <a:r>
-              <a:rPr lang="de-DE" dirty="0"/>
-              <a:t> </a:t>
-            </a:r>
-            <a:r>
-              <a:rPr lang="de-DE" dirty="0" err="1"/>
-              <a:t>set_temperature</a:t>
-            </a:r>
-            <a:r>
-              <a:rPr lang="de-DE" dirty="0"/>
-              <a:t> </a:t>
-            </a:r>
-            <a:r>
-              <a:rPr lang="de-DE" dirty="0" err="1"/>
-              <a:t>plot</a:t>
-            </a:r>
-            <a:r>
-              <a:rPr lang="de-DE" dirty="0"/>
-              <a:t>?</a:t>
-            </a:r>
-          </a:p>
-          <a:p>
+              <a:t>year</a:t>
+            </a:r>
             <a:endParaRPr lang="de-DE" dirty="0"/>
           </a:p>
         </p:txBody>
       </p:sp>
-      <p:sp>
-        <p:nvSpPr>
-          <p:cNvPr id="7" name="Rectangle 6">
+      <p:pic>
+        <p:nvPicPr>
+          <p:cNvPr id="4" name="Picture 3">
             <a:extLst>
               <a:ext uri="{FF2B5EF4-FFF2-40B4-BE49-F238E27FC236}">
-                <a16:creationId xmlns:a16="http://schemas.microsoft.com/office/drawing/2014/main" id="{941D251A-137F-59A3-0F90-257C61FCFE15}"/>
+                <a16:creationId xmlns:a16="http://schemas.microsoft.com/office/drawing/2014/main" id="{15DF1A7E-9045-DA41-FF7A-A17F776C175C}"/>
               </a:ext>
             </a:extLst>
           </p:cNvPr>
-          <p:cNvSpPr/>
+          <p:cNvPicPr>
+            <a:picLocks noChangeAspect="1"/>
+          </p:cNvPicPr>
           <p:nvPr/>
-        </p:nvSpPr>
+        </p:nvPicPr>
+        <p:blipFill>
+          <a:blip r:embed="rId2"/>
+          <a:stretch>
+            <a:fillRect/>
+          </a:stretch>
+        </p:blipFill>
         <p:spPr>
           <a:xfrm>
-            <a:off x="10159200" y="417600"/>
-            <a:ext cx="1576800" cy="1201338"/>
+            <a:off x="4760273" y="261619"/>
+            <a:ext cx="2241940" cy="2359057"/>
           </a:xfrm>
           <a:prstGeom prst="rect">
             <a:avLst/>
           </a:prstGeom>
         </p:spPr>
+      </p:pic>
+      <p:pic>
+        <p:nvPicPr>
+          <p:cNvPr id="8" name="Picture 7">
+            <a:extLst>
+              <a:ext uri="{FF2B5EF4-FFF2-40B4-BE49-F238E27FC236}">
+                <a16:creationId xmlns:a16="http://schemas.microsoft.com/office/drawing/2014/main" id="{F40BFA1B-C7AA-63D2-313F-7FD23E74DAE1}"/>
+              </a:ext>
+            </a:extLst>
+          </p:cNvPr>
+          <p:cNvPicPr>
+            <a:picLocks noChangeAspect="1"/>
+          </p:cNvPicPr>
+          <p:nvPr/>
+        </p:nvPicPr>
+        <p:blipFill>
+          <a:blip r:embed="rId3"/>
+          <a:stretch>
+            <a:fillRect/>
+          </a:stretch>
+        </p:blipFill>
+        <p:spPr>
+          <a:xfrm>
+            <a:off x="10830646" y="334652"/>
+            <a:ext cx="912602" cy="2591092"/>
+          </a:xfrm>
+          <a:prstGeom prst="rect">
+            <a:avLst/>
+          </a:prstGeom>
+        </p:spPr>
+      </p:pic>
+      <p:grpSp>
+        <p:nvGrpSpPr>
+          <p:cNvPr id="12" name="Group 11">
+            <a:extLst>
+              <a:ext uri="{FF2B5EF4-FFF2-40B4-BE49-F238E27FC236}">
+                <a16:creationId xmlns:a16="http://schemas.microsoft.com/office/drawing/2014/main" id="{0C74AA8B-D840-E8B9-4ADF-D616291FE658}"/>
+              </a:ext>
+            </a:extLst>
+          </p:cNvPr>
+          <p:cNvGrpSpPr/>
+          <p:nvPr/>
+        </p:nvGrpSpPr>
+        <p:grpSpPr>
+          <a:xfrm>
+            <a:off x="8427138" y="733268"/>
+            <a:ext cx="1490400" cy="1479286"/>
+            <a:chOff x="2469600" y="3966074"/>
+            <a:chExt cx="1721014" cy="1602000"/>
+          </a:xfrm>
+        </p:grpSpPr>
+        <p:pic>
+          <p:nvPicPr>
+            <p:cNvPr id="10" name="Picture 9">
+              <a:extLst>
+                <a:ext uri="{FF2B5EF4-FFF2-40B4-BE49-F238E27FC236}">
+                  <a16:creationId xmlns:a16="http://schemas.microsoft.com/office/drawing/2014/main" id="{2E1C4147-D63A-3D68-1793-5F843AF6BB87}"/>
+                </a:ext>
+              </a:extLst>
+            </p:cNvPr>
+            <p:cNvPicPr>
+              <a:picLocks noChangeAspect="1"/>
+            </p:cNvPicPr>
+            <p:nvPr/>
+          </p:nvPicPr>
+          <p:blipFill>
+            <a:blip r:embed="rId4">
+              <a:extLst>
+                <a:ext uri="{28A0092B-C50C-407E-A947-70E740481C1C}">
+                  <a14:useLocalDpi xmlns:a14="http://schemas.microsoft.com/office/drawing/2010/main" val="0"/>
+                </a:ext>
+              </a:extLst>
+            </a:blip>
+            <a:stretch>
+              <a:fillRect/>
+            </a:stretch>
+          </p:blipFill>
+          <p:spPr>
+            <a:xfrm>
+              <a:off x="2871201" y="4295722"/>
+              <a:ext cx="971389" cy="1066712"/>
+            </a:xfrm>
+            <a:prstGeom prst="rect">
+              <a:avLst/>
+            </a:prstGeom>
+          </p:spPr>
+        </p:pic>
+        <p:sp>
+          <p:nvSpPr>
+            <p:cNvPr id="11" name="Rectangle 10">
+              <a:extLst>
+                <a:ext uri="{FF2B5EF4-FFF2-40B4-BE49-F238E27FC236}">
+                  <a16:creationId xmlns:a16="http://schemas.microsoft.com/office/drawing/2014/main" id="{656F9DC1-AD2E-93B5-7F3D-7C899A0743FF}"/>
+                </a:ext>
+              </a:extLst>
+            </p:cNvPr>
+            <p:cNvSpPr/>
+            <p:nvPr/>
+          </p:nvSpPr>
+          <p:spPr>
+            <a:xfrm>
+              <a:off x="2469600" y="3966074"/>
+              <a:ext cx="1721014" cy="1602000"/>
+            </a:xfrm>
+            <a:prstGeom prst="rect">
+              <a:avLst/>
+            </a:prstGeom>
+            <a:noFill/>
+            <a:ln>
+              <a:solidFill>
+                <a:schemeClr val="tx1"/>
+              </a:solidFill>
+            </a:ln>
+          </p:spPr>
+          <p:style>
+            <a:lnRef idx="2">
+              <a:schemeClr val="accent1">
+                <a:shade val="15000"/>
+              </a:schemeClr>
+            </a:lnRef>
+            <a:fillRef idx="1">
+              <a:schemeClr val="accent1"/>
+            </a:fillRef>
+            <a:effectRef idx="0">
+              <a:schemeClr val="accent1"/>
+            </a:effectRef>
+            <a:fontRef idx="minor">
+              <a:schemeClr val="lt1"/>
+            </a:fontRef>
+          </p:style>
+          <p:txBody>
+            <a:bodyPr rtlCol="0" anchor="ctr"/>
+            <a:lstStyle/>
+            <a:p>
+              <a:pPr algn="ctr"/>
+              <a:endParaRPr lang="de-DE"/>
+            </a:p>
+          </p:txBody>
+        </p:sp>
+      </p:grpSp>
+      <p:cxnSp>
+        <p:nvCxnSpPr>
+          <p:cNvPr id="14" name="Straight Arrow Connector 13">
+            <a:extLst>
+              <a:ext uri="{FF2B5EF4-FFF2-40B4-BE49-F238E27FC236}">
+                <a16:creationId xmlns:a16="http://schemas.microsoft.com/office/drawing/2014/main" id="{E397158E-4CDF-6737-8746-8D8F52779399}"/>
+              </a:ext>
+            </a:extLst>
+          </p:cNvPr>
+          <p:cNvCxnSpPr>
+            <a:cxnSpLocks/>
+          </p:cNvCxnSpPr>
+          <p:nvPr/>
+        </p:nvCxnSpPr>
+        <p:spPr>
+          <a:xfrm>
+            <a:off x="7567200" y="1419777"/>
+            <a:ext cx="684000" cy="0"/>
+          </a:xfrm>
+          <a:prstGeom prst="straightConnector1">
+            <a:avLst/>
+          </a:prstGeom>
+          <a:ln w="76200">
+            <a:tailEnd type="triangle"/>
+          </a:ln>
+        </p:spPr>
         <p:style>
           <a:lnRef idx="2">
-            <a:schemeClr val="accent1">
-              <a:shade val="15000"/>
-            </a:schemeClr>
+            <a:schemeClr val="accent1"/>
           </a:lnRef>
-          <a:fillRef idx="1">
+          <a:fillRef idx="0">
             <a:schemeClr val="accent1"/>
           </a:fillRef>
-          <a:effectRef idx="0">
+          <a:effectRef idx="1">
             <a:schemeClr val="accent1"/>
           </a:effectRef>
           <a:fontRef idx="minor">
-            <a:schemeClr val="lt1"/>
+            <a:schemeClr val="tx1"/>
           </a:fontRef>
         </p:style>
+      </p:cxnSp>
+      <p:cxnSp>
+        <p:nvCxnSpPr>
+          <p:cNvPr id="15" name="Straight Arrow Connector 14">
+            <a:extLst>
+              <a:ext uri="{FF2B5EF4-FFF2-40B4-BE49-F238E27FC236}">
+                <a16:creationId xmlns:a16="http://schemas.microsoft.com/office/drawing/2014/main" id="{C7785F3A-9D7E-6F5F-0D43-F64AF01BD5A7}"/>
+              </a:ext>
+            </a:extLst>
+          </p:cNvPr>
+          <p:cNvCxnSpPr>
+            <a:cxnSpLocks/>
+          </p:cNvCxnSpPr>
+          <p:nvPr/>
+        </p:nvCxnSpPr>
+        <p:spPr>
+          <a:xfrm>
+            <a:off x="10032092" y="1419777"/>
+            <a:ext cx="684000" cy="0"/>
+          </a:xfrm>
+          <a:prstGeom prst="straightConnector1">
+            <a:avLst/>
+          </a:prstGeom>
+          <a:ln w="76200">
+            <a:tailEnd type="triangle"/>
+          </a:ln>
+        </p:spPr>
+        <p:style>
+          <a:lnRef idx="2">
+            <a:schemeClr val="accent1"/>
+          </a:lnRef>
+          <a:fillRef idx="0">
+            <a:schemeClr val="accent1"/>
+          </a:fillRef>
+          <a:effectRef idx="1">
+            <a:schemeClr val="accent1"/>
+          </a:effectRef>
+          <a:fontRef idx="minor">
+            <a:schemeClr val="tx1"/>
+          </a:fontRef>
+        </p:style>
+      </p:cxnSp>
+      <p:sp>
+        <p:nvSpPr>
+          <p:cNvPr id="21" name="TextBox 20">
+            <a:extLst>
+              <a:ext uri="{FF2B5EF4-FFF2-40B4-BE49-F238E27FC236}">
+                <a16:creationId xmlns:a16="http://schemas.microsoft.com/office/drawing/2014/main" id="{363F9EAC-B903-62F9-0C16-83F0C23EEF53}"/>
+              </a:ext>
+            </a:extLst>
+          </p:cNvPr>
+          <p:cNvSpPr txBox="1"/>
+          <p:nvPr/>
+        </p:nvSpPr>
+        <p:spPr>
+          <a:xfrm>
+            <a:off x="904693" y="1442901"/>
+            <a:ext cx="3789087" cy="2585323"/>
+          </a:xfrm>
+          <a:prstGeom prst="rect">
+            <a:avLst/>
+          </a:prstGeom>
+          <a:noFill/>
+        </p:spPr>
         <p:txBody>
-          <a:bodyPr rtlCol="0" anchor="ctr"/>
+          <a:bodyPr wrap="square" rtlCol="0">
+            <a:spAutoFit/>
+          </a:bodyPr>
           <a:lstStyle/>
           <a:p>
-            <a:pPr algn="ctr"/>
-            <a:endParaRPr lang="de-DE"/>
+            <a:pPr marL="285750" indent="-285750">
+              <a:buFont typeface="Arial" panose="020B0604020202020204" pitchFamily="34" charset="0"/>
+              <a:buChar char="•"/>
+            </a:pPr>
+            <a:r>
+              <a:rPr lang="de-DE" dirty="0"/>
+              <a:t>Custom Python </a:t>
+            </a:r>
+            <a:r>
+              <a:rPr lang="de-DE" dirty="0" err="1"/>
+              <a:t>script</a:t>
+            </a:r>
+            <a:r>
+              <a:rPr lang="de-DE" dirty="0"/>
+              <a:t> </a:t>
+            </a:r>
+            <a:r>
+              <a:rPr lang="de-DE" dirty="0" err="1"/>
+              <a:t>to</a:t>
+            </a:r>
+            <a:r>
+              <a:rPr lang="de-DE" dirty="0"/>
+              <a:t> </a:t>
+            </a:r>
+            <a:r>
+              <a:rPr lang="de-DE" dirty="0" err="1"/>
+              <a:t>reformat</a:t>
+            </a:r>
+            <a:r>
+              <a:rPr lang="de-DE" dirty="0"/>
+              <a:t> </a:t>
+            </a:r>
+            <a:r>
+              <a:rPr lang="de-DE" dirty="0" err="1"/>
+              <a:t>temperature</a:t>
+            </a:r>
+            <a:r>
+              <a:rPr lang="de-DE" dirty="0"/>
+              <a:t> </a:t>
+            </a:r>
+            <a:r>
+              <a:rPr lang="de-DE" dirty="0" err="1"/>
+              <a:t>data</a:t>
+            </a:r>
+            <a:endParaRPr lang="de-DE" dirty="0"/>
+          </a:p>
+          <a:p>
+            <a:pPr marL="285750" indent="-285750">
+              <a:buFont typeface="Arial" panose="020B0604020202020204" pitchFamily="34" charset="0"/>
+              <a:buChar char="•"/>
+            </a:pPr>
+            <a:endParaRPr lang="de-DE" dirty="0"/>
+          </a:p>
+          <a:p>
+            <a:pPr marL="285750" indent="-285750">
+              <a:buFont typeface="Arial" panose="020B0604020202020204" pitchFamily="34" charset="0"/>
+              <a:buChar char="•"/>
+            </a:pPr>
+            <a:r>
+              <a:rPr lang="de-DE" dirty="0"/>
+              <a:t>Write </a:t>
+            </a:r>
+            <a:r>
+              <a:rPr lang="de-DE" dirty="0" err="1"/>
+              <a:t>custom</a:t>
+            </a:r>
+            <a:r>
+              <a:rPr lang="de-DE" dirty="0"/>
+              <a:t> </a:t>
+            </a:r>
+            <a:r>
+              <a:rPr lang="de-DE" dirty="0" err="1"/>
+              <a:t>files</a:t>
+            </a:r>
+            <a:r>
+              <a:rPr lang="de-DE" dirty="0"/>
+              <a:t> </a:t>
+            </a:r>
+            <a:r>
+              <a:rPr lang="de-DE" dirty="0" err="1"/>
+              <a:t>with</a:t>
+            </a:r>
+            <a:r>
+              <a:rPr lang="de-DE" dirty="0"/>
+              <a:t> all </a:t>
+            </a:r>
+            <a:r>
+              <a:rPr lang="de-DE" dirty="0" err="1"/>
+              <a:t>building</a:t>
+            </a:r>
+            <a:r>
+              <a:rPr lang="de-DE" dirty="0"/>
+              <a:t> </a:t>
+            </a:r>
+            <a:r>
+              <a:rPr lang="de-DE" dirty="0" err="1"/>
+              <a:t>parameters</a:t>
+            </a:r>
+            <a:endParaRPr lang="de-DE" dirty="0"/>
+          </a:p>
+          <a:p>
+            <a:pPr marL="285750" indent="-285750">
+              <a:buFont typeface="Arial" panose="020B0604020202020204" pitchFamily="34" charset="0"/>
+              <a:buChar char="•"/>
+            </a:pPr>
+            <a:endParaRPr lang="de-DE" dirty="0"/>
+          </a:p>
+          <a:p>
+            <a:pPr marL="285750" indent="-285750">
+              <a:buFont typeface="Arial" panose="020B0604020202020204" pitchFamily="34" charset="0"/>
+              <a:buChar char="•"/>
+            </a:pPr>
+            <a:endParaRPr lang="de-DE" dirty="0"/>
+          </a:p>
+          <a:p>
+            <a:endParaRPr lang="de-DE" dirty="0"/>
+          </a:p>
+          <a:p>
+            <a:endParaRPr lang="de-DE" dirty="0"/>
           </a:p>
         </p:txBody>
       </p:sp>
+      <p:sp>
+        <p:nvSpPr>
+          <p:cNvPr id="22" name="Titel 1">
+            <a:extLst>
+              <a:ext uri="{FF2B5EF4-FFF2-40B4-BE49-F238E27FC236}">
+                <a16:creationId xmlns:a16="http://schemas.microsoft.com/office/drawing/2014/main" id="{A9FF4779-511F-4BDB-E68C-DB460FD0498B}"/>
+              </a:ext>
+            </a:extLst>
+          </p:cNvPr>
+          <p:cNvSpPr txBox="1">
+            <a:spLocks/>
+          </p:cNvSpPr>
+          <p:nvPr/>
+        </p:nvSpPr>
+        <p:spPr>
+          <a:xfrm>
+            <a:off x="831000" y="3080838"/>
+            <a:ext cx="10515600" cy="1325563"/>
+          </a:xfrm>
+          <a:prstGeom prst="rect">
+            <a:avLst/>
+          </a:prstGeom>
+        </p:spPr>
+        <p:txBody>
+          <a:bodyPr vert="horz" lIns="91440" tIns="45720" rIns="91440" bIns="45720" rtlCol="0" anchor="ctr">
+            <a:normAutofit/>
+          </a:bodyPr>
+          <a:lstStyle>
+            <a:lvl1pPr algn="l" defTabSz="914400" rtl="0" eaLnBrk="1" latinLnBrk="0" hangingPunct="1">
+              <a:lnSpc>
+                <a:spcPct val="90000"/>
+              </a:lnSpc>
+              <a:spcBef>
+                <a:spcPct val="0"/>
+              </a:spcBef>
+              <a:buNone/>
+              <a:defRPr sz="4400" kern="1200">
+                <a:solidFill>
+                  <a:schemeClr val="tx1"/>
+                </a:solidFill>
+                <a:latin typeface="+mj-lt"/>
+                <a:ea typeface="+mj-ea"/>
+                <a:cs typeface="+mj-cs"/>
+              </a:defRPr>
+            </a:lvl1pPr>
+          </a:lstStyle>
+          <a:p>
+            <a:r>
+              <a:rPr lang="de-DE" dirty="0" err="1"/>
+              <a:t>Before</a:t>
+            </a:r>
+            <a:r>
+              <a:rPr lang="de-DE" dirty="0"/>
+              <a:t> Simulation</a:t>
+            </a:r>
+          </a:p>
+        </p:txBody>
+      </p:sp>
+      <p:grpSp>
+        <p:nvGrpSpPr>
+          <p:cNvPr id="39" name="Group 38">
+            <a:extLst>
+              <a:ext uri="{FF2B5EF4-FFF2-40B4-BE49-F238E27FC236}">
+                <a16:creationId xmlns:a16="http://schemas.microsoft.com/office/drawing/2014/main" id="{796A88A3-3B8A-3341-29D9-2DC8709777E6}"/>
+              </a:ext>
+            </a:extLst>
+          </p:cNvPr>
+          <p:cNvGrpSpPr/>
+          <p:nvPr/>
+        </p:nvGrpSpPr>
+        <p:grpSpPr>
+          <a:xfrm>
+            <a:off x="6475628" y="3488960"/>
+            <a:ext cx="3942771" cy="3003915"/>
+            <a:chOff x="5276099" y="2313296"/>
+            <a:chExt cx="5852172" cy="4389130"/>
+          </a:xfrm>
+        </p:grpSpPr>
+        <p:pic>
+          <p:nvPicPr>
+            <p:cNvPr id="34" name="Picture 33" descr="A blue line on a black background&#10;&#10;AI-generated content may be incorrect.">
+              <a:extLst>
+                <a:ext uri="{FF2B5EF4-FFF2-40B4-BE49-F238E27FC236}">
+                  <a16:creationId xmlns:a16="http://schemas.microsoft.com/office/drawing/2014/main" id="{C2BFE089-6843-4632-F356-D91E877DCE96}"/>
+                </a:ext>
+              </a:extLst>
+            </p:cNvPr>
+            <p:cNvPicPr>
+              <a:picLocks noChangeAspect="1"/>
+            </p:cNvPicPr>
+            <p:nvPr/>
+          </p:nvPicPr>
+          <p:blipFill>
+            <a:blip r:embed="rId5">
+              <a:extLst>
+                <a:ext uri="{28A0092B-C50C-407E-A947-70E740481C1C}">
+                  <a14:useLocalDpi xmlns:a14="http://schemas.microsoft.com/office/drawing/2010/main" val="0"/>
+                </a:ext>
+              </a:extLst>
+            </a:blip>
+            <a:stretch>
+              <a:fillRect/>
+            </a:stretch>
+          </p:blipFill>
+          <p:spPr>
+            <a:xfrm>
+              <a:off x="5276099" y="2313297"/>
+              <a:ext cx="5852172" cy="4389129"/>
+            </a:xfrm>
+            <a:prstGeom prst="rect">
+              <a:avLst/>
+            </a:prstGeom>
+          </p:spPr>
+        </p:pic>
+        <p:pic>
+          <p:nvPicPr>
+            <p:cNvPr id="38" name="Picture 37" descr="A red line graph with white text&#10;&#10;AI-generated content may be incorrect.">
+              <a:extLst>
+                <a:ext uri="{FF2B5EF4-FFF2-40B4-BE49-F238E27FC236}">
+                  <a16:creationId xmlns:a16="http://schemas.microsoft.com/office/drawing/2014/main" id="{0D0DE3B5-0502-2538-03A7-485D24DB9714}"/>
+                </a:ext>
+              </a:extLst>
+            </p:cNvPr>
+            <p:cNvPicPr>
+              <a:picLocks noChangeAspect="1"/>
+            </p:cNvPicPr>
+            <p:nvPr/>
+          </p:nvPicPr>
+          <p:blipFill>
+            <a:blip r:embed="rId6">
+              <a:extLst>
+                <a:ext uri="{28A0092B-C50C-407E-A947-70E740481C1C}">
+                  <a14:useLocalDpi xmlns:a14="http://schemas.microsoft.com/office/drawing/2010/main" val="0"/>
+                </a:ext>
+              </a:extLst>
+            </a:blip>
+            <a:stretch>
+              <a:fillRect/>
+            </a:stretch>
+          </p:blipFill>
+          <p:spPr>
+            <a:xfrm>
+              <a:off x="5276099" y="2313296"/>
+              <a:ext cx="5852172" cy="4389129"/>
+            </a:xfrm>
+            <a:prstGeom prst="rect">
+              <a:avLst/>
+            </a:prstGeom>
+          </p:spPr>
+        </p:pic>
+      </p:grpSp>
     </p:spTree>
     <p:extLst>
       <p:ext uri="{BB962C8B-B14F-4D97-AF65-F5344CB8AC3E}">
@@ -11893,6 +12478,100 @@
 </file>
 
 <file path=ppt/slides/slide18.xml><?xml version="1.0" encoding="utf-8"?>
+<p:sld xmlns:a="http://schemas.openxmlformats.org/drawingml/2006/main" xmlns:r="http://schemas.openxmlformats.org/officeDocument/2006/relationships" xmlns:p="http://schemas.openxmlformats.org/presentationml/2006/main">
+  <p:cSld>
+    <p:spTree>
+      <p:nvGrpSpPr>
+        <p:cNvPr id="1" name=""/>
+        <p:cNvGrpSpPr/>
+        <p:nvPr/>
+      </p:nvGrpSpPr>
+      <p:grpSpPr>
+        <a:xfrm>
+          <a:off x="0" y="0"/>
+          <a:ext cx="0" cy="0"/>
+          <a:chOff x="0" y="0"/>
+          <a:chExt cx="0" cy="0"/>
+        </a:xfrm>
+      </p:grpSpPr>
+      <p:sp>
+        <p:nvSpPr>
+          <p:cNvPr id="2" name="Title 1">
+            <a:extLst>
+              <a:ext uri="{FF2B5EF4-FFF2-40B4-BE49-F238E27FC236}">
+                <a16:creationId xmlns:a16="http://schemas.microsoft.com/office/drawing/2014/main" id="{B26629AF-6681-26E8-9CDA-675156D7BF5E}"/>
+              </a:ext>
+            </a:extLst>
+          </p:cNvPr>
+          <p:cNvSpPr>
+            <a:spLocks noGrp="1"/>
+          </p:cNvSpPr>
+          <p:nvPr>
+            <p:ph type="title"/>
+          </p:nvPr>
+        </p:nvSpPr>
+        <p:spPr/>
+        <p:txBody>
+          <a:bodyPr/>
+          <a:lstStyle/>
+          <a:p>
+            <a:r>
+              <a:rPr lang="de-DE" dirty="0" err="1"/>
+              <a:t>Modelica</a:t>
+            </a:r>
+            <a:r>
+              <a:rPr lang="de-DE" dirty="0"/>
+              <a:t> Simulation Run</a:t>
+            </a:r>
+          </a:p>
+        </p:txBody>
+      </p:sp>
+      <p:pic>
+        <p:nvPicPr>
+          <p:cNvPr id="17" name="Content Placeholder 16">
+            <a:extLst>
+              <a:ext uri="{FF2B5EF4-FFF2-40B4-BE49-F238E27FC236}">
+                <a16:creationId xmlns:a16="http://schemas.microsoft.com/office/drawing/2014/main" id="{F6750A6A-FA85-337A-A01E-E6B8E5D75DE8}"/>
+              </a:ext>
+            </a:extLst>
+          </p:cNvPr>
+          <p:cNvPicPr>
+            <a:picLocks noGrp="1" noChangeAspect="1"/>
+          </p:cNvPicPr>
+          <p:nvPr>
+            <p:ph idx="1"/>
+          </p:nvPr>
+        </p:nvPicPr>
+        <p:blipFill>
+          <a:blip r:embed="rId2"/>
+          <a:stretch>
+            <a:fillRect/>
+          </a:stretch>
+        </p:blipFill>
+        <p:spPr>
+          <a:xfrm>
+            <a:off x="9043488" y="763199"/>
+            <a:ext cx="2226061" cy="1626563"/>
+          </a:xfrm>
+          <a:prstGeom prst="rect">
+            <a:avLst/>
+          </a:prstGeom>
+        </p:spPr>
+      </p:pic>
+    </p:spTree>
+    <p:extLst>
+      <p:ext uri="{BB962C8B-B14F-4D97-AF65-F5344CB8AC3E}">
+        <p14:creationId xmlns:p14="http://schemas.microsoft.com/office/powerpoint/2010/main" val="2121797382"/>
+      </p:ext>
+    </p:extLst>
+  </p:cSld>
+  <p:clrMapOvr>
+    <a:masterClrMapping/>
+  </p:clrMapOvr>
+</p:sld>
+</file>
+
+<file path=ppt/slides/slide19.xml><?xml version="1.0" encoding="utf-8"?>
 <p:sld xmlns:a="http://schemas.openxmlformats.org/drawingml/2006/main" xmlns:r="http://schemas.openxmlformats.org/officeDocument/2006/relationships" xmlns:p="http://schemas.openxmlformats.org/presentationml/2006/main">
   <p:cSld>
     <p:spTree>
@@ -11932,13 +12611,8 @@
           <a:p>
             <a:r>
               <a:rPr lang="de-DE" dirty="0"/>
-              <a:t>Tabula </a:t>
-            </a:r>
-            <a:r>
-              <a:rPr lang="de-DE" dirty="0" err="1"/>
-              <a:t>parameters</a:t>
-            </a:r>
-            <a:endParaRPr lang="de-DE" dirty="0"/>
+              <a:t>Parameters</a:t>
+            </a:r>
           </a:p>
         </p:txBody>
       </p:sp>
@@ -11958,14 +12632,25 @@
             <p:ph idx="1"/>
           </p:nvPr>
         </p:nvSpPr>
-        <p:spPr/>
+        <p:spPr>
+          <a:xfrm>
+            <a:off x="838200" y="1825624"/>
+            <a:ext cx="10515600" cy="4726375"/>
+          </a:xfrm>
+        </p:spPr>
         <p:txBody>
-          <a:bodyPr/>
+          <a:bodyPr>
+            <a:normAutofit/>
+          </a:bodyPr>
           <a:lstStyle/>
           <a:p>
             <a:r>
+              <a:rPr lang="de-DE" dirty="0"/>
+              <a:t>Tabula </a:t>
+            </a:r>
+            <a:r>
               <a:rPr lang="de-DE" dirty="0" err="1"/>
-              <a:t>How</a:t>
+              <a:t>website</a:t>
             </a:r>
             <a:r>
               <a:rPr lang="de-DE" dirty="0"/>
@@ -11973,23 +12658,7 @@
             </a:r>
             <a:r>
               <a:rPr lang="de-DE" dirty="0" err="1"/>
-              <a:t>did</a:t>
-            </a:r>
-            <a:r>
-              <a:rPr lang="de-DE" dirty="0"/>
-              <a:t> </a:t>
-            </a:r>
-            <a:r>
-              <a:rPr lang="de-DE" dirty="0" err="1"/>
-              <a:t>we</a:t>
-            </a:r>
-            <a:r>
-              <a:rPr lang="de-DE" dirty="0"/>
-              <a:t> </a:t>
-            </a:r>
-            <a:r>
-              <a:rPr lang="de-DE" dirty="0" err="1"/>
-              <a:t>calculate</a:t>
+              <a:t>with</a:t>
             </a:r>
             <a:r>
               <a:rPr lang="de-DE" dirty="0"/>
@@ -12001,45 +12670,60 @@
             </a:r>
             <a:r>
               <a:rPr lang="de-DE" dirty="0"/>
-              <a:t> </a:t>
+              <a:t> stock </a:t>
             </a:r>
             <a:r>
               <a:rPr lang="de-DE" dirty="0" err="1"/>
-              <a:t>volume</a:t>
+              <a:t>data</a:t>
             </a:r>
             <a:r>
               <a:rPr lang="de-DE" dirty="0"/>
-              <a:t>: V = ¼* </a:t>
+              <a:t> </a:t>
             </a:r>
             <a:r>
               <a:rPr lang="de-DE" dirty="0" err="1"/>
-              <a:t>A_walls</a:t>
+              <a:t>across</a:t>
             </a:r>
             <a:r>
               <a:rPr lang="de-DE" dirty="0"/>
-              <a:t>*</a:t>
-            </a:r>
+              <a:t> Europe</a:t>
+            </a:r>
+          </a:p>
+          <a:p>
+            <a:endParaRPr lang="de-DE" dirty="0"/>
+          </a:p>
+          <a:p>
+            <a:endParaRPr lang="de-DE" dirty="0"/>
+          </a:p>
+          <a:p>
+            <a:endParaRPr lang="de-DE" dirty="0"/>
+          </a:p>
+          <a:p>
+            <a:endParaRPr lang="de-DE" dirty="0"/>
+          </a:p>
+          <a:p>
+            <a:endParaRPr lang="de-DE" dirty="0"/>
+          </a:p>
+          <a:p>
             <a:r>
               <a:rPr lang="de-DE" dirty="0" err="1"/>
-              <a:t>sqrt</a:t>
+              <a:t>Validate</a:t>
             </a:r>
             <a:r>
               <a:rPr lang="de-DE" dirty="0"/>
-              <a:t>(</a:t>
+              <a:t> </a:t>
             </a:r>
             <a:r>
               <a:rPr lang="de-DE" dirty="0" err="1"/>
-              <a:t>A_ground</a:t>
+              <a:t>the</a:t>
             </a:r>
             <a:r>
               <a:rPr lang="de-DE" dirty="0"/>
-              <a:t>)</a:t>
-            </a:r>
-          </a:p>
-          <a:p>
+              <a:t> </a:t>
+            </a:r>
             <a:r>
               <a:rPr lang="de-DE" dirty="0" err="1"/>
-              <a:t>What</a:t>
+              <a:t>model</a:t>
             </a:r>
             <a:r>
               <a:rPr lang="de-DE" dirty="0"/>
@@ -12047,7 +12731,7 @@
             </a:r>
             <a:r>
               <a:rPr lang="de-DE" dirty="0" err="1"/>
-              <a:t>processes</a:t>
+              <a:t>by</a:t>
             </a:r>
             <a:r>
               <a:rPr lang="de-DE" dirty="0"/>
@@ -12055,7 +12739,7 @@
             </a:r>
             <a:r>
               <a:rPr lang="de-DE" dirty="0" err="1"/>
-              <a:t>were</a:t>
+              <a:t>checking</a:t>
             </a:r>
             <a:r>
               <a:rPr lang="de-DE" dirty="0"/>
@@ -12063,15 +12747,15 @@
             </a:r>
             <a:r>
               <a:rPr lang="de-DE" dirty="0" err="1"/>
-              <a:t>omitted</a:t>
+              <a:t>if</a:t>
             </a:r>
             <a:r>
               <a:rPr lang="de-DE" dirty="0"/>
-              <a:t> (internal </a:t>
+              <a:t> </a:t>
             </a:r>
             <a:r>
               <a:rPr lang="de-DE" dirty="0" err="1"/>
-              <a:t>heating</a:t>
+              <a:t>results</a:t>
             </a:r>
             <a:r>
               <a:rPr lang="de-DE" dirty="0"/>
@@ -12079,11 +12763,50 @@
             </a:r>
             <a:r>
               <a:rPr lang="de-DE" dirty="0" err="1"/>
-              <a:t>sources</a:t>
+              <a:t>can</a:t>
             </a:r>
             <a:r>
               <a:rPr lang="de-DE" dirty="0"/>
-              <a:t>, solar, </a:t>
+              <a:t> </a:t>
+            </a:r>
+            <a:r>
+              <a:rPr lang="de-DE" dirty="0" err="1"/>
+              <a:t>be</a:t>
+            </a:r>
+            <a:r>
+              <a:rPr lang="de-DE" dirty="0"/>
+              <a:t> </a:t>
+            </a:r>
+            <a:r>
+              <a:rPr lang="de-DE" dirty="0" err="1"/>
+              <a:t>reproduced</a:t>
+            </a:r>
+            <a:r>
+              <a:rPr lang="de-DE" dirty="0"/>
+              <a:t> </a:t>
+            </a:r>
+            <a:r>
+              <a:rPr lang="de-DE" dirty="0" err="1"/>
+              <a:t>with</a:t>
+            </a:r>
+            <a:r>
+              <a:rPr lang="de-DE" dirty="0"/>
+              <a:t> real </a:t>
+            </a:r>
+            <a:r>
+              <a:rPr lang="de-DE" dirty="0" err="1"/>
+              <a:t>data</a:t>
+            </a:r>
+            <a:endParaRPr lang="de-DE" dirty="0"/>
+          </a:p>
+          <a:p>
+            <a:r>
+              <a:rPr lang="de-DE" dirty="0" err="1"/>
+              <a:t>No</a:t>
+            </a:r>
+            <a:r>
+              <a:rPr lang="de-DE" dirty="0"/>
+              <a:t> </a:t>
             </a:r>
             <a:r>
               <a:rPr lang="de-DE" dirty="0" err="1"/>
@@ -12091,54 +12814,138 @@
             </a:r>
             <a:r>
               <a:rPr lang="de-DE" dirty="0"/>
-              <a:t>)</a:t>
-            </a:r>
+              <a:t>, </a:t>
+            </a:r>
+            <a:r>
+              <a:rPr lang="de-DE" dirty="0" err="1"/>
+              <a:t>no</a:t>
+            </a:r>
+            <a:r>
+              <a:rPr lang="de-DE" dirty="0"/>
+              <a:t> internal </a:t>
+            </a:r>
+            <a:r>
+              <a:rPr lang="de-DE" dirty="0" err="1"/>
+              <a:t>heat</a:t>
+            </a:r>
+            <a:r>
+              <a:rPr lang="de-DE" dirty="0"/>
+              <a:t> source, </a:t>
+            </a:r>
+            <a:r>
+              <a:rPr lang="de-DE" dirty="0" err="1"/>
+              <a:t>no</a:t>
+            </a:r>
+            <a:r>
+              <a:rPr lang="de-DE" dirty="0"/>
+              <a:t> solar </a:t>
+            </a:r>
+            <a:r>
+              <a:rPr lang="de-DE" dirty="0" err="1"/>
+              <a:t>irradiance</a:t>
+            </a:r>
+            <a:endParaRPr lang="de-DE" dirty="0"/>
           </a:p>
         </p:txBody>
       </p:sp>
-      <p:sp>
-        <p:nvSpPr>
-          <p:cNvPr id="4" name="Rectangle 3">
+      <p:pic>
+        <p:nvPicPr>
+          <p:cNvPr id="8" name="Picture 7">
             <a:extLst>
               <a:ext uri="{FF2B5EF4-FFF2-40B4-BE49-F238E27FC236}">
-                <a16:creationId xmlns:a16="http://schemas.microsoft.com/office/drawing/2014/main" id="{60FC41A5-82CB-C3A7-CDC4-E84CF35B72CE}"/>
+                <a16:creationId xmlns:a16="http://schemas.microsoft.com/office/drawing/2014/main" id="{788B139C-BA64-81C4-3314-C8602CB9E371}"/>
               </a:ext>
             </a:extLst>
           </p:cNvPr>
-          <p:cNvSpPr/>
+          <p:cNvPicPr>
+            <a:picLocks noChangeAspect="1"/>
+          </p:cNvPicPr>
           <p:nvPr/>
-        </p:nvSpPr>
+        </p:nvPicPr>
+        <p:blipFill>
+          <a:blip r:embed="rId2"/>
+          <a:stretch>
+            <a:fillRect/>
+          </a:stretch>
+        </p:blipFill>
         <p:spPr>
           <a:xfrm>
-            <a:off x="10641600" y="172800"/>
-            <a:ext cx="1346400" cy="979200"/>
+            <a:off x="895200" y="2470444"/>
+            <a:ext cx="5200800" cy="2311198"/>
           </a:xfrm>
           <a:prstGeom prst="rect">
             <a:avLst/>
           </a:prstGeom>
         </p:spPr>
-        <p:style>
-          <a:lnRef idx="2">
-            <a:schemeClr val="accent1">
-              <a:shade val="15000"/>
-            </a:schemeClr>
-          </a:lnRef>
-          <a:fillRef idx="1">
-            <a:schemeClr val="accent1"/>
-          </a:fillRef>
-          <a:effectRef idx="0">
-            <a:schemeClr val="accent1"/>
-          </a:effectRef>
-          <a:fontRef idx="minor">
-            <a:schemeClr val="lt1"/>
-          </a:fontRef>
-        </p:style>
+      </p:pic>
+      <p:pic>
+        <p:nvPicPr>
+          <p:cNvPr id="10" name="Picture 9" descr="A graph of energy efficiency&#10;&#10;AI-generated content may be incorrect.">
+            <a:extLst>
+              <a:ext uri="{FF2B5EF4-FFF2-40B4-BE49-F238E27FC236}">
+                <a16:creationId xmlns:a16="http://schemas.microsoft.com/office/drawing/2014/main" id="{B463EC22-70DC-0636-ABEF-98EE5D15C4C6}"/>
+              </a:ext>
+            </a:extLst>
+          </p:cNvPr>
+          <p:cNvPicPr>
+            <a:picLocks noChangeAspect="1"/>
+          </p:cNvPicPr>
+          <p:nvPr/>
+        </p:nvPicPr>
+        <p:blipFill>
+          <a:blip r:embed="rId3">
+            <a:extLst>
+              <a:ext uri="{28A0092B-C50C-407E-A947-70E740481C1C}">
+                <a14:useLocalDpi xmlns:a14="http://schemas.microsoft.com/office/drawing/2010/main" val="0"/>
+              </a:ext>
+            </a:extLst>
+          </a:blip>
+          <a:stretch>
+            <a:fillRect/>
+          </a:stretch>
+        </p:blipFill>
+        <p:spPr>
+          <a:xfrm>
+            <a:off x="6636890" y="2470444"/>
+            <a:ext cx="4239910" cy="2311198"/>
+          </a:xfrm>
+          <a:prstGeom prst="rect">
+            <a:avLst/>
+          </a:prstGeom>
+        </p:spPr>
+      </p:pic>
+      <p:sp>
+        <p:nvSpPr>
+          <p:cNvPr id="12" name="TextBox 11">
+            <a:extLst>
+              <a:ext uri="{FF2B5EF4-FFF2-40B4-BE49-F238E27FC236}">
+                <a16:creationId xmlns:a16="http://schemas.microsoft.com/office/drawing/2014/main" id="{F1BEF7B6-CED6-74F5-0DA1-6124F114DDC5}"/>
+              </a:ext>
+            </a:extLst>
+          </p:cNvPr>
+          <p:cNvSpPr txBox="1"/>
+          <p:nvPr/>
+        </p:nvSpPr>
+        <p:spPr>
+          <a:xfrm>
+            <a:off x="8722955" y="6492875"/>
+            <a:ext cx="4307690" cy="246221"/>
+          </a:xfrm>
+          <a:prstGeom prst="rect">
+            <a:avLst/>
+          </a:prstGeom>
+          <a:noFill/>
+        </p:spPr>
         <p:txBody>
-          <a:bodyPr rtlCol="0" anchor="ctr"/>
+          <a:bodyPr wrap="square">
+            <a:spAutoFit/>
+          </a:bodyPr>
           <a:lstStyle/>
           <a:p>
-            <a:pPr algn="ctr"/>
-            <a:endParaRPr lang="de-DE"/>
+            <a:r>
+              <a:rPr lang="de-DE" sz="1000" dirty="0"/>
+              <a:t>https://webtool.building-typology.eu/?c=de#vares</a:t>
+            </a:r>
           </a:p>
         </p:txBody>
       </p:sp>
@@ -12155,7 +12962,2324 @@
 </p:sld>
 </file>
 
-<file path=ppt/slides/slide19.xml><?xml version="1.0" encoding="utf-8"?>
+<file path=ppt/slides/slide2.xml><?xml version="1.0" encoding="utf-8"?>
+<p:sld xmlns:a="http://schemas.openxmlformats.org/drawingml/2006/main" xmlns:r="http://schemas.openxmlformats.org/officeDocument/2006/relationships" xmlns:p="http://schemas.openxmlformats.org/presentationml/2006/main">
+  <p:cSld>
+    <p:spTree>
+      <p:nvGrpSpPr>
+        <p:cNvPr id="1" name=""/>
+        <p:cNvGrpSpPr/>
+        <p:nvPr/>
+      </p:nvGrpSpPr>
+      <p:grpSpPr>
+        <a:xfrm>
+          <a:off x="0" y="0"/>
+          <a:ext cx="0" cy="0"/>
+          <a:chOff x="0" y="0"/>
+          <a:chExt cx="0" cy="0"/>
+        </a:xfrm>
+      </p:grpSpPr>
+      <p:sp>
+        <p:nvSpPr>
+          <p:cNvPr id="2" name="Titel 1">
+            <a:extLst>
+              <a:ext uri="{FF2B5EF4-FFF2-40B4-BE49-F238E27FC236}">
+                <a16:creationId xmlns:a16="http://schemas.microsoft.com/office/drawing/2014/main" id="{5156EAEB-89F2-0CC3-DB84-39811EEC011A}"/>
+              </a:ext>
+            </a:extLst>
+          </p:cNvPr>
+          <p:cNvSpPr>
+            <a:spLocks noGrp="1"/>
+          </p:cNvSpPr>
+          <p:nvPr>
+            <p:ph type="title"/>
+          </p:nvPr>
+        </p:nvSpPr>
+        <p:spPr/>
+        <p:txBody>
+          <a:bodyPr/>
+          <a:lstStyle/>
+          <a:p>
+            <a:r>
+              <a:rPr lang="de-DE" dirty="0"/>
+              <a:t>Motivation </a:t>
+            </a:r>
+            <a:r>
+              <a:rPr lang="de-DE" dirty="0" err="1"/>
+              <a:t>for</a:t>
+            </a:r>
+            <a:r>
+              <a:rPr lang="de-DE" dirty="0"/>
+              <a:t> </a:t>
+            </a:r>
+            <a:r>
+              <a:rPr lang="de-DE" dirty="0" err="1"/>
+              <a:t>this</a:t>
+            </a:r>
+            <a:r>
+              <a:rPr lang="de-DE" dirty="0"/>
+              <a:t> </a:t>
+            </a:r>
+            <a:r>
+              <a:rPr lang="de-DE" dirty="0" err="1"/>
+              <a:t>topic</a:t>
+            </a:r>
+            <a:endParaRPr lang="de-DE" dirty="0"/>
+          </a:p>
+        </p:txBody>
+      </p:sp>
+      <p:sp>
+        <p:nvSpPr>
+          <p:cNvPr id="3" name="Inhaltsplatzhalter 2">
+            <a:extLst>
+              <a:ext uri="{FF2B5EF4-FFF2-40B4-BE49-F238E27FC236}">
+                <a16:creationId xmlns:a16="http://schemas.microsoft.com/office/drawing/2014/main" id="{7195F63D-6C37-634D-9551-21C2ADA66149}"/>
+              </a:ext>
+            </a:extLst>
+          </p:cNvPr>
+          <p:cNvSpPr>
+            <a:spLocks noGrp="1"/>
+          </p:cNvSpPr>
+          <p:nvPr>
+            <p:ph idx="1"/>
+          </p:nvPr>
+        </p:nvSpPr>
+        <p:spPr/>
+        <p:txBody>
+          <a:bodyPr>
+            <a:normAutofit fontScale="92500" lnSpcReduction="20000"/>
+          </a:bodyPr>
+          <a:lstStyle/>
+          <a:p>
+            <a:pPr>
+              <a:buFont typeface="Arial" panose="020B0604020202020204" pitchFamily="34" charset="0"/>
+              <a:buChar char="•"/>
+            </a:pPr>
+            <a:r>
+              <a:rPr lang="de-DE" dirty="0" err="1">
+                <a:solidFill>
+                  <a:schemeClr val="tx1">
+                    <a:lumMod val="50000"/>
+                    <a:lumOff val="50000"/>
+                  </a:schemeClr>
+                </a:solidFill>
+              </a:rPr>
+              <a:t>part</a:t>
+            </a:r>
+            <a:r>
+              <a:rPr lang="de-DE" dirty="0">
+                <a:solidFill>
+                  <a:schemeClr val="tx1">
+                    <a:lumMod val="50000"/>
+                    <a:lumOff val="50000"/>
+                  </a:schemeClr>
+                </a:solidFill>
+              </a:rPr>
+              <a:t> </a:t>
+            </a:r>
+            <a:r>
+              <a:rPr lang="de-DE" dirty="0" err="1">
+                <a:solidFill>
+                  <a:schemeClr val="tx1">
+                    <a:lumMod val="50000"/>
+                    <a:lumOff val="50000"/>
+                  </a:schemeClr>
+                </a:solidFill>
+              </a:rPr>
+              <a:t>of</a:t>
+            </a:r>
+            <a:r>
+              <a:rPr lang="de-DE" dirty="0">
+                <a:solidFill>
+                  <a:schemeClr val="tx1">
+                    <a:lumMod val="50000"/>
+                    <a:lumOff val="50000"/>
+                  </a:schemeClr>
+                </a:solidFill>
+              </a:rPr>
+              <a:t> </a:t>
+            </a:r>
+            <a:r>
+              <a:rPr lang="de-DE" dirty="0" err="1">
+                <a:solidFill>
+                  <a:schemeClr val="tx1">
+                    <a:lumMod val="50000"/>
+                    <a:lumOff val="50000"/>
+                  </a:schemeClr>
+                </a:solidFill>
+              </a:rPr>
+              <a:t>heat</a:t>
+            </a:r>
+            <a:r>
+              <a:rPr lang="de-DE" dirty="0">
+                <a:solidFill>
+                  <a:schemeClr val="tx1">
+                    <a:lumMod val="50000"/>
+                    <a:lumOff val="50000"/>
+                  </a:schemeClr>
+                </a:solidFill>
+              </a:rPr>
+              <a:t> </a:t>
+            </a:r>
+            <a:r>
+              <a:rPr lang="de-DE" dirty="0" err="1">
+                <a:solidFill>
+                  <a:schemeClr val="tx1">
+                    <a:lumMod val="50000"/>
+                    <a:lumOff val="50000"/>
+                  </a:schemeClr>
+                </a:solidFill>
+              </a:rPr>
+              <a:t>transition</a:t>
+            </a:r>
+            <a:r>
+              <a:rPr lang="de-DE" dirty="0">
+                <a:solidFill>
+                  <a:schemeClr val="tx1">
+                    <a:lumMod val="50000"/>
+                    <a:lumOff val="50000"/>
+                  </a:schemeClr>
+                </a:solidFill>
+              </a:rPr>
+              <a:t> </a:t>
+            </a:r>
+            <a:r>
+              <a:rPr lang="de-DE" dirty="0" err="1">
+                <a:solidFill>
+                  <a:schemeClr val="tx1">
+                    <a:lumMod val="50000"/>
+                    <a:lumOff val="50000"/>
+                  </a:schemeClr>
+                </a:solidFill>
+              </a:rPr>
+              <a:t>is</a:t>
+            </a:r>
+            <a:r>
+              <a:rPr lang="de-DE" dirty="0">
+                <a:solidFill>
+                  <a:schemeClr val="tx1">
+                    <a:lumMod val="50000"/>
+                    <a:lumOff val="50000"/>
+                  </a:schemeClr>
+                </a:solidFill>
+              </a:rPr>
+              <a:t> </a:t>
+            </a:r>
+            <a:r>
+              <a:rPr lang="de-DE" dirty="0" err="1">
+                <a:solidFill>
+                  <a:schemeClr val="tx1">
+                    <a:lumMod val="50000"/>
+                    <a:lumOff val="50000"/>
+                  </a:schemeClr>
+                </a:solidFill>
+              </a:rPr>
+              <a:t>to</a:t>
+            </a:r>
+            <a:r>
+              <a:rPr lang="de-DE" dirty="0">
+                <a:solidFill>
+                  <a:schemeClr val="tx1">
+                    <a:lumMod val="50000"/>
+                    <a:lumOff val="50000"/>
+                  </a:schemeClr>
+                </a:solidFill>
+              </a:rPr>
+              <a:t> </a:t>
+            </a:r>
+            <a:r>
+              <a:rPr lang="de-DE" dirty="0" err="1">
+                <a:solidFill>
+                  <a:schemeClr val="tx1">
+                    <a:lumMod val="50000"/>
+                    <a:lumOff val="50000"/>
+                  </a:schemeClr>
+                </a:solidFill>
+              </a:rPr>
+              <a:t>renovate</a:t>
+            </a:r>
+            <a:r>
+              <a:rPr lang="de-DE" dirty="0">
+                <a:solidFill>
+                  <a:schemeClr val="tx1">
+                    <a:lumMod val="50000"/>
+                    <a:lumOff val="50000"/>
+                  </a:schemeClr>
+                </a:solidFill>
+              </a:rPr>
+              <a:t> </a:t>
+            </a:r>
+            <a:r>
+              <a:rPr lang="de-DE" dirty="0" err="1">
+                <a:solidFill>
+                  <a:schemeClr val="tx1">
+                    <a:lumMod val="50000"/>
+                    <a:lumOff val="50000"/>
+                  </a:schemeClr>
+                </a:solidFill>
+              </a:rPr>
+              <a:t>houses</a:t>
+            </a:r>
+            <a:r>
+              <a:rPr lang="de-DE" dirty="0">
+                <a:solidFill>
+                  <a:schemeClr val="tx1">
+                    <a:lumMod val="50000"/>
+                    <a:lumOff val="50000"/>
+                  </a:schemeClr>
+                </a:solidFill>
+              </a:rPr>
+              <a:t> and </a:t>
+            </a:r>
+            <a:r>
+              <a:rPr lang="de-DE" dirty="0" err="1">
+                <a:solidFill>
+                  <a:schemeClr val="tx1">
+                    <a:lumMod val="50000"/>
+                    <a:lumOff val="50000"/>
+                  </a:schemeClr>
+                </a:solidFill>
+              </a:rPr>
+              <a:t>use</a:t>
+            </a:r>
+            <a:r>
+              <a:rPr lang="de-DE" dirty="0">
+                <a:solidFill>
+                  <a:schemeClr val="tx1">
+                    <a:lumMod val="50000"/>
+                    <a:lumOff val="50000"/>
+                  </a:schemeClr>
+                </a:solidFill>
+              </a:rPr>
+              <a:t> </a:t>
+            </a:r>
+            <a:r>
+              <a:rPr lang="de-DE" dirty="0" err="1">
+                <a:solidFill>
+                  <a:schemeClr val="tx1">
+                    <a:lumMod val="50000"/>
+                    <a:lumOff val="50000"/>
+                  </a:schemeClr>
+                </a:solidFill>
+              </a:rPr>
+              <a:t>new</a:t>
+            </a:r>
+            <a:r>
+              <a:rPr lang="de-DE" dirty="0">
+                <a:solidFill>
+                  <a:schemeClr val="tx1">
+                    <a:lumMod val="50000"/>
+                    <a:lumOff val="50000"/>
+                  </a:schemeClr>
+                </a:solidFill>
+              </a:rPr>
+              <a:t> </a:t>
+            </a:r>
+            <a:r>
+              <a:rPr lang="de-DE" dirty="0" err="1">
+                <a:solidFill>
+                  <a:schemeClr val="tx1">
+                    <a:lumMod val="50000"/>
+                    <a:lumOff val="50000"/>
+                  </a:schemeClr>
+                </a:solidFill>
+              </a:rPr>
+              <a:t>technical</a:t>
+            </a:r>
+            <a:r>
+              <a:rPr lang="de-DE" dirty="0">
+                <a:solidFill>
+                  <a:schemeClr val="tx1">
+                    <a:lumMod val="50000"/>
+                    <a:lumOff val="50000"/>
+                  </a:schemeClr>
+                </a:solidFill>
+              </a:rPr>
+              <a:t> </a:t>
+            </a:r>
+            <a:r>
+              <a:rPr lang="de-DE" dirty="0" err="1">
+                <a:solidFill>
+                  <a:schemeClr val="tx1">
+                    <a:lumMod val="50000"/>
+                    <a:lumOff val="50000"/>
+                  </a:schemeClr>
+                </a:solidFill>
+              </a:rPr>
+              <a:t>building</a:t>
+            </a:r>
+            <a:r>
+              <a:rPr lang="de-DE" dirty="0">
+                <a:solidFill>
+                  <a:schemeClr val="tx1">
+                    <a:lumMod val="50000"/>
+                    <a:lumOff val="50000"/>
+                  </a:schemeClr>
+                </a:solidFill>
+              </a:rPr>
+              <a:t> </a:t>
+            </a:r>
+            <a:r>
+              <a:rPr lang="de-DE" dirty="0" err="1">
+                <a:solidFill>
+                  <a:schemeClr val="tx1">
+                    <a:lumMod val="50000"/>
+                    <a:lumOff val="50000"/>
+                  </a:schemeClr>
+                </a:solidFill>
+              </a:rPr>
+              <a:t>equipment</a:t>
+            </a:r>
+            <a:endParaRPr lang="de-DE" dirty="0">
+              <a:solidFill>
+                <a:schemeClr val="tx1">
+                  <a:lumMod val="50000"/>
+                  <a:lumOff val="50000"/>
+                </a:schemeClr>
+              </a:solidFill>
+            </a:endParaRPr>
+          </a:p>
+          <a:p>
+            <a:pPr>
+              <a:buFont typeface="Arial" panose="020B0604020202020204" pitchFamily="34" charset="0"/>
+              <a:buChar char="•"/>
+            </a:pPr>
+            <a:r>
+              <a:rPr lang="de-DE" dirty="0">
+                <a:solidFill>
+                  <a:schemeClr val="tx1">
+                    <a:lumMod val="50000"/>
+                    <a:lumOff val="50000"/>
+                  </a:schemeClr>
+                </a:solidFill>
+              </a:rPr>
+              <a:t>different </a:t>
+            </a:r>
+            <a:r>
+              <a:rPr lang="de-DE" dirty="0" err="1">
+                <a:solidFill>
+                  <a:schemeClr val="tx1">
+                    <a:lumMod val="50000"/>
+                    <a:lumOff val="50000"/>
+                  </a:schemeClr>
+                </a:solidFill>
+              </a:rPr>
+              <a:t>paths</a:t>
+            </a:r>
+            <a:r>
+              <a:rPr lang="de-DE" dirty="0">
+                <a:solidFill>
+                  <a:schemeClr val="tx1">
+                    <a:lumMod val="50000"/>
+                    <a:lumOff val="50000"/>
+                  </a:schemeClr>
+                </a:solidFill>
+              </a:rPr>
+              <a:t> </a:t>
+            </a:r>
+            <a:r>
+              <a:rPr lang="de-DE" dirty="0" err="1">
+                <a:solidFill>
+                  <a:schemeClr val="tx1">
+                    <a:lumMod val="50000"/>
+                    <a:lumOff val="50000"/>
+                  </a:schemeClr>
+                </a:solidFill>
+              </a:rPr>
+              <a:t>to</a:t>
+            </a:r>
+            <a:r>
+              <a:rPr lang="de-DE" dirty="0">
+                <a:solidFill>
+                  <a:schemeClr val="tx1">
+                    <a:lumMod val="50000"/>
+                    <a:lumOff val="50000"/>
+                  </a:schemeClr>
+                </a:solidFill>
+              </a:rPr>
+              <a:t> </a:t>
+            </a:r>
+            <a:r>
+              <a:rPr lang="de-DE" dirty="0" err="1">
+                <a:solidFill>
+                  <a:schemeClr val="tx1">
+                    <a:lumMod val="50000"/>
+                    <a:lumOff val="50000"/>
+                  </a:schemeClr>
+                </a:solidFill>
+              </a:rPr>
+              <a:t>archieve</a:t>
+            </a:r>
+            <a:r>
+              <a:rPr lang="de-DE" dirty="0">
+                <a:solidFill>
+                  <a:schemeClr val="tx1">
+                    <a:lumMod val="50000"/>
+                    <a:lumOff val="50000"/>
+                  </a:schemeClr>
+                </a:solidFill>
+              </a:rPr>
+              <a:t> </a:t>
+            </a:r>
+            <a:r>
+              <a:rPr lang="de-DE" dirty="0" err="1">
+                <a:solidFill>
+                  <a:schemeClr val="tx1">
+                    <a:lumMod val="50000"/>
+                    <a:lumOff val="50000"/>
+                  </a:schemeClr>
+                </a:solidFill>
+              </a:rPr>
+              <a:t>climate</a:t>
+            </a:r>
+            <a:r>
+              <a:rPr lang="de-DE" dirty="0">
+                <a:solidFill>
+                  <a:schemeClr val="tx1">
+                    <a:lumMod val="50000"/>
+                    <a:lumOff val="50000"/>
+                  </a:schemeClr>
+                </a:solidFill>
+              </a:rPr>
+              <a:t>-neutral </a:t>
+            </a:r>
+            <a:r>
+              <a:rPr lang="de-DE" dirty="0" err="1">
+                <a:solidFill>
+                  <a:schemeClr val="tx1">
+                    <a:lumMod val="50000"/>
+                    <a:lumOff val="50000"/>
+                  </a:schemeClr>
+                </a:solidFill>
+              </a:rPr>
+              <a:t>houses</a:t>
+            </a:r>
+            <a:endParaRPr lang="de-DE" dirty="0">
+              <a:solidFill>
+                <a:schemeClr val="tx1">
+                  <a:lumMod val="50000"/>
+                  <a:lumOff val="50000"/>
+                </a:schemeClr>
+              </a:solidFill>
+            </a:endParaRPr>
+          </a:p>
+          <a:p>
+            <a:pPr>
+              <a:buFont typeface="Arial" panose="020B0604020202020204" pitchFamily="34" charset="0"/>
+              <a:buChar char="•"/>
+            </a:pPr>
+            <a:r>
+              <a:rPr lang="de-DE" dirty="0" err="1">
+                <a:solidFill>
+                  <a:schemeClr val="tx1">
+                    <a:lumMod val="50000"/>
+                    <a:lumOff val="50000"/>
+                  </a:schemeClr>
+                </a:solidFill>
+              </a:rPr>
+              <a:t>our</a:t>
+            </a:r>
+            <a:r>
+              <a:rPr lang="de-DE" dirty="0">
+                <a:solidFill>
+                  <a:schemeClr val="tx1">
+                    <a:lumMod val="50000"/>
+                    <a:lumOff val="50000"/>
+                  </a:schemeClr>
+                </a:solidFill>
+              </a:rPr>
+              <a:t> </a:t>
+            </a:r>
+            <a:r>
+              <a:rPr lang="de-DE" dirty="0" err="1">
+                <a:solidFill>
+                  <a:schemeClr val="tx1">
+                    <a:lumMod val="50000"/>
+                    <a:lumOff val="50000"/>
+                  </a:schemeClr>
+                </a:solidFill>
+              </a:rPr>
+              <a:t>task</a:t>
+            </a:r>
+            <a:r>
+              <a:rPr lang="de-DE" dirty="0">
+                <a:solidFill>
+                  <a:schemeClr val="tx1">
+                    <a:lumMod val="50000"/>
+                    <a:lumOff val="50000"/>
+                  </a:schemeClr>
+                </a:solidFill>
+              </a:rPr>
+              <a:t> </a:t>
+            </a:r>
+            <a:r>
+              <a:rPr lang="de-DE" dirty="0" err="1">
+                <a:solidFill>
+                  <a:schemeClr val="tx1">
+                    <a:lumMod val="50000"/>
+                    <a:lumOff val="50000"/>
+                  </a:schemeClr>
+                </a:solidFill>
+              </a:rPr>
+              <a:t>is</a:t>
+            </a:r>
+            <a:r>
+              <a:rPr lang="de-DE" dirty="0">
+                <a:solidFill>
+                  <a:schemeClr val="tx1">
+                    <a:lumMod val="50000"/>
+                    <a:lumOff val="50000"/>
+                  </a:schemeClr>
+                </a:solidFill>
+              </a:rPr>
+              <a:t> </a:t>
+            </a:r>
+            <a:r>
+              <a:rPr lang="de-DE" dirty="0" err="1">
+                <a:solidFill>
+                  <a:schemeClr val="tx1">
+                    <a:lumMod val="50000"/>
+                    <a:lumOff val="50000"/>
+                  </a:schemeClr>
+                </a:solidFill>
+              </a:rPr>
+              <a:t>to</a:t>
+            </a:r>
+            <a:r>
+              <a:rPr lang="de-DE" dirty="0">
+                <a:solidFill>
+                  <a:schemeClr val="tx1">
+                    <a:lumMod val="50000"/>
+                    <a:lumOff val="50000"/>
+                  </a:schemeClr>
+                </a:solidFill>
+              </a:rPr>
+              <a:t> </a:t>
+            </a:r>
+            <a:r>
+              <a:rPr lang="de-DE" dirty="0" err="1">
+                <a:solidFill>
+                  <a:schemeClr val="tx1">
+                    <a:lumMod val="50000"/>
+                    <a:lumOff val="50000"/>
+                  </a:schemeClr>
+                </a:solidFill>
+              </a:rPr>
+              <a:t>analyse</a:t>
+            </a:r>
+            <a:r>
+              <a:rPr lang="de-DE" dirty="0">
+                <a:solidFill>
+                  <a:schemeClr val="tx1">
+                    <a:lumMod val="50000"/>
+                    <a:lumOff val="50000"/>
+                  </a:schemeClr>
+                </a:solidFill>
+              </a:rPr>
+              <a:t> </a:t>
+            </a:r>
+            <a:r>
+              <a:rPr lang="de-DE" dirty="0" err="1">
+                <a:solidFill>
+                  <a:schemeClr val="tx1">
+                    <a:lumMod val="50000"/>
+                    <a:lumOff val="50000"/>
+                  </a:schemeClr>
+                </a:solidFill>
+              </a:rPr>
+              <a:t>some</a:t>
+            </a:r>
+            <a:r>
+              <a:rPr lang="de-DE" dirty="0">
+                <a:solidFill>
+                  <a:schemeClr val="tx1">
+                    <a:lumMod val="50000"/>
+                    <a:lumOff val="50000"/>
+                  </a:schemeClr>
+                </a:solidFill>
+              </a:rPr>
+              <a:t> </a:t>
+            </a:r>
+            <a:r>
+              <a:rPr lang="de-DE" dirty="0" err="1">
+                <a:solidFill>
+                  <a:schemeClr val="tx1">
+                    <a:lumMod val="50000"/>
+                    <a:lumOff val="50000"/>
+                  </a:schemeClr>
+                </a:solidFill>
+              </a:rPr>
+              <a:t>of</a:t>
+            </a:r>
+            <a:r>
+              <a:rPr lang="de-DE" dirty="0">
+                <a:solidFill>
+                  <a:schemeClr val="tx1">
+                    <a:lumMod val="50000"/>
+                    <a:lumOff val="50000"/>
+                  </a:schemeClr>
+                </a:solidFill>
+              </a:rPr>
+              <a:t> </a:t>
+            </a:r>
+            <a:r>
+              <a:rPr lang="de-DE" dirty="0" err="1">
+                <a:solidFill>
+                  <a:schemeClr val="tx1">
+                    <a:lumMod val="50000"/>
+                    <a:lumOff val="50000"/>
+                  </a:schemeClr>
+                </a:solidFill>
+              </a:rPr>
+              <a:t>them</a:t>
+            </a:r>
+            <a:endParaRPr lang="de-DE" dirty="0">
+              <a:solidFill>
+                <a:schemeClr val="tx1">
+                  <a:lumMod val="50000"/>
+                  <a:lumOff val="50000"/>
+                </a:schemeClr>
+              </a:solidFill>
+            </a:endParaRPr>
+          </a:p>
+          <a:p>
+            <a:pPr marL="0" indent="0">
+              <a:buNone/>
+            </a:pPr>
+            <a:endParaRPr lang="de-DE" dirty="0">
+              <a:solidFill>
+                <a:schemeClr val="tx1">
+                  <a:lumMod val="50000"/>
+                  <a:lumOff val="50000"/>
+                </a:schemeClr>
+              </a:solidFill>
+            </a:endParaRPr>
+          </a:p>
+          <a:p>
+            <a:pPr>
+              <a:buFont typeface="Arial" panose="020B0604020202020204" pitchFamily="34" charset="0"/>
+              <a:buChar char="•"/>
+            </a:pPr>
+            <a:r>
+              <a:rPr lang="de-DE" dirty="0" err="1">
+                <a:solidFill>
+                  <a:schemeClr val="tx1">
+                    <a:lumMod val="50000"/>
+                    <a:lumOff val="50000"/>
+                  </a:schemeClr>
+                </a:solidFill>
+              </a:rPr>
+              <a:t>goal</a:t>
+            </a:r>
+            <a:r>
+              <a:rPr lang="de-DE" dirty="0">
+                <a:solidFill>
+                  <a:schemeClr val="tx1">
+                    <a:lumMod val="50000"/>
+                    <a:lumOff val="50000"/>
+                  </a:schemeClr>
+                </a:solidFill>
+              </a:rPr>
+              <a:t>: </a:t>
+            </a:r>
+            <a:r>
+              <a:rPr lang="de-DE" dirty="0" err="1">
+                <a:solidFill>
+                  <a:schemeClr val="tx1">
+                    <a:lumMod val="50000"/>
+                    <a:lumOff val="50000"/>
+                  </a:schemeClr>
+                </a:solidFill>
+              </a:rPr>
+              <a:t>climate</a:t>
+            </a:r>
+            <a:r>
+              <a:rPr lang="de-DE" dirty="0">
+                <a:solidFill>
+                  <a:schemeClr val="tx1">
+                    <a:lumMod val="50000"/>
+                    <a:lumOff val="50000"/>
+                  </a:schemeClr>
+                </a:solidFill>
+              </a:rPr>
+              <a:t> </a:t>
+            </a:r>
+            <a:r>
+              <a:rPr lang="de-DE" dirty="0" err="1">
+                <a:solidFill>
+                  <a:schemeClr val="tx1">
+                    <a:lumMod val="50000"/>
+                    <a:lumOff val="50000"/>
+                  </a:schemeClr>
+                </a:solidFill>
+              </a:rPr>
+              <a:t>neutrality</a:t>
+            </a:r>
+            <a:r>
+              <a:rPr lang="de-DE" dirty="0">
+                <a:solidFill>
+                  <a:schemeClr val="tx1">
+                    <a:lumMod val="50000"/>
+                    <a:lumOff val="50000"/>
+                  </a:schemeClr>
+                </a:solidFill>
+              </a:rPr>
+              <a:t> </a:t>
+            </a:r>
+            <a:r>
+              <a:rPr lang="de-DE" dirty="0" err="1">
+                <a:solidFill>
+                  <a:schemeClr val="tx1">
+                    <a:lumMod val="50000"/>
+                    <a:lumOff val="50000"/>
+                  </a:schemeClr>
+                </a:solidFill>
+              </a:rPr>
+              <a:t>until</a:t>
+            </a:r>
+            <a:r>
+              <a:rPr lang="de-DE" dirty="0">
+                <a:solidFill>
+                  <a:schemeClr val="tx1">
+                    <a:lumMod val="50000"/>
+                    <a:lumOff val="50000"/>
+                  </a:schemeClr>
+                </a:solidFill>
+              </a:rPr>
+              <a:t> 2045</a:t>
+            </a:r>
+          </a:p>
+          <a:p>
+            <a:pPr>
+              <a:buFont typeface="Arial" panose="020B0604020202020204" pitchFamily="34" charset="0"/>
+              <a:buChar char="•"/>
+            </a:pPr>
+            <a:r>
+              <a:rPr lang="de-DE" dirty="0" err="1">
+                <a:solidFill>
+                  <a:schemeClr val="tx1">
+                    <a:lumMod val="50000"/>
+                    <a:lumOff val="50000"/>
+                  </a:schemeClr>
+                </a:solidFill>
+              </a:rPr>
+              <a:t>residential</a:t>
+            </a:r>
+            <a:r>
+              <a:rPr lang="de-DE" dirty="0">
+                <a:solidFill>
+                  <a:schemeClr val="tx1">
+                    <a:lumMod val="50000"/>
+                    <a:lumOff val="50000"/>
+                  </a:schemeClr>
+                </a:solidFill>
+              </a:rPr>
+              <a:t> </a:t>
+            </a:r>
+            <a:r>
+              <a:rPr lang="de-DE" dirty="0" err="1">
+                <a:solidFill>
+                  <a:schemeClr val="tx1">
+                    <a:lumMod val="50000"/>
+                    <a:lumOff val="50000"/>
+                  </a:schemeClr>
+                </a:solidFill>
+              </a:rPr>
+              <a:t>buildings</a:t>
+            </a:r>
+            <a:r>
+              <a:rPr lang="de-DE" dirty="0">
+                <a:solidFill>
+                  <a:schemeClr val="tx1">
+                    <a:lumMod val="50000"/>
+                    <a:lumOff val="50000"/>
+                  </a:schemeClr>
+                </a:solidFill>
+              </a:rPr>
+              <a:t> </a:t>
+            </a:r>
+            <a:r>
+              <a:rPr lang="de-DE" dirty="0" err="1">
+                <a:solidFill>
+                  <a:schemeClr val="tx1">
+                    <a:lumMod val="50000"/>
+                    <a:lumOff val="50000"/>
+                  </a:schemeClr>
+                </a:solidFill>
+              </a:rPr>
+              <a:t>are</a:t>
+            </a:r>
+            <a:r>
+              <a:rPr lang="de-DE" dirty="0">
+                <a:solidFill>
+                  <a:schemeClr val="tx1">
+                    <a:lumMod val="50000"/>
+                    <a:lumOff val="50000"/>
+                  </a:schemeClr>
+                </a:solidFill>
+              </a:rPr>
+              <a:t> </a:t>
+            </a:r>
+            <a:r>
+              <a:rPr lang="de-DE" dirty="0" err="1">
+                <a:solidFill>
+                  <a:schemeClr val="tx1">
+                    <a:lumMod val="50000"/>
+                    <a:lumOff val="50000"/>
+                  </a:schemeClr>
+                </a:solidFill>
+              </a:rPr>
+              <a:t>responsible</a:t>
+            </a:r>
+            <a:r>
+              <a:rPr lang="de-DE" dirty="0">
+                <a:solidFill>
+                  <a:schemeClr val="tx1">
+                    <a:lumMod val="50000"/>
+                    <a:lumOff val="50000"/>
+                  </a:schemeClr>
+                </a:solidFill>
+              </a:rPr>
+              <a:t> </a:t>
+            </a:r>
+            <a:r>
+              <a:rPr lang="de-DE" dirty="0" err="1">
+                <a:solidFill>
+                  <a:schemeClr val="tx1">
+                    <a:lumMod val="50000"/>
+                    <a:lumOff val="50000"/>
+                  </a:schemeClr>
+                </a:solidFill>
+              </a:rPr>
+              <a:t>for</a:t>
+            </a:r>
+            <a:r>
+              <a:rPr lang="de-DE" dirty="0">
+                <a:solidFill>
+                  <a:schemeClr val="tx1">
+                    <a:lumMod val="50000"/>
+                    <a:lumOff val="50000"/>
+                  </a:schemeClr>
+                </a:solidFill>
+              </a:rPr>
+              <a:t> 30% </a:t>
+            </a:r>
+            <a:r>
+              <a:rPr lang="de-DE" dirty="0" err="1">
+                <a:solidFill>
+                  <a:schemeClr val="tx1">
+                    <a:lumMod val="50000"/>
+                    <a:lumOff val="50000"/>
+                  </a:schemeClr>
+                </a:solidFill>
+              </a:rPr>
+              <a:t>of</a:t>
+            </a:r>
+            <a:r>
+              <a:rPr lang="de-DE" dirty="0">
+                <a:solidFill>
+                  <a:schemeClr val="tx1">
+                    <a:lumMod val="50000"/>
+                    <a:lumOff val="50000"/>
+                  </a:schemeClr>
+                </a:solidFill>
+              </a:rPr>
+              <a:t> </a:t>
+            </a:r>
+            <a:r>
+              <a:rPr lang="de-DE" dirty="0" err="1">
+                <a:solidFill>
+                  <a:schemeClr val="tx1">
+                    <a:lumMod val="50000"/>
+                    <a:lumOff val="50000"/>
+                  </a:schemeClr>
+                </a:solidFill>
+              </a:rPr>
+              <a:t>greenhouse</a:t>
+            </a:r>
+            <a:r>
+              <a:rPr lang="de-DE" dirty="0">
+                <a:solidFill>
+                  <a:schemeClr val="tx1">
+                    <a:lumMod val="50000"/>
+                    <a:lumOff val="50000"/>
+                  </a:schemeClr>
+                </a:solidFill>
+              </a:rPr>
+              <a:t> gas </a:t>
+            </a:r>
+            <a:r>
+              <a:rPr lang="de-DE" dirty="0" err="1">
+                <a:solidFill>
+                  <a:schemeClr val="tx1">
+                    <a:lumMod val="50000"/>
+                    <a:lumOff val="50000"/>
+                  </a:schemeClr>
+                </a:solidFill>
+              </a:rPr>
+              <a:t>emissions</a:t>
+            </a:r>
+            <a:endParaRPr lang="de-DE" dirty="0">
+              <a:solidFill>
+                <a:schemeClr val="tx1">
+                  <a:lumMod val="50000"/>
+                  <a:lumOff val="50000"/>
+                </a:schemeClr>
+              </a:solidFill>
+            </a:endParaRPr>
+          </a:p>
+          <a:p>
+            <a:pPr>
+              <a:buFont typeface="Arial" panose="020B0604020202020204" pitchFamily="34" charset="0"/>
+              <a:buChar char="•"/>
+            </a:pPr>
+            <a:r>
+              <a:rPr lang="de-DE" dirty="0" err="1">
+                <a:solidFill>
+                  <a:schemeClr val="tx1">
+                    <a:lumMod val="50000"/>
+                    <a:lumOff val="50000"/>
+                  </a:schemeClr>
+                </a:solidFill>
+              </a:rPr>
+              <a:t>building</a:t>
+            </a:r>
+            <a:r>
+              <a:rPr lang="de-DE" dirty="0">
+                <a:solidFill>
+                  <a:schemeClr val="tx1">
+                    <a:lumMod val="50000"/>
+                    <a:lumOff val="50000"/>
+                  </a:schemeClr>
+                </a:solidFill>
+              </a:rPr>
+              <a:t> </a:t>
+            </a:r>
+            <a:r>
+              <a:rPr lang="de-DE" dirty="0" err="1">
+                <a:solidFill>
+                  <a:schemeClr val="tx1">
+                    <a:lumMod val="50000"/>
+                    <a:lumOff val="50000"/>
+                  </a:schemeClr>
+                </a:solidFill>
+              </a:rPr>
+              <a:t>energy</a:t>
+            </a:r>
+            <a:r>
+              <a:rPr lang="de-DE" dirty="0">
+                <a:solidFill>
+                  <a:schemeClr val="tx1">
+                    <a:lumMod val="50000"/>
+                    <a:lumOff val="50000"/>
+                  </a:schemeClr>
+                </a:solidFill>
+              </a:rPr>
+              <a:t> </a:t>
+            </a:r>
+            <a:r>
+              <a:rPr lang="de-DE" dirty="0" err="1">
+                <a:solidFill>
+                  <a:schemeClr val="tx1">
+                    <a:lumMod val="50000"/>
+                    <a:lumOff val="50000"/>
+                  </a:schemeClr>
+                </a:solidFill>
+              </a:rPr>
+              <a:t>act</a:t>
+            </a:r>
+            <a:r>
+              <a:rPr lang="de-DE" dirty="0">
+                <a:solidFill>
+                  <a:schemeClr val="tx1">
+                    <a:lumMod val="50000"/>
+                    <a:lumOff val="50000"/>
+                  </a:schemeClr>
+                </a:solidFill>
+              </a:rPr>
+              <a:t> </a:t>
+            </a:r>
+            <a:r>
+              <a:rPr lang="de-DE" dirty="0" err="1">
+                <a:solidFill>
+                  <a:schemeClr val="tx1">
+                    <a:lumMod val="50000"/>
+                    <a:lumOff val="50000"/>
+                  </a:schemeClr>
+                </a:solidFill>
+              </a:rPr>
+              <a:t>came</a:t>
+            </a:r>
+            <a:r>
+              <a:rPr lang="de-DE" dirty="0">
+                <a:solidFill>
+                  <a:schemeClr val="tx1">
+                    <a:lumMod val="50000"/>
+                    <a:lumOff val="50000"/>
+                  </a:schemeClr>
+                </a:solidFill>
+              </a:rPr>
+              <a:t> </a:t>
+            </a:r>
+            <a:r>
+              <a:rPr lang="de-DE" dirty="0" err="1">
+                <a:solidFill>
+                  <a:schemeClr val="tx1">
+                    <a:lumMod val="50000"/>
+                    <a:lumOff val="50000"/>
+                  </a:schemeClr>
+                </a:solidFill>
+              </a:rPr>
+              <a:t>into</a:t>
+            </a:r>
+            <a:r>
+              <a:rPr lang="de-DE" dirty="0">
+                <a:solidFill>
+                  <a:schemeClr val="tx1">
+                    <a:lumMod val="50000"/>
+                    <a:lumOff val="50000"/>
+                  </a:schemeClr>
+                </a:solidFill>
+              </a:rPr>
+              <a:t> </a:t>
+            </a:r>
+            <a:r>
+              <a:rPr lang="de-DE" dirty="0" err="1">
+                <a:solidFill>
+                  <a:schemeClr val="tx1">
+                    <a:lumMod val="50000"/>
+                    <a:lumOff val="50000"/>
+                  </a:schemeClr>
+                </a:solidFill>
+              </a:rPr>
+              <a:t>force</a:t>
+            </a:r>
+            <a:r>
+              <a:rPr lang="de-DE" dirty="0">
+                <a:solidFill>
+                  <a:schemeClr val="tx1">
+                    <a:lumMod val="50000"/>
+                    <a:lumOff val="50000"/>
+                  </a:schemeClr>
+                </a:solidFill>
+              </a:rPr>
+              <a:t> on 1. </a:t>
+            </a:r>
+            <a:r>
+              <a:rPr lang="de-DE" dirty="0" err="1">
+                <a:solidFill>
+                  <a:schemeClr val="tx1">
+                    <a:lumMod val="50000"/>
+                    <a:lumOff val="50000"/>
+                  </a:schemeClr>
+                </a:solidFill>
+              </a:rPr>
+              <a:t>january</a:t>
+            </a:r>
+            <a:r>
+              <a:rPr lang="de-DE" dirty="0">
+                <a:solidFill>
+                  <a:schemeClr val="tx1">
+                    <a:lumMod val="50000"/>
+                    <a:lumOff val="50000"/>
+                  </a:schemeClr>
+                </a:solidFill>
+              </a:rPr>
+              <a:t> 2024 and </a:t>
+            </a:r>
+            <a:r>
+              <a:rPr lang="de-DE" dirty="0" err="1">
+                <a:solidFill>
+                  <a:schemeClr val="tx1">
+                    <a:lumMod val="50000"/>
+                    <a:lumOff val="50000"/>
+                  </a:schemeClr>
+                </a:solidFill>
+              </a:rPr>
+              <a:t>ensures</a:t>
+            </a:r>
+            <a:r>
+              <a:rPr lang="de-DE" dirty="0">
+                <a:solidFill>
+                  <a:schemeClr val="tx1">
+                    <a:lumMod val="50000"/>
+                    <a:lumOff val="50000"/>
+                  </a:schemeClr>
+                </a:solidFill>
+              </a:rPr>
+              <a:t> </a:t>
+            </a:r>
+            <a:r>
+              <a:rPr lang="de-DE" dirty="0" err="1">
+                <a:solidFill>
+                  <a:schemeClr val="tx1">
+                    <a:lumMod val="50000"/>
+                    <a:lumOff val="50000"/>
+                  </a:schemeClr>
+                </a:solidFill>
+              </a:rPr>
+              <a:t>the</a:t>
+            </a:r>
+            <a:r>
+              <a:rPr lang="de-DE" dirty="0">
+                <a:solidFill>
+                  <a:schemeClr val="tx1">
+                    <a:lumMod val="50000"/>
+                    <a:lumOff val="50000"/>
+                  </a:schemeClr>
+                </a:solidFill>
+              </a:rPr>
+              <a:t> switch </a:t>
+            </a:r>
+            <a:r>
+              <a:rPr lang="de-DE" dirty="0" err="1">
+                <a:solidFill>
+                  <a:schemeClr val="tx1">
+                    <a:lumMod val="50000"/>
+                    <a:lumOff val="50000"/>
+                  </a:schemeClr>
+                </a:solidFill>
+              </a:rPr>
+              <a:t>to</a:t>
+            </a:r>
+            <a:r>
+              <a:rPr lang="de-DE" dirty="0">
+                <a:solidFill>
+                  <a:schemeClr val="tx1">
+                    <a:lumMod val="50000"/>
+                    <a:lumOff val="50000"/>
+                  </a:schemeClr>
+                </a:solidFill>
+              </a:rPr>
+              <a:t> </a:t>
+            </a:r>
+            <a:r>
+              <a:rPr lang="de-DE" dirty="0" err="1">
+                <a:solidFill>
+                  <a:schemeClr val="tx1">
+                    <a:lumMod val="50000"/>
+                    <a:lumOff val="50000"/>
+                  </a:schemeClr>
+                </a:solidFill>
+              </a:rPr>
+              <a:t>renewable</a:t>
+            </a:r>
+            <a:r>
+              <a:rPr lang="de-DE" dirty="0">
+                <a:solidFill>
+                  <a:schemeClr val="tx1">
+                    <a:lumMod val="50000"/>
+                    <a:lumOff val="50000"/>
+                  </a:schemeClr>
+                </a:solidFill>
+              </a:rPr>
+              <a:t> </a:t>
+            </a:r>
+            <a:r>
+              <a:rPr lang="de-DE" dirty="0" err="1">
+                <a:solidFill>
+                  <a:schemeClr val="tx1">
+                    <a:lumMod val="50000"/>
+                    <a:lumOff val="50000"/>
+                  </a:schemeClr>
+                </a:solidFill>
+              </a:rPr>
+              <a:t>energy</a:t>
+            </a:r>
+            <a:r>
+              <a:rPr lang="de-DE" dirty="0">
+                <a:solidFill>
+                  <a:schemeClr val="tx1">
+                    <a:lumMod val="50000"/>
+                    <a:lumOff val="50000"/>
+                  </a:schemeClr>
+                </a:solidFill>
+              </a:rPr>
+              <a:t> </a:t>
+            </a:r>
+            <a:r>
+              <a:rPr lang="de-DE" dirty="0" err="1">
+                <a:solidFill>
+                  <a:schemeClr val="tx1">
+                    <a:lumMod val="50000"/>
+                    <a:lumOff val="50000"/>
+                  </a:schemeClr>
+                </a:solidFill>
+              </a:rPr>
+              <a:t>for</a:t>
+            </a:r>
+            <a:r>
+              <a:rPr lang="de-DE" dirty="0">
+                <a:solidFill>
+                  <a:schemeClr val="tx1">
+                    <a:lumMod val="50000"/>
+                    <a:lumOff val="50000"/>
+                  </a:schemeClr>
+                </a:solidFill>
+              </a:rPr>
+              <a:t> </a:t>
+            </a:r>
+            <a:r>
+              <a:rPr lang="de-DE" dirty="0" err="1">
+                <a:solidFill>
+                  <a:schemeClr val="tx1">
+                    <a:lumMod val="50000"/>
+                    <a:lumOff val="50000"/>
+                  </a:schemeClr>
+                </a:solidFill>
+              </a:rPr>
+              <a:t>heating</a:t>
+            </a:r>
+            <a:r>
+              <a:rPr lang="de-DE" dirty="0">
+                <a:solidFill>
+                  <a:schemeClr val="tx1">
+                    <a:lumMod val="50000"/>
+                    <a:lumOff val="50000"/>
+                  </a:schemeClr>
+                </a:solidFill>
+              </a:rPr>
+              <a:t> and </a:t>
+            </a:r>
+            <a:r>
+              <a:rPr lang="de-DE" dirty="0" err="1">
+                <a:solidFill>
+                  <a:schemeClr val="tx1">
+                    <a:lumMod val="50000"/>
+                    <a:lumOff val="50000"/>
+                  </a:schemeClr>
+                </a:solidFill>
+              </a:rPr>
+              <a:t>hot</a:t>
+            </a:r>
+            <a:r>
+              <a:rPr lang="de-DE" dirty="0">
+                <a:solidFill>
+                  <a:schemeClr val="tx1">
+                    <a:lumMod val="50000"/>
+                    <a:lumOff val="50000"/>
+                  </a:schemeClr>
+                </a:solidFill>
+              </a:rPr>
+              <a:t> </a:t>
+            </a:r>
+            <a:r>
+              <a:rPr lang="de-DE" dirty="0" err="1">
+                <a:solidFill>
+                  <a:schemeClr val="tx1">
+                    <a:lumMod val="50000"/>
+                    <a:lumOff val="50000"/>
+                  </a:schemeClr>
+                </a:solidFill>
+              </a:rPr>
+              <a:t>water</a:t>
+            </a:r>
+            <a:endParaRPr lang="de-DE" dirty="0">
+              <a:solidFill>
+                <a:schemeClr val="tx1">
+                  <a:lumMod val="50000"/>
+                  <a:lumOff val="50000"/>
+                </a:schemeClr>
+              </a:solidFill>
+            </a:endParaRPr>
+          </a:p>
+          <a:p>
+            <a:pPr>
+              <a:buFont typeface="Arial" panose="020B0604020202020204" pitchFamily="34" charset="0"/>
+              <a:buChar char="•"/>
+            </a:pPr>
+            <a:r>
+              <a:rPr lang="de-DE" dirty="0">
+                <a:solidFill>
+                  <a:schemeClr val="tx1">
+                    <a:lumMod val="50000"/>
+                    <a:lumOff val="50000"/>
+                  </a:schemeClr>
+                </a:solidFill>
+              </a:rPr>
+              <a:t>2022: 19,5 </a:t>
+            </a:r>
+            <a:r>
+              <a:rPr lang="de-DE" dirty="0" err="1">
+                <a:solidFill>
+                  <a:schemeClr val="tx1">
+                    <a:lumMod val="50000"/>
+                    <a:lumOff val="50000"/>
+                  </a:schemeClr>
+                </a:solidFill>
+              </a:rPr>
+              <a:t>million</a:t>
+            </a:r>
+            <a:r>
+              <a:rPr lang="de-DE" dirty="0">
+                <a:solidFill>
+                  <a:schemeClr val="tx1">
+                    <a:lumMod val="50000"/>
+                    <a:lumOff val="50000"/>
+                  </a:schemeClr>
+                </a:solidFill>
+              </a:rPr>
+              <a:t> </a:t>
+            </a:r>
+            <a:r>
+              <a:rPr lang="de-DE" dirty="0" err="1">
+                <a:solidFill>
+                  <a:schemeClr val="tx1">
+                    <a:lumMod val="50000"/>
+                    <a:lumOff val="50000"/>
+                  </a:schemeClr>
+                </a:solidFill>
+              </a:rPr>
+              <a:t>residential</a:t>
+            </a:r>
+            <a:r>
+              <a:rPr lang="de-DE" dirty="0">
+                <a:solidFill>
+                  <a:schemeClr val="tx1">
+                    <a:lumMod val="50000"/>
+                    <a:lumOff val="50000"/>
+                  </a:schemeClr>
+                </a:solidFill>
+              </a:rPr>
+              <a:t> </a:t>
+            </a:r>
+            <a:r>
+              <a:rPr lang="de-DE" dirty="0" err="1">
+                <a:solidFill>
+                  <a:schemeClr val="tx1">
+                    <a:lumMod val="50000"/>
+                    <a:lumOff val="50000"/>
+                  </a:schemeClr>
+                </a:solidFill>
+              </a:rPr>
+              <a:t>buildings</a:t>
+            </a:r>
+            <a:r>
+              <a:rPr lang="de-DE" dirty="0">
+                <a:solidFill>
+                  <a:schemeClr val="tx1">
+                    <a:lumMod val="50000"/>
+                    <a:lumOff val="50000"/>
+                  </a:schemeClr>
+                </a:solidFill>
+              </a:rPr>
+              <a:t>, 13 </a:t>
+            </a:r>
+            <a:r>
+              <a:rPr lang="de-DE" dirty="0" err="1">
+                <a:solidFill>
+                  <a:schemeClr val="tx1">
+                    <a:lumMod val="50000"/>
+                    <a:lumOff val="50000"/>
+                  </a:schemeClr>
+                </a:solidFill>
+              </a:rPr>
+              <a:t>million</a:t>
+            </a:r>
+            <a:r>
+              <a:rPr lang="de-DE" dirty="0">
+                <a:solidFill>
+                  <a:schemeClr val="tx1">
+                    <a:lumMod val="50000"/>
+                    <a:lumOff val="50000"/>
+                  </a:schemeClr>
+                </a:solidFill>
+              </a:rPr>
+              <a:t> </a:t>
+            </a:r>
+            <a:r>
+              <a:rPr lang="de-DE" dirty="0" err="1">
+                <a:solidFill>
+                  <a:schemeClr val="tx1">
+                    <a:lumMod val="50000"/>
+                    <a:lumOff val="50000"/>
+                  </a:schemeClr>
+                </a:solidFill>
+              </a:rPr>
+              <a:t>are</a:t>
+            </a:r>
+            <a:r>
+              <a:rPr lang="de-DE" dirty="0">
+                <a:solidFill>
+                  <a:schemeClr val="tx1">
+                    <a:lumMod val="50000"/>
+                    <a:lumOff val="50000"/>
+                  </a:schemeClr>
+                </a:solidFill>
+              </a:rPr>
+              <a:t> single-</a:t>
+            </a:r>
+            <a:r>
+              <a:rPr lang="de-DE" dirty="0" err="1">
+                <a:solidFill>
+                  <a:schemeClr val="tx1">
+                    <a:lumMod val="50000"/>
+                    <a:lumOff val="50000"/>
+                  </a:schemeClr>
+                </a:solidFill>
+              </a:rPr>
+              <a:t>familiy</a:t>
+            </a:r>
+            <a:r>
+              <a:rPr lang="de-DE" dirty="0">
+                <a:solidFill>
+                  <a:schemeClr val="tx1">
+                    <a:lumMod val="50000"/>
+                    <a:lumOff val="50000"/>
+                  </a:schemeClr>
+                </a:solidFill>
+              </a:rPr>
+              <a:t> </a:t>
+            </a:r>
+            <a:r>
+              <a:rPr lang="de-DE" dirty="0" err="1">
+                <a:solidFill>
+                  <a:schemeClr val="tx1">
+                    <a:lumMod val="50000"/>
+                    <a:lumOff val="50000"/>
+                  </a:schemeClr>
+                </a:solidFill>
+              </a:rPr>
+              <a:t>houses</a:t>
+            </a:r>
+            <a:endParaRPr lang="de-DE" dirty="0">
+              <a:solidFill>
+                <a:schemeClr val="tx1">
+                  <a:lumMod val="50000"/>
+                  <a:lumOff val="50000"/>
+                </a:schemeClr>
+              </a:solidFill>
+            </a:endParaRPr>
+          </a:p>
+          <a:p>
+            <a:pPr>
+              <a:buFont typeface="Arial" panose="020B0604020202020204" pitchFamily="34" charset="0"/>
+              <a:buChar char="•"/>
+            </a:pPr>
+            <a:endParaRPr lang="de-DE" dirty="0">
+              <a:solidFill>
+                <a:schemeClr val="tx1">
+                  <a:lumMod val="50000"/>
+                  <a:lumOff val="50000"/>
+                </a:schemeClr>
+              </a:solidFill>
+            </a:endParaRPr>
+          </a:p>
+          <a:p>
+            <a:endParaRPr lang="de-DE" dirty="0">
+              <a:solidFill>
+                <a:schemeClr val="tx1">
+                  <a:lumMod val="50000"/>
+                  <a:lumOff val="50000"/>
+                </a:schemeClr>
+              </a:solidFill>
+            </a:endParaRPr>
+          </a:p>
+        </p:txBody>
+      </p:sp>
+    </p:spTree>
+    <p:extLst>
+      <p:ext uri="{BB962C8B-B14F-4D97-AF65-F5344CB8AC3E}">
+        <p14:creationId xmlns:p14="http://schemas.microsoft.com/office/powerpoint/2010/main" val="2277892741"/>
+      </p:ext>
+    </p:extLst>
+  </p:cSld>
+  <p:clrMapOvr>
+    <a:masterClrMapping/>
+  </p:clrMapOvr>
+</p:sld>
+</file>
+
+<file path=ppt/slides/slide20.xml><?xml version="1.0" encoding="utf-8"?>
+<p:sld xmlns:a="http://schemas.openxmlformats.org/drawingml/2006/main" xmlns:r="http://schemas.openxmlformats.org/officeDocument/2006/relationships" xmlns:p="http://schemas.openxmlformats.org/presentationml/2006/main">
+  <p:cSld>
+    <p:spTree>
+      <p:nvGrpSpPr>
+        <p:cNvPr id="1" name=""/>
+        <p:cNvGrpSpPr/>
+        <p:nvPr/>
+      </p:nvGrpSpPr>
+      <p:grpSpPr>
+        <a:xfrm>
+          <a:off x="0" y="0"/>
+          <a:ext cx="0" cy="0"/>
+          <a:chOff x="0" y="0"/>
+          <a:chExt cx="0" cy="0"/>
+        </a:xfrm>
+      </p:grpSpPr>
+      <p:sp>
+        <p:nvSpPr>
+          <p:cNvPr id="2" name="Title 1">
+            <a:extLst>
+              <a:ext uri="{FF2B5EF4-FFF2-40B4-BE49-F238E27FC236}">
+                <a16:creationId xmlns:a16="http://schemas.microsoft.com/office/drawing/2014/main" id="{87D8EC0F-D6F9-363E-0D14-8158DC539746}"/>
+              </a:ext>
+            </a:extLst>
+          </p:cNvPr>
+          <p:cNvSpPr>
+            <a:spLocks noGrp="1"/>
+          </p:cNvSpPr>
+          <p:nvPr>
+            <p:ph type="title"/>
+          </p:nvPr>
+        </p:nvSpPr>
+        <p:spPr/>
+        <p:txBody>
+          <a:bodyPr/>
+          <a:lstStyle/>
+          <a:p>
+            <a:r>
+              <a:rPr lang="de-DE" dirty="0"/>
+              <a:t>Tabula </a:t>
+            </a:r>
+            <a:r>
+              <a:rPr lang="de-DE" dirty="0" err="1"/>
+              <a:t>parameters</a:t>
+            </a:r>
+            <a:endParaRPr lang="de-DE" dirty="0"/>
+          </a:p>
+        </p:txBody>
+      </p:sp>
+      <p:pic>
+        <p:nvPicPr>
+          <p:cNvPr id="6" name="Content Placeholder 5">
+            <a:extLst>
+              <a:ext uri="{FF2B5EF4-FFF2-40B4-BE49-F238E27FC236}">
+                <a16:creationId xmlns:a16="http://schemas.microsoft.com/office/drawing/2014/main" id="{CB8D0407-8A36-4C64-2777-DAC5F4288B5A}"/>
+              </a:ext>
+            </a:extLst>
+          </p:cNvPr>
+          <p:cNvPicPr>
+            <a:picLocks noGrp="1" noChangeAspect="1"/>
+          </p:cNvPicPr>
+          <p:nvPr>
+            <p:ph idx="1"/>
+          </p:nvPr>
+        </p:nvPicPr>
+        <p:blipFill>
+          <a:blip r:embed="rId2"/>
+          <a:stretch>
+            <a:fillRect/>
+          </a:stretch>
+        </p:blipFill>
+        <p:spPr>
+          <a:xfrm>
+            <a:off x="2215690" y="3429000"/>
+            <a:ext cx="6954220" cy="2943636"/>
+          </a:xfrm>
+          <a:prstGeom prst="rect">
+            <a:avLst/>
+          </a:prstGeom>
+        </p:spPr>
+      </p:pic>
+      <p:sp>
+        <p:nvSpPr>
+          <p:cNvPr id="4" name="Inhaltsplatzhalter 2">
+            <a:extLst>
+              <a:ext uri="{FF2B5EF4-FFF2-40B4-BE49-F238E27FC236}">
+                <a16:creationId xmlns:a16="http://schemas.microsoft.com/office/drawing/2014/main" id="{EB28DCD1-DA44-261C-5D6A-E9A5D0014510}"/>
+              </a:ext>
+            </a:extLst>
+          </p:cNvPr>
+          <p:cNvSpPr txBox="1">
+            <a:spLocks/>
+          </p:cNvSpPr>
+          <p:nvPr/>
+        </p:nvSpPr>
+        <p:spPr>
+          <a:xfrm>
+            <a:off x="838200" y="1825625"/>
+            <a:ext cx="10515600" cy="4351338"/>
+          </a:xfrm>
+          <a:prstGeom prst="rect">
+            <a:avLst/>
+          </a:prstGeom>
+        </p:spPr>
+        <p:txBody>
+          <a:bodyPr vert="horz" lIns="91440" tIns="45720" rIns="91440" bIns="45720" rtlCol="0">
+            <a:normAutofit/>
+          </a:bodyPr>
+          <a:lstStyle>
+            <a:lvl1pPr marL="228600" indent="-228600" algn="l" defTabSz="914400" rtl="0" eaLnBrk="1" latinLnBrk="0" hangingPunct="1">
+              <a:lnSpc>
+                <a:spcPct val="90000"/>
+              </a:lnSpc>
+              <a:spcBef>
+                <a:spcPts val="1000"/>
+              </a:spcBef>
+              <a:buFont typeface="Arial" panose="020B0604020202020204" pitchFamily="34" charset="0"/>
+              <a:buChar char="•"/>
+              <a:defRPr sz="2800" kern="1200">
+                <a:solidFill>
+                  <a:schemeClr val="tx1"/>
+                </a:solidFill>
+                <a:latin typeface="+mn-lt"/>
+                <a:ea typeface="+mn-ea"/>
+                <a:cs typeface="+mn-cs"/>
+              </a:defRPr>
+            </a:lvl1pPr>
+            <a:lvl2pPr marL="685800" indent="-228600" algn="l" defTabSz="914400" rtl="0" eaLnBrk="1" latinLnBrk="0" hangingPunct="1">
+              <a:lnSpc>
+                <a:spcPct val="90000"/>
+              </a:lnSpc>
+              <a:spcBef>
+                <a:spcPts val="500"/>
+              </a:spcBef>
+              <a:buFont typeface="Arial" panose="020B0604020202020204" pitchFamily="34" charset="0"/>
+              <a:buChar char="•"/>
+              <a:defRPr sz="2400" kern="1200">
+                <a:solidFill>
+                  <a:schemeClr val="tx1"/>
+                </a:solidFill>
+                <a:latin typeface="+mn-lt"/>
+                <a:ea typeface="+mn-ea"/>
+                <a:cs typeface="+mn-cs"/>
+              </a:defRPr>
+            </a:lvl2pPr>
+            <a:lvl3pPr marL="1143000" indent="-228600" algn="l" defTabSz="914400" rtl="0" eaLnBrk="1" latinLnBrk="0" hangingPunct="1">
+              <a:lnSpc>
+                <a:spcPct val="90000"/>
+              </a:lnSpc>
+              <a:spcBef>
+                <a:spcPts val="500"/>
+              </a:spcBef>
+              <a:buFont typeface="Arial" panose="020B0604020202020204" pitchFamily="34" charset="0"/>
+              <a:buChar char="•"/>
+              <a:defRPr sz="2000" kern="1200">
+                <a:solidFill>
+                  <a:schemeClr val="tx1"/>
+                </a:solidFill>
+                <a:latin typeface="+mn-lt"/>
+                <a:ea typeface="+mn-ea"/>
+                <a:cs typeface="+mn-cs"/>
+              </a:defRPr>
+            </a:lvl3pPr>
+            <a:lvl4pPr marL="1600200" indent="-228600" algn="l" defTabSz="914400" rtl="0" eaLnBrk="1" latinLnBrk="0" hangingPunct="1">
+              <a:lnSpc>
+                <a:spcPct val="90000"/>
+              </a:lnSpc>
+              <a:spcBef>
+                <a:spcPts val="500"/>
+              </a:spcBef>
+              <a:buFont typeface="Arial" panose="020B0604020202020204" pitchFamily="34" charset="0"/>
+              <a:buChar char="•"/>
+              <a:defRPr sz="1800" kern="1200">
+                <a:solidFill>
+                  <a:schemeClr val="tx1"/>
+                </a:solidFill>
+                <a:latin typeface="+mn-lt"/>
+                <a:ea typeface="+mn-ea"/>
+                <a:cs typeface="+mn-cs"/>
+              </a:defRPr>
+            </a:lvl4pPr>
+            <a:lvl5pPr marL="2057400" indent="-228600" algn="l" defTabSz="914400" rtl="0" eaLnBrk="1" latinLnBrk="0" hangingPunct="1">
+              <a:lnSpc>
+                <a:spcPct val="90000"/>
+              </a:lnSpc>
+              <a:spcBef>
+                <a:spcPts val="500"/>
+              </a:spcBef>
+              <a:buFont typeface="Arial" panose="020B0604020202020204" pitchFamily="34" charset="0"/>
+              <a:buChar char="•"/>
+              <a:defRPr sz="1800" kern="1200">
+                <a:solidFill>
+                  <a:schemeClr val="tx1"/>
+                </a:solidFill>
+                <a:latin typeface="+mn-lt"/>
+                <a:ea typeface="+mn-ea"/>
+                <a:cs typeface="+mn-cs"/>
+              </a:defRPr>
+            </a:lvl5pPr>
+            <a:lvl6pPr marL="2514600" indent="-228600" algn="l" defTabSz="914400" rtl="0" eaLnBrk="1" latinLnBrk="0" hangingPunct="1">
+              <a:lnSpc>
+                <a:spcPct val="90000"/>
+              </a:lnSpc>
+              <a:spcBef>
+                <a:spcPts val="500"/>
+              </a:spcBef>
+              <a:buFont typeface="Arial" panose="020B0604020202020204" pitchFamily="34" charset="0"/>
+              <a:buChar char="•"/>
+              <a:defRPr sz="1800" kern="1200">
+                <a:solidFill>
+                  <a:schemeClr val="tx1"/>
+                </a:solidFill>
+                <a:latin typeface="+mn-lt"/>
+                <a:ea typeface="+mn-ea"/>
+                <a:cs typeface="+mn-cs"/>
+              </a:defRPr>
+            </a:lvl6pPr>
+            <a:lvl7pPr marL="2971800" indent="-228600" algn="l" defTabSz="914400" rtl="0" eaLnBrk="1" latinLnBrk="0" hangingPunct="1">
+              <a:lnSpc>
+                <a:spcPct val="90000"/>
+              </a:lnSpc>
+              <a:spcBef>
+                <a:spcPts val="500"/>
+              </a:spcBef>
+              <a:buFont typeface="Arial" panose="020B0604020202020204" pitchFamily="34" charset="0"/>
+              <a:buChar char="•"/>
+              <a:defRPr sz="1800" kern="1200">
+                <a:solidFill>
+                  <a:schemeClr val="tx1"/>
+                </a:solidFill>
+                <a:latin typeface="+mn-lt"/>
+                <a:ea typeface="+mn-ea"/>
+                <a:cs typeface="+mn-cs"/>
+              </a:defRPr>
+            </a:lvl7pPr>
+            <a:lvl8pPr marL="3429000" indent="-228600" algn="l" defTabSz="914400" rtl="0" eaLnBrk="1" latinLnBrk="0" hangingPunct="1">
+              <a:lnSpc>
+                <a:spcPct val="90000"/>
+              </a:lnSpc>
+              <a:spcBef>
+                <a:spcPts val="500"/>
+              </a:spcBef>
+              <a:buFont typeface="Arial" panose="020B0604020202020204" pitchFamily="34" charset="0"/>
+              <a:buChar char="•"/>
+              <a:defRPr sz="1800" kern="1200">
+                <a:solidFill>
+                  <a:schemeClr val="tx1"/>
+                </a:solidFill>
+                <a:latin typeface="+mn-lt"/>
+                <a:ea typeface="+mn-ea"/>
+                <a:cs typeface="+mn-cs"/>
+              </a:defRPr>
+            </a:lvl8pPr>
+            <a:lvl9pPr marL="3886200" indent="-228600" algn="l" defTabSz="914400" rtl="0" eaLnBrk="1" latinLnBrk="0" hangingPunct="1">
+              <a:lnSpc>
+                <a:spcPct val="90000"/>
+              </a:lnSpc>
+              <a:spcBef>
+                <a:spcPts val="500"/>
+              </a:spcBef>
+              <a:buFont typeface="Arial" panose="020B0604020202020204" pitchFamily="34" charset="0"/>
+              <a:buChar char="•"/>
+              <a:defRPr sz="1800" kern="1200">
+                <a:solidFill>
+                  <a:schemeClr val="tx1"/>
+                </a:solidFill>
+                <a:latin typeface="+mn-lt"/>
+                <a:ea typeface="+mn-ea"/>
+                <a:cs typeface="+mn-cs"/>
+              </a:defRPr>
+            </a:lvl9pPr>
+          </a:lstStyle>
+          <a:p>
+            <a:r>
+              <a:rPr lang="de-DE" dirty="0"/>
+              <a:t>Tabula </a:t>
+            </a:r>
+            <a:r>
+              <a:rPr lang="de-DE" dirty="0" err="1"/>
+              <a:t>provides</a:t>
+            </a:r>
+            <a:r>
+              <a:rPr lang="de-DE" dirty="0"/>
+              <a:t> </a:t>
+            </a:r>
+            <a:r>
+              <a:rPr lang="de-DE" dirty="0" err="1"/>
+              <a:t>the</a:t>
+            </a:r>
+            <a:r>
+              <a:rPr lang="de-DE" dirty="0"/>
+              <a:t> </a:t>
+            </a:r>
+            <a:r>
+              <a:rPr lang="de-DE" dirty="0" err="1"/>
+              <a:t>surface</a:t>
+            </a:r>
+            <a:r>
+              <a:rPr lang="de-DE" dirty="0"/>
+              <a:t> </a:t>
+            </a:r>
+            <a:r>
+              <a:rPr lang="de-DE" dirty="0" err="1"/>
+              <a:t>area</a:t>
+            </a:r>
+            <a:r>
+              <a:rPr lang="de-DE" dirty="0"/>
+              <a:t> and thermal </a:t>
+            </a:r>
+            <a:r>
+              <a:rPr lang="de-DE" dirty="0" err="1"/>
+              <a:t>transmittance</a:t>
+            </a:r>
+            <a:r>
+              <a:rPr lang="de-DE" dirty="0"/>
+              <a:t> (U) </a:t>
+            </a:r>
+            <a:r>
+              <a:rPr lang="de-DE" dirty="0" err="1"/>
+              <a:t>of</a:t>
+            </a:r>
+            <a:r>
+              <a:rPr lang="de-DE" dirty="0"/>
+              <a:t> </a:t>
+            </a:r>
+            <a:r>
+              <a:rPr lang="de-DE" dirty="0" err="1"/>
+              <a:t>the</a:t>
+            </a:r>
+            <a:r>
+              <a:rPr lang="de-DE" dirty="0"/>
+              <a:t> </a:t>
+            </a:r>
+            <a:r>
+              <a:rPr lang="de-DE" dirty="0" err="1"/>
+              <a:t>components</a:t>
+            </a:r>
+            <a:r>
+              <a:rPr lang="de-DE" dirty="0"/>
+              <a:t>: </a:t>
+            </a:r>
+            <a:r>
+              <a:rPr lang="de-DE" dirty="0" err="1">
+                <a:highlight>
+                  <a:srgbClr val="00FF00"/>
+                </a:highlight>
+              </a:rPr>
+              <a:t>floor</a:t>
+            </a:r>
+            <a:r>
+              <a:rPr lang="de-DE" dirty="0"/>
+              <a:t>, </a:t>
+            </a:r>
+            <a:r>
+              <a:rPr lang="de-DE" dirty="0" err="1">
+                <a:highlight>
+                  <a:srgbClr val="00FFFF"/>
+                </a:highlight>
+              </a:rPr>
+              <a:t>walls</a:t>
+            </a:r>
+            <a:r>
+              <a:rPr lang="de-DE" dirty="0"/>
+              <a:t>, </a:t>
+            </a:r>
+            <a:r>
+              <a:rPr lang="de-DE" dirty="0" err="1">
+                <a:solidFill>
+                  <a:schemeClr val="bg1"/>
+                </a:solidFill>
+                <a:highlight>
+                  <a:srgbClr val="800000"/>
+                </a:highlight>
+              </a:rPr>
+              <a:t>windows</a:t>
+            </a:r>
+            <a:r>
+              <a:rPr lang="de-DE" dirty="0"/>
+              <a:t>, </a:t>
+            </a:r>
+            <a:r>
+              <a:rPr lang="de-DE" dirty="0" err="1">
+                <a:highlight>
+                  <a:srgbClr val="FF0000"/>
+                </a:highlight>
+              </a:rPr>
+              <a:t>roof</a:t>
+            </a:r>
+            <a:endParaRPr lang="de-DE" dirty="0">
+              <a:highlight>
+                <a:srgbClr val="FF0000"/>
+              </a:highlight>
+            </a:endParaRPr>
+          </a:p>
+          <a:p>
+            <a:r>
+              <a:rPr lang="de-DE" dirty="0" err="1"/>
+              <a:t>For</a:t>
+            </a:r>
+            <a:r>
+              <a:rPr lang="de-DE" dirty="0"/>
+              <a:t> </a:t>
+            </a:r>
+            <a:r>
+              <a:rPr lang="de-DE" dirty="0" err="1"/>
+              <a:t>the</a:t>
+            </a:r>
+            <a:r>
+              <a:rPr lang="de-DE" dirty="0"/>
+              <a:t> </a:t>
+            </a:r>
+            <a:r>
+              <a:rPr lang="de-DE" dirty="0" err="1"/>
+              <a:t>model</a:t>
+            </a:r>
+            <a:r>
+              <a:rPr lang="de-DE" dirty="0"/>
+              <a:t>, </a:t>
+            </a:r>
+            <a:r>
+              <a:rPr lang="de-DE" dirty="0" err="1"/>
+              <a:t>we</a:t>
+            </a:r>
+            <a:r>
+              <a:rPr lang="de-DE" dirty="0"/>
+              <a:t> also </a:t>
+            </a:r>
+            <a:r>
+              <a:rPr lang="de-DE" dirty="0" err="1"/>
+              <a:t>need</a:t>
+            </a:r>
+            <a:r>
+              <a:rPr lang="de-DE" dirty="0"/>
+              <a:t> </a:t>
+            </a:r>
+            <a:r>
+              <a:rPr lang="de-DE" dirty="0" err="1"/>
+              <a:t>the</a:t>
+            </a:r>
+            <a:r>
+              <a:rPr lang="de-DE" dirty="0"/>
+              <a:t> </a:t>
+            </a:r>
+            <a:r>
+              <a:rPr lang="de-DE" dirty="0" err="1"/>
+              <a:t>volume</a:t>
+            </a:r>
+            <a:r>
+              <a:rPr lang="de-DE" dirty="0"/>
+              <a:t> </a:t>
+            </a:r>
+            <a:r>
+              <a:rPr lang="de-DE" dirty="0" err="1"/>
+              <a:t>of</a:t>
+            </a:r>
+            <a:r>
+              <a:rPr lang="de-DE" dirty="0"/>
+              <a:t> </a:t>
+            </a:r>
+            <a:r>
+              <a:rPr lang="de-DE" dirty="0" err="1"/>
+              <a:t>air</a:t>
+            </a:r>
+            <a:r>
+              <a:rPr lang="de-DE" dirty="0"/>
+              <a:t> </a:t>
+            </a:r>
+            <a:r>
+              <a:rPr lang="de-DE" dirty="0" err="1"/>
+              <a:t>inside</a:t>
+            </a:r>
+            <a:endParaRPr lang="de-DE" dirty="0"/>
+          </a:p>
+          <a:p>
+            <a:endParaRPr lang="de-DE" dirty="0">
+              <a:solidFill>
+                <a:schemeClr val="tx1">
+                  <a:lumMod val="50000"/>
+                  <a:lumOff val="50000"/>
+                </a:schemeClr>
+              </a:solidFill>
+            </a:endParaRPr>
+          </a:p>
+        </p:txBody>
+      </p:sp>
+      <p:grpSp>
+        <p:nvGrpSpPr>
+          <p:cNvPr id="16" name="Group 15">
+            <a:extLst>
+              <a:ext uri="{FF2B5EF4-FFF2-40B4-BE49-F238E27FC236}">
+                <a16:creationId xmlns:a16="http://schemas.microsoft.com/office/drawing/2014/main" id="{34F9C259-BA8C-EA70-220C-DC40B1A83989}"/>
+              </a:ext>
+            </a:extLst>
+          </p:cNvPr>
+          <p:cNvGrpSpPr/>
+          <p:nvPr/>
+        </p:nvGrpSpPr>
+        <p:grpSpPr>
+          <a:xfrm>
+            <a:off x="8780400" y="364498"/>
+            <a:ext cx="1044000" cy="1326190"/>
+            <a:chOff x="8240400" y="2835410"/>
+            <a:chExt cx="1044000" cy="1326190"/>
+          </a:xfrm>
+        </p:grpSpPr>
+        <p:sp>
+          <p:nvSpPr>
+            <p:cNvPr id="11" name="Rectangle 10">
+              <a:extLst>
+                <a:ext uri="{FF2B5EF4-FFF2-40B4-BE49-F238E27FC236}">
+                  <a16:creationId xmlns:a16="http://schemas.microsoft.com/office/drawing/2014/main" id="{804651C9-DC14-355A-B01B-9CF2C9AB3843}"/>
+                </a:ext>
+              </a:extLst>
+            </p:cNvPr>
+            <p:cNvSpPr/>
+            <p:nvPr/>
+          </p:nvSpPr>
+          <p:spPr>
+            <a:xfrm>
+              <a:off x="8301600" y="4096800"/>
+              <a:ext cx="921600" cy="64800"/>
+            </a:xfrm>
+            <a:prstGeom prst="rect">
+              <a:avLst/>
+            </a:prstGeom>
+            <a:solidFill>
+              <a:schemeClr val="accent6">
+                <a:lumMod val="60000"/>
+                <a:lumOff val="40000"/>
+              </a:schemeClr>
+            </a:solidFill>
+            <a:ln>
+              <a:solidFill>
+                <a:schemeClr val="tx1"/>
+              </a:solidFill>
+            </a:ln>
+          </p:spPr>
+          <p:style>
+            <a:lnRef idx="2">
+              <a:schemeClr val="accent1">
+                <a:shade val="15000"/>
+              </a:schemeClr>
+            </a:lnRef>
+            <a:fillRef idx="1">
+              <a:schemeClr val="accent1"/>
+            </a:fillRef>
+            <a:effectRef idx="0">
+              <a:schemeClr val="accent1"/>
+            </a:effectRef>
+            <a:fontRef idx="minor">
+              <a:schemeClr val="lt1"/>
+            </a:fontRef>
+          </p:style>
+          <p:txBody>
+            <a:bodyPr rtlCol="0" anchor="ctr"/>
+            <a:lstStyle/>
+            <a:p>
+              <a:pPr algn="ctr"/>
+              <a:endParaRPr lang="de-DE"/>
+            </a:p>
+          </p:txBody>
+        </p:sp>
+        <p:sp>
+          <p:nvSpPr>
+            <p:cNvPr id="12" name="Rectangle 11">
+              <a:extLst>
+                <a:ext uri="{FF2B5EF4-FFF2-40B4-BE49-F238E27FC236}">
+                  <a16:creationId xmlns:a16="http://schemas.microsoft.com/office/drawing/2014/main" id="{2EF0D314-8012-60B1-E9BD-7AAA934E7FD9}"/>
+                </a:ext>
+              </a:extLst>
+            </p:cNvPr>
+            <p:cNvSpPr/>
+            <p:nvPr/>
+          </p:nvSpPr>
+          <p:spPr>
+            <a:xfrm>
+              <a:off x="8301600" y="3332400"/>
+              <a:ext cx="921600" cy="764400"/>
+            </a:xfrm>
+            <a:prstGeom prst="rect">
+              <a:avLst/>
+            </a:prstGeom>
+            <a:solidFill>
+              <a:srgbClr val="00B0F0"/>
+            </a:solidFill>
+            <a:ln>
+              <a:solidFill>
+                <a:schemeClr val="tx1"/>
+              </a:solidFill>
+            </a:ln>
+          </p:spPr>
+          <p:style>
+            <a:lnRef idx="2">
+              <a:schemeClr val="accent1">
+                <a:shade val="15000"/>
+              </a:schemeClr>
+            </a:lnRef>
+            <a:fillRef idx="1">
+              <a:schemeClr val="accent1"/>
+            </a:fillRef>
+            <a:effectRef idx="0">
+              <a:schemeClr val="accent1"/>
+            </a:effectRef>
+            <a:fontRef idx="minor">
+              <a:schemeClr val="lt1"/>
+            </a:fontRef>
+          </p:style>
+          <p:txBody>
+            <a:bodyPr rtlCol="0" anchor="ctr"/>
+            <a:lstStyle/>
+            <a:p>
+              <a:pPr algn="ctr"/>
+              <a:endParaRPr lang="de-DE"/>
+            </a:p>
+          </p:txBody>
+        </p:sp>
+        <p:sp>
+          <p:nvSpPr>
+            <p:cNvPr id="13" name="Rectangle 12">
+              <a:extLst>
+                <a:ext uri="{FF2B5EF4-FFF2-40B4-BE49-F238E27FC236}">
+                  <a16:creationId xmlns:a16="http://schemas.microsoft.com/office/drawing/2014/main" id="{E92117E2-FF1B-183F-531A-0695F1669ABD}"/>
+                </a:ext>
+              </a:extLst>
+            </p:cNvPr>
+            <p:cNvSpPr/>
+            <p:nvPr/>
+          </p:nvSpPr>
+          <p:spPr>
+            <a:xfrm>
+              <a:off x="8401200" y="3505200"/>
+              <a:ext cx="289200" cy="274800"/>
+            </a:xfrm>
+            <a:prstGeom prst="rect">
+              <a:avLst/>
+            </a:prstGeom>
+            <a:solidFill>
+              <a:schemeClr val="accent2">
+                <a:lumMod val="50000"/>
+              </a:schemeClr>
+            </a:solidFill>
+            <a:ln>
+              <a:noFill/>
+            </a:ln>
+          </p:spPr>
+          <p:style>
+            <a:lnRef idx="0">
+              <a:scrgbClr r="0" g="0" b="0"/>
+            </a:lnRef>
+            <a:fillRef idx="0">
+              <a:scrgbClr r="0" g="0" b="0"/>
+            </a:fillRef>
+            <a:effectRef idx="0">
+              <a:scrgbClr r="0" g="0" b="0"/>
+            </a:effectRef>
+            <a:fontRef idx="minor">
+              <a:schemeClr val="lt1"/>
+            </a:fontRef>
+          </p:style>
+          <p:txBody>
+            <a:bodyPr rtlCol="0" anchor="ctr"/>
+            <a:lstStyle/>
+            <a:p>
+              <a:pPr algn="ctr"/>
+              <a:endParaRPr lang="de-DE"/>
+            </a:p>
+          </p:txBody>
+        </p:sp>
+        <p:sp>
+          <p:nvSpPr>
+            <p:cNvPr id="14" name="Rectangle 13">
+              <a:extLst>
+                <a:ext uri="{FF2B5EF4-FFF2-40B4-BE49-F238E27FC236}">
+                  <a16:creationId xmlns:a16="http://schemas.microsoft.com/office/drawing/2014/main" id="{CA62A785-8AF7-078B-8DB9-6ADC907256F1}"/>
+                </a:ext>
+              </a:extLst>
+            </p:cNvPr>
+            <p:cNvSpPr/>
+            <p:nvPr/>
+          </p:nvSpPr>
+          <p:spPr>
+            <a:xfrm>
+              <a:off x="8846637" y="3504600"/>
+              <a:ext cx="289200" cy="274800"/>
+            </a:xfrm>
+            <a:prstGeom prst="rect">
+              <a:avLst/>
+            </a:prstGeom>
+            <a:solidFill>
+              <a:schemeClr val="accent2">
+                <a:lumMod val="50000"/>
+              </a:schemeClr>
+            </a:solidFill>
+            <a:ln>
+              <a:noFill/>
+            </a:ln>
+          </p:spPr>
+          <p:style>
+            <a:lnRef idx="0">
+              <a:scrgbClr r="0" g="0" b="0"/>
+            </a:lnRef>
+            <a:fillRef idx="0">
+              <a:scrgbClr r="0" g="0" b="0"/>
+            </a:fillRef>
+            <a:effectRef idx="0">
+              <a:scrgbClr r="0" g="0" b="0"/>
+            </a:effectRef>
+            <a:fontRef idx="minor">
+              <a:schemeClr val="lt1"/>
+            </a:fontRef>
+          </p:style>
+          <p:txBody>
+            <a:bodyPr rtlCol="0" anchor="ctr"/>
+            <a:lstStyle/>
+            <a:p>
+              <a:pPr algn="ctr"/>
+              <a:endParaRPr lang="de-DE"/>
+            </a:p>
+          </p:txBody>
+        </p:sp>
+        <p:sp>
+          <p:nvSpPr>
+            <p:cNvPr id="15" name="Isosceles Triangle 14">
+              <a:extLst>
+                <a:ext uri="{FF2B5EF4-FFF2-40B4-BE49-F238E27FC236}">
+                  <a16:creationId xmlns:a16="http://schemas.microsoft.com/office/drawing/2014/main" id="{F960AFCC-B30A-EB23-E9EA-E6A1C7D2EDE6}"/>
+                </a:ext>
+              </a:extLst>
+            </p:cNvPr>
+            <p:cNvSpPr/>
+            <p:nvPr/>
+          </p:nvSpPr>
+          <p:spPr>
+            <a:xfrm>
+              <a:off x="8240400" y="2835410"/>
+              <a:ext cx="1044000" cy="496990"/>
+            </a:xfrm>
+            <a:prstGeom prst="triangle">
+              <a:avLst/>
+            </a:prstGeom>
+            <a:solidFill>
+              <a:srgbClr val="FF0000"/>
+            </a:solidFill>
+            <a:ln>
+              <a:solidFill>
+                <a:schemeClr val="tx1"/>
+              </a:solidFill>
+            </a:ln>
+          </p:spPr>
+          <p:style>
+            <a:lnRef idx="2">
+              <a:schemeClr val="accent1">
+                <a:shade val="15000"/>
+              </a:schemeClr>
+            </a:lnRef>
+            <a:fillRef idx="1">
+              <a:schemeClr val="accent1"/>
+            </a:fillRef>
+            <a:effectRef idx="0">
+              <a:schemeClr val="accent1"/>
+            </a:effectRef>
+            <a:fontRef idx="minor">
+              <a:schemeClr val="lt1"/>
+            </a:fontRef>
+          </p:style>
+          <p:txBody>
+            <a:bodyPr rtlCol="0" anchor="ctr"/>
+            <a:lstStyle/>
+            <a:p>
+              <a:pPr algn="ctr"/>
+              <a:endParaRPr lang="de-DE"/>
+            </a:p>
+          </p:txBody>
+        </p:sp>
+      </p:grpSp>
+    </p:spTree>
+    <p:extLst>
+      <p:ext uri="{BB962C8B-B14F-4D97-AF65-F5344CB8AC3E}">
+        <p14:creationId xmlns:p14="http://schemas.microsoft.com/office/powerpoint/2010/main" val="1251528998"/>
+      </p:ext>
+    </p:extLst>
+  </p:cSld>
+  <p:clrMapOvr>
+    <a:masterClrMapping/>
+  </p:clrMapOvr>
+</p:sld>
+</file>
+
+<file path=ppt/slides/slide21.xml><?xml version="1.0" encoding="utf-8"?>
 <p:sld xmlns:a="http://schemas.openxmlformats.org/drawingml/2006/main" xmlns:r="http://schemas.openxmlformats.org/officeDocument/2006/relationships" xmlns:p="http://schemas.openxmlformats.org/presentationml/2006/main">
   <p:cSld>
     <p:spTree>
@@ -12464,1535 +15588,7 @@
 </p:sld>
 </file>
 
-<file path=ppt/slides/slide2.xml><?xml version="1.0" encoding="utf-8"?>
-<p:sld xmlns:a="http://schemas.openxmlformats.org/drawingml/2006/main" xmlns:r="http://schemas.openxmlformats.org/officeDocument/2006/relationships" xmlns:p="http://schemas.openxmlformats.org/presentationml/2006/main">
-  <p:cSld>
-    <p:spTree>
-      <p:nvGrpSpPr>
-        <p:cNvPr id="1" name=""/>
-        <p:cNvGrpSpPr/>
-        <p:nvPr/>
-      </p:nvGrpSpPr>
-      <p:grpSpPr>
-        <a:xfrm>
-          <a:off x="0" y="0"/>
-          <a:ext cx="0" cy="0"/>
-          <a:chOff x="0" y="0"/>
-          <a:chExt cx="0" cy="0"/>
-        </a:xfrm>
-      </p:grpSpPr>
-      <p:sp>
-        <p:nvSpPr>
-          <p:cNvPr id="2" name="Titel 1">
-            <a:extLst>
-              <a:ext uri="{FF2B5EF4-FFF2-40B4-BE49-F238E27FC236}">
-                <a16:creationId xmlns:a16="http://schemas.microsoft.com/office/drawing/2014/main" id="{5156EAEB-89F2-0CC3-DB84-39811EEC011A}"/>
-              </a:ext>
-            </a:extLst>
-          </p:cNvPr>
-          <p:cNvSpPr>
-            <a:spLocks noGrp="1"/>
-          </p:cNvSpPr>
-          <p:nvPr>
-            <p:ph type="title"/>
-          </p:nvPr>
-        </p:nvSpPr>
-        <p:spPr/>
-        <p:txBody>
-          <a:bodyPr/>
-          <a:lstStyle/>
-          <a:p>
-            <a:r>
-              <a:rPr lang="de-DE" dirty="0"/>
-              <a:t>Motivation </a:t>
-            </a:r>
-            <a:r>
-              <a:rPr lang="de-DE" dirty="0" err="1"/>
-              <a:t>for</a:t>
-            </a:r>
-            <a:r>
-              <a:rPr lang="de-DE" dirty="0"/>
-              <a:t> </a:t>
-            </a:r>
-            <a:r>
-              <a:rPr lang="de-DE" dirty="0" err="1"/>
-              <a:t>this</a:t>
-            </a:r>
-            <a:r>
-              <a:rPr lang="de-DE" dirty="0"/>
-              <a:t> </a:t>
-            </a:r>
-            <a:r>
-              <a:rPr lang="de-DE" dirty="0" err="1"/>
-              <a:t>topic</a:t>
-            </a:r>
-            <a:endParaRPr lang="de-DE" dirty="0"/>
-          </a:p>
-        </p:txBody>
-      </p:sp>
-      <p:sp>
-        <p:nvSpPr>
-          <p:cNvPr id="3" name="Inhaltsplatzhalter 2">
-            <a:extLst>
-              <a:ext uri="{FF2B5EF4-FFF2-40B4-BE49-F238E27FC236}">
-                <a16:creationId xmlns:a16="http://schemas.microsoft.com/office/drawing/2014/main" id="{7195F63D-6C37-634D-9551-21C2ADA66149}"/>
-              </a:ext>
-            </a:extLst>
-          </p:cNvPr>
-          <p:cNvSpPr>
-            <a:spLocks noGrp="1"/>
-          </p:cNvSpPr>
-          <p:nvPr>
-            <p:ph idx="1"/>
-          </p:nvPr>
-        </p:nvSpPr>
-        <p:spPr/>
-        <p:txBody>
-          <a:bodyPr>
-            <a:normAutofit fontScale="92500" lnSpcReduction="20000"/>
-          </a:bodyPr>
-          <a:lstStyle/>
-          <a:p>
-            <a:pPr>
-              <a:buFont typeface="Arial" panose="020B0604020202020204" pitchFamily="34" charset="0"/>
-              <a:buChar char="•"/>
-            </a:pPr>
-            <a:r>
-              <a:rPr lang="de-DE" dirty="0" err="1">
-                <a:solidFill>
-                  <a:schemeClr val="tx1">
-                    <a:lumMod val="50000"/>
-                    <a:lumOff val="50000"/>
-                  </a:schemeClr>
-                </a:solidFill>
-              </a:rPr>
-              <a:t>part</a:t>
-            </a:r>
-            <a:r>
-              <a:rPr lang="de-DE" dirty="0">
-                <a:solidFill>
-                  <a:schemeClr val="tx1">
-                    <a:lumMod val="50000"/>
-                    <a:lumOff val="50000"/>
-                  </a:schemeClr>
-                </a:solidFill>
-              </a:rPr>
-              <a:t> </a:t>
-            </a:r>
-            <a:r>
-              <a:rPr lang="de-DE" dirty="0" err="1">
-                <a:solidFill>
-                  <a:schemeClr val="tx1">
-                    <a:lumMod val="50000"/>
-                    <a:lumOff val="50000"/>
-                  </a:schemeClr>
-                </a:solidFill>
-              </a:rPr>
-              <a:t>of</a:t>
-            </a:r>
-            <a:r>
-              <a:rPr lang="de-DE" dirty="0">
-                <a:solidFill>
-                  <a:schemeClr val="tx1">
-                    <a:lumMod val="50000"/>
-                    <a:lumOff val="50000"/>
-                  </a:schemeClr>
-                </a:solidFill>
-              </a:rPr>
-              <a:t> </a:t>
-            </a:r>
-            <a:r>
-              <a:rPr lang="de-DE" dirty="0" err="1">
-                <a:solidFill>
-                  <a:schemeClr val="tx1">
-                    <a:lumMod val="50000"/>
-                    <a:lumOff val="50000"/>
-                  </a:schemeClr>
-                </a:solidFill>
-              </a:rPr>
-              <a:t>heat</a:t>
-            </a:r>
-            <a:r>
-              <a:rPr lang="de-DE" dirty="0">
-                <a:solidFill>
-                  <a:schemeClr val="tx1">
-                    <a:lumMod val="50000"/>
-                    <a:lumOff val="50000"/>
-                  </a:schemeClr>
-                </a:solidFill>
-              </a:rPr>
-              <a:t> </a:t>
-            </a:r>
-            <a:r>
-              <a:rPr lang="de-DE" dirty="0" err="1">
-                <a:solidFill>
-                  <a:schemeClr val="tx1">
-                    <a:lumMod val="50000"/>
-                    <a:lumOff val="50000"/>
-                  </a:schemeClr>
-                </a:solidFill>
-              </a:rPr>
-              <a:t>transition</a:t>
-            </a:r>
-            <a:r>
-              <a:rPr lang="de-DE" dirty="0">
-                <a:solidFill>
-                  <a:schemeClr val="tx1">
-                    <a:lumMod val="50000"/>
-                    <a:lumOff val="50000"/>
-                  </a:schemeClr>
-                </a:solidFill>
-              </a:rPr>
-              <a:t> </a:t>
-            </a:r>
-            <a:r>
-              <a:rPr lang="de-DE" dirty="0" err="1">
-                <a:solidFill>
-                  <a:schemeClr val="tx1">
-                    <a:lumMod val="50000"/>
-                    <a:lumOff val="50000"/>
-                  </a:schemeClr>
-                </a:solidFill>
-              </a:rPr>
-              <a:t>is</a:t>
-            </a:r>
-            <a:r>
-              <a:rPr lang="de-DE" dirty="0">
-                <a:solidFill>
-                  <a:schemeClr val="tx1">
-                    <a:lumMod val="50000"/>
-                    <a:lumOff val="50000"/>
-                  </a:schemeClr>
-                </a:solidFill>
-              </a:rPr>
-              <a:t> </a:t>
-            </a:r>
-            <a:r>
-              <a:rPr lang="de-DE" dirty="0" err="1">
-                <a:solidFill>
-                  <a:schemeClr val="tx1">
-                    <a:lumMod val="50000"/>
-                    <a:lumOff val="50000"/>
-                  </a:schemeClr>
-                </a:solidFill>
-              </a:rPr>
-              <a:t>to</a:t>
-            </a:r>
-            <a:r>
-              <a:rPr lang="de-DE" dirty="0">
-                <a:solidFill>
-                  <a:schemeClr val="tx1">
-                    <a:lumMod val="50000"/>
-                    <a:lumOff val="50000"/>
-                  </a:schemeClr>
-                </a:solidFill>
-              </a:rPr>
-              <a:t> </a:t>
-            </a:r>
-            <a:r>
-              <a:rPr lang="de-DE" dirty="0" err="1">
-                <a:solidFill>
-                  <a:schemeClr val="tx1">
-                    <a:lumMod val="50000"/>
-                    <a:lumOff val="50000"/>
-                  </a:schemeClr>
-                </a:solidFill>
-              </a:rPr>
-              <a:t>renovate</a:t>
-            </a:r>
-            <a:r>
-              <a:rPr lang="de-DE" dirty="0">
-                <a:solidFill>
-                  <a:schemeClr val="tx1">
-                    <a:lumMod val="50000"/>
-                    <a:lumOff val="50000"/>
-                  </a:schemeClr>
-                </a:solidFill>
-              </a:rPr>
-              <a:t> </a:t>
-            </a:r>
-            <a:r>
-              <a:rPr lang="de-DE" dirty="0" err="1">
-                <a:solidFill>
-                  <a:schemeClr val="tx1">
-                    <a:lumMod val="50000"/>
-                    <a:lumOff val="50000"/>
-                  </a:schemeClr>
-                </a:solidFill>
-              </a:rPr>
-              <a:t>houses</a:t>
-            </a:r>
-            <a:r>
-              <a:rPr lang="de-DE" dirty="0">
-                <a:solidFill>
-                  <a:schemeClr val="tx1">
-                    <a:lumMod val="50000"/>
-                    <a:lumOff val="50000"/>
-                  </a:schemeClr>
-                </a:solidFill>
-              </a:rPr>
-              <a:t> and </a:t>
-            </a:r>
-            <a:r>
-              <a:rPr lang="de-DE" dirty="0" err="1">
-                <a:solidFill>
-                  <a:schemeClr val="tx1">
-                    <a:lumMod val="50000"/>
-                    <a:lumOff val="50000"/>
-                  </a:schemeClr>
-                </a:solidFill>
-              </a:rPr>
-              <a:t>use</a:t>
-            </a:r>
-            <a:r>
-              <a:rPr lang="de-DE" dirty="0">
-                <a:solidFill>
-                  <a:schemeClr val="tx1">
-                    <a:lumMod val="50000"/>
-                    <a:lumOff val="50000"/>
-                  </a:schemeClr>
-                </a:solidFill>
-              </a:rPr>
-              <a:t> </a:t>
-            </a:r>
-            <a:r>
-              <a:rPr lang="de-DE" dirty="0" err="1">
-                <a:solidFill>
-                  <a:schemeClr val="tx1">
-                    <a:lumMod val="50000"/>
-                    <a:lumOff val="50000"/>
-                  </a:schemeClr>
-                </a:solidFill>
-              </a:rPr>
-              <a:t>new</a:t>
-            </a:r>
-            <a:r>
-              <a:rPr lang="de-DE" dirty="0">
-                <a:solidFill>
-                  <a:schemeClr val="tx1">
-                    <a:lumMod val="50000"/>
-                    <a:lumOff val="50000"/>
-                  </a:schemeClr>
-                </a:solidFill>
-              </a:rPr>
-              <a:t> </a:t>
-            </a:r>
-            <a:r>
-              <a:rPr lang="de-DE" dirty="0" err="1">
-                <a:solidFill>
-                  <a:schemeClr val="tx1">
-                    <a:lumMod val="50000"/>
-                    <a:lumOff val="50000"/>
-                  </a:schemeClr>
-                </a:solidFill>
-              </a:rPr>
-              <a:t>technical</a:t>
-            </a:r>
-            <a:r>
-              <a:rPr lang="de-DE" dirty="0">
-                <a:solidFill>
-                  <a:schemeClr val="tx1">
-                    <a:lumMod val="50000"/>
-                    <a:lumOff val="50000"/>
-                  </a:schemeClr>
-                </a:solidFill>
-              </a:rPr>
-              <a:t> </a:t>
-            </a:r>
-            <a:r>
-              <a:rPr lang="de-DE" dirty="0" err="1">
-                <a:solidFill>
-                  <a:schemeClr val="tx1">
-                    <a:lumMod val="50000"/>
-                    <a:lumOff val="50000"/>
-                  </a:schemeClr>
-                </a:solidFill>
-              </a:rPr>
-              <a:t>building</a:t>
-            </a:r>
-            <a:r>
-              <a:rPr lang="de-DE" dirty="0">
-                <a:solidFill>
-                  <a:schemeClr val="tx1">
-                    <a:lumMod val="50000"/>
-                    <a:lumOff val="50000"/>
-                  </a:schemeClr>
-                </a:solidFill>
-              </a:rPr>
-              <a:t> </a:t>
-            </a:r>
-            <a:r>
-              <a:rPr lang="de-DE" dirty="0" err="1">
-                <a:solidFill>
-                  <a:schemeClr val="tx1">
-                    <a:lumMod val="50000"/>
-                    <a:lumOff val="50000"/>
-                  </a:schemeClr>
-                </a:solidFill>
-              </a:rPr>
-              <a:t>equipment</a:t>
-            </a:r>
-            <a:endParaRPr lang="de-DE" dirty="0">
-              <a:solidFill>
-                <a:schemeClr val="tx1">
-                  <a:lumMod val="50000"/>
-                  <a:lumOff val="50000"/>
-                </a:schemeClr>
-              </a:solidFill>
-            </a:endParaRPr>
-          </a:p>
-          <a:p>
-            <a:pPr>
-              <a:buFont typeface="Arial" panose="020B0604020202020204" pitchFamily="34" charset="0"/>
-              <a:buChar char="•"/>
-            </a:pPr>
-            <a:r>
-              <a:rPr lang="de-DE" dirty="0">
-                <a:solidFill>
-                  <a:schemeClr val="tx1">
-                    <a:lumMod val="50000"/>
-                    <a:lumOff val="50000"/>
-                  </a:schemeClr>
-                </a:solidFill>
-              </a:rPr>
-              <a:t>different </a:t>
-            </a:r>
-            <a:r>
-              <a:rPr lang="de-DE" dirty="0" err="1">
-                <a:solidFill>
-                  <a:schemeClr val="tx1">
-                    <a:lumMod val="50000"/>
-                    <a:lumOff val="50000"/>
-                  </a:schemeClr>
-                </a:solidFill>
-              </a:rPr>
-              <a:t>paths</a:t>
-            </a:r>
-            <a:r>
-              <a:rPr lang="de-DE" dirty="0">
-                <a:solidFill>
-                  <a:schemeClr val="tx1">
-                    <a:lumMod val="50000"/>
-                    <a:lumOff val="50000"/>
-                  </a:schemeClr>
-                </a:solidFill>
-              </a:rPr>
-              <a:t> </a:t>
-            </a:r>
-            <a:r>
-              <a:rPr lang="de-DE" dirty="0" err="1">
-                <a:solidFill>
-                  <a:schemeClr val="tx1">
-                    <a:lumMod val="50000"/>
-                    <a:lumOff val="50000"/>
-                  </a:schemeClr>
-                </a:solidFill>
-              </a:rPr>
-              <a:t>to</a:t>
-            </a:r>
-            <a:r>
-              <a:rPr lang="de-DE" dirty="0">
-                <a:solidFill>
-                  <a:schemeClr val="tx1">
-                    <a:lumMod val="50000"/>
-                    <a:lumOff val="50000"/>
-                  </a:schemeClr>
-                </a:solidFill>
-              </a:rPr>
-              <a:t> </a:t>
-            </a:r>
-            <a:r>
-              <a:rPr lang="de-DE" dirty="0" err="1">
-                <a:solidFill>
-                  <a:schemeClr val="tx1">
-                    <a:lumMod val="50000"/>
-                    <a:lumOff val="50000"/>
-                  </a:schemeClr>
-                </a:solidFill>
-              </a:rPr>
-              <a:t>archieve</a:t>
-            </a:r>
-            <a:r>
-              <a:rPr lang="de-DE" dirty="0">
-                <a:solidFill>
-                  <a:schemeClr val="tx1">
-                    <a:lumMod val="50000"/>
-                    <a:lumOff val="50000"/>
-                  </a:schemeClr>
-                </a:solidFill>
-              </a:rPr>
-              <a:t> </a:t>
-            </a:r>
-            <a:r>
-              <a:rPr lang="de-DE" dirty="0" err="1">
-                <a:solidFill>
-                  <a:schemeClr val="tx1">
-                    <a:lumMod val="50000"/>
-                    <a:lumOff val="50000"/>
-                  </a:schemeClr>
-                </a:solidFill>
-              </a:rPr>
-              <a:t>climate</a:t>
-            </a:r>
-            <a:r>
-              <a:rPr lang="de-DE" dirty="0">
-                <a:solidFill>
-                  <a:schemeClr val="tx1">
-                    <a:lumMod val="50000"/>
-                    <a:lumOff val="50000"/>
-                  </a:schemeClr>
-                </a:solidFill>
-              </a:rPr>
-              <a:t>-neutral </a:t>
-            </a:r>
-            <a:r>
-              <a:rPr lang="de-DE" dirty="0" err="1">
-                <a:solidFill>
-                  <a:schemeClr val="tx1">
-                    <a:lumMod val="50000"/>
-                    <a:lumOff val="50000"/>
-                  </a:schemeClr>
-                </a:solidFill>
-              </a:rPr>
-              <a:t>houses</a:t>
-            </a:r>
-            <a:endParaRPr lang="de-DE" dirty="0">
-              <a:solidFill>
-                <a:schemeClr val="tx1">
-                  <a:lumMod val="50000"/>
-                  <a:lumOff val="50000"/>
-                </a:schemeClr>
-              </a:solidFill>
-            </a:endParaRPr>
-          </a:p>
-          <a:p>
-            <a:pPr>
-              <a:buFont typeface="Arial" panose="020B0604020202020204" pitchFamily="34" charset="0"/>
-              <a:buChar char="•"/>
-            </a:pPr>
-            <a:r>
-              <a:rPr lang="de-DE" dirty="0" err="1">
-                <a:solidFill>
-                  <a:schemeClr val="tx1">
-                    <a:lumMod val="50000"/>
-                    <a:lumOff val="50000"/>
-                  </a:schemeClr>
-                </a:solidFill>
-              </a:rPr>
-              <a:t>our</a:t>
-            </a:r>
-            <a:r>
-              <a:rPr lang="de-DE" dirty="0">
-                <a:solidFill>
-                  <a:schemeClr val="tx1">
-                    <a:lumMod val="50000"/>
-                    <a:lumOff val="50000"/>
-                  </a:schemeClr>
-                </a:solidFill>
-              </a:rPr>
-              <a:t> </a:t>
-            </a:r>
-            <a:r>
-              <a:rPr lang="de-DE" dirty="0" err="1">
-                <a:solidFill>
-                  <a:schemeClr val="tx1">
-                    <a:lumMod val="50000"/>
-                    <a:lumOff val="50000"/>
-                  </a:schemeClr>
-                </a:solidFill>
-              </a:rPr>
-              <a:t>task</a:t>
-            </a:r>
-            <a:r>
-              <a:rPr lang="de-DE" dirty="0">
-                <a:solidFill>
-                  <a:schemeClr val="tx1">
-                    <a:lumMod val="50000"/>
-                    <a:lumOff val="50000"/>
-                  </a:schemeClr>
-                </a:solidFill>
-              </a:rPr>
-              <a:t> </a:t>
-            </a:r>
-            <a:r>
-              <a:rPr lang="de-DE" dirty="0" err="1">
-                <a:solidFill>
-                  <a:schemeClr val="tx1">
-                    <a:lumMod val="50000"/>
-                    <a:lumOff val="50000"/>
-                  </a:schemeClr>
-                </a:solidFill>
-              </a:rPr>
-              <a:t>is</a:t>
-            </a:r>
-            <a:r>
-              <a:rPr lang="de-DE" dirty="0">
-                <a:solidFill>
-                  <a:schemeClr val="tx1">
-                    <a:lumMod val="50000"/>
-                    <a:lumOff val="50000"/>
-                  </a:schemeClr>
-                </a:solidFill>
-              </a:rPr>
-              <a:t> </a:t>
-            </a:r>
-            <a:r>
-              <a:rPr lang="de-DE" dirty="0" err="1">
-                <a:solidFill>
-                  <a:schemeClr val="tx1">
-                    <a:lumMod val="50000"/>
-                    <a:lumOff val="50000"/>
-                  </a:schemeClr>
-                </a:solidFill>
-              </a:rPr>
-              <a:t>to</a:t>
-            </a:r>
-            <a:r>
-              <a:rPr lang="de-DE" dirty="0">
-                <a:solidFill>
-                  <a:schemeClr val="tx1">
-                    <a:lumMod val="50000"/>
-                    <a:lumOff val="50000"/>
-                  </a:schemeClr>
-                </a:solidFill>
-              </a:rPr>
-              <a:t> </a:t>
-            </a:r>
-            <a:r>
-              <a:rPr lang="de-DE" dirty="0" err="1">
-                <a:solidFill>
-                  <a:schemeClr val="tx1">
-                    <a:lumMod val="50000"/>
-                    <a:lumOff val="50000"/>
-                  </a:schemeClr>
-                </a:solidFill>
-              </a:rPr>
-              <a:t>analyse</a:t>
-            </a:r>
-            <a:r>
-              <a:rPr lang="de-DE" dirty="0">
-                <a:solidFill>
-                  <a:schemeClr val="tx1">
-                    <a:lumMod val="50000"/>
-                    <a:lumOff val="50000"/>
-                  </a:schemeClr>
-                </a:solidFill>
-              </a:rPr>
-              <a:t> </a:t>
-            </a:r>
-            <a:r>
-              <a:rPr lang="de-DE" dirty="0" err="1">
-                <a:solidFill>
-                  <a:schemeClr val="tx1">
-                    <a:lumMod val="50000"/>
-                    <a:lumOff val="50000"/>
-                  </a:schemeClr>
-                </a:solidFill>
-              </a:rPr>
-              <a:t>some</a:t>
-            </a:r>
-            <a:r>
-              <a:rPr lang="de-DE" dirty="0">
-                <a:solidFill>
-                  <a:schemeClr val="tx1">
-                    <a:lumMod val="50000"/>
-                    <a:lumOff val="50000"/>
-                  </a:schemeClr>
-                </a:solidFill>
-              </a:rPr>
-              <a:t> </a:t>
-            </a:r>
-            <a:r>
-              <a:rPr lang="de-DE" dirty="0" err="1">
-                <a:solidFill>
-                  <a:schemeClr val="tx1">
-                    <a:lumMod val="50000"/>
-                    <a:lumOff val="50000"/>
-                  </a:schemeClr>
-                </a:solidFill>
-              </a:rPr>
-              <a:t>of</a:t>
-            </a:r>
-            <a:r>
-              <a:rPr lang="de-DE" dirty="0">
-                <a:solidFill>
-                  <a:schemeClr val="tx1">
-                    <a:lumMod val="50000"/>
-                    <a:lumOff val="50000"/>
-                  </a:schemeClr>
-                </a:solidFill>
-              </a:rPr>
-              <a:t> </a:t>
-            </a:r>
-            <a:r>
-              <a:rPr lang="de-DE" dirty="0" err="1">
-                <a:solidFill>
-                  <a:schemeClr val="tx1">
-                    <a:lumMod val="50000"/>
-                    <a:lumOff val="50000"/>
-                  </a:schemeClr>
-                </a:solidFill>
-              </a:rPr>
-              <a:t>them</a:t>
-            </a:r>
-            <a:endParaRPr lang="de-DE" dirty="0">
-              <a:solidFill>
-                <a:schemeClr val="tx1">
-                  <a:lumMod val="50000"/>
-                  <a:lumOff val="50000"/>
-                </a:schemeClr>
-              </a:solidFill>
-            </a:endParaRPr>
-          </a:p>
-          <a:p>
-            <a:pPr marL="0" indent="0">
-              <a:buNone/>
-            </a:pPr>
-            <a:endParaRPr lang="de-DE" dirty="0">
-              <a:solidFill>
-                <a:schemeClr val="tx1">
-                  <a:lumMod val="50000"/>
-                  <a:lumOff val="50000"/>
-                </a:schemeClr>
-              </a:solidFill>
-            </a:endParaRPr>
-          </a:p>
-          <a:p>
-            <a:pPr>
-              <a:buFont typeface="Arial" panose="020B0604020202020204" pitchFamily="34" charset="0"/>
-              <a:buChar char="•"/>
-            </a:pPr>
-            <a:r>
-              <a:rPr lang="de-DE" dirty="0" err="1">
-                <a:solidFill>
-                  <a:schemeClr val="tx1">
-                    <a:lumMod val="50000"/>
-                    <a:lumOff val="50000"/>
-                  </a:schemeClr>
-                </a:solidFill>
-              </a:rPr>
-              <a:t>goal</a:t>
-            </a:r>
-            <a:r>
-              <a:rPr lang="de-DE" dirty="0">
-                <a:solidFill>
-                  <a:schemeClr val="tx1">
-                    <a:lumMod val="50000"/>
-                    <a:lumOff val="50000"/>
-                  </a:schemeClr>
-                </a:solidFill>
-              </a:rPr>
-              <a:t>: </a:t>
-            </a:r>
-            <a:r>
-              <a:rPr lang="de-DE" dirty="0" err="1">
-                <a:solidFill>
-                  <a:schemeClr val="tx1">
-                    <a:lumMod val="50000"/>
-                    <a:lumOff val="50000"/>
-                  </a:schemeClr>
-                </a:solidFill>
-              </a:rPr>
-              <a:t>climate</a:t>
-            </a:r>
-            <a:r>
-              <a:rPr lang="de-DE" dirty="0">
-                <a:solidFill>
-                  <a:schemeClr val="tx1">
-                    <a:lumMod val="50000"/>
-                    <a:lumOff val="50000"/>
-                  </a:schemeClr>
-                </a:solidFill>
-              </a:rPr>
-              <a:t> </a:t>
-            </a:r>
-            <a:r>
-              <a:rPr lang="de-DE" dirty="0" err="1">
-                <a:solidFill>
-                  <a:schemeClr val="tx1">
-                    <a:lumMod val="50000"/>
-                    <a:lumOff val="50000"/>
-                  </a:schemeClr>
-                </a:solidFill>
-              </a:rPr>
-              <a:t>neutrality</a:t>
-            </a:r>
-            <a:r>
-              <a:rPr lang="de-DE" dirty="0">
-                <a:solidFill>
-                  <a:schemeClr val="tx1">
-                    <a:lumMod val="50000"/>
-                    <a:lumOff val="50000"/>
-                  </a:schemeClr>
-                </a:solidFill>
-              </a:rPr>
-              <a:t> </a:t>
-            </a:r>
-            <a:r>
-              <a:rPr lang="de-DE" dirty="0" err="1">
-                <a:solidFill>
-                  <a:schemeClr val="tx1">
-                    <a:lumMod val="50000"/>
-                    <a:lumOff val="50000"/>
-                  </a:schemeClr>
-                </a:solidFill>
-              </a:rPr>
-              <a:t>until</a:t>
-            </a:r>
-            <a:r>
-              <a:rPr lang="de-DE" dirty="0">
-                <a:solidFill>
-                  <a:schemeClr val="tx1">
-                    <a:lumMod val="50000"/>
-                    <a:lumOff val="50000"/>
-                  </a:schemeClr>
-                </a:solidFill>
-              </a:rPr>
-              <a:t> 2045</a:t>
-            </a:r>
-          </a:p>
-          <a:p>
-            <a:pPr>
-              <a:buFont typeface="Arial" panose="020B0604020202020204" pitchFamily="34" charset="0"/>
-              <a:buChar char="•"/>
-            </a:pPr>
-            <a:r>
-              <a:rPr lang="de-DE" dirty="0" err="1">
-                <a:solidFill>
-                  <a:schemeClr val="tx1">
-                    <a:lumMod val="50000"/>
-                    <a:lumOff val="50000"/>
-                  </a:schemeClr>
-                </a:solidFill>
-              </a:rPr>
-              <a:t>residential</a:t>
-            </a:r>
-            <a:r>
-              <a:rPr lang="de-DE" dirty="0">
-                <a:solidFill>
-                  <a:schemeClr val="tx1">
-                    <a:lumMod val="50000"/>
-                    <a:lumOff val="50000"/>
-                  </a:schemeClr>
-                </a:solidFill>
-              </a:rPr>
-              <a:t> </a:t>
-            </a:r>
-            <a:r>
-              <a:rPr lang="de-DE" dirty="0" err="1">
-                <a:solidFill>
-                  <a:schemeClr val="tx1">
-                    <a:lumMod val="50000"/>
-                    <a:lumOff val="50000"/>
-                  </a:schemeClr>
-                </a:solidFill>
-              </a:rPr>
-              <a:t>buildings</a:t>
-            </a:r>
-            <a:r>
-              <a:rPr lang="de-DE" dirty="0">
-                <a:solidFill>
-                  <a:schemeClr val="tx1">
-                    <a:lumMod val="50000"/>
-                    <a:lumOff val="50000"/>
-                  </a:schemeClr>
-                </a:solidFill>
-              </a:rPr>
-              <a:t> </a:t>
-            </a:r>
-            <a:r>
-              <a:rPr lang="de-DE" dirty="0" err="1">
-                <a:solidFill>
-                  <a:schemeClr val="tx1">
-                    <a:lumMod val="50000"/>
-                    <a:lumOff val="50000"/>
-                  </a:schemeClr>
-                </a:solidFill>
-              </a:rPr>
-              <a:t>are</a:t>
-            </a:r>
-            <a:r>
-              <a:rPr lang="de-DE" dirty="0">
-                <a:solidFill>
-                  <a:schemeClr val="tx1">
-                    <a:lumMod val="50000"/>
-                    <a:lumOff val="50000"/>
-                  </a:schemeClr>
-                </a:solidFill>
-              </a:rPr>
-              <a:t> </a:t>
-            </a:r>
-            <a:r>
-              <a:rPr lang="de-DE" dirty="0" err="1">
-                <a:solidFill>
-                  <a:schemeClr val="tx1">
-                    <a:lumMod val="50000"/>
-                    <a:lumOff val="50000"/>
-                  </a:schemeClr>
-                </a:solidFill>
-              </a:rPr>
-              <a:t>responsible</a:t>
-            </a:r>
-            <a:r>
-              <a:rPr lang="de-DE" dirty="0">
-                <a:solidFill>
-                  <a:schemeClr val="tx1">
-                    <a:lumMod val="50000"/>
-                    <a:lumOff val="50000"/>
-                  </a:schemeClr>
-                </a:solidFill>
-              </a:rPr>
-              <a:t> </a:t>
-            </a:r>
-            <a:r>
-              <a:rPr lang="de-DE" dirty="0" err="1">
-                <a:solidFill>
-                  <a:schemeClr val="tx1">
-                    <a:lumMod val="50000"/>
-                    <a:lumOff val="50000"/>
-                  </a:schemeClr>
-                </a:solidFill>
-              </a:rPr>
-              <a:t>for</a:t>
-            </a:r>
-            <a:r>
-              <a:rPr lang="de-DE" dirty="0">
-                <a:solidFill>
-                  <a:schemeClr val="tx1">
-                    <a:lumMod val="50000"/>
-                    <a:lumOff val="50000"/>
-                  </a:schemeClr>
-                </a:solidFill>
-              </a:rPr>
-              <a:t> 30% </a:t>
-            </a:r>
-            <a:r>
-              <a:rPr lang="de-DE" dirty="0" err="1">
-                <a:solidFill>
-                  <a:schemeClr val="tx1">
-                    <a:lumMod val="50000"/>
-                    <a:lumOff val="50000"/>
-                  </a:schemeClr>
-                </a:solidFill>
-              </a:rPr>
-              <a:t>of</a:t>
-            </a:r>
-            <a:r>
-              <a:rPr lang="de-DE" dirty="0">
-                <a:solidFill>
-                  <a:schemeClr val="tx1">
-                    <a:lumMod val="50000"/>
-                    <a:lumOff val="50000"/>
-                  </a:schemeClr>
-                </a:solidFill>
-              </a:rPr>
-              <a:t> </a:t>
-            </a:r>
-            <a:r>
-              <a:rPr lang="de-DE" dirty="0" err="1">
-                <a:solidFill>
-                  <a:schemeClr val="tx1">
-                    <a:lumMod val="50000"/>
-                    <a:lumOff val="50000"/>
-                  </a:schemeClr>
-                </a:solidFill>
-              </a:rPr>
-              <a:t>greenhouse</a:t>
-            </a:r>
-            <a:r>
-              <a:rPr lang="de-DE" dirty="0">
-                <a:solidFill>
-                  <a:schemeClr val="tx1">
-                    <a:lumMod val="50000"/>
-                    <a:lumOff val="50000"/>
-                  </a:schemeClr>
-                </a:solidFill>
-              </a:rPr>
-              <a:t> gas </a:t>
-            </a:r>
-            <a:r>
-              <a:rPr lang="de-DE" dirty="0" err="1">
-                <a:solidFill>
-                  <a:schemeClr val="tx1">
-                    <a:lumMod val="50000"/>
-                    <a:lumOff val="50000"/>
-                  </a:schemeClr>
-                </a:solidFill>
-              </a:rPr>
-              <a:t>emissions</a:t>
-            </a:r>
-            <a:endParaRPr lang="de-DE" dirty="0">
-              <a:solidFill>
-                <a:schemeClr val="tx1">
-                  <a:lumMod val="50000"/>
-                  <a:lumOff val="50000"/>
-                </a:schemeClr>
-              </a:solidFill>
-            </a:endParaRPr>
-          </a:p>
-          <a:p>
-            <a:pPr>
-              <a:buFont typeface="Arial" panose="020B0604020202020204" pitchFamily="34" charset="0"/>
-              <a:buChar char="•"/>
-            </a:pPr>
-            <a:r>
-              <a:rPr lang="de-DE" dirty="0" err="1">
-                <a:solidFill>
-                  <a:schemeClr val="tx1">
-                    <a:lumMod val="50000"/>
-                    <a:lumOff val="50000"/>
-                  </a:schemeClr>
-                </a:solidFill>
-              </a:rPr>
-              <a:t>building</a:t>
-            </a:r>
-            <a:r>
-              <a:rPr lang="de-DE" dirty="0">
-                <a:solidFill>
-                  <a:schemeClr val="tx1">
-                    <a:lumMod val="50000"/>
-                    <a:lumOff val="50000"/>
-                  </a:schemeClr>
-                </a:solidFill>
-              </a:rPr>
-              <a:t> </a:t>
-            </a:r>
-            <a:r>
-              <a:rPr lang="de-DE" dirty="0" err="1">
-                <a:solidFill>
-                  <a:schemeClr val="tx1">
-                    <a:lumMod val="50000"/>
-                    <a:lumOff val="50000"/>
-                  </a:schemeClr>
-                </a:solidFill>
-              </a:rPr>
-              <a:t>energy</a:t>
-            </a:r>
-            <a:r>
-              <a:rPr lang="de-DE" dirty="0">
-                <a:solidFill>
-                  <a:schemeClr val="tx1">
-                    <a:lumMod val="50000"/>
-                    <a:lumOff val="50000"/>
-                  </a:schemeClr>
-                </a:solidFill>
-              </a:rPr>
-              <a:t> </a:t>
-            </a:r>
-            <a:r>
-              <a:rPr lang="de-DE" dirty="0" err="1">
-                <a:solidFill>
-                  <a:schemeClr val="tx1">
-                    <a:lumMod val="50000"/>
-                    <a:lumOff val="50000"/>
-                  </a:schemeClr>
-                </a:solidFill>
-              </a:rPr>
-              <a:t>act</a:t>
-            </a:r>
-            <a:r>
-              <a:rPr lang="de-DE" dirty="0">
-                <a:solidFill>
-                  <a:schemeClr val="tx1">
-                    <a:lumMod val="50000"/>
-                    <a:lumOff val="50000"/>
-                  </a:schemeClr>
-                </a:solidFill>
-              </a:rPr>
-              <a:t> </a:t>
-            </a:r>
-            <a:r>
-              <a:rPr lang="de-DE" dirty="0" err="1">
-                <a:solidFill>
-                  <a:schemeClr val="tx1">
-                    <a:lumMod val="50000"/>
-                    <a:lumOff val="50000"/>
-                  </a:schemeClr>
-                </a:solidFill>
-              </a:rPr>
-              <a:t>came</a:t>
-            </a:r>
-            <a:r>
-              <a:rPr lang="de-DE" dirty="0">
-                <a:solidFill>
-                  <a:schemeClr val="tx1">
-                    <a:lumMod val="50000"/>
-                    <a:lumOff val="50000"/>
-                  </a:schemeClr>
-                </a:solidFill>
-              </a:rPr>
-              <a:t> </a:t>
-            </a:r>
-            <a:r>
-              <a:rPr lang="de-DE" dirty="0" err="1">
-                <a:solidFill>
-                  <a:schemeClr val="tx1">
-                    <a:lumMod val="50000"/>
-                    <a:lumOff val="50000"/>
-                  </a:schemeClr>
-                </a:solidFill>
-              </a:rPr>
-              <a:t>into</a:t>
-            </a:r>
-            <a:r>
-              <a:rPr lang="de-DE" dirty="0">
-                <a:solidFill>
-                  <a:schemeClr val="tx1">
-                    <a:lumMod val="50000"/>
-                    <a:lumOff val="50000"/>
-                  </a:schemeClr>
-                </a:solidFill>
-              </a:rPr>
-              <a:t> </a:t>
-            </a:r>
-            <a:r>
-              <a:rPr lang="de-DE" dirty="0" err="1">
-                <a:solidFill>
-                  <a:schemeClr val="tx1">
-                    <a:lumMod val="50000"/>
-                    <a:lumOff val="50000"/>
-                  </a:schemeClr>
-                </a:solidFill>
-              </a:rPr>
-              <a:t>force</a:t>
-            </a:r>
-            <a:r>
-              <a:rPr lang="de-DE" dirty="0">
-                <a:solidFill>
-                  <a:schemeClr val="tx1">
-                    <a:lumMod val="50000"/>
-                    <a:lumOff val="50000"/>
-                  </a:schemeClr>
-                </a:solidFill>
-              </a:rPr>
-              <a:t> on 1. </a:t>
-            </a:r>
-            <a:r>
-              <a:rPr lang="de-DE" dirty="0" err="1">
-                <a:solidFill>
-                  <a:schemeClr val="tx1">
-                    <a:lumMod val="50000"/>
-                    <a:lumOff val="50000"/>
-                  </a:schemeClr>
-                </a:solidFill>
-              </a:rPr>
-              <a:t>january</a:t>
-            </a:r>
-            <a:r>
-              <a:rPr lang="de-DE" dirty="0">
-                <a:solidFill>
-                  <a:schemeClr val="tx1">
-                    <a:lumMod val="50000"/>
-                    <a:lumOff val="50000"/>
-                  </a:schemeClr>
-                </a:solidFill>
-              </a:rPr>
-              <a:t> 2024 and </a:t>
-            </a:r>
-            <a:r>
-              <a:rPr lang="de-DE" dirty="0" err="1">
-                <a:solidFill>
-                  <a:schemeClr val="tx1">
-                    <a:lumMod val="50000"/>
-                    <a:lumOff val="50000"/>
-                  </a:schemeClr>
-                </a:solidFill>
-              </a:rPr>
-              <a:t>ensures</a:t>
-            </a:r>
-            <a:r>
-              <a:rPr lang="de-DE" dirty="0">
-                <a:solidFill>
-                  <a:schemeClr val="tx1">
-                    <a:lumMod val="50000"/>
-                    <a:lumOff val="50000"/>
-                  </a:schemeClr>
-                </a:solidFill>
-              </a:rPr>
-              <a:t> </a:t>
-            </a:r>
-            <a:r>
-              <a:rPr lang="de-DE" dirty="0" err="1">
-                <a:solidFill>
-                  <a:schemeClr val="tx1">
-                    <a:lumMod val="50000"/>
-                    <a:lumOff val="50000"/>
-                  </a:schemeClr>
-                </a:solidFill>
-              </a:rPr>
-              <a:t>the</a:t>
-            </a:r>
-            <a:r>
-              <a:rPr lang="de-DE" dirty="0">
-                <a:solidFill>
-                  <a:schemeClr val="tx1">
-                    <a:lumMod val="50000"/>
-                    <a:lumOff val="50000"/>
-                  </a:schemeClr>
-                </a:solidFill>
-              </a:rPr>
-              <a:t> switch </a:t>
-            </a:r>
-            <a:r>
-              <a:rPr lang="de-DE" dirty="0" err="1">
-                <a:solidFill>
-                  <a:schemeClr val="tx1">
-                    <a:lumMod val="50000"/>
-                    <a:lumOff val="50000"/>
-                  </a:schemeClr>
-                </a:solidFill>
-              </a:rPr>
-              <a:t>to</a:t>
-            </a:r>
-            <a:r>
-              <a:rPr lang="de-DE" dirty="0">
-                <a:solidFill>
-                  <a:schemeClr val="tx1">
-                    <a:lumMod val="50000"/>
-                    <a:lumOff val="50000"/>
-                  </a:schemeClr>
-                </a:solidFill>
-              </a:rPr>
-              <a:t> </a:t>
-            </a:r>
-            <a:r>
-              <a:rPr lang="de-DE" dirty="0" err="1">
-                <a:solidFill>
-                  <a:schemeClr val="tx1">
-                    <a:lumMod val="50000"/>
-                    <a:lumOff val="50000"/>
-                  </a:schemeClr>
-                </a:solidFill>
-              </a:rPr>
-              <a:t>renewable</a:t>
-            </a:r>
-            <a:r>
-              <a:rPr lang="de-DE" dirty="0">
-                <a:solidFill>
-                  <a:schemeClr val="tx1">
-                    <a:lumMod val="50000"/>
-                    <a:lumOff val="50000"/>
-                  </a:schemeClr>
-                </a:solidFill>
-              </a:rPr>
-              <a:t> </a:t>
-            </a:r>
-            <a:r>
-              <a:rPr lang="de-DE" dirty="0" err="1">
-                <a:solidFill>
-                  <a:schemeClr val="tx1">
-                    <a:lumMod val="50000"/>
-                    <a:lumOff val="50000"/>
-                  </a:schemeClr>
-                </a:solidFill>
-              </a:rPr>
-              <a:t>energy</a:t>
-            </a:r>
-            <a:r>
-              <a:rPr lang="de-DE" dirty="0">
-                <a:solidFill>
-                  <a:schemeClr val="tx1">
-                    <a:lumMod val="50000"/>
-                    <a:lumOff val="50000"/>
-                  </a:schemeClr>
-                </a:solidFill>
-              </a:rPr>
-              <a:t> </a:t>
-            </a:r>
-            <a:r>
-              <a:rPr lang="de-DE" dirty="0" err="1">
-                <a:solidFill>
-                  <a:schemeClr val="tx1">
-                    <a:lumMod val="50000"/>
-                    <a:lumOff val="50000"/>
-                  </a:schemeClr>
-                </a:solidFill>
-              </a:rPr>
-              <a:t>for</a:t>
-            </a:r>
-            <a:r>
-              <a:rPr lang="de-DE" dirty="0">
-                <a:solidFill>
-                  <a:schemeClr val="tx1">
-                    <a:lumMod val="50000"/>
-                    <a:lumOff val="50000"/>
-                  </a:schemeClr>
-                </a:solidFill>
-              </a:rPr>
-              <a:t> </a:t>
-            </a:r>
-            <a:r>
-              <a:rPr lang="de-DE" dirty="0" err="1">
-                <a:solidFill>
-                  <a:schemeClr val="tx1">
-                    <a:lumMod val="50000"/>
-                    <a:lumOff val="50000"/>
-                  </a:schemeClr>
-                </a:solidFill>
-              </a:rPr>
-              <a:t>heating</a:t>
-            </a:r>
-            <a:r>
-              <a:rPr lang="de-DE" dirty="0">
-                <a:solidFill>
-                  <a:schemeClr val="tx1">
-                    <a:lumMod val="50000"/>
-                    <a:lumOff val="50000"/>
-                  </a:schemeClr>
-                </a:solidFill>
-              </a:rPr>
-              <a:t> and </a:t>
-            </a:r>
-            <a:r>
-              <a:rPr lang="de-DE" dirty="0" err="1">
-                <a:solidFill>
-                  <a:schemeClr val="tx1">
-                    <a:lumMod val="50000"/>
-                    <a:lumOff val="50000"/>
-                  </a:schemeClr>
-                </a:solidFill>
-              </a:rPr>
-              <a:t>hot</a:t>
-            </a:r>
-            <a:r>
-              <a:rPr lang="de-DE" dirty="0">
-                <a:solidFill>
-                  <a:schemeClr val="tx1">
-                    <a:lumMod val="50000"/>
-                    <a:lumOff val="50000"/>
-                  </a:schemeClr>
-                </a:solidFill>
-              </a:rPr>
-              <a:t> </a:t>
-            </a:r>
-            <a:r>
-              <a:rPr lang="de-DE" dirty="0" err="1">
-                <a:solidFill>
-                  <a:schemeClr val="tx1">
-                    <a:lumMod val="50000"/>
-                    <a:lumOff val="50000"/>
-                  </a:schemeClr>
-                </a:solidFill>
-              </a:rPr>
-              <a:t>water</a:t>
-            </a:r>
-            <a:endParaRPr lang="de-DE" dirty="0">
-              <a:solidFill>
-                <a:schemeClr val="tx1">
-                  <a:lumMod val="50000"/>
-                  <a:lumOff val="50000"/>
-                </a:schemeClr>
-              </a:solidFill>
-            </a:endParaRPr>
-          </a:p>
-          <a:p>
-            <a:pPr>
-              <a:buFont typeface="Arial" panose="020B0604020202020204" pitchFamily="34" charset="0"/>
-              <a:buChar char="•"/>
-            </a:pPr>
-            <a:r>
-              <a:rPr lang="de-DE" dirty="0">
-                <a:solidFill>
-                  <a:schemeClr val="tx1">
-                    <a:lumMod val="50000"/>
-                    <a:lumOff val="50000"/>
-                  </a:schemeClr>
-                </a:solidFill>
-              </a:rPr>
-              <a:t>2022: 19,5 </a:t>
-            </a:r>
-            <a:r>
-              <a:rPr lang="de-DE" dirty="0" err="1">
-                <a:solidFill>
-                  <a:schemeClr val="tx1">
-                    <a:lumMod val="50000"/>
-                    <a:lumOff val="50000"/>
-                  </a:schemeClr>
-                </a:solidFill>
-              </a:rPr>
-              <a:t>million</a:t>
-            </a:r>
-            <a:r>
-              <a:rPr lang="de-DE" dirty="0">
-                <a:solidFill>
-                  <a:schemeClr val="tx1">
-                    <a:lumMod val="50000"/>
-                    <a:lumOff val="50000"/>
-                  </a:schemeClr>
-                </a:solidFill>
-              </a:rPr>
-              <a:t> </a:t>
-            </a:r>
-            <a:r>
-              <a:rPr lang="de-DE" dirty="0" err="1">
-                <a:solidFill>
-                  <a:schemeClr val="tx1">
-                    <a:lumMod val="50000"/>
-                    <a:lumOff val="50000"/>
-                  </a:schemeClr>
-                </a:solidFill>
-              </a:rPr>
-              <a:t>residential</a:t>
-            </a:r>
-            <a:r>
-              <a:rPr lang="de-DE" dirty="0">
-                <a:solidFill>
-                  <a:schemeClr val="tx1">
-                    <a:lumMod val="50000"/>
-                    <a:lumOff val="50000"/>
-                  </a:schemeClr>
-                </a:solidFill>
-              </a:rPr>
-              <a:t> </a:t>
-            </a:r>
-            <a:r>
-              <a:rPr lang="de-DE" dirty="0" err="1">
-                <a:solidFill>
-                  <a:schemeClr val="tx1">
-                    <a:lumMod val="50000"/>
-                    <a:lumOff val="50000"/>
-                  </a:schemeClr>
-                </a:solidFill>
-              </a:rPr>
-              <a:t>buildings</a:t>
-            </a:r>
-            <a:r>
-              <a:rPr lang="de-DE" dirty="0">
-                <a:solidFill>
-                  <a:schemeClr val="tx1">
-                    <a:lumMod val="50000"/>
-                    <a:lumOff val="50000"/>
-                  </a:schemeClr>
-                </a:solidFill>
-              </a:rPr>
-              <a:t>, 13 </a:t>
-            </a:r>
-            <a:r>
-              <a:rPr lang="de-DE" dirty="0" err="1">
-                <a:solidFill>
-                  <a:schemeClr val="tx1">
-                    <a:lumMod val="50000"/>
-                    <a:lumOff val="50000"/>
-                  </a:schemeClr>
-                </a:solidFill>
-              </a:rPr>
-              <a:t>million</a:t>
-            </a:r>
-            <a:r>
-              <a:rPr lang="de-DE" dirty="0">
-                <a:solidFill>
-                  <a:schemeClr val="tx1">
-                    <a:lumMod val="50000"/>
-                    <a:lumOff val="50000"/>
-                  </a:schemeClr>
-                </a:solidFill>
-              </a:rPr>
-              <a:t> </a:t>
-            </a:r>
-            <a:r>
-              <a:rPr lang="de-DE" dirty="0" err="1">
-                <a:solidFill>
-                  <a:schemeClr val="tx1">
-                    <a:lumMod val="50000"/>
-                    <a:lumOff val="50000"/>
-                  </a:schemeClr>
-                </a:solidFill>
-              </a:rPr>
-              <a:t>are</a:t>
-            </a:r>
-            <a:r>
-              <a:rPr lang="de-DE" dirty="0">
-                <a:solidFill>
-                  <a:schemeClr val="tx1">
-                    <a:lumMod val="50000"/>
-                    <a:lumOff val="50000"/>
-                  </a:schemeClr>
-                </a:solidFill>
-              </a:rPr>
-              <a:t> single-</a:t>
-            </a:r>
-            <a:r>
-              <a:rPr lang="de-DE" dirty="0" err="1">
-                <a:solidFill>
-                  <a:schemeClr val="tx1">
-                    <a:lumMod val="50000"/>
-                    <a:lumOff val="50000"/>
-                  </a:schemeClr>
-                </a:solidFill>
-              </a:rPr>
-              <a:t>familiy</a:t>
-            </a:r>
-            <a:r>
-              <a:rPr lang="de-DE" dirty="0">
-                <a:solidFill>
-                  <a:schemeClr val="tx1">
-                    <a:lumMod val="50000"/>
-                    <a:lumOff val="50000"/>
-                  </a:schemeClr>
-                </a:solidFill>
-              </a:rPr>
-              <a:t> </a:t>
-            </a:r>
-            <a:r>
-              <a:rPr lang="de-DE" dirty="0" err="1">
-                <a:solidFill>
-                  <a:schemeClr val="tx1">
-                    <a:lumMod val="50000"/>
-                    <a:lumOff val="50000"/>
-                  </a:schemeClr>
-                </a:solidFill>
-              </a:rPr>
-              <a:t>houses</a:t>
-            </a:r>
-            <a:endParaRPr lang="de-DE" dirty="0">
-              <a:solidFill>
-                <a:schemeClr val="tx1">
-                  <a:lumMod val="50000"/>
-                  <a:lumOff val="50000"/>
-                </a:schemeClr>
-              </a:solidFill>
-            </a:endParaRPr>
-          </a:p>
-          <a:p>
-            <a:pPr>
-              <a:buFont typeface="Arial" panose="020B0604020202020204" pitchFamily="34" charset="0"/>
-              <a:buChar char="•"/>
-            </a:pPr>
-            <a:endParaRPr lang="de-DE" dirty="0">
-              <a:solidFill>
-                <a:schemeClr val="tx1">
-                  <a:lumMod val="50000"/>
-                  <a:lumOff val="50000"/>
-                </a:schemeClr>
-              </a:solidFill>
-            </a:endParaRPr>
-          </a:p>
-          <a:p>
-            <a:endParaRPr lang="de-DE" dirty="0">
-              <a:solidFill>
-                <a:schemeClr val="tx1">
-                  <a:lumMod val="50000"/>
-                  <a:lumOff val="50000"/>
-                </a:schemeClr>
-              </a:solidFill>
-            </a:endParaRPr>
-          </a:p>
-        </p:txBody>
-      </p:sp>
-    </p:spTree>
-    <p:extLst>
-      <p:ext uri="{BB962C8B-B14F-4D97-AF65-F5344CB8AC3E}">
-        <p14:creationId xmlns:p14="http://schemas.microsoft.com/office/powerpoint/2010/main" val="2277892741"/>
-      </p:ext>
-    </p:extLst>
-  </p:cSld>
-  <p:clrMapOvr>
-    <a:masterClrMapping/>
-  </p:clrMapOvr>
-</p:sld>
-</file>
-
-<file path=ppt/slides/slide20.xml><?xml version="1.0" encoding="utf-8"?>
+<file path=ppt/slides/slide22.xml><?xml version="1.0" encoding="utf-8"?>
 <p:sld xmlns:a="http://schemas.openxmlformats.org/drawingml/2006/main" xmlns:r="http://schemas.openxmlformats.org/officeDocument/2006/relationships" xmlns:p="http://schemas.openxmlformats.org/presentationml/2006/main">
   <p:cSld>
     <p:spTree>
@@ -14319,7 +15915,7 @@
 </p:sld>
 </file>
 
-<file path=ppt/slides/slide21.xml><?xml version="1.0" encoding="utf-8"?>
+<file path=ppt/slides/slide23.xml><?xml version="1.0" encoding="utf-8"?>
 <p:sld xmlns:a="http://schemas.openxmlformats.org/drawingml/2006/main" xmlns:r="http://schemas.openxmlformats.org/officeDocument/2006/relationships" xmlns:p="http://schemas.openxmlformats.org/presentationml/2006/main">
   <p:cSld>
     <p:spTree>
@@ -14474,52 +16070,362 @@
           </a:p>
         </p:txBody>
       </p:sp>
-      <p:sp>
-        <p:nvSpPr>
-          <p:cNvPr id="3" name="Rectangle 2">
+      <p:grpSp>
+        <p:nvGrpSpPr>
+          <p:cNvPr id="7" name="Group 6">
             <a:extLst>
               <a:ext uri="{FF2B5EF4-FFF2-40B4-BE49-F238E27FC236}">
-                <a16:creationId xmlns:a16="http://schemas.microsoft.com/office/drawing/2014/main" id="{1C5AD805-5611-BB7B-F1B1-C9FCF435FEA0}"/>
+                <a16:creationId xmlns:a16="http://schemas.microsoft.com/office/drawing/2014/main" id="{53BA8737-BB69-CEF3-AFC1-796D65BA530F}"/>
               </a:ext>
             </a:extLst>
           </p:cNvPr>
-          <p:cNvSpPr/>
+          <p:cNvGrpSpPr/>
           <p:nvPr/>
-        </p:nvSpPr>
+        </p:nvGrpSpPr>
+        <p:grpSpPr>
+          <a:xfrm>
+            <a:off x="10831800" y="148498"/>
+            <a:ext cx="1044000" cy="1326190"/>
+            <a:chOff x="8240400" y="2835410"/>
+            <a:chExt cx="1044000" cy="1326190"/>
+          </a:xfrm>
+        </p:grpSpPr>
+        <p:sp>
+          <p:nvSpPr>
+            <p:cNvPr id="8" name="Rectangle 7">
+              <a:extLst>
+                <a:ext uri="{FF2B5EF4-FFF2-40B4-BE49-F238E27FC236}">
+                  <a16:creationId xmlns:a16="http://schemas.microsoft.com/office/drawing/2014/main" id="{6C19F3B8-8469-71AD-F6E7-7FFD35468979}"/>
+                </a:ext>
+              </a:extLst>
+            </p:cNvPr>
+            <p:cNvSpPr/>
+            <p:nvPr/>
+          </p:nvSpPr>
+          <p:spPr>
+            <a:xfrm>
+              <a:off x="8301600" y="4096800"/>
+              <a:ext cx="921600" cy="64800"/>
+            </a:xfrm>
+            <a:prstGeom prst="rect">
+              <a:avLst/>
+            </a:prstGeom>
+            <a:solidFill>
+              <a:schemeClr val="accent6">
+                <a:lumMod val="60000"/>
+                <a:lumOff val="40000"/>
+              </a:schemeClr>
+            </a:solidFill>
+            <a:ln>
+              <a:solidFill>
+                <a:schemeClr val="tx1"/>
+              </a:solidFill>
+            </a:ln>
+          </p:spPr>
+          <p:style>
+            <a:lnRef idx="2">
+              <a:schemeClr val="accent1">
+                <a:shade val="15000"/>
+              </a:schemeClr>
+            </a:lnRef>
+            <a:fillRef idx="1">
+              <a:schemeClr val="accent1"/>
+            </a:fillRef>
+            <a:effectRef idx="0">
+              <a:schemeClr val="accent1"/>
+            </a:effectRef>
+            <a:fontRef idx="minor">
+              <a:schemeClr val="lt1"/>
+            </a:fontRef>
+          </p:style>
+          <p:txBody>
+            <a:bodyPr rtlCol="0" anchor="ctr"/>
+            <a:lstStyle/>
+            <a:p>
+              <a:pPr algn="ctr"/>
+              <a:endParaRPr lang="de-DE"/>
+            </a:p>
+          </p:txBody>
+        </p:sp>
+        <p:sp>
+          <p:nvSpPr>
+            <p:cNvPr id="9" name="Rectangle 8">
+              <a:extLst>
+                <a:ext uri="{FF2B5EF4-FFF2-40B4-BE49-F238E27FC236}">
+                  <a16:creationId xmlns:a16="http://schemas.microsoft.com/office/drawing/2014/main" id="{4FD661DA-552C-0225-827F-D75E27848167}"/>
+                </a:ext>
+              </a:extLst>
+            </p:cNvPr>
+            <p:cNvSpPr/>
+            <p:nvPr/>
+          </p:nvSpPr>
+          <p:spPr>
+            <a:xfrm>
+              <a:off x="8301600" y="3332400"/>
+              <a:ext cx="921600" cy="764400"/>
+            </a:xfrm>
+            <a:prstGeom prst="rect">
+              <a:avLst/>
+            </a:prstGeom>
+            <a:solidFill>
+              <a:srgbClr val="00B0F0"/>
+            </a:solidFill>
+            <a:ln>
+              <a:solidFill>
+                <a:schemeClr val="tx1"/>
+              </a:solidFill>
+            </a:ln>
+          </p:spPr>
+          <p:style>
+            <a:lnRef idx="2">
+              <a:schemeClr val="accent1">
+                <a:shade val="15000"/>
+              </a:schemeClr>
+            </a:lnRef>
+            <a:fillRef idx="1">
+              <a:schemeClr val="accent1"/>
+            </a:fillRef>
+            <a:effectRef idx="0">
+              <a:schemeClr val="accent1"/>
+            </a:effectRef>
+            <a:fontRef idx="minor">
+              <a:schemeClr val="lt1"/>
+            </a:fontRef>
+          </p:style>
+          <p:txBody>
+            <a:bodyPr rtlCol="0" anchor="ctr"/>
+            <a:lstStyle/>
+            <a:p>
+              <a:pPr algn="ctr"/>
+              <a:endParaRPr lang="de-DE"/>
+            </a:p>
+          </p:txBody>
+        </p:sp>
+        <p:sp>
+          <p:nvSpPr>
+            <p:cNvPr id="10" name="Rectangle 9">
+              <a:extLst>
+                <a:ext uri="{FF2B5EF4-FFF2-40B4-BE49-F238E27FC236}">
+                  <a16:creationId xmlns:a16="http://schemas.microsoft.com/office/drawing/2014/main" id="{0D5A63F7-76E2-9C3E-9EAC-06832E59B9C0}"/>
+                </a:ext>
+              </a:extLst>
+            </p:cNvPr>
+            <p:cNvSpPr/>
+            <p:nvPr/>
+          </p:nvSpPr>
+          <p:spPr>
+            <a:xfrm>
+              <a:off x="8401200" y="3505200"/>
+              <a:ext cx="289200" cy="274800"/>
+            </a:xfrm>
+            <a:prstGeom prst="rect">
+              <a:avLst/>
+            </a:prstGeom>
+            <a:solidFill>
+              <a:schemeClr val="accent2">
+                <a:lumMod val="50000"/>
+              </a:schemeClr>
+            </a:solidFill>
+            <a:ln>
+              <a:noFill/>
+            </a:ln>
+          </p:spPr>
+          <p:style>
+            <a:lnRef idx="0">
+              <a:scrgbClr r="0" g="0" b="0"/>
+            </a:lnRef>
+            <a:fillRef idx="0">
+              <a:scrgbClr r="0" g="0" b="0"/>
+            </a:fillRef>
+            <a:effectRef idx="0">
+              <a:scrgbClr r="0" g="0" b="0"/>
+            </a:effectRef>
+            <a:fontRef idx="minor">
+              <a:schemeClr val="lt1"/>
+            </a:fontRef>
+          </p:style>
+          <p:txBody>
+            <a:bodyPr rtlCol="0" anchor="ctr"/>
+            <a:lstStyle/>
+            <a:p>
+              <a:pPr algn="ctr"/>
+              <a:endParaRPr lang="de-DE"/>
+            </a:p>
+          </p:txBody>
+        </p:sp>
+        <p:sp>
+          <p:nvSpPr>
+            <p:cNvPr id="11" name="Rectangle 10">
+              <a:extLst>
+                <a:ext uri="{FF2B5EF4-FFF2-40B4-BE49-F238E27FC236}">
+                  <a16:creationId xmlns:a16="http://schemas.microsoft.com/office/drawing/2014/main" id="{6672B0D2-E140-B290-E0E7-01A67C08AD9F}"/>
+                </a:ext>
+              </a:extLst>
+            </p:cNvPr>
+            <p:cNvSpPr/>
+            <p:nvPr/>
+          </p:nvSpPr>
+          <p:spPr>
+            <a:xfrm>
+              <a:off x="8846637" y="3504600"/>
+              <a:ext cx="289200" cy="274800"/>
+            </a:xfrm>
+            <a:prstGeom prst="rect">
+              <a:avLst/>
+            </a:prstGeom>
+            <a:solidFill>
+              <a:schemeClr val="accent2">
+                <a:lumMod val="50000"/>
+              </a:schemeClr>
+            </a:solidFill>
+            <a:ln>
+              <a:noFill/>
+            </a:ln>
+          </p:spPr>
+          <p:style>
+            <a:lnRef idx="0">
+              <a:scrgbClr r="0" g="0" b="0"/>
+            </a:lnRef>
+            <a:fillRef idx="0">
+              <a:scrgbClr r="0" g="0" b="0"/>
+            </a:fillRef>
+            <a:effectRef idx="0">
+              <a:scrgbClr r="0" g="0" b="0"/>
+            </a:effectRef>
+            <a:fontRef idx="minor">
+              <a:schemeClr val="lt1"/>
+            </a:fontRef>
+          </p:style>
+          <p:txBody>
+            <a:bodyPr rtlCol="0" anchor="ctr"/>
+            <a:lstStyle/>
+            <a:p>
+              <a:pPr algn="ctr"/>
+              <a:endParaRPr lang="de-DE"/>
+            </a:p>
+          </p:txBody>
+        </p:sp>
+        <p:sp>
+          <p:nvSpPr>
+            <p:cNvPr id="12" name="Isosceles Triangle 11">
+              <a:extLst>
+                <a:ext uri="{FF2B5EF4-FFF2-40B4-BE49-F238E27FC236}">
+                  <a16:creationId xmlns:a16="http://schemas.microsoft.com/office/drawing/2014/main" id="{226BFEA8-F333-DCEF-29A1-CB1C786E4A2E}"/>
+                </a:ext>
+              </a:extLst>
+            </p:cNvPr>
+            <p:cNvSpPr/>
+            <p:nvPr/>
+          </p:nvSpPr>
+          <p:spPr>
+            <a:xfrm>
+              <a:off x="8240400" y="2835410"/>
+              <a:ext cx="1044000" cy="496990"/>
+            </a:xfrm>
+            <a:prstGeom prst="triangle">
+              <a:avLst/>
+            </a:prstGeom>
+            <a:solidFill>
+              <a:srgbClr val="FF0000"/>
+            </a:solidFill>
+            <a:ln>
+              <a:solidFill>
+                <a:schemeClr val="tx1"/>
+              </a:solidFill>
+            </a:ln>
+          </p:spPr>
+          <p:style>
+            <a:lnRef idx="2">
+              <a:schemeClr val="accent1">
+                <a:shade val="15000"/>
+              </a:schemeClr>
+            </a:lnRef>
+            <a:fillRef idx="1">
+              <a:schemeClr val="accent1"/>
+            </a:fillRef>
+            <a:effectRef idx="0">
+              <a:schemeClr val="accent1"/>
+            </a:effectRef>
+            <a:fontRef idx="minor">
+              <a:schemeClr val="lt1"/>
+            </a:fontRef>
+          </p:style>
+          <p:txBody>
+            <a:bodyPr rtlCol="0" anchor="ctr"/>
+            <a:lstStyle/>
+            <a:p>
+              <a:pPr algn="ctr"/>
+              <a:endParaRPr lang="de-DE"/>
+            </a:p>
+          </p:txBody>
+        </p:sp>
+      </p:grpSp>
+      <p:pic>
+        <p:nvPicPr>
+          <p:cNvPr id="18" name="Picture 17" descr="A graph showing different colors and sizes of solar energy&#10;&#10;AI-generated content may be incorrect.">
+            <a:extLst>
+              <a:ext uri="{FF2B5EF4-FFF2-40B4-BE49-F238E27FC236}">
+                <a16:creationId xmlns:a16="http://schemas.microsoft.com/office/drawing/2014/main" id="{7256678A-F422-4FF6-F8CC-1F526BB2D9E2}"/>
+              </a:ext>
+            </a:extLst>
+          </p:cNvPr>
+          <p:cNvPicPr>
+            <a:picLocks noChangeAspect="1"/>
+          </p:cNvPicPr>
+          <p:nvPr/>
+        </p:nvPicPr>
+        <p:blipFill>
+          <a:blip r:embed="rId2">
+            <a:extLst>
+              <a:ext uri="{28A0092B-C50C-407E-A947-70E740481C1C}">
+                <a14:useLocalDpi xmlns:a14="http://schemas.microsoft.com/office/drawing/2010/main" val="0"/>
+              </a:ext>
+            </a:extLst>
+          </a:blip>
+          <a:stretch>
+            <a:fillRect/>
+          </a:stretch>
+        </p:blipFill>
         <p:spPr>
           <a:xfrm>
-            <a:off x="10396800" y="1407021"/>
-            <a:ext cx="1346400" cy="979200"/>
+            <a:off x="489936" y="2412590"/>
+            <a:ext cx="7962864" cy="4332285"/>
           </a:xfrm>
           <a:prstGeom prst="rect">
             <a:avLst/>
           </a:prstGeom>
         </p:spPr>
-        <p:style>
-          <a:lnRef idx="2">
-            <a:schemeClr val="accent1">
-              <a:shade val="15000"/>
-            </a:schemeClr>
-          </a:lnRef>
-          <a:fillRef idx="1">
-            <a:schemeClr val="accent1"/>
-          </a:fillRef>
-          <a:effectRef idx="0">
-            <a:schemeClr val="accent1"/>
-          </a:effectRef>
-          <a:fontRef idx="minor">
-            <a:schemeClr val="lt1"/>
-          </a:fontRef>
-        </p:style>
-        <p:txBody>
-          <a:bodyPr rtlCol="0" anchor="ctr"/>
-          <a:lstStyle/>
-          <a:p>
-            <a:pPr algn="ctr"/>
-            <a:endParaRPr lang="de-DE"/>
-          </a:p>
-        </p:txBody>
-      </p:sp>
+      </p:pic>
+      <p:pic>
+        <p:nvPicPr>
+          <p:cNvPr id="19" name="Picture 18">
+            <a:extLst>
+              <a:ext uri="{FF2B5EF4-FFF2-40B4-BE49-F238E27FC236}">
+                <a16:creationId xmlns:a16="http://schemas.microsoft.com/office/drawing/2014/main" id="{EB2EA24C-ACD6-049C-1C46-EB73A0918768}"/>
+              </a:ext>
+            </a:extLst>
+          </p:cNvPr>
+          <p:cNvPicPr>
+            <a:picLocks noChangeAspect="1"/>
+          </p:cNvPicPr>
+          <p:nvPr/>
+        </p:nvPicPr>
+        <p:blipFill>
+          <a:blip r:embed="rId3"/>
+          <a:stretch>
+            <a:fillRect/>
+          </a:stretch>
+        </p:blipFill>
+        <p:spPr>
+          <a:xfrm>
+            <a:off x="3309807" y="2992749"/>
+            <a:ext cx="4617393" cy="3319151"/>
+          </a:xfrm>
+          <a:prstGeom prst="rect">
+            <a:avLst/>
+          </a:prstGeom>
+        </p:spPr>
+      </p:pic>
     </p:spTree>
     <p:extLst>
       <p:ext uri="{BB962C8B-B14F-4D97-AF65-F5344CB8AC3E}">
@@ -14533,7 +16439,193 @@
 </p:sld>
 </file>
 
-<file path=ppt/slides/slide22.xml><?xml version="1.0" encoding="utf-8"?>
+<file path=ppt/slides/slide24.xml><?xml version="1.0" encoding="utf-8"?>
+<p:sld xmlns:a="http://schemas.openxmlformats.org/drawingml/2006/main" xmlns:r="http://schemas.openxmlformats.org/officeDocument/2006/relationships" xmlns:p="http://schemas.openxmlformats.org/presentationml/2006/main">
+  <p:cSld>
+    <p:spTree>
+      <p:nvGrpSpPr>
+        <p:cNvPr id="1" name=""/>
+        <p:cNvGrpSpPr/>
+        <p:nvPr/>
+      </p:nvGrpSpPr>
+      <p:grpSpPr>
+        <a:xfrm>
+          <a:off x="0" y="0"/>
+          <a:ext cx="0" cy="0"/>
+          <a:chOff x="0" y="0"/>
+          <a:chExt cx="0" cy="0"/>
+        </a:xfrm>
+      </p:grpSpPr>
+      <p:sp>
+        <p:nvSpPr>
+          <p:cNvPr id="2" name="Title 1">
+            <a:extLst>
+              <a:ext uri="{FF2B5EF4-FFF2-40B4-BE49-F238E27FC236}">
+                <a16:creationId xmlns:a16="http://schemas.microsoft.com/office/drawing/2014/main" id="{28DC879E-F574-646D-1410-57A9C4A5CF80}"/>
+              </a:ext>
+            </a:extLst>
+          </p:cNvPr>
+          <p:cNvSpPr>
+            <a:spLocks noGrp="1"/>
+          </p:cNvSpPr>
+          <p:nvPr>
+            <p:ph type="title"/>
+          </p:nvPr>
+        </p:nvSpPr>
+        <p:spPr/>
+        <p:txBody>
+          <a:bodyPr/>
+          <a:lstStyle/>
+          <a:p>
+            <a:endParaRPr lang="de-DE" dirty="0"/>
+          </a:p>
+        </p:txBody>
+      </p:sp>
+      <p:pic>
+        <p:nvPicPr>
+          <p:cNvPr id="5" name="Content Placeholder 4">
+            <a:extLst>
+              <a:ext uri="{FF2B5EF4-FFF2-40B4-BE49-F238E27FC236}">
+                <a16:creationId xmlns:a16="http://schemas.microsoft.com/office/drawing/2014/main" id="{2CFC314F-4A59-502F-678D-95E7B054B921}"/>
+              </a:ext>
+            </a:extLst>
+          </p:cNvPr>
+          <p:cNvPicPr>
+            <a:picLocks noGrp="1" noChangeAspect="1"/>
+          </p:cNvPicPr>
+          <p:nvPr>
+            <p:ph idx="1"/>
+          </p:nvPr>
+        </p:nvPicPr>
+        <p:blipFill>
+          <a:blip r:embed="rId2"/>
+          <a:stretch>
+            <a:fillRect/>
+          </a:stretch>
+        </p:blipFill>
+        <p:spPr>
+          <a:xfrm>
+            <a:off x="1105172" y="421938"/>
+            <a:ext cx="5610028" cy="3291712"/>
+          </a:xfrm>
+        </p:spPr>
+      </p:pic>
+      <p:pic>
+        <p:nvPicPr>
+          <p:cNvPr id="9" name="Picture 8">
+            <a:extLst>
+              <a:ext uri="{FF2B5EF4-FFF2-40B4-BE49-F238E27FC236}">
+                <a16:creationId xmlns:a16="http://schemas.microsoft.com/office/drawing/2014/main" id="{FBB0D906-E6D6-9C19-2456-2BAED56F60CC}"/>
+              </a:ext>
+            </a:extLst>
+          </p:cNvPr>
+          <p:cNvPicPr>
+            <a:picLocks noChangeAspect="1"/>
+          </p:cNvPicPr>
+          <p:nvPr/>
+        </p:nvPicPr>
+        <p:blipFill>
+          <a:blip r:embed="rId3"/>
+          <a:stretch>
+            <a:fillRect/>
+          </a:stretch>
+        </p:blipFill>
+        <p:spPr>
+          <a:xfrm>
+            <a:off x="753751" y="3713650"/>
+            <a:ext cx="11164858" cy="2857899"/>
+          </a:xfrm>
+          <a:prstGeom prst="rect">
+            <a:avLst/>
+          </a:prstGeom>
+        </p:spPr>
+      </p:pic>
+      <p:sp>
+        <p:nvSpPr>
+          <p:cNvPr id="11" name="TextBox 10">
+            <a:extLst>
+              <a:ext uri="{FF2B5EF4-FFF2-40B4-BE49-F238E27FC236}">
+                <a16:creationId xmlns:a16="http://schemas.microsoft.com/office/drawing/2014/main" id="{53E1710A-AC69-C862-CA5C-757766F16E24}"/>
+              </a:ext>
+            </a:extLst>
+          </p:cNvPr>
+          <p:cNvSpPr txBox="1"/>
+          <p:nvPr/>
+        </p:nvSpPr>
+        <p:spPr>
+          <a:xfrm>
+            <a:off x="7538400" y="3105834"/>
+            <a:ext cx="3981600" cy="646331"/>
+          </a:xfrm>
+          <a:prstGeom prst="rect">
+            <a:avLst/>
+          </a:prstGeom>
+          <a:noFill/>
+        </p:spPr>
+        <p:txBody>
+          <a:bodyPr wrap="square" rtlCol="0">
+            <a:spAutoFit/>
+          </a:bodyPr>
+          <a:lstStyle/>
+          <a:p>
+            <a:r>
+              <a:rPr lang="de-DE" dirty="0"/>
+              <a:t>Not powerful </a:t>
+            </a:r>
+            <a:r>
+              <a:rPr lang="de-DE" dirty="0" err="1"/>
+              <a:t>enough</a:t>
+            </a:r>
+            <a:r>
+              <a:rPr lang="de-DE" dirty="0"/>
+              <a:t> </a:t>
+            </a:r>
+            <a:r>
+              <a:rPr lang="de-DE" dirty="0" err="1"/>
+              <a:t>to</a:t>
+            </a:r>
+            <a:r>
+              <a:rPr lang="de-DE" dirty="0"/>
+              <a:t> </a:t>
+            </a:r>
+            <a:r>
+              <a:rPr lang="de-DE" dirty="0" err="1"/>
+              <a:t>heat</a:t>
+            </a:r>
+            <a:r>
+              <a:rPr lang="de-DE" dirty="0"/>
+              <a:t> </a:t>
+            </a:r>
+            <a:r>
+              <a:rPr lang="de-DE" dirty="0" err="1"/>
+              <a:t>the</a:t>
+            </a:r>
+            <a:r>
+              <a:rPr lang="de-DE" dirty="0"/>
+              <a:t> </a:t>
+            </a:r>
+            <a:r>
+              <a:rPr lang="de-DE" dirty="0" err="1"/>
+              <a:t>building</a:t>
+            </a:r>
+            <a:endParaRPr lang="de-DE" dirty="0"/>
+          </a:p>
+        </p:txBody>
+      </p:sp>
+    </p:spTree>
+    <p:extLst>
+      <p:ext uri="{BB962C8B-B14F-4D97-AF65-F5344CB8AC3E}">
+        <p14:creationId xmlns:p14="http://schemas.microsoft.com/office/powerpoint/2010/main" val="2569545151"/>
+      </p:ext>
+    </p:extLst>
+  </p:cSld>
+  <p:clrMapOvr>
+    <a:masterClrMapping/>
+  </p:clrMapOvr>
+</p:sld>
+</file>
+
+<file path=ppt/slides/slide25.xml><?xml version="1.0" encoding="utf-8"?>
 <p:sld xmlns:a="http://schemas.openxmlformats.org/drawingml/2006/main" xmlns:r="http://schemas.openxmlformats.org/officeDocument/2006/relationships" xmlns:p="http://schemas.openxmlformats.org/presentationml/2006/main">
   <p:cSld>
     <p:spTree>
@@ -15052,7 +17144,7 @@
 </p:sld>
 </file>
 
-<file path=ppt/slides/slide23.xml><?xml version="1.0" encoding="utf-8"?>
+<file path=ppt/slides/slide26.xml><?xml version="1.0" encoding="utf-8"?>
 <p:sld xmlns:a="http://schemas.openxmlformats.org/drawingml/2006/main" xmlns:r="http://schemas.openxmlformats.org/officeDocument/2006/relationships" xmlns:p="http://schemas.openxmlformats.org/presentationml/2006/main">
   <p:cSld>
     <p:spTree>
@@ -15493,7 +17585,7 @@
 </p:sld>
 </file>
 
-<file path=ppt/slides/slide24.xml><?xml version="1.0" encoding="utf-8"?>
+<file path=ppt/slides/slide27.xml><?xml version="1.0" encoding="utf-8"?>
 <p:sld xmlns:a="http://schemas.openxmlformats.org/drawingml/2006/main" xmlns:r="http://schemas.openxmlformats.org/officeDocument/2006/relationships" xmlns:p="http://schemas.openxmlformats.org/presentationml/2006/main">
   <p:cSld>
     <p:spTree>
@@ -15551,6 +17643,14 @@
             </a:r>
             <a:r>
               <a:rPr lang="de-DE" dirty="0" err="1"/>
+              <a:t>refurbished</a:t>
+            </a:r>
+            <a:r>
+              <a:rPr lang="de-DE" dirty="0"/>
+              <a:t> (do </a:t>
+            </a:r>
+            <a:r>
+              <a:rPr lang="de-DE" dirty="0" err="1"/>
               <a:t>advanced</a:t>
             </a:r>
             <a:r>
@@ -15559,7 +17659,11 @@
             </a:r>
             <a:r>
               <a:rPr lang="de-DE" dirty="0" err="1"/>
-              <a:t>refurbished</a:t>
+              <a:t>next</a:t>
+            </a:r>
+            <a:r>
+              <a:rPr lang="de-DE"/>
+              <a:t>)</a:t>
             </a:r>
             <a:endParaRPr lang="de-DE" dirty="0"/>
           </a:p>
@@ -15652,7 +17756,7 @@
         </p:nvSpPr>
         <p:spPr>
           <a:xfrm>
-            <a:off x="990600" y="1978025"/>
+            <a:off x="838200" y="1975204"/>
             <a:ext cx="10515600" cy="4351338"/>
           </a:xfrm>
           <a:prstGeom prst="rect">
@@ -15908,6 +18012,916 @@
           </a:p>
         </p:txBody>
       </p:sp>
+      <p:pic>
+        <p:nvPicPr>
+          <p:cNvPr id="7" name="Picture 6">
+            <a:extLst>
+              <a:ext uri="{FF2B5EF4-FFF2-40B4-BE49-F238E27FC236}">
+                <a16:creationId xmlns:a16="http://schemas.microsoft.com/office/drawing/2014/main" id="{A6A5977C-8470-D647-DC22-C91217C0BA36}"/>
+              </a:ext>
+            </a:extLst>
+          </p:cNvPr>
+          <p:cNvPicPr>
+            <a:picLocks noChangeAspect="1"/>
+          </p:cNvPicPr>
+          <p:nvPr/>
+        </p:nvPicPr>
+        <p:blipFill>
+          <a:blip r:embed="rId3"/>
+          <a:stretch>
+            <a:fillRect/>
+          </a:stretch>
+        </p:blipFill>
+        <p:spPr>
+          <a:xfrm>
+            <a:off x="7423937" y="2836367"/>
+            <a:ext cx="4319263" cy="3150000"/>
+          </a:xfrm>
+          <a:prstGeom prst="rect">
+            <a:avLst/>
+          </a:prstGeom>
+        </p:spPr>
+      </p:pic>
+      <p:sp>
+        <p:nvSpPr>
+          <p:cNvPr id="8" name="TextBox 7">
+            <a:extLst>
+              <a:ext uri="{FF2B5EF4-FFF2-40B4-BE49-F238E27FC236}">
+                <a16:creationId xmlns:a16="http://schemas.microsoft.com/office/drawing/2014/main" id="{ED1BF414-ED03-1F7C-C8CC-6C4DF0AA0D69}"/>
+              </a:ext>
+            </a:extLst>
+          </p:cNvPr>
+          <p:cNvSpPr txBox="1"/>
+          <p:nvPr/>
+        </p:nvSpPr>
+        <p:spPr>
+          <a:xfrm>
+            <a:off x="1903296" y="6465039"/>
+            <a:ext cx="4319263" cy="577081"/>
+          </a:xfrm>
+          <a:prstGeom prst="rect">
+            <a:avLst/>
+          </a:prstGeom>
+          <a:noFill/>
+        </p:spPr>
+        <p:txBody>
+          <a:bodyPr wrap="square" rtlCol="0">
+            <a:spAutoFit/>
+          </a:bodyPr>
+          <a:lstStyle/>
+          <a:p>
+            <a:r>
+              <a:rPr lang="de-DE" sz="1050" dirty="0"/>
+              <a:t>But </a:t>
+            </a:r>
+            <a:r>
+              <a:rPr lang="de-DE" sz="1050" dirty="0" err="1"/>
+              <a:t>that</a:t>
+            </a:r>
+            <a:r>
+              <a:rPr lang="de-DE" sz="1050" dirty="0"/>
+              <a:t> </a:t>
+            </a:r>
+            <a:r>
+              <a:rPr lang="de-DE" sz="1050" dirty="0" err="1"/>
+              <a:t>needed</a:t>
+            </a:r>
+            <a:r>
+              <a:rPr lang="de-DE" sz="1050" dirty="0"/>
+              <a:t> HP=2 and</a:t>
+            </a:r>
+          </a:p>
+          <a:p>
+            <a:endParaRPr lang="de-DE" sz="1050" dirty="0"/>
+          </a:p>
+          <a:p>
+            <a:r>
+              <a:rPr lang="de-DE" sz="1050" dirty="0"/>
+              <a:t> </a:t>
+            </a:r>
+          </a:p>
+        </p:txBody>
+      </p:sp>
+      <p:sp>
+        <p:nvSpPr>
+          <p:cNvPr id="9" name="Rectangle 1">
+            <a:extLst>
+              <a:ext uri="{FF2B5EF4-FFF2-40B4-BE49-F238E27FC236}">
+                <a16:creationId xmlns:a16="http://schemas.microsoft.com/office/drawing/2014/main" id="{B26709BB-C21B-D08E-1DCC-A71464FAF5E1}"/>
+              </a:ext>
+            </a:extLst>
+          </p:cNvPr>
+          <p:cNvSpPr>
+            <a:spLocks noChangeArrowheads="1"/>
+          </p:cNvSpPr>
+          <p:nvPr/>
+        </p:nvSpPr>
+        <p:spPr bwMode="auto">
+          <a:xfrm>
+            <a:off x="3613354" y="6465039"/>
+            <a:ext cx="16435847" cy="184666"/>
+          </a:xfrm>
+          <a:prstGeom prst="rect">
+            <a:avLst/>
+          </a:prstGeom>
+          <a:noFill/>
+          <a:ln>
+            <a:noFill/>
+          </a:ln>
+          <a:effectLst/>
+          <a:extLst>
+            <a:ext uri="{909E8E84-426E-40DD-AFC4-6F175D3DCCD1}">
+              <a14:hiddenFill xmlns:a14="http://schemas.microsoft.com/office/drawing/2010/main">
+                <a:solidFill>
+                  <a:schemeClr val="accent1"/>
+                </a:solidFill>
+              </a14:hiddenFill>
+            </a:ext>
+            <a:ext uri="{91240B29-F687-4F45-9708-019B960494DF}">
+              <a14:hiddenLine xmlns:a14="http://schemas.microsoft.com/office/drawing/2010/main" w="9525">
+                <a:solidFill>
+                  <a:schemeClr val="tx1"/>
+                </a:solidFill>
+                <a:miter lim="800000"/>
+                <a:headEnd/>
+                <a:tailEnd/>
+              </a14:hiddenLine>
+            </a:ext>
+            <a:ext uri="{AF507438-7753-43E0-B8FC-AC1667EBCBE1}">
+              <a14:hiddenEffects xmlns:a14="http://schemas.microsoft.com/office/drawing/2010/main">
+                <a:effectLst>
+                  <a:outerShdw dist="35921" dir="2700000" algn="ctr" rotWithShape="0">
+                    <a:schemeClr val="bg2"/>
+                  </a:outerShdw>
+                </a:effectLst>
+              </a14:hiddenEffects>
+            </a:ext>
+          </a:extLst>
+        </p:spPr>
+        <p:txBody>
+          <a:bodyPr vert="horz" wrap="square" lIns="0" tIns="0" rIns="0" bIns="0" numCol="1" anchor="ctr" anchorCtr="0" compatLnSpc="1">
+            <a:prstTxWarp prst="textNoShape">
+              <a:avLst/>
+            </a:prstTxWarp>
+            <a:spAutoFit/>
+          </a:bodyPr>
+          <a:lstStyle/>
+          <a:p>
+            <a:pPr marL="0" marR="0" lvl="0" indent="0" algn="l" defTabSz="914400" rtl="0" eaLnBrk="0" fontAlgn="base" latinLnBrk="0" hangingPunct="0">
+              <a:lnSpc>
+                <a:spcPct val="100000"/>
+              </a:lnSpc>
+              <a:spcBef>
+                <a:spcPct val="0"/>
+              </a:spcBef>
+              <a:spcAft>
+                <a:spcPct val="0"/>
+              </a:spcAft>
+              <a:buClrTx/>
+              <a:buSzTx/>
+              <a:buFontTx/>
+              <a:buNone/>
+              <a:tabLst/>
+            </a:pPr>
+            <a:r>
+              <a:rPr kumimoji="0" lang="de-DE" altLang="de-DE" sz="1200" b="0" i="0" u="none" strike="noStrike" cap="none" normalizeH="0" baseline="0" dirty="0">
+                <a:ln>
+                  <a:noFill/>
+                </a:ln>
+                <a:solidFill>
+                  <a:srgbClr val="000000"/>
+                </a:solidFill>
+                <a:effectLst/>
+                <a:latin typeface="Courier New" panose="02070309020205020404" pitchFamily="49" charset="0"/>
+                <a:cs typeface="Courier New" panose="02070309020205020404" pitchFamily="49" charset="0"/>
+              </a:rPr>
+              <a:t>T_HC_1_amb=</a:t>
+            </a:r>
+            <a:r>
+              <a:rPr kumimoji="0" lang="de-DE" altLang="de-DE" sz="1200" b="0" i="0" u="none" strike="noStrike" cap="none" normalizeH="0" baseline="0" dirty="0">
+                <a:ln>
+                  <a:noFill/>
+                </a:ln>
+                <a:solidFill>
+                  <a:srgbClr val="8B008B"/>
+                </a:solidFill>
+                <a:effectLst/>
+                <a:latin typeface="Courier New" panose="02070309020205020404" pitchFamily="49" charset="0"/>
+                <a:cs typeface="Courier New" panose="02070309020205020404" pitchFamily="49" charset="0"/>
+              </a:rPr>
+              <a:t>273.15</a:t>
+            </a:r>
+            <a:r>
+              <a:rPr kumimoji="0" lang="de-DE" altLang="de-DE" sz="1200" b="0" i="0" u="none" strike="noStrike" cap="none" normalizeH="0" baseline="0" dirty="0">
+                <a:ln>
+                  <a:noFill/>
+                </a:ln>
+                <a:solidFill>
+                  <a:srgbClr val="000000"/>
+                </a:solidFill>
+                <a:effectLst/>
+                <a:latin typeface="Courier New" panose="02070309020205020404" pitchFamily="49" charset="0"/>
+                <a:cs typeface="Courier New" panose="02070309020205020404" pitchFamily="49" charset="0"/>
+              </a:rPr>
+              <a:t>-</a:t>
+            </a:r>
+            <a:r>
+              <a:rPr kumimoji="0" lang="de-DE" altLang="de-DE" sz="1200" b="0" i="0" u="none" strike="noStrike" cap="none" normalizeH="0" baseline="0" dirty="0">
+                <a:ln>
+                  <a:noFill/>
+                </a:ln>
+                <a:solidFill>
+                  <a:srgbClr val="8B008B"/>
+                </a:solidFill>
+                <a:effectLst/>
+                <a:latin typeface="Courier New" panose="02070309020205020404" pitchFamily="49" charset="0"/>
+                <a:cs typeface="Courier New" panose="02070309020205020404" pitchFamily="49" charset="0"/>
+              </a:rPr>
+              <a:t>20</a:t>
+            </a:r>
+            <a:r>
+              <a:rPr kumimoji="0" lang="de-DE" altLang="de-DE" sz="1200" b="0" i="0" u="none" strike="noStrike" cap="none" normalizeH="0" baseline="0" dirty="0">
+                <a:ln>
+                  <a:noFill/>
+                </a:ln>
+                <a:solidFill>
+                  <a:srgbClr val="000000"/>
+                </a:solidFill>
+                <a:effectLst/>
+                <a:latin typeface="Courier New" panose="02070309020205020404" pitchFamily="49" charset="0"/>
+                <a:cs typeface="Courier New" panose="02070309020205020404" pitchFamily="49" charset="0"/>
+              </a:rPr>
+              <a:t>,</a:t>
+            </a:r>
+            <a:r>
+              <a:rPr kumimoji="0" lang="de-DE" altLang="de-DE" sz="600" b="0" i="0" u="none" strike="noStrike" cap="none" normalizeH="0" baseline="0" dirty="0">
+                <a:ln>
+                  <a:noFill/>
+                </a:ln>
+                <a:solidFill>
+                  <a:schemeClr val="tx1"/>
+                </a:solidFill>
+                <a:effectLst/>
+              </a:rPr>
+              <a:t> </a:t>
+            </a:r>
+            <a:r>
+              <a:rPr kumimoji="0" lang="de-DE" altLang="de-DE" sz="1200" b="0" i="0" u="none" strike="noStrike" cap="none" normalizeH="0" baseline="0" dirty="0">
+                <a:ln>
+                  <a:noFill/>
+                </a:ln>
+                <a:solidFill>
+                  <a:srgbClr val="000000"/>
+                </a:solidFill>
+                <a:effectLst/>
+                <a:latin typeface="Courier New" panose="02070309020205020404" pitchFamily="49" charset="0"/>
+                <a:cs typeface="Courier New" panose="02070309020205020404" pitchFamily="49" charset="0"/>
+              </a:rPr>
+              <a:t>T_HC_1_sup=</a:t>
+            </a:r>
+            <a:r>
+              <a:rPr kumimoji="0" lang="de-DE" altLang="de-DE" sz="1200" b="0" i="0" u="none" strike="noStrike" cap="none" normalizeH="0" baseline="0" dirty="0">
+                <a:ln>
+                  <a:noFill/>
+                </a:ln>
+                <a:solidFill>
+                  <a:srgbClr val="8B008B"/>
+                </a:solidFill>
+                <a:effectLst/>
+                <a:latin typeface="Courier New" panose="02070309020205020404" pitchFamily="49" charset="0"/>
+                <a:cs typeface="Courier New" panose="02070309020205020404" pitchFamily="49" charset="0"/>
+              </a:rPr>
+              <a:t>273.15</a:t>
+            </a:r>
+            <a:r>
+              <a:rPr kumimoji="0" lang="de-DE" altLang="de-DE" sz="1200" b="0" i="0" u="none" strike="noStrike" cap="none" normalizeH="0" baseline="0" dirty="0">
+                <a:ln>
+                  <a:noFill/>
+                </a:ln>
+                <a:solidFill>
+                  <a:srgbClr val="000000"/>
+                </a:solidFill>
+                <a:effectLst/>
+                <a:latin typeface="Courier New" panose="02070309020205020404" pitchFamily="49" charset="0"/>
+                <a:cs typeface="Courier New" panose="02070309020205020404" pitchFamily="49" charset="0"/>
+              </a:rPr>
+              <a:t>+</a:t>
+            </a:r>
+            <a:r>
+              <a:rPr kumimoji="0" lang="de-DE" altLang="de-DE" sz="1200" b="0" i="0" u="none" strike="noStrike" cap="none" normalizeH="0" baseline="0" dirty="0">
+                <a:ln>
+                  <a:noFill/>
+                </a:ln>
+                <a:solidFill>
+                  <a:srgbClr val="8B008B"/>
+                </a:solidFill>
+                <a:effectLst/>
+                <a:latin typeface="Courier New" panose="02070309020205020404" pitchFamily="49" charset="0"/>
+                <a:cs typeface="Courier New" panose="02070309020205020404" pitchFamily="49" charset="0"/>
+              </a:rPr>
+              <a:t>70</a:t>
+            </a:r>
+            <a:r>
+              <a:rPr kumimoji="0" lang="de-DE" altLang="de-DE" sz="1200" b="0" i="0" u="none" strike="noStrike" cap="none" normalizeH="0" baseline="0" dirty="0">
+                <a:ln>
+                  <a:noFill/>
+                </a:ln>
+                <a:solidFill>
+                  <a:srgbClr val="000000"/>
+                </a:solidFill>
+                <a:effectLst/>
+                <a:latin typeface="Courier New" panose="02070309020205020404" pitchFamily="49" charset="0"/>
+                <a:cs typeface="Courier New" panose="02070309020205020404" pitchFamily="49" charset="0"/>
+              </a:rPr>
+              <a:t>,</a:t>
+            </a:r>
+            <a:r>
+              <a:rPr kumimoji="0" lang="de-DE" altLang="de-DE" sz="600" b="0" i="0" u="none" strike="noStrike" cap="none" normalizeH="0" baseline="0" dirty="0">
+                <a:ln>
+                  <a:noFill/>
+                </a:ln>
+                <a:solidFill>
+                  <a:schemeClr val="tx1"/>
+                </a:solidFill>
+                <a:effectLst/>
+              </a:rPr>
+              <a:t> </a:t>
+            </a:r>
+            <a:r>
+              <a:rPr kumimoji="0" lang="de-DE" altLang="de-DE" sz="1200" b="0" i="0" u="none" strike="noStrike" cap="none" normalizeH="0" baseline="0" dirty="0">
+                <a:ln>
+                  <a:noFill/>
+                </a:ln>
+                <a:solidFill>
+                  <a:srgbClr val="000000"/>
+                </a:solidFill>
+                <a:effectLst/>
+                <a:latin typeface="Courier New" panose="02070309020205020404" pitchFamily="49" charset="0"/>
+                <a:cs typeface="Courier New" panose="02070309020205020404" pitchFamily="49" charset="0"/>
+              </a:rPr>
+              <a:t>T_HC_2_amb=</a:t>
+            </a:r>
+            <a:r>
+              <a:rPr kumimoji="0" lang="de-DE" altLang="de-DE" sz="1200" b="0" i="0" u="none" strike="noStrike" cap="none" normalizeH="0" baseline="0" dirty="0">
+                <a:ln>
+                  <a:noFill/>
+                </a:ln>
+                <a:solidFill>
+                  <a:srgbClr val="8B008B"/>
+                </a:solidFill>
+                <a:effectLst/>
+                <a:latin typeface="Courier New" panose="02070309020205020404" pitchFamily="49" charset="0"/>
+                <a:cs typeface="Courier New" panose="02070309020205020404" pitchFamily="49" charset="0"/>
+              </a:rPr>
+              <a:t>273.15</a:t>
+            </a:r>
+            <a:r>
+              <a:rPr kumimoji="0" lang="de-DE" altLang="de-DE" sz="1200" b="0" i="0" u="none" strike="noStrike" cap="none" normalizeH="0" baseline="0" dirty="0">
+                <a:ln>
+                  <a:noFill/>
+                </a:ln>
+                <a:solidFill>
+                  <a:srgbClr val="000000"/>
+                </a:solidFill>
+                <a:effectLst/>
+                <a:latin typeface="Courier New" panose="02070309020205020404" pitchFamily="49" charset="0"/>
+                <a:cs typeface="Courier New" panose="02070309020205020404" pitchFamily="49" charset="0"/>
+              </a:rPr>
+              <a:t>+</a:t>
+            </a:r>
+            <a:r>
+              <a:rPr kumimoji="0" lang="de-DE" altLang="de-DE" sz="1200" b="0" i="0" u="none" strike="noStrike" cap="none" normalizeH="0" baseline="0" dirty="0">
+                <a:ln>
+                  <a:noFill/>
+                </a:ln>
+                <a:solidFill>
+                  <a:srgbClr val="8B008B"/>
+                </a:solidFill>
+                <a:effectLst/>
+                <a:latin typeface="Courier New" panose="02070309020205020404" pitchFamily="49" charset="0"/>
+                <a:cs typeface="Courier New" panose="02070309020205020404" pitchFamily="49" charset="0"/>
+              </a:rPr>
+              <a:t>20</a:t>
+            </a:r>
+            <a:r>
+              <a:rPr kumimoji="0" lang="de-DE" altLang="de-DE" sz="1200" b="0" i="0" u="none" strike="noStrike" cap="none" normalizeH="0" baseline="0" dirty="0">
+                <a:ln>
+                  <a:noFill/>
+                </a:ln>
+                <a:solidFill>
+                  <a:srgbClr val="000000"/>
+                </a:solidFill>
+                <a:effectLst/>
+                <a:latin typeface="Courier New" panose="02070309020205020404" pitchFamily="49" charset="0"/>
+                <a:cs typeface="Courier New" panose="02070309020205020404" pitchFamily="49" charset="0"/>
+              </a:rPr>
+              <a:t>,</a:t>
+            </a:r>
+            <a:r>
+              <a:rPr kumimoji="0" lang="de-DE" altLang="de-DE" sz="600" b="0" i="0" u="none" strike="noStrike" cap="none" normalizeH="0" baseline="0" dirty="0">
+                <a:ln>
+                  <a:noFill/>
+                </a:ln>
+                <a:solidFill>
+                  <a:schemeClr val="tx1"/>
+                </a:solidFill>
+                <a:effectLst/>
+              </a:rPr>
+              <a:t> </a:t>
+            </a:r>
+            <a:r>
+              <a:rPr kumimoji="0" lang="de-DE" altLang="de-DE" sz="1200" b="0" i="0" u="none" strike="noStrike" cap="none" normalizeH="0" baseline="0" dirty="0">
+                <a:ln>
+                  <a:noFill/>
+                </a:ln>
+                <a:solidFill>
+                  <a:srgbClr val="000000"/>
+                </a:solidFill>
+                <a:effectLst/>
+                <a:latin typeface="Courier New" panose="02070309020205020404" pitchFamily="49" charset="0"/>
+                <a:cs typeface="Courier New" panose="02070309020205020404" pitchFamily="49" charset="0"/>
+              </a:rPr>
+              <a:t>T_HC_2_sup=</a:t>
+            </a:r>
+            <a:r>
+              <a:rPr kumimoji="0" lang="de-DE" altLang="de-DE" sz="1200" b="0" i="0" u="none" strike="noStrike" cap="none" normalizeH="0" baseline="0" dirty="0">
+                <a:ln>
+                  <a:noFill/>
+                </a:ln>
+                <a:solidFill>
+                  <a:srgbClr val="8B008B"/>
+                </a:solidFill>
+                <a:effectLst/>
+                <a:latin typeface="Courier New" panose="02070309020205020404" pitchFamily="49" charset="0"/>
+                <a:cs typeface="Courier New" panose="02070309020205020404" pitchFamily="49" charset="0"/>
+              </a:rPr>
+              <a:t>273.15</a:t>
+            </a:r>
+            <a:r>
+              <a:rPr kumimoji="0" lang="de-DE" altLang="de-DE" sz="1200" b="0" i="0" u="none" strike="noStrike" cap="none" normalizeH="0" baseline="0" dirty="0">
+                <a:ln>
+                  <a:noFill/>
+                </a:ln>
+                <a:solidFill>
+                  <a:srgbClr val="000000"/>
+                </a:solidFill>
+                <a:effectLst/>
+                <a:latin typeface="Courier New" panose="02070309020205020404" pitchFamily="49" charset="0"/>
+                <a:cs typeface="Courier New" panose="02070309020205020404" pitchFamily="49" charset="0"/>
+              </a:rPr>
+              <a:t>+</a:t>
+            </a:r>
+            <a:r>
+              <a:rPr kumimoji="0" lang="de-DE" altLang="de-DE" sz="1200" b="0" i="0" u="none" strike="noStrike" cap="none" normalizeH="0" baseline="0" dirty="0">
+                <a:ln>
+                  <a:noFill/>
+                </a:ln>
+                <a:solidFill>
+                  <a:srgbClr val="8B008B"/>
+                </a:solidFill>
+                <a:effectLst/>
+                <a:latin typeface="Courier New" panose="02070309020205020404" pitchFamily="49" charset="0"/>
+                <a:cs typeface="Courier New" panose="02070309020205020404" pitchFamily="49" charset="0"/>
+              </a:rPr>
+              <a:t>20</a:t>
+            </a:r>
+            <a:r>
+              <a:rPr kumimoji="0" lang="de-DE" altLang="de-DE" sz="1200" b="0" i="0" u="none" strike="noStrike" cap="none" normalizeH="0" baseline="0" dirty="0">
+                <a:ln>
+                  <a:noFill/>
+                </a:ln>
+                <a:solidFill>
+                  <a:srgbClr val="000000"/>
+                </a:solidFill>
+                <a:effectLst/>
+                <a:latin typeface="Courier New" panose="02070309020205020404" pitchFamily="49" charset="0"/>
+                <a:cs typeface="Courier New" panose="02070309020205020404" pitchFamily="49" charset="0"/>
+              </a:rPr>
+              <a:t> </a:t>
+            </a:r>
+            <a:endParaRPr kumimoji="0" lang="de-DE" altLang="de-DE" sz="1800" b="0" i="0" u="none" strike="noStrike" cap="none" normalizeH="0" baseline="0" dirty="0">
+              <a:ln>
+                <a:noFill/>
+              </a:ln>
+              <a:solidFill>
+                <a:schemeClr val="tx1"/>
+              </a:solidFill>
+              <a:effectLst/>
+              <a:latin typeface="Arial" panose="020B0604020202020204" pitchFamily="34" charset="0"/>
+            </a:endParaRPr>
+          </a:p>
+        </p:txBody>
+      </p:sp>
+      <p:sp>
+        <p:nvSpPr>
+          <p:cNvPr id="12" name="Rectangle 3">
+            <a:extLst>
+              <a:ext uri="{FF2B5EF4-FFF2-40B4-BE49-F238E27FC236}">
+                <a16:creationId xmlns:a16="http://schemas.microsoft.com/office/drawing/2014/main" id="{07D7301F-5AC5-59BD-172B-BC8BED172F36}"/>
+              </a:ext>
+            </a:extLst>
+          </p:cNvPr>
+          <p:cNvSpPr>
+            <a:spLocks noChangeArrowheads="1"/>
+          </p:cNvSpPr>
+          <p:nvPr/>
+        </p:nvSpPr>
+        <p:spPr bwMode="auto">
+          <a:xfrm>
+            <a:off x="-1135626" y="-2249129"/>
+            <a:ext cx="12192000" cy="0"/>
+          </a:xfrm>
+          <a:prstGeom prst="rect">
+            <a:avLst/>
+          </a:prstGeom>
+          <a:noFill/>
+          <a:ln>
+            <a:noFill/>
+          </a:ln>
+          <a:effectLst/>
+          <a:extLst>
+            <a:ext uri="{909E8E84-426E-40DD-AFC4-6F175D3DCCD1}">
+              <a14:hiddenFill xmlns:a14="http://schemas.microsoft.com/office/drawing/2010/main">
+                <a:solidFill>
+                  <a:schemeClr val="accent1"/>
+                </a:solidFill>
+              </a14:hiddenFill>
+            </a:ext>
+            <a:ext uri="{91240B29-F687-4F45-9708-019B960494DF}">
+              <a14:hiddenLine xmlns:a14="http://schemas.microsoft.com/office/drawing/2010/main" w="9525">
+                <a:solidFill>
+                  <a:schemeClr val="tx1"/>
+                </a:solidFill>
+                <a:miter lim="800000"/>
+                <a:headEnd/>
+                <a:tailEnd/>
+              </a14:hiddenLine>
+            </a:ext>
+            <a:ext uri="{AF507438-7753-43E0-B8FC-AC1667EBCBE1}">
+              <a14:hiddenEffects xmlns:a14="http://schemas.microsoft.com/office/drawing/2010/main">
+                <a:effectLst>
+                  <a:outerShdw dist="35921" dir="2700000" algn="ctr" rotWithShape="0">
+                    <a:schemeClr val="bg2"/>
+                  </a:outerShdw>
+                </a:effectLst>
+              </a14:hiddenEffects>
+            </a:ext>
+          </a:extLst>
+        </p:spPr>
+        <p:txBody>
+          <a:bodyPr vert="horz" wrap="none" lIns="0" tIns="0" rIns="0" bIns="0" numCol="1" anchor="ctr" anchorCtr="0" compatLnSpc="1">
+            <a:prstTxWarp prst="textNoShape">
+              <a:avLst/>
+            </a:prstTxWarp>
+            <a:spAutoFit/>
+          </a:bodyPr>
+          <a:lstStyle/>
+          <a:p>
+            <a:pPr marL="0" marR="0" lvl="0" indent="0" algn="l" defTabSz="914400" rtl="0" eaLnBrk="0" fontAlgn="base" latinLnBrk="0" hangingPunct="0">
+              <a:lnSpc>
+                <a:spcPct val="100000"/>
+              </a:lnSpc>
+              <a:spcBef>
+                <a:spcPct val="0"/>
+              </a:spcBef>
+              <a:spcAft>
+                <a:spcPct val="0"/>
+              </a:spcAft>
+              <a:buClrTx/>
+              <a:buSzTx/>
+              <a:buFontTx/>
+              <a:buNone/>
+              <a:tabLst/>
+            </a:pPr>
+            <a:r>
+              <a:rPr kumimoji="0" lang="de-DE" altLang="de-DE" sz="1200" b="0" i="0" u="none" strike="noStrike" cap="none" normalizeH="0" baseline="0">
+                <a:ln>
+                  <a:noFill/>
+                </a:ln>
+                <a:solidFill>
+                  <a:srgbClr val="000000"/>
+                </a:solidFill>
+                <a:effectLst/>
+                <a:latin typeface="Courier New" panose="02070309020205020404" pitchFamily="49" charset="0"/>
+                <a:cs typeface="Courier New" panose="02070309020205020404" pitchFamily="49" charset="0"/>
+              </a:rPr>
+              <a:t>T_HC_1_amb=</a:t>
+            </a:r>
+            <a:r>
+              <a:rPr kumimoji="0" lang="de-DE" altLang="de-DE" sz="1200" b="0" i="0" u="none" strike="noStrike" cap="none" normalizeH="0" baseline="0">
+                <a:ln>
+                  <a:noFill/>
+                </a:ln>
+                <a:solidFill>
+                  <a:srgbClr val="8B008B"/>
+                </a:solidFill>
+                <a:effectLst/>
+                <a:latin typeface="Courier New" panose="02070309020205020404" pitchFamily="49" charset="0"/>
+                <a:cs typeface="Courier New" panose="02070309020205020404" pitchFamily="49" charset="0"/>
+              </a:rPr>
+              <a:t>273.15</a:t>
+            </a:r>
+            <a:r>
+              <a:rPr kumimoji="0" lang="de-DE" altLang="de-DE" sz="1200" b="0" i="0" u="none" strike="noStrike" cap="none" normalizeH="0" baseline="0">
+                <a:ln>
+                  <a:noFill/>
+                </a:ln>
+                <a:solidFill>
+                  <a:srgbClr val="000000"/>
+                </a:solidFill>
+                <a:effectLst/>
+                <a:latin typeface="Courier New" panose="02070309020205020404" pitchFamily="49" charset="0"/>
+                <a:cs typeface="Courier New" panose="02070309020205020404" pitchFamily="49" charset="0"/>
+              </a:rPr>
+              <a:t>-</a:t>
+            </a:r>
+            <a:r>
+              <a:rPr kumimoji="0" lang="de-DE" altLang="de-DE" sz="1200" b="0" i="0" u="none" strike="noStrike" cap="none" normalizeH="0" baseline="0">
+                <a:ln>
+                  <a:noFill/>
+                </a:ln>
+                <a:solidFill>
+                  <a:srgbClr val="8B008B"/>
+                </a:solidFill>
+                <a:effectLst/>
+                <a:latin typeface="Courier New" panose="02070309020205020404" pitchFamily="49" charset="0"/>
+                <a:cs typeface="Courier New" panose="02070309020205020404" pitchFamily="49" charset="0"/>
+              </a:rPr>
+              <a:t>20</a:t>
+            </a:r>
+            <a:r>
+              <a:rPr kumimoji="0" lang="de-DE" altLang="de-DE" sz="1200" b="0" i="0" u="none" strike="noStrike" cap="none" normalizeH="0" baseline="0">
+                <a:ln>
+                  <a:noFill/>
+                </a:ln>
+                <a:solidFill>
+                  <a:srgbClr val="000000"/>
+                </a:solidFill>
+                <a:effectLst/>
+                <a:latin typeface="Courier New" panose="02070309020205020404" pitchFamily="49" charset="0"/>
+                <a:cs typeface="Courier New" panose="02070309020205020404" pitchFamily="49" charset="0"/>
+              </a:rPr>
+              <a:t>,</a:t>
+            </a:r>
+            <a:r>
+              <a:rPr kumimoji="0" lang="de-DE" altLang="de-DE" sz="600" b="0" i="0" u="none" strike="noStrike" cap="none" normalizeH="0" baseline="0">
+                <a:ln>
+                  <a:noFill/>
+                </a:ln>
+                <a:solidFill>
+                  <a:schemeClr val="tx1"/>
+                </a:solidFill>
+                <a:effectLst/>
+              </a:rPr>
+              <a:t> </a:t>
+            </a:r>
+            <a:r>
+              <a:rPr kumimoji="0" lang="de-DE" altLang="de-DE" sz="1200" b="0" i="0" u="none" strike="noStrike" cap="none" normalizeH="0" baseline="0">
+                <a:ln>
+                  <a:noFill/>
+                </a:ln>
+                <a:solidFill>
+                  <a:srgbClr val="000000"/>
+                </a:solidFill>
+                <a:effectLst/>
+                <a:latin typeface="Courier New" panose="02070309020205020404" pitchFamily="49" charset="0"/>
+                <a:cs typeface="Courier New" panose="02070309020205020404" pitchFamily="49" charset="0"/>
+              </a:rPr>
+              <a:t>T_HC_1_sup=</a:t>
+            </a:r>
+            <a:r>
+              <a:rPr kumimoji="0" lang="de-DE" altLang="de-DE" sz="1200" b="0" i="0" u="none" strike="noStrike" cap="none" normalizeH="0" baseline="0">
+                <a:ln>
+                  <a:noFill/>
+                </a:ln>
+                <a:solidFill>
+                  <a:srgbClr val="8B008B"/>
+                </a:solidFill>
+                <a:effectLst/>
+                <a:latin typeface="Courier New" panose="02070309020205020404" pitchFamily="49" charset="0"/>
+                <a:cs typeface="Courier New" panose="02070309020205020404" pitchFamily="49" charset="0"/>
+              </a:rPr>
+              <a:t>273.15</a:t>
+            </a:r>
+            <a:r>
+              <a:rPr kumimoji="0" lang="de-DE" altLang="de-DE" sz="1200" b="0" i="0" u="none" strike="noStrike" cap="none" normalizeH="0" baseline="0">
+                <a:ln>
+                  <a:noFill/>
+                </a:ln>
+                <a:solidFill>
+                  <a:srgbClr val="000000"/>
+                </a:solidFill>
+                <a:effectLst/>
+                <a:latin typeface="Courier New" panose="02070309020205020404" pitchFamily="49" charset="0"/>
+                <a:cs typeface="Courier New" panose="02070309020205020404" pitchFamily="49" charset="0"/>
+              </a:rPr>
+              <a:t>+</a:t>
+            </a:r>
+            <a:r>
+              <a:rPr kumimoji="0" lang="de-DE" altLang="de-DE" sz="1200" b="0" i="0" u="none" strike="noStrike" cap="none" normalizeH="0" baseline="0">
+                <a:ln>
+                  <a:noFill/>
+                </a:ln>
+                <a:solidFill>
+                  <a:srgbClr val="8B008B"/>
+                </a:solidFill>
+                <a:effectLst/>
+                <a:latin typeface="Courier New" panose="02070309020205020404" pitchFamily="49" charset="0"/>
+                <a:cs typeface="Courier New" panose="02070309020205020404" pitchFamily="49" charset="0"/>
+              </a:rPr>
+              <a:t>70</a:t>
+            </a:r>
+            <a:r>
+              <a:rPr kumimoji="0" lang="de-DE" altLang="de-DE" sz="1200" b="0" i="0" u="none" strike="noStrike" cap="none" normalizeH="0" baseline="0">
+                <a:ln>
+                  <a:noFill/>
+                </a:ln>
+                <a:solidFill>
+                  <a:srgbClr val="000000"/>
+                </a:solidFill>
+                <a:effectLst/>
+                <a:latin typeface="Courier New" panose="02070309020205020404" pitchFamily="49" charset="0"/>
+                <a:cs typeface="Courier New" panose="02070309020205020404" pitchFamily="49" charset="0"/>
+              </a:rPr>
+              <a:t>,</a:t>
+            </a:r>
+            <a:r>
+              <a:rPr kumimoji="0" lang="de-DE" altLang="de-DE" sz="600" b="0" i="0" u="none" strike="noStrike" cap="none" normalizeH="0" baseline="0">
+                <a:ln>
+                  <a:noFill/>
+                </a:ln>
+                <a:solidFill>
+                  <a:schemeClr val="tx1"/>
+                </a:solidFill>
+                <a:effectLst/>
+              </a:rPr>
+              <a:t> </a:t>
+            </a:r>
+            <a:r>
+              <a:rPr kumimoji="0" lang="de-DE" altLang="de-DE" sz="1200" b="0" i="0" u="none" strike="noStrike" cap="none" normalizeH="0" baseline="0">
+                <a:ln>
+                  <a:noFill/>
+                </a:ln>
+                <a:solidFill>
+                  <a:srgbClr val="000000"/>
+                </a:solidFill>
+                <a:effectLst/>
+                <a:latin typeface="Courier New" panose="02070309020205020404" pitchFamily="49" charset="0"/>
+                <a:cs typeface="Courier New" panose="02070309020205020404" pitchFamily="49" charset="0"/>
+              </a:rPr>
+              <a:t>T_HC_2_amb=</a:t>
+            </a:r>
+            <a:r>
+              <a:rPr kumimoji="0" lang="de-DE" altLang="de-DE" sz="1200" b="0" i="0" u="none" strike="noStrike" cap="none" normalizeH="0" baseline="0">
+                <a:ln>
+                  <a:noFill/>
+                </a:ln>
+                <a:solidFill>
+                  <a:srgbClr val="8B008B"/>
+                </a:solidFill>
+                <a:effectLst/>
+                <a:latin typeface="Courier New" panose="02070309020205020404" pitchFamily="49" charset="0"/>
+                <a:cs typeface="Courier New" panose="02070309020205020404" pitchFamily="49" charset="0"/>
+              </a:rPr>
+              <a:t>273.15</a:t>
+            </a:r>
+            <a:r>
+              <a:rPr kumimoji="0" lang="de-DE" altLang="de-DE" sz="1200" b="0" i="0" u="none" strike="noStrike" cap="none" normalizeH="0" baseline="0">
+                <a:ln>
+                  <a:noFill/>
+                </a:ln>
+                <a:solidFill>
+                  <a:srgbClr val="000000"/>
+                </a:solidFill>
+                <a:effectLst/>
+                <a:latin typeface="Courier New" panose="02070309020205020404" pitchFamily="49" charset="0"/>
+                <a:cs typeface="Courier New" panose="02070309020205020404" pitchFamily="49" charset="0"/>
+              </a:rPr>
+              <a:t>+</a:t>
+            </a:r>
+            <a:r>
+              <a:rPr kumimoji="0" lang="de-DE" altLang="de-DE" sz="1200" b="0" i="0" u="none" strike="noStrike" cap="none" normalizeH="0" baseline="0">
+                <a:ln>
+                  <a:noFill/>
+                </a:ln>
+                <a:solidFill>
+                  <a:srgbClr val="8B008B"/>
+                </a:solidFill>
+                <a:effectLst/>
+                <a:latin typeface="Courier New" panose="02070309020205020404" pitchFamily="49" charset="0"/>
+                <a:cs typeface="Courier New" panose="02070309020205020404" pitchFamily="49" charset="0"/>
+              </a:rPr>
+              <a:t>20</a:t>
+            </a:r>
+            <a:r>
+              <a:rPr kumimoji="0" lang="de-DE" altLang="de-DE" sz="1200" b="0" i="0" u="none" strike="noStrike" cap="none" normalizeH="0" baseline="0">
+                <a:ln>
+                  <a:noFill/>
+                </a:ln>
+                <a:solidFill>
+                  <a:srgbClr val="000000"/>
+                </a:solidFill>
+                <a:effectLst/>
+                <a:latin typeface="Courier New" panose="02070309020205020404" pitchFamily="49" charset="0"/>
+                <a:cs typeface="Courier New" panose="02070309020205020404" pitchFamily="49" charset="0"/>
+              </a:rPr>
+              <a:t>,</a:t>
+            </a:r>
+            <a:r>
+              <a:rPr kumimoji="0" lang="de-DE" altLang="de-DE" sz="600" b="0" i="0" u="none" strike="noStrike" cap="none" normalizeH="0" baseline="0">
+                <a:ln>
+                  <a:noFill/>
+                </a:ln>
+                <a:solidFill>
+                  <a:schemeClr val="tx1"/>
+                </a:solidFill>
+                <a:effectLst/>
+              </a:rPr>
+              <a:t> </a:t>
+            </a:r>
+            <a:r>
+              <a:rPr kumimoji="0" lang="de-DE" altLang="de-DE" sz="1200" b="0" i="0" u="none" strike="noStrike" cap="none" normalizeH="0" baseline="0">
+                <a:ln>
+                  <a:noFill/>
+                </a:ln>
+                <a:solidFill>
+                  <a:srgbClr val="000000"/>
+                </a:solidFill>
+                <a:effectLst/>
+                <a:latin typeface="Courier New" panose="02070309020205020404" pitchFamily="49" charset="0"/>
+                <a:cs typeface="Courier New" panose="02070309020205020404" pitchFamily="49" charset="0"/>
+              </a:rPr>
+              <a:t>T_HC_2_sup=</a:t>
+            </a:r>
+            <a:r>
+              <a:rPr kumimoji="0" lang="de-DE" altLang="de-DE" sz="1200" b="0" i="0" u="none" strike="noStrike" cap="none" normalizeH="0" baseline="0">
+                <a:ln>
+                  <a:noFill/>
+                </a:ln>
+                <a:solidFill>
+                  <a:srgbClr val="8B008B"/>
+                </a:solidFill>
+                <a:effectLst/>
+                <a:latin typeface="Courier New" panose="02070309020205020404" pitchFamily="49" charset="0"/>
+                <a:cs typeface="Courier New" panose="02070309020205020404" pitchFamily="49" charset="0"/>
+              </a:rPr>
+              <a:t>273.15</a:t>
+            </a:r>
+            <a:r>
+              <a:rPr kumimoji="0" lang="de-DE" altLang="de-DE" sz="1200" b="0" i="0" u="none" strike="noStrike" cap="none" normalizeH="0" baseline="0">
+                <a:ln>
+                  <a:noFill/>
+                </a:ln>
+                <a:solidFill>
+                  <a:srgbClr val="000000"/>
+                </a:solidFill>
+                <a:effectLst/>
+                <a:latin typeface="Courier New" panose="02070309020205020404" pitchFamily="49" charset="0"/>
+                <a:cs typeface="Courier New" panose="02070309020205020404" pitchFamily="49" charset="0"/>
+              </a:rPr>
+              <a:t>+</a:t>
+            </a:r>
+            <a:r>
+              <a:rPr kumimoji="0" lang="de-DE" altLang="de-DE" sz="1200" b="0" i="0" u="none" strike="noStrike" cap="none" normalizeH="0" baseline="0">
+                <a:ln>
+                  <a:noFill/>
+                </a:ln>
+                <a:solidFill>
+                  <a:srgbClr val="8B008B"/>
+                </a:solidFill>
+                <a:effectLst/>
+                <a:latin typeface="Courier New" panose="02070309020205020404" pitchFamily="49" charset="0"/>
+                <a:cs typeface="Courier New" panose="02070309020205020404" pitchFamily="49" charset="0"/>
+              </a:rPr>
+              <a:t>20</a:t>
+            </a:r>
+            <a:r>
+              <a:rPr kumimoji="0" lang="de-DE" altLang="de-DE" sz="1200" b="0" i="0" u="none" strike="noStrike" cap="none" normalizeH="0" baseline="0">
+                <a:ln>
+                  <a:noFill/>
+                </a:ln>
+                <a:solidFill>
+                  <a:srgbClr val="000000"/>
+                </a:solidFill>
+                <a:effectLst/>
+                <a:latin typeface="Courier New" panose="02070309020205020404" pitchFamily="49" charset="0"/>
+                <a:cs typeface="Courier New" panose="02070309020205020404" pitchFamily="49" charset="0"/>
+              </a:rPr>
+              <a:t> </a:t>
+            </a:r>
+            <a:endParaRPr kumimoji="0" lang="de-DE" altLang="de-DE" sz="1800" b="0" i="0" u="none" strike="noStrike" cap="none" normalizeH="0" baseline="0">
+              <a:ln>
+                <a:noFill/>
+              </a:ln>
+              <a:solidFill>
+                <a:schemeClr val="tx1"/>
+              </a:solidFill>
+              <a:effectLst/>
+              <a:latin typeface="Arial" panose="020B0604020202020204" pitchFamily="34" charset="0"/>
+            </a:endParaRPr>
+          </a:p>
+        </p:txBody>
+      </p:sp>
     </p:spTree>
     <p:extLst>
       <p:ext uri="{BB962C8B-B14F-4D97-AF65-F5344CB8AC3E}">
@@ -15921,7 +18935,7 @@
 </p:sld>
 </file>
 
-<file path=ppt/slides/slide25.xml><?xml version="1.0" encoding="utf-8"?>
+<file path=ppt/slides/slide28.xml><?xml version="1.0" encoding="utf-8"?>
 <p:sld xmlns:a="http://schemas.openxmlformats.org/drawingml/2006/main" xmlns:r="http://schemas.openxmlformats.org/officeDocument/2006/relationships" xmlns:p="http://schemas.openxmlformats.org/presentationml/2006/main">
   <p:cSld>
     <p:spTree>
@@ -16141,7 +19155,7 @@
 </p:sld>
 </file>
 
-<file path=ppt/slides/slide26.xml><?xml version="1.0" encoding="utf-8"?>
+<file path=ppt/slides/slide29.xml><?xml version="1.0" encoding="utf-8"?>
 <p:sld xmlns:a="http://schemas.openxmlformats.org/drawingml/2006/main" xmlns:r="http://schemas.openxmlformats.org/officeDocument/2006/relationships" xmlns:p="http://schemas.openxmlformats.org/presentationml/2006/main">
   <p:cSld>
     <p:spTree>
@@ -16279,7 +19293,173 @@
 </p:sld>
 </file>
 
-<file path=ppt/slides/slide27.xml><?xml version="1.0" encoding="utf-8"?>
+<file path=ppt/slides/slide3.xml><?xml version="1.0" encoding="utf-8"?>
+<p:sld xmlns:a="http://schemas.openxmlformats.org/drawingml/2006/main" xmlns:r="http://schemas.openxmlformats.org/officeDocument/2006/relationships" xmlns:p="http://schemas.openxmlformats.org/presentationml/2006/main">
+  <p:cSld>
+    <p:spTree>
+      <p:nvGrpSpPr>
+        <p:cNvPr id="1" name=""/>
+        <p:cNvGrpSpPr/>
+        <p:nvPr/>
+      </p:nvGrpSpPr>
+      <p:grpSpPr>
+        <a:xfrm>
+          <a:off x="0" y="0"/>
+          <a:ext cx="0" cy="0"/>
+          <a:chOff x="0" y="0"/>
+          <a:chExt cx="0" cy="0"/>
+        </a:xfrm>
+      </p:grpSpPr>
+      <p:sp>
+        <p:nvSpPr>
+          <p:cNvPr id="2" name="Titel 1">
+            <a:extLst>
+              <a:ext uri="{FF2B5EF4-FFF2-40B4-BE49-F238E27FC236}">
+                <a16:creationId xmlns:a16="http://schemas.microsoft.com/office/drawing/2014/main" id="{3697EFB9-F062-3530-7F68-10E88B3A335F}"/>
+              </a:ext>
+            </a:extLst>
+          </p:cNvPr>
+          <p:cNvSpPr>
+            <a:spLocks noGrp="1"/>
+          </p:cNvSpPr>
+          <p:nvPr>
+            <p:ph type="title"/>
+          </p:nvPr>
+        </p:nvSpPr>
+        <p:spPr/>
+        <p:txBody>
+          <a:bodyPr/>
+          <a:lstStyle/>
+          <a:p>
+            <a:r>
+              <a:rPr lang="de-DE" dirty="0"/>
+              <a:t>Building stock in Germany</a:t>
+            </a:r>
+          </a:p>
+        </p:txBody>
+      </p:sp>
+      <p:sp>
+        <p:nvSpPr>
+          <p:cNvPr id="3" name="Inhaltsplatzhalter 2">
+            <a:extLst>
+              <a:ext uri="{FF2B5EF4-FFF2-40B4-BE49-F238E27FC236}">
+                <a16:creationId xmlns:a16="http://schemas.microsoft.com/office/drawing/2014/main" id="{7805FFC2-A383-EC5E-75EB-42379411EDC8}"/>
+              </a:ext>
+            </a:extLst>
+          </p:cNvPr>
+          <p:cNvSpPr>
+            <a:spLocks noGrp="1"/>
+          </p:cNvSpPr>
+          <p:nvPr>
+            <p:ph idx="1"/>
+          </p:nvPr>
+        </p:nvSpPr>
+        <p:spPr/>
+        <p:txBody>
+          <a:bodyPr/>
+          <a:lstStyle/>
+          <a:p>
+            <a:r>
+              <a:rPr lang="de-DE" dirty="0" err="1"/>
+              <a:t>Including</a:t>
+            </a:r>
+            <a:r>
+              <a:rPr lang="de-DE" dirty="0"/>
+              <a:t> GEG</a:t>
+            </a:r>
+          </a:p>
+          <a:p>
+            <a:r>
+              <a:rPr lang="de-DE" dirty="0"/>
+              <a:t>3 </a:t>
+            </a:r>
+            <a:r>
+              <a:rPr lang="de-DE" dirty="0" err="1"/>
+              <a:t>typical</a:t>
+            </a:r>
+            <a:r>
+              <a:rPr lang="de-DE" dirty="0"/>
+              <a:t> </a:t>
+            </a:r>
+            <a:r>
+              <a:rPr lang="de-DE" dirty="0" err="1"/>
+              <a:t>buildings</a:t>
+            </a:r>
+            <a:r>
+              <a:rPr lang="de-DE" dirty="0"/>
+              <a:t> (ABC) </a:t>
+            </a:r>
+            <a:r>
+              <a:rPr lang="de-DE" dirty="0" err="1"/>
+              <a:t>from</a:t>
+            </a:r>
+            <a:r>
+              <a:rPr lang="de-DE" dirty="0"/>
+              <a:t> Dena Gebäudereport 2024</a:t>
+            </a:r>
+          </a:p>
+        </p:txBody>
+      </p:sp>
+      <p:sp>
+        <p:nvSpPr>
+          <p:cNvPr id="4" name="Rectangle 3">
+            <a:extLst>
+              <a:ext uri="{FF2B5EF4-FFF2-40B4-BE49-F238E27FC236}">
+                <a16:creationId xmlns:a16="http://schemas.microsoft.com/office/drawing/2014/main" id="{BA4A5B71-D07B-0C50-2606-005360CEF828}"/>
+              </a:ext>
+            </a:extLst>
+          </p:cNvPr>
+          <p:cNvSpPr/>
+          <p:nvPr/>
+        </p:nvSpPr>
+        <p:spPr>
+          <a:xfrm>
+            <a:off x="8637493" y="568800"/>
+            <a:ext cx="2803307" cy="1424212"/>
+          </a:xfrm>
+          <a:prstGeom prst="rect">
+            <a:avLst/>
+          </a:prstGeom>
+        </p:spPr>
+        <p:style>
+          <a:lnRef idx="2">
+            <a:schemeClr val="accent2">
+              <a:shade val="15000"/>
+            </a:schemeClr>
+          </a:lnRef>
+          <a:fillRef idx="1">
+            <a:schemeClr val="accent2"/>
+          </a:fillRef>
+          <a:effectRef idx="0">
+            <a:schemeClr val="accent2"/>
+          </a:effectRef>
+          <a:fontRef idx="minor">
+            <a:schemeClr val="lt1"/>
+          </a:fontRef>
+        </p:style>
+        <p:txBody>
+          <a:bodyPr rtlCol="0" anchor="ctr"/>
+          <a:lstStyle/>
+          <a:p>
+            <a:pPr algn="ctr"/>
+            <a:endParaRPr lang="de-DE"/>
+          </a:p>
+        </p:txBody>
+      </p:sp>
+    </p:spTree>
+    <p:extLst>
+      <p:ext uri="{BB962C8B-B14F-4D97-AF65-F5344CB8AC3E}">
+        <p14:creationId xmlns:p14="http://schemas.microsoft.com/office/powerpoint/2010/main" val="909868188"/>
+      </p:ext>
+    </p:extLst>
+  </p:cSld>
+  <p:clrMapOvr>
+    <a:masterClrMapping/>
+  </p:clrMapOvr>
+</p:sld>
+</file>
+
+<file path=ppt/slides/slide30.xml><?xml version="1.0" encoding="utf-8"?>
 <p:sld xmlns:a="http://schemas.openxmlformats.org/drawingml/2006/main" xmlns:r="http://schemas.openxmlformats.org/officeDocument/2006/relationships" xmlns:p="http://schemas.openxmlformats.org/presentationml/2006/main">
   <p:cSld>
     <p:spTree>
@@ -16731,7 +19911,7 @@
 </p:sld>
 </file>
 
-<file path=ppt/slides/slide28.xml><?xml version="1.0" encoding="utf-8"?>
+<file path=ppt/slides/slide31.xml><?xml version="1.0" encoding="utf-8"?>
 <p:sld xmlns:a="http://schemas.openxmlformats.org/drawingml/2006/main" xmlns:r="http://schemas.openxmlformats.org/officeDocument/2006/relationships" xmlns:p="http://schemas.openxmlformats.org/presentationml/2006/main">
   <p:cSld>
     <p:spTree>
@@ -16811,7 +19991,7 @@
 </p:sld>
 </file>
 
-<file path=ppt/slides/slide29.xml><?xml version="1.0" encoding="utf-8"?>
+<file path=ppt/slides/slide32.xml><?xml version="1.0" encoding="utf-8"?>
 <p:sld xmlns:a="http://schemas.openxmlformats.org/drawingml/2006/main" xmlns:r="http://schemas.openxmlformats.org/officeDocument/2006/relationships" xmlns:p="http://schemas.openxmlformats.org/presentationml/2006/main">
   <p:cSld>
     <p:spTree>
@@ -16895,173 +20075,7 @@
 </p:sld>
 </file>
 
-<file path=ppt/slides/slide3.xml><?xml version="1.0" encoding="utf-8"?>
-<p:sld xmlns:a="http://schemas.openxmlformats.org/drawingml/2006/main" xmlns:r="http://schemas.openxmlformats.org/officeDocument/2006/relationships" xmlns:p="http://schemas.openxmlformats.org/presentationml/2006/main">
-  <p:cSld>
-    <p:spTree>
-      <p:nvGrpSpPr>
-        <p:cNvPr id="1" name=""/>
-        <p:cNvGrpSpPr/>
-        <p:nvPr/>
-      </p:nvGrpSpPr>
-      <p:grpSpPr>
-        <a:xfrm>
-          <a:off x="0" y="0"/>
-          <a:ext cx="0" cy="0"/>
-          <a:chOff x="0" y="0"/>
-          <a:chExt cx="0" cy="0"/>
-        </a:xfrm>
-      </p:grpSpPr>
-      <p:sp>
-        <p:nvSpPr>
-          <p:cNvPr id="2" name="Titel 1">
-            <a:extLst>
-              <a:ext uri="{FF2B5EF4-FFF2-40B4-BE49-F238E27FC236}">
-                <a16:creationId xmlns:a16="http://schemas.microsoft.com/office/drawing/2014/main" id="{3697EFB9-F062-3530-7F68-10E88B3A335F}"/>
-              </a:ext>
-            </a:extLst>
-          </p:cNvPr>
-          <p:cNvSpPr>
-            <a:spLocks noGrp="1"/>
-          </p:cNvSpPr>
-          <p:nvPr>
-            <p:ph type="title"/>
-          </p:nvPr>
-        </p:nvSpPr>
-        <p:spPr/>
-        <p:txBody>
-          <a:bodyPr/>
-          <a:lstStyle/>
-          <a:p>
-            <a:r>
-              <a:rPr lang="de-DE" dirty="0"/>
-              <a:t>Building stock in Germany</a:t>
-            </a:r>
-          </a:p>
-        </p:txBody>
-      </p:sp>
-      <p:sp>
-        <p:nvSpPr>
-          <p:cNvPr id="3" name="Inhaltsplatzhalter 2">
-            <a:extLst>
-              <a:ext uri="{FF2B5EF4-FFF2-40B4-BE49-F238E27FC236}">
-                <a16:creationId xmlns:a16="http://schemas.microsoft.com/office/drawing/2014/main" id="{7805FFC2-A383-EC5E-75EB-42379411EDC8}"/>
-              </a:ext>
-            </a:extLst>
-          </p:cNvPr>
-          <p:cNvSpPr>
-            <a:spLocks noGrp="1"/>
-          </p:cNvSpPr>
-          <p:nvPr>
-            <p:ph idx="1"/>
-          </p:nvPr>
-        </p:nvSpPr>
-        <p:spPr/>
-        <p:txBody>
-          <a:bodyPr/>
-          <a:lstStyle/>
-          <a:p>
-            <a:r>
-              <a:rPr lang="de-DE" dirty="0" err="1"/>
-              <a:t>Including</a:t>
-            </a:r>
-            <a:r>
-              <a:rPr lang="de-DE" dirty="0"/>
-              <a:t> GEG</a:t>
-            </a:r>
-          </a:p>
-          <a:p>
-            <a:r>
-              <a:rPr lang="de-DE" dirty="0"/>
-              <a:t>3 </a:t>
-            </a:r>
-            <a:r>
-              <a:rPr lang="de-DE" dirty="0" err="1"/>
-              <a:t>typical</a:t>
-            </a:r>
-            <a:r>
-              <a:rPr lang="de-DE" dirty="0"/>
-              <a:t> </a:t>
-            </a:r>
-            <a:r>
-              <a:rPr lang="de-DE" dirty="0" err="1"/>
-              <a:t>buildings</a:t>
-            </a:r>
-            <a:r>
-              <a:rPr lang="de-DE" dirty="0"/>
-              <a:t> (ABC) </a:t>
-            </a:r>
-            <a:r>
-              <a:rPr lang="de-DE" dirty="0" err="1"/>
-              <a:t>from</a:t>
-            </a:r>
-            <a:r>
-              <a:rPr lang="de-DE" dirty="0"/>
-              <a:t> Dena Gebäudereport 2024</a:t>
-            </a:r>
-          </a:p>
-        </p:txBody>
-      </p:sp>
-      <p:sp>
-        <p:nvSpPr>
-          <p:cNvPr id="4" name="Rectangle 3">
-            <a:extLst>
-              <a:ext uri="{FF2B5EF4-FFF2-40B4-BE49-F238E27FC236}">
-                <a16:creationId xmlns:a16="http://schemas.microsoft.com/office/drawing/2014/main" id="{BA4A5B71-D07B-0C50-2606-005360CEF828}"/>
-              </a:ext>
-            </a:extLst>
-          </p:cNvPr>
-          <p:cNvSpPr/>
-          <p:nvPr/>
-        </p:nvSpPr>
-        <p:spPr>
-          <a:xfrm>
-            <a:off x="8637493" y="568800"/>
-            <a:ext cx="2803307" cy="1424212"/>
-          </a:xfrm>
-          <a:prstGeom prst="rect">
-            <a:avLst/>
-          </a:prstGeom>
-        </p:spPr>
-        <p:style>
-          <a:lnRef idx="2">
-            <a:schemeClr val="accent2">
-              <a:shade val="15000"/>
-            </a:schemeClr>
-          </a:lnRef>
-          <a:fillRef idx="1">
-            <a:schemeClr val="accent2"/>
-          </a:fillRef>
-          <a:effectRef idx="0">
-            <a:schemeClr val="accent2"/>
-          </a:effectRef>
-          <a:fontRef idx="minor">
-            <a:schemeClr val="lt1"/>
-          </a:fontRef>
-        </p:style>
-        <p:txBody>
-          <a:bodyPr rtlCol="0" anchor="ctr"/>
-          <a:lstStyle/>
-          <a:p>
-            <a:pPr algn="ctr"/>
-            <a:endParaRPr lang="de-DE"/>
-          </a:p>
-        </p:txBody>
-      </p:sp>
-    </p:spTree>
-    <p:extLst>
-      <p:ext uri="{BB962C8B-B14F-4D97-AF65-F5344CB8AC3E}">
-        <p14:creationId xmlns:p14="http://schemas.microsoft.com/office/powerpoint/2010/main" val="909868188"/>
-      </p:ext>
-    </p:extLst>
-  </p:cSld>
-  <p:clrMapOvr>
-    <a:masterClrMapping/>
-  </p:clrMapOvr>
-</p:sld>
-</file>
-
-<file path=ppt/slides/slide30.xml><?xml version="1.0" encoding="utf-8"?>
+<file path=ppt/slides/slide33.xml><?xml version="1.0" encoding="utf-8"?>
 <p:sld xmlns:a="http://schemas.openxmlformats.org/drawingml/2006/main" xmlns:r="http://schemas.openxmlformats.org/officeDocument/2006/relationships" xmlns:p="http://schemas.openxmlformats.org/presentationml/2006/main">
   <p:cSld>
     <p:spTree>
@@ -17164,7 +20178,7 @@
 </p:sld>
 </file>
 
-<file path=ppt/slides/slide31.xml><?xml version="1.0" encoding="utf-8"?>
+<file path=ppt/slides/slide34.xml><?xml version="1.0" encoding="utf-8"?>
 <p:sld xmlns:a="http://schemas.openxmlformats.org/drawingml/2006/main" xmlns:r="http://schemas.openxmlformats.org/officeDocument/2006/relationships" xmlns:p="http://schemas.openxmlformats.org/presentationml/2006/main">
   <p:cSld>
     <p:spTree>
@@ -17276,7 +20290,7 @@
 </p:sld>
 </file>
 
-<file path=ppt/slides/slide32.xml><?xml version="1.0" encoding="utf-8"?>
+<file path=ppt/slides/slide35.xml><?xml version="1.0" encoding="utf-8"?>
 <p:sld xmlns:a="http://schemas.openxmlformats.org/drawingml/2006/main" xmlns:r="http://schemas.openxmlformats.org/officeDocument/2006/relationships" xmlns:p="http://schemas.openxmlformats.org/presentationml/2006/main">
   <p:cSld>
     <p:spTree>
@@ -17383,7 +20397,7 @@
 </p:sld>
 </file>
 
-<file path=ppt/slides/slide33.xml><?xml version="1.0" encoding="utf-8"?>
+<file path=ppt/slides/slide36.xml><?xml version="1.0" encoding="utf-8"?>
 <p:sld xmlns:a="http://schemas.openxmlformats.org/drawingml/2006/main" xmlns:r="http://schemas.openxmlformats.org/officeDocument/2006/relationships" xmlns:p="http://schemas.openxmlformats.org/presentationml/2006/main">
   <p:cSld>
     <p:spTree>
@@ -17498,7 +20512,7 @@
 </p:sld>
 </file>
 
-<file path=ppt/slides/slide34.xml><?xml version="1.0" encoding="utf-8"?>
+<file path=ppt/slides/slide37.xml><?xml version="1.0" encoding="utf-8"?>
 <p:sld xmlns:a="http://schemas.openxmlformats.org/drawingml/2006/main" xmlns:r="http://schemas.openxmlformats.org/officeDocument/2006/relationships" xmlns:p="http://schemas.openxmlformats.org/presentationml/2006/main">
   <p:cSld>
     <p:spTree>

--- a/presentation/heat.pptx
+++ b/presentation/heat.pptx
@@ -233,7 +233,7 @@
           <a:p>
             <a:fld id="{286B95F3-0557-304F-A425-74B74408DC2F}" type="datetimeFigureOut">
               <a:rPr lang="de-DE" smtClean="0"/>
-              <a:t>26.06.2025</a:t>
+              <a:t>27.06.2025</a:t>
             </a:fld>
             <a:endParaRPr lang="de-DE"/>
           </a:p>
@@ -1250,7 +1250,7 @@
           <a:p>
             <a:fld id="{04AD105E-1681-4427-A2A6-BE19936FDE9F}" type="datetimeFigureOut">
               <a:rPr lang="de-DE" smtClean="0"/>
-              <a:t>26.06.2025</a:t>
+              <a:t>27.06.2025</a:t>
             </a:fld>
             <a:endParaRPr lang="de-DE"/>
           </a:p>
@@ -1448,7 +1448,7 @@
           <a:p>
             <a:fld id="{04AD105E-1681-4427-A2A6-BE19936FDE9F}" type="datetimeFigureOut">
               <a:rPr lang="de-DE" smtClean="0"/>
-              <a:t>26.06.2025</a:t>
+              <a:t>27.06.2025</a:t>
             </a:fld>
             <a:endParaRPr lang="de-DE"/>
           </a:p>
@@ -1656,7 +1656,7 @@
           <a:p>
             <a:fld id="{04AD105E-1681-4427-A2A6-BE19936FDE9F}" type="datetimeFigureOut">
               <a:rPr lang="de-DE" smtClean="0"/>
-              <a:t>26.06.2025</a:t>
+              <a:t>27.06.2025</a:t>
             </a:fld>
             <a:endParaRPr lang="de-DE"/>
           </a:p>
@@ -1854,7 +1854,7 @@
           <a:p>
             <a:fld id="{04AD105E-1681-4427-A2A6-BE19936FDE9F}" type="datetimeFigureOut">
               <a:rPr lang="de-DE" smtClean="0"/>
-              <a:t>26.06.2025</a:t>
+              <a:t>27.06.2025</a:t>
             </a:fld>
             <a:endParaRPr lang="de-DE"/>
           </a:p>
@@ -2129,7 +2129,7 @@
           <a:p>
             <a:fld id="{04AD105E-1681-4427-A2A6-BE19936FDE9F}" type="datetimeFigureOut">
               <a:rPr lang="de-DE" smtClean="0"/>
-              <a:t>26.06.2025</a:t>
+              <a:t>27.06.2025</a:t>
             </a:fld>
             <a:endParaRPr lang="de-DE"/>
           </a:p>
@@ -2394,7 +2394,7 @@
           <a:p>
             <a:fld id="{04AD105E-1681-4427-A2A6-BE19936FDE9F}" type="datetimeFigureOut">
               <a:rPr lang="de-DE" smtClean="0"/>
-              <a:t>26.06.2025</a:t>
+              <a:t>27.06.2025</a:t>
             </a:fld>
             <a:endParaRPr lang="de-DE"/>
           </a:p>
@@ -2806,7 +2806,7 @@
           <a:p>
             <a:fld id="{04AD105E-1681-4427-A2A6-BE19936FDE9F}" type="datetimeFigureOut">
               <a:rPr lang="de-DE" smtClean="0"/>
-              <a:t>26.06.2025</a:t>
+              <a:t>27.06.2025</a:t>
             </a:fld>
             <a:endParaRPr lang="de-DE"/>
           </a:p>
@@ -2947,7 +2947,7 @@
           <a:p>
             <a:fld id="{04AD105E-1681-4427-A2A6-BE19936FDE9F}" type="datetimeFigureOut">
               <a:rPr lang="de-DE" smtClean="0"/>
-              <a:t>26.06.2025</a:t>
+              <a:t>27.06.2025</a:t>
             </a:fld>
             <a:endParaRPr lang="de-DE"/>
           </a:p>
@@ -3060,7 +3060,7 @@
           <a:p>
             <a:fld id="{04AD105E-1681-4427-A2A6-BE19936FDE9F}" type="datetimeFigureOut">
               <a:rPr lang="de-DE" smtClean="0"/>
-              <a:t>26.06.2025</a:t>
+              <a:t>27.06.2025</a:t>
             </a:fld>
             <a:endParaRPr lang="de-DE"/>
           </a:p>
@@ -3371,7 +3371,7 @@
           <a:p>
             <a:fld id="{04AD105E-1681-4427-A2A6-BE19936FDE9F}" type="datetimeFigureOut">
               <a:rPr lang="de-DE" smtClean="0"/>
-              <a:t>26.06.2025</a:t>
+              <a:t>27.06.2025</a:t>
             </a:fld>
             <a:endParaRPr lang="de-DE"/>
           </a:p>
@@ -3659,7 +3659,7 @@
           <a:p>
             <a:fld id="{04AD105E-1681-4427-A2A6-BE19936FDE9F}" type="datetimeFigureOut">
               <a:rPr lang="de-DE" smtClean="0"/>
-              <a:t>26.06.2025</a:t>
+              <a:t>27.06.2025</a:t>
             </a:fld>
             <a:endParaRPr lang="de-DE"/>
           </a:p>
@@ -3900,7 +3900,7 @@
           <a:p>
             <a:fld id="{04AD105E-1681-4427-A2A6-BE19936FDE9F}" type="datetimeFigureOut">
               <a:rPr lang="de-DE" smtClean="0"/>
-              <a:t>26.06.2025</a:t>
+              <a:t>27.06.2025</a:t>
             </a:fld>
             <a:endParaRPr lang="de-DE"/>
           </a:p>
@@ -15375,36 +15375,6 @@
           </a:prstGeom>
         </p:spPr>
       </p:pic>
-      <p:pic>
-        <p:nvPicPr>
-          <p:cNvPr id="17" name="Picture 16">
-            <a:extLst>
-              <a:ext uri="{FF2B5EF4-FFF2-40B4-BE49-F238E27FC236}">
-                <a16:creationId xmlns:a16="http://schemas.microsoft.com/office/drawing/2014/main" id="{6CB2C8CF-AD19-402A-DD32-0A34417E9B0E}"/>
-              </a:ext>
-            </a:extLst>
-          </p:cNvPr>
-          <p:cNvPicPr>
-            <a:picLocks noChangeAspect="1"/>
-          </p:cNvPicPr>
-          <p:nvPr/>
-        </p:nvPicPr>
-        <p:blipFill>
-          <a:blip r:embed="rId3"/>
-          <a:stretch>
-            <a:fillRect/>
-          </a:stretch>
-        </p:blipFill>
-        <p:spPr>
-          <a:xfrm>
-            <a:off x="3198718" y="1993012"/>
-            <a:ext cx="5438775" cy="3933825"/>
-          </a:xfrm>
-          <a:prstGeom prst="rect">
-            <a:avLst/>
-          </a:prstGeom>
-        </p:spPr>
-      </p:pic>
       <p:sp>
         <p:nvSpPr>
           <p:cNvPr id="18" name="TextBox 17">
@@ -15419,8 +15389,8 @@
         </p:nvSpPr>
         <p:spPr>
           <a:xfrm>
-            <a:off x="986400" y="5813425"/>
-            <a:ext cx="10219200" cy="369332"/>
+            <a:off x="986400" y="5812146"/>
+            <a:ext cx="10219200" cy="954107"/>
           </a:xfrm>
           <a:prstGeom prst="rect">
             <a:avLst/>
@@ -15433,99 +15403,281 @@
           </a:bodyPr>
           <a:lstStyle/>
           <a:p>
-            <a:r>
-              <a:rPr lang="de-DE" dirty="0" err="1"/>
+            <a:pPr marL="285750" indent="-285750">
+              <a:buFont typeface="Arial" panose="020B0604020202020204" pitchFamily="34" charset="0"/>
+              <a:buChar char="•"/>
+            </a:pPr>
+            <a:r>
+              <a:rPr lang="de-DE" sz="1400" dirty="0" err="1"/>
               <a:t>Make</a:t>
             </a:r>
             <a:r>
-              <a:rPr lang="de-DE" dirty="0"/>
-              <a:t> </a:t>
-            </a:r>
-            <a:r>
-              <a:rPr lang="de-DE" dirty="0" err="1"/>
+              <a:rPr lang="de-DE" sz="1400" dirty="0"/>
+              <a:t> </a:t>
+            </a:r>
+            <a:r>
+              <a:rPr lang="de-DE" sz="1400" dirty="0" err="1"/>
               <a:t>the</a:t>
             </a:r>
             <a:r>
-              <a:rPr lang="de-DE" dirty="0"/>
-              <a:t> </a:t>
-            </a:r>
-            <a:r>
-              <a:rPr lang="de-DE" dirty="0" err="1"/>
+              <a:rPr lang="de-DE" sz="1400" dirty="0"/>
+              <a:t> </a:t>
+            </a:r>
+            <a:r>
+              <a:rPr lang="de-DE" sz="1400" dirty="0" err="1"/>
               <a:t>equations</a:t>
             </a:r>
             <a:r>
-              <a:rPr lang="de-DE" dirty="0"/>
-              <a:t> </a:t>
-            </a:r>
-            <a:r>
-              <a:rPr lang="de-DE" dirty="0" err="1"/>
+              <a:rPr lang="de-DE" sz="1400" dirty="0"/>
+              <a:t> </a:t>
+            </a:r>
+            <a:r>
+              <a:rPr lang="de-DE" sz="1400" dirty="0" err="1"/>
               <a:t>look</a:t>
             </a:r>
             <a:r>
-              <a:rPr lang="de-DE" dirty="0"/>
-              <a:t> nice, 200 </a:t>
-            </a:r>
-            <a:r>
-              <a:rPr lang="de-DE" dirty="0" err="1"/>
+              <a:rPr lang="de-DE" sz="1400" dirty="0"/>
+              <a:t> nice, </a:t>
+            </a:r>
+            <a:r>
+              <a:rPr lang="de-DE" sz="1400" dirty="0" err="1"/>
+              <a:t>floor</a:t>
+            </a:r>
+            <a:r>
+              <a:rPr lang="de-DE" sz="1400" dirty="0"/>
+              <a:t> </a:t>
+            </a:r>
+            <a:r>
+              <a:rPr lang="de-DE" sz="1400" dirty="0" err="1"/>
+              <a:t>area</a:t>
+            </a:r>
+            <a:r>
+              <a:rPr lang="de-DE" sz="1400" dirty="0"/>
+              <a:t> not </a:t>
+            </a:r>
+            <a:r>
+              <a:rPr lang="de-DE" sz="1400" dirty="0" err="1"/>
+              <a:t>equal</a:t>
+            </a:r>
+            <a:r>
+              <a:rPr lang="de-DE" sz="1400" dirty="0"/>
+              <a:t> </a:t>
+            </a:r>
+            <a:r>
+              <a:rPr lang="de-DE" sz="1400" dirty="0" err="1"/>
+              <a:t>ground</a:t>
+            </a:r>
+            <a:r>
+              <a:rPr lang="de-DE" sz="1400" dirty="0"/>
+              <a:t> </a:t>
+            </a:r>
+            <a:r>
+              <a:rPr lang="de-DE" sz="1400" dirty="0" err="1"/>
+              <a:t>area</a:t>
+            </a:r>
+            <a:endParaRPr lang="de-DE" sz="1400" dirty="0"/>
+          </a:p>
+          <a:p>
+            <a:pPr marL="285750" indent="-285750">
+              <a:buFont typeface="Arial" panose="020B0604020202020204" pitchFamily="34" charset="0"/>
+              <a:buChar char="•"/>
+            </a:pPr>
+            <a:r>
+              <a:rPr lang="de-DE" sz="1400" dirty="0"/>
+              <a:t>Heat </a:t>
+            </a:r>
+            <a:r>
+              <a:rPr lang="de-DE" sz="1400" dirty="0" err="1"/>
+              <a:t>gains</a:t>
+            </a:r>
+            <a:r>
+              <a:rPr lang="de-DE" sz="1400" dirty="0"/>
+              <a:t> and </a:t>
+            </a:r>
+            <a:r>
+              <a:rPr lang="de-DE" sz="1400" dirty="0" err="1"/>
+              <a:t>losses</a:t>
+            </a:r>
+            <a:r>
+              <a:rPr lang="de-DE" sz="1400" dirty="0"/>
+              <a:t> </a:t>
+            </a:r>
+            <a:r>
+              <a:rPr lang="de-DE" sz="1400" dirty="0" err="1"/>
+              <a:t>are</a:t>
+            </a:r>
+            <a:r>
+              <a:rPr lang="de-DE" sz="1400" dirty="0"/>
+              <a:t> </a:t>
+            </a:r>
+            <a:r>
+              <a:rPr lang="de-DE" sz="1400" dirty="0" err="1"/>
+              <a:t>equal</a:t>
+            </a:r>
+            <a:r>
+              <a:rPr lang="de-DE" sz="1400" dirty="0"/>
+              <a:t>, </a:t>
+            </a:r>
+            <a:r>
+              <a:rPr lang="de-DE" sz="1400" dirty="0" err="1"/>
+              <a:t>conservation</a:t>
+            </a:r>
+            <a:r>
+              <a:rPr lang="de-DE" sz="1400" dirty="0"/>
+              <a:t> </a:t>
+            </a:r>
+            <a:r>
+              <a:rPr lang="de-DE" sz="1400" dirty="0" err="1"/>
+              <a:t>of</a:t>
+            </a:r>
+            <a:r>
+              <a:rPr lang="de-DE" sz="1400" dirty="0"/>
+              <a:t> </a:t>
+            </a:r>
+            <a:r>
+              <a:rPr lang="de-DE" sz="1400" dirty="0" err="1"/>
+              <a:t>energy</a:t>
+            </a:r>
+            <a:r>
+              <a:rPr lang="de-DE" sz="1400" dirty="0"/>
+              <a:t> </a:t>
+            </a:r>
+            <a:r>
+              <a:rPr lang="de-DE" sz="1400" dirty="0" err="1"/>
+              <a:t>or</a:t>
+            </a:r>
+            <a:r>
+              <a:rPr lang="de-DE" sz="1400" dirty="0"/>
+              <a:t> </a:t>
+            </a:r>
+            <a:r>
+              <a:rPr lang="de-DE" sz="1400" dirty="0" err="1"/>
+              <a:t>som</a:t>
+            </a:r>
+            <a:endParaRPr lang="de-DE" sz="1400" dirty="0"/>
+          </a:p>
+          <a:p>
+            <a:pPr marL="285750" indent="-285750">
+              <a:buFont typeface="Arial" panose="020B0604020202020204" pitchFamily="34" charset="0"/>
+              <a:buChar char="•"/>
+            </a:pPr>
+            <a:r>
+              <a:rPr lang="de-DE" sz="1400" dirty="0">
+                <a:sym typeface="Wingdings" panose="05000000000000000000" pitchFamily="2" charset="2"/>
+              </a:rPr>
+              <a:t> 70.8 / COP = </a:t>
+            </a:r>
+            <a:r>
+              <a:rPr lang="de-DE" sz="1400" dirty="0" err="1">
+                <a:sym typeface="Wingdings" panose="05000000000000000000" pitchFamily="2" charset="2"/>
+              </a:rPr>
+              <a:t>the</a:t>
+            </a:r>
+            <a:r>
+              <a:rPr lang="de-DE" sz="1400" dirty="0">
+                <a:sym typeface="Wingdings" panose="05000000000000000000" pitchFamily="2" charset="2"/>
+              </a:rPr>
+              <a:t> </a:t>
+            </a:r>
+            <a:r>
+              <a:rPr lang="de-DE" sz="1400" dirty="0" err="1">
+                <a:sym typeface="Wingdings" panose="05000000000000000000" pitchFamily="2" charset="2"/>
+              </a:rPr>
+              <a:t>electricity</a:t>
+            </a:r>
+            <a:r>
+              <a:rPr lang="de-DE" sz="1400" dirty="0">
+                <a:sym typeface="Wingdings" panose="05000000000000000000" pitchFamily="2" charset="2"/>
+              </a:rPr>
+              <a:t> </a:t>
+            </a:r>
+            <a:r>
+              <a:rPr lang="de-DE" sz="1400" dirty="0" err="1">
+                <a:sym typeface="Wingdings" panose="05000000000000000000" pitchFamily="2" charset="2"/>
+              </a:rPr>
+              <a:t>the</a:t>
+            </a:r>
+            <a:r>
+              <a:rPr lang="de-DE" sz="1400" dirty="0">
+                <a:sym typeface="Wingdings" panose="05000000000000000000" pitchFamily="2" charset="2"/>
+              </a:rPr>
+              <a:t> </a:t>
+            </a:r>
+            <a:r>
+              <a:rPr lang="de-DE" sz="1400" dirty="0" err="1">
+                <a:sym typeface="Wingdings" panose="05000000000000000000" pitchFamily="2" charset="2"/>
+              </a:rPr>
+              <a:t>heat</a:t>
+            </a:r>
+            <a:r>
+              <a:rPr lang="de-DE" sz="1400" dirty="0">
+                <a:sym typeface="Wingdings" panose="05000000000000000000" pitchFamily="2" charset="2"/>
+              </a:rPr>
+              <a:t> pump </a:t>
+            </a:r>
+            <a:r>
+              <a:rPr lang="de-DE" sz="1400" dirty="0" err="1">
+                <a:sym typeface="Wingdings" panose="05000000000000000000" pitchFamily="2" charset="2"/>
+              </a:rPr>
+              <a:t>consumed</a:t>
+            </a:r>
+            <a:r>
+              <a:rPr lang="de-DE" sz="1400" dirty="0">
+                <a:sym typeface="Wingdings" panose="05000000000000000000" pitchFamily="2" charset="2"/>
+              </a:rPr>
+              <a:t>. </a:t>
+            </a:r>
+            <a:endParaRPr lang="de-DE" sz="1400" dirty="0"/>
+          </a:p>
+          <a:p>
+            <a:pPr marL="285750" indent="-285750">
+              <a:buFont typeface="Arial" panose="020B0604020202020204" pitchFamily="34" charset="0"/>
+              <a:buChar char="•"/>
+            </a:pPr>
+            <a:r>
+              <a:rPr lang="de-DE" sz="1400" dirty="0"/>
+              <a:t>„</a:t>
+            </a:r>
+            <a:r>
+              <a:rPr lang="de-DE" sz="1400" dirty="0" err="1"/>
+              <a:t>Heating</a:t>
+            </a:r>
+            <a:r>
+              <a:rPr lang="de-DE" sz="1400" dirty="0"/>
+              <a:t> </a:t>
+            </a:r>
+            <a:r>
+              <a:rPr lang="de-DE" sz="1400" dirty="0" err="1"/>
+              <a:t>period</a:t>
+            </a:r>
+            <a:r>
+              <a:rPr lang="de-DE" sz="1400" dirty="0"/>
+              <a:t>“ </a:t>
+            </a:r>
+            <a:r>
+              <a:rPr lang="de-DE" sz="1400" dirty="0" err="1"/>
+              <a:t>Oct</a:t>
+            </a:r>
+            <a:r>
+              <a:rPr lang="de-DE" sz="1400" dirty="0"/>
+              <a:t> 1 </a:t>
+            </a:r>
+            <a:r>
+              <a:rPr lang="de-DE" sz="1400" dirty="0" err="1"/>
+              <a:t>to</a:t>
+            </a:r>
+            <a:r>
+              <a:rPr lang="de-DE" sz="1400" dirty="0"/>
+              <a:t> Apr 30 = 200 </a:t>
+            </a:r>
+            <a:r>
+              <a:rPr lang="de-DE" sz="1400" dirty="0" err="1"/>
               <a:t>days</a:t>
             </a:r>
             <a:r>
-              <a:rPr lang="de-DE" dirty="0"/>
-              <a:t> </a:t>
-            </a:r>
-            <a:r>
-              <a:rPr lang="de-DE" dirty="0" err="1"/>
-              <a:t>heating</a:t>
-            </a:r>
-            <a:r>
-              <a:rPr lang="de-DE" dirty="0"/>
-              <a:t> </a:t>
-            </a:r>
-            <a:r>
-              <a:rPr lang="de-DE" dirty="0" err="1"/>
-              <a:t>period</a:t>
-            </a:r>
-            <a:r>
-              <a:rPr lang="de-DE" dirty="0"/>
-              <a:t>, </a:t>
-            </a:r>
-            <a:r>
-              <a:rPr lang="de-DE" dirty="0" err="1"/>
-              <a:t>floor</a:t>
-            </a:r>
-            <a:r>
-              <a:rPr lang="de-DE" dirty="0"/>
-              <a:t> </a:t>
-            </a:r>
-            <a:r>
-              <a:rPr lang="de-DE" dirty="0" err="1"/>
-              <a:t>area</a:t>
-            </a:r>
-            <a:r>
-              <a:rPr lang="de-DE" dirty="0"/>
-              <a:t> not </a:t>
-            </a:r>
-            <a:r>
-              <a:rPr lang="de-DE" dirty="0" err="1"/>
-              <a:t>equal</a:t>
-            </a:r>
-            <a:r>
-              <a:rPr lang="de-DE" dirty="0"/>
-              <a:t> </a:t>
-            </a:r>
-            <a:r>
-              <a:rPr lang="de-DE" dirty="0" err="1"/>
-              <a:t>ground</a:t>
-            </a:r>
-            <a:r>
-              <a:rPr lang="de-DE" dirty="0"/>
-              <a:t> </a:t>
-            </a:r>
-            <a:r>
-              <a:rPr lang="de-DE" dirty="0" err="1"/>
-              <a:t>area</a:t>
-            </a:r>
-            <a:endParaRPr lang="de-DE" dirty="0"/>
+              <a:rPr lang="de-DE" sz="1400" dirty="0"/>
+              <a:t>. </a:t>
+            </a:r>
           </a:p>
         </p:txBody>
       </p:sp>
@@ -15575,6 +15727,36 @@
           </a:p>
         </p:txBody>
       </p:sp>
+      <p:pic>
+        <p:nvPicPr>
+          <p:cNvPr id="3" name="Picture 2">
+            <a:extLst>
+              <a:ext uri="{FF2B5EF4-FFF2-40B4-BE49-F238E27FC236}">
+                <a16:creationId xmlns:a16="http://schemas.microsoft.com/office/drawing/2014/main" id="{5F4745F3-8C8D-B411-AF46-2CC20F46CB4D}"/>
+              </a:ext>
+            </a:extLst>
+          </p:cNvPr>
+          <p:cNvPicPr>
+            <a:picLocks noChangeAspect="1"/>
+          </p:cNvPicPr>
+          <p:nvPr/>
+        </p:nvPicPr>
+        <p:blipFill>
+          <a:blip r:embed="rId3"/>
+          <a:stretch>
+            <a:fillRect/>
+          </a:stretch>
+        </p:blipFill>
+        <p:spPr>
+          <a:xfrm>
+            <a:off x="6509625" y="1993012"/>
+            <a:ext cx="5362575" cy="3962400"/>
+          </a:xfrm>
+          <a:prstGeom prst="rect">
+            <a:avLst/>
+          </a:prstGeom>
+        </p:spPr>
+      </p:pic>
     </p:spTree>
     <p:extLst>
       <p:ext uri="{BB962C8B-B14F-4D97-AF65-F5344CB8AC3E}">
@@ -16418,7 +16600,7 @@
         </p:blipFill>
         <p:spPr>
           <a:xfrm>
-            <a:off x="3309807" y="2992749"/>
+            <a:off x="3345807" y="2992749"/>
             <a:ext cx="4617393" cy="3319151"/>
           </a:xfrm>
           <a:prstGeom prst="rect">
@@ -17275,7 +17457,7 @@
         </p:spPr>
         <p:txBody>
           <a:bodyPr vert="horz" lIns="91440" tIns="45720" rIns="91440" bIns="45720" rtlCol="0">
-            <a:normAutofit fontScale="92500" lnSpcReduction="20000"/>
+            <a:normAutofit/>
           </a:bodyPr>
           <a:lstStyle>
             <a:lvl1pPr marL="228600" indent="-228600" algn="l" defTabSz="914400" rtl="0" eaLnBrk="1" latinLnBrk="0" hangingPunct="1">
@@ -17473,56 +17655,10 @@
             <a:endParaRPr lang="de-DE" dirty="0"/>
           </a:p>
           <a:p>
+            <a:pPr marL="0" indent="0">
+              <a:buNone/>
+            </a:pPr>
             <a:endParaRPr lang="de-DE" dirty="0"/>
-          </a:p>
-          <a:p>
-            <a:endParaRPr lang="de-DE" dirty="0"/>
-          </a:p>
-          <a:p>
-            <a:r>
-              <a:rPr lang="de-DE" dirty="0"/>
-              <a:t>And </a:t>
-            </a:r>
-            <a:r>
-              <a:rPr lang="de-DE" dirty="0" err="1"/>
-              <a:t>the</a:t>
-            </a:r>
-            <a:r>
-              <a:rPr lang="de-DE" dirty="0"/>
-              <a:t> </a:t>
-            </a:r>
-            <a:r>
-              <a:rPr lang="de-DE" dirty="0" err="1"/>
-              <a:t>heat</a:t>
-            </a:r>
-            <a:r>
-              <a:rPr lang="de-DE" dirty="0"/>
-              <a:t> pump </a:t>
-            </a:r>
-            <a:r>
-              <a:rPr lang="de-DE" dirty="0" err="1"/>
-              <a:t>used</a:t>
-            </a:r>
-            <a:r>
-              <a:rPr lang="de-DE" dirty="0"/>
-              <a:t> 42.83 kWh/(m^2 *a) (</a:t>
-            </a:r>
-            <a:r>
-              <a:rPr lang="de-DE" dirty="0" err="1"/>
-              <a:t>from</a:t>
-            </a:r>
-            <a:r>
-              <a:rPr lang="de-DE" dirty="0"/>
-              <a:t> Jan </a:t>
-            </a:r>
-            <a:r>
-              <a:rPr lang="de-DE" dirty="0" err="1"/>
-              <a:t>to</a:t>
-            </a:r>
-            <a:r>
-              <a:rPr lang="de-DE" dirty="0"/>
-              <a:t> Mar)</a:t>
-            </a:r>
           </a:p>
         </p:txBody>
       </p:sp>
@@ -17572,6 +17708,96 @@
           </a:p>
         </p:txBody>
       </p:sp>
+      <p:pic>
+        <p:nvPicPr>
+          <p:cNvPr id="5" name="Picture 4">
+            <a:extLst>
+              <a:ext uri="{FF2B5EF4-FFF2-40B4-BE49-F238E27FC236}">
+                <a16:creationId xmlns:a16="http://schemas.microsoft.com/office/drawing/2014/main" id="{168F6720-8F8C-7A5B-6239-EF85697C8A8E}"/>
+              </a:ext>
+            </a:extLst>
+          </p:cNvPr>
+          <p:cNvPicPr>
+            <a:picLocks noChangeAspect="1"/>
+          </p:cNvPicPr>
+          <p:nvPr/>
+        </p:nvPicPr>
+        <p:blipFill>
+          <a:blip r:embed="rId3"/>
+          <a:stretch>
+            <a:fillRect/>
+          </a:stretch>
+        </p:blipFill>
+        <p:spPr>
+          <a:xfrm>
+            <a:off x="4644825" y="2062221"/>
+            <a:ext cx="5362575" cy="3962400"/>
+          </a:xfrm>
+          <a:prstGeom prst="rect">
+            <a:avLst/>
+          </a:prstGeom>
+        </p:spPr>
+      </p:pic>
+      <p:pic>
+        <p:nvPicPr>
+          <p:cNvPr id="7" name="Picture 6">
+            <a:extLst>
+              <a:ext uri="{FF2B5EF4-FFF2-40B4-BE49-F238E27FC236}">
+                <a16:creationId xmlns:a16="http://schemas.microsoft.com/office/drawing/2014/main" id="{62AB353D-D0B4-C9FA-873A-CAD4518C462E}"/>
+              </a:ext>
+            </a:extLst>
+          </p:cNvPr>
+          <p:cNvPicPr>
+            <a:picLocks noChangeAspect="1"/>
+          </p:cNvPicPr>
+          <p:nvPr/>
+        </p:nvPicPr>
+        <p:blipFill>
+          <a:blip r:embed="rId4"/>
+          <a:stretch>
+            <a:fillRect/>
+          </a:stretch>
+        </p:blipFill>
+        <p:spPr>
+          <a:xfrm>
+            <a:off x="8812260" y="2732584"/>
+            <a:ext cx="2257740" cy="2495898"/>
+          </a:xfrm>
+          <a:prstGeom prst="rect">
+            <a:avLst/>
+          </a:prstGeom>
+        </p:spPr>
+      </p:pic>
+      <p:pic>
+        <p:nvPicPr>
+          <p:cNvPr id="9" name="Picture 8">
+            <a:extLst>
+              <a:ext uri="{FF2B5EF4-FFF2-40B4-BE49-F238E27FC236}">
+                <a16:creationId xmlns:a16="http://schemas.microsoft.com/office/drawing/2014/main" id="{6DB0340A-D955-3E33-8320-56DCE8DCA308}"/>
+              </a:ext>
+            </a:extLst>
+          </p:cNvPr>
+          <p:cNvPicPr>
+            <a:picLocks noChangeAspect="1"/>
+          </p:cNvPicPr>
+          <p:nvPr/>
+        </p:nvPicPr>
+        <p:blipFill>
+          <a:blip r:embed="rId5"/>
+          <a:stretch>
+            <a:fillRect/>
+          </a:stretch>
+        </p:blipFill>
+        <p:spPr>
+          <a:xfrm>
+            <a:off x="9517600" y="4263697"/>
+            <a:ext cx="2400635" cy="2353003"/>
+          </a:xfrm>
+          <a:prstGeom prst="rect">
+            <a:avLst/>
+          </a:prstGeom>
+        </p:spPr>
+      </p:pic>
     </p:spTree>
     <p:extLst>
       <p:ext uri="{BB962C8B-B14F-4D97-AF65-F5344CB8AC3E}">
